--- a/Blank/Lecture_04_ Tokenization.pptx
+++ b/Blank/Lecture_04_ Tokenization.pptx
@@ -258,7 +258,7 @@
   </p:defaultTextStyle>
   <p:extLst>
     <p:ext uri="GoogleSlidesCustomDataVersion2">
-      <go:slidesCustomData xmlns:go="http://customooxmlschemas.google.com/" r:id="rId21" roundtripDataSignature="AMtx7mhojkRUEqH9SBc+jp2jVsSfkpgqXw=="/>
+      <go:slidesCustomData xmlns:go="http://customooxmlschemas.google.com/" r:id="rId21" roundtripDataSignature="AMtx7mguoJccp6uS29IosILh7DY7jKwCyQ=="/>
     </p:ext>
   </p:extLst>
 </p:presentation>
@@ -947,7 +947,7 @@
   <p:cSld>
     <p:spTree>
       <p:nvGrpSpPr>
-        <p:cNvPr id="109" name="Shape 109"/>
+        <p:cNvPr id="97" name="Shape 97"/>
         <p:cNvGrpSpPr/>
         <p:nvPr/>
       </p:nvGrpSpPr>
@@ -961,7 +961,7 @@
       </p:grpSpPr>
       <p:sp>
         <p:nvSpPr>
-          <p:cNvPr id="110" name="Google Shape;110;g3ba79990f52_0_5:notes"/>
+          <p:cNvPr id="98" name="Google Shape;98;g3b938ea6dd9_0_16:notes"/>
           <p:cNvSpPr/>
           <p:nvPr>
             <p:ph idx="2" type="sldImg"/>
@@ -1006,7 +1006,7 @@
       </p:sp>
       <p:sp>
         <p:nvSpPr>
-          <p:cNvPr id="111" name="Google Shape;111;g3ba79990f52_0_5:notes"/>
+          <p:cNvPr id="99" name="Google Shape;99;g3b938ea6dd9_0_16:notes"/>
           <p:cNvSpPr txBox="1"/>
           <p:nvPr>
             <p:ph idx="1" type="body"/>
@@ -1064,7 +1064,7 @@
   <p:cSld>
     <p:spTree>
       <p:nvGrpSpPr>
-        <p:cNvPr id="115" name="Shape 115"/>
+        <p:cNvPr id="103" name="Shape 103"/>
         <p:cNvGrpSpPr/>
         <p:nvPr/>
       </p:nvGrpSpPr>
@@ -1078,7 +1078,7 @@
       </p:grpSpPr>
       <p:sp>
         <p:nvSpPr>
-          <p:cNvPr id="116" name="Google Shape;116;g3b938ea6dd9_0_16:notes"/>
+          <p:cNvPr id="104" name="Google Shape;104;g3b938ea6dd9_0_68:notes"/>
           <p:cNvSpPr/>
           <p:nvPr>
             <p:ph idx="2" type="sldImg"/>
@@ -1123,7 +1123,7 @@
       </p:sp>
       <p:sp>
         <p:nvSpPr>
-          <p:cNvPr id="117" name="Google Shape;117;g3b938ea6dd9_0_16:notes"/>
+          <p:cNvPr id="105" name="Google Shape;105;g3b938ea6dd9_0_68:notes"/>
           <p:cNvSpPr txBox="1"/>
           <p:nvPr>
             <p:ph idx="1" type="body"/>
@@ -1181,7 +1181,7 @@
   <p:cSld>
     <p:spTree>
       <p:nvGrpSpPr>
-        <p:cNvPr id="121" name="Shape 121"/>
+        <p:cNvPr id="109" name="Shape 109"/>
         <p:cNvGrpSpPr/>
         <p:nvPr/>
       </p:nvGrpSpPr>
@@ -1195,7 +1195,7 @@
       </p:grpSpPr>
       <p:sp>
         <p:nvSpPr>
-          <p:cNvPr id="122" name="Google Shape;122;g3b938ea6dd9_0_68:notes"/>
+          <p:cNvPr id="110" name="Google Shape;110;g3b8409de4d6_0_103:notes"/>
           <p:cNvSpPr/>
           <p:nvPr>
             <p:ph idx="2" type="sldImg"/>
@@ -1240,7 +1240,7 @@
       </p:sp>
       <p:sp>
         <p:nvSpPr>
-          <p:cNvPr id="123" name="Google Shape;123;g3b938ea6dd9_0_68:notes"/>
+          <p:cNvPr id="111" name="Google Shape;111;g3b8409de4d6_0_103:notes"/>
           <p:cNvSpPr txBox="1"/>
           <p:nvPr>
             <p:ph idx="1" type="body"/>
@@ -1298,7 +1298,7 @@
   <p:cSld>
     <p:spTree>
       <p:nvGrpSpPr>
-        <p:cNvPr id="127" name="Shape 127"/>
+        <p:cNvPr id="116" name="Shape 116"/>
         <p:cNvGrpSpPr/>
         <p:nvPr/>
       </p:nvGrpSpPr>
@@ -1312,7 +1312,7 @@
       </p:grpSpPr>
       <p:sp>
         <p:nvSpPr>
-          <p:cNvPr id="128" name="Google Shape;128;g3b8409de4d6_0_103:notes"/>
+          <p:cNvPr id="117" name="Google Shape;117;g3baf4acbdf2_0_12:notes"/>
           <p:cNvSpPr/>
           <p:nvPr>
             <p:ph idx="2" type="sldImg"/>
@@ -1357,7 +1357,7 @@
       </p:sp>
       <p:sp>
         <p:nvSpPr>
-          <p:cNvPr id="129" name="Google Shape;129;g3b8409de4d6_0_103:notes"/>
+          <p:cNvPr id="118" name="Google Shape;118;g3baf4acbdf2_0_12:notes"/>
           <p:cNvSpPr txBox="1"/>
           <p:nvPr>
             <p:ph idx="1" type="body"/>
@@ -1415,7 +1415,7 @@
   <p:cSld>
     <p:spTree>
       <p:nvGrpSpPr>
-        <p:cNvPr id="136" name="Shape 136"/>
+        <p:cNvPr id="125" name="Shape 125"/>
         <p:cNvGrpSpPr/>
         <p:nvPr/>
       </p:nvGrpSpPr>
@@ -1429,7 +1429,7 @@
       </p:grpSpPr>
       <p:sp>
         <p:nvSpPr>
-          <p:cNvPr id="137" name="Google Shape;137;g3b8409de4d6_0_118:notes"/>
+          <p:cNvPr id="126" name="Google Shape;126;g3b8409de4d6_0_118:notes"/>
           <p:cNvSpPr/>
           <p:nvPr>
             <p:ph idx="2" type="sldImg"/>
@@ -1474,7 +1474,7 @@
       </p:sp>
       <p:sp>
         <p:nvSpPr>
-          <p:cNvPr id="138" name="Google Shape;138;g3b8409de4d6_0_118:notes"/>
+          <p:cNvPr id="127" name="Google Shape;127;g3b8409de4d6_0_118:notes"/>
           <p:cNvSpPr txBox="1"/>
           <p:nvPr>
             <p:ph idx="1" type="body"/>
@@ -1532,7 +1532,7 @@
   <p:cSld>
     <p:spTree>
       <p:nvGrpSpPr>
-        <p:cNvPr id="144" name="Shape 144"/>
+        <p:cNvPr id="133" name="Shape 133"/>
         <p:cNvGrpSpPr/>
         <p:nvPr/>
       </p:nvGrpSpPr>
@@ -1546,7 +1546,7 @@
       </p:grpSpPr>
       <p:sp>
         <p:nvSpPr>
-          <p:cNvPr id="145" name="Google Shape;145;g3b938ea6dd9_0_93:notes"/>
+          <p:cNvPr id="134" name="Google Shape;134;g3b938ea6dd9_0_93:notes"/>
           <p:cNvSpPr/>
           <p:nvPr>
             <p:ph idx="2" type="sldImg"/>
@@ -1591,7 +1591,7 @@
       </p:sp>
       <p:sp>
         <p:nvSpPr>
-          <p:cNvPr id="146" name="Google Shape;146;g3b938ea6dd9_0_93:notes"/>
+          <p:cNvPr id="135" name="Google Shape;135;g3b938ea6dd9_0_93:notes"/>
           <p:cNvSpPr txBox="1"/>
           <p:nvPr>
             <p:ph idx="1" type="body"/>
@@ -1649,7 +1649,7 @@
   <p:cSld>
     <p:spTree>
       <p:nvGrpSpPr>
-        <p:cNvPr id="151" name="Shape 151"/>
+        <p:cNvPr id="140" name="Shape 140"/>
         <p:cNvGrpSpPr/>
         <p:nvPr/>
       </p:nvGrpSpPr>
@@ -1663,7 +1663,7 @@
       </p:grpSpPr>
       <p:sp>
         <p:nvSpPr>
-          <p:cNvPr id="152" name="Google Shape;152;g3b8409de4d6_0_108:notes"/>
+          <p:cNvPr id="141" name="Google Shape;141;g3b8409de4d6_0_108:notes"/>
           <p:cNvSpPr/>
           <p:nvPr>
             <p:ph idx="2" type="sldImg"/>
@@ -1708,7 +1708,7 @@
       </p:sp>
       <p:sp>
         <p:nvSpPr>
-          <p:cNvPr id="153" name="Google Shape;153;g3b8409de4d6_0_108:notes"/>
+          <p:cNvPr id="142" name="Google Shape;142;g3b8409de4d6_0_108:notes"/>
           <p:cNvSpPr txBox="1"/>
           <p:nvPr>
             <p:ph idx="1" type="body"/>
@@ -1883,7 +1883,7 @@
   <p:cSld>
     <p:spTree>
       <p:nvGrpSpPr>
-        <p:cNvPr id="44" name="Shape 44"/>
+        <p:cNvPr id="42" name="Shape 42"/>
         <p:cNvGrpSpPr/>
         <p:nvPr/>
       </p:nvGrpSpPr>
@@ -1897,7 +1897,7 @@
       </p:grpSpPr>
       <p:sp>
         <p:nvSpPr>
-          <p:cNvPr id="45" name="Google Shape;45;g3b8409de4d6_0_65:notes"/>
+          <p:cNvPr id="43" name="Google Shape;43;g3b8409de4d6_0_84:notes"/>
           <p:cNvSpPr/>
           <p:nvPr>
             <p:ph idx="2" type="sldImg"/>
@@ -1942,7 +1942,7 @@
       </p:sp>
       <p:sp>
         <p:nvSpPr>
-          <p:cNvPr id="46" name="Google Shape;46;g3b8409de4d6_0_65:notes"/>
+          <p:cNvPr id="44" name="Google Shape;44;g3b8409de4d6_0_84:notes"/>
           <p:cNvSpPr txBox="1"/>
           <p:nvPr>
             <p:ph idx="1" type="body"/>
@@ -2000,7 +2000,7 @@
   <p:cSld>
     <p:spTree>
       <p:nvGrpSpPr>
-        <p:cNvPr id="54" name="Shape 54"/>
+        <p:cNvPr id="48" name="Shape 48"/>
         <p:cNvGrpSpPr/>
         <p:nvPr/>
       </p:nvGrpSpPr>
@@ -2014,7 +2014,7 @@
       </p:grpSpPr>
       <p:sp>
         <p:nvSpPr>
-          <p:cNvPr id="55" name="Google Shape;55;g3b8409de4d6_0_74:notes"/>
+          <p:cNvPr id="49" name="Google Shape;49;g3b938ea6dd9_0_50:notes"/>
           <p:cNvSpPr/>
           <p:nvPr>
             <p:ph idx="2" type="sldImg"/>
@@ -2059,7 +2059,7 @@
       </p:sp>
       <p:sp>
         <p:nvSpPr>
-          <p:cNvPr id="56" name="Google Shape;56;g3b8409de4d6_0_74:notes"/>
+          <p:cNvPr id="50" name="Google Shape;50;g3b938ea6dd9_0_50:notes"/>
           <p:cNvSpPr txBox="1"/>
           <p:nvPr>
             <p:ph idx="1" type="body"/>
@@ -2117,7 +2117,7 @@
   <p:cSld>
     <p:spTree>
       <p:nvGrpSpPr>
-        <p:cNvPr id="63" name="Shape 63"/>
+        <p:cNvPr id="55" name="Shape 55"/>
         <p:cNvGrpSpPr/>
         <p:nvPr/>
       </p:nvGrpSpPr>
@@ -2131,7 +2131,205 @@
       </p:grpSpPr>
       <p:sp>
         <p:nvSpPr>
-          <p:cNvPr id="64" name="Google Shape;64;g3b8409de4d6_0_84:notes"/>
+          <p:cNvPr id="56" name="Google Shape;56;g3baf4acbdf2_0_2:notes"/>
+          <p:cNvSpPr/>
+          <p:nvPr>
+            <p:ph idx="2" type="sldImg"/>
+          </p:nvPr>
+        </p:nvSpPr>
+        <p:spPr>
+          <a:xfrm>
+            <a:off x="1143309" y="685800"/>
+            <a:ext cx="4572000" cy="3429000"/>
+          </a:xfrm>
+          <a:custGeom>
+            <a:rect b="b" l="l" r="r" t="t"/>
+            <a:pathLst>
+              <a:path extrusionOk="0" h="120000" w="120000">
+                <a:moveTo>
+                  <a:pt x="0" y="0"/>
+                </a:moveTo>
+                <a:lnTo>
+                  <a:pt x="120000" y="0"/>
+                </a:lnTo>
+                <a:lnTo>
+                  <a:pt x="120000" y="120000"/>
+                </a:lnTo>
+                <a:lnTo>
+                  <a:pt x="0" y="120000"/>
+                </a:lnTo>
+                <a:close/>
+              </a:path>
+            </a:pathLst>
+          </a:custGeom>
+        </p:spPr>
+      </p:sp>
+      <p:sp>
+        <p:nvSpPr>
+          <p:cNvPr id="57" name="Google Shape;57;g3baf4acbdf2_0_2:notes"/>
+          <p:cNvSpPr txBox="1"/>
+          <p:nvPr>
+            <p:ph idx="1" type="body"/>
+          </p:nvPr>
+        </p:nvSpPr>
+        <p:spPr>
+          <a:xfrm>
+            <a:off x="685800" y="4343400"/>
+            <a:ext cx="5486400" cy="4114800"/>
+          </a:xfrm>
+          <a:prstGeom prst="rect">
+            <a:avLst/>
+          </a:prstGeom>
+        </p:spPr>
+        <p:txBody>
+          <a:bodyPr anchorCtr="0" anchor="t" bIns="91425" lIns="91425" spcFirstLastPara="1" rIns="91425" wrap="square" tIns="91425">
+            <a:noAutofit/>
+          </a:bodyPr>
+          <a:lstStyle/>
+          <a:p>
+            <a:pPr indent="0" lvl="0" marL="0" rtl="0" algn="l">
+              <a:spcBef>
+                <a:spcPts val="0"/>
+              </a:spcBef>
+              <a:spcAft>
+                <a:spcPts val="0"/>
+              </a:spcAft>
+              <a:buNone/>
+            </a:pPr>
+            <a:r>
+              <a:t/>
+            </a:r>
+            <a:endParaRPr/>
+          </a:p>
+        </p:txBody>
+      </p:sp>
+    </p:spTree>
+  </p:cSld>
+  <p:clrMapOvr>
+    <a:masterClrMapping/>
+  </p:clrMapOvr>
+</p:notes>
+</file>
+
+<file path=ppt/notesSlides/notesSlide6.xml><?xml version="1.0" encoding="utf-8"?>
+<p:notes xmlns:a="http://schemas.openxmlformats.org/drawingml/2006/main" xmlns:r="http://schemas.openxmlformats.org/officeDocument/2006/relationships" xmlns:mc="http://schemas.openxmlformats.org/markup-compatibility/2006" xmlns:mv="urn:schemas-microsoft-com:mac:vml" xmlns:p="http://schemas.openxmlformats.org/presentationml/2006/main" xmlns:c="http://schemas.openxmlformats.org/drawingml/2006/chart" xmlns:dgm="http://schemas.openxmlformats.org/drawingml/2006/diagram" xmlns:o="urn:schemas-microsoft-com:office:office" xmlns:v="urn:schemas-microsoft-com:vml" xmlns:pvml="urn:schemas-microsoft-com:office:powerpoint" xmlns:com="http://schemas.openxmlformats.org/drawingml/2006/compatibility" xmlns:p14="http://schemas.microsoft.com/office/powerpoint/2010/main" xmlns:p15="http://schemas.microsoft.com/office/powerpoint/2012/main" xmlns:ahyp="http://schemas.microsoft.com/office/drawing/2018/hyperlinkcolor" showMasterPhAnim="0" showMasterSp="0">
+  <p:cSld>
+    <p:spTree>
+      <p:nvGrpSpPr>
+        <p:cNvPr id="61" name="Shape 61"/>
+        <p:cNvGrpSpPr/>
+        <p:nvPr/>
+      </p:nvGrpSpPr>
+      <p:grpSpPr>
+        <a:xfrm>
+          <a:off x="0" y="0"/>
+          <a:ext cx="0" cy="0"/>
+          <a:chOff x="0" y="0"/>
+          <a:chExt cx="0" cy="0"/>
+        </a:xfrm>
+      </p:grpSpPr>
+      <p:sp>
+        <p:nvSpPr>
+          <p:cNvPr id="62" name="Google Shape;62;g3baf4acbdf2_0_7:notes"/>
+          <p:cNvSpPr/>
+          <p:nvPr>
+            <p:ph idx="2" type="sldImg"/>
+          </p:nvPr>
+        </p:nvSpPr>
+        <p:spPr>
+          <a:xfrm>
+            <a:off x="1143309" y="685800"/>
+            <a:ext cx="4572000" cy="3429000"/>
+          </a:xfrm>
+          <a:custGeom>
+            <a:rect b="b" l="l" r="r" t="t"/>
+            <a:pathLst>
+              <a:path extrusionOk="0" h="120000" w="120000">
+                <a:moveTo>
+                  <a:pt x="0" y="0"/>
+                </a:moveTo>
+                <a:lnTo>
+                  <a:pt x="120000" y="0"/>
+                </a:lnTo>
+                <a:lnTo>
+                  <a:pt x="120000" y="120000"/>
+                </a:lnTo>
+                <a:lnTo>
+                  <a:pt x="0" y="120000"/>
+                </a:lnTo>
+                <a:close/>
+              </a:path>
+            </a:pathLst>
+          </a:custGeom>
+        </p:spPr>
+      </p:sp>
+      <p:sp>
+        <p:nvSpPr>
+          <p:cNvPr id="63" name="Google Shape;63;g3baf4acbdf2_0_7:notes"/>
+          <p:cNvSpPr txBox="1"/>
+          <p:nvPr>
+            <p:ph idx="1" type="body"/>
+          </p:nvPr>
+        </p:nvSpPr>
+        <p:spPr>
+          <a:xfrm>
+            <a:off x="685800" y="4343400"/>
+            <a:ext cx="5486400" cy="4114800"/>
+          </a:xfrm>
+          <a:prstGeom prst="rect">
+            <a:avLst/>
+          </a:prstGeom>
+        </p:spPr>
+        <p:txBody>
+          <a:bodyPr anchorCtr="0" anchor="t" bIns="91425" lIns="91425" spcFirstLastPara="1" rIns="91425" wrap="square" tIns="91425">
+            <a:noAutofit/>
+          </a:bodyPr>
+          <a:lstStyle/>
+          <a:p>
+            <a:pPr indent="0" lvl="0" marL="0" rtl="0" algn="l">
+              <a:spcBef>
+                <a:spcPts val="0"/>
+              </a:spcBef>
+              <a:spcAft>
+                <a:spcPts val="0"/>
+              </a:spcAft>
+              <a:buNone/>
+            </a:pPr>
+            <a:r>
+              <a:t/>
+            </a:r>
+            <a:endParaRPr/>
+          </a:p>
+        </p:txBody>
+      </p:sp>
+    </p:spTree>
+  </p:cSld>
+  <p:clrMapOvr>
+    <a:masterClrMapping/>
+  </p:clrMapOvr>
+</p:notes>
+</file>
+
+<file path=ppt/notesSlides/notesSlide7.xml><?xml version="1.0" encoding="utf-8"?>
+<p:notes xmlns:a="http://schemas.openxmlformats.org/drawingml/2006/main" xmlns:r="http://schemas.openxmlformats.org/officeDocument/2006/relationships" xmlns:mc="http://schemas.openxmlformats.org/markup-compatibility/2006" xmlns:mv="urn:schemas-microsoft-com:mac:vml" xmlns:p="http://schemas.openxmlformats.org/presentationml/2006/main" xmlns:c="http://schemas.openxmlformats.org/drawingml/2006/chart" xmlns:dgm="http://schemas.openxmlformats.org/drawingml/2006/diagram" xmlns:o="urn:schemas-microsoft-com:office:office" xmlns:v="urn:schemas-microsoft-com:vml" xmlns:pvml="urn:schemas-microsoft-com:office:powerpoint" xmlns:com="http://schemas.openxmlformats.org/drawingml/2006/compatibility" xmlns:p14="http://schemas.microsoft.com/office/powerpoint/2010/main" xmlns:p15="http://schemas.microsoft.com/office/powerpoint/2012/main" xmlns:ahyp="http://schemas.microsoft.com/office/drawing/2018/hyperlinkcolor" showMasterPhAnim="0" showMasterSp="0">
+  <p:cSld>
+    <p:spTree>
+      <p:nvGrpSpPr>
+        <p:cNvPr id="67" name="Shape 67"/>
+        <p:cNvGrpSpPr/>
+        <p:nvPr/>
+      </p:nvGrpSpPr>
+      <p:grpSpPr>
+        <a:xfrm>
+          <a:off x="0" y="0"/>
+          <a:ext cx="0" cy="0"/>
+          <a:chOff x="0" y="0"/>
+          <a:chExt cx="0" cy="0"/>
+        </a:xfrm>
+      </p:grpSpPr>
+      <p:sp>
+        <p:nvSpPr>
+          <p:cNvPr id="68" name="Google Shape;68;p1:notes"/>
           <p:cNvSpPr/>
           <p:nvPr>
             <p:ph idx="2" type="sldImg"/>
@@ -2176,7 +2374,7 @@
       </p:sp>
       <p:sp>
         <p:nvSpPr>
-          <p:cNvPr id="65" name="Google Shape;65;g3b8409de4d6_0_84:notes"/>
+          <p:cNvPr id="69" name="Google Shape;69;p1:notes"/>
           <p:cNvSpPr txBox="1"/>
           <p:nvPr>
             <p:ph idx="1" type="body"/>
@@ -2229,12 +2427,12 @@
 </p:notes>
 </file>
 
-<file path=ppt/notesSlides/notesSlide6.xml><?xml version="1.0" encoding="utf-8"?>
+<file path=ppt/notesSlides/notesSlide8.xml><?xml version="1.0" encoding="utf-8"?>
 <p:notes xmlns:a="http://schemas.openxmlformats.org/drawingml/2006/main" xmlns:r="http://schemas.openxmlformats.org/officeDocument/2006/relationships" xmlns:mc="http://schemas.openxmlformats.org/markup-compatibility/2006" xmlns:mv="urn:schemas-microsoft-com:mac:vml" xmlns:p="http://schemas.openxmlformats.org/presentationml/2006/main" xmlns:c="http://schemas.openxmlformats.org/drawingml/2006/chart" xmlns:dgm="http://schemas.openxmlformats.org/drawingml/2006/diagram" xmlns:o="urn:schemas-microsoft-com:office:office" xmlns:v="urn:schemas-microsoft-com:vml" xmlns:pvml="urn:schemas-microsoft-com:office:powerpoint" xmlns:com="http://schemas.openxmlformats.org/drawingml/2006/compatibility" xmlns:p14="http://schemas.microsoft.com/office/powerpoint/2010/main" xmlns:p15="http://schemas.microsoft.com/office/powerpoint/2012/main" xmlns:ahyp="http://schemas.microsoft.com/office/drawing/2018/hyperlinkcolor" showMasterPhAnim="0" showMasterSp="0">
   <p:cSld>
     <p:spTree>
       <p:nvGrpSpPr>
-        <p:cNvPr id="70" name="Shape 70"/>
+        <p:cNvPr id="72" name="Shape 72"/>
         <p:cNvGrpSpPr/>
         <p:nvPr/>
       </p:nvGrpSpPr>
@@ -2248,7 +2446,7 @@
       </p:grpSpPr>
       <p:sp>
         <p:nvSpPr>
-          <p:cNvPr id="71" name="Google Shape;71;g3b938ea6dd9_0_50:notes"/>
+          <p:cNvPr id="73" name="Google Shape;73;g3b938ea6dd9_0_26:notes"/>
           <p:cNvSpPr/>
           <p:nvPr>
             <p:ph idx="2" type="sldImg"/>
@@ -2293,7 +2491,7 @@
       </p:sp>
       <p:sp>
         <p:nvSpPr>
-          <p:cNvPr id="72" name="Google Shape;72;g3b938ea6dd9_0_50:notes"/>
+          <p:cNvPr id="74" name="Google Shape;74;g3b938ea6dd9_0_26:notes"/>
           <p:cNvSpPr txBox="1"/>
           <p:nvPr>
             <p:ph idx="1" type="body"/>
@@ -2346,12 +2544,12 @@
 </p:notes>
 </file>
 
-<file path=ppt/notesSlides/notesSlide7.xml><?xml version="1.0" encoding="utf-8"?>
+<file path=ppt/notesSlides/notesSlide9.xml><?xml version="1.0" encoding="utf-8"?>
 <p:notes xmlns:a="http://schemas.openxmlformats.org/drawingml/2006/main" xmlns:r="http://schemas.openxmlformats.org/officeDocument/2006/relationships" xmlns:mc="http://schemas.openxmlformats.org/markup-compatibility/2006" xmlns:mv="urn:schemas-microsoft-com:mac:vml" xmlns:p="http://schemas.openxmlformats.org/presentationml/2006/main" xmlns:c="http://schemas.openxmlformats.org/drawingml/2006/chart" xmlns:dgm="http://schemas.openxmlformats.org/drawingml/2006/diagram" xmlns:o="urn:schemas-microsoft-com:office:office" xmlns:v="urn:schemas-microsoft-com:vml" xmlns:pvml="urn:schemas-microsoft-com:office:powerpoint" xmlns:com="http://schemas.openxmlformats.org/drawingml/2006/compatibility" xmlns:p14="http://schemas.microsoft.com/office/powerpoint/2010/main" xmlns:p15="http://schemas.microsoft.com/office/powerpoint/2012/main" xmlns:ahyp="http://schemas.microsoft.com/office/drawing/2018/hyperlinkcolor" showMasterPhAnim="0" showMasterSp="0">
   <p:cSld>
     <p:spTree>
       <p:nvGrpSpPr>
-        <p:cNvPr id="77" name="Shape 77"/>
+        <p:cNvPr id="91" name="Shape 91"/>
         <p:cNvGrpSpPr/>
         <p:nvPr/>
       </p:nvGrpSpPr>
@@ -2365,7 +2563,7 @@
       </p:grpSpPr>
       <p:sp>
         <p:nvSpPr>
-          <p:cNvPr id="78" name="Google Shape;78;g3b938ea6dd9_0_60:notes"/>
+          <p:cNvPr id="92" name="Google Shape;92;g3ba79990f52_0_5:notes"/>
           <p:cNvSpPr/>
           <p:nvPr>
             <p:ph idx="2" type="sldImg"/>
@@ -2410,241 +2608,7 @@
       </p:sp>
       <p:sp>
         <p:nvSpPr>
-          <p:cNvPr id="79" name="Google Shape;79;g3b938ea6dd9_0_60:notes"/>
-          <p:cNvSpPr txBox="1"/>
-          <p:nvPr>
-            <p:ph idx="1" type="body"/>
-          </p:nvPr>
-        </p:nvSpPr>
-        <p:spPr>
-          <a:xfrm>
-            <a:off x="685800" y="4343400"/>
-            <a:ext cx="5486400" cy="4114800"/>
-          </a:xfrm>
-          <a:prstGeom prst="rect">
-            <a:avLst/>
-          </a:prstGeom>
-          <a:noFill/>
-          <a:ln>
-            <a:noFill/>
-          </a:ln>
-        </p:spPr>
-        <p:txBody>
-          <a:bodyPr anchorCtr="0" anchor="t" bIns="91425" lIns="91425" spcFirstLastPara="1" rIns="91425" wrap="square" tIns="91425">
-            <a:noAutofit/>
-          </a:bodyPr>
-          <a:lstStyle/>
-          <a:p>
-            <a:pPr indent="0" lvl="0" marL="0" rtl="0" algn="l">
-              <a:lnSpc>
-                <a:spcPct val="100000"/>
-              </a:lnSpc>
-              <a:spcBef>
-                <a:spcPts val="0"/>
-              </a:spcBef>
-              <a:spcAft>
-                <a:spcPts val="0"/>
-              </a:spcAft>
-              <a:buSzPts val="1400"/>
-              <a:buNone/>
-            </a:pPr>
-            <a:r>
-              <a:t/>
-            </a:r>
-            <a:endParaRPr/>
-          </a:p>
-        </p:txBody>
-      </p:sp>
-    </p:spTree>
-  </p:cSld>
-  <p:clrMapOvr>
-    <a:masterClrMapping/>
-  </p:clrMapOvr>
-</p:notes>
-</file>
-
-<file path=ppt/notesSlides/notesSlide8.xml><?xml version="1.0" encoding="utf-8"?>
-<p:notes xmlns:a="http://schemas.openxmlformats.org/drawingml/2006/main" xmlns:r="http://schemas.openxmlformats.org/officeDocument/2006/relationships" xmlns:mc="http://schemas.openxmlformats.org/markup-compatibility/2006" xmlns:mv="urn:schemas-microsoft-com:mac:vml" xmlns:p="http://schemas.openxmlformats.org/presentationml/2006/main" xmlns:c="http://schemas.openxmlformats.org/drawingml/2006/chart" xmlns:dgm="http://schemas.openxmlformats.org/drawingml/2006/diagram" xmlns:o="urn:schemas-microsoft-com:office:office" xmlns:v="urn:schemas-microsoft-com:vml" xmlns:pvml="urn:schemas-microsoft-com:office:powerpoint" xmlns:com="http://schemas.openxmlformats.org/drawingml/2006/compatibility" xmlns:p14="http://schemas.microsoft.com/office/powerpoint/2010/main" xmlns:p15="http://schemas.microsoft.com/office/powerpoint/2012/main" xmlns:ahyp="http://schemas.microsoft.com/office/drawing/2018/hyperlinkcolor" showMasterPhAnim="0" showMasterSp="0">
-  <p:cSld>
-    <p:spTree>
-      <p:nvGrpSpPr>
-        <p:cNvPr id="85" name="Shape 85"/>
-        <p:cNvGrpSpPr/>
-        <p:nvPr/>
-      </p:nvGrpSpPr>
-      <p:grpSpPr>
-        <a:xfrm>
-          <a:off x="0" y="0"/>
-          <a:ext cx="0" cy="0"/>
-          <a:chOff x="0" y="0"/>
-          <a:chExt cx="0" cy="0"/>
-        </a:xfrm>
-      </p:grpSpPr>
-      <p:sp>
-        <p:nvSpPr>
-          <p:cNvPr id="86" name="Google Shape;86;p1:notes"/>
-          <p:cNvSpPr/>
-          <p:nvPr>
-            <p:ph idx="2" type="sldImg"/>
-          </p:nvPr>
-        </p:nvSpPr>
-        <p:spPr>
-          <a:xfrm>
-            <a:off x="1143309" y="685800"/>
-            <a:ext cx="4572000" cy="3429000"/>
-          </a:xfrm>
-          <a:custGeom>
-            <a:rect b="b" l="l" r="r" t="t"/>
-            <a:pathLst>
-              <a:path extrusionOk="0" h="120000" w="120000">
-                <a:moveTo>
-                  <a:pt x="0" y="0"/>
-                </a:moveTo>
-                <a:lnTo>
-                  <a:pt x="120000" y="0"/>
-                </a:lnTo>
-                <a:lnTo>
-                  <a:pt x="120000" y="120000"/>
-                </a:lnTo>
-                <a:lnTo>
-                  <a:pt x="0" y="120000"/>
-                </a:lnTo>
-                <a:close/>
-              </a:path>
-            </a:pathLst>
-          </a:custGeom>
-          <a:noFill/>
-          <a:ln cap="flat" cmpd="sng" w="9525">
-            <a:solidFill>
-              <a:srgbClr val="000000"/>
-            </a:solidFill>
-            <a:prstDash val="solid"/>
-            <a:round/>
-            <a:headEnd len="sm" w="sm" type="none"/>
-            <a:tailEnd len="sm" w="sm" type="none"/>
-          </a:ln>
-        </p:spPr>
-      </p:sp>
-      <p:sp>
-        <p:nvSpPr>
-          <p:cNvPr id="87" name="Google Shape;87;p1:notes"/>
-          <p:cNvSpPr txBox="1"/>
-          <p:nvPr>
-            <p:ph idx="1" type="body"/>
-          </p:nvPr>
-        </p:nvSpPr>
-        <p:spPr>
-          <a:xfrm>
-            <a:off x="685800" y="4343400"/>
-            <a:ext cx="5486400" cy="4114800"/>
-          </a:xfrm>
-          <a:prstGeom prst="rect">
-            <a:avLst/>
-          </a:prstGeom>
-          <a:noFill/>
-          <a:ln>
-            <a:noFill/>
-          </a:ln>
-        </p:spPr>
-        <p:txBody>
-          <a:bodyPr anchorCtr="0" anchor="t" bIns="91425" lIns="91425" spcFirstLastPara="1" rIns="91425" wrap="square" tIns="91425">
-            <a:noAutofit/>
-          </a:bodyPr>
-          <a:lstStyle/>
-          <a:p>
-            <a:pPr indent="0" lvl="0" marL="0" rtl="0" algn="l">
-              <a:lnSpc>
-                <a:spcPct val="100000"/>
-              </a:lnSpc>
-              <a:spcBef>
-                <a:spcPts val="0"/>
-              </a:spcBef>
-              <a:spcAft>
-                <a:spcPts val="0"/>
-              </a:spcAft>
-              <a:buSzPts val="1400"/>
-              <a:buNone/>
-            </a:pPr>
-            <a:r>
-              <a:t/>
-            </a:r>
-            <a:endParaRPr/>
-          </a:p>
-        </p:txBody>
-      </p:sp>
-    </p:spTree>
-  </p:cSld>
-  <p:clrMapOvr>
-    <a:masterClrMapping/>
-  </p:clrMapOvr>
-</p:notes>
-</file>
-
-<file path=ppt/notesSlides/notesSlide9.xml><?xml version="1.0" encoding="utf-8"?>
-<p:notes xmlns:a="http://schemas.openxmlformats.org/drawingml/2006/main" xmlns:r="http://schemas.openxmlformats.org/officeDocument/2006/relationships" xmlns:mc="http://schemas.openxmlformats.org/markup-compatibility/2006" xmlns:mv="urn:schemas-microsoft-com:mac:vml" xmlns:p="http://schemas.openxmlformats.org/presentationml/2006/main" xmlns:c="http://schemas.openxmlformats.org/drawingml/2006/chart" xmlns:dgm="http://schemas.openxmlformats.org/drawingml/2006/diagram" xmlns:o="urn:schemas-microsoft-com:office:office" xmlns:v="urn:schemas-microsoft-com:vml" xmlns:pvml="urn:schemas-microsoft-com:office:powerpoint" xmlns:com="http://schemas.openxmlformats.org/drawingml/2006/compatibility" xmlns:p14="http://schemas.microsoft.com/office/powerpoint/2010/main" xmlns:p15="http://schemas.microsoft.com/office/powerpoint/2012/main" xmlns:ahyp="http://schemas.microsoft.com/office/drawing/2018/hyperlinkcolor" showMasterPhAnim="0" showMasterSp="0">
-  <p:cSld>
-    <p:spTree>
-      <p:nvGrpSpPr>
-        <p:cNvPr id="90" name="Shape 90"/>
-        <p:cNvGrpSpPr/>
-        <p:nvPr/>
-      </p:nvGrpSpPr>
-      <p:grpSpPr>
-        <a:xfrm>
-          <a:off x="0" y="0"/>
-          <a:ext cx="0" cy="0"/>
-          <a:chOff x="0" y="0"/>
-          <a:chExt cx="0" cy="0"/>
-        </a:xfrm>
-      </p:grpSpPr>
-      <p:sp>
-        <p:nvSpPr>
-          <p:cNvPr id="91" name="Google Shape;91;g3b938ea6dd9_0_26:notes"/>
-          <p:cNvSpPr/>
-          <p:nvPr>
-            <p:ph idx="2" type="sldImg"/>
-          </p:nvPr>
-        </p:nvSpPr>
-        <p:spPr>
-          <a:xfrm>
-            <a:off x="1143309" y="685800"/>
-            <a:ext cx="4572000" cy="3429000"/>
-          </a:xfrm>
-          <a:custGeom>
-            <a:rect b="b" l="l" r="r" t="t"/>
-            <a:pathLst>
-              <a:path extrusionOk="0" h="120000" w="120000">
-                <a:moveTo>
-                  <a:pt x="0" y="0"/>
-                </a:moveTo>
-                <a:lnTo>
-                  <a:pt x="120000" y="0"/>
-                </a:lnTo>
-                <a:lnTo>
-                  <a:pt x="120000" y="120000"/>
-                </a:lnTo>
-                <a:lnTo>
-                  <a:pt x="0" y="120000"/>
-                </a:lnTo>
-                <a:close/>
-              </a:path>
-            </a:pathLst>
-          </a:custGeom>
-          <a:noFill/>
-          <a:ln cap="flat" cmpd="sng" w="9525">
-            <a:solidFill>
-              <a:srgbClr val="000000"/>
-            </a:solidFill>
-            <a:prstDash val="solid"/>
-            <a:round/>
-            <a:headEnd len="sm" w="sm" type="none"/>
-            <a:tailEnd len="sm" w="sm" type="none"/>
-          </a:ln>
-        </p:spPr>
-      </p:sp>
-      <p:sp>
-        <p:nvSpPr>
-          <p:cNvPr id="92" name="Google Shape;92;g3b938ea6dd9_0_26:notes"/>
+          <p:cNvPr id="93" name="Google Shape;93;g3ba79990f52_0_5:notes"/>
           <p:cNvSpPr txBox="1"/>
           <p:nvPr>
             <p:ph idx="1" type="body"/>
@@ -7515,7 +7479,7 @@
         <p:spPr>
           <a:xfrm>
             <a:off x="457200" y="1600200"/>
-            <a:ext cx="8229600" cy="4967700"/>
+            <a:ext cx="8229600" cy="4819200"/>
           </a:xfrm>
           <a:prstGeom prst="rect">
             <a:avLst/>
@@ -7546,7 +7510,7 @@
             </a:pPr>
             <a:r>
               <a:rPr lang="en"/>
-              <a:t>In a Colab Cell, write code to do the following:</a:t>
+              <a:t>In Colab, write code to do the following:</a:t>
             </a:r>
             <a:endParaRPr/>
           </a:p>
@@ -7565,6 +7529,25 @@
               <a:buNone/>
             </a:pPr>
             <a:r>
+              <a:t/>
+            </a:r>
+            <a:endParaRPr/>
+          </a:p>
+          <a:p>
+            <a:pPr indent="0" lvl="0" marL="0" rtl="0" algn="l">
+              <a:lnSpc>
+                <a:spcPct val="100000"/>
+              </a:lnSpc>
+              <a:spcBef>
+                <a:spcPts val="600"/>
+              </a:spcBef>
+              <a:spcAft>
+                <a:spcPts val="0"/>
+              </a:spcAft>
+              <a:buSzPts val="3000"/>
+              <a:buNone/>
+            </a:pPr>
+            <a:r>
               <a:rPr b="1" lang="en">
                 <a:solidFill>
                   <a:srgbClr val="A31415"/>
@@ -7574,7 +7557,7 @@
                 <a:cs typeface="Consolas"/>
                 <a:sym typeface="Consolas"/>
               </a:rPr>
-              <a:t>&gt;	for</a:t>
+              <a:t>for</a:t>
             </a:r>
             <a:r>
               <a:rPr lang="en"/>
@@ -7590,11 +7573,19 @@
                 <a:cs typeface="Consolas"/>
                 <a:sym typeface="Consolas"/>
               </a:rPr>
-              <a:t>int</a:t>
+              <a:t>chars</a:t>
+            </a:r>
+            <a:r>
+              <a:rPr b="1" lang="en">
+                <a:solidFill>
+                  <a:srgbClr val="A31415"/>
+                </a:solidFill>
+              </a:rPr>
+              <a:t> </a:t>
             </a:r>
             <a:r>
               <a:rPr lang="en"/>
-              <a:t>egers 0-9, </a:t>
+              <a:t>in an input </a:t>
             </a:r>
             <a:r>
               <a:rPr b="1" lang="en">
@@ -7606,11 +7597,11 @@
                 <a:cs typeface="Consolas"/>
                 <a:sym typeface="Consolas"/>
               </a:rPr>
-              <a:t>print</a:t>
+              <a:t>string</a:t>
             </a:r>
             <a:r>
               <a:rPr lang="en"/>
-              <a:t> out the </a:t>
+              <a:t>, count how frequently each appears and </a:t>
             </a:r>
             <a:r>
               <a:rPr b="1" lang="en">
@@ -7622,75 +7613,94 @@
                 <a:cs typeface="Consolas"/>
                 <a:sym typeface="Consolas"/>
               </a:rPr>
-              <a:t>&gt;</a:t>
+              <a:t>return</a:t>
             </a:r>
             <a:r>
               <a:rPr lang="en"/>
-              <a:t>  </a:t>
-            </a:r>
-            <a:r>
-              <a:rPr b="1" lang="en">
-                <a:solidFill>
-                  <a:srgbClr val="A31415"/>
+              <a:t> the counts.</a:t>
+            </a:r>
+            <a:endParaRPr/>
+          </a:p>
+          <a:p>
+            <a:pPr indent="0" lvl="0" marL="0" rtl="0" algn="l">
+              <a:lnSpc>
+                <a:spcPct val="100000"/>
+              </a:lnSpc>
+              <a:spcBef>
+                <a:spcPts val="600"/>
+              </a:spcBef>
+              <a:spcAft>
+                <a:spcPts val="0"/>
+              </a:spcAft>
+              <a:buSzPts val="3000"/>
+              <a:buNone/>
+            </a:pPr>
+            <a:r>
+              <a:t/>
+            </a:r>
+            <a:endParaRPr/>
+          </a:p>
+          <a:p>
+            <a:pPr indent="0" lvl="0" marL="0" rtl="0" algn="l">
+              <a:lnSpc>
+                <a:spcPct val="100000"/>
+              </a:lnSpc>
+              <a:spcBef>
+                <a:spcPts val="600"/>
+              </a:spcBef>
+              <a:spcAft>
+                <a:spcPts val="0"/>
+              </a:spcAft>
+              <a:buSzPts val="3000"/>
+              <a:buNone/>
+            </a:pPr>
+            <a:r>
+              <a:rPr lang="en">
+                <a:solidFill>
+                  <a:srgbClr val="DCB439"/>
                 </a:solidFill>
                 <a:latin typeface="Consolas"/>
                 <a:ea typeface="Consolas"/>
                 <a:cs typeface="Consolas"/>
                 <a:sym typeface="Consolas"/>
               </a:rPr>
-              <a:t>int</a:t>
-            </a:r>
-            <a:r>
-              <a:rPr lang="en"/>
-              <a:t> plus 5</a:t>
-            </a:r>
-            <a:endParaRPr/>
-          </a:p>
-          <a:p>
-            <a:pPr indent="0" lvl="0" marL="0" rtl="0" algn="l">
-              <a:lnSpc>
-                <a:spcPct val="100000"/>
-              </a:lnSpc>
-              <a:spcBef>
-                <a:spcPts val="600"/>
-              </a:spcBef>
-              <a:spcAft>
-                <a:spcPts val="0"/>
-              </a:spcAft>
-              <a:buSzPts val="3000"/>
-              <a:buNone/>
-            </a:pPr>
-            <a:r>
-              <a:t/>
-            </a:r>
-            <a:endParaRPr/>
-          </a:p>
-          <a:p>
-            <a:pPr indent="0" lvl="0" marL="0" rtl="0" algn="l">
-              <a:lnSpc>
-                <a:spcPct val="100000"/>
-              </a:lnSpc>
-              <a:spcBef>
-                <a:spcPts val="600"/>
-              </a:spcBef>
-              <a:spcAft>
-                <a:spcPts val="0"/>
-              </a:spcAft>
-              <a:buSzPts val="3000"/>
-              <a:buNone/>
-            </a:pPr>
+              <a:t>print</a:t>
+            </a:r>
+            <a:r>
+              <a:rPr lang="en">
+                <a:latin typeface="Consolas"/>
+                <a:ea typeface="Consolas"/>
+                <a:cs typeface="Consolas"/>
+                <a:sym typeface="Consolas"/>
+              </a:rPr>
+              <a:t>(char_counter(</a:t>
+            </a:r>
             <a:r>
               <a:rPr b="1" lang="en">
                 <a:solidFill>
-                  <a:srgbClr val="DCB439"/>
-                </a:solidFill>
-              </a:rPr>
-              <a:t>Challenge:</a:t>
-            </a:r>
-            <a:endParaRPr b="1">
-              <a:solidFill>
-                <a:srgbClr val="DCB439"/>
-              </a:solidFill>
+                  <a:srgbClr val="A31415"/>
+                </a:solidFill>
+                <a:latin typeface="Consolas"/>
+                <a:ea typeface="Consolas"/>
+                <a:cs typeface="Consolas"/>
+                <a:sym typeface="Consolas"/>
+              </a:rPr>
+              <a:t>‘hello there’</a:t>
+            </a:r>
+            <a:r>
+              <a:rPr lang="en">
+                <a:latin typeface="Consolas"/>
+                <a:ea typeface="Consolas"/>
+                <a:cs typeface="Consolas"/>
+                <a:sym typeface="Consolas"/>
+              </a:rPr>
+              <a:t>))</a:t>
+            </a:r>
+            <a:endParaRPr>
+              <a:latin typeface="Consolas"/>
+              <a:ea typeface="Consolas"/>
+              <a:cs typeface="Consolas"/>
+              <a:sym typeface="Consolas"/>
             </a:endParaRPr>
           </a:p>
           <a:p>
@@ -7708,23 +7718,16 @@
               <a:buNone/>
             </a:pPr>
             <a:r>
-              <a:rPr b="1" lang="en">
-                <a:solidFill>
-                  <a:srgbClr val="A31415"/>
-                </a:solidFill>
+              <a:rPr b="1" lang="en" sz="2600">
                 <a:latin typeface="Consolas"/>
                 <a:ea typeface="Consolas"/>
                 <a:cs typeface="Consolas"/>
                 <a:sym typeface="Consolas"/>
               </a:rPr>
-              <a:t>&gt; def</a:t>
-            </a:r>
-            <a:r>
-              <a:rPr lang="en"/>
-              <a:t>ine a </a:t>
-            </a:r>
-            <a:r>
-              <a:rPr b="1" lang="en">
+              <a:t>&gt; {</a:t>
+            </a:r>
+            <a:r>
+              <a:rPr b="1" lang="en" sz="2600">
                 <a:solidFill>
                   <a:srgbClr val="A31415"/>
                 </a:solidFill>
@@ -7733,61 +7736,254 @@
                 <a:cs typeface="Consolas"/>
                 <a:sym typeface="Consolas"/>
               </a:rPr>
-              <a:t>function</a:t>
-            </a:r>
-            <a:r>
-              <a:rPr lang="en"/>
-              <a:t> that would accept any </a:t>
-            </a:r>
-            <a:endParaRPr/>
-          </a:p>
-          <a:p>
-            <a:pPr indent="0" lvl="0" marL="0" rtl="0" algn="l">
-              <a:lnSpc>
-                <a:spcPct val="100000"/>
-              </a:lnSpc>
-              <a:spcBef>
-                <a:spcPts val="600"/>
-              </a:spcBef>
-              <a:spcAft>
-                <a:spcPts val="0"/>
-              </a:spcAft>
-              <a:buSzPts val="3000"/>
-              <a:buNone/>
-            </a:pPr>
-            <a:r>
-              <a:rPr b="1" lang="en">
-                <a:solidFill>
-                  <a:srgbClr val="A31415"/>
-                </a:solidFill>
+              <a:t>‘h’</a:t>
+            </a:r>
+            <a:r>
+              <a:rPr b="1" lang="en" sz="2600">
                 <a:latin typeface="Consolas"/>
                 <a:ea typeface="Consolas"/>
                 <a:cs typeface="Consolas"/>
                 <a:sym typeface="Consolas"/>
               </a:rPr>
-              <a:t>&gt; </a:t>
-            </a:r>
-            <a:r>
-              <a:rPr lang="en"/>
-              <a:t>highest </a:t>
-            </a:r>
-            <a:r>
-              <a:rPr b="1" lang="en">
-                <a:solidFill>
-                  <a:srgbClr val="A31415"/>
+              <a:t>:</a:t>
+            </a:r>
+            <a:r>
+              <a:rPr b="1" lang="en" sz="2600">
+                <a:solidFill>
+                  <a:srgbClr val="465510"/>
                 </a:solidFill>
                 <a:latin typeface="Consolas"/>
                 <a:ea typeface="Consolas"/>
                 <a:cs typeface="Consolas"/>
                 <a:sym typeface="Consolas"/>
               </a:rPr>
-              <a:t>int</a:t>
-            </a:r>
-            <a:r>
-              <a:rPr lang="en"/>
-              <a:t>eger, instead of only going to 9</a:t>
-            </a:r>
-            <a:endParaRPr/>
+              <a:t>2</a:t>
+            </a:r>
+            <a:r>
+              <a:rPr b="1" lang="en" sz="2600">
+                <a:latin typeface="Consolas"/>
+                <a:ea typeface="Consolas"/>
+                <a:cs typeface="Consolas"/>
+                <a:sym typeface="Consolas"/>
+              </a:rPr>
+              <a:t>, </a:t>
+            </a:r>
+            <a:r>
+              <a:rPr b="1" lang="en" sz="2600">
+                <a:solidFill>
+                  <a:srgbClr val="A31415"/>
+                </a:solidFill>
+                <a:latin typeface="Consolas"/>
+                <a:ea typeface="Consolas"/>
+                <a:cs typeface="Consolas"/>
+                <a:sym typeface="Consolas"/>
+              </a:rPr>
+              <a:t>‘e’</a:t>
+            </a:r>
+            <a:r>
+              <a:rPr b="1" lang="en" sz="2600">
+                <a:latin typeface="Consolas"/>
+                <a:ea typeface="Consolas"/>
+                <a:cs typeface="Consolas"/>
+                <a:sym typeface="Consolas"/>
+              </a:rPr>
+              <a:t>:</a:t>
+            </a:r>
+            <a:r>
+              <a:rPr b="1" lang="en" sz="2600">
+                <a:solidFill>
+                  <a:srgbClr val="465510"/>
+                </a:solidFill>
+                <a:latin typeface="Consolas"/>
+                <a:ea typeface="Consolas"/>
+                <a:cs typeface="Consolas"/>
+                <a:sym typeface="Consolas"/>
+              </a:rPr>
+              <a:t>3</a:t>
+            </a:r>
+            <a:r>
+              <a:rPr b="1" lang="en" sz="2600">
+                <a:latin typeface="Consolas"/>
+                <a:ea typeface="Consolas"/>
+                <a:cs typeface="Consolas"/>
+                <a:sym typeface="Consolas"/>
+              </a:rPr>
+              <a:t>, </a:t>
+            </a:r>
+            <a:r>
+              <a:rPr b="1" lang="en" sz="2600">
+                <a:solidFill>
+                  <a:srgbClr val="A31415"/>
+                </a:solidFill>
+                <a:latin typeface="Consolas"/>
+                <a:ea typeface="Consolas"/>
+                <a:cs typeface="Consolas"/>
+                <a:sym typeface="Consolas"/>
+              </a:rPr>
+              <a:t>‘l’</a:t>
+            </a:r>
+            <a:r>
+              <a:rPr b="1" lang="en" sz="2600">
+                <a:latin typeface="Consolas"/>
+                <a:ea typeface="Consolas"/>
+                <a:cs typeface="Consolas"/>
+                <a:sym typeface="Consolas"/>
+              </a:rPr>
+              <a:t>:</a:t>
+            </a:r>
+            <a:r>
+              <a:rPr b="1" lang="en" sz="2600">
+                <a:solidFill>
+                  <a:srgbClr val="465510"/>
+                </a:solidFill>
+                <a:latin typeface="Consolas"/>
+                <a:ea typeface="Consolas"/>
+                <a:cs typeface="Consolas"/>
+                <a:sym typeface="Consolas"/>
+              </a:rPr>
+              <a:t>2</a:t>
+            </a:r>
+            <a:r>
+              <a:rPr b="1" lang="en" sz="2600">
+                <a:latin typeface="Consolas"/>
+                <a:ea typeface="Consolas"/>
+                <a:cs typeface="Consolas"/>
+                <a:sym typeface="Consolas"/>
+              </a:rPr>
+              <a:t>, </a:t>
+            </a:r>
+            <a:r>
+              <a:rPr b="1" lang="en" sz="2600">
+                <a:solidFill>
+                  <a:srgbClr val="A31415"/>
+                </a:solidFill>
+                <a:latin typeface="Consolas"/>
+                <a:ea typeface="Consolas"/>
+                <a:cs typeface="Consolas"/>
+                <a:sym typeface="Consolas"/>
+              </a:rPr>
+              <a:t>‘o’</a:t>
+            </a:r>
+            <a:r>
+              <a:rPr b="1" lang="en" sz="2600">
+                <a:latin typeface="Consolas"/>
+                <a:ea typeface="Consolas"/>
+                <a:cs typeface="Consolas"/>
+                <a:sym typeface="Consolas"/>
+              </a:rPr>
+              <a:t>:</a:t>
+            </a:r>
+            <a:r>
+              <a:rPr b="1" lang="en" sz="2600">
+                <a:solidFill>
+                  <a:srgbClr val="465510"/>
+                </a:solidFill>
+                <a:latin typeface="Consolas"/>
+                <a:ea typeface="Consolas"/>
+                <a:cs typeface="Consolas"/>
+                <a:sym typeface="Consolas"/>
+              </a:rPr>
+              <a:t>1</a:t>
+            </a:r>
+            <a:r>
+              <a:rPr b="1" lang="en" sz="2600">
+                <a:latin typeface="Consolas"/>
+                <a:ea typeface="Consolas"/>
+                <a:cs typeface="Consolas"/>
+                <a:sym typeface="Consolas"/>
+              </a:rPr>
+              <a:t>, </a:t>
+            </a:r>
+            <a:r>
+              <a:rPr b="1" lang="en" sz="2600">
+                <a:solidFill>
+                  <a:srgbClr val="A31415"/>
+                </a:solidFill>
+                <a:latin typeface="Consolas"/>
+                <a:ea typeface="Consolas"/>
+                <a:cs typeface="Consolas"/>
+                <a:sym typeface="Consolas"/>
+              </a:rPr>
+              <a:t>‘t’</a:t>
+            </a:r>
+            <a:r>
+              <a:rPr b="1" lang="en" sz="2600">
+                <a:latin typeface="Consolas"/>
+                <a:ea typeface="Consolas"/>
+                <a:cs typeface="Consolas"/>
+                <a:sym typeface="Consolas"/>
+              </a:rPr>
+              <a:t>:</a:t>
+            </a:r>
+            <a:r>
+              <a:rPr b="1" lang="en" sz="2600">
+                <a:solidFill>
+                  <a:srgbClr val="465510"/>
+                </a:solidFill>
+                <a:latin typeface="Consolas"/>
+                <a:ea typeface="Consolas"/>
+                <a:cs typeface="Consolas"/>
+                <a:sym typeface="Consolas"/>
+              </a:rPr>
+              <a:t>1</a:t>
+            </a:r>
+            <a:r>
+              <a:rPr b="1" lang="en" sz="2600">
+                <a:latin typeface="Consolas"/>
+                <a:ea typeface="Consolas"/>
+                <a:cs typeface="Consolas"/>
+                <a:sym typeface="Consolas"/>
+              </a:rPr>
+              <a:t>, </a:t>
+            </a:r>
+            <a:r>
+              <a:rPr b="1" lang="en" sz="2600">
+                <a:solidFill>
+                  <a:srgbClr val="A31415"/>
+                </a:solidFill>
+                <a:latin typeface="Consolas"/>
+                <a:ea typeface="Consolas"/>
+                <a:cs typeface="Consolas"/>
+                <a:sym typeface="Consolas"/>
+              </a:rPr>
+              <a:t>‘r’</a:t>
+            </a:r>
+            <a:r>
+              <a:rPr b="1" lang="en" sz="2600">
+                <a:latin typeface="Consolas"/>
+                <a:ea typeface="Consolas"/>
+                <a:cs typeface="Consolas"/>
+                <a:sym typeface="Consolas"/>
+              </a:rPr>
+              <a:t>:</a:t>
+            </a:r>
+            <a:r>
+              <a:rPr b="1" lang="en" sz="2600">
+                <a:solidFill>
+                  <a:srgbClr val="465510"/>
+                </a:solidFill>
+                <a:latin typeface="Consolas"/>
+                <a:ea typeface="Consolas"/>
+                <a:cs typeface="Consolas"/>
+                <a:sym typeface="Consolas"/>
+              </a:rPr>
+              <a:t>1</a:t>
+            </a:r>
+            <a:r>
+              <a:rPr b="1" lang="en" sz="2600">
+                <a:latin typeface="Consolas"/>
+                <a:ea typeface="Consolas"/>
+                <a:cs typeface="Consolas"/>
+                <a:sym typeface="Consolas"/>
+              </a:rPr>
+              <a:t>}</a:t>
+            </a:r>
+            <a:endParaRPr b="1" sz="2600">
+              <a:latin typeface="Consolas"/>
+              <a:ea typeface="Consolas"/>
+              <a:cs typeface="Consolas"/>
+              <a:sym typeface="Consolas"/>
+            </a:endParaRPr>
           </a:p>
         </p:txBody>
       </p:sp>
@@ -7804,7 +8000,7 @@
   <p:cSld>
     <p:spTree>
       <p:nvGrpSpPr>
-        <p:cNvPr id="112" name="Shape 112"/>
+        <p:cNvPr id="100" name="Shape 100"/>
         <p:cNvGrpSpPr/>
         <p:nvPr/>
       </p:nvGrpSpPr>
@@ -7818,7 +8014,7 @@
       </p:grpSpPr>
       <p:sp>
         <p:nvSpPr>
-          <p:cNvPr id="113" name="Google Shape;113;g3ba79990f52_0_5"/>
+          <p:cNvPr id="101" name="Google Shape;101;g3b938ea6dd9_0_16"/>
           <p:cNvSpPr txBox="1"/>
           <p:nvPr>
             <p:ph type="title"/>
@@ -7858,30 +8054,24 @@
             </a:pPr>
             <a:r>
               <a:rPr lang="en"/>
-              <a:t>Last Class - Tokenization 01</a:t>
+              <a:t>Why do we Tokenize?</a:t>
             </a:r>
             <a:endParaRPr/>
           </a:p>
         </p:txBody>
       </p:sp>
-      <p:pic>
-        <p:nvPicPr>
-          <p:cNvPr id="114" name="Google Shape;114;g3ba79990f52_0_5"/>
-          <p:cNvPicPr preferRelativeResize="0"/>
-          <p:nvPr/>
-        </p:nvPicPr>
-        <p:blipFill>
-          <a:blip r:embed="rId3">
-            <a:alphaModFix/>
-          </a:blip>
-          <a:stretch>
-            <a:fillRect/>
-          </a:stretch>
-        </p:blipFill>
+      <p:sp>
+        <p:nvSpPr>
+          <p:cNvPr id="102" name="Google Shape;102;g3b938ea6dd9_0_16"/>
+          <p:cNvSpPr txBox="1"/>
+          <p:nvPr>
+            <p:ph idx="1" type="body"/>
+          </p:nvPr>
+        </p:nvSpPr>
         <p:spPr>
           <a:xfrm>
-            <a:off x="152400" y="1696538"/>
-            <a:ext cx="8839200" cy="3464901"/>
+            <a:off x="457200" y="1600200"/>
+            <a:ext cx="8229600" cy="4967700"/>
           </a:xfrm>
           <a:prstGeom prst="rect">
             <a:avLst/>
@@ -7891,7 +8081,185 @@
             <a:noFill/>
           </a:ln>
         </p:spPr>
-      </p:pic>
+        <p:txBody>
+          <a:bodyPr anchorCtr="0" anchor="t" bIns="91425" lIns="91425" spcFirstLastPara="1" rIns="91425" wrap="square" tIns="91425">
+            <a:noAutofit/>
+          </a:bodyPr>
+          <a:lstStyle/>
+          <a:p>
+            <a:pPr indent="-368300" lvl="0" marL="457200" rtl="0" algn="l">
+              <a:lnSpc>
+                <a:spcPct val="100000"/>
+              </a:lnSpc>
+              <a:spcBef>
+                <a:spcPts val="600"/>
+              </a:spcBef>
+              <a:spcAft>
+                <a:spcPts val="0"/>
+              </a:spcAft>
+              <a:buSzPts val="2200"/>
+              <a:buChar char="●"/>
+            </a:pPr>
+            <a:r>
+              <a:rPr b="1" lang="en" sz="2200">
+                <a:solidFill>
+                  <a:srgbClr val="002B5B"/>
+                </a:solidFill>
+              </a:rPr>
+              <a:t>Machine Readability:</a:t>
+            </a:r>
+            <a:r>
+              <a:rPr lang="en" sz="2200"/>
+              <a:t> Models work with numbers, not letters; </a:t>
+            </a:r>
+            <a:r>
+              <a:rPr b="1" lang="en" sz="2200">
+                <a:solidFill>
+                  <a:srgbClr val="DCB439"/>
+                </a:solidFill>
+              </a:rPr>
+              <a:t>tokens become numerical IDs</a:t>
+            </a:r>
+            <a:r>
+              <a:rPr lang="en" sz="2200"/>
+              <a:t> for the model to understand relationships and context.</a:t>
+            </a:r>
+            <a:endParaRPr sz="2200"/>
+          </a:p>
+          <a:p>
+            <a:pPr indent="-368300" lvl="0" marL="457200" rtl="0" algn="l">
+              <a:lnSpc>
+                <a:spcPct val="100000"/>
+              </a:lnSpc>
+              <a:spcBef>
+                <a:spcPts val="1000"/>
+              </a:spcBef>
+              <a:spcAft>
+                <a:spcPts val="0"/>
+              </a:spcAft>
+              <a:buSzPts val="2200"/>
+              <a:buChar char="●"/>
+            </a:pPr>
+            <a:r>
+              <a:rPr b="1" lang="en" sz="2200">
+                <a:solidFill>
+                  <a:srgbClr val="002B5B"/>
+                </a:solidFill>
+              </a:rPr>
+              <a:t>Efficiency &amp; Scalability:</a:t>
+            </a:r>
+            <a:r>
+              <a:rPr lang="en" sz="2200"/>
+              <a:t> Breaking text into subwords (like "help" + "ful") </a:t>
+            </a:r>
+            <a:r>
+              <a:rPr b="1" lang="en" sz="2200">
+                <a:solidFill>
+                  <a:srgbClr val="DCB439"/>
+                </a:solidFill>
+              </a:rPr>
+              <a:t>reduces the vocabulary size</a:t>
+            </a:r>
+            <a:r>
+              <a:rPr lang="en" sz="2200"/>
+              <a:t>, meaning fewer unique items to learn, </a:t>
+            </a:r>
+            <a:r>
+              <a:rPr b="1" lang="en" sz="2200">
+                <a:solidFill>
+                  <a:srgbClr val="465510"/>
+                </a:solidFill>
+              </a:rPr>
+              <a:t>making models smaller and faster</a:t>
+            </a:r>
+            <a:r>
+              <a:rPr lang="en" sz="2200"/>
+              <a:t> than word-based methods.</a:t>
+            </a:r>
+            <a:endParaRPr sz="2200"/>
+          </a:p>
+          <a:p>
+            <a:pPr indent="-368300" lvl="0" marL="457200" rtl="0" algn="l">
+              <a:lnSpc>
+                <a:spcPct val="100000"/>
+              </a:lnSpc>
+              <a:spcBef>
+                <a:spcPts val="1000"/>
+              </a:spcBef>
+              <a:spcAft>
+                <a:spcPts val="0"/>
+              </a:spcAft>
+              <a:buSzPts val="2200"/>
+              <a:buChar char="●"/>
+            </a:pPr>
+            <a:r>
+              <a:rPr b="1" lang="en" sz="2200">
+                <a:solidFill>
+                  <a:srgbClr val="002B5B"/>
+                </a:solidFill>
+              </a:rPr>
+              <a:t>Handling Novelty:</a:t>
+            </a:r>
+            <a:r>
+              <a:rPr lang="en" sz="2200"/>
+              <a:t> Subword tokenization (like BPE) helps models understand new or misspelled words by </a:t>
+            </a:r>
+            <a:r>
+              <a:rPr b="1" lang="en" sz="2200">
+                <a:solidFill>
+                  <a:srgbClr val="DCB439"/>
+                </a:solidFill>
+              </a:rPr>
+              <a:t>breaking them into known parts, improving robustness</a:t>
+            </a:r>
+            <a:r>
+              <a:rPr lang="en" sz="2200"/>
+              <a:t>.</a:t>
+            </a:r>
+            <a:endParaRPr sz="2200"/>
+          </a:p>
+          <a:p>
+            <a:pPr indent="-368300" lvl="0" marL="457200" rtl="0" algn="l">
+              <a:lnSpc>
+                <a:spcPct val="100000"/>
+              </a:lnSpc>
+              <a:spcBef>
+                <a:spcPts val="1000"/>
+              </a:spcBef>
+              <a:spcAft>
+                <a:spcPts val="1000"/>
+              </a:spcAft>
+              <a:buSzPts val="2200"/>
+              <a:buChar char="●"/>
+            </a:pPr>
+            <a:r>
+              <a:rPr b="1" lang="en" sz="2200">
+                <a:solidFill>
+                  <a:srgbClr val="002B5B"/>
+                </a:solidFill>
+              </a:rPr>
+              <a:t>Contextual Understanding:</a:t>
+            </a:r>
+            <a:r>
+              <a:rPr lang="en" sz="2200"/>
+              <a:t> It provides granular units (tokens) for the model </a:t>
+            </a:r>
+            <a:r>
+              <a:rPr b="1" lang="en" sz="2200">
+                <a:solidFill>
+                  <a:srgbClr val="DCB439"/>
+                </a:solidFill>
+              </a:rPr>
+              <a:t>to predict the next element in a sequence</a:t>
+            </a:r>
+            <a:r>
+              <a:rPr lang="en" sz="2200"/>
+              <a:t>, forming the basis of its language generation.</a:t>
+            </a:r>
+            <a:endParaRPr sz="2200"/>
+          </a:p>
+        </p:txBody>
+      </p:sp>
     </p:spTree>
   </p:cSld>
   <p:clrMapOvr>
@@ -7905,7 +8273,7 @@
   <p:cSld>
     <p:spTree>
       <p:nvGrpSpPr>
-        <p:cNvPr id="118" name="Shape 118"/>
+        <p:cNvPr id="106" name="Shape 106"/>
         <p:cNvGrpSpPr/>
         <p:nvPr/>
       </p:nvGrpSpPr>
@@ -7919,7 +8287,7 @@
       </p:grpSpPr>
       <p:sp>
         <p:nvSpPr>
-          <p:cNvPr id="119" name="Google Shape;119;g3b938ea6dd9_0_16"/>
+          <p:cNvPr id="107" name="Google Shape;107;g3b938ea6dd9_0_68"/>
           <p:cNvSpPr txBox="1"/>
           <p:nvPr>
             <p:ph type="title"/>
@@ -7959,279 +8327,6 @@
             </a:pPr>
             <a:r>
               <a:rPr lang="en"/>
-              <a:t>Why do we Tokenize?</a:t>
-            </a:r>
-            <a:endParaRPr/>
-          </a:p>
-        </p:txBody>
-      </p:sp>
-      <p:sp>
-        <p:nvSpPr>
-          <p:cNvPr id="120" name="Google Shape;120;g3b938ea6dd9_0_16"/>
-          <p:cNvSpPr txBox="1"/>
-          <p:nvPr>
-            <p:ph idx="1" type="body"/>
-          </p:nvPr>
-        </p:nvSpPr>
-        <p:spPr>
-          <a:xfrm>
-            <a:off x="457200" y="1600200"/>
-            <a:ext cx="8229600" cy="4967700"/>
-          </a:xfrm>
-          <a:prstGeom prst="rect">
-            <a:avLst/>
-          </a:prstGeom>
-          <a:noFill/>
-          <a:ln>
-            <a:noFill/>
-          </a:ln>
-        </p:spPr>
-        <p:txBody>
-          <a:bodyPr anchorCtr="0" anchor="t" bIns="91425" lIns="91425" spcFirstLastPara="1" rIns="91425" wrap="square" tIns="91425">
-            <a:noAutofit/>
-          </a:bodyPr>
-          <a:lstStyle/>
-          <a:p>
-            <a:pPr indent="-368300" lvl="0" marL="457200" rtl="0" algn="l">
-              <a:lnSpc>
-                <a:spcPct val="100000"/>
-              </a:lnSpc>
-              <a:spcBef>
-                <a:spcPts val="600"/>
-              </a:spcBef>
-              <a:spcAft>
-                <a:spcPts val="0"/>
-              </a:spcAft>
-              <a:buSzPts val="2200"/>
-              <a:buChar char="●"/>
-            </a:pPr>
-            <a:r>
-              <a:rPr b="1" lang="en" sz="2200">
-                <a:solidFill>
-                  <a:srgbClr val="002B5B"/>
-                </a:solidFill>
-              </a:rPr>
-              <a:t>Machine Readability:</a:t>
-            </a:r>
-            <a:r>
-              <a:rPr lang="en" sz="2200"/>
-              <a:t> Models work with numbers, not letters; </a:t>
-            </a:r>
-            <a:r>
-              <a:rPr b="1" lang="en" sz="2200">
-                <a:solidFill>
-                  <a:srgbClr val="DCB439"/>
-                </a:solidFill>
-              </a:rPr>
-              <a:t>tokens become numerical IDs</a:t>
-            </a:r>
-            <a:r>
-              <a:rPr lang="en" sz="2200"/>
-              <a:t> for the model to understand relationships and context.</a:t>
-            </a:r>
-            <a:endParaRPr sz="2200"/>
-          </a:p>
-          <a:p>
-            <a:pPr indent="-368300" lvl="0" marL="457200" rtl="0" algn="l">
-              <a:lnSpc>
-                <a:spcPct val="100000"/>
-              </a:lnSpc>
-              <a:spcBef>
-                <a:spcPts val="1000"/>
-              </a:spcBef>
-              <a:spcAft>
-                <a:spcPts val="0"/>
-              </a:spcAft>
-              <a:buSzPts val="2200"/>
-              <a:buChar char="●"/>
-            </a:pPr>
-            <a:r>
-              <a:rPr b="1" lang="en" sz="2200">
-                <a:solidFill>
-                  <a:srgbClr val="002B5B"/>
-                </a:solidFill>
-              </a:rPr>
-              <a:t>Efficiency &amp; Scalability:</a:t>
-            </a:r>
-            <a:r>
-              <a:rPr lang="en" sz="2200"/>
-              <a:t> Breaking text into subwords (like "help" + "ful") </a:t>
-            </a:r>
-            <a:r>
-              <a:rPr b="1" lang="en" sz="2200">
-                <a:solidFill>
-                  <a:srgbClr val="DCB439"/>
-                </a:solidFill>
-              </a:rPr>
-              <a:t>reduces the vocabulary size</a:t>
-            </a:r>
-            <a:r>
-              <a:rPr lang="en" sz="2200"/>
-              <a:t>, meaning fewer unique items to learn, </a:t>
-            </a:r>
-            <a:r>
-              <a:rPr b="1" lang="en" sz="2200">
-                <a:solidFill>
-                  <a:srgbClr val="465510"/>
-                </a:solidFill>
-              </a:rPr>
-              <a:t>making models smaller and faster</a:t>
-            </a:r>
-            <a:r>
-              <a:rPr lang="en" sz="2200"/>
-              <a:t> than word-based methods.</a:t>
-            </a:r>
-            <a:endParaRPr sz="2200"/>
-          </a:p>
-          <a:p>
-            <a:pPr indent="-368300" lvl="0" marL="457200" rtl="0" algn="l">
-              <a:lnSpc>
-                <a:spcPct val="100000"/>
-              </a:lnSpc>
-              <a:spcBef>
-                <a:spcPts val="1000"/>
-              </a:spcBef>
-              <a:spcAft>
-                <a:spcPts val="0"/>
-              </a:spcAft>
-              <a:buSzPts val="2200"/>
-              <a:buChar char="●"/>
-            </a:pPr>
-            <a:r>
-              <a:rPr b="1" lang="en" sz="2200">
-                <a:solidFill>
-                  <a:srgbClr val="002B5B"/>
-                </a:solidFill>
-              </a:rPr>
-              <a:t>Handling Novelty:</a:t>
-            </a:r>
-            <a:r>
-              <a:rPr lang="en" sz="2200"/>
-              <a:t> Subword tokenization (like BPE) helps models understand new or misspelled words by </a:t>
-            </a:r>
-            <a:r>
-              <a:rPr b="1" lang="en" sz="2200">
-                <a:solidFill>
-                  <a:srgbClr val="DCB439"/>
-                </a:solidFill>
-              </a:rPr>
-              <a:t>breaking them into known parts, improving robustness</a:t>
-            </a:r>
-            <a:r>
-              <a:rPr lang="en" sz="2200"/>
-              <a:t>.</a:t>
-            </a:r>
-            <a:endParaRPr sz="2200"/>
-          </a:p>
-          <a:p>
-            <a:pPr indent="-368300" lvl="0" marL="457200" rtl="0" algn="l">
-              <a:lnSpc>
-                <a:spcPct val="100000"/>
-              </a:lnSpc>
-              <a:spcBef>
-                <a:spcPts val="1000"/>
-              </a:spcBef>
-              <a:spcAft>
-                <a:spcPts val="1000"/>
-              </a:spcAft>
-              <a:buSzPts val="2200"/>
-              <a:buChar char="●"/>
-            </a:pPr>
-            <a:r>
-              <a:rPr b="1" lang="en" sz="2200">
-                <a:solidFill>
-                  <a:srgbClr val="002B5B"/>
-                </a:solidFill>
-              </a:rPr>
-              <a:t>Contextual Understanding:</a:t>
-            </a:r>
-            <a:r>
-              <a:rPr lang="en" sz="2200"/>
-              <a:t> It provides granular units (tokens) for the model </a:t>
-            </a:r>
-            <a:r>
-              <a:rPr b="1" lang="en" sz="2200">
-                <a:solidFill>
-                  <a:srgbClr val="DCB439"/>
-                </a:solidFill>
-              </a:rPr>
-              <a:t>to predict the next element in a sequence</a:t>
-            </a:r>
-            <a:r>
-              <a:rPr lang="en" sz="2200"/>
-              <a:t>, forming the basis of its language generation.</a:t>
-            </a:r>
-            <a:endParaRPr sz="2200"/>
-          </a:p>
-        </p:txBody>
-      </p:sp>
-    </p:spTree>
-  </p:cSld>
-  <p:clrMapOvr>
-    <a:masterClrMapping/>
-  </p:clrMapOvr>
-</p:sld>
-</file>
-
-<file path=ppt/slides/slide12.xml><?xml version="1.0" encoding="utf-8"?>
-<p:sld xmlns:a="http://schemas.openxmlformats.org/drawingml/2006/main" xmlns:r="http://schemas.openxmlformats.org/officeDocument/2006/relationships" xmlns:mc="http://schemas.openxmlformats.org/markup-compatibility/2006" xmlns:mv="urn:schemas-microsoft-com:mac:vml" xmlns:p="http://schemas.openxmlformats.org/presentationml/2006/main" xmlns:c="http://schemas.openxmlformats.org/drawingml/2006/chart" xmlns:dgm="http://schemas.openxmlformats.org/drawingml/2006/diagram" xmlns:o="urn:schemas-microsoft-com:office:office" xmlns:v="urn:schemas-microsoft-com:vml" xmlns:pvml="urn:schemas-microsoft-com:office:powerpoint" xmlns:com="http://schemas.openxmlformats.org/drawingml/2006/compatibility" xmlns:p14="http://schemas.microsoft.com/office/powerpoint/2010/main" xmlns:p15="http://schemas.microsoft.com/office/powerpoint/2012/main" xmlns:ahyp="http://schemas.microsoft.com/office/drawing/2018/hyperlinkcolor">
-  <p:cSld>
-    <p:spTree>
-      <p:nvGrpSpPr>
-        <p:cNvPr id="124" name="Shape 124"/>
-        <p:cNvGrpSpPr/>
-        <p:nvPr/>
-      </p:nvGrpSpPr>
-      <p:grpSpPr>
-        <a:xfrm>
-          <a:off x="0" y="0"/>
-          <a:ext cx="0" cy="0"/>
-          <a:chOff x="0" y="0"/>
-          <a:chExt cx="0" cy="0"/>
-        </a:xfrm>
-      </p:grpSpPr>
-      <p:sp>
-        <p:nvSpPr>
-          <p:cNvPr id="125" name="Google Shape;125;g3b938ea6dd9_0_68"/>
-          <p:cNvSpPr txBox="1"/>
-          <p:nvPr>
-            <p:ph type="title"/>
-          </p:nvPr>
-        </p:nvSpPr>
-        <p:spPr>
-          <a:xfrm>
-            <a:off x="457200" y="274638"/>
-            <a:ext cx="8229600" cy="1143000"/>
-          </a:xfrm>
-          <a:prstGeom prst="rect">
-            <a:avLst/>
-          </a:prstGeom>
-          <a:noFill/>
-          <a:ln>
-            <a:noFill/>
-          </a:ln>
-        </p:spPr>
-        <p:txBody>
-          <a:bodyPr anchorCtr="0" anchor="b" bIns="91425" lIns="91425" spcFirstLastPara="1" rIns="91425" wrap="square" tIns="91425">
-            <a:noAutofit/>
-          </a:bodyPr>
-          <a:lstStyle/>
-          <a:p>
-            <a:pPr indent="0" lvl="0" marL="0" rtl="0" algn="l">
-              <a:lnSpc>
-                <a:spcPct val="100000"/>
-              </a:lnSpc>
-              <a:spcBef>
-                <a:spcPts val="0"/>
-              </a:spcBef>
-              <a:spcAft>
-                <a:spcPts val="0"/>
-              </a:spcAft>
-              <a:buSzPts val="3600"/>
-              <a:buNone/>
-            </a:pPr>
-            <a:r>
-              <a:rPr lang="en"/>
               <a:t>Byte-Pair Encoding Tokenization </a:t>
             </a:r>
             <a:r>
@@ -8244,7 +8339,7 @@
       </p:sp>
       <p:pic>
         <p:nvPicPr>
-          <p:cNvPr id="126" name="Google Shape;126;g3b938ea6dd9_0_68"/>
+          <p:cNvPr id="108" name="Google Shape;108;g3b938ea6dd9_0_68"/>
           <p:cNvPicPr preferRelativeResize="0"/>
           <p:nvPr/>
         </p:nvPicPr>
@@ -8277,12 +8372,12 @@
 </p:sld>
 </file>
 
-<file path=ppt/slides/slide13.xml><?xml version="1.0" encoding="utf-8"?>
+<file path=ppt/slides/slide12.xml><?xml version="1.0" encoding="utf-8"?>
 <p:sld xmlns:a="http://schemas.openxmlformats.org/drawingml/2006/main" xmlns:r="http://schemas.openxmlformats.org/officeDocument/2006/relationships" xmlns:mc="http://schemas.openxmlformats.org/markup-compatibility/2006" xmlns:mv="urn:schemas-microsoft-com:mac:vml" xmlns:p="http://schemas.openxmlformats.org/presentationml/2006/main" xmlns:c="http://schemas.openxmlformats.org/drawingml/2006/chart" xmlns:dgm="http://schemas.openxmlformats.org/drawingml/2006/diagram" xmlns:o="urn:schemas-microsoft-com:office:office" xmlns:v="urn:schemas-microsoft-com:vml" xmlns:pvml="urn:schemas-microsoft-com:office:powerpoint" xmlns:com="http://schemas.openxmlformats.org/drawingml/2006/compatibility" xmlns:p14="http://schemas.microsoft.com/office/powerpoint/2010/main" xmlns:p15="http://schemas.microsoft.com/office/powerpoint/2012/main" xmlns:ahyp="http://schemas.microsoft.com/office/drawing/2018/hyperlinkcolor">
   <p:cSld>
     <p:spTree>
       <p:nvGrpSpPr>
-        <p:cNvPr id="130" name="Shape 130"/>
+        <p:cNvPr id="112" name="Shape 112"/>
         <p:cNvGrpSpPr/>
         <p:nvPr/>
       </p:nvGrpSpPr>
@@ -8296,7 +8391,7 @@
       </p:grpSpPr>
       <p:sp>
         <p:nvSpPr>
-          <p:cNvPr id="131" name="Google Shape;131;g3b8409de4d6_0_103"/>
+          <p:cNvPr id="113" name="Google Shape;113;g3b8409de4d6_0_103"/>
           <p:cNvSpPr txBox="1"/>
           <p:nvPr>
             <p:ph type="title"/>
@@ -8348,7 +8443,7 @@
             </a:r>
             <a:r>
               <a:rPr lang="en"/>
-              <a:t>: Classes</a:t>
+              <a:t>: Bytes</a:t>
             </a:r>
             <a:endParaRPr/>
           </a:p>
@@ -8356,7 +8451,7 @@
       </p:sp>
       <p:sp>
         <p:nvSpPr>
-          <p:cNvPr id="132" name="Google Shape;132;g3b8409de4d6_0_103"/>
+          <p:cNvPr id="114" name="Google Shape;114;g3b8409de4d6_0_103"/>
           <p:cNvSpPr txBox="1"/>
           <p:nvPr>
             <p:ph idx="1" type="body"/>
@@ -8466,9 +8561,404 @@
           </a:p>
         </p:txBody>
       </p:sp>
+      <p:sp>
+        <p:nvSpPr>
+          <p:cNvPr id="115" name="Google Shape;115;g3b8409de4d6_0_103"/>
+          <p:cNvSpPr txBox="1"/>
+          <p:nvPr/>
+        </p:nvSpPr>
+        <p:spPr>
+          <a:xfrm>
+            <a:off x="457200" y="6002075"/>
+            <a:ext cx="8229600" cy="699000"/>
+          </a:xfrm>
+          <a:prstGeom prst="rect">
+            <a:avLst/>
+          </a:prstGeom>
+          <a:noFill/>
+          <a:ln>
+            <a:noFill/>
+          </a:ln>
+        </p:spPr>
+        <p:txBody>
+          <a:bodyPr anchorCtr="0" anchor="t" bIns="91425" lIns="91425" spcFirstLastPara="1" rIns="91425" wrap="square" tIns="91425">
+            <a:noAutofit/>
+          </a:bodyPr>
+          <a:lstStyle/>
+          <a:p>
+            <a:pPr indent="0" lvl="0" marL="0" marR="0" rtl="0" algn="l">
+              <a:lnSpc>
+                <a:spcPct val="100000"/>
+              </a:lnSpc>
+              <a:spcBef>
+                <a:spcPts val="0"/>
+              </a:spcBef>
+              <a:spcAft>
+                <a:spcPts val="0"/>
+              </a:spcAft>
+              <a:buClr>
+                <a:srgbClr val="000000"/>
+              </a:buClr>
+              <a:buSzPts val="1800"/>
+              <a:buFont typeface="Arial"/>
+              <a:buNone/>
+            </a:pPr>
+            <a:r>
+              <a:rPr b="1" i="0" lang="en" sz="1800" u="none" cap="none" strike="noStrike">
+                <a:solidFill>
+                  <a:srgbClr val="DCB439"/>
+                </a:solidFill>
+                <a:latin typeface="Arial"/>
+                <a:ea typeface="Arial"/>
+                <a:cs typeface="Arial"/>
+                <a:sym typeface="Arial"/>
+              </a:rPr>
+              <a:t>NOTE:</a:t>
+            </a:r>
+            <a:r>
+              <a:rPr b="0" i="0" lang="en" sz="1800" u="none" cap="none" strike="noStrike">
+                <a:solidFill>
+                  <a:schemeClr val="dk1"/>
+                </a:solidFill>
+                <a:latin typeface="Arial"/>
+                <a:ea typeface="Arial"/>
+                <a:cs typeface="Arial"/>
+                <a:sym typeface="Arial"/>
+              </a:rPr>
+              <a:t> We can use </a:t>
+            </a:r>
+            <a:r>
+              <a:rPr b="1" i="0" lang="en" sz="1800" u="none" cap="none" strike="noStrike">
+                <a:solidFill>
+                  <a:srgbClr val="A31415"/>
+                </a:solidFill>
+                <a:latin typeface="Consolas"/>
+                <a:ea typeface="Consolas"/>
+                <a:cs typeface="Consolas"/>
+                <a:sym typeface="Consolas"/>
+              </a:rPr>
+              <a:t>dir(class)</a:t>
+            </a:r>
+            <a:r>
+              <a:rPr b="0" i="0" lang="en" sz="1800" u="none" cap="none" strike="noStrike">
+                <a:solidFill>
+                  <a:schemeClr val="dk1"/>
+                </a:solidFill>
+                <a:latin typeface="Arial"/>
+                <a:ea typeface="Arial"/>
+                <a:cs typeface="Arial"/>
+                <a:sym typeface="Arial"/>
+              </a:rPr>
+              <a:t> to </a:t>
+            </a:r>
+            <a:r>
+              <a:rPr b="1" i="0" lang="en" sz="1800" u="none" cap="none" strike="noStrike">
+                <a:solidFill>
+                  <a:srgbClr val="A31415"/>
+                </a:solidFill>
+                <a:latin typeface="Consolas"/>
+                <a:ea typeface="Consolas"/>
+                <a:cs typeface="Consolas"/>
+                <a:sym typeface="Consolas"/>
+              </a:rPr>
+              <a:t>print</a:t>
+            </a:r>
+            <a:r>
+              <a:rPr b="0" i="0" lang="en" sz="1800" u="none" cap="none" strike="noStrike">
+                <a:solidFill>
+                  <a:schemeClr val="dk1"/>
+                </a:solidFill>
+                <a:latin typeface="Arial"/>
+                <a:ea typeface="Arial"/>
+                <a:cs typeface="Arial"/>
+                <a:sym typeface="Arial"/>
+              </a:rPr>
+              <a:t> out the </a:t>
+            </a:r>
+            <a:r>
+              <a:rPr b="1" i="0" lang="en" sz="1800" u="none" cap="none" strike="noStrike">
+                <a:solidFill>
+                  <a:srgbClr val="A31415"/>
+                </a:solidFill>
+                <a:latin typeface="Consolas"/>
+                <a:ea typeface="Consolas"/>
+                <a:cs typeface="Consolas"/>
+                <a:sym typeface="Consolas"/>
+              </a:rPr>
+              <a:t>attributes</a:t>
+            </a:r>
+            <a:r>
+              <a:rPr b="0" i="0" lang="en" sz="1800" u="none" cap="none" strike="noStrike">
+                <a:solidFill>
+                  <a:schemeClr val="dk1"/>
+                </a:solidFill>
+                <a:latin typeface="Arial"/>
+                <a:ea typeface="Arial"/>
+                <a:cs typeface="Arial"/>
+                <a:sym typeface="Arial"/>
+              </a:rPr>
+              <a:t> and </a:t>
+            </a:r>
+            <a:r>
+              <a:rPr b="1" i="0" lang="en" sz="1800" u="none" cap="none" strike="noStrike">
+                <a:solidFill>
+                  <a:srgbClr val="A31415"/>
+                </a:solidFill>
+                <a:latin typeface="Consolas"/>
+                <a:ea typeface="Consolas"/>
+                <a:cs typeface="Consolas"/>
+                <a:sym typeface="Consolas"/>
+              </a:rPr>
+              <a:t>functions</a:t>
+            </a:r>
+            <a:r>
+              <a:rPr b="0" i="0" lang="en" sz="1800" u="none" cap="none" strike="noStrike">
+                <a:solidFill>
+                  <a:schemeClr val="dk1"/>
+                </a:solidFill>
+                <a:latin typeface="Arial"/>
+                <a:ea typeface="Arial"/>
+                <a:cs typeface="Arial"/>
+                <a:sym typeface="Arial"/>
+              </a:rPr>
+              <a:t> a </a:t>
+            </a:r>
+            <a:r>
+              <a:rPr b="1" i="0" lang="en" sz="1800" u="none" cap="none" strike="noStrike">
+                <a:solidFill>
+                  <a:srgbClr val="A31415"/>
+                </a:solidFill>
+                <a:latin typeface="Consolas"/>
+                <a:ea typeface="Consolas"/>
+                <a:cs typeface="Consolas"/>
+                <a:sym typeface="Consolas"/>
+              </a:rPr>
+              <a:t>class</a:t>
+            </a:r>
+            <a:r>
+              <a:rPr b="0" i="0" lang="en" sz="1800" u="none" cap="none" strike="noStrike">
+                <a:solidFill>
+                  <a:schemeClr val="dk1"/>
+                </a:solidFill>
+                <a:latin typeface="Arial"/>
+                <a:ea typeface="Arial"/>
+                <a:cs typeface="Arial"/>
+                <a:sym typeface="Arial"/>
+              </a:rPr>
+              <a:t> has</a:t>
+            </a:r>
+            <a:endParaRPr b="0" i="0" sz="1800" u="none" cap="none" strike="noStrike">
+              <a:solidFill>
+                <a:schemeClr val="dk1"/>
+              </a:solidFill>
+              <a:latin typeface="Arial"/>
+              <a:ea typeface="Arial"/>
+              <a:cs typeface="Arial"/>
+              <a:sym typeface="Arial"/>
+            </a:endParaRPr>
+          </a:p>
+        </p:txBody>
+      </p:sp>
+    </p:spTree>
+  </p:cSld>
+  <p:clrMapOvr>
+    <a:masterClrMapping/>
+  </p:clrMapOvr>
+</p:sld>
+</file>
+
+<file path=ppt/slides/slide13.xml><?xml version="1.0" encoding="utf-8"?>
+<p:sld xmlns:a="http://schemas.openxmlformats.org/drawingml/2006/main" xmlns:r="http://schemas.openxmlformats.org/officeDocument/2006/relationships" xmlns:mc="http://schemas.openxmlformats.org/markup-compatibility/2006" xmlns:mv="urn:schemas-microsoft-com:mac:vml" xmlns:p="http://schemas.openxmlformats.org/presentationml/2006/main" xmlns:c="http://schemas.openxmlformats.org/drawingml/2006/chart" xmlns:dgm="http://schemas.openxmlformats.org/drawingml/2006/diagram" xmlns:o="urn:schemas-microsoft-com:office:office" xmlns:v="urn:schemas-microsoft-com:vml" xmlns:pvml="urn:schemas-microsoft-com:office:powerpoint" xmlns:com="http://schemas.openxmlformats.org/drawingml/2006/compatibility" xmlns:p14="http://schemas.microsoft.com/office/powerpoint/2010/main" xmlns:p15="http://schemas.microsoft.com/office/powerpoint/2012/main" xmlns:ahyp="http://schemas.microsoft.com/office/drawing/2018/hyperlinkcolor">
+  <p:cSld>
+    <p:spTree>
+      <p:nvGrpSpPr>
+        <p:cNvPr id="119" name="Shape 119"/>
+        <p:cNvGrpSpPr/>
+        <p:nvPr/>
+      </p:nvGrpSpPr>
+      <p:grpSpPr>
+        <a:xfrm>
+          <a:off x="0" y="0"/>
+          <a:ext cx="0" cy="0"/>
+          <a:chOff x="0" y="0"/>
+          <a:chExt cx="0" cy="0"/>
+        </a:xfrm>
+      </p:grpSpPr>
+      <p:sp>
+        <p:nvSpPr>
+          <p:cNvPr id="120" name="Google Shape;120;g3baf4acbdf2_0_12"/>
+          <p:cNvSpPr txBox="1"/>
+          <p:nvPr>
+            <p:ph type="title"/>
+          </p:nvPr>
+        </p:nvSpPr>
+        <p:spPr>
+          <a:xfrm>
+            <a:off x="457200" y="274638"/>
+            <a:ext cx="8229600" cy="1143000"/>
+          </a:xfrm>
+          <a:prstGeom prst="rect">
+            <a:avLst/>
+          </a:prstGeom>
+          <a:noFill/>
+          <a:ln>
+            <a:noFill/>
+          </a:ln>
+        </p:spPr>
+        <p:txBody>
+          <a:bodyPr anchorCtr="0" anchor="b" bIns="91425" lIns="91425" spcFirstLastPara="1" rIns="91425" wrap="square" tIns="91425">
+            <a:noAutofit/>
+          </a:bodyPr>
+          <a:lstStyle/>
+          <a:p>
+            <a:pPr indent="0" lvl="0" marL="0" rtl="0" algn="l">
+              <a:lnSpc>
+                <a:spcPct val="100000"/>
+              </a:lnSpc>
+              <a:spcBef>
+                <a:spcPts val="0"/>
+              </a:spcBef>
+              <a:spcAft>
+                <a:spcPts val="0"/>
+              </a:spcAft>
+              <a:buSzPts val="3600"/>
+              <a:buNone/>
+            </a:pPr>
+            <a:r>
+              <a:rPr lang="en">
+                <a:solidFill>
+                  <a:srgbClr val="A31415"/>
+                </a:solidFill>
+                <a:latin typeface="Consolas"/>
+                <a:ea typeface="Consolas"/>
+                <a:cs typeface="Consolas"/>
+                <a:sym typeface="Consolas"/>
+              </a:rPr>
+              <a:t>programming</a:t>
+            </a:r>
+            <a:r>
+              <a:rPr lang="en"/>
+              <a:t>: Classes</a:t>
+            </a:r>
+            <a:endParaRPr/>
+          </a:p>
+        </p:txBody>
+      </p:sp>
+      <p:sp>
+        <p:nvSpPr>
+          <p:cNvPr id="121" name="Google Shape;121;g3baf4acbdf2_0_12"/>
+          <p:cNvSpPr txBox="1"/>
+          <p:nvPr>
+            <p:ph idx="1" type="body"/>
+          </p:nvPr>
+        </p:nvSpPr>
+        <p:spPr>
+          <a:xfrm>
+            <a:off x="457200" y="1600200"/>
+            <a:ext cx="8229600" cy="4967700"/>
+          </a:xfrm>
+          <a:prstGeom prst="rect">
+            <a:avLst/>
+          </a:prstGeom>
+          <a:noFill/>
+          <a:ln>
+            <a:noFill/>
+          </a:ln>
+        </p:spPr>
+        <p:txBody>
+          <a:bodyPr anchorCtr="0" anchor="t" bIns="91425" lIns="91425" spcFirstLastPara="1" rIns="91425" wrap="square" tIns="91425">
+            <a:noAutofit/>
+          </a:bodyPr>
+          <a:lstStyle/>
+          <a:p>
+            <a:pPr indent="0" lvl="0" marL="0" rtl="0" algn="l">
+              <a:lnSpc>
+                <a:spcPct val="100000"/>
+              </a:lnSpc>
+              <a:spcBef>
+                <a:spcPts val="600"/>
+              </a:spcBef>
+              <a:spcAft>
+                <a:spcPts val="0"/>
+              </a:spcAft>
+              <a:buSzPts val="3000"/>
+              <a:buNone/>
+            </a:pPr>
+            <a:r>
+              <a:rPr lang="en"/>
+              <a:t>A </a:t>
+            </a:r>
+            <a:r>
+              <a:rPr b="1" lang="en">
+                <a:solidFill>
+                  <a:srgbClr val="A31415"/>
+                </a:solidFill>
+                <a:latin typeface="Consolas"/>
+                <a:ea typeface="Consolas"/>
+                <a:cs typeface="Consolas"/>
+                <a:sym typeface="Consolas"/>
+              </a:rPr>
+              <a:t>class</a:t>
+            </a:r>
+            <a:r>
+              <a:rPr lang="en"/>
+              <a:t> is a data type that defines both data, and </a:t>
+            </a:r>
+            <a:r>
+              <a:rPr b="1" lang="en">
+                <a:solidFill>
+                  <a:srgbClr val="A31415"/>
+                </a:solidFill>
+                <a:latin typeface="Consolas"/>
+                <a:ea typeface="Consolas"/>
+                <a:cs typeface="Consolas"/>
+                <a:sym typeface="Consolas"/>
+              </a:rPr>
+              <a:t>functions</a:t>
+            </a:r>
+            <a:r>
+              <a:rPr lang="en"/>
+              <a:t> used to manipulate the data. A Specific instances of a </a:t>
+            </a:r>
+            <a:r>
+              <a:rPr b="1" lang="en">
+                <a:solidFill>
+                  <a:srgbClr val="A31415"/>
+                </a:solidFill>
+                <a:latin typeface="Consolas"/>
+                <a:ea typeface="Consolas"/>
+                <a:cs typeface="Consolas"/>
+                <a:sym typeface="Consolas"/>
+              </a:rPr>
+              <a:t>class</a:t>
+            </a:r>
+            <a:r>
+              <a:rPr lang="en"/>
+              <a:t> are called </a:t>
+            </a:r>
+            <a:r>
+              <a:rPr b="1" lang="en">
+                <a:solidFill>
+                  <a:srgbClr val="A31415"/>
+                </a:solidFill>
+                <a:latin typeface="Consolas"/>
+                <a:ea typeface="Consolas"/>
+                <a:cs typeface="Consolas"/>
+                <a:sym typeface="Consolas"/>
+              </a:rPr>
+              <a:t>objects</a:t>
+            </a:r>
+            <a:r>
+              <a:rPr lang="en"/>
+              <a:t>.</a:t>
+            </a:r>
+            <a:endParaRPr/>
+          </a:p>
+        </p:txBody>
+      </p:sp>
       <p:pic>
         <p:nvPicPr>
-          <p:cNvPr id="133" name="Google Shape;133;g3b8409de4d6_0_103" title="Screenshot 2026-01-20 at 11.40.30 AM.png"/>
+          <p:cNvPr id="122" name="Google Shape;122;g3baf4acbdf2_0_12" title="Screenshot 2026-01-20 at 11.40.30 AM.png"/>
           <p:cNvPicPr preferRelativeResize="0"/>
           <p:nvPr/>
         </p:nvPicPr>
@@ -8501,7 +8991,7 @@
       </p:pic>
       <p:pic>
         <p:nvPicPr>
-          <p:cNvPr id="134" name="Google Shape;134;g3b8409de4d6_0_103" title="Screenshot 2026-01-20 at 11.41.41 AM.png"/>
+          <p:cNvPr id="123" name="Google Shape;123;g3baf4acbdf2_0_12" title="Screenshot 2026-01-20 at 11.41.41 AM.png"/>
           <p:cNvPicPr preferRelativeResize="0"/>
           <p:nvPr/>
         </p:nvPicPr>
@@ -8534,7 +9024,7 @@
       </p:pic>
       <p:sp>
         <p:nvSpPr>
-          <p:cNvPr id="135" name="Google Shape;135;g3b8409de4d6_0_103"/>
+          <p:cNvPr id="124" name="Google Shape;124;g3baf4acbdf2_0_12"/>
           <p:cNvSpPr txBox="1"/>
           <p:nvPr/>
         </p:nvSpPr>
@@ -8743,7 +9233,7 @@
   <p:cSld>
     <p:spTree>
       <p:nvGrpSpPr>
-        <p:cNvPr id="139" name="Shape 139"/>
+        <p:cNvPr id="128" name="Shape 128"/>
         <p:cNvGrpSpPr/>
         <p:nvPr/>
       </p:nvGrpSpPr>
@@ -8757,7 +9247,7 @@
       </p:grpSpPr>
       <p:sp>
         <p:nvSpPr>
-          <p:cNvPr id="140" name="Google Shape;140;g3b8409de4d6_0_118"/>
+          <p:cNvPr id="129" name="Google Shape;129;g3b8409de4d6_0_118"/>
           <p:cNvSpPr txBox="1"/>
           <p:nvPr>
             <p:ph type="title"/>
@@ -8817,7 +9307,7 @@
       </p:sp>
       <p:sp>
         <p:nvSpPr>
-          <p:cNvPr id="141" name="Google Shape;141;g3b8409de4d6_0_118"/>
+          <p:cNvPr id="130" name="Google Shape;130;g3b8409de4d6_0_118"/>
           <p:cNvSpPr txBox="1"/>
           <p:nvPr>
             <p:ph idx="1" type="body"/>
@@ -8893,7 +9383,7 @@
       </p:sp>
       <p:sp>
         <p:nvSpPr>
-          <p:cNvPr id="142" name="Google Shape;142;g3b8409de4d6_0_118"/>
+          <p:cNvPr id="131" name="Google Shape;131;g3b8409de4d6_0_118"/>
           <p:cNvSpPr txBox="1"/>
           <p:nvPr/>
         </p:nvSpPr>
@@ -9043,7 +9533,7 @@
       </p:sp>
       <p:pic>
         <p:nvPicPr>
-          <p:cNvPr id="143" name="Google Shape;143;g3b8409de4d6_0_118"/>
+          <p:cNvPr id="132" name="Google Shape;132;g3b8409de4d6_0_118"/>
           <p:cNvPicPr preferRelativeResize="0"/>
           <p:nvPr/>
         </p:nvPicPr>
@@ -9081,7 +9571,7 @@
   <p:cSld>
     <p:spTree>
       <p:nvGrpSpPr>
-        <p:cNvPr id="147" name="Shape 147"/>
+        <p:cNvPr id="136" name="Shape 136"/>
         <p:cNvGrpSpPr/>
         <p:nvPr/>
       </p:nvGrpSpPr>
@@ -9095,7 +9585,7 @@
       </p:grpSpPr>
       <p:sp>
         <p:nvSpPr>
-          <p:cNvPr id="148" name="Google Shape;148;g3b938ea6dd9_0_93"/>
+          <p:cNvPr id="137" name="Google Shape;137;g3b938ea6dd9_0_93"/>
           <p:cNvSpPr txBox="1"/>
           <p:nvPr>
             <p:ph type="title"/>
@@ -9143,7 +9633,7 @@
       </p:sp>
       <p:sp>
         <p:nvSpPr>
-          <p:cNvPr id="149" name="Google Shape;149;g3b938ea6dd9_0_93"/>
+          <p:cNvPr id="138" name="Google Shape;138;g3b938ea6dd9_0_93"/>
           <p:cNvSpPr txBox="1"/>
           <p:nvPr>
             <p:ph idx="1" type="body"/>
@@ -9242,7 +9732,7 @@
       </p:sp>
       <p:sp>
         <p:nvSpPr>
-          <p:cNvPr id="150" name="Google Shape;150;g3b938ea6dd9_0_93"/>
+          <p:cNvPr id="139" name="Google Shape;139;g3b938ea6dd9_0_93"/>
           <p:cNvSpPr txBox="1"/>
           <p:nvPr/>
         </p:nvSpPr>
@@ -9438,7 +9928,7 @@
   <p:cSld>
     <p:spTree>
       <p:nvGrpSpPr>
-        <p:cNvPr id="154" name="Shape 154"/>
+        <p:cNvPr id="143" name="Shape 143"/>
         <p:cNvGrpSpPr/>
         <p:nvPr/>
       </p:nvGrpSpPr>
@@ -9452,7 +9942,7 @@
       </p:grpSpPr>
       <p:sp>
         <p:nvSpPr>
-          <p:cNvPr id="155" name="Google Shape;155;g3b8409de4d6_0_108"/>
+          <p:cNvPr id="144" name="Google Shape;144;g3b8409de4d6_0_108"/>
           <p:cNvSpPr txBox="1"/>
           <p:nvPr>
             <p:ph type="title"/>
@@ -9500,7 +9990,7 @@
       </p:sp>
       <p:sp>
         <p:nvSpPr>
-          <p:cNvPr id="156" name="Google Shape;156;g3b8409de4d6_0_108"/>
+          <p:cNvPr id="145" name="Google Shape;145;g3b8409de4d6_0_108"/>
           <p:cNvSpPr txBox="1"/>
           <p:nvPr>
             <p:ph idx="1" type="body"/>
@@ -9509,7 +9999,7 @@
         <p:spPr>
           <a:xfrm>
             <a:off x="457200" y="1600200"/>
-            <a:ext cx="8229600" cy="685800"/>
+            <a:ext cx="8229600" cy="4698000"/>
           </a:xfrm>
           <a:prstGeom prst="rect">
             <a:avLst/>
@@ -9559,8 +10049,161 @@
               </a:solidFill>
             </a:endParaRPr>
           </a:p>
+          <a:p>
+            <a:pPr indent="0" lvl="0" marL="0" rtl="0" algn="ctr">
+              <a:lnSpc>
+                <a:spcPct val="100000"/>
+              </a:lnSpc>
+              <a:spcBef>
+                <a:spcPts val="600"/>
+              </a:spcBef>
+              <a:spcAft>
+                <a:spcPts val="0"/>
+              </a:spcAft>
+              <a:buSzPts val="3000"/>
+              <a:buNone/>
+            </a:pPr>
+            <a:r>
+              <a:t/>
+            </a:r>
+            <a:endParaRPr b="1">
+              <a:solidFill>
+                <a:srgbClr val="DCB439"/>
+              </a:solidFill>
+            </a:endParaRPr>
+          </a:p>
+          <a:p>
+            <a:pPr indent="0" lvl="0" marL="0" rtl="0" algn="ctr">
+              <a:spcBef>
+                <a:spcPts val="600"/>
+              </a:spcBef>
+              <a:spcAft>
+                <a:spcPts val="0"/>
+              </a:spcAft>
+              <a:buClr>
+                <a:schemeClr val="dk1"/>
+              </a:buClr>
+              <a:buSzPts val="3000"/>
+              <a:buFont typeface="Arial"/>
+              <a:buNone/>
+            </a:pPr>
+            <a:r>
+              <a:rPr b="1" lang="en" u="sng">
+                <a:solidFill>
+                  <a:srgbClr val="DCB439"/>
+                </a:solidFill>
+                <a:hlinkClick r:id="rId4">
+                  <a:extLst>
+                    <a:ext uri="{A12FA001-AC4F-418D-AE19-62706E023703}">
+                      <ahyp:hlinkClr val="tx"/>
+                    </a:ext>
+                  </a:extLst>
+                </a:hlinkClick>
+              </a:rPr>
+              <a:t>tiktoken</a:t>
+            </a:r>
+            <a:r>
+              <a:rPr b="1" lang="en" u="sng">
+                <a:solidFill>
+                  <a:srgbClr val="DCB439"/>
+                </a:solidFill>
+                <a:hlinkClick r:id="rId5">
+                  <a:extLst>
+                    <a:ext uri="{A12FA001-AC4F-418D-AE19-62706E023703}">
+                      <ahyp:hlinkClr val="tx"/>
+                    </a:ext>
+                  </a:extLst>
+                </a:hlinkClick>
+              </a:rPr>
+              <a:t> code</a:t>
+            </a:r>
+            <a:endParaRPr b="1">
+              <a:solidFill>
+                <a:srgbClr val="DCB439"/>
+              </a:solidFill>
+            </a:endParaRPr>
+          </a:p>
+          <a:p>
+            <a:pPr indent="0" lvl="0" marL="0" rtl="0" algn="ctr">
+              <a:lnSpc>
+                <a:spcPct val="100000"/>
+              </a:lnSpc>
+              <a:spcBef>
+                <a:spcPts val="600"/>
+              </a:spcBef>
+              <a:spcAft>
+                <a:spcPts val="0"/>
+              </a:spcAft>
+              <a:buSzPts val="3000"/>
+              <a:buNone/>
+            </a:pPr>
+            <a:r>
+              <a:t/>
+            </a:r>
+            <a:endParaRPr b="1">
+              <a:solidFill>
+                <a:srgbClr val="DCB439"/>
+              </a:solidFill>
+            </a:endParaRPr>
+          </a:p>
         </p:txBody>
       </p:sp>
+      <p:pic>
+        <p:nvPicPr>
+          <p:cNvPr id="146" name="Google Shape;146;g3b8409de4d6_0_108"/>
+          <p:cNvPicPr preferRelativeResize="0"/>
+          <p:nvPr/>
+        </p:nvPicPr>
+        <p:blipFill>
+          <a:blip r:embed="rId6">
+            <a:alphaModFix/>
+          </a:blip>
+          <a:stretch>
+            <a:fillRect/>
+          </a:stretch>
+        </p:blipFill>
+        <p:spPr>
+          <a:xfrm>
+            <a:off x="183021" y="3503921"/>
+            <a:ext cx="3231975" cy="3219100"/>
+          </a:xfrm>
+          <a:prstGeom prst="rect">
+            <a:avLst/>
+          </a:prstGeom>
+          <a:noFill/>
+          <a:ln>
+            <a:noFill/>
+          </a:ln>
+        </p:spPr>
+      </p:pic>
+      <p:pic>
+        <p:nvPicPr>
+          <p:cNvPr id="147" name="Google Shape;147;g3b8409de4d6_0_108" title="IMG_0529.jpeg"/>
+          <p:cNvPicPr preferRelativeResize="0"/>
+          <p:nvPr/>
+        </p:nvPicPr>
+        <p:blipFill>
+          <a:blip r:embed="rId7">
+            <a:alphaModFix/>
+          </a:blip>
+          <a:stretch>
+            <a:fillRect/>
+          </a:stretch>
+        </p:blipFill>
+        <p:spPr>
+          <a:xfrm>
+            <a:off x="2000250" y="0"/>
+            <a:ext cx="5143500" cy="6857999"/>
+          </a:xfrm>
+          <a:prstGeom prst="rect">
+            <a:avLst/>
+          </a:prstGeom>
+          <a:noFill/>
+          <a:ln>
+            <a:noFill/>
+          </a:ln>
+        </p:spPr>
+      </p:pic>
     </p:spTree>
   </p:cSld>
   <p:clrMapOvr>
@@ -9642,75 +10285,9 @@
           </a:p>
         </p:txBody>
       </p:sp>
-      <p:pic>
-        <p:nvPicPr>
-          <p:cNvPr id="41" name="Google Shape;41;g3b8409de4d6_0_60" title="Screenshot 2026-01-20 at 10.37.48 AM.png"/>
-          <p:cNvPicPr preferRelativeResize="0"/>
-          <p:nvPr/>
-        </p:nvPicPr>
-        <p:blipFill rotWithShape="1">
-          <a:blip r:embed="rId3">
-            <a:alphaModFix/>
-          </a:blip>
-          <a:srcRect b="0" l="0" r="0" t="0"/>
-          <a:stretch/>
-        </p:blipFill>
-        <p:spPr>
-          <a:xfrm>
-            <a:off x="1371600" y="1417638"/>
-            <a:ext cx="6400800" cy="1771650"/>
-          </a:xfrm>
-          <a:prstGeom prst="rect">
-            <a:avLst/>
-          </a:prstGeom>
-          <a:noFill/>
-          <a:ln cap="flat" cmpd="sng" w="38100">
-            <a:solidFill>
-              <a:srgbClr val="002B5B"/>
-            </a:solidFill>
-            <a:prstDash val="solid"/>
-            <a:round/>
-            <a:headEnd len="sm" w="sm" type="none"/>
-            <a:tailEnd len="sm" w="sm" type="none"/>
-          </a:ln>
-        </p:spPr>
-      </p:pic>
-      <p:pic>
-        <p:nvPicPr>
-          <p:cNvPr id="42" name="Google Shape;42;g3b8409de4d6_0_60" title="Screenshot 2026-01-20 at 10.38.27 AM.png"/>
-          <p:cNvPicPr preferRelativeResize="0"/>
-          <p:nvPr/>
-        </p:nvPicPr>
-        <p:blipFill rotWithShape="1">
-          <a:blip r:embed="rId4">
-            <a:alphaModFix/>
-          </a:blip>
-          <a:srcRect b="0" l="0" r="0" t="0"/>
-          <a:stretch/>
-        </p:blipFill>
-        <p:spPr>
-          <a:xfrm>
-            <a:off x="2505075" y="3649175"/>
-            <a:ext cx="4133850" cy="2076450"/>
-          </a:xfrm>
-          <a:prstGeom prst="rect">
-            <a:avLst/>
-          </a:prstGeom>
-          <a:noFill/>
-          <a:ln cap="flat" cmpd="sng" w="38100">
-            <a:solidFill>
-              <a:srgbClr val="002B5B"/>
-            </a:solidFill>
-            <a:prstDash val="solid"/>
-            <a:round/>
-            <a:headEnd len="sm" w="sm" type="none"/>
-            <a:tailEnd len="sm" w="sm" type="none"/>
-          </a:ln>
-        </p:spPr>
-      </p:pic>
       <p:sp>
         <p:nvSpPr>
-          <p:cNvPr id="43" name="Google Shape;43;g3b8409de4d6_0_60"/>
+          <p:cNvPr id="41" name="Google Shape;41;g3b8409de4d6_0_60"/>
           <p:cNvSpPr txBox="1"/>
           <p:nvPr/>
         </p:nvSpPr>
@@ -9772,10 +10349,10 @@
                 <a:cs typeface="Arial"/>
                 <a:sym typeface="Arial"/>
               </a:rPr>
-              <a:t> We can read about built-in features like </a:t>
-            </a:r>
-            <a:r>
-              <a:rPr b="1" i="0" lang="en" sz="1800" u="none" cap="none" strike="noStrike">
+              <a:t> We can read about features like </a:t>
+            </a:r>
+            <a:r>
+              <a:rPr b="1" lang="en" sz="1800">
                 <a:solidFill>
                   <a:srgbClr val="A31415"/>
                 </a:solidFill>
@@ -9784,7 +10361,7 @@
                 <a:cs typeface="Consolas"/>
                 <a:sym typeface="Consolas"/>
               </a:rPr>
-              <a:t>range</a:t>
+              <a:t>counter</a:t>
             </a:r>
             <a:r>
               <a:rPr b="0" i="0" lang="en" sz="1800" u="none" cap="none" strike="noStrike">
@@ -9807,7 +10384,7 @@
                 <a:ea typeface="Arial"/>
                 <a:cs typeface="Arial"/>
                 <a:sym typeface="Arial"/>
-                <a:hlinkClick r:id="rId5">
+                <a:hlinkClick r:id="rId3">
                   <a:extLst>
                     <a:ext uri="{A12FA001-AC4F-418D-AE19-62706E023703}">
                       <ahyp:hlinkClr val="tx"/>
@@ -9854,7 +10431,7 @@
   <p:cSld>
     <p:spTree>
       <p:nvGrpSpPr>
-        <p:cNvPr id="47" name="Shape 47"/>
+        <p:cNvPr id="45" name="Shape 45"/>
         <p:cNvGrpSpPr/>
         <p:nvPr/>
       </p:nvGrpSpPr>
@@ -9868,7 +10445,488 @@
       </p:grpSpPr>
       <p:sp>
         <p:nvSpPr>
-          <p:cNvPr id="48" name="Google Shape;48;g3b8409de4d6_0_65"/>
+          <p:cNvPr id="46" name="Google Shape;46;g3b8409de4d6_0_84"/>
+          <p:cNvSpPr txBox="1"/>
+          <p:nvPr>
+            <p:ph idx="1" type="body"/>
+          </p:nvPr>
+        </p:nvSpPr>
+        <p:spPr>
+          <a:xfrm>
+            <a:off x="457200" y="1600200"/>
+            <a:ext cx="8229600" cy="4776000"/>
+          </a:xfrm>
+          <a:prstGeom prst="rect">
+            <a:avLst/>
+          </a:prstGeom>
+          <a:noFill/>
+          <a:ln>
+            <a:noFill/>
+          </a:ln>
+        </p:spPr>
+        <p:txBody>
+          <a:bodyPr anchorCtr="0" anchor="t" bIns="91425" lIns="91425" spcFirstLastPara="1" rIns="91425" wrap="square" tIns="91425">
+            <a:noAutofit/>
+          </a:bodyPr>
+          <a:lstStyle/>
+          <a:p>
+            <a:pPr indent="0" lvl="0" marL="0" rtl="0" algn="l">
+              <a:lnSpc>
+                <a:spcPct val="100000"/>
+              </a:lnSpc>
+              <a:spcBef>
+                <a:spcPts val="600"/>
+              </a:spcBef>
+              <a:spcAft>
+                <a:spcPts val="0"/>
+              </a:spcAft>
+              <a:buSzPts val="3000"/>
+              <a:buNone/>
+            </a:pPr>
+            <a:r>
+              <a:rPr lang="en"/>
+              <a:t>Write a </a:t>
+            </a:r>
+            <a:r>
+              <a:rPr b="1" lang="en">
+                <a:solidFill>
+                  <a:srgbClr val="A31415"/>
+                </a:solidFill>
+                <a:latin typeface="Consolas"/>
+                <a:ea typeface="Consolas"/>
+                <a:cs typeface="Consolas"/>
+                <a:sym typeface="Consolas"/>
+              </a:rPr>
+              <a:t>function</a:t>
+            </a:r>
+            <a:r>
+              <a:rPr lang="en"/>
+              <a:t> that, given: a </a:t>
+            </a:r>
+            <a:r>
+              <a:rPr b="1" lang="en">
+                <a:solidFill>
+                  <a:srgbClr val="5AABBC"/>
+                </a:solidFill>
+                <a:latin typeface="Consolas"/>
+                <a:ea typeface="Consolas"/>
+                <a:cs typeface="Consolas"/>
+                <a:sym typeface="Consolas"/>
+              </a:rPr>
+              <a:t>list</a:t>
+            </a:r>
+            <a:r>
+              <a:rPr lang="en"/>
+              <a:t> of </a:t>
+            </a:r>
+            <a:r>
+              <a:rPr b="1" lang="en">
+                <a:solidFill>
+                  <a:srgbClr val="465510"/>
+                </a:solidFill>
+                <a:latin typeface="Consolas"/>
+                <a:ea typeface="Consolas"/>
+                <a:cs typeface="Consolas"/>
+                <a:sym typeface="Consolas"/>
+              </a:rPr>
+              <a:t>integers</a:t>
+            </a:r>
+            <a:r>
+              <a:rPr lang="en"/>
+              <a:t>, a pair, and an id, </a:t>
+            </a:r>
+            <a:r>
+              <a:rPr lang="en"/>
+              <a:t>replaces all occurrences of the pair with the new id.</a:t>
+            </a:r>
+            <a:endParaRPr/>
+          </a:p>
+          <a:p>
+            <a:pPr indent="0" lvl="0" marL="0" rtl="0" algn="l">
+              <a:lnSpc>
+                <a:spcPct val="100000"/>
+              </a:lnSpc>
+              <a:spcBef>
+                <a:spcPts val="600"/>
+              </a:spcBef>
+              <a:spcAft>
+                <a:spcPts val="0"/>
+              </a:spcAft>
+              <a:buSzPts val="3000"/>
+              <a:buNone/>
+            </a:pPr>
+            <a:r>
+              <a:t/>
+            </a:r>
+            <a:endParaRPr/>
+          </a:p>
+          <a:p>
+            <a:pPr indent="0" lvl="0" marL="0" rtl="0" algn="l">
+              <a:lnSpc>
+                <a:spcPct val="100000"/>
+              </a:lnSpc>
+              <a:spcBef>
+                <a:spcPts val="600"/>
+              </a:spcBef>
+              <a:spcAft>
+                <a:spcPts val="0"/>
+              </a:spcAft>
+              <a:buSzPts val="3000"/>
+              <a:buNone/>
+            </a:pPr>
+            <a:r>
+              <a:t/>
+            </a:r>
+            <a:endParaRPr/>
+          </a:p>
+          <a:p>
+            <a:pPr indent="0" lvl="0" marL="0" rtl="0" algn="l">
+              <a:lnSpc>
+                <a:spcPct val="100000"/>
+              </a:lnSpc>
+              <a:spcBef>
+                <a:spcPts val="600"/>
+              </a:spcBef>
+              <a:spcAft>
+                <a:spcPts val="0"/>
+              </a:spcAft>
+              <a:buSzPts val="3000"/>
+              <a:buNone/>
+            </a:pPr>
+            <a:r>
+              <a:t/>
+            </a:r>
+            <a:endParaRPr/>
+          </a:p>
+          <a:p>
+            <a:pPr indent="0" lvl="0" marL="0" rtl="0" algn="l">
+              <a:lnSpc>
+                <a:spcPct val="100000"/>
+              </a:lnSpc>
+              <a:spcBef>
+                <a:spcPts val="600"/>
+              </a:spcBef>
+              <a:spcAft>
+                <a:spcPts val="0"/>
+              </a:spcAft>
+              <a:buSzPts val="3000"/>
+              <a:buNone/>
+            </a:pPr>
+            <a:r>
+              <a:rPr b="1" lang="en" sz="2400">
+                <a:solidFill>
+                  <a:srgbClr val="DCB439"/>
+                </a:solidFill>
+                <a:latin typeface="Consolas"/>
+                <a:ea typeface="Consolas"/>
+                <a:cs typeface="Consolas"/>
+                <a:sym typeface="Consolas"/>
+              </a:rPr>
+              <a:t>print</a:t>
+            </a:r>
+            <a:r>
+              <a:rPr b="1" lang="en" sz="2400">
+                <a:latin typeface="Consolas"/>
+                <a:ea typeface="Consolas"/>
+                <a:cs typeface="Consolas"/>
+                <a:sym typeface="Consolas"/>
+              </a:rPr>
+              <a:t>(replace</a:t>
+            </a:r>
+            <a:r>
+              <a:rPr b="1" lang="en" sz="2400">
+                <a:latin typeface="Consolas"/>
+                <a:ea typeface="Consolas"/>
+                <a:cs typeface="Consolas"/>
+                <a:sym typeface="Consolas"/>
+              </a:rPr>
+              <a:t>_pairs([</a:t>
+            </a:r>
+            <a:r>
+              <a:rPr b="1" lang="en" sz="2400">
+                <a:solidFill>
+                  <a:srgbClr val="465510"/>
+                </a:solidFill>
+                <a:latin typeface="Consolas"/>
+                <a:ea typeface="Consolas"/>
+                <a:cs typeface="Consolas"/>
+                <a:sym typeface="Consolas"/>
+              </a:rPr>
+              <a:t>1</a:t>
+            </a:r>
+            <a:r>
+              <a:rPr b="1" lang="en" sz="2400">
+                <a:latin typeface="Consolas"/>
+                <a:ea typeface="Consolas"/>
+                <a:cs typeface="Consolas"/>
+                <a:sym typeface="Consolas"/>
+              </a:rPr>
+              <a:t>, </a:t>
+            </a:r>
+            <a:r>
+              <a:rPr b="1" lang="en" sz="2400">
+                <a:solidFill>
+                  <a:srgbClr val="465510"/>
+                </a:solidFill>
+                <a:latin typeface="Consolas"/>
+                <a:ea typeface="Consolas"/>
+                <a:cs typeface="Consolas"/>
+                <a:sym typeface="Consolas"/>
+              </a:rPr>
+              <a:t>2</a:t>
+            </a:r>
+            <a:r>
+              <a:rPr b="1" lang="en" sz="2400">
+                <a:latin typeface="Consolas"/>
+                <a:ea typeface="Consolas"/>
+                <a:cs typeface="Consolas"/>
+                <a:sym typeface="Consolas"/>
+              </a:rPr>
+              <a:t>, </a:t>
+            </a:r>
+            <a:r>
+              <a:rPr b="1" lang="en" sz="2400">
+                <a:solidFill>
+                  <a:srgbClr val="465510"/>
+                </a:solidFill>
+                <a:latin typeface="Consolas"/>
+                <a:ea typeface="Consolas"/>
+                <a:cs typeface="Consolas"/>
+                <a:sym typeface="Consolas"/>
+              </a:rPr>
+              <a:t>3</a:t>
+            </a:r>
+            <a:r>
+              <a:rPr b="1" lang="en" sz="2400">
+                <a:latin typeface="Consolas"/>
+                <a:ea typeface="Consolas"/>
+                <a:cs typeface="Consolas"/>
+                <a:sym typeface="Consolas"/>
+              </a:rPr>
+              <a:t>, </a:t>
+            </a:r>
+            <a:r>
+              <a:rPr b="1" lang="en" sz="2400">
+                <a:solidFill>
+                  <a:srgbClr val="465510"/>
+                </a:solidFill>
+                <a:latin typeface="Consolas"/>
+                <a:ea typeface="Consolas"/>
+                <a:cs typeface="Consolas"/>
+                <a:sym typeface="Consolas"/>
+              </a:rPr>
+              <a:t>1</a:t>
+            </a:r>
+            <a:r>
+              <a:rPr b="1" lang="en" sz="2400">
+                <a:latin typeface="Consolas"/>
+                <a:ea typeface="Consolas"/>
+                <a:cs typeface="Consolas"/>
+                <a:sym typeface="Consolas"/>
+              </a:rPr>
+              <a:t>, </a:t>
+            </a:r>
+            <a:r>
+              <a:rPr b="1" lang="en" sz="2400">
+                <a:solidFill>
+                  <a:srgbClr val="465510"/>
+                </a:solidFill>
+                <a:latin typeface="Consolas"/>
+                <a:ea typeface="Consolas"/>
+                <a:cs typeface="Consolas"/>
+                <a:sym typeface="Consolas"/>
+              </a:rPr>
+              <a:t>2</a:t>
+            </a:r>
+            <a:r>
+              <a:rPr b="1" lang="en" sz="2400">
+                <a:latin typeface="Consolas"/>
+                <a:ea typeface="Consolas"/>
+                <a:cs typeface="Consolas"/>
+                <a:sym typeface="Consolas"/>
+              </a:rPr>
+              <a:t>], (</a:t>
+            </a:r>
+            <a:r>
+              <a:rPr b="1" lang="en" sz="2400">
+                <a:solidFill>
+                  <a:srgbClr val="465510"/>
+                </a:solidFill>
+                <a:latin typeface="Consolas"/>
+                <a:ea typeface="Consolas"/>
+                <a:cs typeface="Consolas"/>
+                <a:sym typeface="Consolas"/>
+              </a:rPr>
+              <a:t>1</a:t>
+            </a:r>
+            <a:r>
+              <a:rPr b="1" lang="en" sz="2400">
+                <a:latin typeface="Consolas"/>
+                <a:ea typeface="Consolas"/>
+                <a:cs typeface="Consolas"/>
+                <a:sym typeface="Consolas"/>
+              </a:rPr>
+              <a:t>,</a:t>
+            </a:r>
+            <a:r>
+              <a:rPr b="1" lang="en" sz="2400">
+                <a:solidFill>
+                  <a:srgbClr val="465510"/>
+                </a:solidFill>
+                <a:latin typeface="Consolas"/>
+                <a:ea typeface="Consolas"/>
+                <a:cs typeface="Consolas"/>
+                <a:sym typeface="Consolas"/>
+              </a:rPr>
+              <a:t>2</a:t>
+            </a:r>
+            <a:r>
+              <a:rPr b="1" lang="en" sz="2400">
+                <a:latin typeface="Consolas"/>
+                <a:ea typeface="Consolas"/>
+                <a:cs typeface="Consolas"/>
+                <a:sym typeface="Consolas"/>
+              </a:rPr>
+              <a:t>), </a:t>
+            </a:r>
+            <a:r>
+              <a:rPr b="1" lang="en" sz="2400">
+                <a:solidFill>
+                  <a:srgbClr val="465510"/>
+                </a:solidFill>
+                <a:latin typeface="Consolas"/>
+                <a:ea typeface="Consolas"/>
+                <a:cs typeface="Consolas"/>
+                <a:sym typeface="Consolas"/>
+              </a:rPr>
+              <a:t>4</a:t>
+            </a:r>
+            <a:r>
+              <a:rPr b="1" lang="en" sz="2400">
+                <a:latin typeface="Consolas"/>
+                <a:ea typeface="Consolas"/>
+                <a:cs typeface="Consolas"/>
+                <a:sym typeface="Consolas"/>
+              </a:rPr>
+              <a:t>))</a:t>
+            </a:r>
+            <a:endParaRPr b="1" sz="2400">
+              <a:latin typeface="Consolas"/>
+              <a:ea typeface="Consolas"/>
+              <a:cs typeface="Consolas"/>
+              <a:sym typeface="Consolas"/>
+            </a:endParaRPr>
+          </a:p>
+          <a:p>
+            <a:pPr indent="0" lvl="0" marL="0" rtl="0" algn="l">
+              <a:lnSpc>
+                <a:spcPct val="100000"/>
+              </a:lnSpc>
+              <a:spcBef>
+                <a:spcPts val="600"/>
+              </a:spcBef>
+              <a:spcAft>
+                <a:spcPts val="0"/>
+              </a:spcAft>
+              <a:buSzPts val="3000"/>
+              <a:buNone/>
+            </a:pPr>
+            <a:r>
+              <a:rPr b="1" lang="en" sz="2400">
+                <a:solidFill>
+                  <a:srgbClr val="A31415"/>
+                </a:solidFill>
+                <a:latin typeface="Consolas"/>
+                <a:ea typeface="Consolas"/>
+                <a:cs typeface="Consolas"/>
+                <a:sym typeface="Consolas"/>
+              </a:rPr>
+              <a:t>&gt; </a:t>
+            </a:r>
+            <a:r>
+              <a:rPr b="1" lang="en" sz="2400">
+                <a:latin typeface="Consolas"/>
+                <a:ea typeface="Consolas"/>
+                <a:cs typeface="Consolas"/>
+                <a:sym typeface="Consolas"/>
+              </a:rPr>
+              <a:t>[</a:t>
+            </a:r>
+            <a:r>
+              <a:rPr b="1" lang="en" sz="2400">
+                <a:solidFill>
+                  <a:srgbClr val="465510"/>
+                </a:solidFill>
+                <a:latin typeface="Consolas"/>
+                <a:ea typeface="Consolas"/>
+                <a:cs typeface="Consolas"/>
+                <a:sym typeface="Consolas"/>
+              </a:rPr>
+              <a:t>4</a:t>
+            </a:r>
+            <a:r>
+              <a:rPr b="1" lang="en" sz="2400">
+                <a:latin typeface="Consolas"/>
+                <a:ea typeface="Consolas"/>
+                <a:cs typeface="Consolas"/>
+                <a:sym typeface="Consolas"/>
+              </a:rPr>
+              <a:t>, </a:t>
+            </a:r>
+            <a:r>
+              <a:rPr b="1" lang="en" sz="2400">
+                <a:solidFill>
+                  <a:srgbClr val="465510"/>
+                </a:solidFill>
+                <a:latin typeface="Consolas"/>
+                <a:ea typeface="Consolas"/>
+                <a:cs typeface="Consolas"/>
+                <a:sym typeface="Consolas"/>
+              </a:rPr>
+              <a:t>3</a:t>
+            </a:r>
+            <a:r>
+              <a:rPr b="1" lang="en" sz="2400">
+                <a:latin typeface="Consolas"/>
+                <a:ea typeface="Consolas"/>
+                <a:cs typeface="Consolas"/>
+                <a:sym typeface="Consolas"/>
+              </a:rPr>
+              <a:t>, </a:t>
+            </a:r>
+            <a:r>
+              <a:rPr b="1" lang="en" sz="2400">
+                <a:solidFill>
+                  <a:srgbClr val="465510"/>
+                </a:solidFill>
+                <a:latin typeface="Consolas"/>
+                <a:ea typeface="Consolas"/>
+                <a:cs typeface="Consolas"/>
+                <a:sym typeface="Consolas"/>
+              </a:rPr>
+              <a:t>4</a:t>
+            </a:r>
+            <a:r>
+              <a:rPr b="1" lang="en" sz="2400">
+                <a:latin typeface="Consolas"/>
+                <a:ea typeface="Consolas"/>
+                <a:cs typeface="Consolas"/>
+                <a:sym typeface="Consolas"/>
+              </a:rPr>
+              <a:t>]</a:t>
+            </a:r>
+            <a:endParaRPr b="1" sz="2400">
+              <a:latin typeface="Consolas"/>
+              <a:ea typeface="Consolas"/>
+              <a:cs typeface="Consolas"/>
+              <a:sym typeface="Consolas"/>
+            </a:endParaRPr>
+          </a:p>
+        </p:txBody>
+      </p:sp>
+      <p:sp>
+        <p:nvSpPr>
+          <p:cNvPr id="47" name="Google Shape;47;g3b8409de4d6_0_84"/>
           <p:cNvSpPr txBox="1"/>
           <p:nvPr>
             <p:ph type="title"/>
@@ -9908,305 +10966,9 @@
             </a:pPr>
             <a:r>
               <a:rPr lang="en"/>
-              <a:t>Type Errors</a:t>
+              <a:t>Programming Practice 02</a:t>
             </a:r>
             <a:endParaRPr/>
-          </a:p>
-        </p:txBody>
-      </p:sp>
-      <p:sp>
-        <p:nvSpPr>
-          <p:cNvPr id="49" name="Google Shape;49;g3b8409de4d6_0_65"/>
-          <p:cNvSpPr txBox="1"/>
-          <p:nvPr>
-            <p:ph idx="1" type="body"/>
-          </p:nvPr>
-        </p:nvSpPr>
-        <p:spPr>
-          <a:xfrm>
-            <a:off x="457200" y="1417650"/>
-            <a:ext cx="8229600" cy="1143000"/>
-          </a:xfrm>
-          <a:prstGeom prst="rect">
-            <a:avLst/>
-          </a:prstGeom>
-          <a:noFill/>
-          <a:ln>
-            <a:noFill/>
-          </a:ln>
-        </p:spPr>
-        <p:txBody>
-          <a:bodyPr anchorCtr="0" anchor="t" bIns="91425" lIns="91425" spcFirstLastPara="1" rIns="91425" wrap="square" tIns="91425">
-            <a:noAutofit/>
-          </a:bodyPr>
-          <a:lstStyle/>
-          <a:p>
-            <a:pPr indent="0" lvl="0" marL="0" rtl="0" algn="l">
-              <a:lnSpc>
-                <a:spcPct val="100000"/>
-              </a:lnSpc>
-              <a:spcBef>
-                <a:spcPts val="600"/>
-              </a:spcBef>
-              <a:spcAft>
-                <a:spcPts val="0"/>
-              </a:spcAft>
-              <a:buSzPts val="3000"/>
-              <a:buNone/>
-            </a:pPr>
-            <a:r>
-              <a:rPr lang="en"/>
-              <a:t>Last class we saw an error when we tried to add an </a:t>
-            </a:r>
-            <a:r>
-              <a:rPr b="1" lang="en">
-                <a:solidFill>
-                  <a:srgbClr val="A31415"/>
-                </a:solidFill>
-                <a:latin typeface="Consolas"/>
-                <a:ea typeface="Consolas"/>
-                <a:cs typeface="Consolas"/>
-                <a:sym typeface="Consolas"/>
-              </a:rPr>
-              <a:t>int</a:t>
-            </a:r>
-            <a:r>
-              <a:rPr lang="en"/>
-              <a:t> and a </a:t>
-            </a:r>
-            <a:r>
-              <a:rPr b="1" lang="en">
-                <a:solidFill>
-                  <a:srgbClr val="A31415"/>
-                </a:solidFill>
-                <a:latin typeface="Consolas"/>
-                <a:ea typeface="Consolas"/>
-                <a:cs typeface="Consolas"/>
-                <a:sym typeface="Consolas"/>
-              </a:rPr>
-              <a:t>str</a:t>
-            </a:r>
-            <a:r>
-              <a:rPr lang="en"/>
-              <a:t> together.</a:t>
-            </a:r>
-            <a:endParaRPr/>
-          </a:p>
-        </p:txBody>
-      </p:sp>
-      <p:pic>
-        <p:nvPicPr>
-          <p:cNvPr id="50" name="Google Shape;50;g3b8409de4d6_0_65" title="Screenshot 2026-01-16 at 8.22.40 AM.png"/>
-          <p:cNvPicPr preferRelativeResize="0"/>
-          <p:nvPr/>
-        </p:nvPicPr>
-        <p:blipFill rotWithShape="1">
-          <a:blip r:embed="rId3">
-            <a:alphaModFix/>
-          </a:blip>
-          <a:srcRect b="0" l="0" r="0" t="0"/>
-          <a:stretch/>
-        </p:blipFill>
-        <p:spPr>
-          <a:xfrm>
-            <a:off x="457200" y="2777400"/>
-            <a:ext cx="8229599" cy="1929600"/>
-          </a:xfrm>
-          <a:prstGeom prst="rect">
-            <a:avLst/>
-          </a:prstGeom>
-          <a:noFill/>
-          <a:ln>
-            <a:noFill/>
-          </a:ln>
-        </p:spPr>
-      </p:pic>
-      <p:sp>
-        <p:nvSpPr>
-          <p:cNvPr id="51" name="Google Shape;51;g3b8409de4d6_0_65"/>
-          <p:cNvSpPr/>
-          <p:nvPr/>
-        </p:nvSpPr>
-        <p:spPr>
-          <a:xfrm>
-            <a:off x="5097875" y="4372875"/>
-            <a:ext cx="295200" cy="334200"/>
-          </a:xfrm>
-          <a:prstGeom prst="rect">
-            <a:avLst/>
-          </a:prstGeom>
-          <a:noFill/>
-          <a:ln cap="flat" cmpd="sng" w="38100">
-            <a:solidFill>
-              <a:srgbClr val="A31415"/>
-            </a:solidFill>
-            <a:prstDash val="solid"/>
-            <a:round/>
-            <a:headEnd len="sm" w="sm" type="none"/>
-            <a:tailEnd len="sm" w="sm" type="none"/>
-          </a:ln>
-        </p:spPr>
-        <p:txBody>
-          <a:bodyPr anchorCtr="0" anchor="ctr" bIns="91425" lIns="91425" spcFirstLastPara="1" rIns="91425" wrap="square" tIns="91425">
-            <a:noAutofit/>
-          </a:bodyPr>
-          <a:lstStyle/>
-          <a:p>
-            <a:pPr indent="0" lvl="0" marL="0" marR="0" rtl="0" algn="ctr">
-              <a:lnSpc>
-                <a:spcPct val="100000"/>
-              </a:lnSpc>
-              <a:spcBef>
-                <a:spcPts val="0"/>
-              </a:spcBef>
-              <a:spcAft>
-                <a:spcPts val="0"/>
-              </a:spcAft>
-              <a:buClr>
-                <a:srgbClr val="000000"/>
-              </a:buClr>
-              <a:buSzPts val="1400"/>
-              <a:buFont typeface="Arial"/>
-              <a:buNone/>
-            </a:pPr>
-            <a:r>
-              <a:t/>
-            </a:r>
-            <a:endParaRPr b="0" i="0" sz="1400" u="none" cap="none" strike="noStrike">
-              <a:solidFill>
-                <a:srgbClr val="000000"/>
-              </a:solidFill>
-              <a:latin typeface="Arial"/>
-              <a:ea typeface="Arial"/>
-              <a:cs typeface="Arial"/>
-              <a:sym typeface="Arial"/>
-            </a:endParaRPr>
-          </a:p>
-        </p:txBody>
-      </p:sp>
-      <p:sp>
-        <p:nvSpPr>
-          <p:cNvPr id="52" name="Google Shape;52;g3b8409de4d6_0_65"/>
-          <p:cNvSpPr/>
-          <p:nvPr/>
-        </p:nvSpPr>
-        <p:spPr>
-          <a:xfrm>
-            <a:off x="5461275" y="4372875"/>
-            <a:ext cx="555300" cy="334200"/>
-          </a:xfrm>
-          <a:prstGeom prst="rect">
-            <a:avLst/>
-          </a:prstGeom>
-          <a:noFill/>
-          <a:ln cap="flat" cmpd="sng" w="38100">
-            <a:solidFill>
-              <a:srgbClr val="A31415"/>
-            </a:solidFill>
-            <a:prstDash val="solid"/>
-            <a:round/>
-            <a:headEnd len="sm" w="sm" type="none"/>
-            <a:tailEnd len="sm" w="sm" type="none"/>
-          </a:ln>
-        </p:spPr>
-        <p:txBody>
-          <a:bodyPr anchorCtr="0" anchor="ctr" bIns="91425" lIns="91425" spcFirstLastPara="1" rIns="91425" wrap="square" tIns="91425">
-            <a:noAutofit/>
-          </a:bodyPr>
-          <a:lstStyle/>
-          <a:p>
-            <a:pPr indent="0" lvl="0" marL="0" marR="0" rtl="0" algn="ctr">
-              <a:lnSpc>
-                <a:spcPct val="100000"/>
-              </a:lnSpc>
-              <a:spcBef>
-                <a:spcPts val="0"/>
-              </a:spcBef>
-              <a:spcAft>
-                <a:spcPts val="0"/>
-              </a:spcAft>
-              <a:buClr>
-                <a:srgbClr val="000000"/>
-              </a:buClr>
-              <a:buSzPts val="1400"/>
-              <a:buFont typeface="Arial"/>
-              <a:buNone/>
-            </a:pPr>
-            <a:r>
-              <a:t/>
-            </a:r>
-            <a:endParaRPr b="0" i="0" sz="1400" u="none" cap="none" strike="noStrike">
-              <a:solidFill>
-                <a:srgbClr val="000000"/>
-              </a:solidFill>
-              <a:latin typeface="Arial"/>
-              <a:ea typeface="Arial"/>
-              <a:cs typeface="Arial"/>
-              <a:sym typeface="Arial"/>
-            </a:endParaRPr>
-          </a:p>
-        </p:txBody>
-      </p:sp>
-      <p:sp>
-        <p:nvSpPr>
-          <p:cNvPr id="53" name="Google Shape;53;g3b8409de4d6_0_65"/>
-          <p:cNvSpPr/>
-          <p:nvPr/>
-        </p:nvSpPr>
-        <p:spPr>
-          <a:xfrm>
-            <a:off x="6536025" y="4372875"/>
-            <a:ext cx="555300" cy="334200"/>
-          </a:xfrm>
-          <a:prstGeom prst="rect">
-            <a:avLst/>
-          </a:prstGeom>
-          <a:noFill/>
-          <a:ln cap="flat" cmpd="sng" w="38100">
-            <a:solidFill>
-              <a:srgbClr val="A31415"/>
-            </a:solidFill>
-            <a:prstDash val="solid"/>
-            <a:round/>
-            <a:headEnd len="sm" w="sm" type="none"/>
-            <a:tailEnd len="sm" w="sm" type="none"/>
-          </a:ln>
-        </p:spPr>
-        <p:txBody>
-          <a:bodyPr anchorCtr="0" anchor="ctr" bIns="91425" lIns="91425" spcFirstLastPara="1" rIns="91425" wrap="square" tIns="91425">
-            <a:noAutofit/>
-          </a:bodyPr>
-          <a:lstStyle/>
-          <a:p>
-            <a:pPr indent="0" lvl="0" marL="0" marR="0" rtl="0" algn="ctr">
-              <a:lnSpc>
-                <a:spcPct val="100000"/>
-              </a:lnSpc>
-              <a:spcBef>
-                <a:spcPts val="0"/>
-              </a:spcBef>
-              <a:spcAft>
-                <a:spcPts val="0"/>
-              </a:spcAft>
-              <a:buClr>
-                <a:srgbClr val="000000"/>
-              </a:buClr>
-              <a:buSzPts val="1400"/>
-              <a:buFont typeface="Arial"/>
-              <a:buNone/>
-            </a:pPr>
-            <a:r>
-              <a:t/>
-            </a:r>
-            <a:endParaRPr b="0" i="0" sz="1400" u="none" cap="none" strike="noStrike">
-              <a:solidFill>
-                <a:srgbClr val="000000"/>
-              </a:solidFill>
-              <a:latin typeface="Arial"/>
-              <a:ea typeface="Arial"/>
-              <a:cs typeface="Arial"/>
-              <a:sym typeface="Arial"/>
-            </a:endParaRPr>
           </a:p>
         </p:txBody>
       </p:sp>
@@ -10223,7 +10985,7 @@
   <p:cSld>
     <p:spTree>
       <p:nvGrpSpPr>
-        <p:cNvPr id="57" name="Shape 57"/>
+        <p:cNvPr id="51" name="Shape 51"/>
         <p:cNvGrpSpPr/>
         <p:nvPr/>
       </p:nvGrpSpPr>
@@ -10237,7 +10999,7 @@
       </p:grpSpPr>
       <p:sp>
         <p:nvSpPr>
-          <p:cNvPr id="58" name="Google Shape;58;g3b8409de4d6_0_74"/>
+          <p:cNvPr id="52" name="Google Shape;52;g3b938ea6dd9_0_50"/>
           <p:cNvSpPr txBox="1"/>
           <p:nvPr>
             <p:ph type="title"/>
@@ -10276,823 +11038,6 @@
               <a:buNone/>
             </a:pPr>
             <a:r>
-              <a:rPr lang="en"/>
-              <a:t>Typecasting</a:t>
-            </a:r>
-            <a:endParaRPr/>
-          </a:p>
-        </p:txBody>
-      </p:sp>
-      <p:sp>
-        <p:nvSpPr>
-          <p:cNvPr id="59" name="Google Shape;59;g3b8409de4d6_0_74"/>
-          <p:cNvSpPr txBox="1"/>
-          <p:nvPr>
-            <p:ph idx="1" type="body"/>
-          </p:nvPr>
-        </p:nvSpPr>
-        <p:spPr>
-          <a:xfrm>
-            <a:off x="457200" y="1600200"/>
-            <a:ext cx="8229600" cy="1143000"/>
-          </a:xfrm>
-          <a:prstGeom prst="rect">
-            <a:avLst/>
-          </a:prstGeom>
-          <a:noFill/>
-          <a:ln>
-            <a:noFill/>
-          </a:ln>
-        </p:spPr>
-        <p:txBody>
-          <a:bodyPr anchorCtr="0" anchor="t" bIns="91425" lIns="91425" spcFirstLastPara="1" rIns="91425" wrap="square" tIns="91425">
-            <a:noAutofit/>
-          </a:bodyPr>
-          <a:lstStyle/>
-          <a:p>
-            <a:pPr indent="0" lvl="0" marL="0" rtl="0" algn="l">
-              <a:lnSpc>
-                <a:spcPct val="100000"/>
-              </a:lnSpc>
-              <a:spcBef>
-                <a:spcPts val="600"/>
-              </a:spcBef>
-              <a:spcAft>
-                <a:spcPts val="0"/>
-              </a:spcAft>
-              <a:buSzPts val="3000"/>
-              <a:buNone/>
-            </a:pPr>
-            <a:r>
-              <a:rPr b="1" lang="en">
-                <a:solidFill>
-                  <a:srgbClr val="002B5B"/>
-                </a:solidFill>
-              </a:rPr>
-              <a:t>Typecasting</a:t>
-            </a:r>
-            <a:r>
-              <a:rPr lang="en"/>
-              <a:t> allows us to </a:t>
-            </a:r>
-            <a:r>
-              <a:rPr b="1" lang="en">
-                <a:solidFill>
-                  <a:srgbClr val="465510"/>
-                </a:solidFill>
-              </a:rPr>
-              <a:t>change a variable or value to a different </a:t>
-            </a:r>
-            <a:r>
-              <a:rPr b="1" lang="en" sz="1400">
-                <a:solidFill>
-                  <a:srgbClr val="465510"/>
-                </a:solidFill>
-              </a:rPr>
-              <a:t>(supported)</a:t>
-            </a:r>
-            <a:r>
-              <a:rPr b="1" lang="en">
-                <a:solidFill>
-                  <a:srgbClr val="465510"/>
-                </a:solidFill>
-              </a:rPr>
-              <a:t> type!</a:t>
-            </a:r>
-            <a:endParaRPr b="1">
-              <a:solidFill>
-                <a:srgbClr val="465510"/>
-              </a:solidFill>
-            </a:endParaRPr>
-          </a:p>
-        </p:txBody>
-      </p:sp>
-      <p:pic>
-        <p:nvPicPr>
-          <p:cNvPr id="60" name="Google Shape;60;g3b8409de4d6_0_74" title="Screenshot 2026-01-16 at 8.26.27 AM.png"/>
-          <p:cNvPicPr preferRelativeResize="0"/>
-          <p:nvPr/>
-        </p:nvPicPr>
-        <p:blipFill rotWithShape="1">
-          <a:blip r:embed="rId3">
-            <a:alphaModFix/>
-          </a:blip>
-          <a:srcRect b="0" l="0" r="0" t="0"/>
-          <a:stretch/>
-        </p:blipFill>
-        <p:spPr>
-          <a:xfrm>
-            <a:off x="922175" y="2822813"/>
-            <a:ext cx="3678575" cy="1906175"/>
-          </a:xfrm>
-          <a:prstGeom prst="rect">
-            <a:avLst/>
-          </a:prstGeom>
-          <a:noFill/>
-          <a:ln cap="flat" cmpd="sng" w="38100">
-            <a:solidFill>
-              <a:srgbClr val="002B5B"/>
-            </a:solidFill>
-            <a:prstDash val="solid"/>
-            <a:round/>
-            <a:headEnd len="sm" w="sm" type="none"/>
-            <a:tailEnd len="sm" w="sm" type="none"/>
-          </a:ln>
-        </p:spPr>
-      </p:pic>
-      <p:pic>
-        <p:nvPicPr>
-          <p:cNvPr id="61" name="Google Shape;61;g3b8409de4d6_0_74" title="Screenshot 2026-01-16 at 8.27.07 AM.png"/>
-          <p:cNvPicPr preferRelativeResize="0"/>
-          <p:nvPr/>
-        </p:nvPicPr>
-        <p:blipFill rotWithShape="1">
-          <a:blip r:embed="rId4">
-            <a:alphaModFix/>
-          </a:blip>
-          <a:srcRect b="0" l="0" r="0" t="0"/>
-          <a:stretch/>
-        </p:blipFill>
-        <p:spPr>
-          <a:xfrm>
-            <a:off x="4844225" y="2822825"/>
-            <a:ext cx="3377609" cy="1906175"/>
-          </a:xfrm>
-          <a:prstGeom prst="rect">
-            <a:avLst/>
-          </a:prstGeom>
-          <a:noFill/>
-          <a:ln cap="flat" cmpd="sng" w="38100">
-            <a:solidFill>
-              <a:srgbClr val="002B5B"/>
-            </a:solidFill>
-            <a:prstDash val="solid"/>
-            <a:round/>
-            <a:headEnd len="sm" w="sm" type="none"/>
-            <a:tailEnd len="sm" w="sm" type="none"/>
-          </a:ln>
-        </p:spPr>
-      </p:pic>
-      <p:sp>
-        <p:nvSpPr>
-          <p:cNvPr id="62" name="Google Shape;62;g3b8409de4d6_0_74"/>
-          <p:cNvSpPr txBox="1"/>
-          <p:nvPr/>
-        </p:nvSpPr>
-        <p:spPr>
-          <a:xfrm>
-            <a:off x="1218150" y="4949150"/>
-            <a:ext cx="6707700" cy="1143000"/>
-          </a:xfrm>
-          <a:prstGeom prst="rect">
-            <a:avLst/>
-          </a:prstGeom>
-          <a:noFill/>
-          <a:ln>
-            <a:noFill/>
-          </a:ln>
-        </p:spPr>
-        <p:txBody>
-          <a:bodyPr anchorCtr="0" anchor="t" bIns="91425" lIns="91425" spcFirstLastPara="1" rIns="91425" wrap="square" tIns="91425">
-            <a:noAutofit/>
-          </a:bodyPr>
-          <a:lstStyle/>
-          <a:p>
-            <a:pPr indent="0" lvl="0" marL="0" marR="0" rtl="0" algn="l">
-              <a:lnSpc>
-                <a:spcPct val="100000"/>
-              </a:lnSpc>
-              <a:spcBef>
-                <a:spcPts val="0"/>
-              </a:spcBef>
-              <a:spcAft>
-                <a:spcPts val="0"/>
-              </a:spcAft>
-              <a:buClr>
-                <a:srgbClr val="000000"/>
-              </a:buClr>
-              <a:buSzPts val="1800"/>
-              <a:buFont typeface="Arial"/>
-              <a:buNone/>
-            </a:pPr>
-            <a:r>
-              <a:rPr b="1" i="0" lang="en" sz="1800" u="none" cap="none" strike="noStrike">
-                <a:solidFill>
-                  <a:srgbClr val="DCB439"/>
-                </a:solidFill>
-                <a:latin typeface="Arial"/>
-                <a:ea typeface="Arial"/>
-                <a:cs typeface="Arial"/>
-                <a:sym typeface="Arial"/>
-              </a:rPr>
-              <a:t>NOTE:</a:t>
-            </a:r>
-            <a:r>
-              <a:rPr b="0" i="0" lang="en" sz="1800" u="none" cap="none" strike="noStrike">
-                <a:solidFill>
-                  <a:schemeClr val="dk1"/>
-                </a:solidFill>
-                <a:latin typeface="Arial"/>
-                <a:ea typeface="Arial"/>
-                <a:cs typeface="Arial"/>
-                <a:sym typeface="Arial"/>
-              </a:rPr>
-              <a:t> It is especially useful to </a:t>
-            </a:r>
-            <a:r>
-              <a:rPr b="1" i="0" lang="en" sz="1800" u="none" cap="none" strike="noStrike">
-                <a:solidFill>
-                  <a:srgbClr val="002B5B"/>
-                </a:solidFill>
-                <a:latin typeface="Arial"/>
-                <a:ea typeface="Arial"/>
-                <a:cs typeface="Arial"/>
-                <a:sym typeface="Arial"/>
-              </a:rPr>
-              <a:t>typecast</a:t>
-            </a:r>
-            <a:r>
-              <a:rPr b="0" i="0" lang="en" sz="1800" u="none" cap="none" strike="noStrike">
-                <a:solidFill>
-                  <a:schemeClr val="dk1"/>
-                </a:solidFill>
-                <a:latin typeface="Arial"/>
-                <a:ea typeface="Arial"/>
-                <a:cs typeface="Arial"/>
-                <a:sym typeface="Arial"/>
-              </a:rPr>
-              <a:t> </a:t>
-            </a:r>
-            <a:r>
-              <a:rPr b="1" i="0" lang="en" sz="1800" u="none" cap="none" strike="noStrike">
-                <a:solidFill>
-                  <a:srgbClr val="A31415"/>
-                </a:solidFill>
-                <a:latin typeface="Consolas"/>
-                <a:ea typeface="Consolas"/>
-                <a:cs typeface="Consolas"/>
-                <a:sym typeface="Consolas"/>
-              </a:rPr>
-              <a:t>str</a:t>
-            </a:r>
-            <a:r>
-              <a:rPr b="0" i="0" lang="en" sz="1800" u="none" cap="none" strike="noStrike">
-                <a:solidFill>
-                  <a:schemeClr val="dk1"/>
-                </a:solidFill>
-                <a:latin typeface="Arial"/>
-                <a:ea typeface="Arial"/>
-                <a:cs typeface="Arial"/>
-                <a:sym typeface="Arial"/>
-              </a:rPr>
-              <a:t> into an </a:t>
-            </a:r>
-            <a:r>
-              <a:rPr b="1" i="0" lang="en" sz="1800" u="none" cap="none" strike="noStrike">
-                <a:solidFill>
-                  <a:srgbClr val="A31415"/>
-                </a:solidFill>
-                <a:latin typeface="Consolas"/>
-                <a:ea typeface="Consolas"/>
-                <a:cs typeface="Consolas"/>
-                <a:sym typeface="Consolas"/>
-              </a:rPr>
-              <a:t>int</a:t>
-            </a:r>
-            <a:r>
-              <a:rPr b="0" i="0" lang="en" sz="1800" u="none" cap="none" strike="noStrike">
-                <a:solidFill>
-                  <a:schemeClr val="dk1"/>
-                </a:solidFill>
-                <a:latin typeface="Arial"/>
-                <a:ea typeface="Arial"/>
-                <a:cs typeface="Arial"/>
-                <a:sym typeface="Arial"/>
-              </a:rPr>
-              <a:t> because usually when we read in data from a file, it all comes in as </a:t>
-            </a:r>
-            <a:r>
-              <a:rPr b="1" i="0" lang="en" sz="1800" u="none" cap="none" strike="noStrike">
-                <a:solidFill>
-                  <a:srgbClr val="A31415"/>
-                </a:solidFill>
-                <a:latin typeface="Consolas"/>
-                <a:ea typeface="Consolas"/>
-                <a:cs typeface="Consolas"/>
-                <a:sym typeface="Consolas"/>
-              </a:rPr>
-              <a:t>str</a:t>
-            </a:r>
-            <a:endParaRPr b="1" i="0" sz="1800" u="none" cap="none" strike="noStrike">
-              <a:solidFill>
-                <a:srgbClr val="A31415"/>
-              </a:solidFill>
-              <a:latin typeface="Consolas"/>
-              <a:ea typeface="Consolas"/>
-              <a:cs typeface="Consolas"/>
-              <a:sym typeface="Consolas"/>
-            </a:endParaRPr>
-          </a:p>
-        </p:txBody>
-      </p:sp>
-    </p:spTree>
-  </p:cSld>
-  <p:clrMapOvr>
-    <a:masterClrMapping/>
-  </p:clrMapOvr>
-</p:sld>
-</file>
-
-<file path=ppt/slides/slide5.xml><?xml version="1.0" encoding="utf-8"?>
-<p:sld xmlns:a="http://schemas.openxmlformats.org/drawingml/2006/main" xmlns:r="http://schemas.openxmlformats.org/officeDocument/2006/relationships" xmlns:mc="http://schemas.openxmlformats.org/markup-compatibility/2006" xmlns:mv="urn:schemas-microsoft-com:mac:vml" xmlns:p="http://schemas.openxmlformats.org/presentationml/2006/main" xmlns:c="http://schemas.openxmlformats.org/drawingml/2006/chart" xmlns:dgm="http://schemas.openxmlformats.org/drawingml/2006/diagram" xmlns:o="urn:schemas-microsoft-com:office:office" xmlns:v="urn:schemas-microsoft-com:vml" xmlns:pvml="urn:schemas-microsoft-com:office:powerpoint" xmlns:com="http://schemas.openxmlformats.org/drawingml/2006/compatibility" xmlns:p14="http://schemas.microsoft.com/office/powerpoint/2010/main" xmlns:p15="http://schemas.microsoft.com/office/powerpoint/2012/main" xmlns:ahyp="http://schemas.microsoft.com/office/drawing/2018/hyperlinkcolor">
-  <p:cSld>
-    <p:spTree>
-      <p:nvGrpSpPr>
-        <p:cNvPr id="66" name="Shape 66"/>
-        <p:cNvGrpSpPr/>
-        <p:nvPr/>
-      </p:nvGrpSpPr>
-      <p:grpSpPr>
-        <a:xfrm>
-          <a:off x="0" y="0"/>
-          <a:ext cx="0" cy="0"/>
-          <a:chOff x="0" y="0"/>
-          <a:chExt cx="0" cy="0"/>
-        </a:xfrm>
-      </p:grpSpPr>
-      <p:sp>
-        <p:nvSpPr>
-          <p:cNvPr id="67" name="Google Shape;67;g3b8409de4d6_0_84"/>
-          <p:cNvSpPr txBox="1"/>
-          <p:nvPr>
-            <p:ph idx="1" type="body"/>
-          </p:nvPr>
-        </p:nvSpPr>
-        <p:spPr>
-          <a:xfrm>
-            <a:off x="457200" y="1600200"/>
-            <a:ext cx="8229600" cy="4776000"/>
-          </a:xfrm>
-          <a:prstGeom prst="rect">
-            <a:avLst/>
-          </a:prstGeom>
-          <a:noFill/>
-          <a:ln>
-            <a:noFill/>
-          </a:ln>
-        </p:spPr>
-        <p:txBody>
-          <a:bodyPr anchorCtr="0" anchor="t" bIns="91425" lIns="91425" spcFirstLastPara="1" rIns="91425" wrap="square" tIns="91425">
-            <a:noAutofit/>
-          </a:bodyPr>
-          <a:lstStyle/>
-          <a:p>
-            <a:pPr indent="0" lvl="0" marL="0" rtl="0" algn="l">
-              <a:lnSpc>
-                <a:spcPct val="100000"/>
-              </a:lnSpc>
-              <a:spcBef>
-                <a:spcPts val="600"/>
-              </a:spcBef>
-              <a:spcAft>
-                <a:spcPts val="0"/>
-              </a:spcAft>
-              <a:buSzPts val="3000"/>
-              <a:buNone/>
-            </a:pPr>
-            <a:r>
-              <a:rPr b="1" lang="en">
-                <a:solidFill>
-                  <a:srgbClr val="A31415"/>
-                </a:solidFill>
-                <a:latin typeface="Consolas"/>
-                <a:ea typeface="Consolas"/>
-                <a:cs typeface="Consolas"/>
-                <a:sym typeface="Consolas"/>
-              </a:rPr>
-              <a:t>def</a:t>
-            </a:r>
-            <a:r>
-              <a:rPr lang="en"/>
-              <a:t>ine a </a:t>
-            </a:r>
-            <a:r>
-              <a:rPr b="1" lang="en">
-                <a:solidFill>
-                  <a:srgbClr val="A31415"/>
-                </a:solidFill>
-                <a:latin typeface="Consolas"/>
-                <a:ea typeface="Consolas"/>
-                <a:cs typeface="Consolas"/>
-                <a:sym typeface="Consolas"/>
-              </a:rPr>
-              <a:t>function</a:t>
-            </a:r>
-            <a:r>
-              <a:rPr lang="en"/>
-              <a:t> that can, given a list of </a:t>
-            </a:r>
-            <a:r>
-              <a:rPr b="1" lang="en">
-                <a:solidFill>
-                  <a:srgbClr val="A31415"/>
-                </a:solidFill>
-                <a:latin typeface="Consolas"/>
-                <a:ea typeface="Consolas"/>
-                <a:cs typeface="Consolas"/>
-                <a:sym typeface="Consolas"/>
-              </a:rPr>
-              <a:t>ints</a:t>
-            </a:r>
-            <a:r>
-              <a:rPr lang="en"/>
-              <a:t>, </a:t>
-            </a:r>
-            <a:r>
-              <a:rPr b="1" lang="en">
-                <a:solidFill>
-                  <a:srgbClr val="A31415"/>
-                </a:solidFill>
-                <a:latin typeface="Consolas"/>
-                <a:ea typeface="Consolas"/>
-                <a:cs typeface="Consolas"/>
-                <a:sym typeface="Consolas"/>
-              </a:rPr>
-              <a:t>return</a:t>
-            </a:r>
-            <a:r>
-              <a:rPr lang="en"/>
-              <a:t> a </a:t>
-            </a:r>
-            <a:r>
-              <a:rPr b="1" lang="en">
-                <a:solidFill>
-                  <a:srgbClr val="A31415"/>
-                </a:solidFill>
-                <a:latin typeface="Consolas"/>
-                <a:ea typeface="Consolas"/>
-                <a:cs typeface="Consolas"/>
-                <a:sym typeface="Consolas"/>
-              </a:rPr>
-              <a:t>dictionary</a:t>
-            </a:r>
-            <a:r>
-              <a:rPr lang="en"/>
-              <a:t> of counts of consecutive pairs. </a:t>
-            </a:r>
-            <a:endParaRPr/>
-          </a:p>
-          <a:p>
-            <a:pPr indent="0" lvl="0" marL="0" rtl="0" algn="l">
-              <a:lnSpc>
-                <a:spcPct val="100000"/>
-              </a:lnSpc>
-              <a:spcBef>
-                <a:spcPts val="600"/>
-              </a:spcBef>
-              <a:spcAft>
-                <a:spcPts val="0"/>
-              </a:spcAft>
-              <a:buSzPts val="3000"/>
-              <a:buNone/>
-            </a:pPr>
-            <a:r>
-              <a:t/>
-            </a:r>
-            <a:endParaRPr/>
-          </a:p>
-          <a:p>
-            <a:pPr indent="0" lvl="0" marL="0" rtl="0" algn="l">
-              <a:lnSpc>
-                <a:spcPct val="100000"/>
-              </a:lnSpc>
-              <a:spcBef>
-                <a:spcPts val="600"/>
-              </a:spcBef>
-              <a:spcAft>
-                <a:spcPts val="0"/>
-              </a:spcAft>
-              <a:buSzPts val="3000"/>
-              <a:buNone/>
-            </a:pPr>
-            <a:r>
-              <a:rPr lang="en"/>
-              <a:t>For example:</a:t>
-            </a:r>
-            <a:endParaRPr/>
-          </a:p>
-          <a:p>
-            <a:pPr indent="0" lvl="0" marL="0" rtl="0" algn="l">
-              <a:lnSpc>
-                <a:spcPct val="100000"/>
-              </a:lnSpc>
-              <a:spcBef>
-                <a:spcPts val="600"/>
-              </a:spcBef>
-              <a:spcAft>
-                <a:spcPts val="0"/>
-              </a:spcAft>
-              <a:buSzPts val="3000"/>
-              <a:buNone/>
-            </a:pPr>
-            <a:r>
-              <a:t/>
-            </a:r>
-            <a:endParaRPr/>
-          </a:p>
-          <a:p>
-            <a:pPr indent="0" lvl="0" marL="0" rtl="0" algn="l">
-              <a:lnSpc>
-                <a:spcPct val="100000"/>
-              </a:lnSpc>
-              <a:spcBef>
-                <a:spcPts val="600"/>
-              </a:spcBef>
-              <a:spcAft>
-                <a:spcPts val="0"/>
-              </a:spcAft>
-              <a:buSzPts val="3000"/>
-              <a:buNone/>
-            </a:pPr>
-            <a:r>
-              <a:rPr b="1" lang="en" sz="2400">
-                <a:solidFill>
-                  <a:srgbClr val="A31415"/>
-                </a:solidFill>
-                <a:latin typeface="Consolas"/>
-                <a:ea typeface="Consolas"/>
-                <a:cs typeface="Consolas"/>
-                <a:sym typeface="Consolas"/>
-              </a:rPr>
-              <a:t>pairs = count_consecutive_pairs([1, 2, 3, 1, 2])</a:t>
-            </a:r>
-            <a:endParaRPr b="1" sz="2400">
-              <a:solidFill>
-                <a:srgbClr val="A31415"/>
-              </a:solidFill>
-              <a:latin typeface="Consolas"/>
-              <a:ea typeface="Consolas"/>
-              <a:cs typeface="Consolas"/>
-              <a:sym typeface="Consolas"/>
-            </a:endParaRPr>
-          </a:p>
-          <a:p>
-            <a:pPr indent="0" lvl="0" marL="0" rtl="0" algn="l">
-              <a:lnSpc>
-                <a:spcPct val="100000"/>
-              </a:lnSpc>
-              <a:spcBef>
-                <a:spcPts val="600"/>
-              </a:spcBef>
-              <a:spcAft>
-                <a:spcPts val="0"/>
-              </a:spcAft>
-              <a:buSzPts val="3000"/>
-              <a:buNone/>
-            </a:pPr>
-            <a:r>
-              <a:rPr b="1" lang="en" sz="2400">
-                <a:solidFill>
-                  <a:srgbClr val="A31415"/>
-                </a:solidFill>
-                <a:latin typeface="Consolas"/>
-                <a:ea typeface="Consolas"/>
-                <a:cs typeface="Consolas"/>
-                <a:sym typeface="Consolas"/>
-              </a:rPr>
-              <a:t>print(pairs)</a:t>
-            </a:r>
-            <a:endParaRPr b="1" sz="2400">
-              <a:solidFill>
-                <a:srgbClr val="A31415"/>
-              </a:solidFill>
-              <a:latin typeface="Consolas"/>
-              <a:ea typeface="Consolas"/>
-              <a:cs typeface="Consolas"/>
-              <a:sym typeface="Consolas"/>
-            </a:endParaRPr>
-          </a:p>
-          <a:p>
-            <a:pPr indent="0" lvl="0" marL="0" rtl="0" algn="l">
-              <a:lnSpc>
-                <a:spcPct val="100000"/>
-              </a:lnSpc>
-              <a:spcBef>
-                <a:spcPts val="600"/>
-              </a:spcBef>
-              <a:spcAft>
-                <a:spcPts val="0"/>
-              </a:spcAft>
-              <a:buSzPts val="3000"/>
-              <a:buNone/>
-            </a:pPr>
-            <a:r>
-              <a:rPr b="1" lang="en" sz="2400">
-                <a:solidFill>
-                  <a:srgbClr val="A31415"/>
-                </a:solidFill>
-                <a:latin typeface="Consolas"/>
-                <a:ea typeface="Consolas"/>
-                <a:cs typeface="Consolas"/>
-                <a:sym typeface="Consolas"/>
-              </a:rPr>
-              <a:t>&gt; </a:t>
-            </a:r>
-            <a:r>
-              <a:rPr b="1" lang="en" sz="2400">
-                <a:latin typeface="Consolas"/>
-                <a:ea typeface="Consolas"/>
-                <a:cs typeface="Consolas"/>
-                <a:sym typeface="Consolas"/>
-              </a:rPr>
-              <a:t>{(1, 2): 2, (2, 3): 1, (3, 1): 1}</a:t>
-            </a:r>
-            <a:endParaRPr b="1" sz="2400">
-              <a:latin typeface="Consolas"/>
-              <a:ea typeface="Consolas"/>
-              <a:cs typeface="Consolas"/>
-              <a:sym typeface="Consolas"/>
-            </a:endParaRPr>
-          </a:p>
-        </p:txBody>
-      </p:sp>
-      <p:sp>
-        <p:nvSpPr>
-          <p:cNvPr id="68" name="Google Shape;68;g3b8409de4d6_0_84"/>
-          <p:cNvSpPr txBox="1"/>
-          <p:nvPr>
-            <p:ph type="title"/>
-          </p:nvPr>
-        </p:nvSpPr>
-        <p:spPr>
-          <a:xfrm>
-            <a:off x="457200" y="274638"/>
-            <a:ext cx="8229600" cy="1143000"/>
-          </a:xfrm>
-          <a:prstGeom prst="rect">
-            <a:avLst/>
-          </a:prstGeom>
-          <a:noFill/>
-          <a:ln>
-            <a:noFill/>
-          </a:ln>
-        </p:spPr>
-        <p:txBody>
-          <a:bodyPr anchorCtr="0" anchor="b" bIns="91425" lIns="91425" spcFirstLastPara="1" rIns="91425" wrap="square" tIns="91425">
-            <a:noAutofit/>
-          </a:bodyPr>
-          <a:lstStyle/>
-          <a:p>
-            <a:pPr indent="0" lvl="0" marL="0" rtl="0" algn="l">
-              <a:lnSpc>
-                <a:spcPct val="100000"/>
-              </a:lnSpc>
-              <a:spcBef>
-                <a:spcPts val="0"/>
-              </a:spcBef>
-              <a:spcAft>
-                <a:spcPts val="0"/>
-              </a:spcAft>
-              <a:buSzPts val="3600"/>
-              <a:buNone/>
-            </a:pPr>
-            <a:r>
-              <a:rPr lang="en"/>
-              <a:t>Programming Practice 02</a:t>
-            </a:r>
-            <a:endParaRPr/>
-          </a:p>
-        </p:txBody>
-      </p:sp>
-      <p:sp>
-        <p:nvSpPr>
-          <p:cNvPr id="69" name="Google Shape;69;g3b8409de4d6_0_84"/>
-          <p:cNvSpPr/>
-          <p:nvPr/>
-        </p:nvSpPr>
-        <p:spPr>
-          <a:xfrm>
-            <a:off x="420225" y="4720475"/>
-            <a:ext cx="8266500" cy="1484700"/>
-          </a:xfrm>
-          <a:prstGeom prst="rect">
-            <a:avLst/>
-          </a:prstGeom>
-          <a:noFill/>
-          <a:ln cap="flat" cmpd="sng" w="38100">
-            <a:solidFill>
-              <a:srgbClr val="002B5B"/>
-            </a:solidFill>
-            <a:prstDash val="solid"/>
-            <a:round/>
-            <a:headEnd len="sm" w="sm" type="none"/>
-            <a:tailEnd len="sm" w="sm" type="none"/>
-          </a:ln>
-        </p:spPr>
-        <p:txBody>
-          <a:bodyPr anchorCtr="0" anchor="ctr" bIns="91425" lIns="91425" spcFirstLastPara="1" rIns="91425" wrap="square" tIns="91425">
-            <a:noAutofit/>
-          </a:bodyPr>
-          <a:lstStyle/>
-          <a:p>
-            <a:pPr indent="0" lvl="0" marL="0" marR="0" rtl="0" algn="ctr">
-              <a:lnSpc>
-                <a:spcPct val="100000"/>
-              </a:lnSpc>
-              <a:spcBef>
-                <a:spcPts val="0"/>
-              </a:spcBef>
-              <a:spcAft>
-                <a:spcPts val="0"/>
-              </a:spcAft>
-              <a:buClr>
-                <a:srgbClr val="000000"/>
-              </a:buClr>
-              <a:buSzPts val="1400"/>
-              <a:buFont typeface="Arial"/>
-              <a:buNone/>
-            </a:pPr>
-            <a:r>
-              <a:t/>
-            </a:r>
-            <a:endParaRPr b="0" i="0" sz="1400" u="none" cap="none" strike="noStrike">
-              <a:solidFill>
-                <a:srgbClr val="000000"/>
-              </a:solidFill>
-              <a:latin typeface="Arial"/>
-              <a:ea typeface="Arial"/>
-              <a:cs typeface="Arial"/>
-              <a:sym typeface="Arial"/>
-            </a:endParaRPr>
-          </a:p>
-        </p:txBody>
-      </p:sp>
-    </p:spTree>
-  </p:cSld>
-  <p:clrMapOvr>
-    <a:masterClrMapping/>
-  </p:clrMapOvr>
-</p:sld>
-</file>
-
-<file path=ppt/slides/slide6.xml><?xml version="1.0" encoding="utf-8"?>
-<p:sld xmlns:a="http://schemas.openxmlformats.org/drawingml/2006/main" xmlns:r="http://schemas.openxmlformats.org/officeDocument/2006/relationships" xmlns:mc="http://schemas.openxmlformats.org/markup-compatibility/2006" xmlns:mv="urn:schemas-microsoft-com:mac:vml" xmlns:p="http://schemas.openxmlformats.org/presentationml/2006/main" xmlns:c="http://schemas.openxmlformats.org/drawingml/2006/chart" xmlns:dgm="http://schemas.openxmlformats.org/drawingml/2006/diagram" xmlns:o="urn:schemas-microsoft-com:office:office" xmlns:v="urn:schemas-microsoft-com:vml" xmlns:pvml="urn:schemas-microsoft-com:office:powerpoint" xmlns:com="http://schemas.openxmlformats.org/drawingml/2006/compatibility" xmlns:p14="http://schemas.microsoft.com/office/powerpoint/2010/main" xmlns:p15="http://schemas.microsoft.com/office/powerpoint/2012/main" xmlns:ahyp="http://schemas.microsoft.com/office/drawing/2018/hyperlinkcolor">
-  <p:cSld>
-    <p:spTree>
-      <p:nvGrpSpPr>
-        <p:cNvPr id="73" name="Shape 73"/>
-        <p:cNvGrpSpPr/>
-        <p:nvPr/>
-      </p:nvGrpSpPr>
-      <p:grpSpPr>
-        <a:xfrm>
-          <a:off x="0" y="0"/>
-          <a:ext cx="0" cy="0"/>
-          <a:chOff x="0" y="0"/>
-          <a:chExt cx="0" cy="0"/>
-        </a:xfrm>
-      </p:grpSpPr>
-      <p:sp>
-        <p:nvSpPr>
-          <p:cNvPr id="74" name="Google Shape;74;g3b938ea6dd9_0_50"/>
-          <p:cNvSpPr txBox="1"/>
-          <p:nvPr>
-            <p:ph type="title"/>
-          </p:nvPr>
-        </p:nvSpPr>
-        <p:spPr>
-          <a:xfrm>
-            <a:off x="457200" y="274638"/>
-            <a:ext cx="8229600" cy="1143000"/>
-          </a:xfrm>
-          <a:prstGeom prst="rect">
-            <a:avLst/>
-          </a:prstGeom>
-          <a:noFill/>
-          <a:ln>
-            <a:noFill/>
-          </a:ln>
-        </p:spPr>
-        <p:txBody>
-          <a:bodyPr anchorCtr="0" anchor="b" bIns="91425" lIns="91425" spcFirstLastPara="1" rIns="91425" wrap="square" tIns="91425">
-            <a:noAutofit/>
-          </a:bodyPr>
-          <a:lstStyle/>
-          <a:p>
-            <a:pPr indent="0" lvl="0" marL="0" rtl="0" algn="l">
-              <a:lnSpc>
-                <a:spcPct val="100000"/>
-              </a:lnSpc>
-              <a:spcBef>
-                <a:spcPts val="0"/>
-              </a:spcBef>
-              <a:spcAft>
-                <a:spcPts val="0"/>
-              </a:spcAft>
-              <a:buSzPts val="3600"/>
-              <a:buNone/>
-            </a:pPr>
-            <a:r>
               <a:rPr lang="en">
                 <a:solidFill>
                   <a:srgbClr val="465510"/>
@@ -11110,7 +11055,7 @@
       </p:sp>
       <p:pic>
         <p:nvPicPr>
-          <p:cNvPr id="75" name="Google Shape;75;g3b938ea6dd9_0_50" title="Screenshot 2026-01-20 at 10.46.28 AM.png"/>
+          <p:cNvPr id="53" name="Google Shape;53;g3b938ea6dd9_0_50" title="Screenshot 2026-01-20 at 10.46.28 AM.png"/>
           <p:cNvPicPr preferRelativeResize="0"/>
           <p:nvPr/>
         </p:nvPicPr>
@@ -11143,7 +11088,7 @@
       </p:pic>
       <p:sp>
         <p:nvSpPr>
-          <p:cNvPr id="76" name="Google Shape;76;g3b938ea6dd9_0_50"/>
+          <p:cNvPr id="54" name="Google Shape;54;g3b938ea6dd9_0_50"/>
           <p:cNvSpPr txBox="1"/>
           <p:nvPr/>
         </p:nvSpPr>
@@ -11299,12 +11244,12 @@
 </p:sld>
 </file>
 
-<file path=ppt/slides/slide7.xml><?xml version="1.0" encoding="utf-8"?>
+<file path=ppt/slides/slide5.xml><?xml version="1.0" encoding="utf-8"?>
 <p:sld xmlns:a="http://schemas.openxmlformats.org/drawingml/2006/main" xmlns:r="http://schemas.openxmlformats.org/officeDocument/2006/relationships" xmlns:mc="http://schemas.openxmlformats.org/markup-compatibility/2006" xmlns:mv="urn:schemas-microsoft-com:mac:vml" xmlns:p="http://schemas.openxmlformats.org/presentationml/2006/main" xmlns:c="http://schemas.openxmlformats.org/drawingml/2006/chart" xmlns:dgm="http://schemas.openxmlformats.org/drawingml/2006/diagram" xmlns:o="urn:schemas-microsoft-com:office:office" xmlns:v="urn:schemas-microsoft-com:vml" xmlns:pvml="urn:schemas-microsoft-com:office:powerpoint" xmlns:com="http://schemas.openxmlformats.org/drawingml/2006/compatibility" xmlns:p14="http://schemas.microsoft.com/office/powerpoint/2010/main" xmlns:p15="http://schemas.microsoft.com/office/powerpoint/2012/main" xmlns:ahyp="http://schemas.microsoft.com/office/drawing/2018/hyperlinkcolor">
   <p:cSld>
     <p:spTree>
       <p:nvGrpSpPr>
-        <p:cNvPr id="80" name="Shape 80"/>
+        <p:cNvPr id="58" name="Shape 58"/>
         <p:cNvGrpSpPr/>
         <p:nvPr/>
       </p:nvGrpSpPr>
@@ -11318,7 +11263,7 @@
       </p:grpSpPr>
       <p:sp>
         <p:nvSpPr>
-          <p:cNvPr id="81" name="Google Shape;81;g3b938ea6dd9_0_60"/>
+          <p:cNvPr id="59" name="Google Shape;59;g3baf4acbdf2_0_2"/>
           <p:cNvSpPr txBox="1"/>
           <p:nvPr>
             <p:ph type="title"/>
@@ -11332,10 +11277,6 @@
           <a:prstGeom prst="rect">
             <a:avLst/>
           </a:prstGeom>
-          <a:noFill/>
-          <a:ln>
-            <a:noFill/>
-          </a:ln>
         </p:spPr>
         <p:txBody>
           <a:bodyPr anchorCtr="0" anchor="b" bIns="91425" lIns="91425" spcFirstLastPara="1" rIns="91425" wrap="square" tIns="91425">
@@ -11344,33 +11285,17 @@
           <a:lstStyle/>
           <a:p>
             <a:pPr indent="0" lvl="0" marL="0" rtl="0" algn="l">
-              <a:lnSpc>
-                <a:spcPct val="100000"/>
-              </a:lnSpc>
-              <a:spcBef>
-                <a:spcPts val="0"/>
-              </a:spcBef>
-              <a:spcAft>
-                <a:spcPts val="0"/>
-              </a:spcAft>
-              <a:buSzPts val="3600"/>
+              <a:spcBef>
+                <a:spcPts val="0"/>
+              </a:spcBef>
+              <a:spcAft>
+                <a:spcPts val="0"/>
+              </a:spcAft>
               <a:buNone/>
             </a:pPr>
             <a:r>
-              <a:rPr lang="en">
-                <a:solidFill>
-                  <a:srgbClr val="A31415"/>
-                </a:solidFill>
-                <a:latin typeface="Consolas"/>
-                <a:ea typeface="Consolas"/>
-                <a:cs typeface="Consolas"/>
-                <a:sym typeface="Consolas"/>
-              </a:rPr>
-              <a:t>programming</a:t>
-            </a:r>
-            <a:r>
               <a:rPr lang="en"/>
-              <a:t>: List Slices</a:t>
+              <a:t>A Note on the Exams</a:t>
             </a:r>
             <a:endParaRPr/>
           </a:p>
@@ -11378,7 +11303,7 @@
       </p:sp>
       <p:sp>
         <p:nvSpPr>
-          <p:cNvPr id="82" name="Google Shape;82;g3b938ea6dd9_0_60"/>
+          <p:cNvPr id="60" name="Google Shape;60;g3baf4acbdf2_0_2"/>
           <p:cNvSpPr txBox="1"/>
           <p:nvPr>
             <p:ph idx="1" type="body"/>
@@ -11387,15 +11312,11 @@
         <p:spPr>
           <a:xfrm>
             <a:off x="457200" y="1600200"/>
-            <a:ext cx="8229600" cy="1143000"/>
+            <a:ext cx="8229600" cy="4967700"/>
           </a:xfrm>
           <a:prstGeom prst="rect">
             <a:avLst/>
           </a:prstGeom>
-          <a:noFill/>
-          <a:ln>
-            <a:noFill/>
-          </a:ln>
         </p:spPr>
         <p:txBody>
           <a:bodyPr anchorCtr="0" anchor="t" bIns="91425" lIns="91425" spcFirstLastPara="1" rIns="91425" wrap="square" tIns="91425">
@@ -11404,185 +11325,91 @@
           <a:lstStyle/>
           <a:p>
             <a:pPr indent="0" lvl="0" marL="0" rtl="0" algn="l">
-              <a:lnSpc>
-                <a:spcPct val="100000"/>
-              </a:lnSpc>
               <a:spcBef>
                 <a:spcPts val="600"/>
               </a:spcBef>
               <a:spcAft>
                 <a:spcPts val="0"/>
               </a:spcAft>
-              <a:buSzPts val="3000"/>
               <a:buNone/>
             </a:pPr>
             <a:r>
+              <a:rPr b="1" lang="en">
+                <a:solidFill>
+                  <a:srgbClr val="465510"/>
+                </a:solidFill>
+              </a:rPr>
+              <a:t>You will not have to hand-write code</a:t>
+            </a:r>
+            <a:r>
               <a:rPr lang="en"/>
-              <a:t>List slices allow us to access regions of the list instead of just individual values.</a:t>
+              <a:t>, and any coding questions will be similar to our pre-lecture practices, NOT our end-of-lecture monstrosities.</a:t>
+            </a:r>
+            <a:endParaRPr/>
+          </a:p>
+          <a:p>
+            <a:pPr indent="0" lvl="0" marL="0" rtl="0" algn="l">
+              <a:spcBef>
+                <a:spcPts val="600"/>
+              </a:spcBef>
+              <a:spcAft>
+                <a:spcPts val="0"/>
+              </a:spcAft>
+              <a:buNone/>
+            </a:pPr>
+            <a:r>
+              <a:t/>
+            </a:r>
+            <a:endParaRPr/>
+          </a:p>
+          <a:p>
+            <a:pPr indent="0" lvl="0" marL="0" rtl="0" algn="l">
+              <a:spcBef>
+                <a:spcPts val="600"/>
+              </a:spcBef>
+              <a:spcAft>
+                <a:spcPts val="0"/>
+              </a:spcAft>
+              <a:buNone/>
+            </a:pPr>
+            <a:r>
+              <a:rPr lang="en"/>
+              <a:t>We will release many practice problems a week or two ahead but the exams will look much more like the homeworks.</a:t>
+            </a:r>
+            <a:endParaRPr/>
+          </a:p>
+          <a:p>
+            <a:pPr indent="0" lvl="0" marL="0" rtl="0" algn="l">
+              <a:spcBef>
+                <a:spcPts val="600"/>
+              </a:spcBef>
+              <a:spcAft>
+                <a:spcPts val="0"/>
+              </a:spcAft>
+              <a:buNone/>
+            </a:pPr>
+            <a:r>
+              <a:t/>
+            </a:r>
+            <a:endParaRPr/>
+          </a:p>
+          <a:p>
+            <a:pPr indent="0" lvl="0" marL="0" rtl="0" algn="l">
+              <a:spcBef>
+                <a:spcPts val="600"/>
+              </a:spcBef>
+              <a:spcAft>
+                <a:spcPts val="0"/>
+              </a:spcAft>
+              <a:buNone/>
+            </a:pPr>
+            <a:r>
+              <a:t/>
             </a:r>
             <a:endParaRPr/>
           </a:p>
         </p:txBody>
       </p:sp>
-      <p:sp>
-        <p:nvSpPr>
-          <p:cNvPr id="83" name="Google Shape;83;g3b938ea6dd9_0_60"/>
-          <p:cNvSpPr txBox="1"/>
-          <p:nvPr/>
-        </p:nvSpPr>
-        <p:spPr>
-          <a:xfrm>
-            <a:off x="1068450" y="6181800"/>
-            <a:ext cx="7007100" cy="452100"/>
-          </a:xfrm>
-          <a:prstGeom prst="rect">
-            <a:avLst/>
-          </a:prstGeom>
-          <a:noFill/>
-          <a:ln>
-            <a:noFill/>
-          </a:ln>
-        </p:spPr>
-        <p:txBody>
-          <a:bodyPr anchorCtr="0" anchor="t" bIns="91425" lIns="91425" spcFirstLastPara="1" rIns="91425" wrap="square" tIns="91425">
-            <a:noAutofit/>
-          </a:bodyPr>
-          <a:lstStyle/>
-          <a:p>
-            <a:pPr indent="0" lvl="0" marL="0" marR="0" rtl="0" algn="l">
-              <a:lnSpc>
-                <a:spcPct val="100000"/>
-              </a:lnSpc>
-              <a:spcBef>
-                <a:spcPts val="0"/>
-              </a:spcBef>
-              <a:spcAft>
-                <a:spcPts val="0"/>
-              </a:spcAft>
-              <a:buClr>
-                <a:srgbClr val="000000"/>
-              </a:buClr>
-              <a:buSzPts val="1800"/>
-              <a:buFont typeface="Arial"/>
-              <a:buNone/>
-            </a:pPr>
-            <a:r>
-              <a:rPr b="1" i="0" lang="en" sz="1800" u="none" cap="none" strike="noStrike">
-                <a:solidFill>
-                  <a:srgbClr val="DCB439"/>
-                </a:solidFill>
-                <a:latin typeface="Arial"/>
-                <a:ea typeface="Arial"/>
-                <a:cs typeface="Arial"/>
-                <a:sym typeface="Arial"/>
-              </a:rPr>
-              <a:t>NOTE:</a:t>
-            </a:r>
-            <a:r>
-              <a:rPr b="0" i="0" lang="en" sz="1800" u="none" cap="none" strike="noStrike">
-                <a:solidFill>
-                  <a:schemeClr val="dk1"/>
-                </a:solidFill>
-                <a:latin typeface="Arial"/>
-                <a:ea typeface="Arial"/>
-                <a:cs typeface="Arial"/>
-                <a:sym typeface="Arial"/>
-              </a:rPr>
-              <a:t> In a </a:t>
-            </a:r>
-            <a:r>
-              <a:rPr b="1" i="0" lang="en" sz="1800" u="none" cap="none" strike="noStrike">
-                <a:solidFill>
-                  <a:srgbClr val="A31415"/>
-                </a:solidFill>
-                <a:latin typeface="Consolas"/>
-                <a:ea typeface="Consolas"/>
-                <a:cs typeface="Consolas"/>
-                <a:sym typeface="Consolas"/>
-              </a:rPr>
-              <a:t>list</a:t>
-            </a:r>
-            <a:r>
-              <a:rPr b="0" i="0" lang="en" sz="1800" u="none" cap="none" strike="noStrike">
-                <a:solidFill>
-                  <a:schemeClr val="dk1"/>
-                </a:solidFill>
-                <a:latin typeface="Arial"/>
-                <a:ea typeface="Arial"/>
-                <a:cs typeface="Arial"/>
-                <a:sym typeface="Arial"/>
-              </a:rPr>
-              <a:t> slice, the first </a:t>
-            </a:r>
-            <a:r>
-              <a:rPr b="1" i="0" lang="en" sz="1800" u="none" cap="none" strike="noStrike">
-                <a:solidFill>
-                  <a:srgbClr val="A31415"/>
-                </a:solidFill>
-                <a:latin typeface="Consolas"/>
-                <a:ea typeface="Consolas"/>
-                <a:cs typeface="Consolas"/>
-                <a:sym typeface="Consolas"/>
-              </a:rPr>
-              <a:t>index</a:t>
-            </a:r>
-            <a:r>
-              <a:rPr b="0" i="0" lang="en" sz="1800" u="none" cap="none" strike="noStrike">
-                <a:solidFill>
-                  <a:schemeClr val="dk1"/>
-                </a:solidFill>
-                <a:latin typeface="Arial"/>
-                <a:ea typeface="Arial"/>
-                <a:cs typeface="Arial"/>
-                <a:sym typeface="Arial"/>
-              </a:rPr>
-              <a:t> is inclusive, the second isn’t</a:t>
-            </a:r>
-            <a:endParaRPr b="0" i="0" sz="1800" u="none" cap="none" strike="noStrike">
-              <a:solidFill>
-                <a:schemeClr val="dk1"/>
-              </a:solidFill>
-              <a:latin typeface="Arial"/>
-              <a:ea typeface="Arial"/>
-              <a:cs typeface="Arial"/>
-              <a:sym typeface="Arial"/>
-            </a:endParaRPr>
-          </a:p>
-        </p:txBody>
-      </p:sp>
-      <p:pic>
-        <p:nvPicPr>
-          <p:cNvPr id="84" name="Google Shape;84;g3b938ea6dd9_0_60" title="Screenshot 2026-01-20 at 10.53.11 AM.png"/>
-          <p:cNvPicPr preferRelativeResize="0"/>
-          <p:nvPr/>
-        </p:nvPicPr>
-        <p:blipFill rotWithShape="1">
-          <a:blip r:embed="rId3">
-            <a:alphaModFix/>
-          </a:blip>
-          <a:srcRect b="0" l="0" r="0" t="0"/>
-          <a:stretch/>
-        </p:blipFill>
-        <p:spPr>
-          <a:xfrm>
-            <a:off x="928963" y="2895600"/>
-            <a:ext cx="7286085" cy="3133800"/>
-          </a:xfrm>
-          <a:prstGeom prst="rect">
-            <a:avLst/>
-          </a:prstGeom>
-          <a:noFill/>
-          <a:ln cap="flat" cmpd="sng" w="38100">
-            <a:solidFill>
-              <a:srgbClr val="002B5B"/>
-            </a:solidFill>
-            <a:prstDash val="solid"/>
-            <a:round/>
-            <a:headEnd len="sm" w="sm" type="none"/>
-            <a:tailEnd len="sm" w="sm" type="none"/>
-          </a:ln>
-        </p:spPr>
-      </p:pic>
     </p:spTree>
   </p:cSld>
   <p:clrMapOvr>
@@ -11591,12 +11418,12 @@
 </p:sld>
 </file>
 
-<file path=ppt/slides/slide8.xml><?xml version="1.0" encoding="utf-8"?>
+<file path=ppt/slides/slide6.xml><?xml version="1.0" encoding="utf-8"?>
 <p:sld xmlns:a="http://schemas.openxmlformats.org/drawingml/2006/main" xmlns:r="http://schemas.openxmlformats.org/officeDocument/2006/relationships" xmlns:mc="http://schemas.openxmlformats.org/markup-compatibility/2006" xmlns:mv="urn:schemas-microsoft-com:mac:vml" xmlns:p="http://schemas.openxmlformats.org/presentationml/2006/main" xmlns:c="http://schemas.openxmlformats.org/drawingml/2006/chart" xmlns:dgm="http://schemas.openxmlformats.org/drawingml/2006/diagram" xmlns:o="urn:schemas-microsoft-com:office:office" xmlns:v="urn:schemas-microsoft-com:vml" xmlns:pvml="urn:schemas-microsoft-com:office:powerpoint" xmlns:com="http://schemas.openxmlformats.org/drawingml/2006/compatibility" xmlns:p14="http://schemas.microsoft.com/office/powerpoint/2010/main" xmlns:p15="http://schemas.microsoft.com/office/powerpoint/2012/main" xmlns:ahyp="http://schemas.microsoft.com/office/drawing/2018/hyperlinkcolor">
   <p:cSld>
     <p:spTree>
       <p:nvGrpSpPr>
-        <p:cNvPr id="88" name="Shape 88"/>
+        <p:cNvPr id="64" name="Shape 64"/>
         <p:cNvGrpSpPr/>
         <p:nvPr/>
       </p:nvGrpSpPr>
@@ -11610,7 +11437,202 @@
       </p:grpSpPr>
       <p:sp>
         <p:nvSpPr>
-          <p:cNvPr id="89" name="Google Shape;89;p1"/>
+          <p:cNvPr id="65" name="Google Shape;65;g3baf4acbdf2_0_7"/>
+          <p:cNvSpPr txBox="1"/>
+          <p:nvPr>
+            <p:ph type="title"/>
+          </p:nvPr>
+        </p:nvSpPr>
+        <p:spPr>
+          <a:xfrm>
+            <a:off x="457200" y="274638"/>
+            <a:ext cx="8229600" cy="1143000"/>
+          </a:xfrm>
+          <a:prstGeom prst="rect">
+            <a:avLst/>
+          </a:prstGeom>
+        </p:spPr>
+        <p:txBody>
+          <a:bodyPr anchorCtr="0" anchor="b" bIns="91425" lIns="91425" spcFirstLastPara="1" rIns="91425" wrap="square" tIns="91425">
+            <a:noAutofit/>
+          </a:bodyPr>
+          <a:lstStyle/>
+          <a:p>
+            <a:pPr indent="0" lvl="0" marL="0" rtl="0" algn="l">
+              <a:spcBef>
+                <a:spcPts val="0"/>
+              </a:spcBef>
+              <a:spcAft>
+                <a:spcPts val="0"/>
+              </a:spcAft>
+              <a:buNone/>
+            </a:pPr>
+            <a:r>
+              <a:rPr lang="en"/>
+              <a:t>A Note on the Class</a:t>
+            </a:r>
+            <a:endParaRPr/>
+          </a:p>
+        </p:txBody>
+      </p:sp>
+      <p:sp>
+        <p:nvSpPr>
+          <p:cNvPr id="66" name="Google Shape;66;g3baf4acbdf2_0_7"/>
+          <p:cNvSpPr txBox="1"/>
+          <p:nvPr>
+            <p:ph idx="1" type="body"/>
+          </p:nvPr>
+        </p:nvSpPr>
+        <p:spPr>
+          <a:xfrm>
+            <a:off x="457200" y="1600200"/>
+            <a:ext cx="8229600" cy="4967700"/>
+          </a:xfrm>
+          <a:prstGeom prst="rect">
+            <a:avLst/>
+          </a:prstGeom>
+        </p:spPr>
+        <p:txBody>
+          <a:bodyPr anchorCtr="0" anchor="t" bIns="91425" lIns="91425" spcFirstLastPara="1" rIns="91425" wrap="square" tIns="91425">
+            <a:noAutofit/>
+          </a:bodyPr>
+          <a:lstStyle/>
+          <a:p>
+            <a:pPr indent="0" lvl="0" marL="0" rtl="0" algn="l">
+              <a:spcBef>
+                <a:spcPts val="600"/>
+              </a:spcBef>
+              <a:spcAft>
+                <a:spcPts val="0"/>
+              </a:spcAft>
+              <a:buNone/>
+            </a:pPr>
+            <a:r>
+              <a:rPr lang="en"/>
+              <a:t>I don’t want this class to be hard for you to </a:t>
+            </a:r>
+            <a:r>
+              <a:rPr b="1" lang="en">
+                <a:solidFill>
+                  <a:srgbClr val="465510"/>
+                </a:solidFill>
+              </a:rPr>
+              <a:t>get an A in if you study</a:t>
+            </a:r>
+            <a:r>
+              <a:rPr lang="en"/>
+              <a:t>.</a:t>
+            </a:r>
+            <a:endParaRPr/>
+          </a:p>
+          <a:p>
+            <a:pPr indent="0" lvl="0" marL="0" rtl="0" algn="l">
+              <a:spcBef>
+                <a:spcPts val="600"/>
+              </a:spcBef>
+              <a:spcAft>
+                <a:spcPts val="0"/>
+              </a:spcAft>
+              <a:buNone/>
+            </a:pPr>
+            <a:r>
+              <a:t/>
+            </a:r>
+            <a:endParaRPr/>
+          </a:p>
+          <a:p>
+            <a:pPr indent="0" lvl="0" marL="0" rtl="0" algn="l">
+              <a:spcBef>
+                <a:spcPts val="600"/>
+              </a:spcBef>
+              <a:spcAft>
+                <a:spcPts val="0"/>
+              </a:spcAft>
+              <a:buNone/>
+            </a:pPr>
+            <a:r>
+              <a:rPr b="1" lang="en">
+                <a:solidFill>
+                  <a:srgbClr val="A31415"/>
+                </a:solidFill>
+              </a:rPr>
+              <a:t>I do want this class to be conceptually difficult during the lectures</a:t>
+            </a:r>
+            <a:r>
+              <a:rPr lang="en"/>
+              <a:t>.</a:t>
+            </a:r>
+            <a:endParaRPr/>
+          </a:p>
+          <a:p>
+            <a:pPr indent="0" lvl="0" marL="0" rtl="0" algn="l">
+              <a:spcBef>
+                <a:spcPts val="600"/>
+              </a:spcBef>
+              <a:spcAft>
+                <a:spcPts val="0"/>
+              </a:spcAft>
+              <a:buNone/>
+            </a:pPr>
+            <a:r>
+              <a:t/>
+            </a:r>
+            <a:endParaRPr/>
+          </a:p>
+          <a:p>
+            <a:pPr indent="0" lvl="0" marL="0" rtl="0" algn="l">
+              <a:spcBef>
+                <a:spcPts val="600"/>
+              </a:spcBef>
+              <a:spcAft>
+                <a:spcPts val="0"/>
+              </a:spcAft>
+              <a:buNone/>
+            </a:pPr>
+            <a:r>
+              <a:rPr b="1" lang="en">
+                <a:solidFill>
+                  <a:srgbClr val="5AABBC"/>
+                </a:solidFill>
+              </a:rPr>
+              <a:t>This stuff literally is the frontier</a:t>
+            </a:r>
+            <a:r>
+              <a:rPr lang="en"/>
+              <a:t>, try and keep that in mind. This is what 40 year olds with PhDs are making billions of dollars working on like for real, this is the frontier.</a:t>
+            </a:r>
+            <a:endParaRPr/>
+          </a:p>
+        </p:txBody>
+      </p:sp>
+    </p:spTree>
+  </p:cSld>
+  <p:clrMapOvr>
+    <a:masterClrMapping/>
+  </p:clrMapOvr>
+</p:sld>
+</file>
+
+<file path=ppt/slides/slide7.xml><?xml version="1.0" encoding="utf-8"?>
+<p:sld xmlns:a="http://schemas.openxmlformats.org/drawingml/2006/main" xmlns:r="http://schemas.openxmlformats.org/officeDocument/2006/relationships" xmlns:mc="http://schemas.openxmlformats.org/markup-compatibility/2006" xmlns:mv="urn:schemas-microsoft-com:mac:vml" xmlns:p="http://schemas.openxmlformats.org/presentationml/2006/main" xmlns:c="http://schemas.openxmlformats.org/drawingml/2006/chart" xmlns:dgm="http://schemas.openxmlformats.org/drawingml/2006/diagram" xmlns:o="urn:schemas-microsoft-com:office:office" xmlns:v="urn:schemas-microsoft-com:vml" xmlns:pvml="urn:schemas-microsoft-com:office:powerpoint" xmlns:com="http://schemas.openxmlformats.org/drawingml/2006/compatibility" xmlns:p14="http://schemas.microsoft.com/office/powerpoint/2010/main" xmlns:p15="http://schemas.microsoft.com/office/powerpoint/2012/main" xmlns:ahyp="http://schemas.microsoft.com/office/drawing/2018/hyperlinkcolor">
+  <p:cSld>
+    <p:spTree>
+      <p:nvGrpSpPr>
+        <p:cNvPr id="70" name="Shape 70"/>
+        <p:cNvGrpSpPr/>
+        <p:nvPr/>
+      </p:nvGrpSpPr>
+      <p:grpSpPr>
+        <a:xfrm>
+          <a:off x="0" y="0"/>
+          <a:ext cx="0" cy="0"/>
+          <a:chOff x="0" y="0"/>
+          <a:chExt cx="0" cy="0"/>
+        </a:xfrm>
+      </p:grpSpPr>
+      <p:sp>
+        <p:nvSpPr>
+          <p:cNvPr id="71" name="Google Shape;71;p1"/>
           <p:cNvSpPr txBox="1"/>
           <p:nvPr>
             <p:ph type="ctrTitle"/>
@@ -11699,12 +11721,12 @@
 </p:sld>
 </file>
 
-<file path=ppt/slides/slide9.xml><?xml version="1.0" encoding="utf-8"?>
+<file path=ppt/slides/slide8.xml><?xml version="1.0" encoding="utf-8"?>
 <p:sld xmlns:a="http://schemas.openxmlformats.org/drawingml/2006/main" xmlns:r="http://schemas.openxmlformats.org/officeDocument/2006/relationships" xmlns:mc="http://schemas.openxmlformats.org/markup-compatibility/2006" xmlns:mv="urn:schemas-microsoft-com:mac:vml" xmlns:p="http://schemas.openxmlformats.org/presentationml/2006/main" xmlns:c="http://schemas.openxmlformats.org/drawingml/2006/chart" xmlns:dgm="http://schemas.openxmlformats.org/drawingml/2006/diagram" xmlns:o="urn:schemas-microsoft-com:office:office" xmlns:v="urn:schemas-microsoft-com:vml" xmlns:pvml="urn:schemas-microsoft-com:office:powerpoint" xmlns:com="http://schemas.openxmlformats.org/drawingml/2006/compatibility" xmlns:p14="http://schemas.microsoft.com/office/powerpoint/2010/main" xmlns:p15="http://schemas.microsoft.com/office/powerpoint/2012/main" xmlns:ahyp="http://schemas.microsoft.com/office/drawing/2018/hyperlinkcolor">
   <p:cSld>
     <p:spTree>
       <p:nvGrpSpPr>
-        <p:cNvPr id="93" name="Shape 93"/>
+        <p:cNvPr id="75" name="Shape 75"/>
         <p:cNvGrpSpPr/>
         <p:nvPr/>
       </p:nvGrpSpPr>
@@ -11718,7 +11740,7 @@
       </p:grpSpPr>
       <p:pic>
         <p:nvPicPr>
-          <p:cNvPr id="94" name="Google Shape;94;g3b938ea6dd9_0_26"/>
+          <p:cNvPr id="76" name="Google Shape;76;g3b938ea6dd9_0_26"/>
           <p:cNvPicPr preferRelativeResize="0"/>
           <p:nvPr/>
         </p:nvPicPr>
@@ -11745,7 +11767,7 @@
       </p:pic>
       <p:sp>
         <p:nvSpPr>
-          <p:cNvPr id="95" name="Google Shape;95;g3b938ea6dd9_0_26"/>
+          <p:cNvPr id="77" name="Google Shape;77;g3b938ea6dd9_0_26"/>
           <p:cNvSpPr/>
           <p:nvPr/>
         </p:nvSpPr>
@@ -11806,7 +11828,7 @@
       </p:sp>
       <p:sp>
         <p:nvSpPr>
-          <p:cNvPr id="96" name="Google Shape;96;g3b938ea6dd9_0_26"/>
+          <p:cNvPr id="78" name="Google Shape;78;g3b938ea6dd9_0_26"/>
           <p:cNvSpPr/>
           <p:nvPr/>
         </p:nvSpPr>
@@ -11871,7 +11893,7 @@
       </p:sp>
       <p:sp>
         <p:nvSpPr>
-          <p:cNvPr id="97" name="Google Shape;97;g3b938ea6dd9_0_26"/>
+          <p:cNvPr id="79" name="Google Shape;79;g3b938ea6dd9_0_26"/>
           <p:cNvSpPr/>
           <p:nvPr/>
         </p:nvSpPr>
@@ -11947,9 +11969,9 @@
       </p:sp>
       <p:cxnSp>
         <p:nvCxnSpPr>
-          <p:cNvPr id="98" name="Google Shape;98;g3b938ea6dd9_0_26"/>
+          <p:cNvPr id="80" name="Google Shape;80;g3b938ea6dd9_0_26"/>
           <p:cNvCxnSpPr>
-            <a:stCxn id="97" idx="0"/>
+            <a:stCxn id="79" idx="0"/>
           </p:cNvCxnSpPr>
           <p:nvPr/>
         </p:nvCxnSpPr>
@@ -11975,7 +11997,7 @@
       </p:cxnSp>
       <p:sp>
         <p:nvSpPr>
-          <p:cNvPr id="99" name="Google Shape;99;g3b938ea6dd9_0_26"/>
+          <p:cNvPr id="81" name="Google Shape;81;g3b938ea6dd9_0_26"/>
           <p:cNvSpPr/>
           <p:nvPr/>
         </p:nvSpPr>
@@ -12051,10 +12073,10 @@
       </p:sp>
       <p:cxnSp>
         <p:nvCxnSpPr>
-          <p:cNvPr id="100" name="Google Shape;100;g3b938ea6dd9_0_26"/>
+          <p:cNvPr id="82" name="Google Shape;82;g3b938ea6dd9_0_26"/>
           <p:cNvCxnSpPr>
-            <a:stCxn id="99" idx="0"/>
-            <a:endCxn id="97" idx="2"/>
+            <a:stCxn id="81" idx="0"/>
+            <a:endCxn id="79" idx="2"/>
           </p:cNvCxnSpPr>
           <p:nvPr/>
         </p:nvCxnSpPr>
@@ -12080,7 +12102,7 @@
       </p:cxnSp>
       <p:sp>
         <p:nvSpPr>
-          <p:cNvPr id="101" name="Google Shape;101;g3b938ea6dd9_0_26"/>
+          <p:cNvPr id="83" name="Google Shape;83;g3b938ea6dd9_0_26"/>
           <p:cNvSpPr txBox="1"/>
           <p:nvPr>
             <p:ph type="title"/>
@@ -12128,7 +12150,7 @@
       </p:sp>
       <p:sp>
         <p:nvSpPr>
-          <p:cNvPr id="102" name="Google Shape;102;g3b938ea6dd9_0_26"/>
+          <p:cNvPr id="84" name="Google Shape;84;g3b938ea6dd9_0_26"/>
           <p:cNvSpPr/>
           <p:nvPr/>
         </p:nvSpPr>
@@ -12204,10 +12226,10 @@
       </p:sp>
       <p:cxnSp>
         <p:nvCxnSpPr>
-          <p:cNvPr id="103" name="Google Shape;103;g3b938ea6dd9_0_26"/>
+          <p:cNvPr id="85" name="Google Shape;85;g3b938ea6dd9_0_26"/>
           <p:cNvCxnSpPr>
-            <a:stCxn id="102" idx="0"/>
-            <a:endCxn id="99" idx="2"/>
+            <a:stCxn id="84" idx="0"/>
+            <a:endCxn id="81" idx="2"/>
           </p:cNvCxnSpPr>
           <p:nvPr/>
         </p:nvCxnSpPr>
@@ -12233,7 +12255,7 @@
       </p:cxnSp>
       <p:sp>
         <p:nvSpPr>
-          <p:cNvPr id="104" name="Google Shape;104;g3b938ea6dd9_0_26"/>
+          <p:cNvPr id="86" name="Google Shape;86;g3b938ea6dd9_0_26"/>
           <p:cNvSpPr/>
           <p:nvPr/>
         </p:nvSpPr>
@@ -12298,7 +12320,7 @@
       </p:sp>
       <p:sp>
         <p:nvSpPr>
-          <p:cNvPr id="105" name="Google Shape;105;g3b938ea6dd9_0_26"/>
+          <p:cNvPr id="87" name="Google Shape;87;g3b938ea6dd9_0_26"/>
           <p:cNvSpPr/>
           <p:nvPr/>
         </p:nvSpPr>
@@ -12359,7 +12381,7 @@
       </p:sp>
       <p:sp>
         <p:nvSpPr>
-          <p:cNvPr id="106" name="Google Shape;106;g3b938ea6dd9_0_26"/>
+          <p:cNvPr id="88" name="Google Shape;88;g3b938ea6dd9_0_26"/>
           <p:cNvSpPr/>
           <p:nvPr/>
         </p:nvSpPr>
@@ -12435,9 +12457,9 @@
       </p:sp>
       <p:cxnSp>
         <p:nvCxnSpPr>
-          <p:cNvPr id="107" name="Google Shape;107;g3b938ea6dd9_0_26"/>
+          <p:cNvPr id="89" name="Google Shape;89;g3b938ea6dd9_0_26"/>
           <p:cNvCxnSpPr>
-            <a:endCxn id="106" idx="2"/>
+            <a:endCxn id="88" idx="2"/>
           </p:cNvCxnSpPr>
           <p:nvPr/>
         </p:nvCxnSpPr>
@@ -12463,7 +12485,7 @@
       </p:cxnSp>
       <p:sp>
         <p:nvSpPr>
-          <p:cNvPr id="108" name="Google Shape;108;g3b938ea6dd9_0_26"/>
+          <p:cNvPr id="90" name="Google Shape;90;g3b938ea6dd9_0_26"/>
           <p:cNvSpPr/>
           <p:nvPr/>
         </p:nvSpPr>
@@ -12516,7 +12538,387 @@
 </p:sld>
 </file>
 
+<file path=ppt/slides/slide9.xml><?xml version="1.0" encoding="utf-8"?>
+<p:sld xmlns:a="http://schemas.openxmlformats.org/drawingml/2006/main" xmlns:r="http://schemas.openxmlformats.org/officeDocument/2006/relationships" xmlns:mc="http://schemas.openxmlformats.org/markup-compatibility/2006" xmlns:mv="urn:schemas-microsoft-com:mac:vml" xmlns:p="http://schemas.openxmlformats.org/presentationml/2006/main" xmlns:c="http://schemas.openxmlformats.org/drawingml/2006/chart" xmlns:dgm="http://schemas.openxmlformats.org/drawingml/2006/diagram" xmlns:o="urn:schemas-microsoft-com:office:office" xmlns:v="urn:schemas-microsoft-com:vml" xmlns:pvml="urn:schemas-microsoft-com:office:powerpoint" xmlns:com="http://schemas.openxmlformats.org/drawingml/2006/compatibility" xmlns:p14="http://schemas.microsoft.com/office/powerpoint/2010/main" xmlns:p15="http://schemas.microsoft.com/office/powerpoint/2012/main" xmlns:ahyp="http://schemas.microsoft.com/office/drawing/2018/hyperlinkcolor">
+  <p:cSld>
+    <p:spTree>
+      <p:nvGrpSpPr>
+        <p:cNvPr id="94" name="Shape 94"/>
+        <p:cNvGrpSpPr/>
+        <p:nvPr/>
+      </p:nvGrpSpPr>
+      <p:grpSpPr>
+        <a:xfrm>
+          <a:off x="0" y="0"/>
+          <a:ext cx="0" cy="0"/>
+          <a:chOff x="0" y="0"/>
+          <a:chExt cx="0" cy="0"/>
+        </a:xfrm>
+      </p:grpSpPr>
+      <p:sp>
+        <p:nvSpPr>
+          <p:cNvPr id="95" name="Google Shape;95;g3ba79990f52_0_5"/>
+          <p:cNvSpPr txBox="1"/>
+          <p:nvPr>
+            <p:ph type="title"/>
+          </p:nvPr>
+        </p:nvSpPr>
+        <p:spPr>
+          <a:xfrm>
+            <a:off x="457200" y="274638"/>
+            <a:ext cx="8229600" cy="1143000"/>
+          </a:xfrm>
+          <a:prstGeom prst="rect">
+            <a:avLst/>
+          </a:prstGeom>
+          <a:noFill/>
+          <a:ln>
+            <a:noFill/>
+          </a:ln>
+        </p:spPr>
+        <p:txBody>
+          <a:bodyPr anchorCtr="0" anchor="b" bIns="91425" lIns="91425" spcFirstLastPara="1" rIns="91425" wrap="square" tIns="91425">
+            <a:noAutofit/>
+          </a:bodyPr>
+          <a:lstStyle/>
+          <a:p>
+            <a:pPr indent="0" lvl="0" marL="0" rtl="0" algn="l">
+              <a:lnSpc>
+                <a:spcPct val="100000"/>
+              </a:lnSpc>
+              <a:spcBef>
+                <a:spcPts val="0"/>
+              </a:spcBef>
+              <a:spcAft>
+                <a:spcPts val="0"/>
+              </a:spcAft>
+              <a:buSzPts val="3600"/>
+              <a:buNone/>
+            </a:pPr>
+            <a:r>
+              <a:rPr lang="en"/>
+              <a:t>Last Class - Tokenization 01</a:t>
+            </a:r>
+            <a:endParaRPr/>
+          </a:p>
+        </p:txBody>
+      </p:sp>
+      <p:pic>
+        <p:nvPicPr>
+          <p:cNvPr id="96" name="Google Shape;96;g3ba79990f52_0_5"/>
+          <p:cNvPicPr preferRelativeResize="0"/>
+          <p:nvPr/>
+        </p:nvPicPr>
+        <p:blipFill>
+          <a:blip r:embed="rId3">
+            <a:alphaModFix/>
+          </a:blip>
+          <a:stretch>
+            <a:fillRect/>
+          </a:stretch>
+        </p:blipFill>
+        <p:spPr>
+          <a:xfrm>
+            <a:off x="152400" y="1696538"/>
+            <a:ext cx="8839200" cy="3464901"/>
+          </a:xfrm>
+          <a:prstGeom prst="rect">
+            <a:avLst/>
+          </a:prstGeom>
+          <a:noFill/>
+          <a:ln>
+            <a:noFill/>
+          </a:ln>
+        </p:spPr>
+      </p:pic>
+    </p:spTree>
+  </p:cSld>
+  <p:clrMapOvr>
+    <a:masterClrMapping/>
+  </p:clrMapOvr>
+</p:sld>
+</file>
+
 <file path=ppt/theme/theme1.xml><?xml version="1.0" encoding="utf-8"?>
+<a:theme xmlns:a="http://schemas.openxmlformats.org/drawingml/2006/main" xmlns:r="http://schemas.openxmlformats.org/officeDocument/2006/relationships">
+  <a:themeElements>
+    <a:clrScheme name="Default">
+      <a:dk1>
+        <a:srgbClr val="000000"/>
+      </a:dk1>
+      <a:lt1>
+        <a:srgbClr val="FFFFFF"/>
+      </a:lt1>
+      <a:dk2>
+        <a:srgbClr val="158158"/>
+      </a:dk2>
+      <a:lt2>
+        <a:srgbClr val="F3F3F3"/>
+      </a:lt2>
+      <a:accent1>
+        <a:srgbClr val="058DC7"/>
+      </a:accent1>
+      <a:accent2>
+        <a:srgbClr val="50B432"/>
+      </a:accent2>
+      <a:accent3>
+        <a:srgbClr val="ED561B"/>
+      </a:accent3>
+      <a:accent4>
+        <a:srgbClr val="EDEF00"/>
+      </a:accent4>
+      <a:accent5>
+        <a:srgbClr val="24CBE5"/>
+      </a:accent5>
+      <a:accent6>
+        <a:srgbClr val="64E572"/>
+      </a:accent6>
+      <a:hlink>
+        <a:srgbClr val="2200CC"/>
+      </a:hlink>
+      <a:folHlink>
+        <a:srgbClr val="551A8B"/>
+      </a:folHlink>
+    </a:clrScheme>
+    <a:fontScheme name="Office">
+      <a:majorFont>
+        <a:latin typeface="Arial"/>
+        <a:ea typeface=""/>
+        <a:cs typeface=""/>
+        <a:font script="Jpan" typeface="ＭＳ Ｐゴシック"/>
+        <a:font script="Hang" typeface="맑은 고딕"/>
+        <a:font script="Hans" typeface="宋体"/>
+        <a:font script="Hant" typeface="新細明體"/>
+        <a:font script="Arab" typeface="Times New Roman"/>
+        <a:font script="Hebr" typeface="Times New Roman"/>
+        <a:font script="Thai" typeface="Angsana New"/>
+        <a:font script="Ethi" typeface="Nyala"/>
+        <a:font script="Beng" typeface="Vrinda"/>
+        <a:font script="Gujr" typeface="Shruti"/>
+        <a:font script="Khmr" typeface="MoolBoran"/>
+        <a:font script="Knda" typeface="Tunga"/>
+        <a:font script="Guru" typeface="Raavi"/>
+        <a:font script="Cans" typeface="Euphemia"/>
+        <a:font script="Cher" typeface="Plantagenet Cherokee"/>
+        <a:font script="Yiii" typeface="Microsoft Yi Baiti"/>
+        <a:font script="Tibt" typeface="Microsoft Himalaya"/>
+        <a:font script="Thaa" typeface="MV Boli"/>
+        <a:font script="Deva" typeface="Mangal"/>
+        <a:font script="Telu" typeface="Gautami"/>
+        <a:font script="Taml" typeface="Latha"/>
+        <a:font script="Syrc" typeface="Estrangelo Edessa"/>
+        <a:font script="Orya" typeface="Kalinga"/>
+        <a:font script="Mlym" typeface="Kartika"/>
+        <a:font script="Laoo" typeface="DokChampa"/>
+        <a:font script="Sinh" typeface="Iskoola Pota"/>
+        <a:font script="Mong" typeface="Mongolian Baiti"/>
+        <a:font script="Viet" typeface="Times New Roman"/>
+        <a:font script="Uigh" typeface="Microsoft Uighur"/>
+        <a:font script="Geor" typeface="Sylfaen"/>
+      </a:majorFont>
+      <a:minorFont>
+        <a:latin typeface="Arial"/>
+        <a:ea typeface=""/>
+        <a:cs typeface=""/>
+        <a:font script="Jpan" typeface="ＭＳ Ｐゴシック"/>
+        <a:font script="Hang" typeface="맑은 고딕"/>
+        <a:font script="Hans" typeface="宋体"/>
+        <a:font script="Hant" typeface="新細明體"/>
+        <a:font script="Arab" typeface="Arial"/>
+        <a:font script="Hebr" typeface="Arial"/>
+        <a:font script="Thai" typeface="Cordia New"/>
+        <a:font script="Ethi" typeface="Nyala"/>
+        <a:font script="Beng" typeface="Vrinda"/>
+        <a:font script="Gujr" typeface="Shruti"/>
+        <a:font script="Khmr" typeface="DaunPenh"/>
+        <a:font script="Knda" typeface="Tunga"/>
+        <a:font script="Guru" typeface="Raavi"/>
+        <a:font script="Cans" typeface="Euphemia"/>
+        <a:font script="Cher" typeface="Plantagenet Cherokee"/>
+        <a:font script="Yiii" typeface="Microsoft Yi Baiti"/>
+        <a:font script="Tibt" typeface="Microsoft Himalaya"/>
+        <a:font script="Thaa" typeface="MV Boli"/>
+        <a:font script="Deva" typeface="Mangal"/>
+        <a:font script="Telu" typeface="Gautami"/>
+        <a:font script="Taml" typeface="Latha"/>
+        <a:font script="Syrc" typeface="Estrangelo Edessa"/>
+        <a:font script="Orya" typeface="Kalinga"/>
+        <a:font script="Mlym" typeface="Kartika"/>
+        <a:font script="Laoo" typeface="DokChampa"/>
+        <a:font script="Sinh" typeface="Iskoola Pota"/>
+        <a:font script="Mong" typeface="Mongolian Baiti"/>
+        <a:font script="Viet" typeface="Arial"/>
+        <a:font script="Uigh" typeface="Microsoft Uighur"/>
+        <a:font script="Geor" typeface="Sylfaen"/>
+      </a:minorFont>
+    </a:fontScheme>
+    <a:fmtScheme name="Office">
+      <a:fillStyleLst>
+        <a:solidFill>
+          <a:schemeClr val="phClr"/>
+        </a:solidFill>
+        <a:gradFill rotWithShape="1">
+          <a:gsLst>
+            <a:gs pos="0">
+              <a:schemeClr val="phClr">
+                <a:tint val="50000"/>
+                <a:satMod val="300000"/>
+              </a:schemeClr>
+            </a:gs>
+            <a:gs pos="35000">
+              <a:schemeClr val="phClr">
+                <a:tint val="37000"/>
+                <a:satMod val="300000"/>
+              </a:schemeClr>
+            </a:gs>
+            <a:gs pos="100000">
+              <a:schemeClr val="phClr">
+                <a:tint val="15000"/>
+                <a:satMod val="350000"/>
+              </a:schemeClr>
+            </a:gs>
+          </a:gsLst>
+          <a:lin ang="16200000" scaled="1"/>
+        </a:gradFill>
+        <a:gradFill rotWithShape="1">
+          <a:gsLst>
+            <a:gs pos="0">
+              <a:schemeClr val="phClr">
+                <a:tint val="100000"/>
+                <a:shade val="100000"/>
+                <a:satMod val="130000"/>
+              </a:schemeClr>
+            </a:gs>
+            <a:gs pos="100000">
+              <a:schemeClr val="phClr">
+                <a:tint val="50000"/>
+                <a:shade val="100000"/>
+                <a:satMod val="350000"/>
+              </a:schemeClr>
+            </a:gs>
+          </a:gsLst>
+          <a:lin ang="16200000" scaled="0"/>
+        </a:gradFill>
+      </a:fillStyleLst>
+      <a:lnStyleLst>
+        <a:ln w="9525" cap="flat" cmpd="sng" algn="ctr">
+          <a:solidFill>
+            <a:schemeClr val="phClr">
+              <a:shade val="95000"/>
+              <a:satMod val="105000"/>
+            </a:schemeClr>
+          </a:solidFill>
+          <a:prstDash val="solid"/>
+        </a:ln>
+        <a:ln w="25400" cap="flat" cmpd="sng" algn="ctr">
+          <a:solidFill>
+            <a:schemeClr val="phClr"/>
+          </a:solidFill>
+          <a:prstDash val="solid"/>
+        </a:ln>
+        <a:ln w="38100" cap="flat" cmpd="sng" algn="ctr">
+          <a:solidFill>
+            <a:schemeClr val="phClr"/>
+          </a:solidFill>
+          <a:prstDash val="solid"/>
+        </a:ln>
+      </a:lnStyleLst>
+      <a:effectStyleLst>
+        <a:effectStyle>
+          <a:effectLst>
+            <a:outerShdw blurRad="40000" dist="20000" dir="5400000" rotWithShape="0">
+              <a:srgbClr val="000000">
+                <a:alpha val="38000"/>
+              </a:srgbClr>
+            </a:outerShdw>
+          </a:effectLst>
+        </a:effectStyle>
+        <a:effectStyle>
+          <a:effectLst>
+            <a:outerShdw blurRad="40000" dist="23000" dir="5400000" rotWithShape="0">
+              <a:srgbClr val="000000">
+                <a:alpha val="35000"/>
+              </a:srgbClr>
+            </a:outerShdw>
+          </a:effectLst>
+        </a:effectStyle>
+        <a:effectStyle>
+          <a:effectLst>
+            <a:outerShdw blurRad="40000" dist="23000" dir="5400000" rotWithShape="0">
+              <a:srgbClr val="000000">
+                <a:alpha val="35000"/>
+              </a:srgbClr>
+            </a:outerShdw>
+          </a:effectLst>
+          <a:scene3d>
+            <a:camera prst="orthographicFront">
+              <a:rot lat="0" lon="0" rev="0"/>
+            </a:camera>
+            <a:lightRig rig="threePt" dir="t">
+              <a:rot lat="0" lon="0" rev="1200000"/>
+            </a:lightRig>
+          </a:scene3d>
+          <a:sp3d>
+            <a:bevelT w="63500" h="25400"/>
+          </a:sp3d>
+        </a:effectStyle>
+      </a:effectStyleLst>
+      <a:bgFillStyleLst>
+        <a:solidFill>
+          <a:schemeClr val="phClr"/>
+        </a:solidFill>
+        <a:gradFill rotWithShape="1">
+          <a:gsLst>
+            <a:gs pos="0">
+              <a:schemeClr val="phClr">
+                <a:tint val="40000"/>
+                <a:satMod val="350000"/>
+              </a:schemeClr>
+            </a:gs>
+            <a:gs pos="40000">
+              <a:schemeClr val="phClr">
+                <a:tint val="45000"/>
+                <a:shade val="99000"/>
+                <a:satMod val="350000"/>
+              </a:schemeClr>
+            </a:gs>
+            <a:gs pos="100000">
+              <a:schemeClr val="phClr">
+                <a:shade val="20000"/>
+                <a:satMod val="255000"/>
+              </a:schemeClr>
+            </a:gs>
+          </a:gsLst>
+          <a:path path="circle">
+            <a:fillToRect l="50000" t="-80000" r="50000" b="180000"/>
+          </a:path>
+        </a:gradFill>
+        <a:gradFill rotWithShape="1">
+          <a:gsLst>
+            <a:gs pos="0">
+              <a:schemeClr val="phClr">
+                <a:tint val="80000"/>
+                <a:satMod val="300000"/>
+              </a:schemeClr>
+            </a:gs>
+            <a:gs pos="100000">
+              <a:schemeClr val="phClr">
+                <a:shade val="30000"/>
+                <a:satMod val="200000"/>
+              </a:schemeClr>
+            </a:gs>
+          </a:gsLst>
+          <a:path path="circle">
+            <a:fillToRect l="50000" t="50000" r="50000" b="50000"/>
+          </a:path>
+        </a:gradFill>
+      </a:bgFillStyleLst>
+    </a:fmtScheme>
+  </a:themeElements>
+</a:theme>
+</file>
+
+<file path=ppt/theme/theme2.xml><?xml version="1.0" encoding="utf-8"?>
 <a:theme xmlns:a="http://schemas.openxmlformats.org/drawingml/2006/main" xmlns:r="http://schemas.openxmlformats.org/officeDocument/2006/relationships" name="PB Theme">
   <a:themeElements>
     <a:clrScheme name="Custom 347">
@@ -12793,283 +13195,4 @@
     </a:fmtScheme>
   </a:themeElements>
 </a:theme>
-</file>
-
-<file path=ppt/theme/theme2.xml><?xml version="1.0" encoding="utf-8"?>
-<a:theme xmlns:a="http://schemas.openxmlformats.org/drawingml/2006/main" xmlns:r="http://schemas.openxmlformats.org/officeDocument/2006/relationships">
-  <a:themeElements>
-    <a:clrScheme name="Default">
-      <a:dk1>
-        <a:srgbClr val="000000"/>
-      </a:dk1>
-      <a:lt1>
-        <a:srgbClr val="FFFFFF"/>
-      </a:lt1>
-      <a:dk2>
-        <a:srgbClr val="158158"/>
-      </a:dk2>
-      <a:lt2>
-        <a:srgbClr val="F3F3F3"/>
-      </a:lt2>
-      <a:accent1>
-        <a:srgbClr val="058DC7"/>
-      </a:accent1>
-      <a:accent2>
-        <a:srgbClr val="50B432"/>
-      </a:accent2>
-      <a:accent3>
-        <a:srgbClr val="ED561B"/>
-      </a:accent3>
-      <a:accent4>
-        <a:srgbClr val="EDEF00"/>
-      </a:accent4>
-      <a:accent5>
-        <a:srgbClr val="24CBE5"/>
-      </a:accent5>
-      <a:accent6>
-        <a:srgbClr val="64E572"/>
-      </a:accent6>
-      <a:hlink>
-        <a:srgbClr val="2200CC"/>
-      </a:hlink>
-      <a:folHlink>
-        <a:srgbClr val="551A8B"/>
-      </a:folHlink>
-    </a:clrScheme>
-    <a:fontScheme name="Office">
-      <a:majorFont>
-        <a:latin typeface="Arial"/>
-        <a:ea typeface=""/>
-        <a:cs typeface=""/>
-        <a:font script="Jpan" typeface="ＭＳ Ｐゴシック"/>
-        <a:font script="Hang" typeface="맑은 고딕"/>
-        <a:font script="Hans" typeface="宋体"/>
-        <a:font script="Hant" typeface="新細明體"/>
-        <a:font script="Arab" typeface="Times New Roman"/>
-        <a:font script="Hebr" typeface="Times New Roman"/>
-        <a:font script="Thai" typeface="Angsana New"/>
-        <a:font script="Ethi" typeface="Nyala"/>
-        <a:font script="Beng" typeface="Vrinda"/>
-        <a:font script="Gujr" typeface="Shruti"/>
-        <a:font script="Khmr" typeface="MoolBoran"/>
-        <a:font script="Knda" typeface="Tunga"/>
-        <a:font script="Guru" typeface="Raavi"/>
-        <a:font script="Cans" typeface="Euphemia"/>
-        <a:font script="Cher" typeface="Plantagenet Cherokee"/>
-        <a:font script="Yiii" typeface="Microsoft Yi Baiti"/>
-        <a:font script="Tibt" typeface="Microsoft Himalaya"/>
-        <a:font script="Thaa" typeface="MV Boli"/>
-        <a:font script="Deva" typeface="Mangal"/>
-        <a:font script="Telu" typeface="Gautami"/>
-        <a:font script="Taml" typeface="Latha"/>
-        <a:font script="Syrc" typeface="Estrangelo Edessa"/>
-        <a:font script="Orya" typeface="Kalinga"/>
-        <a:font script="Mlym" typeface="Kartika"/>
-        <a:font script="Laoo" typeface="DokChampa"/>
-        <a:font script="Sinh" typeface="Iskoola Pota"/>
-        <a:font script="Mong" typeface="Mongolian Baiti"/>
-        <a:font script="Viet" typeface="Times New Roman"/>
-        <a:font script="Uigh" typeface="Microsoft Uighur"/>
-        <a:font script="Geor" typeface="Sylfaen"/>
-      </a:majorFont>
-      <a:minorFont>
-        <a:latin typeface="Arial"/>
-        <a:ea typeface=""/>
-        <a:cs typeface=""/>
-        <a:font script="Jpan" typeface="ＭＳ Ｐゴシック"/>
-        <a:font script="Hang" typeface="맑은 고딕"/>
-        <a:font script="Hans" typeface="宋体"/>
-        <a:font script="Hant" typeface="新細明體"/>
-        <a:font script="Arab" typeface="Arial"/>
-        <a:font script="Hebr" typeface="Arial"/>
-        <a:font script="Thai" typeface="Cordia New"/>
-        <a:font script="Ethi" typeface="Nyala"/>
-        <a:font script="Beng" typeface="Vrinda"/>
-        <a:font script="Gujr" typeface="Shruti"/>
-        <a:font script="Khmr" typeface="DaunPenh"/>
-        <a:font script="Knda" typeface="Tunga"/>
-        <a:font script="Guru" typeface="Raavi"/>
-        <a:font script="Cans" typeface="Euphemia"/>
-        <a:font script="Cher" typeface="Plantagenet Cherokee"/>
-        <a:font script="Yiii" typeface="Microsoft Yi Baiti"/>
-        <a:font script="Tibt" typeface="Microsoft Himalaya"/>
-        <a:font script="Thaa" typeface="MV Boli"/>
-        <a:font script="Deva" typeface="Mangal"/>
-        <a:font script="Telu" typeface="Gautami"/>
-        <a:font script="Taml" typeface="Latha"/>
-        <a:font script="Syrc" typeface="Estrangelo Edessa"/>
-        <a:font script="Orya" typeface="Kalinga"/>
-        <a:font script="Mlym" typeface="Kartika"/>
-        <a:font script="Laoo" typeface="DokChampa"/>
-        <a:font script="Sinh" typeface="Iskoola Pota"/>
-        <a:font script="Mong" typeface="Mongolian Baiti"/>
-        <a:font script="Viet" typeface="Arial"/>
-        <a:font script="Uigh" typeface="Microsoft Uighur"/>
-        <a:font script="Geor" typeface="Sylfaen"/>
-      </a:minorFont>
-    </a:fontScheme>
-    <a:fmtScheme name="Office">
-      <a:fillStyleLst>
-        <a:solidFill>
-          <a:schemeClr val="phClr"/>
-        </a:solidFill>
-        <a:gradFill rotWithShape="1">
-          <a:gsLst>
-            <a:gs pos="0">
-              <a:schemeClr val="phClr">
-                <a:tint val="50000"/>
-                <a:satMod val="300000"/>
-              </a:schemeClr>
-            </a:gs>
-            <a:gs pos="35000">
-              <a:schemeClr val="phClr">
-                <a:tint val="37000"/>
-                <a:satMod val="300000"/>
-              </a:schemeClr>
-            </a:gs>
-            <a:gs pos="100000">
-              <a:schemeClr val="phClr">
-                <a:tint val="15000"/>
-                <a:satMod val="350000"/>
-              </a:schemeClr>
-            </a:gs>
-          </a:gsLst>
-          <a:lin ang="16200000" scaled="1"/>
-        </a:gradFill>
-        <a:gradFill rotWithShape="1">
-          <a:gsLst>
-            <a:gs pos="0">
-              <a:schemeClr val="phClr">
-                <a:tint val="100000"/>
-                <a:shade val="100000"/>
-                <a:satMod val="130000"/>
-              </a:schemeClr>
-            </a:gs>
-            <a:gs pos="100000">
-              <a:schemeClr val="phClr">
-                <a:tint val="50000"/>
-                <a:shade val="100000"/>
-                <a:satMod val="350000"/>
-              </a:schemeClr>
-            </a:gs>
-          </a:gsLst>
-          <a:lin ang="16200000" scaled="0"/>
-        </a:gradFill>
-      </a:fillStyleLst>
-      <a:lnStyleLst>
-        <a:ln w="9525" cap="flat" cmpd="sng" algn="ctr">
-          <a:solidFill>
-            <a:schemeClr val="phClr">
-              <a:shade val="95000"/>
-              <a:satMod val="105000"/>
-            </a:schemeClr>
-          </a:solidFill>
-          <a:prstDash val="solid"/>
-        </a:ln>
-        <a:ln w="25400" cap="flat" cmpd="sng" algn="ctr">
-          <a:solidFill>
-            <a:schemeClr val="phClr"/>
-          </a:solidFill>
-          <a:prstDash val="solid"/>
-        </a:ln>
-        <a:ln w="38100" cap="flat" cmpd="sng" algn="ctr">
-          <a:solidFill>
-            <a:schemeClr val="phClr"/>
-          </a:solidFill>
-          <a:prstDash val="solid"/>
-        </a:ln>
-      </a:lnStyleLst>
-      <a:effectStyleLst>
-        <a:effectStyle>
-          <a:effectLst>
-            <a:outerShdw blurRad="40000" dist="20000" dir="5400000" rotWithShape="0">
-              <a:srgbClr val="000000">
-                <a:alpha val="38000"/>
-              </a:srgbClr>
-            </a:outerShdw>
-          </a:effectLst>
-        </a:effectStyle>
-        <a:effectStyle>
-          <a:effectLst>
-            <a:outerShdw blurRad="40000" dist="23000" dir="5400000" rotWithShape="0">
-              <a:srgbClr val="000000">
-                <a:alpha val="35000"/>
-              </a:srgbClr>
-            </a:outerShdw>
-          </a:effectLst>
-        </a:effectStyle>
-        <a:effectStyle>
-          <a:effectLst>
-            <a:outerShdw blurRad="40000" dist="23000" dir="5400000" rotWithShape="0">
-              <a:srgbClr val="000000">
-                <a:alpha val="35000"/>
-              </a:srgbClr>
-            </a:outerShdw>
-          </a:effectLst>
-          <a:scene3d>
-            <a:camera prst="orthographicFront">
-              <a:rot lat="0" lon="0" rev="0"/>
-            </a:camera>
-            <a:lightRig rig="threePt" dir="t">
-              <a:rot lat="0" lon="0" rev="1200000"/>
-            </a:lightRig>
-          </a:scene3d>
-          <a:sp3d>
-            <a:bevelT w="63500" h="25400"/>
-          </a:sp3d>
-        </a:effectStyle>
-      </a:effectStyleLst>
-      <a:bgFillStyleLst>
-        <a:solidFill>
-          <a:schemeClr val="phClr"/>
-        </a:solidFill>
-        <a:gradFill rotWithShape="1">
-          <a:gsLst>
-            <a:gs pos="0">
-              <a:schemeClr val="phClr">
-                <a:tint val="40000"/>
-                <a:satMod val="350000"/>
-              </a:schemeClr>
-            </a:gs>
-            <a:gs pos="40000">
-              <a:schemeClr val="phClr">
-                <a:tint val="45000"/>
-                <a:shade val="99000"/>
-                <a:satMod val="350000"/>
-              </a:schemeClr>
-            </a:gs>
-            <a:gs pos="100000">
-              <a:schemeClr val="phClr">
-                <a:shade val="20000"/>
-                <a:satMod val="255000"/>
-              </a:schemeClr>
-            </a:gs>
-          </a:gsLst>
-          <a:path path="circle">
-            <a:fillToRect l="50000" t="-80000" r="50000" b="180000"/>
-          </a:path>
-        </a:gradFill>
-        <a:gradFill rotWithShape="1">
-          <a:gsLst>
-            <a:gs pos="0">
-              <a:schemeClr val="phClr">
-                <a:tint val="80000"/>
-                <a:satMod val="300000"/>
-              </a:schemeClr>
-            </a:gs>
-            <a:gs pos="100000">
-              <a:schemeClr val="phClr">
-                <a:shade val="30000"/>
-                <a:satMod val="200000"/>
-              </a:schemeClr>
-            </a:gs>
-          </a:gsLst>
-          <a:path path="circle">
-            <a:fillToRect l="50000" t="50000" r="50000" b="50000"/>
-          </a:path>
-        </a:gradFill>
-      </a:bgFillStyleLst>
-    </a:fmtScheme>
-  </a:themeElements>
-</a:theme>
 </file>
--- a/Blank/Lecture_04_ Tokenization.pptx
+++ b/Blank/Lecture_04_ Tokenization.pptx
@@ -24,6 +24,12 @@
     <p:sldId id="269" r:id="rId18"/>
     <p:sldId id="270" r:id="rId19"/>
     <p:sldId id="271" r:id="rId20"/>
+    <p:sldId id="272" r:id="rId21"/>
+    <p:sldId id="273" r:id="rId22"/>
+    <p:sldId id="274" r:id="rId23"/>
+    <p:sldId id="275" r:id="rId24"/>
+    <p:sldId id="276" r:id="rId25"/>
+    <p:sldId id="277" r:id="rId26"/>
   </p:sldIdLst>
   <p:sldSz cy="6858000" cx="9144000"/>
   <p:notesSz cx="6858000" cy="9144000"/>
@@ -258,7 +264,7 @@
   </p:defaultTextStyle>
   <p:extLst>
     <p:ext uri="GoogleSlidesCustomDataVersion2">
-      <go:slidesCustomData xmlns:go="http://customooxmlschemas.google.com/" r:id="rId21" roundtripDataSignature="AMtx7mguoJccp6uS29IosILh7DY7jKwCyQ=="/>
+      <go:slidesCustomData xmlns:go="http://customooxmlschemas.google.com/" r:id="rId27" roundtripDataSignature="AMtx7mh08qAC3truKRC9WrqDni+mHOorZQ=="/>
     </p:ext>
   </p:extLst>
 </p:presentation>
@@ -947,7 +953,7 @@
   <p:cSld>
     <p:spTree>
       <p:nvGrpSpPr>
-        <p:cNvPr id="97" name="Shape 97"/>
+        <p:cNvPr id="100" name="Shape 100"/>
         <p:cNvGrpSpPr/>
         <p:nvPr/>
       </p:nvGrpSpPr>
@@ -961,7 +967,7 @@
       </p:grpSpPr>
       <p:sp>
         <p:nvSpPr>
-          <p:cNvPr id="98" name="Google Shape;98;g3b938ea6dd9_0_16:notes"/>
+          <p:cNvPr id="101" name="Google Shape;101;g3ba79990f52_0_5:notes"/>
           <p:cNvSpPr/>
           <p:nvPr>
             <p:ph idx="2" type="sldImg"/>
@@ -1006,7 +1012,7 @@
       </p:sp>
       <p:sp>
         <p:nvSpPr>
-          <p:cNvPr id="99" name="Google Shape;99;g3b938ea6dd9_0_16:notes"/>
+          <p:cNvPr id="102" name="Google Shape;102;g3ba79990f52_0_5:notes"/>
           <p:cNvSpPr txBox="1"/>
           <p:nvPr>
             <p:ph idx="1" type="body"/>
@@ -1064,7 +1070,7 @@
   <p:cSld>
     <p:spTree>
       <p:nvGrpSpPr>
-        <p:cNvPr id="103" name="Shape 103"/>
+        <p:cNvPr id="106" name="Shape 106"/>
         <p:cNvGrpSpPr/>
         <p:nvPr/>
       </p:nvGrpSpPr>
@@ -1078,7 +1084,7 @@
       </p:grpSpPr>
       <p:sp>
         <p:nvSpPr>
-          <p:cNvPr id="104" name="Google Shape;104;g3b938ea6dd9_0_68:notes"/>
+          <p:cNvPr id="107" name="Google Shape;107;g3b938ea6dd9_0_16:notes"/>
           <p:cNvSpPr/>
           <p:nvPr>
             <p:ph idx="2" type="sldImg"/>
@@ -1123,7 +1129,7 @@
       </p:sp>
       <p:sp>
         <p:nvSpPr>
-          <p:cNvPr id="105" name="Google Shape;105;g3b938ea6dd9_0_68:notes"/>
+          <p:cNvPr id="108" name="Google Shape;108;g3b938ea6dd9_0_16:notes"/>
           <p:cNvSpPr txBox="1"/>
           <p:nvPr>
             <p:ph idx="1" type="body"/>
@@ -1181,7 +1187,7 @@
   <p:cSld>
     <p:spTree>
       <p:nvGrpSpPr>
-        <p:cNvPr id="109" name="Shape 109"/>
+        <p:cNvPr id="112" name="Shape 112"/>
         <p:cNvGrpSpPr/>
         <p:nvPr/>
       </p:nvGrpSpPr>
@@ -1195,7 +1201,7 @@
       </p:grpSpPr>
       <p:sp>
         <p:nvSpPr>
-          <p:cNvPr id="110" name="Google Shape;110;g3b8409de4d6_0_103:notes"/>
+          <p:cNvPr id="113" name="Google Shape;113;g3baf4acbdf2_0_27:notes"/>
           <p:cNvSpPr/>
           <p:nvPr>
             <p:ph idx="2" type="sldImg"/>
@@ -1240,7 +1246,7 @@
       </p:sp>
       <p:sp>
         <p:nvSpPr>
-          <p:cNvPr id="111" name="Google Shape;111;g3b8409de4d6_0_103:notes"/>
+          <p:cNvPr id="114" name="Google Shape;114;g3baf4acbdf2_0_27:notes"/>
           <p:cNvSpPr txBox="1"/>
           <p:nvPr>
             <p:ph idx="1" type="body"/>
@@ -1298,7 +1304,7 @@
   <p:cSld>
     <p:spTree>
       <p:nvGrpSpPr>
-        <p:cNvPr id="116" name="Shape 116"/>
+        <p:cNvPr id="118" name="Shape 118"/>
         <p:cNvGrpSpPr/>
         <p:nvPr/>
       </p:nvGrpSpPr>
@@ -1312,7 +1318,7 @@
       </p:grpSpPr>
       <p:sp>
         <p:nvSpPr>
-          <p:cNvPr id="117" name="Google Shape;117;g3baf4acbdf2_0_12:notes"/>
+          <p:cNvPr id="119" name="Google Shape;119;g3b8409de4d6_0_103:notes"/>
           <p:cNvSpPr/>
           <p:nvPr>
             <p:ph idx="2" type="sldImg"/>
@@ -1357,7 +1363,7 @@
       </p:sp>
       <p:sp>
         <p:nvSpPr>
-          <p:cNvPr id="118" name="Google Shape;118;g3baf4acbdf2_0_12:notes"/>
+          <p:cNvPr id="120" name="Google Shape;120;g3b8409de4d6_0_103:notes"/>
           <p:cNvSpPr txBox="1"/>
           <p:nvPr>
             <p:ph idx="1" type="body"/>
@@ -1429,7 +1435,7 @@
       </p:grpSpPr>
       <p:sp>
         <p:nvSpPr>
-          <p:cNvPr id="126" name="Google Shape;126;g3b8409de4d6_0_118:notes"/>
+          <p:cNvPr id="126" name="Google Shape;126;g3baf4acbdf2_0_12:notes"/>
           <p:cNvSpPr/>
           <p:nvPr>
             <p:ph idx="2" type="sldImg"/>
@@ -1474,7 +1480,7 @@
       </p:sp>
       <p:sp>
         <p:nvSpPr>
-          <p:cNvPr id="127" name="Google Shape;127;g3b8409de4d6_0_118:notes"/>
+          <p:cNvPr id="127" name="Google Shape;127;g3baf4acbdf2_0_12:notes"/>
           <p:cNvSpPr txBox="1"/>
           <p:nvPr>
             <p:ph idx="1" type="body"/>
@@ -1532,7 +1538,7 @@
   <p:cSld>
     <p:spTree>
       <p:nvGrpSpPr>
-        <p:cNvPr id="133" name="Shape 133"/>
+        <p:cNvPr id="134" name="Shape 134"/>
         <p:cNvGrpSpPr/>
         <p:nvPr/>
       </p:nvGrpSpPr>
@@ -1546,7 +1552,7 @@
       </p:grpSpPr>
       <p:sp>
         <p:nvSpPr>
-          <p:cNvPr id="134" name="Google Shape;134;g3b938ea6dd9_0_93:notes"/>
+          <p:cNvPr id="135" name="Google Shape;135;g3baf4acbdf2_0_22:notes"/>
           <p:cNvSpPr/>
           <p:nvPr>
             <p:ph idx="2" type="sldImg"/>
@@ -1591,7 +1597,7 @@
       </p:sp>
       <p:sp>
         <p:nvSpPr>
-          <p:cNvPr id="135" name="Google Shape;135;g3b938ea6dd9_0_93:notes"/>
+          <p:cNvPr id="136" name="Google Shape;136;g3baf4acbdf2_0_22:notes"/>
           <p:cNvSpPr txBox="1"/>
           <p:nvPr>
             <p:ph idx="1" type="body"/>
@@ -1663,7 +1669,7 @@
       </p:grpSpPr>
       <p:sp>
         <p:nvSpPr>
-          <p:cNvPr id="141" name="Google Shape;141;g3b8409de4d6_0_108:notes"/>
+          <p:cNvPr id="141" name="Google Shape;141;g3baf4acbdf2_0_32:notes"/>
           <p:cNvSpPr/>
           <p:nvPr>
             <p:ph idx="2" type="sldImg"/>
@@ -1708,7 +1714,7 @@
       </p:sp>
       <p:sp>
         <p:nvSpPr>
-          <p:cNvPr id="142" name="Google Shape;142;g3b8409de4d6_0_108:notes"/>
+          <p:cNvPr id="142" name="Google Shape;142;g3baf4acbdf2_0_32:notes"/>
           <p:cNvSpPr txBox="1"/>
           <p:nvPr>
             <p:ph idx="1" type="body"/>
@@ -1744,6 +1750,339 @@
                 <a:spcPts val="0"/>
               </a:spcAft>
               <a:buSzPts val="1400"/>
+              <a:buNone/>
+            </a:pPr>
+            <a:r>
+              <a:t/>
+            </a:r>
+            <a:endParaRPr/>
+          </a:p>
+        </p:txBody>
+      </p:sp>
+    </p:spTree>
+  </p:cSld>
+  <p:clrMapOvr>
+    <a:masterClrMapping/>
+  </p:clrMapOvr>
+</p:notes>
+</file>
+
+<file path=ppt/notesSlides/notesSlide17.xml><?xml version="1.0" encoding="utf-8"?>
+<p:notes xmlns:a="http://schemas.openxmlformats.org/drawingml/2006/main" xmlns:r="http://schemas.openxmlformats.org/officeDocument/2006/relationships" xmlns:mc="http://schemas.openxmlformats.org/markup-compatibility/2006" xmlns:mv="urn:schemas-microsoft-com:mac:vml" xmlns:p="http://schemas.openxmlformats.org/presentationml/2006/main" xmlns:c="http://schemas.openxmlformats.org/drawingml/2006/chart" xmlns:dgm="http://schemas.openxmlformats.org/drawingml/2006/diagram" xmlns:o="urn:schemas-microsoft-com:office:office" xmlns:v="urn:schemas-microsoft-com:vml" xmlns:pvml="urn:schemas-microsoft-com:office:powerpoint" xmlns:com="http://schemas.openxmlformats.org/drawingml/2006/compatibility" xmlns:p14="http://schemas.microsoft.com/office/powerpoint/2010/main" xmlns:p15="http://schemas.microsoft.com/office/powerpoint/2012/main" xmlns:ahyp="http://schemas.microsoft.com/office/drawing/2018/hyperlinkcolor" showMasterPhAnim="0" showMasterSp="0">
+  <p:cSld>
+    <p:spTree>
+      <p:nvGrpSpPr>
+        <p:cNvPr id="147" name="Shape 147"/>
+        <p:cNvGrpSpPr/>
+        <p:nvPr/>
+      </p:nvGrpSpPr>
+      <p:grpSpPr>
+        <a:xfrm>
+          <a:off x="0" y="0"/>
+          <a:ext cx="0" cy="0"/>
+          <a:chOff x="0" y="0"/>
+          <a:chExt cx="0" cy="0"/>
+        </a:xfrm>
+      </p:grpSpPr>
+      <p:sp>
+        <p:nvSpPr>
+          <p:cNvPr id="148" name="Google Shape;148;g3baf4acbdf2_0_40:notes"/>
+          <p:cNvSpPr/>
+          <p:nvPr>
+            <p:ph idx="2" type="sldImg"/>
+          </p:nvPr>
+        </p:nvSpPr>
+        <p:spPr>
+          <a:xfrm>
+            <a:off x="1143309" y="685800"/>
+            <a:ext cx="4572000" cy="3429000"/>
+          </a:xfrm>
+          <a:custGeom>
+            <a:rect b="b" l="l" r="r" t="t"/>
+            <a:pathLst>
+              <a:path extrusionOk="0" h="120000" w="120000">
+                <a:moveTo>
+                  <a:pt x="0" y="0"/>
+                </a:moveTo>
+                <a:lnTo>
+                  <a:pt x="120000" y="0"/>
+                </a:lnTo>
+                <a:lnTo>
+                  <a:pt x="120000" y="120000"/>
+                </a:lnTo>
+                <a:lnTo>
+                  <a:pt x="0" y="120000"/>
+                </a:lnTo>
+                <a:close/>
+              </a:path>
+            </a:pathLst>
+          </a:custGeom>
+          <a:noFill/>
+          <a:ln cap="flat" cmpd="sng" w="9525">
+            <a:solidFill>
+              <a:srgbClr val="000000"/>
+            </a:solidFill>
+            <a:prstDash val="solid"/>
+            <a:round/>
+            <a:headEnd len="sm" w="sm" type="none"/>
+            <a:tailEnd len="sm" w="sm" type="none"/>
+          </a:ln>
+        </p:spPr>
+      </p:sp>
+      <p:sp>
+        <p:nvSpPr>
+          <p:cNvPr id="149" name="Google Shape;149;g3baf4acbdf2_0_40:notes"/>
+          <p:cNvSpPr txBox="1"/>
+          <p:nvPr>
+            <p:ph idx="1" type="body"/>
+          </p:nvPr>
+        </p:nvSpPr>
+        <p:spPr>
+          <a:xfrm>
+            <a:off x="685800" y="4343400"/>
+            <a:ext cx="5486400" cy="4114800"/>
+          </a:xfrm>
+          <a:prstGeom prst="rect">
+            <a:avLst/>
+          </a:prstGeom>
+          <a:noFill/>
+          <a:ln>
+            <a:noFill/>
+          </a:ln>
+        </p:spPr>
+        <p:txBody>
+          <a:bodyPr anchorCtr="0" anchor="t" bIns="91425" lIns="91425" spcFirstLastPara="1" rIns="91425" wrap="square" tIns="91425">
+            <a:noAutofit/>
+          </a:bodyPr>
+          <a:lstStyle/>
+          <a:p>
+            <a:pPr indent="0" lvl="0" marL="0" rtl="0" algn="l">
+              <a:lnSpc>
+                <a:spcPct val="100000"/>
+              </a:lnSpc>
+              <a:spcBef>
+                <a:spcPts val="0"/>
+              </a:spcBef>
+              <a:spcAft>
+                <a:spcPts val="0"/>
+              </a:spcAft>
+              <a:buSzPts val="1400"/>
+              <a:buNone/>
+            </a:pPr>
+            <a:r>
+              <a:t/>
+            </a:r>
+            <a:endParaRPr/>
+          </a:p>
+        </p:txBody>
+      </p:sp>
+    </p:spTree>
+  </p:cSld>
+  <p:clrMapOvr>
+    <a:masterClrMapping/>
+  </p:clrMapOvr>
+</p:notes>
+</file>
+
+<file path=ppt/notesSlides/notesSlide18.xml><?xml version="1.0" encoding="utf-8"?>
+<p:notes xmlns:a="http://schemas.openxmlformats.org/drawingml/2006/main" xmlns:r="http://schemas.openxmlformats.org/officeDocument/2006/relationships" xmlns:mc="http://schemas.openxmlformats.org/markup-compatibility/2006" xmlns:mv="urn:schemas-microsoft-com:mac:vml" xmlns:p="http://schemas.openxmlformats.org/presentationml/2006/main" xmlns:c="http://schemas.openxmlformats.org/drawingml/2006/chart" xmlns:dgm="http://schemas.openxmlformats.org/drawingml/2006/diagram" xmlns:o="urn:schemas-microsoft-com:office:office" xmlns:v="urn:schemas-microsoft-com:vml" xmlns:pvml="urn:schemas-microsoft-com:office:powerpoint" xmlns:com="http://schemas.openxmlformats.org/drawingml/2006/compatibility" xmlns:p14="http://schemas.microsoft.com/office/powerpoint/2010/main" xmlns:p15="http://schemas.microsoft.com/office/powerpoint/2012/main" xmlns:ahyp="http://schemas.microsoft.com/office/drawing/2018/hyperlinkcolor" showMasterPhAnim="0" showMasterSp="0">
+  <p:cSld>
+    <p:spTree>
+      <p:nvGrpSpPr>
+        <p:cNvPr id="153" name="Shape 153"/>
+        <p:cNvGrpSpPr/>
+        <p:nvPr/>
+      </p:nvGrpSpPr>
+      <p:grpSpPr>
+        <a:xfrm>
+          <a:off x="0" y="0"/>
+          <a:ext cx="0" cy="0"/>
+          <a:chOff x="0" y="0"/>
+          <a:chExt cx="0" cy="0"/>
+        </a:xfrm>
+      </p:grpSpPr>
+      <p:sp>
+        <p:nvSpPr>
+          <p:cNvPr id="154" name="Google Shape;154;g3baf4acbdf2_0_49:notes"/>
+          <p:cNvSpPr/>
+          <p:nvPr>
+            <p:ph idx="2" type="sldImg"/>
+          </p:nvPr>
+        </p:nvSpPr>
+        <p:spPr>
+          <a:xfrm>
+            <a:off x="1143309" y="685800"/>
+            <a:ext cx="4572000" cy="3429000"/>
+          </a:xfrm>
+          <a:custGeom>
+            <a:rect b="b" l="l" r="r" t="t"/>
+            <a:pathLst>
+              <a:path extrusionOk="0" h="120000" w="120000">
+                <a:moveTo>
+                  <a:pt x="0" y="0"/>
+                </a:moveTo>
+                <a:lnTo>
+                  <a:pt x="120000" y="0"/>
+                </a:lnTo>
+                <a:lnTo>
+                  <a:pt x="120000" y="120000"/>
+                </a:lnTo>
+                <a:lnTo>
+                  <a:pt x="0" y="120000"/>
+                </a:lnTo>
+                <a:close/>
+              </a:path>
+            </a:pathLst>
+          </a:custGeom>
+          <a:noFill/>
+          <a:ln cap="flat" cmpd="sng" w="9525">
+            <a:solidFill>
+              <a:srgbClr val="000000"/>
+            </a:solidFill>
+            <a:prstDash val="solid"/>
+            <a:round/>
+            <a:headEnd len="sm" w="sm" type="none"/>
+            <a:tailEnd len="sm" w="sm" type="none"/>
+          </a:ln>
+        </p:spPr>
+      </p:sp>
+      <p:sp>
+        <p:nvSpPr>
+          <p:cNvPr id="155" name="Google Shape;155;g3baf4acbdf2_0_49:notes"/>
+          <p:cNvSpPr txBox="1"/>
+          <p:nvPr>
+            <p:ph idx="1" type="body"/>
+          </p:nvPr>
+        </p:nvSpPr>
+        <p:spPr>
+          <a:xfrm>
+            <a:off x="685800" y="4343400"/>
+            <a:ext cx="5486400" cy="4114800"/>
+          </a:xfrm>
+          <a:prstGeom prst="rect">
+            <a:avLst/>
+          </a:prstGeom>
+          <a:noFill/>
+          <a:ln>
+            <a:noFill/>
+          </a:ln>
+        </p:spPr>
+        <p:txBody>
+          <a:bodyPr anchorCtr="0" anchor="t" bIns="91425" lIns="91425" spcFirstLastPara="1" rIns="91425" wrap="square" tIns="91425">
+            <a:noAutofit/>
+          </a:bodyPr>
+          <a:lstStyle/>
+          <a:p>
+            <a:pPr indent="0" lvl="0" marL="0" rtl="0" algn="l">
+              <a:lnSpc>
+                <a:spcPct val="100000"/>
+              </a:lnSpc>
+              <a:spcBef>
+                <a:spcPts val="0"/>
+              </a:spcBef>
+              <a:spcAft>
+                <a:spcPts val="0"/>
+              </a:spcAft>
+              <a:buSzPts val="1400"/>
+              <a:buNone/>
+            </a:pPr>
+            <a:r>
+              <a:t/>
+            </a:r>
+            <a:endParaRPr/>
+          </a:p>
+        </p:txBody>
+      </p:sp>
+    </p:spTree>
+  </p:cSld>
+  <p:clrMapOvr>
+    <a:masterClrMapping/>
+  </p:clrMapOvr>
+</p:notes>
+</file>
+
+<file path=ppt/notesSlides/notesSlide19.xml><?xml version="1.0" encoding="utf-8"?>
+<p:notes xmlns:a="http://schemas.openxmlformats.org/drawingml/2006/main" xmlns:r="http://schemas.openxmlformats.org/officeDocument/2006/relationships" xmlns:mc="http://schemas.openxmlformats.org/markup-compatibility/2006" xmlns:mv="urn:schemas-microsoft-com:mac:vml" xmlns:p="http://schemas.openxmlformats.org/presentationml/2006/main" xmlns:c="http://schemas.openxmlformats.org/drawingml/2006/chart" xmlns:dgm="http://schemas.openxmlformats.org/drawingml/2006/diagram" xmlns:o="urn:schemas-microsoft-com:office:office" xmlns:v="urn:schemas-microsoft-com:vml" xmlns:pvml="urn:schemas-microsoft-com:office:powerpoint" xmlns:com="http://schemas.openxmlformats.org/drawingml/2006/compatibility" xmlns:p14="http://schemas.microsoft.com/office/powerpoint/2010/main" xmlns:p15="http://schemas.microsoft.com/office/powerpoint/2012/main" xmlns:ahyp="http://schemas.microsoft.com/office/drawing/2018/hyperlinkcolor" showMasterPhAnim="0" showMasterSp="0">
+  <p:cSld>
+    <p:spTree>
+      <p:nvGrpSpPr>
+        <p:cNvPr id="159" name="Shape 159"/>
+        <p:cNvGrpSpPr/>
+        <p:nvPr/>
+      </p:nvGrpSpPr>
+      <p:grpSpPr>
+        <a:xfrm>
+          <a:off x="0" y="0"/>
+          <a:ext cx="0" cy="0"/>
+          <a:chOff x="0" y="0"/>
+          <a:chExt cx="0" cy="0"/>
+        </a:xfrm>
+      </p:grpSpPr>
+      <p:sp>
+        <p:nvSpPr>
+          <p:cNvPr id="160" name="Google Shape;160;g3baf4acbdf2_0_65:notes"/>
+          <p:cNvSpPr/>
+          <p:nvPr>
+            <p:ph idx="2" type="sldImg"/>
+          </p:nvPr>
+        </p:nvSpPr>
+        <p:spPr>
+          <a:xfrm>
+            <a:off x="1143309" y="685800"/>
+            <a:ext cx="4572000" cy="3429000"/>
+          </a:xfrm>
+          <a:custGeom>
+            <a:rect b="b" l="l" r="r" t="t"/>
+            <a:pathLst>
+              <a:path extrusionOk="0" h="120000" w="120000">
+                <a:moveTo>
+                  <a:pt x="0" y="0"/>
+                </a:moveTo>
+                <a:lnTo>
+                  <a:pt x="120000" y="0"/>
+                </a:lnTo>
+                <a:lnTo>
+                  <a:pt x="120000" y="120000"/>
+                </a:lnTo>
+                <a:lnTo>
+                  <a:pt x="0" y="120000"/>
+                </a:lnTo>
+                <a:close/>
+              </a:path>
+            </a:pathLst>
+          </a:custGeom>
+        </p:spPr>
+      </p:sp>
+      <p:sp>
+        <p:nvSpPr>
+          <p:cNvPr id="161" name="Google Shape;161;g3baf4acbdf2_0_65:notes"/>
+          <p:cNvSpPr txBox="1"/>
+          <p:nvPr>
+            <p:ph idx="1" type="body"/>
+          </p:nvPr>
+        </p:nvSpPr>
+        <p:spPr>
+          <a:xfrm>
+            <a:off x="685800" y="4343400"/>
+            <a:ext cx="5486400" cy="4114800"/>
+          </a:xfrm>
+          <a:prstGeom prst="rect">
+            <a:avLst/>
+          </a:prstGeom>
+        </p:spPr>
+        <p:txBody>
+          <a:bodyPr anchorCtr="0" anchor="t" bIns="91425" lIns="91425" spcFirstLastPara="1" rIns="91425" wrap="square" tIns="91425">
+            <a:noAutofit/>
+          </a:bodyPr>
+          <a:lstStyle/>
+          <a:p>
+            <a:pPr indent="0" lvl="0" marL="0" rtl="0" algn="l">
+              <a:spcBef>
+                <a:spcPts val="0"/>
+              </a:spcBef>
+              <a:spcAft>
+                <a:spcPts val="0"/>
+              </a:spcAft>
               <a:buNone/>
             </a:pPr>
             <a:r>
@@ -1878,12 +2217,12 @@
 </p:notes>
 </file>
 
-<file path=ppt/notesSlides/notesSlide3.xml><?xml version="1.0" encoding="utf-8"?>
+<file path=ppt/notesSlides/notesSlide20.xml><?xml version="1.0" encoding="utf-8"?>
 <p:notes xmlns:a="http://schemas.openxmlformats.org/drawingml/2006/main" xmlns:r="http://schemas.openxmlformats.org/officeDocument/2006/relationships" xmlns:mc="http://schemas.openxmlformats.org/markup-compatibility/2006" xmlns:mv="urn:schemas-microsoft-com:mac:vml" xmlns:p="http://schemas.openxmlformats.org/presentationml/2006/main" xmlns:c="http://schemas.openxmlformats.org/drawingml/2006/chart" xmlns:dgm="http://schemas.openxmlformats.org/drawingml/2006/diagram" xmlns:o="urn:schemas-microsoft-com:office:office" xmlns:v="urn:schemas-microsoft-com:vml" xmlns:pvml="urn:schemas-microsoft-com:office:powerpoint" xmlns:com="http://schemas.openxmlformats.org/drawingml/2006/compatibility" xmlns:p14="http://schemas.microsoft.com/office/powerpoint/2010/main" xmlns:p15="http://schemas.microsoft.com/office/powerpoint/2012/main" xmlns:ahyp="http://schemas.microsoft.com/office/drawing/2018/hyperlinkcolor" showMasterPhAnim="0" showMasterSp="0">
   <p:cSld>
     <p:spTree>
       <p:nvGrpSpPr>
-        <p:cNvPr id="42" name="Shape 42"/>
+        <p:cNvPr id="165" name="Shape 165"/>
         <p:cNvGrpSpPr/>
         <p:nvPr/>
       </p:nvGrpSpPr>
@@ -1897,7 +2236,7 @@
       </p:grpSpPr>
       <p:sp>
         <p:nvSpPr>
-          <p:cNvPr id="43" name="Google Shape;43;g3b8409de4d6_0_84:notes"/>
+          <p:cNvPr id="166" name="Google Shape;166;g3b938ea6dd9_0_93:notes"/>
           <p:cNvSpPr/>
           <p:nvPr>
             <p:ph idx="2" type="sldImg"/>
@@ -1942,7 +2281,7 @@
       </p:sp>
       <p:sp>
         <p:nvSpPr>
-          <p:cNvPr id="44" name="Google Shape;44;g3b8409de4d6_0_84:notes"/>
+          <p:cNvPr id="167" name="Google Shape;167;g3b938ea6dd9_0_93:notes"/>
           <p:cNvSpPr txBox="1"/>
           <p:nvPr>
             <p:ph idx="1" type="body"/>
@@ -1995,12 +2334,12 @@
 </p:notes>
 </file>
 
-<file path=ppt/notesSlides/notesSlide4.xml><?xml version="1.0" encoding="utf-8"?>
+<file path=ppt/notesSlides/notesSlide21.xml><?xml version="1.0" encoding="utf-8"?>
 <p:notes xmlns:a="http://schemas.openxmlformats.org/drawingml/2006/main" xmlns:r="http://schemas.openxmlformats.org/officeDocument/2006/relationships" xmlns:mc="http://schemas.openxmlformats.org/markup-compatibility/2006" xmlns:mv="urn:schemas-microsoft-com:mac:vml" xmlns:p="http://schemas.openxmlformats.org/presentationml/2006/main" xmlns:c="http://schemas.openxmlformats.org/drawingml/2006/chart" xmlns:dgm="http://schemas.openxmlformats.org/drawingml/2006/diagram" xmlns:o="urn:schemas-microsoft-com:office:office" xmlns:v="urn:schemas-microsoft-com:vml" xmlns:pvml="urn:schemas-microsoft-com:office:powerpoint" xmlns:com="http://schemas.openxmlformats.org/drawingml/2006/compatibility" xmlns:p14="http://schemas.microsoft.com/office/powerpoint/2010/main" xmlns:p15="http://schemas.microsoft.com/office/powerpoint/2012/main" xmlns:ahyp="http://schemas.microsoft.com/office/drawing/2018/hyperlinkcolor" showMasterPhAnim="0" showMasterSp="0">
   <p:cSld>
     <p:spTree>
       <p:nvGrpSpPr>
-        <p:cNvPr id="48" name="Shape 48"/>
+        <p:cNvPr id="172" name="Shape 172"/>
         <p:cNvGrpSpPr/>
         <p:nvPr/>
       </p:nvGrpSpPr>
@@ -2014,7 +2353,7 @@
       </p:grpSpPr>
       <p:sp>
         <p:nvSpPr>
-          <p:cNvPr id="49" name="Google Shape;49;g3b938ea6dd9_0_50:notes"/>
+          <p:cNvPr id="173" name="Google Shape;173;g3b8409de4d6_0_118:notes"/>
           <p:cNvSpPr/>
           <p:nvPr>
             <p:ph idx="2" type="sldImg"/>
@@ -2059,7 +2398,7 @@
       </p:sp>
       <p:sp>
         <p:nvSpPr>
-          <p:cNvPr id="50" name="Google Shape;50;g3b938ea6dd9_0_50:notes"/>
+          <p:cNvPr id="174" name="Google Shape;174;g3b8409de4d6_0_118:notes"/>
           <p:cNvSpPr txBox="1"/>
           <p:nvPr>
             <p:ph idx="1" type="body"/>
@@ -2112,12 +2451,12 @@
 </p:notes>
 </file>
 
-<file path=ppt/notesSlides/notesSlide5.xml><?xml version="1.0" encoding="utf-8"?>
+<file path=ppt/notesSlides/notesSlide22.xml><?xml version="1.0" encoding="utf-8"?>
 <p:notes xmlns:a="http://schemas.openxmlformats.org/drawingml/2006/main" xmlns:r="http://schemas.openxmlformats.org/officeDocument/2006/relationships" xmlns:mc="http://schemas.openxmlformats.org/markup-compatibility/2006" xmlns:mv="urn:schemas-microsoft-com:mac:vml" xmlns:p="http://schemas.openxmlformats.org/presentationml/2006/main" xmlns:c="http://schemas.openxmlformats.org/drawingml/2006/chart" xmlns:dgm="http://schemas.openxmlformats.org/drawingml/2006/diagram" xmlns:o="urn:schemas-microsoft-com:office:office" xmlns:v="urn:schemas-microsoft-com:vml" xmlns:pvml="urn:schemas-microsoft-com:office:powerpoint" xmlns:com="http://schemas.openxmlformats.org/drawingml/2006/compatibility" xmlns:p14="http://schemas.microsoft.com/office/powerpoint/2010/main" xmlns:p15="http://schemas.microsoft.com/office/powerpoint/2012/main" xmlns:ahyp="http://schemas.microsoft.com/office/drawing/2018/hyperlinkcolor" showMasterPhAnim="0" showMasterSp="0">
   <p:cSld>
     <p:spTree>
       <p:nvGrpSpPr>
-        <p:cNvPr id="55" name="Shape 55"/>
+        <p:cNvPr id="181" name="Shape 181"/>
         <p:cNvGrpSpPr/>
         <p:nvPr/>
       </p:nvGrpSpPr>
@@ -2131,205 +2470,7 @@
       </p:grpSpPr>
       <p:sp>
         <p:nvSpPr>
-          <p:cNvPr id="56" name="Google Shape;56;g3baf4acbdf2_0_2:notes"/>
-          <p:cNvSpPr/>
-          <p:nvPr>
-            <p:ph idx="2" type="sldImg"/>
-          </p:nvPr>
-        </p:nvSpPr>
-        <p:spPr>
-          <a:xfrm>
-            <a:off x="1143309" y="685800"/>
-            <a:ext cx="4572000" cy="3429000"/>
-          </a:xfrm>
-          <a:custGeom>
-            <a:rect b="b" l="l" r="r" t="t"/>
-            <a:pathLst>
-              <a:path extrusionOk="0" h="120000" w="120000">
-                <a:moveTo>
-                  <a:pt x="0" y="0"/>
-                </a:moveTo>
-                <a:lnTo>
-                  <a:pt x="120000" y="0"/>
-                </a:lnTo>
-                <a:lnTo>
-                  <a:pt x="120000" y="120000"/>
-                </a:lnTo>
-                <a:lnTo>
-                  <a:pt x="0" y="120000"/>
-                </a:lnTo>
-                <a:close/>
-              </a:path>
-            </a:pathLst>
-          </a:custGeom>
-        </p:spPr>
-      </p:sp>
-      <p:sp>
-        <p:nvSpPr>
-          <p:cNvPr id="57" name="Google Shape;57;g3baf4acbdf2_0_2:notes"/>
-          <p:cNvSpPr txBox="1"/>
-          <p:nvPr>
-            <p:ph idx="1" type="body"/>
-          </p:nvPr>
-        </p:nvSpPr>
-        <p:spPr>
-          <a:xfrm>
-            <a:off x="685800" y="4343400"/>
-            <a:ext cx="5486400" cy="4114800"/>
-          </a:xfrm>
-          <a:prstGeom prst="rect">
-            <a:avLst/>
-          </a:prstGeom>
-        </p:spPr>
-        <p:txBody>
-          <a:bodyPr anchorCtr="0" anchor="t" bIns="91425" lIns="91425" spcFirstLastPara="1" rIns="91425" wrap="square" tIns="91425">
-            <a:noAutofit/>
-          </a:bodyPr>
-          <a:lstStyle/>
-          <a:p>
-            <a:pPr indent="0" lvl="0" marL="0" rtl="0" algn="l">
-              <a:spcBef>
-                <a:spcPts val="0"/>
-              </a:spcBef>
-              <a:spcAft>
-                <a:spcPts val="0"/>
-              </a:spcAft>
-              <a:buNone/>
-            </a:pPr>
-            <a:r>
-              <a:t/>
-            </a:r>
-            <a:endParaRPr/>
-          </a:p>
-        </p:txBody>
-      </p:sp>
-    </p:spTree>
-  </p:cSld>
-  <p:clrMapOvr>
-    <a:masterClrMapping/>
-  </p:clrMapOvr>
-</p:notes>
-</file>
-
-<file path=ppt/notesSlides/notesSlide6.xml><?xml version="1.0" encoding="utf-8"?>
-<p:notes xmlns:a="http://schemas.openxmlformats.org/drawingml/2006/main" xmlns:r="http://schemas.openxmlformats.org/officeDocument/2006/relationships" xmlns:mc="http://schemas.openxmlformats.org/markup-compatibility/2006" xmlns:mv="urn:schemas-microsoft-com:mac:vml" xmlns:p="http://schemas.openxmlformats.org/presentationml/2006/main" xmlns:c="http://schemas.openxmlformats.org/drawingml/2006/chart" xmlns:dgm="http://schemas.openxmlformats.org/drawingml/2006/diagram" xmlns:o="urn:schemas-microsoft-com:office:office" xmlns:v="urn:schemas-microsoft-com:vml" xmlns:pvml="urn:schemas-microsoft-com:office:powerpoint" xmlns:com="http://schemas.openxmlformats.org/drawingml/2006/compatibility" xmlns:p14="http://schemas.microsoft.com/office/powerpoint/2010/main" xmlns:p15="http://schemas.microsoft.com/office/powerpoint/2012/main" xmlns:ahyp="http://schemas.microsoft.com/office/drawing/2018/hyperlinkcolor" showMasterPhAnim="0" showMasterSp="0">
-  <p:cSld>
-    <p:spTree>
-      <p:nvGrpSpPr>
-        <p:cNvPr id="61" name="Shape 61"/>
-        <p:cNvGrpSpPr/>
-        <p:nvPr/>
-      </p:nvGrpSpPr>
-      <p:grpSpPr>
-        <a:xfrm>
-          <a:off x="0" y="0"/>
-          <a:ext cx="0" cy="0"/>
-          <a:chOff x="0" y="0"/>
-          <a:chExt cx="0" cy="0"/>
-        </a:xfrm>
-      </p:grpSpPr>
-      <p:sp>
-        <p:nvSpPr>
-          <p:cNvPr id="62" name="Google Shape;62;g3baf4acbdf2_0_7:notes"/>
-          <p:cNvSpPr/>
-          <p:nvPr>
-            <p:ph idx="2" type="sldImg"/>
-          </p:nvPr>
-        </p:nvSpPr>
-        <p:spPr>
-          <a:xfrm>
-            <a:off x="1143309" y="685800"/>
-            <a:ext cx="4572000" cy="3429000"/>
-          </a:xfrm>
-          <a:custGeom>
-            <a:rect b="b" l="l" r="r" t="t"/>
-            <a:pathLst>
-              <a:path extrusionOk="0" h="120000" w="120000">
-                <a:moveTo>
-                  <a:pt x="0" y="0"/>
-                </a:moveTo>
-                <a:lnTo>
-                  <a:pt x="120000" y="0"/>
-                </a:lnTo>
-                <a:lnTo>
-                  <a:pt x="120000" y="120000"/>
-                </a:lnTo>
-                <a:lnTo>
-                  <a:pt x="0" y="120000"/>
-                </a:lnTo>
-                <a:close/>
-              </a:path>
-            </a:pathLst>
-          </a:custGeom>
-        </p:spPr>
-      </p:sp>
-      <p:sp>
-        <p:nvSpPr>
-          <p:cNvPr id="63" name="Google Shape;63;g3baf4acbdf2_0_7:notes"/>
-          <p:cNvSpPr txBox="1"/>
-          <p:nvPr>
-            <p:ph idx="1" type="body"/>
-          </p:nvPr>
-        </p:nvSpPr>
-        <p:spPr>
-          <a:xfrm>
-            <a:off x="685800" y="4343400"/>
-            <a:ext cx="5486400" cy="4114800"/>
-          </a:xfrm>
-          <a:prstGeom prst="rect">
-            <a:avLst/>
-          </a:prstGeom>
-        </p:spPr>
-        <p:txBody>
-          <a:bodyPr anchorCtr="0" anchor="t" bIns="91425" lIns="91425" spcFirstLastPara="1" rIns="91425" wrap="square" tIns="91425">
-            <a:noAutofit/>
-          </a:bodyPr>
-          <a:lstStyle/>
-          <a:p>
-            <a:pPr indent="0" lvl="0" marL="0" rtl="0" algn="l">
-              <a:spcBef>
-                <a:spcPts val="0"/>
-              </a:spcBef>
-              <a:spcAft>
-                <a:spcPts val="0"/>
-              </a:spcAft>
-              <a:buNone/>
-            </a:pPr>
-            <a:r>
-              <a:t/>
-            </a:r>
-            <a:endParaRPr/>
-          </a:p>
-        </p:txBody>
-      </p:sp>
-    </p:spTree>
-  </p:cSld>
-  <p:clrMapOvr>
-    <a:masterClrMapping/>
-  </p:clrMapOvr>
-</p:notes>
-</file>
-
-<file path=ppt/notesSlides/notesSlide7.xml><?xml version="1.0" encoding="utf-8"?>
-<p:notes xmlns:a="http://schemas.openxmlformats.org/drawingml/2006/main" xmlns:r="http://schemas.openxmlformats.org/officeDocument/2006/relationships" xmlns:mc="http://schemas.openxmlformats.org/markup-compatibility/2006" xmlns:mv="urn:schemas-microsoft-com:mac:vml" xmlns:p="http://schemas.openxmlformats.org/presentationml/2006/main" xmlns:c="http://schemas.openxmlformats.org/drawingml/2006/chart" xmlns:dgm="http://schemas.openxmlformats.org/drawingml/2006/diagram" xmlns:o="urn:schemas-microsoft-com:office:office" xmlns:v="urn:schemas-microsoft-com:vml" xmlns:pvml="urn:schemas-microsoft-com:office:powerpoint" xmlns:com="http://schemas.openxmlformats.org/drawingml/2006/compatibility" xmlns:p14="http://schemas.microsoft.com/office/powerpoint/2010/main" xmlns:p15="http://schemas.microsoft.com/office/powerpoint/2012/main" xmlns:ahyp="http://schemas.microsoft.com/office/drawing/2018/hyperlinkcolor" showMasterPhAnim="0" showMasterSp="0">
-  <p:cSld>
-    <p:spTree>
-      <p:nvGrpSpPr>
-        <p:cNvPr id="67" name="Shape 67"/>
-        <p:cNvGrpSpPr/>
-        <p:nvPr/>
-      </p:nvGrpSpPr>
-      <p:grpSpPr>
-        <a:xfrm>
-          <a:off x="0" y="0"/>
-          <a:ext cx="0" cy="0"/>
-          <a:chOff x="0" y="0"/>
-          <a:chExt cx="0" cy="0"/>
-        </a:xfrm>
-      </p:grpSpPr>
-      <p:sp>
-        <p:nvSpPr>
-          <p:cNvPr id="68" name="Google Shape;68;p1:notes"/>
+          <p:cNvPr id="182" name="Google Shape;182;g3b8409de4d6_0_108:notes"/>
           <p:cNvSpPr/>
           <p:nvPr>
             <p:ph idx="2" type="sldImg"/>
@@ -2374,7 +2515,7 @@
       </p:sp>
       <p:sp>
         <p:nvSpPr>
-          <p:cNvPr id="69" name="Google Shape;69;p1:notes"/>
+          <p:cNvPr id="183" name="Google Shape;183;g3b8409de4d6_0_108:notes"/>
           <p:cNvSpPr txBox="1"/>
           <p:nvPr>
             <p:ph idx="1" type="body"/>
@@ -2427,12 +2568,12 @@
 </p:notes>
 </file>
 
-<file path=ppt/notesSlides/notesSlide8.xml><?xml version="1.0" encoding="utf-8"?>
+<file path=ppt/notesSlides/notesSlide3.xml><?xml version="1.0" encoding="utf-8"?>
 <p:notes xmlns:a="http://schemas.openxmlformats.org/drawingml/2006/main" xmlns:r="http://schemas.openxmlformats.org/officeDocument/2006/relationships" xmlns:mc="http://schemas.openxmlformats.org/markup-compatibility/2006" xmlns:mv="urn:schemas-microsoft-com:mac:vml" xmlns:p="http://schemas.openxmlformats.org/presentationml/2006/main" xmlns:c="http://schemas.openxmlformats.org/drawingml/2006/chart" xmlns:dgm="http://schemas.openxmlformats.org/drawingml/2006/diagram" xmlns:o="urn:schemas-microsoft-com:office:office" xmlns:v="urn:schemas-microsoft-com:vml" xmlns:pvml="urn:schemas-microsoft-com:office:powerpoint" xmlns:com="http://schemas.openxmlformats.org/drawingml/2006/compatibility" xmlns:p14="http://schemas.microsoft.com/office/powerpoint/2010/main" xmlns:p15="http://schemas.microsoft.com/office/powerpoint/2012/main" xmlns:ahyp="http://schemas.microsoft.com/office/drawing/2018/hyperlinkcolor" showMasterPhAnim="0" showMasterSp="0">
   <p:cSld>
     <p:spTree>
       <p:nvGrpSpPr>
-        <p:cNvPr id="72" name="Shape 72"/>
+        <p:cNvPr id="44" name="Shape 44"/>
         <p:cNvGrpSpPr/>
         <p:nvPr/>
       </p:nvGrpSpPr>
@@ -2446,7 +2587,7 @@
       </p:grpSpPr>
       <p:sp>
         <p:nvSpPr>
-          <p:cNvPr id="73" name="Google Shape;73;g3b938ea6dd9_0_26:notes"/>
+          <p:cNvPr id="45" name="Google Shape;45;g3b8409de4d6_0_84:notes"/>
           <p:cNvSpPr/>
           <p:nvPr>
             <p:ph idx="2" type="sldImg"/>
@@ -2491,7 +2632,7 @@
       </p:sp>
       <p:sp>
         <p:nvSpPr>
-          <p:cNvPr id="74" name="Google Shape;74;g3b938ea6dd9_0_26:notes"/>
+          <p:cNvPr id="46" name="Google Shape;46;g3b8409de4d6_0_84:notes"/>
           <p:cNvSpPr txBox="1"/>
           <p:nvPr>
             <p:ph idx="1" type="body"/>
@@ -2544,12 +2685,12 @@
 </p:notes>
 </file>
 
-<file path=ppt/notesSlides/notesSlide9.xml><?xml version="1.0" encoding="utf-8"?>
+<file path=ppt/notesSlides/notesSlide4.xml><?xml version="1.0" encoding="utf-8"?>
 <p:notes xmlns:a="http://schemas.openxmlformats.org/drawingml/2006/main" xmlns:r="http://schemas.openxmlformats.org/officeDocument/2006/relationships" xmlns:mc="http://schemas.openxmlformats.org/markup-compatibility/2006" xmlns:mv="urn:schemas-microsoft-com:mac:vml" xmlns:p="http://schemas.openxmlformats.org/presentationml/2006/main" xmlns:c="http://schemas.openxmlformats.org/drawingml/2006/chart" xmlns:dgm="http://schemas.openxmlformats.org/drawingml/2006/diagram" xmlns:o="urn:schemas-microsoft-com:office:office" xmlns:v="urn:schemas-microsoft-com:vml" xmlns:pvml="urn:schemas-microsoft-com:office:powerpoint" xmlns:com="http://schemas.openxmlformats.org/drawingml/2006/compatibility" xmlns:p14="http://schemas.microsoft.com/office/powerpoint/2010/main" xmlns:p15="http://schemas.microsoft.com/office/powerpoint/2012/main" xmlns:ahyp="http://schemas.microsoft.com/office/drawing/2018/hyperlinkcolor" showMasterPhAnim="0" showMasterSp="0">
   <p:cSld>
     <p:spTree>
       <p:nvGrpSpPr>
-        <p:cNvPr id="91" name="Shape 91"/>
+        <p:cNvPr id="50" name="Shape 50"/>
         <p:cNvGrpSpPr/>
         <p:nvPr/>
       </p:nvGrpSpPr>
@@ -2563,7 +2704,7 @@
       </p:grpSpPr>
       <p:sp>
         <p:nvSpPr>
-          <p:cNvPr id="92" name="Google Shape;92;g3ba79990f52_0_5:notes"/>
+          <p:cNvPr id="51" name="Google Shape;51;g3b938ea6dd9_0_50:notes"/>
           <p:cNvSpPr/>
           <p:nvPr>
             <p:ph idx="2" type="sldImg"/>
@@ -2608,7 +2749,556 @@
       </p:sp>
       <p:sp>
         <p:nvSpPr>
-          <p:cNvPr id="93" name="Google Shape;93;g3ba79990f52_0_5:notes"/>
+          <p:cNvPr id="52" name="Google Shape;52;g3b938ea6dd9_0_50:notes"/>
+          <p:cNvSpPr txBox="1"/>
+          <p:nvPr>
+            <p:ph idx="1" type="body"/>
+          </p:nvPr>
+        </p:nvSpPr>
+        <p:spPr>
+          <a:xfrm>
+            <a:off x="685800" y="4343400"/>
+            <a:ext cx="5486400" cy="4114800"/>
+          </a:xfrm>
+          <a:prstGeom prst="rect">
+            <a:avLst/>
+          </a:prstGeom>
+          <a:noFill/>
+          <a:ln>
+            <a:noFill/>
+          </a:ln>
+        </p:spPr>
+        <p:txBody>
+          <a:bodyPr anchorCtr="0" anchor="t" bIns="91425" lIns="91425" spcFirstLastPara="1" rIns="91425" wrap="square" tIns="91425">
+            <a:noAutofit/>
+          </a:bodyPr>
+          <a:lstStyle/>
+          <a:p>
+            <a:pPr indent="0" lvl="0" marL="0" rtl="0" algn="l">
+              <a:lnSpc>
+                <a:spcPct val="100000"/>
+              </a:lnSpc>
+              <a:spcBef>
+                <a:spcPts val="0"/>
+              </a:spcBef>
+              <a:spcAft>
+                <a:spcPts val="0"/>
+              </a:spcAft>
+              <a:buSzPts val="1400"/>
+              <a:buNone/>
+            </a:pPr>
+            <a:r>
+              <a:t/>
+            </a:r>
+            <a:endParaRPr/>
+          </a:p>
+        </p:txBody>
+      </p:sp>
+    </p:spTree>
+  </p:cSld>
+  <p:clrMapOvr>
+    <a:masterClrMapping/>
+  </p:clrMapOvr>
+</p:notes>
+</file>
+
+<file path=ppt/notesSlides/notesSlide5.xml><?xml version="1.0" encoding="utf-8"?>
+<p:notes xmlns:a="http://schemas.openxmlformats.org/drawingml/2006/main" xmlns:r="http://schemas.openxmlformats.org/officeDocument/2006/relationships" xmlns:mc="http://schemas.openxmlformats.org/markup-compatibility/2006" xmlns:mv="urn:schemas-microsoft-com:mac:vml" xmlns:p="http://schemas.openxmlformats.org/presentationml/2006/main" xmlns:c="http://schemas.openxmlformats.org/drawingml/2006/chart" xmlns:dgm="http://schemas.openxmlformats.org/drawingml/2006/diagram" xmlns:o="urn:schemas-microsoft-com:office:office" xmlns:v="urn:schemas-microsoft-com:vml" xmlns:pvml="urn:schemas-microsoft-com:office:powerpoint" xmlns:com="http://schemas.openxmlformats.org/drawingml/2006/compatibility" xmlns:p14="http://schemas.microsoft.com/office/powerpoint/2010/main" xmlns:p15="http://schemas.microsoft.com/office/powerpoint/2012/main" xmlns:ahyp="http://schemas.microsoft.com/office/drawing/2018/hyperlinkcolor" showMasterPhAnim="0" showMasterSp="0">
+  <p:cSld>
+    <p:spTree>
+      <p:nvGrpSpPr>
+        <p:cNvPr id="57" name="Shape 57"/>
+        <p:cNvGrpSpPr/>
+        <p:nvPr/>
+      </p:nvGrpSpPr>
+      <p:grpSpPr>
+        <a:xfrm>
+          <a:off x="0" y="0"/>
+          <a:ext cx="0" cy="0"/>
+          <a:chOff x="0" y="0"/>
+          <a:chExt cx="0" cy="0"/>
+        </a:xfrm>
+      </p:grpSpPr>
+      <p:sp>
+        <p:nvSpPr>
+          <p:cNvPr id="58" name="Google Shape;58;g3baf4acbdf2_0_54:notes"/>
+          <p:cNvSpPr/>
+          <p:nvPr>
+            <p:ph idx="2" type="sldImg"/>
+          </p:nvPr>
+        </p:nvSpPr>
+        <p:spPr>
+          <a:xfrm>
+            <a:off x="1143309" y="685800"/>
+            <a:ext cx="4572000" cy="3429000"/>
+          </a:xfrm>
+          <a:custGeom>
+            <a:rect b="b" l="l" r="r" t="t"/>
+            <a:pathLst>
+              <a:path extrusionOk="0" h="120000" w="120000">
+                <a:moveTo>
+                  <a:pt x="0" y="0"/>
+                </a:moveTo>
+                <a:lnTo>
+                  <a:pt x="120000" y="0"/>
+                </a:lnTo>
+                <a:lnTo>
+                  <a:pt x="120000" y="120000"/>
+                </a:lnTo>
+                <a:lnTo>
+                  <a:pt x="0" y="120000"/>
+                </a:lnTo>
+                <a:close/>
+              </a:path>
+            </a:pathLst>
+          </a:custGeom>
+          <a:noFill/>
+          <a:ln cap="flat" cmpd="sng" w="9525">
+            <a:solidFill>
+              <a:srgbClr val="000000"/>
+            </a:solidFill>
+            <a:prstDash val="solid"/>
+            <a:round/>
+            <a:headEnd len="sm" w="sm" type="none"/>
+            <a:tailEnd len="sm" w="sm" type="none"/>
+          </a:ln>
+        </p:spPr>
+      </p:sp>
+      <p:sp>
+        <p:nvSpPr>
+          <p:cNvPr id="59" name="Google Shape;59;g3baf4acbdf2_0_54:notes"/>
+          <p:cNvSpPr txBox="1"/>
+          <p:nvPr>
+            <p:ph idx="1" type="body"/>
+          </p:nvPr>
+        </p:nvSpPr>
+        <p:spPr>
+          <a:xfrm>
+            <a:off x="685800" y="4343400"/>
+            <a:ext cx="5486400" cy="4114800"/>
+          </a:xfrm>
+          <a:prstGeom prst="rect">
+            <a:avLst/>
+          </a:prstGeom>
+          <a:noFill/>
+          <a:ln>
+            <a:noFill/>
+          </a:ln>
+        </p:spPr>
+        <p:txBody>
+          <a:bodyPr anchorCtr="0" anchor="t" bIns="91425" lIns="91425" spcFirstLastPara="1" rIns="91425" wrap="square" tIns="91425">
+            <a:noAutofit/>
+          </a:bodyPr>
+          <a:lstStyle/>
+          <a:p>
+            <a:pPr indent="0" lvl="0" marL="0" rtl="0" algn="l">
+              <a:lnSpc>
+                <a:spcPct val="100000"/>
+              </a:lnSpc>
+              <a:spcBef>
+                <a:spcPts val="0"/>
+              </a:spcBef>
+              <a:spcAft>
+                <a:spcPts val="0"/>
+              </a:spcAft>
+              <a:buSzPts val="1400"/>
+              <a:buNone/>
+            </a:pPr>
+            <a:r>
+              <a:t/>
+            </a:r>
+            <a:endParaRPr/>
+          </a:p>
+        </p:txBody>
+      </p:sp>
+    </p:spTree>
+  </p:cSld>
+  <p:clrMapOvr>
+    <a:masterClrMapping/>
+  </p:clrMapOvr>
+</p:notes>
+</file>
+
+<file path=ppt/notesSlides/notesSlide6.xml><?xml version="1.0" encoding="utf-8"?>
+<p:notes xmlns:a="http://schemas.openxmlformats.org/drawingml/2006/main" xmlns:r="http://schemas.openxmlformats.org/officeDocument/2006/relationships" xmlns:mc="http://schemas.openxmlformats.org/markup-compatibility/2006" xmlns:mv="urn:schemas-microsoft-com:mac:vml" xmlns:p="http://schemas.openxmlformats.org/presentationml/2006/main" xmlns:c="http://schemas.openxmlformats.org/drawingml/2006/chart" xmlns:dgm="http://schemas.openxmlformats.org/drawingml/2006/diagram" xmlns:o="urn:schemas-microsoft-com:office:office" xmlns:v="urn:schemas-microsoft-com:vml" xmlns:pvml="urn:schemas-microsoft-com:office:powerpoint" xmlns:com="http://schemas.openxmlformats.org/drawingml/2006/compatibility" xmlns:p14="http://schemas.microsoft.com/office/powerpoint/2010/main" xmlns:p15="http://schemas.microsoft.com/office/powerpoint/2012/main" xmlns:ahyp="http://schemas.microsoft.com/office/drawing/2018/hyperlinkcolor" showMasterPhAnim="0" showMasterSp="0">
+  <p:cSld>
+    <p:spTree>
+      <p:nvGrpSpPr>
+        <p:cNvPr id="64" name="Shape 64"/>
+        <p:cNvGrpSpPr/>
+        <p:nvPr/>
+      </p:nvGrpSpPr>
+      <p:grpSpPr>
+        <a:xfrm>
+          <a:off x="0" y="0"/>
+          <a:ext cx="0" cy="0"/>
+          <a:chOff x="0" y="0"/>
+          <a:chExt cx="0" cy="0"/>
+        </a:xfrm>
+      </p:grpSpPr>
+      <p:sp>
+        <p:nvSpPr>
+          <p:cNvPr id="65" name="Google Shape;65;g3baf4acbdf2_0_2:notes"/>
+          <p:cNvSpPr/>
+          <p:nvPr>
+            <p:ph idx="2" type="sldImg"/>
+          </p:nvPr>
+        </p:nvSpPr>
+        <p:spPr>
+          <a:xfrm>
+            <a:off x="1143309" y="685800"/>
+            <a:ext cx="4572000" cy="3429000"/>
+          </a:xfrm>
+          <a:custGeom>
+            <a:rect b="b" l="l" r="r" t="t"/>
+            <a:pathLst>
+              <a:path extrusionOk="0" h="120000" w="120000">
+                <a:moveTo>
+                  <a:pt x="0" y="0"/>
+                </a:moveTo>
+                <a:lnTo>
+                  <a:pt x="120000" y="0"/>
+                </a:lnTo>
+                <a:lnTo>
+                  <a:pt x="120000" y="120000"/>
+                </a:lnTo>
+                <a:lnTo>
+                  <a:pt x="0" y="120000"/>
+                </a:lnTo>
+                <a:close/>
+              </a:path>
+            </a:pathLst>
+          </a:custGeom>
+        </p:spPr>
+      </p:sp>
+      <p:sp>
+        <p:nvSpPr>
+          <p:cNvPr id="66" name="Google Shape;66;g3baf4acbdf2_0_2:notes"/>
+          <p:cNvSpPr txBox="1"/>
+          <p:nvPr>
+            <p:ph idx="1" type="body"/>
+          </p:nvPr>
+        </p:nvSpPr>
+        <p:spPr>
+          <a:xfrm>
+            <a:off x="685800" y="4343400"/>
+            <a:ext cx="5486400" cy="4114800"/>
+          </a:xfrm>
+          <a:prstGeom prst="rect">
+            <a:avLst/>
+          </a:prstGeom>
+        </p:spPr>
+        <p:txBody>
+          <a:bodyPr anchorCtr="0" anchor="t" bIns="91425" lIns="91425" spcFirstLastPara="1" rIns="91425" wrap="square" tIns="91425">
+            <a:noAutofit/>
+          </a:bodyPr>
+          <a:lstStyle/>
+          <a:p>
+            <a:pPr indent="0" lvl="0" marL="0" rtl="0" algn="l">
+              <a:spcBef>
+                <a:spcPts val="0"/>
+              </a:spcBef>
+              <a:spcAft>
+                <a:spcPts val="0"/>
+              </a:spcAft>
+              <a:buNone/>
+            </a:pPr>
+            <a:r>
+              <a:t/>
+            </a:r>
+            <a:endParaRPr/>
+          </a:p>
+        </p:txBody>
+      </p:sp>
+    </p:spTree>
+  </p:cSld>
+  <p:clrMapOvr>
+    <a:masterClrMapping/>
+  </p:clrMapOvr>
+</p:notes>
+</file>
+
+<file path=ppt/notesSlides/notesSlide7.xml><?xml version="1.0" encoding="utf-8"?>
+<p:notes xmlns:a="http://schemas.openxmlformats.org/drawingml/2006/main" xmlns:r="http://schemas.openxmlformats.org/officeDocument/2006/relationships" xmlns:mc="http://schemas.openxmlformats.org/markup-compatibility/2006" xmlns:mv="urn:schemas-microsoft-com:mac:vml" xmlns:p="http://schemas.openxmlformats.org/presentationml/2006/main" xmlns:c="http://schemas.openxmlformats.org/drawingml/2006/chart" xmlns:dgm="http://schemas.openxmlformats.org/drawingml/2006/diagram" xmlns:o="urn:schemas-microsoft-com:office:office" xmlns:v="urn:schemas-microsoft-com:vml" xmlns:pvml="urn:schemas-microsoft-com:office:powerpoint" xmlns:com="http://schemas.openxmlformats.org/drawingml/2006/compatibility" xmlns:p14="http://schemas.microsoft.com/office/powerpoint/2010/main" xmlns:p15="http://schemas.microsoft.com/office/powerpoint/2012/main" xmlns:ahyp="http://schemas.microsoft.com/office/drawing/2018/hyperlinkcolor" showMasterPhAnim="0" showMasterSp="0">
+  <p:cSld>
+    <p:spTree>
+      <p:nvGrpSpPr>
+        <p:cNvPr id="70" name="Shape 70"/>
+        <p:cNvGrpSpPr/>
+        <p:nvPr/>
+      </p:nvGrpSpPr>
+      <p:grpSpPr>
+        <a:xfrm>
+          <a:off x="0" y="0"/>
+          <a:ext cx="0" cy="0"/>
+          <a:chOff x="0" y="0"/>
+          <a:chExt cx="0" cy="0"/>
+        </a:xfrm>
+      </p:grpSpPr>
+      <p:sp>
+        <p:nvSpPr>
+          <p:cNvPr id="71" name="Google Shape;71;g3baf4acbdf2_0_7:notes"/>
+          <p:cNvSpPr/>
+          <p:nvPr>
+            <p:ph idx="2" type="sldImg"/>
+          </p:nvPr>
+        </p:nvSpPr>
+        <p:spPr>
+          <a:xfrm>
+            <a:off x="1143309" y="685800"/>
+            <a:ext cx="4572000" cy="3429000"/>
+          </a:xfrm>
+          <a:custGeom>
+            <a:rect b="b" l="l" r="r" t="t"/>
+            <a:pathLst>
+              <a:path extrusionOk="0" h="120000" w="120000">
+                <a:moveTo>
+                  <a:pt x="0" y="0"/>
+                </a:moveTo>
+                <a:lnTo>
+                  <a:pt x="120000" y="0"/>
+                </a:lnTo>
+                <a:lnTo>
+                  <a:pt x="120000" y="120000"/>
+                </a:lnTo>
+                <a:lnTo>
+                  <a:pt x="0" y="120000"/>
+                </a:lnTo>
+                <a:close/>
+              </a:path>
+            </a:pathLst>
+          </a:custGeom>
+        </p:spPr>
+      </p:sp>
+      <p:sp>
+        <p:nvSpPr>
+          <p:cNvPr id="72" name="Google Shape;72;g3baf4acbdf2_0_7:notes"/>
+          <p:cNvSpPr txBox="1"/>
+          <p:nvPr>
+            <p:ph idx="1" type="body"/>
+          </p:nvPr>
+        </p:nvSpPr>
+        <p:spPr>
+          <a:xfrm>
+            <a:off x="685800" y="4343400"/>
+            <a:ext cx="5486400" cy="4114800"/>
+          </a:xfrm>
+          <a:prstGeom prst="rect">
+            <a:avLst/>
+          </a:prstGeom>
+        </p:spPr>
+        <p:txBody>
+          <a:bodyPr anchorCtr="0" anchor="t" bIns="91425" lIns="91425" spcFirstLastPara="1" rIns="91425" wrap="square" tIns="91425">
+            <a:noAutofit/>
+          </a:bodyPr>
+          <a:lstStyle/>
+          <a:p>
+            <a:pPr indent="0" lvl="0" marL="0" rtl="0" algn="l">
+              <a:spcBef>
+                <a:spcPts val="0"/>
+              </a:spcBef>
+              <a:spcAft>
+                <a:spcPts val="0"/>
+              </a:spcAft>
+              <a:buNone/>
+            </a:pPr>
+            <a:r>
+              <a:t/>
+            </a:r>
+            <a:endParaRPr/>
+          </a:p>
+        </p:txBody>
+      </p:sp>
+    </p:spTree>
+  </p:cSld>
+  <p:clrMapOvr>
+    <a:masterClrMapping/>
+  </p:clrMapOvr>
+</p:notes>
+</file>
+
+<file path=ppt/notesSlides/notesSlide8.xml><?xml version="1.0" encoding="utf-8"?>
+<p:notes xmlns:a="http://schemas.openxmlformats.org/drawingml/2006/main" xmlns:r="http://schemas.openxmlformats.org/officeDocument/2006/relationships" xmlns:mc="http://schemas.openxmlformats.org/markup-compatibility/2006" xmlns:mv="urn:schemas-microsoft-com:mac:vml" xmlns:p="http://schemas.openxmlformats.org/presentationml/2006/main" xmlns:c="http://schemas.openxmlformats.org/drawingml/2006/chart" xmlns:dgm="http://schemas.openxmlformats.org/drawingml/2006/diagram" xmlns:o="urn:schemas-microsoft-com:office:office" xmlns:v="urn:schemas-microsoft-com:vml" xmlns:pvml="urn:schemas-microsoft-com:office:powerpoint" xmlns:com="http://schemas.openxmlformats.org/drawingml/2006/compatibility" xmlns:p14="http://schemas.microsoft.com/office/powerpoint/2010/main" xmlns:p15="http://schemas.microsoft.com/office/powerpoint/2012/main" xmlns:ahyp="http://schemas.microsoft.com/office/drawing/2018/hyperlinkcolor" showMasterPhAnim="0" showMasterSp="0">
+  <p:cSld>
+    <p:spTree>
+      <p:nvGrpSpPr>
+        <p:cNvPr id="76" name="Shape 76"/>
+        <p:cNvGrpSpPr/>
+        <p:nvPr/>
+      </p:nvGrpSpPr>
+      <p:grpSpPr>
+        <a:xfrm>
+          <a:off x="0" y="0"/>
+          <a:ext cx="0" cy="0"/>
+          <a:chOff x="0" y="0"/>
+          <a:chExt cx="0" cy="0"/>
+        </a:xfrm>
+      </p:grpSpPr>
+      <p:sp>
+        <p:nvSpPr>
+          <p:cNvPr id="77" name="Google Shape;77;p1:notes"/>
+          <p:cNvSpPr/>
+          <p:nvPr>
+            <p:ph idx="2" type="sldImg"/>
+          </p:nvPr>
+        </p:nvSpPr>
+        <p:spPr>
+          <a:xfrm>
+            <a:off x="1143309" y="685800"/>
+            <a:ext cx="4572000" cy="3429000"/>
+          </a:xfrm>
+          <a:custGeom>
+            <a:rect b="b" l="l" r="r" t="t"/>
+            <a:pathLst>
+              <a:path extrusionOk="0" h="120000" w="120000">
+                <a:moveTo>
+                  <a:pt x="0" y="0"/>
+                </a:moveTo>
+                <a:lnTo>
+                  <a:pt x="120000" y="0"/>
+                </a:lnTo>
+                <a:lnTo>
+                  <a:pt x="120000" y="120000"/>
+                </a:lnTo>
+                <a:lnTo>
+                  <a:pt x="0" y="120000"/>
+                </a:lnTo>
+                <a:close/>
+              </a:path>
+            </a:pathLst>
+          </a:custGeom>
+          <a:noFill/>
+          <a:ln cap="flat" cmpd="sng" w="9525">
+            <a:solidFill>
+              <a:srgbClr val="000000"/>
+            </a:solidFill>
+            <a:prstDash val="solid"/>
+            <a:round/>
+            <a:headEnd len="sm" w="sm" type="none"/>
+            <a:tailEnd len="sm" w="sm" type="none"/>
+          </a:ln>
+        </p:spPr>
+      </p:sp>
+      <p:sp>
+        <p:nvSpPr>
+          <p:cNvPr id="78" name="Google Shape;78;p1:notes"/>
+          <p:cNvSpPr txBox="1"/>
+          <p:nvPr>
+            <p:ph idx="1" type="body"/>
+          </p:nvPr>
+        </p:nvSpPr>
+        <p:spPr>
+          <a:xfrm>
+            <a:off x="685800" y="4343400"/>
+            <a:ext cx="5486400" cy="4114800"/>
+          </a:xfrm>
+          <a:prstGeom prst="rect">
+            <a:avLst/>
+          </a:prstGeom>
+          <a:noFill/>
+          <a:ln>
+            <a:noFill/>
+          </a:ln>
+        </p:spPr>
+        <p:txBody>
+          <a:bodyPr anchorCtr="0" anchor="t" bIns="91425" lIns="91425" spcFirstLastPara="1" rIns="91425" wrap="square" tIns="91425">
+            <a:noAutofit/>
+          </a:bodyPr>
+          <a:lstStyle/>
+          <a:p>
+            <a:pPr indent="0" lvl="0" marL="0" rtl="0" algn="l">
+              <a:lnSpc>
+                <a:spcPct val="100000"/>
+              </a:lnSpc>
+              <a:spcBef>
+                <a:spcPts val="0"/>
+              </a:spcBef>
+              <a:spcAft>
+                <a:spcPts val="0"/>
+              </a:spcAft>
+              <a:buSzPts val="1400"/>
+              <a:buNone/>
+            </a:pPr>
+            <a:r>
+              <a:t/>
+            </a:r>
+            <a:endParaRPr/>
+          </a:p>
+        </p:txBody>
+      </p:sp>
+    </p:spTree>
+  </p:cSld>
+  <p:clrMapOvr>
+    <a:masterClrMapping/>
+  </p:clrMapOvr>
+</p:notes>
+</file>
+
+<file path=ppt/notesSlides/notesSlide9.xml><?xml version="1.0" encoding="utf-8"?>
+<p:notes xmlns:a="http://schemas.openxmlformats.org/drawingml/2006/main" xmlns:r="http://schemas.openxmlformats.org/officeDocument/2006/relationships" xmlns:mc="http://schemas.openxmlformats.org/markup-compatibility/2006" xmlns:mv="urn:schemas-microsoft-com:mac:vml" xmlns:p="http://schemas.openxmlformats.org/presentationml/2006/main" xmlns:c="http://schemas.openxmlformats.org/drawingml/2006/chart" xmlns:dgm="http://schemas.openxmlformats.org/drawingml/2006/diagram" xmlns:o="urn:schemas-microsoft-com:office:office" xmlns:v="urn:schemas-microsoft-com:vml" xmlns:pvml="urn:schemas-microsoft-com:office:powerpoint" xmlns:com="http://schemas.openxmlformats.org/drawingml/2006/compatibility" xmlns:p14="http://schemas.microsoft.com/office/powerpoint/2010/main" xmlns:p15="http://schemas.microsoft.com/office/powerpoint/2012/main" xmlns:ahyp="http://schemas.microsoft.com/office/drawing/2018/hyperlinkcolor" showMasterPhAnim="0" showMasterSp="0">
+  <p:cSld>
+    <p:spTree>
+      <p:nvGrpSpPr>
+        <p:cNvPr id="81" name="Shape 81"/>
+        <p:cNvGrpSpPr/>
+        <p:nvPr/>
+      </p:nvGrpSpPr>
+      <p:grpSpPr>
+        <a:xfrm>
+          <a:off x="0" y="0"/>
+          <a:ext cx="0" cy="0"/>
+          <a:chOff x="0" y="0"/>
+          <a:chExt cx="0" cy="0"/>
+        </a:xfrm>
+      </p:grpSpPr>
+      <p:sp>
+        <p:nvSpPr>
+          <p:cNvPr id="82" name="Google Shape;82;g3b938ea6dd9_0_26:notes"/>
+          <p:cNvSpPr/>
+          <p:nvPr>
+            <p:ph idx="2" type="sldImg"/>
+          </p:nvPr>
+        </p:nvSpPr>
+        <p:spPr>
+          <a:xfrm>
+            <a:off x="1143309" y="685800"/>
+            <a:ext cx="4572000" cy="3429000"/>
+          </a:xfrm>
+          <a:custGeom>
+            <a:rect b="b" l="l" r="r" t="t"/>
+            <a:pathLst>
+              <a:path extrusionOk="0" h="120000" w="120000">
+                <a:moveTo>
+                  <a:pt x="0" y="0"/>
+                </a:moveTo>
+                <a:lnTo>
+                  <a:pt x="120000" y="0"/>
+                </a:lnTo>
+                <a:lnTo>
+                  <a:pt x="120000" y="120000"/>
+                </a:lnTo>
+                <a:lnTo>
+                  <a:pt x="0" y="120000"/>
+                </a:lnTo>
+                <a:close/>
+              </a:path>
+            </a:pathLst>
+          </a:custGeom>
+          <a:noFill/>
+          <a:ln cap="flat" cmpd="sng" w="9525">
+            <a:solidFill>
+              <a:srgbClr val="000000"/>
+            </a:solidFill>
+            <a:prstDash val="solid"/>
+            <a:round/>
+            <a:headEnd len="sm" w="sm" type="none"/>
+            <a:tailEnd len="sm" w="sm" type="none"/>
+          </a:ln>
+        </p:spPr>
+      </p:sp>
+      <p:sp>
+        <p:nvSpPr>
+          <p:cNvPr id="83" name="Google Shape;83;g3b938ea6dd9_0_26:notes"/>
           <p:cNvSpPr txBox="1"/>
           <p:nvPr>
             <p:ph idx="1" type="body"/>
@@ -7673,7 +8363,28 @@
                 <a:cs typeface="Consolas"/>
                 <a:sym typeface="Consolas"/>
               </a:rPr>
-              <a:t>(char_counter(</a:t>
+              <a:t>(</a:t>
+            </a:r>
+            <a:r>
+              <a:rPr b="1" lang="en">
+                <a:solidFill>
+                  <a:srgbClr val="5AABBC"/>
+                </a:solidFill>
+                <a:latin typeface="Consolas"/>
+                <a:ea typeface="Consolas"/>
+                <a:cs typeface="Consolas"/>
+                <a:sym typeface="Consolas"/>
+              </a:rPr>
+              <a:t>char_counter</a:t>
+            </a:r>
+            <a:r>
+              <a:rPr lang="en">
+                <a:latin typeface="Consolas"/>
+                <a:ea typeface="Consolas"/>
+                <a:cs typeface="Consolas"/>
+                <a:sym typeface="Consolas"/>
+              </a:rPr>
+              <a:t>(</a:t>
             </a:r>
             <a:r>
               <a:rPr b="1" lang="en">
@@ -8000,7 +8711,7 @@
   <p:cSld>
     <p:spTree>
       <p:nvGrpSpPr>
-        <p:cNvPr id="100" name="Shape 100"/>
+        <p:cNvPr id="103" name="Shape 103"/>
         <p:cNvGrpSpPr/>
         <p:nvPr/>
       </p:nvGrpSpPr>
@@ -8014,7 +8725,7 @@
       </p:grpSpPr>
       <p:sp>
         <p:nvSpPr>
-          <p:cNvPr id="101" name="Google Shape;101;g3b938ea6dd9_0_16"/>
+          <p:cNvPr id="104" name="Google Shape;104;g3ba79990f52_0_5"/>
           <p:cNvSpPr txBox="1"/>
           <p:nvPr>
             <p:ph type="title"/>
@@ -8054,6 +8765,107 @@
             </a:pPr>
             <a:r>
               <a:rPr lang="en"/>
+              <a:t>Last Class - Tokenization 01</a:t>
+            </a:r>
+            <a:endParaRPr/>
+          </a:p>
+        </p:txBody>
+      </p:sp>
+      <p:pic>
+        <p:nvPicPr>
+          <p:cNvPr id="105" name="Google Shape;105;g3ba79990f52_0_5"/>
+          <p:cNvPicPr preferRelativeResize="0"/>
+          <p:nvPr/>
+        </p:nvPicPr>
+        <p:blipFill>
+          <a:blip r:embed="rId3">
+            <a:alphaModFix/>
+          </a:blip>
+          <a:stretch>
+            <a:fillRect/>
+          </a:stretch>
+        </p:blipFill>
+        <p:spPr>
+          <a:xfrm>
+            <a:off x="152400" y="1696538"/>
+            <a:ext cx="8839200" cy="3464901"/>
+          </a:xfrm>
+          <a:prstGeom prst="rect">
+            <a:avLst/>
+          </a:prstGeom>
+          <a:noFill/>
+          <a:ln>
+            <a:noFill/>
+          </a:ln>
+        </p:spPr>
+      </p:pic>
+    </p:spTree>
+  </p:cSld>
+  <p:clrMapOvr>
+    <a:masterClrMapping/>
+  </p:clrMapOvr>
+</p:sld>
+</file>
+
+<file path=ppt/slides/slide11.xml><?xml version="1.0" encoding="utf-8"?>
+<p:sld xmlns:a="http://schemas.openxmlformats.org/drawingml/2006/main" xmlns:r="http://schemas.openxmlformats.org/officeDocument/2006/relationships" xmlns:mc="http://schemas.openxmlformats.org/markup-compatibility/2006" xmlns:mv="urn:schemas-microsoft-com:mac:vml" xmlns:p="http://schemas.openxmlformats.org/presentationml/2006/main" xmlns:c="http://schemas.openxmlformats.org/drawingml/2006/chart" xmlns:dgm="http://schemas.openxmlformats.org/drawingml/2006/diagram" xmlns:o="urn:schemas-microsoft-com:office:office" xmlns:v="urn:schemas-microsoft-com:vml" xmlns:pvml="urn:schemas-microsoft-com:office:powerpoint" xmlns:com="http://schemas.openxmlformats.org/drawingml/2006/compatibility" xmlns:p14="http://schemas.microsoft.com/office/powerpoint/2010/main" xmlns:p15="http://schemas.microsoft.com/office/powerpoint/2012/main" xmlns:ahyp="http://schemas.microsoft.com/office/drawing/2018/hyperlinkcolor">
+  <p:cSld>
+    <p:spTree>
+      <p:nvGrpSpPr>
+        <p:cNvPr id="109" name="Shape 109"/>
+        <p:cNvGrpSpPr/>
+        <p:nvPr/>
+      </p:nvGrpSpPr>
+      <p:grpSpPr>
+        <a:xfrm>
+          <a:off x="0" y="0"/>
+          <a:ext cx="0" cy="0"/>
+          <a:chOff x="0" y="0"/>
+          <a:chExt cx="0" cy="0"/>
+        </a:xfrm>
+      </p:grpSpPr>
+      <p:sp>
+        <p:nvSpPr>
+          <p:cNvPr id="110" name="Google Shape;110;g3b938ea6dd9_0_16"/>
+          <p:cNvSpPr txBox="1"/>
+          <p:nvPr>
+            <p:ph type="title"/>
+          </p:nvPr>
+        </p:nvSpPr>
+        <p:spPr>
+          <a:xfrm>
+            <a:off x="457200" y="274638"/>
+            <a:ext cx="8229600" cy="1143000"/>
+          </a:xfrm>
+          <a:prstGeom prst="rect">
+            <a:avLst/>
+          </a:prstGeom>
+          <a:noFill/>
+          <a:ln>
+            <a:noFill/>
+          </a:ln>
+        </p:spPr>
+        <p:txBody>
+          <a:bodyPr anchorCtr="0" anchor="b" bIns="91425" lIns="91425" spcFirstLastPara="1" rIns="91425" wrap="square" tIns="91425">
+            <a:noAutofit/>
+          </a:bodyPr>
+          <a:lstStyle/>
+          <a:p>
+            <a:pPr indent="0" lvl="0" marL="0" rtl="0" algn="l">
+              <a:lnSpc>
+                <a:spcPct val="100000"/>
+              </a:lnSpc>
+              <a:spcBef>
+                <a:spcPts val="0"/>
+              </a:spcBef>
+              <a:spcAft>
+                <a:spcPts val="0"/>
+              </a:spcAft>
+              <a:buSzPts val="3600"/>
+              <a:buNone/>
+            </a:pPr>
+            <a:r>
+              <a:rPr lang="en"/>
               <a:t>Why do we Tokenize?</a:t>
             </a:r>
             <a:endParaRPr/>
@@ -8062,7 +8874,7 @@
       </p:sp>
       <p:sp>
         <p:nvSpPr>
-          <p:cNvPr id="102" name="Google Shape;102;g3b938ea6dd9_0_16"/>
+          <p:cNvPr id="111" name="Google Shape;111;g3b938ea6dd9_0_16"/>
           <p:cNvSpPr txBox="1"/>
           <p:nvPr>
             <p:ph idx="1" type="body"/>
@@ -8268,12 +9080,12 @@
 </p:sld>
 </file>
 
-<file path=ppt/slides/slide11.xml><?xml version="1.0" encoding="utf-8"?>
+<file path=ppt/slides/slide12.xml><?xml version="1.0" encoding="utf-8"?>
 <p:sld xmlns:a="http://schemas.openxmlformats.org/drawingml/2006/main" xmlns:r="http://schemas.openxmlformats.org/officeDocument/2006/relationships" xmlns:mc="http://schemas.openxmlformats.org/markup-compatibility/2006" xmlns:mv="urn:schemas-microsoft-com:mac:vml" xmlns:p="http://schemas.openxmlformats.org/presentationml/2006/main" xmlns:c="http://schemas.openxmlformats.org/drawingml/2006/chart" xmlns:dgm="http://schemas.openxmlformats.org/drawingml/2006/diagram" xmlns:o="urn:schemas-microsoft-com:office:office" xmlns:v="urn:schemas-microsoft-com:vml" xmlns:pvml="urn:schemas-microsoft-com:office:powerpoint" xmlns:com="http://schemas.openxmlformats.org/drawingml/2006/compatibility" xmlns:p14="http://schemas.microsoft.com/office/powerpoint/2010/main" xmlns:p15="http://schemas.microsoft.com/office/powerpoint/2012/main" xmlns:ahyp="http://schemas.microsoft.com/office/drawing/2018/hyperlinkcolor">
   <p:cSld>
     <p:spTree>
       <p:nvGrpSpPr>
-        <p:cNvPr id="106" name="Shape 106"/>
+        <p:cNvPr id="115" name="Shape 115"/>
         <p:cNvGrpSpPr/>
         <p:nvPr/>
       </p:nvGrpSpPr>
@@ -8287,7 +9099,7 @@
       </p:grpSpPr>
       <p:sp>
         <p:nvSpPr>
-          <p:cNvPr id="107" name="Google Shape;107;g3b938ea6dd9_0_68"/>
+          <p:cNvPr id="116" name="Google Shape;116;g3baf4acbdf2_0_27"/>
           <p:cNvSpPr txBox="1"/>
           <p:nvPr>
             <p:ph type="title"/>
@@ -8339,7 +9151,7 @@
       </p:sp>
       <p:pic>
         <p:nvPicPr>
-          <p:cNvPr id="108" name="Google Shape;108;g3b938ea6dd9_0_68"/>
+          <p:cNvPr id="117" name="Google Shape;117;g3baf4acbdf2_0_27"/>
           <p:cNvPicPr preferRelativeResize="0"/>
           <p:nvPr/>
         </p:nvPicPr>
@@ -8372,12 +9184,12 @@
 </p:sld>
 </file>
 
-<file path=ppt/slides/slide12.xml><?xml version="1.0" encoding="utf-8"?>
+<file path=ppt/slides/slide13.xml><?xml version="1.0" encoding="utf-8"?>
 <p:sld xmlns:a="http://schemas.openxmlformats.org/drawingml/2006/main" xmlns:r="http://schemas.openxmlformats.org/officeDocument/2006/relationships" xmlns:mc="http://schemas.openxmlformats.org/markup-compatibility/2006" xmlns:mv="urn:schemas-microsoft-com:mac:vml" xmlns:p="http://schemas.openxmlformats.org/presentationml/2006/main" xmlns:c="http://schemas.openxmlformats.org/drawingml/2006/chart" xmlns:dgm="http://schemas.openxmlformats.org/drawingml/2006/diagram" xmlns:o="urn:schemas-microsoft-com:office:office" xmlns:v="urn:schemas-microsoft-com:vml" xmlns:pvml="urn:schemas-microsoft-com:office:powerpoint" xmlns:com="http://schemas.openxmlformats.org/drawingml/2006/compatibility" xmlns:p14="http://schemas.microsoft.com/office/powerpoint/2010/main" xmlns:p15="http://schemas.microsoft.com/office/powerpoint/2012/main" xmlns:ahyp="http://schemas.microsoft.com/office/drawing/2018/hyperlinkcolor">
   <p:cSld>
     <p:spTree>
       <p:nvGrpSpPr>
-        <p:cNvPr id="112" name="Shape 112"/>
+        <p:cNvPr id="121" name="Shape 121"/>
         <p:cNvGrpSpPr/>
         <p:nvPr/>
       </p:nvGrpSpPr>
@@ -8391,7 +9203,7 @@
       </p:grpSpPr>
       <p:sp>
         <p:nvSpPr>
-          <p:cNvPr id="113" name="Google Shape;113;g3b8409de4d6_0_103"/>
+          <p:cNvPr id="122" name="Google Shape;122;g3b8409de4d6_0_103"/>
           <p:cNvSpPr txBox="1"/>
           <p:nvPr>
             <p:ph type="title"/>
@@ -8451,7 +9263,7 @@
       </p:sp>
       <p:sp>
         <p:nvSpPr>
-          <p:cNvPr id="114" name="Google Shape;114;g3b8409de4d6_0_103"/>
+          <p:cNvPr id="123" name="Google Shape;123;g3b8409de4d6_0_103"/>
           <p:cNvSpPr txBox="1"/>
           <p:nvPr>
             <p:ph idx="1" type="body"/>
@@ -8503,59 +9315,11 @@
                 <a:cs typeface="Consolas"/>
                 <a:sym typeface="Consolas"/>
               </a:rPr>
-              <a:t>class</a:t>
+              <a:t>byte</a:t>
             </a:r>
             <a:r>
               <a:rPr lang="en"/>
-              <a:t> is a data type that defines both data, and </a:t>
-            </a:r>
-            <a:r>
-              <a:rPr b="1" lang="en">
-                <a:solidFill>
-                  <a:srgbClr val="A31415"/>
-                </a:solidFill>
-                <a:latin typeface="Consolas"/>
-                <a:ea typeface="Consolas"/>
-                <a:cs typeface="Consolas"/>
-                <a:sym typeface="Consolas"/>
-              </a:rPr>
-              <a:t>functions</a:t>
-            </a:r>
-            <a:r>
-              <a:rPr lang="en"/>
-              <a:t> used to manipulate the data. A Specific instances of a </a:t>
-            </a:r>
-            <a:r>
-              <a:rPr b="1" lang="en">
-                <a:solidFill>
-                  <a:srgbClr val="A31415"/>
-                </a:solidFill>
-                <a:latin typeface="Consolas"/>
-                <a:ea typeface="Consolas"/>
-                <a:cs typeface="Consolas"/>
-                <a:sym typeface="Consolas"/>
-              </a:rPr>
-              <a:t>class</a:t>
-            </a:r>
-            <a:r>
-              <a:rPr lang="en"/>
-              <a:t> are called </a:t>
-            </a:r>
-            <a:r>
-              <a:rPr b="1" lang="en">
-                <a:solidFill>
-                  <a:srgbClr val="A31415"/>
-                </a:solidFill>
-                <a:latin typeface="Consolas"/>
-                <a:ea typeface="Consolas"/>
-                <a:cs typeface="Consolas"/>
-                <a:sym typeface="Consolas"/>
-              </a:rPr>
-              <a:t>objects</a:t>
-            </a:r>
-            <a:r>
-              <a:rPr lang="en"/>
-              <a:t>.</a:t>
+              <a:t> is a data type </a:t>
             </a:r>
             <a:endParaRPr/>
           </a:p>
@@ -8563,468 +9327,7 @@
       </p:sp>
       <p:sp>
         <p:nvSpPr>
-          <p:cNvPr id="115" name="Google Shape;115;g3b8409de4d6_0_103"/>
-          <p:cNvSpPr txBox="1"/>
-          <p:nvPr/>
-        </p:nvSpPr>
-        <p:spPr>
-          <a:xfrm>
-            <a:off x="457200" y="6002075"/>
-            <a:ext cx="8229600" cy="699000"/>
-          </a:xfrm>
-          <a:prstGeom prst="rect">
-            <a:avLst/>
-          </a:prstGeom>
-          <a:noFill/>
-          <a:ln>
-            <a:noFill/>
-          </a:ln>
-        </p:spPr>
-        <p:txBody>
-          <a:bodyPr anchorCtr="0" anchor="t" bIns="91425" lIns="91425" spcFirstLastPara="1" rIns="91425" wrap="square" tIns="91425">
-            <a:noAutofit/>
-          </a:bodyPr>
-          <a:lstStyle/>
-          <a:p>
-            <a:pPr indent="0" lvl="0" marL="0" marR="0" rtl="0" algn="l">
-              <a:lnSpc>
-                <a:spcPct val="100000"/>
-              </a:lnSpc>
-              <a:spcBef>
-                <a:spcPts val="0"/>
-              </a:spcBef>
-              <a:spcAft>
-                <a:spcPts val="0"/>
-              </a:spcAft>
-              <a:buClr>
-                <a:srgbClr val="000000"/>
-              </a:buClr>
-              <a:buSzPts val="1800"/>
-              <a:buFont typeface="Arial"/>
-              <a:buNone/>
-            </a:pPr>
-            <a:r>
-              <a:rPr b="1" i="0" lang="en" sz="1800" u="none" cap="none" strike="noStrike">
-                <a:solidFill>
-                  <a:srgbClr val="DCB439"/>
-                </a:solidFill>
-                <a:latin typeface="Arial"/>
-                <a:ea typeface="Arial"/>
-                <a:cs typeface="Arial"/>
-                <a:sym typeface="Arial"/>
-              </a:rPr>
-              <a:t>NOTE:</a:t>
-            </a:r>
-            <a:r>
-              <a:rPr b="0" i="0" lang="en" sz="1800" u="none" cap="none" strike="noStrike">
-                <a:solidFill>
-                  <a:schemeClr val="dk1"/>
-                </a:solidFill>
-                <a:latin typeface="Arial"/>
-                <a:ea typeface="Arial"/>
-                <a:cs typeface="Arial"/>
-                <a:sym typeface="Arial"/>
-              </a:rPr>
-              <a:t> We can use </a:t>
-            </a:r>
-            <a:r>
-              <a:rPr b="1" i="0" lang="en" sz="1800" u="none" cap="none" strike="noStrike">
-                <a:solidFill>
-                  <a:srgbClr val="A31415"/>
-                </a:solidFill>
-                <a:latin typeface="Consolas"/>
-                <a:ea typeface="Consolas"/>
-                <a:cs typeface="Consolas"/>
-                <a:sym typeface="Consolas"/>
-              </a:rPr>
-              <a:t>dir(class)</a:t>
-            </a:r>
-            <a:r>
-              <a:rPr b="0" i="0" lang="en" sz="1800" u="none" cap="none" strike="noStrike">
-                <a:solidFill>
-                  <a:schemeClr val="dk1"/>
-                </a:solidFill>
-                <a:latin typeface="Arial"/>
-                <a:ea typeface="Arial"/>
-                <a:cs typeface="Arial"/>
-                <a:sym typeface="Arial"/>
-              </a:rPr>
-              <a:t> to </a:t>
-            </a:r>
-            <a:r>
-              <a:rPr b="1" i="0" lang="en" sz="1800" u="none" cap="none" strike="noStrike">
-                <a:solidFill>
-                  <a:srgbClr val="A31415"/>
-                </a:solidFill>
-                <a:latin typeface="Consolas"/>
-                <a:ea typeface="Consolas"/>
-                <a:cs typeface="Consolas"/>
-                <a:sym typeface="Consolas"/>
-              </a:rPr>
-              <a:t>print</a:t>
-            </a:r>
-            <a:r>
-              <a:rPr b="0" i="0" lang="en" sz="1800" u="none" cap="none" strike="noStrike">
-                <a:solidFill>
-                  <a:schemeClr val="dk1"/>
-                </a:solidFill>
-                <a:latin typeface="Arial"/>
-                <a:ea typeface="Arial"/>
-                <a:cs typeface="Arial"/>
-                <a:sym typeface="Arial"/>
-              </a:rPr>
-              <a:t> out the </a:t>
-            </a:r>
-            <a:r>
-              <a:rPr b="1" i="0" lang="en" sz="1800" u="none" cap="none" strike="noStrike">
-                <a:solidFill>
-                  <a:srgbClr val="A31415"/>
-                </a:solidFill>
-                <a:latin typeface="Consolas"/>
-                <a:ea typeface="Consolas"/>
-                <a:cs typeface="Consolas"/>
-                <a:sym typeface="Consolas"/>
-              </a:rPr>
-              <a:t>attributes</a:t>
-            </a:r>
-            <a:r>
-              <a:rPr b="0" i="0" lang="en" sz="1800" u="none" cap="none" strike="noStrike">
-                <a:solidFill>
-                  <a:schemeClr val="dk1"/>
-                </a:solidFill>
-                <a:latin typeface="Arial"/>
-                <a:ea typeface="Arial"/>
-                <a:cs typeface="Arial"/>
-                <a:sym typeface="Arial"/>
-              </a:rPr>
-              <a:t> and </a:t>
-            </a:r>
-            <a:r>
-              <a:rPr b="1" i="0" lang="en" sz="1800" u="none" cap="none" strike="noStrike">
-                <a:solidFill>
-                  <a:srgbClr val="A31415"/>
-                </a:solidFill>
-                <a:latin typeface="Consolas"/>
-                <a:ea typeface="Consolas"/>
-                <a:cs typeface="Consolas"/>
-                <a:sym typeface="Consolas"/>
-              </a:rPr>
-              <a:t>functions</a:t>
-            </a:r>
-            <a:r>
-              <a:rPr b="0" i="0" lang="en" sz="1800" u="none" cap="none" strike="noStrike">
-                <a:solidFill>
-                  <a:schemeClr val="dk1"/>
-                </a:solidFill>
-                <a:latin typeface="Arial"/>
-                <a:ea typeface="Arial"/>
-                <a:cs typeface="Arial"/>
-                <a:sym typeface="Arial"/>
-              </a:rPr>
-              <a:t> a </a:t>
-            </a:r>
-            <a:r>
-              <a:rPr b="1" i="0" lang="en" sz="1800" u="none" cap="none" strike="noStrike">
-                <a:solidFill>
-                  <a:srgbClr val="A31415"/>
-                </a:solidFill>
-                <a:latin typeface="Consolas"/>
-                <a:ea typeface="Consolas"/>
-                <a:cs typeface="Consolas"/>
-                <a:sym typeface="Consolas"/>
-              </a:rPr>
-              <a:t>class</a:t>
-            </a:r>
-            <a:r>
-              <a:rPr b="0" i="0" lang="en" sz="1800" u="none" cap="none" strike="noStrike">
-                <a:solidFill>
-                  <a:schemeClr val="dk1"/>
-                </a:solidFill>
-                <a:latin typeface="Arial"/>
-                <a:ea typeface="Arial"/>
-                <a:cs typeface="Arial"/>
-                <a:sym typeface="Arial"/>
-              </a:rPr>
-              <a:t> has</a:t>
-            </a:r>
-            <a:endParaRPr b="0" i="0" sz="1800" u="none" cap="none" strike="noStrike">
-              <a:solidFill>
-                <a:schemeClr val="dk1"/>
-              </a:solidFill>
-              <a:latin typeface="Arial"/>
-              <a:ea typeface="Arial"/>
-              <a:cs typeface="Arial"/>
-              <a:sym typeface="Arial"/>
-            </a:endParaRPr>
-          </a:p>
-        </p:txBody>
-      </p:sp>
-    </p:spTree>
-  </p:cSld>
-  <p:clrMapOvr>
-    <a:masterClrMapping/>
-  </p:clrMapOvr>
-</p:sld>
-</file>
-
-<file path=ppt/slides/slide13.xml><?xml version="1.0" encoding="utf-8"?>
-<p:sld xmlns:a="http://schemas.openxmlformats.org/drawingml/2006/main" xmlns:r="http://schemas.openxmlformats.org/officeDocument/2006/relationships" xmlns:mc="http://schemas.openxmlformats.org/markup-compatibility/2006" xmlns:mv="urn:schemas-microsoft-com:mac:vml" xmlns:p="http://schemas.openxmlformats.org/presentationml/2006/main" xmlns:c="http://schemas.openxmlformats.org/drawingml/2006/chart" xmlns:dgm="http://schemas.openxmlformats.org/drawingml/2006/diagram" xmlns:o="urn:schemas-microsoft-com:office:office" xmlns:v="urn:schemas-microsoft-com:vml" xmlns:pvml="urn:schemas-microsoft-com:office:powerpoint" xmlns:com="http://schemas.openxmlformats.org/drawingml/2006/compatibility" xmlns:p14="http://schemas.microsoft.com/office/powerpoint/2010/main" xmlns:p15="http://schemas.microsoft.com/office/powerpoint/2012/main" xmlns:ahyp="http://schemas.microsoft.com/office/drawing/2018/hyperlinkcolor">
-  <p:cSld>
-    <p:spTree>
-      <p:nvGrpSpPr>
-        <p:cNvPr id="119" name="Shape 119"/>
-        <p:cNvGrpSpPr/>
-        <p:nvPr/>
-      </p:nvGrpSpPr>
-      <p:grpSpPr>
-        <a:xfrm>
-          <a:off x="0" y="0"/>
-          <a:ext cx="0" cy="0"/>
-          <a:chOff x="0" y="0"/>
-          <a:chExt cx="0" cy="0"/>
-        </a:xfrm>
-      </p:grpSpPr>
-      <p:sp>
-        <p:nvSpPr>
-          <p:cNvPr id="120" name="Google Shape;120;g3baf4acbdf2_0_12"/>
-          <p:cNvSpPr txBox="1"/>
-          <p:nvPr>
-            <p:ph type="title"/>
-          </p:nvPr>
-        </p:nvSpPr>
-        <p:spPr>
-          <a:xfrm>
-            <a:off x="457200" y="274638"/>
-            <a:ext cx="8229600" cy="1143000"/>
-          </a:xfrm>
-          <a:prstGeom prst="rect">
-            <a:avLst/>
-          </a:prstGeom>
-          <a:noFill/>
-          <a:ln>
-            <a:noFill/>
-          </a:ln>
-        </p:spPr>
-        <p:txBody>
-          <a:bodyPr anchorCtr="0" anchor="b" bIns="91425" lIns="91425" spcFirstLastPara="1" rIns="91425" wrap="square" tIns="91425">
-            <a:noAutofit/>
-          </a:bodyPr>
-          <a:lstStyle/>
-          <a:p>
-            <a:pPr indent="0" lvl="0" marL="0" rtl="0" algn="l">
-              <a:lnSpc>
-                <a:spcPct val="100000"/>
-              </a:lnSpc>
-              <a:spcBef>
-                <a:spcPts val="0"/>
-              </a:spcBef>
-              <a:spcAft>
-                <a:spcPts val="0"/>
-              </a:spcAft>
-              <a:buSzPts val="3600"/>
-              <a:buNone/>
-            </a:pPr>
-            <a:r>
-              <a:rPr lang="en">
-                <a:solidFill>
-                  <a:srgbClr val="A31415"/>
-                </a:solidFill>
-                <a:latin typeface="Consolas"/>
-                <a:ea typeface="Consolas"/>
-                <a:cs typeface="Consolas"/>
-                <a:sym typeface="Consolas"/>
-              </a:rPr>
-              <a:t>programming</a:t>
-            </a:r>
-            <a:r>
-              <a:rPr lang="en"/>
-              <a:t>: Classes</a:t>
-            </a:r>
-            <a:endParaRPr/>
-          </a:p>
-        </p:txBody>
-      </p:sp>
-      <p:sp>
-        <p:nvSpPr>
-          <p:cNvPr id="121" name="Google Shape;121;g3baf4acbdf2_0_12"/>
-          <p:cNvSpPr txBox="1"/>
-          <p:nvPr>
-            <p:ph idx="1" type="body"/>
-          </p:nvPr>
-        </p:nvSpPr>
-        <p:spPr>
-          <a:xfrm>
-            <a:off x="457200" y="1600200"/>
-            <a:ext cx="8229600" cy="4967700"/>
-          </a:xfrm>
-          <a:prstGeom prst="rect">
-            <a:avLst/>
-          </a:prstGeom>
-          <a:noFill/>
-          <a:ln>
-            <a:noFill/>
-          </a:ln>
-        </p:spPr>
-        <p:txBody>
-          <a:bodyPr anchorCtr="0" anchor="t" bIns="91425" lIns="91425" spcFirstLastPara="1" rIns="91425" wrap="square" tIns="91425">
-            <a:noAutofit/>
-          </a:bodyPr>
-          <a:lstStyle/>
-          <a:p>
-            <a:pPr indent="0" lvl="0" marL="0" rtl="0" algn="l">
-              <a:lnSpc>
-                <a:spcPct val="100000"/>
-              </a:lnSpc>
-              <a:spcBef>
-                <a:spcPts val="600"/>
-              </a:spcBef>
-              <a:spcAft>
-                <a:spcPts val="0"/>
-              </a:spcAft>
-              <a:buSzPts val="3000"/>
-              <a:buNone/>
-            </a:pPr>
-            <a:r>
-              <a:rPr lang="en"/>
-              <a:t>A </a:t>
-            </a:r>
-            <a:r>
-              <a:rPr b="1" lang="en">
-                <a:solidFill>
-                  <a:srgbClr val="A31415"/>
-                </a:solidFill>
-                <a:latin typeface="Consolas"/>
-                <a:ea typeface="Consolas"/>
-                <a:cs typeface="Consolas"/>
-                <a:sym typeface="Consolas"/>
-              </a:rPr>
-              <a:t>class</a:t>
-            </a:r>
-            <a:r>
-              <a:rPr lang="en"/>
-              <a:t> is a data type that defines both data, and </a:t>
-            </a:r>
-            <a:r>
-              <a:rPr b="1" lang="en">
-                <a:solidFill>
-                  <a:srgbClr val="A31415"/>
-                </a:solidFill>
-                <a:latin typeface="Consolas"/>
-                <a:ea typeface="Consolas"/>
-                <a:cs typeface="Consolas"/>
-                <a:sym typeface="Consolas"/>
-              </a:rPr>
-              <a:t>functions</a:t>
-            </a:r>
-            <a:r>
-              <a:rPr lang="en"/>
-              <a:t> used to manipulate the data. A Specific instances of a </a:t>
-            </a:r>
-            <a:r>
-              <a:rPr b="1" lang="en">
-                <a:solidFill>
-                  <a:srgbClr val="A31415"/>
-                </a:solidFill>
-                <a:latin typeface="Consolas"/>
-                <a:ea typeface="Consolas"/>
-                <a:cs typeface="Consolas"/>
-                <a:sym typeface="Consolas"/>
-              </a:rPr>
-              <a:t>class</a:t>
-            </a:r>
-            <a:r>
-              <a:rPr lang="en"/>
-              <a:t> are called </a:t>
-            </a:r>
-            <a:r>
-              <a:rPr b="1" lang="en">
-                <a:solidFill>
-                  <a:srgbClr val="A31415"/>
-                </a:solidFill>
-                <a:latin typeface="Consolas"/>
-                <a:ea typeface="Consolas"/>
-                <a:cs typeface="Consolas"/>
-                <a:sym typeface="Consolas"/>
-              </a:rPr>
-              <a:t>objects</a:t>
-            </a:r>
-            <a:r>
-              <a:rPr lang="en"/>
-              <a:t>.</a:t>
-            </a:r>
-            <a:endParaRPr/>
-          </a:p>
-        </p:txBody>
-      </p:sp>
-      <p:pic>
-        <p:nvPicPr>
-          <p:cNvPr id="122" name="Google Shape;122;g3baf4acbdf2_0_12" title="Screenshot 2026-01-20 at 11.40.30 AM.png"/>
-          <p:cNvPicPr preferRelativeResize="0"/>
-          <p:nvPr/>
-        </p:nvPicPr>
-        <p:blipFill rotWithShape="1">
-          <a:blip r:embed="rId3">
-            <a:alphaModFix/>
-          </a:blip>
-          <a:srcRect b="0" l="0" r="0" t="0"/>
-          <a:stretch/>
-        </p:blipFill>
-        <p:spPr>
-          <a:xfrm>
-            <a:off x="1908643" y="3590925"/>
-            <a:ext cx="5326725" cy="1259600"/>
-          </a:xfrm>
-          <a:prstGeom prst="rect">
-            <a:avLst/>
-          </a:prstGeom>
-          <a:noFill/>
-          <a:ln cap="flat" cmpd="sng" w="38100">
-            <a:solidFill>
-              <a:srgbClr val="002B5B"/>
-            </a:solidFill>
-            <a:prstDash val="solid"/>
-            <a:round/>
-            <a:headEnd len="sm" w="sm" type="none"/>
-            <a:tailEnd len="sm" w="sm" type="none"/>
-          </a:ln>
-        </p:spPr>
-      </p:pic>
-      <p:pic>
-        <p:nvPicPr>
-          <p:cNvPr id="123" name="Google Shape;123;g3baf4acbdf2_0_12" title="Screenshot 2026-01-20 at 11.41.41 AM.png"/>
-          <p:cNvPicPr preferRelativeResize="0"/>
-          <p:nvPr/>
-        </p:nvPicPr>
-        <p:blipFill rotWithShape="1">
-          <a:blip r:embed="rId4">
-            <a:alphaModFix/>
-          </a:blip>
-          <a:srcRect b="0" l="0" r="0" t="0"/>
-          <a:stretch/>
-        </p:blipFill>
-        <p:spPr>
-          <a:xfrm>
-            <a:off x="907675" y="5098875"/>
-            <a:ext cx="7328650" cy="654850"/>
-          </a:xfrm>
-          <a:prstGeom prst="rect">
-            <a:avLst/>
-          </a:prstGeom>
-          <a:noFill/>
-          <a:ln cap="flat" cmpd="sng" w="38100">
-            <a:solidFill>
-              <a:srgbClr val="002B5B"/>
-            </a:solidFill>
-            <a:prstDash val="solid"/>
-            <a:round/>
-            <a:headEnd len="sm" w="sm" type="none"/>
-            <a:tailEnd len="sm" w="sm" type="none"/>
-          </a:ln>
-        </p:spPr>
-      </p:pic>
-      <p:sp>
-        <p:nvSpPr>
-          <p:cNvPr id="124" name="Google Shape;124;g3baf4acbdf2_0_12"/>
+          <p:cNvPr id="124" name="Google Shape;124;g3b8409de4d6_0_103"/>
           <p:cNvSpPr txBox="1"/>
           <p:nvPr/>
         </p:nvSpPr>
@@ -9247,7 +9550,7 @@
       </p:grpSpPr>
       <p:sp>
         <p:nvSpPr>
-          <p:cNvPr id="129" name="Google Shape;129;g3b8409de4d6_0_118"/>
+          <p:cNvPr id="129" name="Google Shape;129;g3baf4acbdf2_0_12"/>
           <p:cNvSpPr txBox="1"/>
           <p:nvPr>
             <p:ph type="title"/>
@@ -9299,7 +9602,7 @@
             </a:r>
             <a:r>
               <a:rPr lang="en"/>
-              <a:t>: Regex</a:t>
+              <a:t>: Classes</a:t>
             </a:r>
             <a:endParaRPr/>
           </a:p>
@@ -9307,7 +9610,7 @@
       </p:sp>
       <p:sp>
         <p:nvSpPr>
-          <p:cNvPr id="130" name="Google Shape;130;g3b8409de4d6_0_118"/>
+          <p:cNvPr id="130" name="Google Shape;130;g3baf4acbdf2_0_12"/>
           <p:cNvSpPr txBox="1"/>
           <p:nvPr>
             <p:ph idx="1" type="body"/>
@@ -9316,7 +9619,7 @@
         <p:spPr>
           <a:xfrm>
             <a:off x="457200" y="1600200"/>
-            <a:ext cx="8229600" cy="1246200"/>
+            <a:ext cx="8229600" cy="4967700"/>
           </a:xfrm>
           <a:prstGeom prst="rect">
             <a:avLst/>
@@ -9346,16 +9649,8 @@
               <a:buNone/>
             </a:pPr>
             <a:r>
-              <a:rPr b="1" lang="en">
-                <a:solidFill>
-                  <a:srgbClr val="002B5B"/>
-                </a:solidFill>
-              </a:rPr>
-              <a:t>Regex</a:t>
-            </a:r>
-            <a:r>
               <a:rPr lang="en"/>
-              <a:t> allows us to define patterns that we can use to filter </a:t>
+              <a:t>A </a:t>
             </a:r>
             <a:r>
               <a:rPr b="1" lang="en">
@@ -9367,29 +9662,139 @@
                 <a:cs typeface="Consolas"/>
                 <a:sym typeface="Consolas"/>
               </a:rPr>
-              <a:t>strings</a:t>
-            </a:r>
-            <a:endParaRPr b="1">
-              <a:solidFill>
-                <a:srgbClr val="A31415"/>
-              </a:solidFill>
-              <a:latin typeface="Consolas"/>
-              <a:ea typeface="Consolas"/>
-              <a:cs typeface="Consolas"/>
-              <a:sym typeface="Consolas"/>
-            </a:endParaRPr>
+              <a:t>class</a:t>
+            </a:r>
+            <a:r>
+              <a:rPr lang="en"/>
+              <a:t> is a data type that defines both data, and </a:t>
+            </a:r>
+            <a:r>
+              <a:rPr b="1" lang="en">
+                <a:solidFill>
+                  <a:srgbClr val="A31415"/>
+                </a:solidFill>
+                <a:latin typeface="Consolas"/>
+                <a:ea typeface="Consolas"/>
+                <a:cs typeface="Consolas"/>
+                <a:sym typeface="Consolas"/>
+              </a:rPr>
+              <a:t>functions</a:t>
+            </a:r>
+            <a:r>
+              <a:rPr lang="en"/>
+              <a:t> used to manipulate the data. A Specific instances of a </a:t>
+            </a:r>
+            <a:r>
+              <a:rPr b="1" lang="en">
+                <a:solidFill>
+                  <a:srgbClr val="A31415"/>
+                </a:solidFill>
+                <a:latin typeface="Consolas"/>
+                <a:ea typeface="Consolas"/>
+                <a:cs typeface="Consolas"/>
+                <a:sym typeface="Consolas"/>
+              </a:rPr>
+              <a:t>class</a:t>
+            </a:r>
+            <a:r>
+              <a:rPr lang="en"/>
+              <a:t> are called </a:t>
+            </a:r>
+            <a:r>
+              <a:rPr b="1" lang="en">
+                <a:solidFill>
+                  <a:srgbClr val="A31415"/>
+                </a:solidFill>
+                <a:latin typeface="Consolas"/>
+                <a:ea typeface="Consolas"/>
+                <a:cs typeface="Consolas"/>
+                <a:sym typeface="Consolas"/>
+              </a:rPr>
+              <a:t>objects</a:t>
+            </a:r>
+            <a:r>
+              <a:rPr lang="en"/>
+              <a:t>.</a:t>
+            </a:r>
+            <a:endParaRPr/>
           </a:p>
         </p:txBody>
       </p:sp>
+      <p:pic>
+        <p:nvPicPr>
+          <p:cNvPr id="131" name="Google Shape;131;g3baf4acbdf2_0_12" title="Screenshot 2026-01-20 at 11.40.30 AM.png"/>
+          <p:cNvPicPr preferRelativeResize="0"/>
+          <p:nvPr/>
+        </p:nvPicPr>
+        <p:blipFill rotWithShape="1">
+          <a:blip r:embed="rId3">
+            <a:alphaModFix/>
+          </a:blip>
+          <a:srcRect b="0" l="0" r="0" t="0"/>
+          <a:stretch/>
+        </p:blipFill>
+        <p:spPr>
+          <a:xfrm>
+            <a:off x="1908643" y="3590925"/>
+            <a:ext cx="5326725" cy="1259600"/>
+          </a:xfrm>
+          <a:prstGeom prst="rect">
+            <a:avLst/>
+          </a:prstGeom>
+          <a:noFill/>
+          <a:ln cap="flat" cmpd="sng" w="38100">
+            <a:solidFill>
+              <a:srgbClr val="002B5B"/>
+            </a:solidFill>
+            <a:prstDash val="solid"/>
+            <a:round/>
+            <a:headEnd len="sm" w="sm" type="none"/>
+            <a:tailEnd len="sm" w="sm" type="none"/>
+          </a:ln>
+        </p:spPr>
+      </p:pic>
+      <p:pic>
+        <p:nvPicPr>
+          <p:cNvPr id="132" name="Google Shape;132;g3baf4acbdf2_0_12" title="Screenshot 2026-01-20 at 11.41.41 AM.png"/>
+          <p:cNvPicPr preferRelativeResize="0"/>
+          <p:nvPr/>
+        </p:nvPicPr>
+        <p:blipFill rotWithShape="1">
+          <a:blip r:embed="rId4">
+            <a:alphaModFix/>
+          </a:blip>
+          <a:srcRect b="0" l="0" r="0" t="0"/>
+          <a:stretch/>
+        </p:blipFill>
+        <p:spPr>
+          <a:xfrm>
+            <a:off x="907675" y="5098875"/>
+            <a:ext cx="7328650" cy="654850"/>
+          </a:xfrm>
+          <a:prstGeom prst="rect">
+            <a:avLst/>
+          </a:prstGeom>
+          <a:noFill/>
+          <a:ln cap="flat" cmpd="sng" w="38100">
+            <a:solidFill>
+              <a:srgbClr val="002B5B"/>
+            </a:solidFill>
+            <a:prstDash val="solid"/>
+            <a:round/>
+            <a:headEnd len="sm" w="sm" type="none"/>
+            <a:tailEnd len="sm" w="sm" type="none"/>
+          </a:ln>
+        </p:spPr>
+      </p:pic>
       <p:sp>
         <p:nvSpPr>
-          <p:cNvPr id="131" name="Google Shape;131;g3b8409de4d6_0_118"/>
+          <p:cNvPr id="133" name="Google Shape;133;g3baf4acbdf2_0_12"/>
           <p:cNvSpPr txBox="1"/>
           <p:nvPr/>
         </p:nvSpPr>
         <p:spPr>
           <a:xfrm>
-            <a:off x="457200" y="6013275"/>
+            <a:off x="457200" y="6002075"/>
             <a:ext cx="8229600" cy="699000"/>
           </a:xfrm>
           <a:prstGeom prst="rect">
@@ -9445,19 +9850,43 @@
                 <a:cs typeface="Arial"/>
                 <a:sym typeface="Arial"/>
               </a:rPr>
-              <a:t> </a:t>
+              <a:t> We can use </a:t>
             </a:r>
             <a:r>
               <a:rPr b="1" i="0" lang="en" sz="1800" u="none" cap="none" strike="noStrike">
                 <a:solidFill>
-                  <a:srgbClr val="002B5B"/>
+                  <a:srgbClr val="A31415"/>
+                </a:solidFill>
+                <a:latin typeface="Consolas"/>
+                <a:ea typeface="Consolas"/>
+                <a:cs typeface="Consolas"/>
+                <a:sym typeface="Consolas"/>
+              </a:rPr>
+              <a:t>dir(class)</a:t>
+            </a:r>
+            <a:r>
+              <a:rPr b="0" i="0" lang="en" sz="1800" u="none" cap="none" strike="noStrike">
+                <a:solidFill>
+                  <a:schemeClr val="dk1"/>
                 </a:solidFill>
                 <a:latin typeface="Arial"/>
                 <a:ea typeface="Arial"/>
                 <a:cs typeface="Arial"/>
                 <a:sym typeface="Arial"/>
               </a:rPr>
-              <a:t>Regex</a:t>
+              <a:t> to </a:t>
+            </a:r>
+            <a:r>
+              <a:rPr b="1" i="0" lang="en" sz="1800" u="none" cap="none" strike="noStrike">
+                <a:solidFill>
+                  <a:srgbClr val="A31415"/>
+                </a:solidFill>
+                <a:latin typeface="Consolas"/>
+                <a:ea typeface="Consolas"/>
+                <a:cs typeface="Consolas"/>
+                <a:sym typeface="Consolas"/>
+              </a:rPr>
+              <a:t>print</a:t>
             </a:r>
             <a:r>
               <a:rPr b="0" i="0" lang="en" sz="1800" u="none" cap="none" strike="noStrike">
@@ -9469,19 +9898,43 @@
                 <a:cs typeface="Arial"/>
                 <a:sym typeface="Arial"/>
               </a:rPr>
-              <a:t> is super confusing and almost a language unto itself, </a:t>
+              <a:t> out the </a:t>
             </a:r>
             <a:r>
               <a:rPr b="1" i="0" lang="en" sz="1800" u="none" cap="none" strike="noStrike">
                 <a:solidFill>
-                  <a:srgbClr val="DCB439"/>
+                  <a:srgbClr val="A31415"/>
+                </a:solidFill>
+                <a:latin typeface="Consolas"/>
+                <a:ea typeface="Consolas"/>
+                <a:cs typeface="Consolas"/>
+                <a:sym typeface="Consolas"/>
+              </a:rPr>
+              <a:t>attributes</a:t>
+            </a:r>
+            <a:r>
+              <a:rPr b="0" i="0" lang="en" sz="1800" u="none" cap="none" strike="noStrike">
+                <a:solidFill>
+                  <a:schemeClr val="dk1"/>
                 </a:solidFill>
                 <a:latin typeface="Arial"/>
                 <a:ea typeface="Arial"/>
                 <a:cs typeface="Arial"/>
                 <a:sym typeface="Arial"/>
               </a:rPr>
-              <a:t>only sickos have it memorized</a:t>
+              <a:t> and </a:t>
+            </a:r>
+            <a:r>
+              <a:rPr b="1" i="0" lang="en" sz="1800" u="none" cap="none" strike="noStrike">
+                <a:solidFill>
+                  <a:srgbClr val="A31415"/>
+                </a:solidFill>
+                <a:latin typeface="Consolas"/>
+                <a:ea typeface="Consolas"/>
+                <a:cs typeface="Consolas"/>
+                <a:sym typeface="Consolas"/>
+              </a:rPr>
+              <a:t>functions</a:t>
             </a:r>
             <a:r>
               <a:rPr b="0" i="0" lang="en" sz="1800" u="none" cap="none" strike="noStrike">
@@ -9493,31 +9946,31 @@
                 <a:cs typeface="Arial"/>
                 <a:sym typeface="Arial"/>
               </a:rPr>
-              <a:t>. </a:t>
+              <a:t> a </a:t>
             </a:r>
             <a:r>
               <a:rPr b="1" i="0" lang="en" sz="1800" u="none" cap="none" strike="noStrike">
                 <a:solidFill>
-                  <a:srgbClr val="465510"/>
+                  <a:srgbClr val="A31415"/>
+                </a:solidFill>
+                <a:latin typeface="Consolas"/>
+                <a:ea typeface="Consolas"/>
+                <a:cs typeface="Consolas"/>
+                <a:sym typeface="Consolas"/>
+              </a:rPr>
+              <a:t>class</a:t>
+            </a:r>
+            <a:r>
+              <a:rPr b="0" i="0" lang="en" sz="1800" u="none" cap="none" strike="noStrike">
+                <a:solidFill>
+                  <a:schemeClr val="dk1"/>
                 </a:solidFill>
                 <a:latin typeface="Arial"/>
                 <a:ea typeface="Arial"/>
                 <a:cs typeface="Arial"/>
                 <a:sym typeface="Arial"/>
               </a:rPr>
-              <a:t>Just use a cheat sheet or ask chat</a:t>
-            </a:r>
-            <a:r>
-              <a:rPr b="0" i="0" lang="en" sz="1800" u="none" cap="none" strike="noStrike">
-                <a:solidFill>
-                  <a:schemeClr val="dk1"/>
-                </a:solidFill>
-                <a:latin typeface="Arial"/>
-                <a:ea typeface="Arial"/>
-                <a:cs typeface="Arial"/>
-                <a:sym typeface="Arial"/>
-              </a:rPr>
-              <a:t>.</a:t>
+              <a:t> has</a:t>
             </a:r>
             <a:endParaRPr b="0" i="0" sz="1800" u="none" cap="none" strike="noStrike">
               <a:solidFill>
@@ -9531,33 +9984,6 @@
           </a:p>
         </p:txBody>
       </p:sp>
-      <p:pic>
-        <p:nvPicPr>
-          <p:cNvPr id="132" name="Google Shape;132;g3b8409de4d6_0_118"/>
-          <p:cNvPicPr preferRelativeResize="0"/>
-          <p:nvPr/>
-        </p:nvPicPr>
-        <p:blipFill rotWithShape="1">
-          <a:blip r:embed="rId3">
-            <a:alphaModFix/>
-          </a:blip>
-          <a:srcRect b="0" l="0" r="0" t="0"/>
-          <a:stretch/>
-        </p:blipFill>
-        <p:spPr>
-          <a:xfrm>
-            <a:off x="1764750" y="2846400"/>
-            <a:ext cx="5614492" cy="2862075"/>
-          </a:xfrm>
-          <a:prstGeom prst="rect">
-            <a:avLst/>
-          </a:prstGeom>
-          <a:noFill/>
-          <a:ln>
-            <a:noFill/>
-          </a:ln>
-        </p:spPr>
-      </p:pic>
     </p:spTree>
   </p:cSld>
   <p:clrMapOvr>
@@ -9571,7 +9997,7 @@
   <p:cSld>
     <p:spTree>
       <p:nvGrpSpPr>
-        <p:cNvPr id="136" name="Shape 136"/>
+        <p:cNvPr id="137" name="Shape 137"/>
         <p:cNvGrpSpPr/>
         <p:nvPr/>
       </p:nvGrpSpPr>
@@ -9585,7 +10011,7 @@
       </p:grpSpPr>
       <p:sp>
         <p:nvSpPr>
-          <p:cNvPr id="137" name="Google Shape;137;g3b938ea6dd9_0_93"/>
+          <p:cNvPr id="138" name="Google Shape;138;g3baf4acbdf2_0_22"/>
           <p:cNvSpPr txBox="1"/>
           <p:nvPr>
             <p:ph type="title"/>
@@ -9625,24 +10051,33 @@
             </a:pPr>
             <a:r>
               <a:rPr lang="en"/>
-              <a:t>Regex in Tokenization</a:t>
-            </a:r>
-            <a:endParaRPr/>
+              <a:t>Byte-Pair Encoding Tokenization </a:t>
+            </a:r>
+            <a:r>
+              <a:rPr lang="en" sz="1800"/>
+              <a:t>(1994)</a:t>
+            </a:r>
+            <a:endParaRPr sz="1800"/>
           </a:p>
         </p:txBody>
       </p:sp>
-      <p:sp>
-        <p:nvSpPr>
-          <p:cNvPr id="138" name="Google Shape;138;g3b938ea6dd9_0_93"/>
-          <p:cNvSpPr txBox="1"/>
-          <p:nvPr>
-            <p:ph idx="1" type="body"/>
-          </p:nvPr>
-        </p:nvSpPr>
+      <p:pic>
+        <p:nvPicPr>
+          <p:cNvPr id="139" name="Google Shape;139;g3baf4acbdf2_0_22"/>
+          <p:cNvPicPr preferRelativeResize="0"/>
+          <p:nvPr/>
+        </p:nvPicPr>
+        <p:blipFill rotWithShape="1">
+          <a:blip r:embed="rId3">
+            <a:alphaModFix/>
+          </a:blip>
+          <a:srcRect b="0" l="0" r="0" t="0"/>
+          <a:stretch/>
+        </p:blipFill>
         <p:spPr>
           <a:xfrm>
-            <a:off x="457200" y="1600200"/>
-            <a:ext cx="8229600" cy="988200"/>
+            <a:off x="1281113" y="1720204"/>
+            <a:ext cx="6581775" cy="4523382"/>
           </a:xfrm>
           <a:prstGeom prst="rect">
             <a:avLst/>
@@ -9652,269 +10087,7 @@
             <a:noFill/>
           </a:ln>
         </p:spPr>
-        <p:txBody>
-          <a:bodyPr anchorCtr="0" anchor="t" bIns="91425" lIns="91425" spcFirstLastPara="1" rIns="91425" wrap="square" tIns="91425">
-            <a:noAutofit/>
-          </a:bodyPr>
-          <a:lstStyle/>
-          <a:p>
-            <a:pPr indent="0" lvl="0" marL="0" rtl="0" algn="l">
-              <a:lnSpc>
-                <a:spcPct val="100000"/>
-              </a:lnSpc>
-              <a:spcBef>
-                <a:spcPts val="600"/>
-              </a:spcBef>
-              <a:spcAft>
-                <a:spcPts val="0"/>
-              </a:spcAft>
-              <a:buSzPts val="3000"/>
-              <a:buNone/>
-            </a:pPr>
-            <a:r>
-              <a:rPr b="1" lang="en" sz="1800">
-                <a:solidFill>
-                  <a:srgbClr val="DCB439"/>
-                </a:solidFill>
-                <a:latin typeface="Consolas"/>
-                <a:ea typeface="Consolas"/>
-                <a:cs typeface="Consolas"/>
-                <a:sym typeface="Consolas"/>
-              </a:rPr>
-              <a:t>GPT4_SPLIT_PATTERN =</a:t>
-            </a:r>
-            <a:r>
-              <a:rPr lang="en"/>
-              <a:t> </a:t>
-            </a:r>
-            <a:r>
-              <a:rPr b="1" lang="en" sz="1000">
-                <a:solidFill>
-                  <a:srgbClr val="A31415"/>
-                </a:solidFill>
-                <a:latin typeface="Consolas"/>
-                <a:ea typeface="Consolas"/>
-                <a:cs typeface="Consolas"/>
-                <a:sym typeface="Consolas"/>
-              </a:rPr>
-              <a:t>r"""'(?i:[sdmt]|ll|ve|re)|[^\r\n\p{L}\p{N}]?+\p{L}+|\p{N}{1,3}|?[^\s\p{L}\p{N}]++[\r\n]*|\s*[\r\n]|\s+(?!\S)|\s+"""</a:t>
-            </a:r>
-            <a:endParaRPr b="1" sz="1000">
-              <a:solidFill>
-                <a:srgbClr val="A31415"/>
-              </a:solidFill>
-              <a:latin typeface="Consolas"/>
-              <a:ea typeface="Consolas"/>
-              <a:cs typeface="Consolas"/>
-              <a:sym typeface="Consolas"/>
-            </a:endParaRPr>
-          </a:p>
-          <a:p>
-            <a:pPr indent="0" lvl="0" marL="0" rtl="0" algn="l">
-              <a:lnSpc>
-                <a:spcPct val="100000"/>
-              </a:lnSpc>
-              <a:spcBef>
-                <a:spcPts val="600"/>
-              </a:spcBef>
-              <a:spcAft>
-                <a:spcPts val="0"/>
-              </a:spcAft>
-              <a:buSzPts val="3000"/>
-              <a:buNone/>
-            </a:pPr>
-            <a:r>
-              <a:t/>
-            </a:r>
-            <a:endParaRPr/>
-          </a:p>
-        </p:txBody>
-      </p:sp>
-      <p:sp>
-        <p:nvSpPr>
-          <p:cNvPr id="139" name="Google Shape;139;g3b938ea6dd9_0_93"/>
-          <p:cNvSpPr txBox="1"/>
-          <p:nvPr/>
-        </p:nvSpPr>
-        <p:spPr>
-          <a:xfrm>
-            <a:off x="457200" y="2588400"/>
-            <a:ext cx="8229600" cy="3855000"/>
-          </a:xfrm>
-          <a:prstGeom prst="rect">
-            <a:avLst/>
-          </a:prstGeom>
-          <a:noFill/>
-          <a:ln>
-            <a:noFill/>
-          </a:ln>
-        </p:spPr>
-        <p:txBody>
-          <a:bodyPr anchorCtr="0" anchor="t" bIns="91425" lIns="91425" spcFirstLastPara="1" rIns="91425" wrap="square" tIns="91425">
-            <a:noAutofit/>
-          </a:bodyPr>
-          <a:lstStyle/>
-          <a:p>
-            <a:pPr indent="0" lvl="0" marL="0" marR="0" rtl="0" algn="l">
-              <a:lnSpc>
-                <a:spcPct val="100000"/>
-              </a:lnSpc>
-              <a:spcBef>
-                <a:spcPts val="0"/>
-              </a:spcBef>
-              <a:spcAft>
-                <a:spcPts val="0"/>
-              </a:spcAft>
-              <a:buClr>
-                <a:srgbClr val="000000"/>
-              </a:buClr>
-              <a:buSzPts val="3000"/>
-              <a:buFont typeface="Arial"/>
-              <a:buNone/>
-            </a:pPr>
-            <a:r>
-              <a:rPr b="1" i="0" lang="en" sz="3000" u="none" cap="none" strike="noStrike">
-                <a:solidFill>
-                  <a:srgbClr val="002B5B"/>
-                </a:solidFill>
-                <a:latin typeface="Arial"/>
-                <a:ea typeface="Arial"/>
-                <a:cs typeface="Arial"/>
-                <a:sym typeface="Arial"/>
-              </a:rPr>
-              <a:t>BPE</a:t>
-            </a:r>
-            <a:r>
-              <a:rPr b="0" i="0" lang="en" sz="3000" u="none" cap="none" strike="noStrike">
-                <a:solidFill>
-                  <a:schemeClr val="dk1"/>
-                </a:solidFill>
-                <a:latin typeface="Arial"/>
-                <a:ea typeface="Arial"/>
-                <a:cs typeface="Arial"/>
-                <a:sym typeface="Arial"/>
-              </a:rPr>
-              <a:t> is excellent at breaking down words statistically, but </a:t>
-            </a:r>
-            <a:r>
-              <a:rPr b="1" i="0" lang="en" sz="3000" u="none" cap="none" strike="noStrike">
-                <a:solidFill>
-                  <a:srgbClr val="A31415"/>
-                </a:solidFill>
-                <a:latin typeface="Arial"/>
-                <a:ea typeface="Arial"/>
-                <a:cs typeface="Arial"/>
-                <a:sym typeface="Arial"/>
-              </a:rPr>
-              <a:t>it can make suboptimal merges</a:t>
-            </a:r>
-            <a:r>
-              <a:rPr b="0" i="0" lang="en" sz="3000" u="none" cap="none" strike="noStrike">
-                <a:solidFill>
-                  <a:schemeClr val="dk1"/>
-                </a:solidFill>
-                <a:latin typeface="Arial"/>
-                <a:ea typeface="Arial"/>
-                <a:cs typeface="Arial"/>
-                <a:sym typeface="Arial"/>
-              </a:rPr>
-              <a:t> like combining punctuation with words. </a:t>
-            </a:r>
-            <a:endParaRPr b="0" i="0" sz="3000" u="none" cap="none" strike="noStrike">
-              <a:solidFill>
-                <a:schemeClr val="dk1"/>
-              </a:solidFill>
-              <a:latin typeface="Arial"/>
-              <a:ea typeface="Arial"/>
-              <a:cs typeface="Arial"/>
-              <a:sym typeface="Arial"/>
-            </a:endParaRPr>
-          </a:p>
-          <a:p>
-            <a:pPr indent="0" lvl="0" marL="0" marR="0" rtl="0" algn="l">
-              <a:lnSpc>
-                <a:spcPct val="100000"/>
-              </a:lnSpc>
-              <a:spcBef>
-                <a:spcPts val="0"/>
-              </a:spcBef>
-              <a:spcAft>
-                <a:spcPts val="0"/>
-              </a:spcAft>
-              <a:buClr>
-                <a:srgbClr val="000000"/>
-              </a:buClr>
-              <a:buSzPts val="3000"/>
-              <a:buFont typeface="Arial"/>
-              <a:buNone/>
-            </a:pPr>
-            <a:r>
-              <a:t/>
-            </a:r>
-            <a:endParaRPr b="0" i="0" sz="3000" u="none" cap="none" strike="noStrike">
-              <a:solidFill>
-                <a:schemeClr val="dk1"/>
-              </a:solidFill>
-              <a:latin typeface="Arial"/>
-              <a:ea typeface="Arial"/>
-              <a:cs typeface="Arial"/>
-              <a:sym typeface="Arial"/>
-            </a:endParaRPr>
-          </a:p>
-          <a:p>
-            <a:pPr indent="0" lvl="0" marL="0" marR="0" rtl="0" algn="l">
-              <a:lnSpc>
-                <a:spcPct val="100000"/>
-              </a:lnSpc>
-              <a:spcBef>
-                <a:spcPts val="0"/>
-              </a:spcBef>
-              <a:spcAft>
-                <a:spcPts val="0"/>
-              </a:spcAft>
-              <a:buClr>
-                <a:srgbClr val="000000"/>
-              </a:buClr>
-              <a:buSzPts val="3000"/>
-              <a:buFont typeface="Arial"/>
-              <a:buNone/>
-            </a:pPr>
-            <a:r>
-              <a:rPr b="1" i="0" lang="en" sz="3000" u="none" cap="none" strike="noStrike">
-                <a:solidFill>
-                  <a:srgbClr val="465510"/>
-                </a:solidFill>
-                <a:latin typeface="Arial"/>
-                <a:ea typeface="Arial"/>
-                <a:cs typeface="Arial"/>
-                <a:sym typeface="Arial"/>
-              </a:rPr>
-              <a:t>Regex acts as a "pre-filter"</a:t>
-            </a:r>
-            <a:r>
-              <a:rPr b="0" i="0" lang="en" sz="3000" u="none" cap="none" strike="noStrike">
-                <a:solidFill>
-                  <a:schemeClr val="dk1"/>
-                </a:solidFill>
-                <a:latin typeface="Arial"/>
-                <a:ea typeface="Arial"/>
-                <a:cs typeface="Arial"/>
-                <a:sym typeface="Arial"/>
-              </a:rPr>
-              <a:t> to prevent these issues, ensuring that letters, numbers, punctuation, and whitespace split.</a:t>
-            </a:r>
-            <a:endParaRPr b="0" i="0" sz="3000" u="none" cap="none" strike="noStrike">
-              <a:solidFill>
-                <a:schemeClr val="dk1"/>
-              </a:solidFill>
-              <a:latin typeface="Arial"/>
-              <a:ea typeface="Arial"/>
-              <a:cs typeface="Arial"/>
-              <a:sym typeface="Arial"/>
-            </a:endParaRPr>
-          </a:p>
-        </p:txBody>
-      </p:sp>
+      </p:pic>
     </p:spTree>
   </p:cSld>
   <p:clrMapOvr>
@@ -9942,7 +10115,7 @@
       </p:grpSpPr>
       <p:sp>
         <p:nvSpPr>
-          <p:cNvPr id="144" name="Google Shape;144;g3b8409de4d6_0_108"/>
+          <p:cNvPr id="144" name="Google Shape;144;g3baf4acbdf2_0_32"/>
           <p:cNvSpPr txBox="1"/>
           <p:nvPr>
             <p:ph type="title"/>
@@ -9981,16 +10154,48 @@
               <a:buNone/>
             </a:pPr>
             <a:r>
+              <a:rPr lang="en">
+                <a:solidFill>
+                  <a:srgbClr val="A31415"/>
+                </a:solidFill>
+                <a:latin typeface="Consolas"/>
+                <a:ea typeface="Consolas"/>
+                <a:cs typeface="Consolas"/>
+                <a:sym typeface="Consolas"/>
+              </a:rPr>
+              <a:t>programming</a:t>
+            </a:r>
+            <a:r>
               <a:rPr lang="en"/>
-              <a:t>nanochat Tokenizer</a:t>
-            </a:r>
-            <a:endParaRPr/>
+              <a:t>: </a:t>
+            </a:r>
+            <a:r>
+              <a:rPr lang="en">
+                <a:solidFill>
+                  <a:srgbClr val="5AABBC"/>
+                </a:solidFill>
+                <a:latin typeface="Consolas"/>
+                <a:ea typeface="Consolas"/>
+                <a:cs typeface="Consolas"/>
+                <a:sym typeface="Consolas"/>
+              </a:rPr>
+              <a:t>count_pairs()</a:t>
+            </a:r>
+            <a:endParaRPr>
+              <a:solidFill>
+                <a:srgbClr val="5AABBC"/>
+              </a:solidFill>
+              <a:latin typeface="Consolas"/>
+              <a:ea typeface="Consolas"/>
+              <a:cs typeface="Consolas"/>
+              <a:sym typeface="Consolas"/>
+            </a:endParaRPr>
           </a:p>
         </p:txBody>
       </p:sp>
       <p:sp>
         <p:nvSpPr>
-          <p:cNvPr id="145" name="Google Shape;145;g3b8409de4d6_0_108"/>
+          <p:cNvPr id="145" name="Google Shape;145;g3baf4acbdf2_0_32"/>
           <p:cNvSpPr txBox="1"/>
           <p:nvPr>
             <p:ph idx="1" type="body"/>
@@ -9999,7 +10204,7 @@
         <p:spPr>
           <a:xfrm>
             <a:off x="457200" y="1600200"/>
-            <a:ext cx="8229600" cy="4698000"/>
+            <a:ext cx="8229600" cy="4967700"/>
           </a:xfrm>
           <a:prstGeom prst="rect">
             <a:avLst/>
@@ -10015,7 +10220,7 @@
           </a:bodyPr>
           <a:lstStyle/>
           <a:p>
-            <a:pPr indent="0" lvl="0" marL="0" rtl="0" algn="ctr">
+            <a:pPr indent="0" lvl="0" marL="0" rtl="0" algn="l">
               <a:lnSpc>
                 <a:spcPct val="100000"/>
               </a:lnSpc>
@@ -10029,143 +10234,127 @@
               <a:buNone/>
             </a:pPr>
             <a:r>
-              <a:rPr b="1" lang="en" u="sng">
-                <a:solidFill>
-                  <a:srgbClr val="DCB439"/>
-                </a:solidFill>
-                <a:hlinkClick r:id="rId3">
-                  <a:extLst>
-                    <a:ext uri="{A12FA001-AC4F-418D-AE19-62706E023703}">
-                      <ahyp:hlinkClr val="tx"/>
-                    </a:ext>
-                  </a:extLst>
-                </a:hlinkClick>
-              </a:rPr>
-              <a:t>nanochat tokenizer code</a:t>
-            </a:r>
-            <a:endParaRPr b="1">
-              <a:solidFill>
-                <a:srgbClr val="DCB439"/>
-              </a:solidFill>
-            </a:endParaRPr>
-          </a:p>
-          <a:p>
-            <a:pPr indent="0" lvl="0" marL="0" rtl="0" algn="ctr">
-              <a:lnSpc>
-                <a:spcPct val="100000"/>
-              </a:lnSpc>
-              <a:spcBef>
-                <a:spcPts val="600"/>
-              </a:spcBef>
-              <a:spcAft>
-                <a:spcPts val="0"/>
-              </a:spcAft>
-              <a:buSzPts val="3000"/>
-              <a:buNone/>
-            </a:pPr>
-            <a:r>
-              <a:t/>
-            </a:r>
-            <a:endParaRPr b="1">
-              <a:solidFill>
-                <a:srgbClr val="DCB439"/>
-              </a:solidFill>
-            </a:endParaRPr>
-          </a:p>
-          <a:p>
-            <a:pPr indent="0" lvl="0" marL="0" rtl="0" algn="ctr">
-              <a:spcBef>
-                <a:spcPts val="600"/>
-              </a:spcBef>
-              <a:spcAft>
-                <a:spcPts val="0"/>
-              </a:spcAft>
-              <a:buClr>
-                <a:schemeClr val="dk1"/>
-              </a:buClr>
-              <a:buSzPts val="3000"/>
-              <a:buFont typeface="Arial"/>
-              <a:buNone/>
-            </a:pPr>
-            <a:r>
-              <a:rPr b="1" lang="en" u="sng">
-                <a:solidFill>
-                  <a:srgbClr val="DCB439"/>
-                </a:solidFill>
-                <a:hlinkClick r:id="rId4">
-                  <a:extLst>
-                    <a:ext uri="{A12FA001-AC4F-418D-AE19-62706E023703}">
-                      <ahyp:hlinkClr val="tx"/>
-                    </a:ext>
-                  </a:extLst>
-                </a:hlinkClick>
-              </a:rPr>
-              <a:t>tiktoken</a:t>
-            </a:r>
-            <a:r>
-              <a:rPr b="1" lang="en" u="sng">
-                <a:solidFill>
-                  <a:srgbClr val="DCB439"/>
-                </a:solidFill>
-                <a:hlinkClick r:id="rId5">
-                  <a:extLst>
-                    <a:ext uri="{A12FA001-AC4F-418D-AE19-62706E023703}">
-                      <ahyp:hlinkClr val="tx"/>
-                    </a:ext>
-                  </a:extLst>
-                </a:hlinkClick>
-              </a:rPr>
-              <a:t> code</a:t>
-            </a:r>
-            <a:endParaRPr b="1">
-              <a:solidFill>
-                <a:srgbClr val="DCB439"/>
-              </a:solidFill>
-            </a:endParaRPr>
-          </a:p>
-          <a:p>
-            <a:pPr indent="0" lvl="0" marL="0" rtl="0" algn="ctr">
-              <a:lnSpc>
-                <a:spcPct val="100000"/>
-              </a:lnSpc>
-              <a:spcBef>
-                <a:spcPts val="600"/>
-              </a:spcBef>
-              <a:spcAft>
-                <a:spcPts val="0"/>
-              </a:spcAft>
-              <a:buSzPts val="3000"/>
-              <a:buNone/>
-            </a:pPr>
-            <a:r>
-              <a:t/>
-            </a:r>
-            <a:endParaRPr b="1">
-              <a:solidFill>
-                <a:srgbClr val="DCB439"/>
-              </a:solidFill>
-            </a:endParaRPr>
+              <a:rPr lang="en"/>
+              <a:t>Last class we wrote a </a:t>
+            </a:r>
+            <a:r>
+              <a:rPr b="1" lang="en">
+                <a:solidFill>
+                  <a:srgbClr val="A31415"/>
+                </a:solidFill>
+                <a:latin typeface="Consolas"/>
+                <a:ea typeface="Consolas"/>
+                <a:cs typeface="Consolas"/>
+                <a:sym typeface="Consolas"/>
+              </a:rPr>
+              <a:t>function</a:t>
+            </a:r>
+            <a:r>
+              <a:rPr lang="en"/>
+              <a:t> we called </a:t>
+            </a:r>
+            <a:r>
+              <a:rPr b="1" lang="en">
+                <a:solidFill>
+                  <a:srgbClr val="5AABBC"/>
+                </a:solidFill>
+                <a:latin typeface="Consolas"/>
+                <a:ea typeface="Consolas"/>
+                <a:cs typeface="Consolas"/>
+                <a:sym typeface="Consolas"/>
+              </a:rPr>
+              <a:t>count_consecutive_pairs()</a:t>
+            </a:r>
+            <a:r>
+              <a:rPr lang="en"/>
+              <a:t>, we can use this to find </a:t>
+            </a:r>
+            <a:r>
+              <a:rPr b="1" lang="en">
+                <a:solidFill>
+                  <a:srgbClr val="002B5B"/>
+                </a:solidFill>
+              </a:rPr>
+              <a:t>tokens</a:t>
+            </a:r>
+            <a:r>
+              <a:rPr lang="en"/>
+              <a:t> that frequently appear near each other!</a:t>
+            </a:r>
+            <a:endParaRPr/>
           </a:p>
         </p:txBody>
       </p:sp>
       <p:pic>
         <p:nvPicPr>
-          <p:cNvPr id="146" name="Google Shape;146;g3b8409de4d6_0_108"/>
+          <p:cNvPr id="146" name="Google Shape;146;g3baf4acbdf2_0_32" title="Screenshot 2026-01-20 at 10.46.28 AM.png"/>
           <p:cNvPicPr preferRelativeResize="0"/>
           <p:nvPr/>
         </p:nvPicPr>
-        <p:blipFill>
-          <a:blip r:embed="rId6">
+        <p:blipFill rotWithShape="1">
+          <a:blip r:embed="rId3">
             <a:alphaModFix/>
           </a:blip>
-          <a:stretch>
-            <a:fillRect/>
-          </a:stretch>
+          <a:srcRect b="0" l="0" r="0" t="0"/>
+          <a:stretch/>
         </p:blipFill>
         <p:spPr>
           <a:xfrm>
-            <a:off x="183021" y="3503921"/>
-            <a:ext cx="3231975" cy="3219100"/>
+            <a:off x="1028975" y="3875150"/>
+            <a:ext cx="7086051" cy="2388200"/>
+          </a:xfrm>
+          <a:prstGeom prst="rect">
+            <a:avLst/>
+          </a:prstGeom>
+          <a:noFill/>
+          <a:ln cap="flat" cmpd="sng" w="38100">
+            <a:solidFill>
+              <a:srgbClr val="002B5B"/>
+            </a:solidFill>
+            <a:prstDash val="solid"/>
+            <a:round/>
+            <a:headEnd len="sm" w="sm" type="none"/>
+            <a:tailEnd len="sm" w="sm" type="none"/>
+          </a:ln>
+        </p:spPr>
+      </p:pic>
+    </p:spTree>
+  </p:cSld>
+  <p:clrMapOvr>
+    <a:masterClrMapping/>
+  </p:clrMapOvr>
+</p:sld>
+</file>
+
+<file path=ppt/slides/slide17.xml><?xml version="1.0" encoding="utf-8"?>
+<p:sld xmlns:a="http://schemas.openxmlformats.org/drawingml/2006/main" xmlns:r="http://schemas.openxmlformats.org/officeDocument/2006/relationships" xmlns:mc="http://schemas.openxmlformats.org/markup-compatibility/2006" xmlns:mv="urn:schemas-microsoft-com:mac:vml" xmlns:p="http://schemas.openxmlformats.org/presentationml/2006/main" xmlns:c="http://schemas.openxmlformats.org/drawingml/2006/chart" xmlns:dgm="http://schemas.openxmlformats.org/drawingml/2006/diagram" xmlns:o="urn:schemas-microsoft-com:office:office" xmlns:v="urn:schemas-microsoft-com:vml" xmlns:pvml="urn:schemas-microsoft-com:office:powerpoint" xmlns:com="http://schemas.openxmlformats.org/drawingml/2006/compatibility" xmlns:p14="http://schemas.microsoft.com/office/powerpoint/2010/main" xmlns:p15="http://schemas.microsoft.com/office/powerpoint/2012/main" xmlns:ahyp="http://schemas.microsoft.com/office/drawing/2018/hyperlinkcolor">
+  <p:cSld>
+    <p:spTree>
+      <p:nvGrpSpPr>
+        <p:cNvPr id="150" name="Shape 150"/>
+        <p:cNvGrpSpPr/>
+        <p:nvPr/>
+      </p:nvGrpSpPr>
+      <p:grpSpPr>
+        <a:xfrm>
+          <a:off x="0" y="0"/>
+          <a:ext cx="0" cy="0"/>
+          <a:chOff x="0" y="0"/>
+          <a:chExt cx="0" cy="0"/>
+        </a:xfrm>
+      </p:grpSpPr>
+      <p:sp>
+        <p:nvSpPr>
+          <p:cNvPr id="151" name="Google Shape;151;g3baf4acbdf2_0_40"/>
+          <p:cNvSpPr txBox="1"/>
+          <p:nvPr>
+            <p:ph type="title"/>
+          </p:nvPr>
+        </p:nvSpPr>
+        <p:spPr>
+          <a:xfrm>
+            <a:off x="457200" y="274638"/>
+            <a:ext cx="8229600" cy="1143000"/>
           </a:xfrm>
           <a:prstGeom prst="rect">
             <a:avLst/>
@@ -10175,25 +10364,89 @@
             <a:noFill/>
           </a:ln>
         </p:spPr>
-      </p:pic>
-      <p:pic>
-        <p:nvPicPr>
-          <p:cNvPr id="147" name="Google Shape;147;g3b8409de4d6_0_108" title="IMG_0529.jpeg"/>
-          <p:cNvPicPr preferRelativeResize="0"/>
-          <p:nvPr/>
-        </p:nvPicPr>
-        <p:blipFill>
-          <a:blip r:embed="rId7">
-            <a:alphaModFix/>
-          </a:blip>
-          <a:stretch>
-            <a:fillRect/>
-          </a:stretch>
-        </p:blipFill>
+        <p:txBody>
+          <a:bodyPr anchorCtr="0" anchor="b" bIns="91425" lIns="91425" spcFirstLastPara="1" rIns="91425" wrap="square" tIns="91425">
+            <a:noAutofit/>
+          </a:bodyPr>
+          <a:lstStyle/>
+          <a:p>
+            <a:pPr indent="0" lvl="0" marL="0" rtl="0" algn="l">
+              <a:lnSpc>
+                <a:spcPct val="100000"/>
+              </a:lnSpc>
+              <a:spcBef>
+                <a:spcPts val="0"/>
+              </a:spcBef>
+              <a:spcAft>
+                <a:spcPts val="0"/>
+              </a:spcAft>
+              <a:buSzPts val="3600"/>
+              <a:buNone/>
+            </a:pPr>
+            <a:r>
+              <a:rPr lang="en">
+                <a:solidFill>
+                  <a:srgbClr val="A31415"/>
+                </a:solidFill>
+                <a:latin typeface="Consolas"/>
+                <a:ea typeface="Consolas"/>
+                <a:cs typeface="Consolas"/>
+                <a:sym typeface="Consolas"/>
+              </a:rPr>
+              <a:t>programming</a:t>
+            </a:r>
+            <a:r>
+              <a:rPr lang="en"/>
+              <a:t>: </a:t>
+            </a:r>
+            <a:r>
+              <a:rPr lang="en">
+                <a:solidFill>
+                  <a:srgbClr val="5AABBC"/>
+                </a:solidFill>
+                <a:latin typeface="Consolas"/>
+                <a:ea typeface="Consolas"/>
+                <a:cs typeface="Consolas"/>
+                <a:sym typeface="Consolas"/>
+              </a:rPr>
+              <a:t>replace</a:t>
+            </a:r>
+            <a:r>
+              <a:rPr lang="en">
+                <a:solidFill>
+                  <a:srgbClr val="5AABBC"/>
+                </a:solidFill>
+                <a:latin typeface="Consolas"/>
+                <a:ea typeface="Consolas"/>
+                <a:cs typeface="Consolas"/>
+                <a:sym typeface="Consolas"/>
+              </a:rPr>
+              <a:t>_pairs()</a:t>
+            </a:r>
+            <a:endParaRPr>
+              <a:solidFill>
+                <a:srgbClr val="5AABBC"/>
+              </a:solidFill>
+              <a:latin typeface="Consolas"/>
+              <a:ea typeface="Consolas"/>
+              <a:cs typeface="Consolas"/>
+              <a:sym typeface="Consolas"/>
+            </a:endParaRPr>
+          </a:p>
+        </p:txBody>
+      </p:sp>
+      <p:sp>
+        <p:nvSpPr>
+          <p:cNvPr id="152" name="Google Shape;152;g3baf4acbdf2_0_40"/>
+          <p:cNvSpPr txBox="1"/>
+          <p:nvPr>
+            <p:ph idx="1" type="body"/>
+          </p:nvPr>
+        </p:nvSpPr>
         <p:spPr>
           <a:xfrm>
-            <a:off x="2000250" y="0"/>
-            <a:ext cx="5143500" cy="6857999"/>
+            <a:off x="457200" y="1600200"/>
+            <a:ext cx="8229600" cy="4967700"/>
           </a:xfrm>
           <a:prstGeom prst="rect">
             <a:avLst/>
@@ -10203,7 +10456,548 @@
             <a:noFill/>
           </a:ln>
         </p:spPr>
-      </p:pic>
+        <p:txBody>
+          <a:bodyPr anchorCtr="0" anchor="t" bIns="91425" lIns="91425" spcFirstLastPara="1" rIns="91425" wrap="square" tIns="91425">
+            <a:noAutofit/>
+          </a:bodyPr>
+          <a:lstStyle/>
+          <a:p>
+            <a:pPr indent="0" lvl="0" marL="0" rtl="0" algn="l">
+              <a:lnSpc>
+                <a:spcPct val="100000"/>
+              </a:lnSpc>
+              <a:spcBef>
+                <a:spcPts val="600"/>
+              </a:spcBef>
+              <a:spcAft>
+                <a:spcPts val="0"/>
+              </a:spcAft>
+              <a:buSzPts val="3000"/>
+              <a:buNone/>
+            </a:pPr>
+            <a:r>
+              <a:rPr lang="en"/>
+              <a:t>Today we wrote a </a:t>
+            </a:r>
+            <a:r>
+              <a:rPr b="1" lang="en">
+                <a:solidFill>
+                  <a:srgbClr val="A31415"/>
+                </a:solidFill>
+                <a:latin typeface="Consolas"/>
+                <a:ea typeface="Consolas"/>
+                <a:cs typeface="Consolas"/>
+                <a:sym typeface="Consolas"/>
+              </a:rPr>
+              <a:t>function</a:t>
+            </a:r>
+            <a:r>
+              <a:rPr lang="en"/>
+              <a:t> we called </a:t>
+            </a:r>
+            <a:r>
+              <a:rPr b="1" lang="en">
+                <a:solidFill>
+                  <a:srgbClr val="5AABBC"/>
+                </a:solidFill>
+                <a:latin typeface="Consolas"/>
+                <a:ea typeface="Consolas"/>
+                <a:cs typeface="Consolas"/>
+                <a:sym typeface="Consolas"/>
+              </a:rPr>
+              <a:t>replace_pairs()</a:t>
+            </a:r>
+            <a:r>
+              <a:rPr lang="en"/>
+              <a:t> which we can use to merge the frequent pairs into new, larger </a:t>
+            </a:r>
+            <a:r>
+              <a:rPr b="1" lang="en">
+                <a:solidFill>
+                  <a:srgbClr val="002B5B"/>
+                </a:solidFill>
+              </a:rPr>
+              <a:t>tokens</a:t>
+            </a:r>
+            <a:r>
+              <a:rPr lang="en"/>
+              <a:t>!</a:t>
+            </a:r>
+            <a:endParaRPr/>
+          </a:p>
+        </p:txBody>
+      </p:sp>
+    </p:spTree>
+  </p:cSld>
+  <p:clrMapOvr>
+    <a:masterClrMapping/>
+  </p:clrMapOvr>
+</p:sld>
+</file>
+
+<file path=ppt/slides/slide18.xml><?xml version="1.0" encoding="utf-8"?>
+<p:sld xmlns:a="http://schemas.openxmlformats.org/drawingml/2006/main" xmlns:r="http://schemas.openxmlformats.org/officeDocument/2006/relationships" xmlns:mc="http://schemas.openxmlformats.org/markup-compatibility/2006" xmlns:mv="urn:schemas-microsoft-com:mac:vml" xmlns:p="http://schemas.openxmlformats.org/presentationml/2006/main" xmlns:c="http://schemas.openxmlformats.org/drawingml/2006/chart" xmlns:dgm="http://schemas.openxmlformats.org/drawingml/2006/diagram" xmlns:o="urn:schemas-microsoft-com:office:office" xmlns:v="urn:schemas-microsoft-com:vml" xmlns:pvml="urn:schemas-microsoft-com:office:powerpoint" xmlns:com="http://schemas.openxmlformats.org/drawingml/2006/compatibility" xmlns:p14="http://schemas.microsoft.com/office/powerpoint/2010/main" xmlns:p15="http://schemas.microsoft.com/office/powerpoint/2012/main" xmlns:ahyp="http://schemas.microsoft.com/office/drawing/2018/hyperlinkcolor">
+  <p:cSld>
+    <p:spTree>
+      <p:nvGrpSpPr>
+        <p:cNvPr id="156" name="Shape 156"/>
+        <p:cNvGrpSpPr/>
+        <p:nvPr/>
+      </p:nvGrpSpPr>
+      <p:grpSpPr>
+        <a:xfrm>
+          <a:off x="0" y="0"/>
+          <a:ext cx="0" cy="0"/>
+          <a:chOff x="0" y="0"/>
+          <a:chExt cx="0" cy="0"/>
+        </a:xfrm>
+      </p:grpSpPr>
+      <p:sp>
+        <p:nvSpPr>
+          <p:cNvPr id="157" name="Google Shape;157;g3baf4acbdf2_0_49"/>
+          <p:cNvSpPr txBox="1"/>
+          <p:nvPr>
+            <p:ph type="title"/>
+          </p:nvPr>
+        </p:nvSpPr>
+        <p:spPr>
+          <a:xfrm>
+            <a:off x="457200" y="274638"/>
+            <a:ext cx="8229600" cy="1143000"/>
+          </a:xfrm>
+          <a:prstGeom prst="rect">
+            <a:avLst/>
+          </a:prstGeom>
+          <a:noFill/>
+          <a:ln>
+            <a:noFill/>
+          </a:ln>
+        </p:spPr>
+        <p:txBody>
+          <a:bodyPr anchorCtr="0" anchor="b" bIns="91425" lIns="91425" spcFirstLastPara="1" rIns="91425" wrap="square" tIns="91425">
+            <a:noAutofit/>
+          </a:bodyPr>
+          <a:lstStyle/>
+          <a:p>
+            <a:pPr indent="0" lvl="0" marL="0" rtl="0" algn="l">
+              <a:lnSpc>
+                <a:spcPct val="100000"/>
+              </a:lnSpc>
+              <a:spcBef>
+                <a:spcPts val="0"/>
+              </a:spcBef>
+              <a:spcAft>
+                <a:spcPts val="0"/>
+              </a:spcAft>
+              <a:buSzPts val="3600"/>
+              <a:buNone/>
+            </a:pPr>
+            <a:r>
+              <a:rPr lang="en">
+                <a:solidFill>
+                  <a:srgbClr val="A31415"/>
+                </a:solidFill>
+                <a:latin typeface="Consolas"/>
+                <a:ea typeface="Consolas"/>
+                <a:cs typeface="Consolas"/>
+                <a:sym typeface="Consolas"/>
+              </a:rPr>
+              <a:t>programming</a:t>
+            </a:r>
+            <a:r>
+              <a:rPr lang="en"/>
+              <a:t>: </a:t>
+            </a:r>
+            <a:r>
+              <a:rPr lang="en">
+                <a:solidFill>
+                  <a:srgbClr val="5AABBC"/>
+                </a:solidFill>
+                <a:latin typeface="Consolas"/>
+                <a:ea typeface="Consolas"/>
+                <a:cs typeface="Consolas"/>
+                <a:sym typeface="Consolas"/>
+              </a:rPr>
+              <a:t>Simple_Tokenizer()</a:t>
+            </a:r>
+            <a:endParaRPr>
+              <a:solidFill>
+                <a:srgbClr val="5AABBC"/>
+              </a:solidFill>
+              <a:latin typeface="Consolas"/>
+              <a:ea typeface="Consolas"/>
+              <a:cs typeface="Consolas"/>
+              <a:sym typeface="Consolas"/>
+            </a:endParaRPr>
+          </a:p>
+        </p:txBody>
+      </p:sp>
+      <p:sp>
+        <p:nvSpPr>
+          <p:cNvPr id="158" name="Google Shape;158;g3baf4acbdf2_0_49"/>
+          <p:cNvSpPr txBox="1"/>
+          <p:nvPr>
+            <p:ph idx="1" type="body"/>
+          </p:nvPr>
+        </p:nvSpPr>
+        <p:spPr>
+          <a:xfrm>
+            <a:off x="457200" y="1600200"/>
+            <a:ext cx="8229600" cy="4967700"/>
+          </a:xfrm>
+          <a:prstGeom prst="rect">
+            <a:avLst/>
+          </a:prstGeom>
+          <a:noFill/>
+          <a:ln>
+            <a:noFill/>
+          </a:ln>
+        </p:spPr>
+        <p:txBody>
+          <a:bodyPr anchorCtr="0" anchor="t" bIns="91425" lIns="91425" spcFirstLastPara="1" rIns="91425" wrap="square" tIns="91425">
+            <a:noAutofit/>
+          </a:bodyPr>
+          <a:lstStyle/>
+          <a:p>
+            <a:pPr indent="0" lvl="0" marL="0" rtl="0" algn="l">
+              <a:lnSpc>
+                <a:spcPct val="100000"/>
+              </a:lnSpc>
+              <a:spcBef>
+                <a:spcPts val="600"/>
+              </a:spcBef>
+              <a:spcAft>
+                <a:spcPts val="0"/>
+              </a:spcAft>
+              <a:buSzPts val="3000"/>
+              <a:buNone/>
+            </a:pPr>
+            <a:r>
+              <a:rPr lang="en"/>
+              <a:t>Today we wrote a </a:t>
+            </a:r>
+            <a:r>
+              <a:rPr b="1" lang="en">
+                <a:solidFill>
+                  <a:srgbClr val="A31415"/>
+                </a:solidFill>
+                <a:latin typeface="Consolas"/>
+                <a:ea typeface="Consolas"/>
+                <a:cs typeface="Consolas"/>
+                <a:sym typeface="Consolas"/>
+              </a:rPr>
+              <a:t>function</a:t>
+            </a:r>
+            <a:r>
+              <a:rPr lang="en"/>
+              <a:t> we called </a:t>
+            </a:r>
+            <a:r>
+              <a:rPr b="1" lang="en">
+                <a:solidFill>
+                  <a:srgbClr val="5AABBC"/>
+                </a:solidFill>
+                <a:latin typeface="Consolas"/>
+                <a:ea typeface="Consolas"/>
+                <a:cs typeface="Consolas"/>
+                <a:sym typeface="Consolas"/>
+              </a:rPr>
+              <a:t>replace_pairs()</a:t>
+            </a:r>
+            <a:r>
+              <a:rPr lang="en"/>
+              <a:t> which we can use to merge the frequent pairs into new, larger </a:t>
+            </a:r>
+            <a:r>
+              <a:rPr b="1" lang="en">
+                <a:solidFill>
+                  <a:srgbClr val="002B5B"/>
+                </a:solidFill>
+              </a:rPr>
+              <a:t>tokens</a:t>
+            </a:r>
+            <a:r>
+              <a:rPr lang="en"/>
+              <a:t>!</a:t>
+            </a:r>
+            <a:endParaRPr/>
+          </a:p>
+        </p:txBody>
+      </p:sp>
+    </p:spTree>
+  </p:cSld>
+  <p:clrMapOvr>
+    <a:masterClrMapping/>
+  </p:clrMapOvr>
+</p:sld>
+</file>
+
+<file path=ppt/slides/slide19.xml><?xml version="1.0" encoding="utf-8"?>
+<p:sld xmlns:a="http://schemas.openxmlformats.org/drawingml/2006/main" xmlns:r="http://schemas.openxmlformats.org/officeDocument/2006/relationships" xmlns:mc="http://schemas.openxmlformats.org/markup-compatibility/2006" xmlns:mv="urn:schemas-microsoft-com:mac:vml" xmlns:p="http://schemas.openxmlformats.org/presentationml/2006/main" xmlns:c="http://schemas.openxmlformats.org/drawingml/2006/chart" xmlns:dgm="http://schemas.openxmlformats.org/drawingml/2006/diagram" xmlns:o="urn:schemas-microsoft-com:office:office" xmlns:v="urn:schemas-microsoft-com:vml" xmlns:pvml="urn:schemas-microsoft-com:office:powerpoint" xmlns:com="http://schemas.openxmlformats.org/drawingml/2006/compatibility" xmlns:p14="http://schemas.microsoft.com/office/powerpoint/2010/main" xmlns:p15="http://schemas.microsoft.com/office/powerpoint/2012/main" xmlns:ahyp="http://schemas.microsoft.com/office/drawing/2018/hyperlinkcolor">
+  <p:cSld>
+    <p:spTree>
+      <p:nvGrpSpPr>
+        <p:cNvPr id="162" name="Shape 162"/>
+        <p:cNvGrpSpPr/>
+        <p:nvPr/>
+      </p:nvGrpSpPr>
+      <p:grpSpPr>
+        <a:xfrm>
+          <a:off x="0" y="0"/>
+          <a:ext cx="0" cy="0"/>
+          <a:chOff x="0" y="0"/>
+          <a:chExt cx="0" cy="0"/>
+        </a:xfrm>
+      </p:grpSpPr>
+      <p:sp>
+        <p:nvSpPr>
+          <p:cNvPr id="163" name="Google Shape;163;g3baf4acbdf2_0_65"/>
+          <p:cNvSpPr txBox="1"/>
+          <p:nvPr>
+            <p:ph type="title"/>
+          </p:nvPr>
+        </p:nvSpPr>
+        <p:spPr>
+          <a:xfrm>
+            <a:off x="457200" y="274638"/>
+            <a:ext cx="8229600" cy="1143000"/>
+          </a:xfrm>
+          <a:prstGeom prst="rect">
+            <a:avLst/>
+          </a:prstGeom>
+        </p:spPr>
+        <p:txBody>
+          <a:bodyPr anchorCtr="0" anchor="b" bIns="91425" lIns="91425" spcFirstLastPara="1" rIns="91425" wrap="square" tIns="91425">
+            <a:noAutofit/>
+          </a:bodyPr>
+          <a:lstStyle/>
+          <a:p>
+            <a:pPr indent="0" lvl="0" marL="0" rtl="0" algn="l">
+              <a:spcBef>
+                <a:spcPts val="0"/>
+              </a:spcBef>
+              <a:spcAft>
+                <a:spcPts val="0"/>
+              </a:spcAft>
+              <a:buNone/>
+            </a:pPr>
+            <a:r>
+              <a:rPr lang="en">
+                <a:solidFill>
+                  <a:srgbClr val="A31415"/>
+                </a:solidFill>
+                <a:latin typeface="Consolas"/>
+                <a:ea typeface="Consolas"/>
+                <a:cs typeface="Consolas"/>
+                <a:sym typeface="Consolas"/>
+              </a:rPr>
+              <a:t>“tonight?”</a:t>
+            </a:r>
+            <a:r>
+              <a:rPr lang="en"/>
+              <a:t> vs. </a:t>
+            </a:r>
+            <a:r>
+              <a:rPr lang="en">
+                <a:solidFill>
+                  <a:srgbClr val="A31415"/>
+                </a:solidFill>
+                <a:latin typeface="Consolas"/>
+                <a:ea typeface="Consolas"/>
+                <a:cs typeface="Consolas"/>
+                <a:sym typeface="Consolas"/>
+              </a:rPr>
+              <a:t>“tonight”</a:t>
+            </a:r>
+            <a:endParaRPr>
+              <a:solidFill>
+                <a:srgbClr val="A31415"/>
+              </a:solidFill>
+              <a:latin typeface="Consolas"/>
+              <a:ea typeface="Consolas"/>
+              <a:cs typeface="Consolas"/>
+              <a:sym typeface="Consolas"/>
+            </a:endParaRPr>
+          </a:p>
+        </p:txBody>
+      </p:sp>
+      <p:sp>
+        <p:nvSpPr>
+          <p:cNvPr id="164" name="Google Shape;164;g3baf4acbdf2_0_65"/>
+          <p:cNvSpPr txBox="1"/>
+          <p:nvPr>
+            <p:ph idx="1" type="body"/>
+          </p:nvPr>
+        </p:nvSpPr>
+        <p:spPr>
+          <a:xfrm>
+            <a:off x="457200" y="1600200"/>
+            <a:ext cx="8229600" cy="4967700"/>
+          </a:xfrm>
+          <a:prstGeom prst="rect">
+            <a:avLst/>
+          </a:prstGeom>
+        </p:spPr>
+        <p:txBody>
+          <a:bodyPr anchorCtr="0" anchor="t" bIns="91425" lIns="91425" spcFirstLastPara="1" rIns="91425" wrap="square" tIns="91425">
+            <a:noAutofit/>
+          </a:bodyPr>
+          <a:lstStyle/>
+          <a:p>
+            <a:pPr indent="0" lvl="0" marL="0" rtl="0" algn="l">
+              <a:spcBef>
+                <a:spcPts val="600"/>
+              </a:spcBef>
+              <a:spcAft>
+                <a:spcPts val="0"/>
+              </a:spcAft>
+              <a:buNone/>
+            </a:pPr>
+            <a:r>
+              <a:rPr lang="en"/>
+              <a:t>This simple tokenizer works, but it seems very silly that </a:t>
+            </a:r>
+            <a:r>
+              <a:rPr b="1" lang="en">
+                <a:solidFill>
+                  <a:srgbClr val="A31415"/>
+                </a:solidFill>
+                <a:latin typeface="Consolas"/>
+                <a:ea typeface="Consolas"/>
+                <a:cs typeface="Consolas"/>
+                <a:sym typeface="Consolas"/>
+              </a:rPr>
+              <a:t>“tonight?”</a:t>
+            </a:r>
+            <a:r>
+              <a:rPr lang="en"/>
+              <a:t> is a different token than </a:t>
+            </a:r>
+            <a:r>
+              <a:rPr b="1" lang="en">
+                <a:solidFill>
+                  <a:srgbClr val="A31415"/>
+                </a:solidFill>
+              </a:rPr>
+              <a:t>“tonight”</a:t>
+            </a:r>
+            <a:r>
+              <a:rPr lang="en"/>
+              <a:t>.</a:t>
+            </a:r>
+            <a:endParaRPr/>
+          </a:p>
+          <a:p>
+            <a:pPr indent="0" lvl="0" marL="0" rtl="0" algn="l">
+              <a:spcBef>
+                <a:spcPts val="600"/>
+              </a:spcBef>
+              <a:spcAft>
+                <a:spcPts val="0"/>
+              </a:spcAft>
+              <a:buNone/>
+            </a:pPr>
+            <a:r>
+              <a:t/>
+            </a:r>
+            <a:endParaRPr/>
+          </a:p>
+          <a:p>
+            <a:pPr indent="0" lvl="0" marL="0" rtl="0" algn="l">
+              <a:spcBef>
+                <a:spcPts val="600"/>
+              </a:spcBef>
+              <a:spcAft>
+                <a:spcPts val="0"/>
+              </a:spcAft>
+              <a:buNone/>
+            </a:pPr>
+            <a:r>
+              <a:t/>
+            </a:r>
+            <a:endParaRPr/>
+          </a:p>
+          <a:p>
+            <a:pPr indent="0" lvl="0" marL="0" rtl="0" algn="l">
+              <a:spcBef>
+                <a:spcPts val="0"/>
+              </a:spcBef>
+              <a:spcAft>
+                <a:spcPts val="0"/>
+              </a:spcAft>
+              <a:buNone/>
+            </a:pPr>
+            <a:r>
+              <a:t/>
+            </a:r>
+            <a:endParaRPr b="1">
+              <a:solidFill>
+                <a:srgbClr val="002B5B"/>
+              </a:solidFill>
+            </a:endParaRPr>
+          </a:p>
+          <a:p>
+            <a:pPr indent="0" lvl="0" marL="0" rtl="0" algn="l">
+              <a:spcBef>
+                <a:spcPts val="0"/>
+              </a:spcBef>
+              <a:spcAft>
+                <a:spcPts val="0"/>
+              </a:spcAft>
+              <a:buNone/>
+            </a:pPr>
+            <a:r>
+              <a:t/>
+            </a:r>
+            <a:endParaRPr b="1">
+              <a:solidFill>
+                <a:srgbClr val="002B5B"/>
+              </a:solidFill>
+            </a:endParaRPr>
+          </a:p>
+          <a:p>
+            <a:pPr indent="0" lvl="0" marL="0" rtl="0" algn="l">
+              <a:spcBef>
+                <a:spcPts val="0"/>
+              </a:spcBef>
+              <a:spcAft>
+                <a:spcPts val="0"/>
+              </a:spcAft>
+              <a:buClr>
+                <a:schemeClr val="dk1"/>
+              </a:buClr>
+              <a:buSzPts val="3000"/>
+              <a:buFont typeface="Arial"/>
+              <a:buNone/>
+            </a:pPr>
+            <a:r>
+              <a:rPr b="1" lang="en">
+                <a:solidFill>
+                  <a:srgbClr val="002B5B"/>
+                </a:solidFill>
+              </a:rPr>
+              <a:t>BPE</a:t>
+            </a:r>
+            <a:r>
+              <a:rPr lang="en"/>
+              <a:t> is excellent at breaking down words statistically, but </a:t>
+            </a:r>
+            <a:r>
+              <a:rPr b="1" lang="en">
+                <a:solidFill>
+                  <a:srgbClr val="A31415"/>
+                </a:solidFill>
+              </a:rPr>
+              <a:t>it can make suboptimal merges</a:t>
+            </a:r>
+            <a:r>
+              <a:rPr lang="en"/>
+              <a:t> like combining punctuation with words.</a:t>
+            </a:r>
+            <a:endParaRPr/>
+          </a:p>
+        </p:txBody>
+      </p:sp>
     </p:spTree>
   </p:cSld>
   <p:clrMapOvr>
@@ -10361,7 +11155,7 @@
                 <a:cs typeface="Consolas"/>
                 <a:sym typeface="Consolas"/>
               </a:rPr>
-              <a:t>counter</a:t>
+              <a:t>Counter</a:t>
             </a:r>
             <a:r>
               <a:rPr b="0" i="0" lang="en" sz="1800" u="none" cap="none" strike="noStrike">
@@ -10418,6 +11212,1240 @@
           </a:p>
         </p:txBody>
       </p:sp>
+      <p:pic>
+        <p:nvPicPr>
+          <p:cNvPr id="42" name="Google Shape;42;g3b8409de4d6_0_60" title="Screenshot 2026-01-21 at 9.52.57 AM.png"/>
+          <p:cNvPicPr preferRelativeResize="0"/>
+          <p:nvPr/>
+        </p:nvPicPr>
+        <p:blipFill>
+          <a:blip r:embed="rId4">
+            <a:alphaModFix/>
+          </a:blip>
+          <a:stretch>
+            <a:fillRect/>
+          </a:stretch>
+        </p:blipFill>
+        <p:spPr>
+          <a:xfrm>
+            <a:off x="457200" y="1417646"/>
+            <a:ext cx="4783499" cy="2433725"/>
+          </a:xfrm>
+          <a:prstGeom prst="rect">
+            <a:avLst/>
+          </a:prstGeom>
+          <a:noFill/>
+          <a:ln cap="flat" cmpd="sng" w="38100">
+            <a:solidFill>
+              <a:srgbClr val="002B5B"/>
+            </a:solidFill>
+            <a:prstDash val="solid"/>
+            <a:round/>
+            <a:headEnd len="sm" w="sm" type="none"/>
+            <a:tailEnd len="sm" w="sm" type="none"/>
+          </a:ln>
+        </p:spPr>
+      </p:pic>
+      <p:pic>
+        <p:nvPicPr>
+          <p:cNvPr id="43" name="Google Shape;43;g3b8409de4d6_0_60" title="Screenshot 2026-01-21 at 9.51.40 AM.png"/>
+          <p:cNvPicPr preferRelativeResize="0"/>
+          <p:nvPr/>
+        </p:nvPicPr>
+        <p:blipFill>
+          <a:blip r:embed="rId5">
+            <a:alphaModFix/>
+          </a:blip>
+          <a:stretch>
+            <a:fillRect/>
+          </a:stretch>
+        </p:blipFill>
+        <p:spPr>
+          <a:xfrm>
+            <a:off x="4361450" y="4003771"/>
+            <a:ext cx="4325346" cy="1737979"/>
+          </a:xfrm>
+          <a:prstGeom prst="rect">
+            <a:avLst/>
+          </a:prstGeom>
+          <a:noFill/>
+          <a:ln cap="flat" cmpd="sng" w="38100">
+            <a:solidFill>
+              <a:srgbClr val="002B5B"/>
+            </a:solidFill>
+            <a:prstDash val="solid"/>
+            <a:round/>
+            <a:headEnd len="sm" w="sm" type="none"/>
+            <a:tailEnd len="sm" w="sm" type="none"/>
+          </a:ln>
+        </p:spPr>
+      </p:pic>
+    </p:spTree>
+  </p:cSld>
+  <p:clrMapOvr>
+    <a:masterClrMapping/>
+  </p:clrMapOvr>
+</p:sld>
+</file>
+
+<file path=ppt/slides/slide20.xml><?xml version="1.0" encoding="utf-8"?>
+<p:sld xmlns:a="http://schemas.openxmlformats.org/drawingml/2006/main" xmlns:r="http://schemas.openxmlformats.org/officeDocument/2006/relationships" xmlns:mc="http://schemas.openxmlformats.org/markup-compatibility/2006" xmlns:mv="urn:schemas-microsoft-com:mac:vml" xmlns:p="http://schemas.openxmlformats.org/presentationml/2006/main" xmlns:c="http://schemas.openxmlformats.org/drawingml/2006/chart" xmlns:dgm="http://schemas.openxmlformats.org/drawingml/2006/diagram" xmlns:o="urn:schemas-microsoft-com:office:office" xmlns:v="urn:schemas-microsoft-com:vml" xmlns:pvml="urn:schemas-microsoft-com:office:powerpoint" xmlns:com="http://schemas.openxmlformats.org/drawingml/2006/compatibility" xmlns:p14="http://schemas.microsoft.com/office/powerpoint/2010/main" xmlns:p15="http://schemas.microsoft.com/office/powerpoint/2012/main" xmlns:ahyp="http://schemas.microsoft.com/office/drawing/2018/hyperlinkcolor">
+  <p:cSld>
+    <p:spTree>
+      <p:nvGrpSpPr>
+        <p:cNvPr id="168" name="Shape 168"/>
+        <p:cNvGrpSpPr/>
+        <p:nvPr/>
+      </p:nvGrpSpPr>
+      <p:grpSpPr>
+        <a:xfrm>
+          <a:off x="0" y="0"/>
+          <a:ext cx="0" cy="0"/>
+          <a:chOff x="0" y="0"/>
+          <a:chExt cx="0" cy="0"/>
+        </a:xfrm>
+      </p:grpSpPr>
+      <p:sp>
+        <p:nvSpPr>
+          <p:cNvPr id="169" name="Google Shape;169;g3b938ea6dd9_0_93"/>
+          <p:cNvSpPr txBox="1"/>
+          <p:nvPr>
+            <p:ph type="title"/>
+          </p:nvPr>
+        </p:nvSpPr>
+        <p:spPr>
+          <a:xfrm>
+            <a:off x="457200" y="274638"/>
+            <a:ext cx="8229600" cy="1143000"/>
+          </a:xfrm>
+          <a:prstGeom prst="rect">
+            <a:avLst/>
+          </a:prstGeom>
+          <a:noFill/>
+          <a:ln>
+            <a:noFill/>
+          </a:ln>
+        </p:spPr>
+        <p:txBody>
+          <a:bodyPr anchorCtr="0" anchor="b" bIns="91425" lIns="91425" spcFirstLastPara="1" rIns="91425" wrap="square" tIns="91425">
+            <a:noAutofit/>
+          </a:bodyPr>
+          <a:lstStyle/>
+          <a:p>
+            <a:pPr indent="0" lvl="0" marL="0" rtl="0" algn="l">
+              <a:lnSpc>
+                <a:spcPct val="100000"/>
+              </a:lnSpc>
+              <a:spcBef>
+                <a:spcPts val="0"/>
+              </a:spcBef>
+              <a:spcAft>
+                <a:spcPts val="0"/>
+              </a:spcAft>
+              <a:buSzPts val="3600"/>
+              <a:buNone/>
+            </a:pPr>
+            <a:r>
+              <a:rPr lang="en"/>
+              <a:t>Regex in Tokenization</a:t>
+            </a:r>
+            <a:endParaRPr/>
+          </a:p>
+        </p:txBody>
+      </p:sp>
+      <p:sp>
+        <p:nvSpPr>
+          <p:cNvPr id="170" name="Google Shape;170;g3b938ea6dd9_0_93"/>
+          <p:cNvSpPr txBox="1"/>
+          <p:nvPr/>
+        </p:nvSpPr>
+        <p:spPr>
+          <a:xfrm>
+            <a:off x="457200" y="1417650"/>
+            <a:ext cx="8229600" cy="5025600"/>
+          </a:xfrm>
+          <a:prstGeom prst="rect">
+            <a:avLst/>
+          </a:prstGeom>
+          <a:noFill/>
+          <a:ln>
+            <a:noFill/>
+          </a:ln>
+        </p:spPr>
+        <p:txBody>
+          <a:bodyPr anchorCtr="0" anchor="t" bIns="91425" lIns="91425" spcFirstLastPara="1" rIns="91425" wrap="square" tIns="91425">
+            <a:noAutofit/>
+          </a:bodyPr>
+          <a:lstStyle/>
+          <a:p>
+            <a:pPr indent="0" lvl="0" marL="0" marR="0" rtl="0" algn="l">
+              <a:lnSpc>
+                <a:spcPct val="100000"/>
+              </a:lnSpc>
+              <a:spcBef>
+                <a:spcPts val="0"/>
+              </a:spcBef>
+              <a:spcAft>
+                <a:spcPts val="0"/>
+              </a:spcAft>
+              <a:buClr>
+                <a:srgbClr val="000000"/>
+              </a:buClr>
+              <a:buSzPts val="3000"/>
+              <a:buFont typeface="Arial"/>
+              <a:buNone/>
+            </a:pPr>
+            <a:r>
+              <a:rPr lang="en" sz="3000">
+                <a:solidFill>
+                  <a:schemeClr val="dk1"/>
+                </a:solidFill>
+              </a:rPr>
+              <a:t>What we can do is pre-split our text based on linguistic “landmarks” like whitespace and punctuation using </a:t>
+            </a:r>
+            <a:r>
+              <a:rPr b="1" lang="en" sz="3000">
+                <a:solidFill>
+                  <a:srgbClr val="A31415"/>
+                </a:solidFill>
+                <a:latin typeface="Consolas"/>
+                <a:ea typeface="Consolas"/>
+                <a:cs typeface="Consolas"/>
+                <a:sym typeface="Consolas"/>
+              </a:rPr>
+              <a:t>regex</a:t>
+            </a:r>
+            <a:endParaRPr b="1" i="0" sz="3000" u="none" cap="none" strike="noStrike">
+              <a:solidFill>
+                <a:srgbClr val="A31415"/>
+              </a:solidFill>
+              <a:latin typeface="Consolas"/>
+              <a:ea typeface="Consolas"/>
+              <a:cs typeface="Consolas"/>
+              <a:sym typeface="Consolas"/>
+            </a:endParaRPr>
+          </a:p>
+          <a:p>
+            <a:pPr indent="0" lvl="0" marL="0" marR="0" rtl="0" algn="l">
+              <a:lnSpc>
+                <a:spcPct val="100000"/>
+              </a:lnSpc>
+              <a:spcBef>
+                <a:spcPts val="0"/>
+              </a:spcBef>
+              <a:spcAft>
+                <a:spcPts val="0"/>
+              </a:spcAft>
+              <a:buClr>
+                <a:srgbClr val="000000"/>
+              </a:buClr>
+              <a:buSzPts val="3000"/>
+              <a:buFont typeface="Arial"/>
+              <a:buNone/>
+            </a:pPr>
+            <a:r>
+              <a:t/>
+            </a:r>
+            <a:endParaRPr sz="3000">
+              <a:solidFill>
+                <a:schemeClr val="dk1"/>
+              </a:solidFill>
+            </a:endParaRPr>
+          </a:p>
+          <a:p>
+            <a:pPr indent="0" lvl="0" marL="0" marR="0" rtl="0" algn="l">
+              <a:lnSpc>
+                <a:spcPct val="100000"/>
+              </a:lnSpc>
+              <a:spcBef>
+                <a:spcPts val="0"/>
+              </a:spcBef>
+              <a:spcAft>
+                <a:spcPts val="0"/>
+              </a:spcAft>
+              <a:buClr>
+                <a:srgbClr val="000000"/>
+              </a:buClr>
+              <a:buSzPts val="3000"/>
+              <a:buFont typeface="Arial"/>
+              <a:buNone/>
+            </a:pPr>
+            <a:r>
+              <a:t/>
+            </a:r>
+            <a:endParaRPr sz="3000">
+              <a:solidFill>
+                <a:schemeClr val="dk1"/>
+              </a:solidFill>
+            </a:endParaRPr>
+          </a:p>
+          <a:p>
+            <a:pPr indent="0" lvl="0" marL="0" marR="0" rtl="0" algn="l">
+              <a:lnSpc>
+                <a:spcPct val="100000"/>
+              </a:lnSpc>
+              <a:spcBef>
+                <a:spcPts val="0"/>
+              </a:spcBef>
+              <a:spcAft>
+                <a:spcPts val="0"/>
+              </a:spcAft>
+              <a:buClr>
+                <a:srgbClr val="000000"/>
+              </a:buClr>
+              <a:buSzPts val="3000"/>
+              <a:buFont typeface="Arial"/>
+              <a:buNone/>
+            </a:pPr>
+            <a:r>
+              <a:t/>
+            </a:r>
+            <a:endParaRPr sz="3000">
+              <a:solidFill>
+                <a:schemeClr val="dk1"/>
+              </a:solidFill>
+            </a:endParaRPr>
+          </a:p>
+          <a:p>
+            <a:pPr indent="0" lvl="0" marL="0" marR="0" rtl="0" algn="l">
+              <a:lnSpc>
+                <a:spcPct val="100000"/>
+              </a:lnSpc>
+              <a:spcBef>
+                <a:spcPts val="0"/>
+              </a:spcBef>
+              <a:spcAft>
+                <a:spcPts val="0"/>
+              </a:spcAft>
+              <a:buClr>
+                <a:srgbClr val="000000"/>
+              </a:buClr>
+              <a:buSzPts val="3000"/>
+              <a:buFont typeface="Arial"/>
+              <a:buNone/>
+            </a:pPr>
+            <a:r>
+              <a:t/>
+            </a:r>
+            <a:endParaRPr sz="3000">
+              <a:solidFill>
+                <a:schemeClr val="dk1"/>
+              </a:solidFill>
+            </a:endParaRPr>
+          </a:p>
+          <a:p>
+            <a:pPr indent="0" lvl="0" marL="0" marR="0" rtl="0" algn="l">
+              <a:lnSpc>
+                <a:spcPct val="100000"/>
+              </a:lnSpc>
+              <a:spcBef>
+                <a:spcPts val="0"/>
+              </a:spcBef>
+              <a:spcAft>
+                <a:spcPts val="0"/>
+              </a:spcAft>
+              <a:buClr>
+                <a:srgbClr val="000000"/>
+              </a:buClr>
+              <a:buSzPts val="3000"/>
+              <a:buFont typeface="Arial"/>
+              <a:buNone/>
+            </a:pPr>
+            <a:r>
+              <a:rPr b="1" lang="en" sz="3000">
+                <a:solidFill>
+                  <a:srgbClr val="A31415"/>
+                </a:solidFill>
+                <a:latin typeface="Consolas"/>
+                <a:ea typeface="Consolas"/>
+                <a:cs typeface="Consolas"/>
+                <a:sym typeface="Consolas"/>
+              </a:rPr>
+              <a:t>r</a:t>
+            </a:r>
+            <a:r>
+              <a:rPr b="1" i="0" lang="en" sz="3000" u="none" cap="none" strike="noStrike">
+                <a:solidFill>
+                  <a:srgbClr val="A31415"/>
+                </a:solidFill>
+                <a:latin typeface="Consolas"/>
+                <a:ea typeface="Consolas"/>
+                <a:cs typeface="Consolas"/>
+                <a:sym typeface="Consolas"/>
+              </a:rPr>
+              <a:t>egex</a:t>
+            </a:r>
+            <a:r>
+              <a:rPr b="1" i="0" lang="en" sz="3000" u="none" cap="none" strike="noStrike">
+                <a:solidFill>
+                  <a:srgbClr val="465510"/>
+                </a:solidFill>
+                <a:latin typeface="Arial"/>
+                <a:ea typeface="Arial"/>
+                <a:cs typeface="Arial"/>
+                <a:sym typeface="Arial"/>
+              </a:rPr>
+              <a:t> acts as a "pre-filter"</a:t>
+            </a:r>
+            <a:r>
+              <a:rPr b="0" i="0" lang="en" sz="3000" u="none" cap="none" strike="noStrike">
+                <a:solidFill>
+                  <a:schemeClr val="dk1"/>
+                </a:solidFill>
+                <a:latin typeface="Arial"/>
+                <a:ea typeface="Arial"/>
+                <a:cs typeface="Arial"/>
+                <a:sym typeface="Arial"/>
+              </a:rPr>
+              <a:t> to prevent these issues, ensuring that letters, numbers, punctuation, and whitespace split.</a:t>
+            </a:r>
+            <a:endParaRPr b="0" i="0" sz="3000" u="none" cap="none" strike="noStrike">
+              <a:solidFill>
+                <a:schemeClr val="dk1"/>
+              </a:solidFill>
+              <a:latin typeface="Arial"/>
+              <a:ea typeface="Arial"/>
+              <a:cs typeface="Arial"/>
+              <a:sym typeface="Arial"/>
+            </a:endParaRPr>
+          </a:p>
+        </p:txBody>
+      </p:sp>
+      <p:sp>
+        <p:nvSpPr>
+          <p:cNvPr id="171" name="Google Shape;171;g3b938ea6dd9_0_93"/>
+          <p:cNvSpPr txBox="1"/>
+          <p:nvPr>
+            <p:ph idx="1" type="body"/>
+          </p:nvPr>
+        </p:nvSpPr>
+        <p:spPr>
+          <a:xfrm>
+            <a:off x="457200" y="3270375"/>
+            <a:ext cx="8229600" cy="988200"/>
+          </a:xfrm>
+          <a:prstGeom prst="rect">
+            <a:avLst/>
+          </a:prstGeom>
+          <a:noFill/>
+          <a:ln>
+            <a:noFill/>
+          </a:ln>
+        </p:spPr>
+        <p:txBody>
+          <a:bodyPr anchorCtr="0" anchor="t" bIns="91425" lIns="91425" spcFirstLastPara="1" rIns="91425" wrap="square" tIns="91425">
+            <a:noAutofit/>
+          </a:bodyPr>
+          <a:lstStyle/>
+          <a:p>
+            <a:pPr indent="0" lvl="0" marL="0" rtl="0" algn="l">
+              <a:lnSpc>
+                <a:spcPct val="100000"/>
+              </a:lnSpc>
+              <a:spcBef>
+                <a:spcPts val="600"/>
+              </a:spcBef>
+              <a:spcAft>
+                <a:spcPts val="0"/>
+              </a:spcAft>
+              <a:buSzPts val="3000"/>
+              <a:buNone/>
+            </a:pPr>
+            <a:r>
+              <a:rPr b="1" lang="en" sz="1800">
+                <a:solidFill>
+                  <a:srgbClr val="DCB439"/>
+                </a:solidFill>
+                <a:latin typeface="Consolas"/>
+                <a:ea typeface="Consolas"/>
+                <a:cs typeface="Consolas"/>
+                <a:sym typeface="Consolas"/>
+              </a:rPr>
+              <a:t>GPT4_SPLIT_PATTERN =</a:t>
+            </a:r>
+            <a:r>
+              <a:rPr lang="en"/>
+              <a:t> </a:t>
+            </a:r>
+            <a:r>
+              <a:rPr b="1" lang="en" sz="1000">
+                <a:solidFill>
+                  <a:srgbClr val="A31415"/>
+                </a:solidFill>
+                <a:latin typeface="Consolas"/>
+                <a:ea typeface="Consolas"/>
+                <a:cs typeface="Consolas"/>
+                <a:sym typeface="Consolas"/>
+              </a:rPr>
+              <a:t>r"""'(?i:[sdmt]|ll|ve|re)|[^\r\n\p{L}\p{N}]?+\p{L}+|\p{N}{1,3}|?[^\s\p{L}\p{N}]++[\r\n]*|\s*[\r\n]|\s+(?!\S)|\s+"""</a:t>
+            </a:r>
+            <a:endParaRPr b="1" sz="1000">
+              <a:solidFill>
+                <a:srgbClr val="A31415"/>
+              </a:solidFill>
+              <a:latin typeface="Consolas"/>
+              <a:ea typeface="Consolas"/>
+              <a:cs typeface="Consolas"/>
+              <a:sym typeface="Consolas"/>
+            </a:endParaRPr>
+          </a:p>
+          <a:p>
+            <a:pPr indent="0" lvl="0" marL="0" rtl="0" algn="l">
+              <a:lnSpc>
+                <a:spcPct val="100000"/>
+              </a:lnSpc>
+              <a:spcBef>
+                <a:spcPts val="600"/>
+              </a:spcBef>
+              <a:spcAft>
+                <a:spcPts val="0"/>
+              </a:spcAft>
+              <a:buSzPts val="3000"/>
+              <a:buNone/>
+            </a:pPr>
+            <a:r>
+              <a:t/>
+            </a:r>
+            <a:endParaRPr/>
+          </a:p>
+        </p:txBody>
+      </p:sp>
+    </p:spTree>
+  </p:cSld>
+  <p:clrMapOvr>
+    <a:masterClrMapping/>
+  </p:clrMapOvr>
+</p:sld>
+</file>
+
+<file path=ppt/slides/slide21.xml><?xml version="1.0" encoding="utf-8"?>
+<p:sld xmlns:a="http://schemas.openxmlformats.org/drawingml/2006/main" xmlns:r="http://schemas.openxmlformats.org/officeDocument/2006/relationships" xmlns:mc="http://schemas.openxmlformats.org/markup-compatibility/2006" xmlns:mv="urn:schemas-microsoft-com:mac:vml" xmlns:p="http://schemas.openxmlformats.org/presentationml/2006/main" xmlns:c="http://schemas.openxmlformats.org/drawingml/2006/chart" xmlns:dgm="http://schemas.openxmlformats.org/drawingml/2006/diagram" xmlns:o="urn:schemas-microsoft-com:office:office" xmlns:v="urn:schemas-microsoft-com:vml" xmlns:pvml="urn:schemas-microsoft-com:office:powerpoint" xmlns:com="http://schemas.openxmlformats.org/drawingml/2006/compatibility" xmlns:p14="http://schemas.microsoft.com/office/powerpoint/2010/main" xmlns:p15="http://schemas.microsoft.com/office/powerpoint/2012/main" xmlns:ahyp="http://schemas.microsoft.com/office/drawing/2018/hyperlinkcolor">
+  <p:cSld>
+    <p:spTree>
+      <p:nvGrpSpPr>
+        <p:cNvPr id="175" name="Shape 175"/>
+        <p:cNvGrpSpPr/>
+        <p:nvPr/>
+      </p:nvGrpSpPr>
+      <p:grpSpPr>
+        <a:xfrm>
+          <a:off x="0" y="0"/>
+          <a:ext cx="0" cy="0"/>
+          <a:chOff x="0" y="0"/>
+          <a:chExt cx="0" cy="0"/>
+        </a:xfrm>
+      </p:grpSpPr>
+      <p:sp>
+        <p:nvSpPr>
+          <p:cNvPr id="176" name="Google Shape;176;g3b8409de4d6_0_118"/>
+          <p:cNvSpPr txBox="1"/>
+          <p:nvPr>
+            <p:ph type="title"/>
+          </p:nvPr>
+        </p:nvSpPr>
+        <p:spPr>
+          <a:xfrm>
+            <a:off x="457200" y="274638"/>
+            <a:ext cx="8229600" cy="1143000"/>
+          </a:xfrm>
+          <a:prstGeom prst="rect">
+            <a:avLst/>
+          </a:prstGeom>
+          <a:noFill/>
+          <a:ln>
+            <a:noFill/>
+          </a:ln>
+        </p:spPr>
+        <p:txBody>
+          <a:bodyPr anchorCtr="0" anchor="b" bIns="91425" lIns="91425" spcFirstLastPara="1" rIns="91425" wrap="square" tIns="91425">
+            <a:noAutofit/>
+          </a:bodyPr>
+          <a:lstStyle/>
+          <a:p>
+            <a:pPr indent="0" lvl="0" marL="0" rtl="0" algn="l">
+              <a:lnSpc>
+                <a:spcPct val="100000"/>
+              </a:lnSpc>
+              <a:spcBef>
+                <a:spcPts val="0"/>
+              </a:spcBef>
+              <a:spcAft>
+                <a:spcPts val="0"/>
+              </a:spcAft>
+              <a:buSzPts val="3600"/>
+              <a:buNone/>
+            </a:pPr>
+            <a:r>
+              <a:rPr lang="en">
+                <a:solidFill>
+                  <a:srgbClr val="A31415"/>
+                </a:solidFill>
+                <a:latin typeface="Consolas"/>
+                <a:ea typeface="Consolas"/>
+                <a:cs typeface="Consolas"/>
+                <a:sym typeface="Consolas"/>
+              </a:rPr>
+              <a:t>programming</a:t>
+            </a:r>
+            <a:r>
+              <a:rPr lang="en"/>
+              <a:t>: Regex</a:t>
+            </a:r>
+            <a:endParaRPr/>
+          </a:p>
+        </p:txBody>
+      </p:sp>
+      <p:sp>
+        <p:nvSpPr>
+          <p:cNvPr id="177" name="Google Shape;177;g3b8409de4d6_0_118"/>
+          <p:cNvSpPr txBox="1"/>
+          <p:nvPr>
+            <p:ph idx="1" type="body"/>
+          </p:nvPr>
+        </p:nvSpPr>
+        <p:spPr>
+          <a:xfrm>
+            <a:off x="457200" y="1600200"/>
+            <a:ext cx="8229600" cy="1246200"/>
+          </a:xfrm>
+          <a:prstGeom prst="rect">
+            <a:avLst/>
+          </a:prstGeom>
+          <a:noFill/>
+          <a:ln>
+            <a:noFill/>
+          </a:ln>
+        </p:spPr>
+        <p:txBody>
+          <a:bodyPr anchorCtr="0" anchor="t" bIns="91425" lIns="91425" spcFirstLastPara="1" rIns="91425" wrap="square" tIns="91425">
+            <a:noAutofit/>
+          </a:bodyPr>
+          <a:lstStyle/>
+          <a:p>
+            <a:pPr indent="0" lvl="0" marL="0" rtl="0" algn="l">
+              <a:lnSpc>
+                <a:spcPct val="100000"/>
+              </a:lnSpc>
+              <a:spcBef>
+                <a:spcPts val="600"/>
+              </a:spcBef>
+              <a:spcAft>
+                <a:spcPts val="0"/>
+              </a:spcAft>
+              <a:buSzPts val="3000"/>
+              <a:buNone/>
+            </a:pPr>
+            <a:r>
+              <a:rPr b="1" lang="en">
+                <a:solidFill>
+                  <a:srgbClr val="002B5B"/>
+                </a:solidFill>
+              </a:rPr>
+              <a:t>Regex</a:t>
+            </a:r>
+            <a:r>
+              <a:rPr lang="en"/>
+              <a:t> allows us to define patterns that we can use to filter </a:t>
+            </a:r>
+            <a:r>
+              <a:rPr b="1" lang="en">
+                <a:solidFill>
+                  <a:srgbClr val="A31415"/>
+                </a:solidFill>
+                <a:latin typeface="Consolas"/>
+                <a:ea typeface="Consolas"/>
+                <a:cs typeface="Consolas"/>
+                <a:sym typeface="Consolas"/>
+              </a:rPr>
+              <a:t>strings</a:t>
+            </a:r>
+            <a:endParaRPr b="1">
+              <a:solidFill>
+                <a:srgbClr val="A31415"/>
+              </a:solidFill>
+              <a:latin typeface="Consolas"/>
+              <a:ea typeface="Consolas"/>
+              <a:cs typeface="Consolas"/>
+              <a:sym typeface="Consolas"/>
+            </a:endParaRPr>
+          </a:p>
+        </p:txBody>
+      </p:sp>
+      <p:sp>
+        <p:nvSpPr>
+          <p:cNvPr id="178" name="Google Shape;178;g3b8409de4d6_0_118"/>
+          <p:cNvSpPr txBox="1"/>
+          <p:nvPr/>
+        </p:nvSpPr>
+        <p:spPr>
+          <a:xfrm>
+            <a:off x="503850" y="5141175"/>
+            <a:ext cx="8229600" cy="699000"/>
+          </a:xfrm>
+          <a:prstGeom prst="rect">
+            <a:avLst/>
+          </a:prstGeom>
+          <a:noFill/>
+          <a:ln>
+            <a:noFill/>
+          </a:ln>
+        </p:spPr>
+        <p:txBody>
+          <a:bodyPr anchorCtr="0" anchor="t" bIns="91425" lIns="91425" spcFirstLastPara="1" rIns="91425" wrap="square" tIns="91425">
+            <a:noAutofit/>
+          </a:bodyPr>
+          <a:lstStyle/>
+          <a:p>
+            <a:pPr indent="0" lvl="0" marL="0" marR="0" rtl="0" algn="l">
+              <a:lnSpc>
+                <a:spcPct val="100000"/>
+              </a:lnSpc>
+              <a:spcBef>
+                <a:spcPts val="0"/>
+              </a:spcBef>
+              <a:spcAft>
+                <a:spcPts val="0"/>
+              </a:spcAft>
+              <a:buClr>
+                <a:srgbClr val="000000"/>
+              </a:buClr>
+              <a:buSzPts val="1800"/>
+              <a:buFont typeface="Arial"/>
+              <a:buNone/>
+            </a:pPr>
+            <a:r>
+              <a:rPr b="1" i="0" lang="en" sz="1800" u="none" cap="none" strike="noStrike">
+                <a:solidFill>
+                  <a:srgbClr val="DCB439"/>
+                </a:solidFill>
+                <a:latin typeface="Arial"/>
+                <a:ea typeface="Arial"/>
+                <a:cs typeface="Arial"/>
+                <a:sym typeface="Arial"/>
+              </a:rPr>
+              <a:t>NOTE:</a:t>
+            </a:r>
+            <a:r>
+              <a:rPr b="0" i="0" lang="en" sz="1800" u="none" cap="none" strike="noStrike">
+                <a:solidFill>
+                  <a:schemeClr val="dk1"/>
+                </a:solidFill>
+                <a:latin typeface="Arial"/>
+                <a:ea typeface="Arial"/>
+                <a:cs typeface="Arial"/>
+                <a:sym typeface="Arial"/>
+              </a:rPr>
+              <a:t> </a:t>
+            </a:r>
+            <a:r>
+              <a:rPr b="1" i="0" lang="en" sz="1800" u="none" cap="none" strike="noStrike">
+                <a:solidFill>
+                  <a:srgbClr val="002B5B"/>
+                </a:solidFill>
+                <a:latin typeface="Arial"/>
+                <a:ea typeface="Arial"/>
+                <a:cs typeface="Arial"/>
+                <a:sym typeface="Arial"/>
+              </a:rPr>
+              <a:t>Regex</a:t>
+            </a:r>
+            <a:r>
+              <a:rPr b="0" i="0" lang="en" sz="1800" u="none" cap="none" strike="noStrike">
+                <a:solidFill>
+                  <a:schemeClr val="dk1"/>
+                </a:solidFill>
+                <a:latin typeface="Arial"/>
+                <a:ea typeface="Arial"/>
+                <a:cs typeface="Arial"/>
+                <a:sym typeface="Arial"/>
+              </a:rPr>
+              <a:t> is super confusing and almost a language unto itself, </a:t>
+            </a:r>
+            <a:r>
+              <a:rPr b="1" i="0" lang="en" sz="1800" u="none" cap="none" strike="noStrike">
+                <a:solidFill>
+                  <a:srgbClr val="DCB439"/>
+                </a:solidFill>
+                <a:latin typeface="Arial"/>
+                <a:ea typeface="Arial"/>
+                <a:cs typeface="Arial"/>
+                <a:sym typeface="Arial"/>
+              </a:rPr>
+              <a:t>only sickos have it memorized</a:t>
+            </a:r>
+            <a:r>
+              <a:rPr b="0" i="0" lang="en" sz="1800" u="none" cap="none" strike="noStrike">
+                <a:solidFill>
+                  <a:schemeClr val="dk1"/>
+                </a:solidFill>
+                <a:latin typeface="Arial"/>
+                <a:ea typeface="Arial"/>
+                <a:cs typeface="Arial"/>
+                <a:sym typeface="Arial"/>
+              </a:rPr>
+              <a:t>. </a:t>
+            </a:r>
+            <a:r>
+              <a:rPr b="1" i="0" lang="en" sz="1800" u="none" cap="none" strike="noStrike">
+                <a:solidFill>
+                  <a:srgbClr val="465510"/>
+                </a:solidFill>
+                <a:latin typeface="Arial"/>
+                <a:ea typeface="Arial"/>
+                <a:cs typeface="Arial"/>
+                <a:sym typeface="Arial"/>
+              </a:rPr>
+              <a:t>Just use a cheat sheet or ask chat</a:t>
+            </a:r>
+            <a:r>
+              <a:rPr b="0" i="0" lang="en" sz="1800" u="none" cap="none" strike="noStrike">
+                <a:solidFill>
+                  <a:schemeClr val="dk1"/>
+                </a:solidFill>
+                <a:latin typeface="Arial"/>
+                <a:ea typeface="Arial"/>
+                <a:cs typeface="Arial"/>
+                <a:sym typeface="Arial"/>
+              </a:rPr>
+              <a:t>.</a:t>
+            </a:r>
+            <a:endParaRPr b="0" i="0" sz="1800" u="none" cap="none" strike="noStrike">
+              <a:solidFill>
+                <a:schemeClr val="dk1"/>
+              </a:solidFill>
+              <a:latin typeface="Arial"/>
+              <a:ea typeface="Arial"/>
+              <a:cs typeface="Arial"/>
+              <a:sym typeface="Arial"/>
+            </a:endParaRPr>
+          </a:p>
+        </p:txBody>
+      </p:sp>
+      <p:pic>
+        <p:nvPicPr>
+          <p:cNvPr id="179" name="Google Shape;179;g3b8409de4d6_0_118"/>
+          <p:cNvPicPr preferRelativeResize="0"/>
+          <p:nvPr/>
+        </p:nvPicPr>
+        <p:blipFill rotWithShape="1">
+          <a:blip r:embed="rId3">
+            <a:alphaModFix/>
+          </a:blip>
+          <a:srcRect b="5479" l="0" r="0" t="5860"/>
+          <a:stretch/>
+        </p:blipFill>
+        <p:spPr>
+          <a:xfrm>
+            <a:off x="1764750" y="2603800"/>
+            <a:ext cx="5614500" cy="2537375"/>
+          </a:xfrm>
+          <a:prstGeom prst="rect">
+            <a:avLst/>
+          </a:prstGeom>
+          <a:noFill/>
+          <a:ln>
+            <a:noFill/>
+          </a:ln>
+        </p:spPr>
+      </p:pic>
+      <p:sp>
+        <p:nvSpPr>
+          <p:cNvPr id="180" name="Google Shape;180;g3b8409de4d6_0_118"/>
+          <p:cNvSpPr txBox="1"/>
+          <p:nvPr/>
+        </p:nvSpPr>
+        <p:spPr>
+          <a:xfrm>
+            <a:off x="503850" y="5840175"/>
+            <a:ext cx="8229600" cy="699000"/>
+          </a:xfrm>
+          <a:prstGeom prst="rect">
+            <a:avLst/>
+          </a:prstGeom>
+          <a:noFill/>
+          <a:ln>
+            <a:noFill/>
+          </a:ln>
+        </p:spPr>
+        <p:txBody>
+          <a:bodyPr anchorCtr="0" anchor="t" bIns="91425" lIns="91425" spcFirstLastPara="1" rIns="91425" wrap="square" tIns="91425">
+            <a:noAutofit/>
+          </a:bodyPr>
+          <a:lstStyle/>
+          <a:p>
+            <a:pPr indent="0" lvl="0" marL="0" marR="0" rtl="0" algn="l">
+              <a:lnSpc>
+                <a:spcPct val="100000"/>
+              </a:lnSpc>
+              <a:spcBef>
+                <a:spcPts val="0"/>
+              </a:spcBef>
+              <a:spcAft>
+                <a:spcPts val="0"/>
+              </a:spcAft>
+              <a:buClr>
+                <a:srgbClr val="000000"/>
+              </a:buClr>
+              <a:buSzPts val="1800"/>
+              <a:buFont typeface="Arial"/>
+              <a:buNone/>
+            </a:pPr>
+            <a:r>
+              <a:rPr b="1" i="0" lang="en" sz="1800" u="none" cap="none" strike="noStrike">
+                <a:solidFill>
+                  <a:srgbClr val="DCB439"/>
+                </a:solidFill>
+                <a:latin typeface="Arial"/>
+                <a:ea typeface="Arial"/>
+                <a:cs typeface="Arial"/>
+                <a:sym typeface="Arial"/>
+              </a:rPr>
+              <a:t>NOTE:</a:t>
+            </a:r>
+            <a:r>
+              <a:rPr b="0" i="0" lang="en" sz="1800" u="none" cap="none" strike="noStrike">
+                <a:solidFill>
+                  <a:schemeClr val="dk1"/>
+                </a:solidFill>
+                <a:latin typeface="Arial"/>
+                <a:ea typeface="Arial"/>
+                <a:cs typeface="Arial"/>
+                <a:sym typeface="Arial"/>
+              </a:rPr>
+              <a:t> </a:t>
+            </a:r>
+            <a:r>
+              <a:rPr b="1" lang="en" sz="1800">
+                <a:solidFill>
+                  <a:srgbClr val="A31415"/>
+                </a:solidFill>
+                <a:latin typeface="Consolas"/>
+                <a:ea typeface="Consolas"/>
+                <a:cs typeface="Consolas"/>
+                <a:sym typeface="Consolas"/>
+              </a:rPr>
+              <a:t>regex </a:t>
+            </a:r>
+            <a:r>
+              <a:rPr lang="en" sz="1800">
+                <a:solidFill>
+                  <a:schemeClr val="dk1"/>
+                </a:solidFill>
+              </a:rPr>
+              <a:t>is short for </a:t>
+            </a:r>
+            <a:r>
+              <a:rPr b="1" lang="en" sz="1800">
+                <a:solidFill>
+                  <a:srgbClr val="002B5B"/>
+                </a:solidFill>
+              </a:rPr>
+              <a:t>“regular expression”</a:t>
+            </a:r>
+            <a:r>
+              <a:rPr lang="en" sz="1800">
+                <a:solidFill>
+                  <a:schemeClr val="dk1"/>
+                </a:solidFill>
+              </a:rPr>
+              <a:t> (or “rational expression”) and I actually met one of the creators while interviewing at Princeton!</a:t>
+            </a:r>
+            <a:endParaRPr i="0" sz="1800" u="none" cap="none" strike="noStrike">
+              <a:solidFill>
+                <a:schemeClr val="dk1"/>
+              </a:solidFill>
+            </a:endParaRPr>
+          </a:p>
+        </p:txBody>
+      </p:sp>
+    </p:spTree>
+  </p:cSld>
+  <p:clrMapOvr>
+    <a:masterClrMapping/>
+  </p:clrMapOvr>
+</p:sld>
+</file>
+
+<file path=ppt/slides/slide22.xml><?xml version="1.0" encoding="utf-8"?>
+<p:sld xmlns:a="http://schemas.openxmlformats.org/drawingml/2006/main" xmlns:r="http://schemas.openxmlformats.org/officeDocument/2006/relationships" xmlns:mc="http://schemas.openxmlformats.org/markup-compatibility/2006" xmlns:mv="urn:schemas-microsoft-com:mac:vml" xmlns:p="http://schemas.openxmlformats.org/presentationml/2006/main" xmlns:c="http://schemas.openxmlformats.org/drawingml/2006/chart" xmlns:dgm="http://schemas.openxmlformats.org/drawingml/2006/diagram" xmlns:o="urn:schemas-microsoft-com:office:office" xmlns:v="urn:schemas-microsoft-com:vml" xmlns:pvml="urn:schemas-microsoft-com:office:powerpoint" xmlns:com="http://schemas.openxmlformats.org/drawingml/2006/compatibility" xmlns:p14="http://schemas.microsoft.com/office/powerpoint/2010/main" xmlns:p15="http://schemas.microsoft.com/office/powerpoint/2012/main" xmlns:ahyp="http://schemas.microsoft.com/office/drawing/2018/hyperlinkcolor">
+  <p:cSld>
+    <p:spTree>
+      <p:nvGrpSpPr>
+        <p:cNvPr id="184" name="Shape 184"/>
+        <p:cNvGrpSpPr/>
+        <p:nvPr/>
+      </p:nvGrpSpPr>
+      <p:grpSpPr>
+        <a:xfrm>
+          <a:off x="0" y="0"/>
+          <a:ext cx="0" cy="0"/>
+          <a:chOff x="0" y="0"/>
+          <a:chExt cx="0" cy="0"/>
+        </a:xfrm>
+      </p:grpSpPr>
+      <p:sp>
+        <p:nvSpPr>
+          <p:cNvPr id="185" name="Google Shape;185;g3b8409de4d6_0_108"/>
+          <p:cNvSpPr txBox="1"/>
+          <p:nvPr>
+            <p:ph type="title"/>
+          </p:nvPr>
+        </p:nvSpPr>
+        <p:spPr>
+          <a:xfrm>
+            <a:off x="457200" y="274638"/>
+            <a:ext cx="8229600" cy="1143000"/>
+          </a:xfrm>
+          <a:prstGeom prst="rect">
+            <a:avLst/>
+          </a:prstGeom>
+          <a:noFill/>
+          <a:ln>
+            <a:noFill/>
+          </a:ln>
+        </p:spPr>
+        <p:txBody>
+          <a:bodyPr anchorCtr="0" anchor="b" bIns="91425" lIns="91425" spcFirstLastPara="1" rIns="91425" wrap="square" tIns="91425">
+            <a:noAutofit/>
+          </a:bodyPr>
+          <a:lstStyle/>
+          <a:p>
+            <a:pPr indent="0" lvl="0" marL="0" rtl="0" algn="l">
+              <a:lnSpc>
+                <a:spcPct val="100000"/>
+              </a:lnSpc>
+              <a:spcBef>
+                <a:spcPts val="0"/>
+              </a:spcBef>
+              <a:spcAft>
+                <a:spcPts val="0"/>
+              </a:spcAft>
+              <a:buSzPts val="3600"/>
+              <a:buNone/>
+            </a:pPr>
+            <a:r>
+              <a:rPr lang="en"/>
+              <a:t>nanochat Tokenizer</a:t>
+            </a:r>
+            <a:endParaRPr/>
+          </a:p>
+        </p:txBody>
+      </p:sp>
+      <p:sp>
+        <p:nvSpPr>
+          <p:cNvPr id="186" name="Google Shape;186;g3b8409de4d6_0_108"/>
+          <p:cNvSpPr txBox="1"/>
+          <p:nvPr>
+            <p:ph idx="1" type="body"/>
+          </p:nvPr>
+        </p:nvSpPr>
+        <p:spPr>
+          <a:xfrm>
+            <a:off x="457200" y="1600200"/>
+            <a:ext cx="8229600" cy="4698000"/>
+          </a:xfrm>
+          <a:prstGeom prst="rect">
+            <a:avLst/>
+          </a:prstGeom>
+          <a:noFill/>
+          <a:ln>
+            <a:noFill/>
+          </a:ln>
+        </p:spPr>
+        <p:txBody>
+          <a:bodyPr anchorCtr="0" anchor="t" bIns="91425" lIns="91425" spcFirstLastPara="1" rIns="91425" wrap="square" tIns="91425">
+            <a:noAutofit/>
+          </a:bodyPr>
+          <a:lstStyle/>
+          <a:p>
+            <a:pPr indent="0" lvl="0" marL="0" rtl="0" algn="ctr">
+              <a:lnSpc>
+                <a:spcPct val="100000"/>
+              </a:lnSpc>
+              <a:spcBef>
+                <a:spcPts val="600"/>
+              </a:spcBef>
+              <a:spcAft>
+                <a:spcPts val="0"/>
+              </a:spcAft>
+              <a:buSzPts val="3000"/>
+              <a:buNone/>
+            </a:pPr>
+            <a:r>
+              <a:rPr b="1" lang="en" u="sng">
+                <a:solidFill>
+                  <a:srgbClr val="DCB439"/>
+                </a:solidFill>
+                <a:hlinkClick r:id="rId3">
+                  <a:extLst>
+                    <a:ext uri="{A12FA001-AC4F-418D-AE19-62706E023703}">
+                      <ahyp:hlinkClr val="tx"/>
+                    </a:ext>
+                  </a:extLst>
+                </a:hlinkClick>
+              </a:rPr>
+              <a:t>nanochat tokenizer code</a:t>
+            </a:r>
+            <a:endParaRPr b="1">
+              <a:solidFill>
+                <a:srgbClr val="DCB439"/>
+              </a:solidFill>
+            </a:endParaRPr>
+          </a:p>
+          <a:p>
+            <a:pPr indent="0" lvl="0" marL="0" rtl="0" algn="ctr">
+              <a:lnSpc>
+                <a:spcPct val="100000"/>
+              </a:lnSpc>
+              <a:spcBef>
+                <a:spcPts val="600"/>
+              </a:spcBef>
+              <a:spcAft>
+                <a:spcPts val="0"/>
+              </a:spcAft>
+              <a:buSzPts val="3000"/>
+              <a:buNone/>
+            </a:pPr>
+            <a:r>
+              <a:t/>
+            </a:r>
+            <a:endParaRPr b="1">
+              <a:solidFill>
+                <a:srgbClr val="DCB439"/>
+              </a:solidFill>
+            </a:endParaRPr>
+          </a:p>
+          <a:p>
+            <a:pPr indent="0" lvl="0" marL="0" rtl="0" algn="ctr">
+              <a:spcBef>
+                <a:spcPts val="600"/>
+              </a:spcBef>
+              <a:spcAft>
+                <a:spcPts val="0"/>
+              </a:spcAft>
+              <a:buClr>
+                <a:schemeClr val="dk1"/>
+              </a:buClr>
+              <a:buSzPts val="3000"/>
+              <a:buFont typeface="Arial"/>
+              <a:buNone/>
+            </a:pPr>
+            <a:r>
+              <a:rPr b="1" lang="en" u="sng">
+                <a:solidFill>
+                  <a:srgbClr val="DCB439"/>
+                </a:solidFill>
+                <a:hlinkClick r:id="rId4">
+                  <a:extLst>
+                    <a:ext uri="{A12FA001-AC4F-418D-AE19-62706E023703}">
+                      <ahyp:hlinkClr val="tx"/>
+                    </a:ext>
+                  </a:extLst>
+                </a:hlinkClick>
+              </a:rPr>
+              <a:t>tiktoken</a:t>
+            </a:r>
+            <a:r>
+              <a:rPr b="1" lang="en" u="sng">
+                <a:solidFill>
+                  <a:srgbClr val="DCB439"/>
+                </a:solidFill>
+                <a:hlinkClick r:id="rId5">
+                  <a:extLst>
+                    <a:ext uri="{A12FA001-AC4F-418D-AE19-62706E023703}">
+                      <ahyp:hlinkClr val="tx"/>
+                    </a:ext>
+                  </a:extLst>
+                </a:hlinkClick>
+              </a:rPr>
+              <a:t> code</a:t>
+            </a:r>
+            <a:endParaRPr b="1">
+              <a:solidFill>
+                <a:srgbClr val="DCB439"/>
+              </a:solidFill>
+            </a:endParaRPr>
+          </a:p>
+          <a:p>
+            <a:pPr indent="0" lvl="0" marL="0" rtl="0" algn="ctr">
+              <a:lnSpc>
+                <a:spcPct val="100000"/>
+              </a:lnSpc>
+              <a:spcBef>
+                <a:spcPts val="600"/>
+              </a:spcBef>
+              <a:spcAft>
+                <a:spcPts val="0"/>
+              </a:spcAft>
+              <a:buSzPts val="3000"/>
+              <a:buNone/>
+            </a:pPr>
+            <a:r>
+              <a:t/>
+            </a:r>
+            <a:endParaRPr b="1">
+              <a:solidFill>
+                <a:srgbClr val="DCB439"/>
+              </a:solidFill>
+            </a:endParaRPr>
+          </a:p>
+        </p:txBody>
+      </p:sp>
+      <p:pic>
+        <p:nvPicPr>
+          <p:cNvPr id="187" name="Google Shape;187;g3b8409de4d6_0_108"/>
+          <p:cNvPicPr preferRelativeResize="0"/>
+          <p:nvPr/>
+        </p:nvPicPr>
+        <p:blipFill>
+          <a:blip r:embed="rId6">
+            <a:alphaModFix/>
+          </a:blip>
+          <a:stretch>
+            <a:fillRect/>
+          </a:stretch>
+        </p:blipFill>
+        <p:spPr>
+          <a:xfrm>
+            <a:off x="3324574" y="4163449"/>
+            <a:ext cx="2494850" cy="2484925"/>
+          </a:xfrm>
+          <a:prstGeom prst="rect">
+            <a:avLst/>
+          </a:prstGeom>
+          <a:noFill/>
+          <a:ln>
+            <a:noFill/>
+          </a:ln>
+        </p:spPr>
+      </p:pic>
+      <p:pic>
+        <p:nvPicPr>
+          <p:cNvPr id="188" name="Google Shape;188;g3b8409de4d6_0_108" title="IMG_0529.jpeg"/>
+          <p:cNvPicPr preferRelativeResize="0"/>
+          <p:nvPr/>
+        </p:nvPicPr>
+        <p:blipFill rotWithShape="1">
+          <a:blip r:embed="rId7">
+            <a:alphaModFix/>
+          </a:blip>
+          <a:srcRect b="0" l="37442" r="50510" t="0"/>
+          <a:stretch/>
+        </p:blipFill>
+        <p:spPr>
+          <a:xfrm rot="-5400000">
+            <a:off x="4296736" y="701771"/>
+            <a:ext cx="550525" cy="6092923"/>
+          </a:xfrm>
+          <a:prstGeom prst="rect">
+            <a:avLst/>
+          </a:prstGeom>
+          <a:noFill/>
+          <a:ln>
+            <a:noFill/>
+          </a:ln>
+        </p:spPr>
+      </p:pic>
     </p:spTree>
   </p:cSld>
   <p:clrMapOvr>
@@ -10431,7 +12459,7 @@
   <p:cSld>
     <p:spTree>
       <p:nvGrpSpPr>
-        <p:cNvPr id="45" name="Shape 45"/>
+        <p:cNvPr id="47" name="Shape 47"/>
         <p:cNvGrpSpPr/>
         <p:nvPr/>
       </p:nvGrpSpPr>
@@ -10445,7 +12473,7 @@
       </p:grpSpPr>
       <p:sp>
         <p:nvSpPr>
-          <p:cNvPr id="46" name="Google Shape;46;g3b8409de4d6_0_84"/>
+          <p:cNvPr id="48" name="Google Shape;48;g3b8409de4d6_0_84"/>
           <p:cNvSpPr txBox="1"/>
           <p:nvPr>
             <p:ph idx="1" type="body"/>
@@ -10631,7 +12659,31 @@
                 <a:cs typeface="Consolas"/>
                 <a:sym typeface="Consolas"/>
               </a:rPr>
-              <a:t>(replace</a:t>
+              <a:t>(</a:t>
+            </a:r>
+            <a:r>
+              <a:rPr b="1" lang="en" sz="2400">
+                <a:solidFill>
+                  <a:srgbClr val="5AABBC"/>
+                </a:solidFill>
+                <a:latin typeface="Consolas"/>
+                <a:ea typeface="Consolas"/>
+                <a:cs typeface="Consolas"/>
+                <a:sym typeface="Consolas"/>
+              </a:rPr>
+              <a:t>replace</a:t>
+            </a:r>
+            <a:r>
+              <a:rPr b="1" lang="en" sz="2400">
+                <a:solidFill>
+                  <a:srgbClr val="5AABBC"/>
+                </a:solidFill>
+                <a:latin typeface="Consolas"/>
+                <a:ea typeface="Consolas"/>
+                <a:cs typeface="Consolas"/>
+                <a:sym typeface="Consolas"/>
+              </a:rPr>
+              <a:t>_pairs</a:t>
             </a:r>
             <a:r>
               <a:rPr b="1" lang="en" sz="2400">
@@ -10640,7 +12692,7 @@
                 <a:cs typeface="Consolas"/>
                 <a:sym typeface="Consolas"/>
               </a:rPr>
-              <a:t>_pairs([</a:t>
+              <a:t>([</a:t>
             </a:r>
             <a:r>
               <a:rPr b="1" lang="en" sz="2400">
@@ -10833,15 +12885,24 @@
             </a:pPr>
             <a:r>
               <a:rPr b="1" lang="en" sz="2400">
-                <a:solidFill>
-                  <a:srgbClr val="A31415"/>
-                </a:solidFill>
                 <a:latin typeface="Consolas"/>
                 <a:ea typeface="Consolas"/>
                 <a:cs typeface="Consolas"/>
                 <a:sym typeface="Consolas"/>
               </a:rPr>
-              <a:t>&gt; </a:t>
+              <a:t>&gt;</a:t>
+            </a:r>
+            <a:r>
+              <a:rPr b="1" lang="en" sz="2400">
+                <a:solidFill>
+                  <a:srgbClr val="A31415"/>
+                </a:solidFill>
+                <a:latin typeface="Consolas"/>
+                <a:ea typeface="Consolas"/>
+                <a:cs typeface="Consolas"/>
+                <a:sym typeface="Consolas"/>
+              </a:rPr>
+              <a:t> </a:t>
             </a:r>
             <a:r>
               <a:rPr b="1" lang="en" sz="2400">
@@ -10926,7 +12987,7 @@
       </p:sp>
       <p:sp>
         <p:nvSpPr>
-          <p:cNvPr id="47" name="Google Shape;47;g3b8409de4d6_0_84"/>
+          <p:cNvPr id="49" name="Google Shape;49;g3b8409de4d6_0_84"/>
           <p:cNvSpPr txBox="1"/>
           <p:nvPr>
             <p:ph type="title"/>
@@ -10985,7 +13046,7 @@
   <p:cSld>
     <p:spTree>
       <p:nvGrpSpPr>
-        <p:cNvPr id="51" name="Shape 51"/>
+        <p:cNvPr id="53" name="Shape 53"/>
         <p:cNvGrpSpPr/>
         <p:nvPr/>
       </p:nvGrpSpPr>
@@ -10999,7 +13060,7 @@
       </p:grpSpPr>
       <p:sp>
         <p:nvSpPr>
-          <p:cNvPr id="52" name="Google Shape;52;g3b938ea6dd9_0_50"/>
+          <p:cNvPr id="54" name="Google Shape;54;g3b938ea6dd9_0_50"/>
           <p:cNvSpPr txBox="1"/>
           <p:nvPr>
             <p:ph type="title"/>
@@ -11053,23 +13114,146 @@
           </a:p>
         </p:txBody>
       </p:sp>
+      <p:sp>
+        <p:nvSpPr>
+          <p:cNvPr id="55" name="Google Shape;55;g3b938ea6dd9_0_50"/>
+          <p:cNvSpPr txBox="1"/>
+          <p:nvPr/>
+        </p:nvSpPr>
+        <p:spPr>
+          <a:xfrm>
+            <a:off x="1218150" y="6012825"/>
+            <a:ext cx="6707700" cy="733200"/>
+          </a:xfrm>
+          <a:prstGeom prst="rect">
+            <a:avLst/>
+          </a:prstGeom>
+          <a:noFill/>
+          <a:ln>
+            <a:noFill/>
+          </a:ln>
+        </p:spPr>
+        <p:txBody>
+          <a:bodyPr anchorCtr="0" anchor="t" bIns="91425" lIns="91425" spcFirstLastPara="1" rIns="91425" wrap="square" tIns="91425">
+            <a:noAutofit/>
+          </a:bodyPr>
+          <a:lstStyle/>
+          <a:p>
+            <a:pPr indent="0" lvl="0" marL="0" marR="0" rtl="0" algn="l">
+              <a:lnSpc>
+                <a:spcPct val="100000"/>
+              </a:lnSpc>
+              <a:spcBef>
+                <a:spcPts val="0"/>
+              </a:spcBef>
+              <a:spcAft>
+                <a:spcPts val="0"/>
+              </a:spcAft>
+              <a:buClr>
+                <a:srgbClr val="000000"/>
+              </a:buClr>
+              <a:buSzPts val="1800"/>
+              <a:buFont typeface="Arial"/>
+              <a:buNone/>
+            </a:pPr>
+            <a:r>
+              <a:rPr b="1" i="0" lang="en" sz="1800" u="none" cap="none" strike="noStrike">
+                <a:solidFill>
+                  <a:srgbClr val="DCB439"/>
+                </a:solidFill>
+                <a:latin typeface="Arial"/>
+                <a:ea typeface="Arial"/>
+                <a:cs typeface="Arial"/>
+                <a:sym typeface="Arial"/>
+              </a:rPr>
+              <a:t>NOTE:</a:t>
+            </a:r>
+            <a:r>
+              <a:rPr b="0" i="0" lang="en" sz="1800" u="none" cap="none" strike="noStrike">
+                <a:solidFill>
+                  <a:schemeClr val="dk1"/>
+                </a:solidFill>
+                <a:latin typeface="Arial"/>
+                <a:ea typeface="Arial"/>
+                <a:cs typeface="Arial"/>
+                <a:sym typeface="Arial"/>
+              </a:rPr>
+              <a:t> </a:t>
+            </a:r>
+            <a:r>
+              <a:rPr lang="en" sz="1800">
+                <a:solidFill>
+                  <a:schemeClr val="dk1"/>
+                </a:solidFill>
+              </a:rPr>
+              <a:t>We use a </a:t>
+            </a:r>
+            <a:r>
+              <a:rPr b="1" lang="en" sz="1800">
+                <a:solidFill>
+                  <a:srgbClr val="A31415"/>
+                </a:solidFill>
+                <a:latin typeface="Consolas"/>
+                <a:ea typeface="Consolas"/>
+                <a:cs typeface="Consolas"/>
+                <a:sym typeface="Consolas"/>
+              </a:rPr>
+              <a:t>while</a:t>
+            </a:r>
+            <a:r>
+              <a:rPr lang="en" sz="1800">
+                <a:solidFill>
+                  <a:schemeClr val="dk1"/>
+                </a:solidFill>
+              </a:rPr>
+              <a:t> loop here instead of a </a:t>
+            </a:r>
+            <a:r>
+              <a:rPr b="1" lang="en" sz="1800">
+                <a:solidFill>
+                  <a:srgbClr val="A31415"/>
+                </a:solidFill>
+                <a:latin typeface="Consolas"/>
+                <a:ea typeface="Consolas"/>
+                <a:cs typeface="Consolas"/>
+                <a:sym typeface="Consolas"/>
+              </a:rPr>
+              <a:t>for</a:t>
+            </a:r>
+            <a:r>
+              <a:rPr lang="en" sz="1800">
+                <a:solidFill>
+                  <a:schemeClr val="dk1"/>
+                </a:solidFill>
+              </a:rPr>
+              <a:t> loop because when we replace a pair we need to “jump” ahead</a:t>
+            </a:r>
+            <a:endParaRPr i="0" sz="1800" u="none" cap="none" strike="noStrike">
+              <a:solidFill>
+                <a:schemeClr val="dk1"/>
+              </a:solidFill>
+            </a:endParaRPr>
+          </a:p>
+        </p:txBody>
+      </p:sp>
       <p:pic>
         <p:nvPicPr>
-          <p:cNvPr id="53" name="Google Shape;53;g3b938ea6dd9_0_50" title="Screenshot 2026-01-20 at 10.46.28 AM.png"/>
+          <p:cNvPr id="56" name="Google Shape;56;g3b938ea6dd9_0_50" title="Screenshot 2026-01-21 at 9.48.06 AM.png"/>
           <p:cNvPicPr preferRelativeResize="0"/>
           <p:nvPr/>
         </p:nvPicPr>
-        <p:blipFill rotWithShape="1">
+        <p:blipFill>
           <a:blip r:embed="rId3">
             <a:alphaModFix/>
           </a:blip>
-          <a:srcRect b="0" l="0" r="0" t="0"/>
-          <a:stretch/>
+          <a:stretch>
+            <a:fillRect/>
+          </a:stretch>
         </p:blipFill>
         <p:spPr>
           <a:xfrm>
-            <a:off x="1028975" y="1989300"/>
-            <a:ext cx="7086051" cy="2388200"/>
+            <a:off x="917513" y="1570038"/>
+            <a:ext cx="7308980" cy="4290387"/>
           </a:xfrm>
           <a:prstGeom prst="rect">
             <a:avLst/>
@@ -11086,16 +13270,165 @@
           </a:ln>
         </p:spPr>
       </p:pic>
+    </p:spTree>
+  </p:cSld>
+  <p:clrMapOvr>
+    <a:masterClrMapping/>
+  </p:clrMapOvr>
+</p:sld>
+</file>
+
+<file path=ppt/slides/slide5.xml><?xml version="1.0" encoding="utf-8"?>
+<p:sld xmlns:a="http://schemas.openxmlformats.org/drawingml/2006/main" xmlns:r="http://schemas.openxmlformats.org/officeDocument/2006/relationships" xmlns:mc="http://schemas.openxmlformats.org/markup-compatibility/2006" xmlns:mv="urn:schemas-microsoft-com:mac:vml" xmlns:p="http://schemas.openxmlformats.org/presentationml/2006/main" xmlns:c="http://schemas.openxmlformats.org/drawingml/2006/chart" xmlns:dgm="http://schemas.openxmlformats.org/drawingml/2006/diagram" xmlns:o="urn:schemas-microsoft-com:office:office" xmlns:v="urn:schemas-microsoft-com:vml" xmlns:pvml="urn:schemas-microsoft-com:office:powerpoint" xmlns:com="http://schemas.openxmlformats.org/drawingml/2006/compatibility" xmlns:p14="http://schemas.microsoft.com/office/powerpoint/2010/main" xmlns:p15="http://schemas.microsoft.com/office/powerpoint/2012/main" xmlns:ahyp="http://schemas.microsoft.com/office/drawing/2018/hyperlinkcolor">
+  <p:cSld>
+    <p:spTree>
+      <p:nvGrpSpPr>
+        <p:cNvPr id="60" name="Shape 60"/>
+        <p:cNvGrpSpPr/>
+        <p:nvPr/>
+      </p:nvGrpSpPr>
+      <p:grpSpPr>
+        <a:xfrm>
+          <a:off x="0" y="0"/>
+          <a:ext cx="0" cy="0"/>
+          <a:chOff x="0" y="0"/>
+          <a:chExt cx="0" cy="0"/>
+        </a:xfrm>
+      </p:grpSpPr>
       <p:sp>
         <p:nvSpPr>
-          <p:cNvPr id="54" name="Google Shape;54;g3b938ea6dd9_0_50"/>
+          <p:cNvPr id="61" name="Google Shape;61;g3baf4acbdf2_0_54"/>
+          <p:cNvSpPr txBox="1"/>
+          <p:nvPr>
+            <p:ph type="title"/>
+          </p:nvPr>
+        </p:nvSpPr>
+        <p:spPr>
+          <a:xfrm>
+            <a:off x="457200" y="274638"/>
+            <a:ext cx="8229600" cy="1143000"/>
+          </a:xfrm>
+          <a:prstGeom prst="rect">
+            <a:avLst/>
+          </a:prstGeom>
+          <a:noFill/>
+          <a:ln>
+            <a:noFill/>
+          </a:ln>
+        </p:spPr>
+        <p:txBody>
+          <a:bodyPr anchorCtr="0" anchor="b" bIns="91425" lIns="91425" spcFirstLastPara="1" rIns="91425" wrap="square" tIns="91425">
+            <a:noAutofit/>
+          </a:bodyPr>
+          <a:lstStyle/>
+          <a:p>
+            <a:pPr indent="0" lvl="0" marL="0" rtl="0" algn="l">
+              <a:lnSpc>
+                <a:spcPct val="100000"/>
+              </a:lnSpc>
+              <a:spcBef>
+                <a:spcPts val="0"/>
+              </a:spcBef>
+              <a:spcAft>
+                <a:spcPts val="0"/>
+              </a:spcAft>
+              <a:buSzPts val="3600"/>
+              <a:buNone/>
+            </a:pPr>
+            <a:r>
+              <a:rPr lang="en">
+                <a:solidFill>
+                  <a:srgbClr val="A31415"/>
+                </a:solidFill>
+                <a:latin typeface="Consolas"/>
+                <a:ea typeface="Consolas"/>
+                <a:cs typeface="Consolas"/>
+                <a:sym typeface="Consolas"/>
+              </a:rPr>
+              <a:t>programming</a:t>
+            </a:r>
+            <a:r>
+              <a:rPr lang="en"/>
+              <a:t>: tuples</a:t>
+            </a:r>
+            <a:endParaRPr/>
+          </a:p>
+        </p:txBody>
+      </p:sp>
+      <p:sp>
+        <p:nvSpPr>
+          <p:cNvPr id="62" name="Google Shape;62;g3baf4acbdf2_0_54"/>
+          <p:cNvSpPr txBox="1"/>
+          <p:nvPr>
+            <p:ph idx="1" type="body"/>
+          </p:nvPr>
+        </p:nvSpPr>
+        <p:spPr>
+          <a:xfrm>
+            <a:off x="457200" y="1600200"/>
+            <a:ext cx="8229600" cy="4967700"/>
+          </a:xfrm>
+          <a:prstGeom prst="rect">
+            <a:avLst/>
+          </a:prstGeom>
+          <a:noFill/>
+          <a:ln>
+            <a:noFill/>
+          </a:ln>
+        </p:spPr>
+        <p:txBody>
+          <a:bodyPr anchorCtr="0" anchor="t" bIns="91425" lIns="91425" spcFirstLastPara="1" rIns="91425" wrap="square" tIns="91425">
+            <a:noAutofit/>
+          </a:bodyPr>
+          <a:lstStyle/>
+          <a:p>
+            <a:pPr indent="0" lvl="0" marL="0" rtl="0" algn="l">
+              <a:lnSpc>
+                <a:spcPct val="100000"/>
+              </a:lnSpc>
+              <a:spcBef>
+                <a:spcPts val="600"/>
+              </a:spcBef>
+              <a:spcAft>
+                <a:spcPts val="0"/>
+              </a:spcAft>
+              <a:buSzPts val="3000"/>
+              <a:buNone/>
+            </a:pPr>
+            <a:r>
+              <a:rPr lang="en"/>
+              <a:t>A </a:t>
+            </a:r>
+            <a:r>
+              <a:rPr b="1" lang="en">
+                <a:solidFill>
+                  <a:srgbClr val="A31415"/>
+                </a:solidFill>
+                <a:latin typeface="Consolas"/>
+                <a:ea typeface="Consolas"/>
+                <a:cs typeface="Consolas"/>
+                <a:sym typeface="Consolas"/>
+              </a:rPr>
+              <a:t>tuple</a:t>
+            </a:r>
+            <a:r>
+              <a:rPr lang="en"/>
+              <a:t> is a data type that </a:t>
+            </a:r>
+            <a:endParaRPr/>
+          </a:p>
+        </p:txBody>
+      </p:sp>
+      <p:sp>
+        <p:nvSpPr>
+          <p:cNvPr id="63" name="Google Shape;63;g3baf4acbdf2_0_54"/>
           <p:cNvSpPr txBox="1"/>
           <p:nvPr/>
         </p:nvSpPr>
         <p:spPr>
           <a:xfrm>
-            <a:off x="1218150" y="4949150"/>
-            <a:ext cx="6707700" cy="1143000"/>
+            <a:off x="457200" y="6002075"/>
+            <a:ext cx="8229600" cy="699000"/>
           </a:xfrm>
           <a:prstGeom prst="rect">
             <a:avLst/>
@@ -11150,7 +13483,7 @@
                 <a:cs typeface="Arial"/>
                 <a:sym typeface="Arial"/>
               </a:rPr>
-              <a:t> </a:t>
+              <a:t> We can use </a:t>
             </a:r>
             <a:r>
               <a:rPr b="1" i="0" lang="en" sz="1800" u="none" cap="none" strike="noStrike">
@@ -11162,7 +13495,7 @@
                 <a:cs typeface="Consolas"/>
                 <a:sym typeface="Consolas"/>
               </a:rPr>
-              <a:t>.get(key, default)</a:t>
+              <a:t>dir(class)</a:t>
             </a:r>
             <a:r>
               <a:rPr b="0" i="0" lang="en" sz="1800" u="none" cap="none" strike="noStrike">
@@ -11174,7 +13507,7 @@
                 <a:cs typeface="Arial"/>
                 <a:sym typeface="Arial"/>
               </a:rPr>
-              <a:t> allows us to specify a backup value to </a:t>
+              <a:t> to </a:t>
             </a:r>
             <a:r>
               <a:rPr b="1" i="0" lang="en" sz="1800" u="none" cap="none" strike="noStrike">
@@ -11186,7 +13519,7 @@
                 <a:cs typeface="Consolas"/>
                 <a:sym typeface="Consolas"/>
               </a:rPr>
-              <a:t>return</a:t>
+              <a:t>print</a:t>
             </a:r>
             <a:r>
               <a:rPr b="0" i="0" lang="en" sz="1800" u="none" cap="none" strike="noStrike">
@@ -11198,7 +13531,7 @@
                 <a:cs typeface="Arial"/>
                 <a:sym typeface="Arial"/>
               </a:rPr>
-              <a:t> if the </a:t>
+              <a:t> out the </a:t>
             </a:r>
             <a:r>
               <a:rPr b="1" i="0" lang="en" sz="1800" u="none" cap="none" strike="noStrike">
@@ -11210,7 +13543,7 @@
                 <a:cs typeface="Consolas"/>
                 <a:sym typeface="Consolas"/>
               </a:rPr>
-              <a:t>key</a:t>
+              <a:t>attributes</a:t>
             </a:r>
             <a:r>
               <a:rPr b="0" i="0" lang="en" sz="1800" u="none" cap="none" strike="noStrike">
@@ -11222,16 +13555,64 @@
                 <a:cs typeface="Arial"/>
                 <a:sym typeface="Arial"/>
               </a:rPr>
-              <a:t> doesn’t already exist in the dictionary</a:t>
-            </a:r>
-            <a:endParaRPr b="1" i="0" sz="1800" u="none" cap="none" strike="noStrike">
+              <a:t> and </a:t>
+            </a:r>
+            <a:r>
+              <a:rPr b="1" i="0" lang="en" sz="1800" u="none" cap="none" strike="noStrike">
+                <a:solidFill>
+                  <a:srgbClr val="A31415"/>
+                </a:solidFill>
+                <a:latin typeface="Consolas"/>
+                <a:ea typeface="Consolas"/>
+                <a:cs typeface="Consolas"/>
+                <a:sym typeface="Consolas"/>
+              </a:rPr>
+              <a:t>functions</a:t>
+            </a:r>
+            <a:r>
+              <a:rPr b="0" i="0" lang="en" sz="1800" u="none" cap="none" strike="noStrike">
+                <a:solidFill>
+                  <a:schemeClr val="dk1"/>
+                </a:solidFill>
+                <a:latin typeface="Arial"/>
+                <a:ea typeface="Arial"/>
+                <a:cs typeface="Arial"/>
+                <a:sym typeface="Arial"/>
+              </a:rPr>
+              <a:t> a </a:t>
+            </a:r>
+            <a:r>
+              <a:rPr b="1" i="0" lang="en" sz="1800" u="none" cap="none" strike="noStrike">
+                <a:solidFill>
+                  <a:srgbClr val="A31415"/>
+                </a:solidFill>
+                <a:latin typeface="Consolas"/>
+                <a:ea typeface="Consolas"/>
+                <a:cs typeface="Consolas"/>
+                <a:sym typeface="Consolas"/>
+              </a:rPr>
+              <a:t>class</a:t>
+            </a:r>
+            <a:r>
+              <a:rPr b="0" i="0" lang="en" sz="1800" u="none" cap="none" strike="noStrike">
+                <a:solidFill>
+                  <a:schemeClr val="dk1"/>
+                </a:solidFill>
+                <a:latin typeface="Arial"/>
+                <a:ea typeface="Arial"/>
+                <a:cs typeface="Arial"/>
+                <a:sym typeface="Arial"/>
+              </a:rPr>
+              <a:t> has</a:t>
+            </a:r>
+            <a:endParaRPr b="0" i="0" sz="1800" u="none" cap="none" strike="noStrike">
               <a:solidFill>
-                <a:srgbClr val="A31415"/>
+                <a:schemeClr val="dk1"/>
               </a:solidFill>
-              <a:latin typeface="Consolas"/>
-              <a:ea typeface="Consolas"/>
-              <a:cs typeface="Consolas"/>
-              <a:sym typeface="Consolas"/>
+              <a:latin typeface="Arial"/>
+              <a:ea typeface="Arial"/>
+              <a:cs typeface="Arial"/>
+              <a:sym typeface="Arial"/>
             </a:endParaRPr>
           </a:p>
         </p:txBody>
@@ -11244,12 +13625,12 @@
 </p:sld>
 </file>
 
-<file path=ppt/slides/slide5.xml><?xml version="1.0" encoding="utf-8"?>
+<file path=ppt/slides/slide6.xml><?xml version="1.0" encoding="utf-8"?>
 <p:sld xmlns:a="http://schemas.openxmlformats.org/drawingml/2006/main" xmlns:r="http://schemas.openxmlformats.org/officeDocument/2006/relationships" xmlns:mc="http://schemas.openxmlformats.org/markup-compatibility/2006" xmlns:mv="urn:schemas-microsoft-com:mac:vml" xmlns:p="http://schemas.openxmlformats.org/presentationml/2006/main" xmlns:c="http://schemas.openxmlformats.org/drawingml/2006/chart" xmlns:dgm="http://schemas.openxmlformats.org/drawingml/2006/diagram" xmlns:o="urn:schemas-microsoft-com:office:office" xmlns:v="urn:schemas-microsoft-com:vml" xmlns:pvml="urn:schemas-microsoft-com:office:powerpoint" xmlns:com="http://schemas.openxmlformats.org/drawingml/2006/compatibility" xmlns:p14="http://schemas.microsoft.com/office/powerpoint/2010/main" xmlns:p15="http://schemas.microsoft.com/office/powerpoint/2012/main" xmlns:ahyp="http://schemas.microsoft.com/office/drawing/2018/hyperlinkcolor">
   <p:cSld>
     <p:spTree>
       <p:nvGrpSpPr>
-        <p:cNvPr id="58" name="Shape 58"/>
+        <p:cNvPr id="67" name="Shape 67"/>
         <p:cNvGrpSpPr/>
         <p:nvPr/>
       </p:nvGrpSpPr>
@@ -11263,7 +13644,7 @@
       </p:grpSpPr>
       <p:sp>
         <p:nvSpPr>
-          <p:cNvPr id="59" name="Google Shape;59;g3baf4acbdf2_0_2"/>
+          <p:cNvPr id="68" name="Google Shape;68;g3baf4acbdf2_0_2"/>
           <p:cNvSpPr txBox="1"/>
           <p:nvPr>
             <p:ph type="title"/>
@@ -11303,7 +13684,7 @@
       </p:sp>
       <p:sp>
         <p:nvSpPr>
-          <p:cNvPr id="60" name="Google Shape;60;g3baf4acbdf2_0_2"/>
+          <p:cNvPr id="69" name="Google Shape;69;g3baf4acbdf2_0_2"/>
           <p:cNvSpPr txBox="1"/>
           <p:nvPr>
             <p:ph idx="1" type="body"/>
@@ -11343,7 +13724,19 @@
             </a:r>
             <a:r>
               <a:rPr lang="en"/>
-              <a:t>, and any coding questions will be similar to our pre-lecture practices, NOT our end-of-lecture monstrosities.</a:t>
+              <a:t>, and any coding related questions will be more similar to our pre-lecture practices and </a:t>
+            </a:r>
+            <a:r>
+              <a:rPr b="1" lang="en">
+                <a:solidFill>
+                  <a:srgbClr val="A31415"/>
+                </a:solidFill>
+              </a:rPr>
+              <a:t>NOT our end-of-lecture monstrosities</a:t>
+            </a:r>
+            <a:r>
+              <a:rPr lang="en"/>
+              <a:t>.</a:t>
             </a:r>
             <a:endParaRPr/>
           </a:p>
@@ -11373,8 +13766,35 @@
               <a:buNone/>
             </a:pPr>
             <a:r>
+              <a:t/>
+            </a:r>
+            <a:endParaRPr/>
+          </a:p>
+          <a:p>
+            <a:pPr indent="0" lvl="0" marL="0" rtl="0" algn="l">
+              <a:spcBef>
+                <a:spcPts val="600"/>
+              </a:spcBef>
+              <a:spcAft>
+                <a:spcPts val="0"/>
+              </a:spcAft>
+              <a:buNone/>
+            </a:pPr>
+            <a:r>
               <a:rPr lang="en"/>
-              <a:t>We will release many practice problems a week or two ahead but the exams will look much more like the homeworks.</a:t>
+              <a:t>We will release many practice problems a week or two ahead, but </a:t>
+            </a:r>
+            <a:r>
+              <a:rPr b="1" lang="en">
+                <a:solidFill>
+                  <a:srgbClr val="DCB439"/>
+                </a:solidFill>
+              </a:rPr>
+              <a:t>the exams will look primarily like the homeworks</a:t>
+            </a:r>
+            <a:r>
+              <a:rPr lang="en"/>
+              <a:t>.</a:t>
             </a:r>
             <a:endParaRPr/>
           </a:p>
@@ -11418,12 +13838,12 @@
 </p:sld>
 </file>
 
-<file path=ppt/slides/slide6.xml><?xml version="1.0" encoding="utf-8"?>
+<file path=ppt/slides/slide7.xml><?xml version="1.0" encoding="utf-8"?>
 <p:sld xmlns:a="http://schemas.openxmlformats.org/drawingml/2006/main" xmlns:r="http://schemas.openxmlformats.org/officeDocument/2006/relationships" xmlns:mc="http://schemas.openxmlformats.org/markup-compatibility/2006" xmlns:mv="urn:schemas-microsoft-com:mac:vml" xmlns:p="http://schemas.openxmlformats.org/presentationml/2006/main" xmlns:c="http://schemas.openxmlformats.org/drawingml/2006/chart" xmlns:dgm="http://schemas.openxmlformats.org/drawingml/2006/diagram" xmlns:o="urn:schemas-microsoft-com:office:office" xmlns:v="urn:schemas-microsoft-com:vml" xmlns:pvml="urn:schemas-microsoft-com:office:powerpoint" xmlns:com="http://schemas.openxmlformats.org/drawingml/2006/compatibility" xmlns:p14="http://schemas.microsoft.com/office/powerpoint/2010/main" xmlns:p15="http://schemas.microsoft.com/office/powerpoint/2012/main" xmlns:ahyp="http://schemas.microsoft.com/office/drawing/2018/hyperlinkcolor">
   <p:cSld>
     <p:spTree>
       <p:nvGrpSpPr>
-        <p:cNvPr id="64" name="Shape 64"/>
+        <p:cNvPr id="73" name="Shape 73"/>
         <p:cNvGrpSpPr/>
         <p:nvPr/>
       </p:nvGrpSpPr>
@@ -11437,7 +13857,7 @@
       </p:grpSpPr>
       <p:sp>
         <p:nvSpPr>
-          <p:cNvPr id="65" name="Google Shape;65;g3baf4acbdf2_0_7"/>
+          <p:cNvPr id="74" name="Google Shape;74;g3baf4acbdf2_0_7"/>
           <p:cNvSpPr txBox="1"/>
           <p:nvPr>
             <p:ph type="title"/>
@@ -11477,7 +13897,7 @@
       </p:sp>
       <p:sp>
         <p:nvSpPr>
-          <p:cNvPr id="66" name="Google Shape;66;g3baf4acbdf2_0_7"/>
+          <p:cNvPr id="75" name="Google Shape;75;g3baf4acbdf2_0_7"/>
           <p:cNvSpPr txBox="1"/>
           <p:nvPr>
             <p:ph idx="1" type="body"/>
@@ -11613,12 +14033,12 @@
 </p:sld>
 </file>
 
-<file path=ppt/slides/slide7.xml><?xml version="1.0" encoding="utf-8"?>
+<file path=ppt/slides/slide8.xml><?xml version="1.0" encoding="utf-8"?>
 <p:sld xmlns:a="http://schemas.openxmlformats.org/drawingml/2006/main" xmlns:r="http://schemas.openxmlformats.org/officeDocument/2006/relationships" xmlns:mc="http://schemas.openxmlformats.org/markup-compatibility/2006" xmlns:mv="urn:schemas-microsoft-com:mac:vml" xmlns:p="http://schemas.openxmlformats.org/presentationml/2006/main" xmlns:c="http://schemas.openxmlformats.org/drawingml/2006/chart" xmlns:dgm="http://schemas.openxmlformats.org/drawingml/2006/diagram" xmlns:o="urn:schemas-microsoft-com:office:office" xmlns:v="urn:schemas-microsoft-com:vml" xmlns:pvml="urn:schemas-microsoft-com:office:powerpoint" xmlns:com="http://schemas.openxmlformats.org/drawingml/2006/compatibility" xmlns:p14="http://schemas.microsoft.com/office/powerpoint/2010/main" xmlns:p15="http://schemas.microsoft.com/office/powerpoint/2012/main" xmlns:ahyp="http://schemas.microsoft.com/office/drawing/2018/hyperlinkcolor">
   <p:cSld>
     <p:spTree>
       <p:nvGrpSpPr>
-        <p:cNvPr id="70" name="Shape 70"/>
+        <p:cNvPr id="79" name="Shape 79"/>
         <p:cNvGrpSpPr/>
         <p:nvPr/>
       </p:nvGrpSpPr>
@@ -11632,7 +14052,7 @@
       </p:grpSpPr>
       <p:sp>
         <p:nvSpPr>
-          <p:cNvPr id="71" name="Google Shape;71;p1"/>
+          <p:cNvPr id="80" name="Google Shape;80;p1"/>
           <p:cNvSpPr txBox="1"/>
           <p:nvPr>
             <p:ph type="ctrTitle"/>
@@ -11721,12 +14141,12 @@
 </p:sld>
 </file>
 
-<file path=ppt/slides/slide8.xml><?xml version="1.0" encoding="utf-8"?>
+<file path=ppt/slides/slide9.xml><?xml version="1.0" encoding="utf-8"?>
 <p:sld xmlns:a="http://schemas.openxmlformats.org/drawingml/2006/main" xmlns:r="http://schemas.openxmlformats.org/officeDocument/2006/relationships" xmlns:mc="http://schemas.openxmlformats.org/markup-compatibility/2006" xmlns:mv="urn:schemas-microsoft-com:mac:vml" xmlns:p="http://schemas.openxmlformats.org/presentationml/2006/main" xmlns:c="http://schemas.openxmlformats.org/drawingml/2006/chart" xmlns:dgm="http://schemas.openxmlformats.org/drawingml/2006/diagram" xmlns:o="urn:schemas-microsoft-com:office:office" xmlns:v="urn:schemas-microsoft-com:vml" xmlns:pvml="urn:schemas-microsoft-com:office:powerpoint" xmlns:com="http://schemas.openxmlformats.org/drawingml/2006/compatibility" xmlns:p14="http://schemas.microsoft.com/office/powerpoint/2010/main" xmlns:p15="http://schemas.microsoft.com/office/powerpoint/2012/main" xmlns:ahyp="http://schemas.microsoft.com/office/drawing/2018/hyperlinkcolor">
   <p:cSld>
     <p:spTree>
       <p:nvGrpSpPr>
-        <p:cNvPr id="75" name="Shape 75"/>
+        <p:cNvPr id="84" name="Shape 84"/>
         <p:cNvGrpSpPr/>
         <p:nvPr/>
       </p:nvGrpSpPr>
@@ -11740,7 +14160,7 @@
       </p:grpSpPr>
       <p:pic>
         <p:nvPicPr>
-          <p:cNvPr id="76" name="Google Shape;76;g3b938ea6dd9_0_26"/>
+          <p:cNvPr id="85" name="Google Shape;85;g3b938ea6dd9_0_26"/>
           <p:cNvPicPr preferRelativeResize="0"/>
           <p:nvPr/>
         </p:nvPicPr>
@@ -11767,7 +14187,7 @@
       </p:pic>
       <p:sp>
         <p:nvSpPr>
-          <p:cNvPr id="77" name="Google Shape;77;g3b938ea6dd9_0_26"/>
+          <p:cNvPr id="86" name="Google Shape;86;g3b938ea6dd9_0_26"/>
           <p:cNvSpPr/>
           <p:nvPr/>
         </p:nvSpPr>
@@ -11828,7 +14248,7 @@
       </p:sp>
       <p:sp>
         <p:nvSpPr>
-          <p:cNvPr id="78" name="Google Shape;78;g3b938ea6dd9_0_26"/>
+          <p:cNvPr id="87" name="Google Shape;87;g3b938ea6dd9_0_26"/>
           <p:cNvSpPr/>
           <p:nvPr/>
         </p:nvSpPr>
@@ -11893,7 +14313,7 @@
       </p:sp>
       <p:sp>
         <p:nvSpPr>
-          <p:cNvPr id="79" name="Google Shape;79;g3b938ea6dd9_0_26"/>
+          <p:cNvPr id="88" name="Google Shape;88;g3b938ea6dd9_0_26"/>
           <p:cNvSpPr/>
           <p:nvPr/>
         </p:nvSpPr>
@@ -11969,9 +14389,9 @@
       </p:sp>
       <p:cxnSp>
         <p:nvCxnSpPr>
-          <p:cNvPr id="80" name="Google Shape;80;g3b938ea6dd9_0_26"/>
+          <p:cNvPr id="89" name="Google Shape;89;g3b938ea6dd9_0_26"/>
           <p:cNvCxnSpPr>
-            <a:stCxn id="79" idx="0"/>
+            <a:stCxn id="88" idx="0"/>
           </p:cNvCxnSpPr>
           <p:nvPr/>
         </p:nvCxnSpPr>
@@ -11997,7 +14417,7 @@
       </p:cxnSp>
       <p:sp>
         <p:nvSpPr>
-          <p:cNvPr id="81" name="Google Shape;81;g3b938ea6dd9_0_26"/>
+          <p:cNvPr id="90" name="Google Shape;90;g3b938ea6dd9_0_26"/>
           <p:cNvSpPr/>
           <p:nvPr/>
         </p:nvSpPr>
@@ -12073,10 +14493,10 @@
       </p:sp>
       <p:cxnSp>
         <p:nvCxnSpPr>
-          <p:cNvPr id="82" name="Google Shape;82;g3b938ea6dd9_0_26"/>
+          <p:cNvPr id="91" name="Google Shape;91;g3b938ea6dd9_0_26"/>
           <p:cNvCxnSpPr>
-            <a:stCxn id="81" idx="0"/>
-            <a:endCxn id="79" idx="2"/>
+            <a:stCxn id="90" idx="0"/>
+            <a:endCxn id="88" idx="2"/>
           </p:cNvCxnSpPr>
           <p:nvPr/>
         </p:nvCxnSpPr>
@@ -12102,7 +14522,7 @@
       </p:cxnSp>
       <p:sp>
         <p:nvSpPr>
-          <p:cNvPr id="83" name="Google Shape;83;g3b938ea6dd9_0_26"/>
+          <p:cNvPr id="92" name="Google Shape;92;g3b938ea6dd9_0_26"/>
           <p:cNvSpPr txBox="1"/>
           <p:nvPr>
             <p:ph type="title"/>
@@ -12150,7 +14570,7 @@
       </p:sp>
       <p:sp>
         <p:nvSpPr>
-          <p:cNvPr id="84" name="Google Shape;84;g3b938ea6dd9_0_26"/>
+          <p:cNvPr id="93" name="Google Shape;93;g3b938ea6dd9_0_26"/>
           <p:cNvSpPr/>
           <p:nvPr/>
         </p:nvSpPr>
@@ -12226,10 +14646,10 @@
       </p:sp>
       <p:cxnSp>
         <p:nvCxnSpPr>
-          <p:cNvPr id="85" name="Google Shape;85;g3b938ea6dd9_0_26"/>
+          <p:cNvPr id="94" name="Google Shape;94;g3b938ea6dd9_0_26"/>
           <p:cNvCxnSpPr>
-            <a:stCxn id="84" idx="0"/>
-            <a:endCxn id="81" idx="2"/>
+            <a:stCxn id="93" idx="0"/>
+            <a:endCxn id="90" idx="2"/>
           </p:cNvCxnSpPr>
           <p:nvPr/>
         </p:nvCxnSpPr>
@@ -12255,7 +14675,7 @@
       </p:cxnSp>
       <p:sp>
         <p:nvSpPr>
-          <p:cNvPr id="86" name="Google Shape;86;g3b938ea6dd9_0_26"/>
+          <p:cNvPr id="95" name="Google Shape;95;g3b938ea6dd9_0_26"/>
           <p:cNvSpPr/>
           <p:nvPr/>
         </p:nvSpPr>
@@ -12320,7 +14740,7 @@
       </p:sp>
       <p:sp>
         <p:nvSpPr>
-          <p:cNvPr id="87" name="Google Shape;87;g3b938ea6dd9_0_26"/>
+          <p:cNvPr id="96" name="Google Shape;96;g3b938ea6dd9_0_26"/>
           <p:cNvSpPr/>
           <p:nvPr/>
         </p:nvSpPr>
@@ -12381,7 +14801,7 @@
       </p:sp>
       <p:sp>
         <p:nvSpPr>
-          <p:cNvPr id="88" name="Google Shape;88;g3b938ea6dd9_0_26"/>
+          <p:cNvPr id="97" name="Google Shape;97;g3b938ea6dd9_0_26"/>
           <p:cNvSpPr/>
           <p:nvPr/>
         </p:nvSpPr>
@@ -12457,9 +14877,9 @@
       </p:sp>
       <p:cxnSp>
         <p:nvCxnSpPr>
-          <p:cNvPr id="89" name="Google Shape;89;g3b938ea6dd9_0_26"/>
+          <p:cNvPr id="98" name="Google Shape;98;g3b938ea6dd9_0_26"/>
           <p:cNvCxnSpPr>
-            <a:endCxn id="88" idx="2"/>
+            <a:endCxn id="97" idx="2"/>
           </p:cNvCxnSpPr>
           <p:nvPr/>
         </p:nvCxnSpPr>
@@ -12485,7 +14905,7 @@
       </p:cxnSp>
       <p:sp>
         <p:nvSpPr>
-          <p:cNvPr id="90" name="Google Shape;90;g3b938ea6dd9_0_26"/>
+          <p:cNvPr id="99" name="Google Shape;99;g3b938ea6dd9_0_26"/>
           <p:cNvSpPr/>
           <p:nvPr/>
         </p:nvSpPr>
@@ -12530,107 +14950,6 @@
           </a:p>
         </p:txBody>
       </p:sp>
-    </p:spTree>
-  </p:cSld>
-  <p:clrMapOvr>
-    <a:masterClrMapping/>
-  </p:clrMapOvr>
-</p:sld>
-</file>
-
-<file path=ppt/slides/slide9.xml><?xml version="1.0" encoding="utf-8"?>
-<p:sld xmlns:a="http://schemas.openxmlformats.org/drawingml/2006/main" xmlns:r="http://schemas.openxmlformats.org/officeDocument/2006/relationships" xmlns:mc="http://schemas.openxmlformats.org/markup-compatibility/2006" xmlns:mv="urn:schemas-microsoft-com:mac:vml" xmlns:p="http://schemas.openxmlformats.org/presentationml/2006/main" xmlns:c="http://schemas.openxmlformats.org/drawingml/2006/chart" xmlns:dgm="http://schemas.openxmlformats.org/drawingml/2006/diagram" xmlns:o="urn:schemas-microsoft-com:office:office" xmlns:v="urn:schemas-microsoft-com:vml" xmlns:pvml="urn:schemas-microsoft-com:office:powerpoint" xmlns:com="http://schemas.openxmlformats.org/drawingml/2006/compatibility" xmlns:p14="http://schemas.microsoft.com/office/powerpoint/2010/main" xmlns:p15="http://schemas.microsoft.com/office/powerpoint/2012/main" xmlns:ahyp="http://schemas.microsoft.com/office/drawing/2018/hyperlinkcolor">
-  <p:cSld>
-    <p:spTree>
-      <p:nvGrpSpPr>
-        <p:cNvPr id="94" name="Shape 94"/>
-        <p:cNvGrpSpPr/>
-        <p:nvPr/>
-      </p:nvGrpSpPr>
-      <p:grpSpPr>
-        <a:xfrm>
-          <a:off x="0" y="0"/>
-          <a:ext cx="0" cy="0"/>
-          <a:chOff x="0" y="0"/>
-          <a:chExt cx="0" cy="0"/>
-        </a:xfrm>
-      </p:grpSpPr>
-      <p:sp>
-        <p:nvSpPr>
-          <p:cNvPr id="95" name="Google Shape;95;g3ba79990f52_0_5"/>
-          <p:cNvSpPr txBox="1"/>
-          <p:nvPr>
-            <p:ph type="title"/>
-          </p:nvPr>
-        </p:nvSpPr>
-        <p:spPr>
-          <a:xfrm>
-            <a:off x="457200" y="274638"/>
-            <a:ext cx="8229600" cy="1143000"/>
-          </a:xfrm>
-          <a:prstGeom prst="rect">
-            <a:avLst/>
-          </a:prstGeom>
-          <a:noFill/>
-          <a:ln>
-            <a:noFill/>
-          </a:ln>
-        </p:spPr>
-        <p:txBody>
-          <a:bodyPr anchorCtr="0" anchor="b" bIns="91425" lIns="91425" spcFirstLastPara="1" rIns="91425" wrap="square" tIns="91425">
-            <a:noAutofit/>
-          </a:bodyPr>
-          <a:lstStyle/>
-          <a:p>
-            <a:pPr indent="0" lvl="0" marL="0" rtl="0" algn="l">
-              <a:lnSpc>
-                <a:spcPct val="100000"/>
-              </a:lnSpc>
-              <a:spcBef>
-                <a:spcPts val="0"/>
-              </a:spcBef>
-              <a:spcAft>
-                <a:spcPts val="0"/>
-              </a:spcAft>
-              <a:buSzPts val="3600"/>
-              <a:buNone/>
-            </a:pPr>
-            <a:r>
-              <a:rPr lang="en"/>
-              <a:t>Last Class - Tokenization 01</a:t>
-            </a:r>
-            <a:endParaRPr/>
-          </a:p>
-        </p:txBody>
-      </p:sp>
-      <p:pic>
-        <p:nvPicPr>
-          <p:cNvPr id="96" name="Google Shape;96;g3ba79990f52_0_5"/>
-          <p:cNvPicPr preferRelativeResize="0"/>
-          <p:nvPr/>
-        </p:nvPicPr>
-        <p:blipFill>
-          <a:blip r:embed="rId3">
-            <a:alphaModFix/>
-          </a:blip>
-          <a:stretch>
-            <a:fillRect/>
-          </a:stretch>
-        </p:blipFill>
-        <p:spPr>
-          <a:xfrm>
-            <a:off x="152400" y="1696538"/>
-            <a:ext cx="8839200" cy="3464901"/>
-          </a:xfrm>
-          <a:prstGeom prst="rect">
-            <a:avLst/>
-          </a:prstGeom>
-          <a:noFill/>
-          <a:ln>
-            <a:noFill/>
-          </a:ln>
-        </p:spPr>
-      </p:pic>
     </p:spTree>
   </p:cSld>
   <p:clrMapOvr>

--- a/Blank/Lecture_04_ Tokenization.pptx
+++ b/Blank/Lecture_04_ Tokenization.pptx
@@ -30,6 +30,7 @@
     <p:sldId id="275" r:id="rId24"/>
     <p:sldId id="276" r:id="rId25"/>
     <p:sldId id="277" r:id="rId26"/>
+    <p:sldId id="278" r:id="rId27"/>
   </p:sldIdLst>
   <p:sldSz cy="6858000" cx="9144000"/>
   <p:notesSz cx="6858000" cy="9144000"/>
@@ -264,7 +265,7 @@
   </p:defaultTextStyle>
   <p:extLst>
     <p:ext uri="GoogleSlidesCustomDataVersion2">
-      <go:slidesCustomData xmlns:go="http://customooxmlschemas.google.com/" r:id="rId27" roundtripDataSignature="AMtx7mh08qAC3truKRC9WrqDni+mHOorZQ=="/>
+      <go:slidesCustomData xmlns:go="http://customooxmlschemas.google.com/" r:id="rId28" roundtripDataSignature="AMtx7mj05/nJwIKYM6vSm27n3Z9IKDReQg=="/>
     </p:ext>
   </p:extLst>
 </p:presentation>
@@ -1304,7 +1305,7 @@
   <p:cSld>
     <p:spTree>
       <p:nvGrpSpPr>
-        <p:cNvPr id="118" name="Shape 118"/>
+        <p:cNvPr id="117" name="Shape 117"/>
         <p:cNvGrpSpPr/>
         <p:nvPr/>
       </p:nvGrpSpPr>
@@ -1318,7 +1319,7 @@
       </p:grpSpPr>
       <p:sp>
         <p:nvSpPr>
-          <p:cNvPr id="119" name="Google Shape;119;g3b8409de4d6_0_103:notes"/>
+          <p:cNvPr id="118" name="Google Shape;118;g3b8409de4d6_0_103:notes"/>
           <p:cNvSpPr/>
           <p:nvPr>
             <p:ph idx="2" type="sldImg"/>
@@ -1363,7 +1364,7 @@
       </p:sp>
       <p:sp>
         <p:nvSpPr>
-          <p:cNvPr id="120" name="Google Shape;120;g3b8409de4d6_0_103:notes"/>
+          <p:cNvPr id="119" name="Google Shape;119;g3b8409de4d6_0_103:notes"/>
           <p:cNvSpPr txBox="1"/>
           <p:nvPr>
             <p:ph idx="1" type="body"/>
@@ -1421,7 +1422,7 @@
   <p:cSld>
     <p:spTree>
       <p:nvGrpSpPr>
-        <p:cNvPr id="125" name="Shape 125"/>
+        <p:cNvPr id="124" name="Shape 124"/>
         <p:cNvGrpSpPr/>
         <p:nvPr/>
       </p:nvGrpSpPr>
@@ -1435,7 +1436,7 @@
       </p:grpSpPr>
       <p:sp>
         <p:nvSpPr>
-          <p:cNvPr id="126" name="Google Shape;126;g3baf4acbdf2_0_12:notes"/>
+          <p:cNvPr id="125" name="Google Shape;125;g3baf4acbdf2_0_77:notes"/>
           <p:cNvSpPr/>
           <p:nvPr>
             <p:ph idx="2" type="sldImg"/>
@@ -1480,7 +1481,7 @@
       </p:sp>
       <p:sp>
         <p:nvSpPr>
-          <p:cNvPr id="127" name="Google Shape;127;g3baf4acbdf2_0_12:notes"/>
+          <p:cNvPr id="126" name="Google Shape;126;g3baf4acbdf2_0_77:notes"/>
           <p:cNvSpPr txBox="1"/>
           <p:nvPr>
             <p:ph idx="1" type="body"/>
@@ -1538,7 +1539,7 @@
   <p:cSld>
     <p:spTree>
       <p:nvGrpSpPr>
-        <p:cNvPr id="134" name="Shape 134"/>
+        <p:cNvPr id="131" name="Shape 131"/>
         <p:cNvGrpSpPr/>
         <p:nvPr/>
       </p:nvGrpSpPr>
@@ -1552,7 +1553,7 @@
       </p:grpSpPr>
       <p:sp>
         <p:nvSpPr>
-          <p:cNvPr id="135" name="Google Shape;135;g3baf4acbdf2_0_22:notes"/>
+          <p:cNvPr id="132" name="Google Shape;132;g3baf4acbdf2_0_22:notes"/>
           <p:cNvSpPr/>
           <p:nvPr>
             <p:ph idx="2" type="sldImg"/>
@@ -1597,7 +1598,7 @@
       </p:sp>
       <p:sp>
         <p:nvSpPr>
-          <p:cNvPr id="136" name="Google Shape;136;g3baf4acbdf2_0_22:notes"/>
+          <p:cNvPr id="133" name="Google Shape;133;g3baf4acbdf2_0_22:notes"/>
           <p:cNvSpPr txBox="1"/>
           <p:nvPr>
             <p:ph idx="1" type="body"/>
@@ -1655,7 +1656,7 @@
   <p:cSld>
     <p:spTree>
       <p:nvGrpSpPr>
-        <p:cNvPr id="140" name="Shape 140"/>
+        <p:cNvPr id="137" name="Shape 137"/>
         <p:cNvGrpSpPr/>
         <p:nvPr/>
       </p:nvGrpSpPr>
@@ -1669,7 +1670,7 @@
       </p:grpSpPr>
       <p:sp>
         <p:nvSpPr>
-          <p:cNvPr id="141" name="Google Shape;141;g3baf4acbdf2_0_32:notes"/>
+          <p:cNvPr id="138" name="Google Shape;138;g3baf4acbdf2_0_84:notes"/>
           <p:cNvSpPr/>
           <p:nvPr>
             <p:ph idx="2" type="sldImg"/>
@@ -1714,7 +1715,7 @@
       </p:sp>
       <p:sp>
         <p:nvSpPr>
-          <p:cNvPr id="142" name="Google Shape;142;g3baf4acbdf2_0_32:notes"/>
+          <p:cNvPr id="139" name="Google Shape;139;g3baf4acbdf2_0_84:notes"/>
           <p:cNvSpPr txBox="1"/>
           <p:nvPr>
             <p:ph idx="1" type="body"/>
@@ -1772,7 +1773,7 @@
   <p:cSld>
     <p:spTree>
       <p:nvGrpSpPr>
-        <p:cNvPr id="147" name="Shape 147"/>
+        <p:cNvPr id="144" name="Shape 144"/>
         <p:cNvGrpSpPr/>
         <p:nvPr/>
       </p:nvGrpSpPr>
@@ -1786,7 +1787,7 @@
       </p:grpSpPr>
       <p:sp>
         <p:nvSpPr>
-          <p:cNvPr id="148" name="Google Shape;148;g3baf4acbdf2_0_40:notes"/>
+          <p:cNvPr id="145" name="Google Shape;145;g3baf4acbdf2_0_90:notes"/>
           <p:cNvSpPr/>
           <p:nvPr>
             <p:ph idx="2" type="sldImg"/>
@@ -1831,7 +1832,7 @@
       </p:sp>
       <p:sp>
         <p:nvSpPr>
-          <p:cNvPr id="149" name="Google Shape;149;g3baf4acbdf2_0_40:notes"/>
+          <p:cNvPr id="146" name="Google Shape;146;g3baf4acbdf2_0_90:notes"/>
           <p:cNvSpPr txBox="1"/>
           <p:nvPr>
             <p:ph idx="1" type="body"/>
@@ -1889,7 +1890,7 @@
   <p:cSld>
     <p:spTree>
       <p:nvGrpSpPr>
-        <p:cNvPr id="153" name="Shape 153"/>
+        <p:cNvPr id="150" name="Shape 150"/>
         <p:cNvGrpSpPr/>
         <p:nvPr/>
       </p:nvGrpSpPr>
@@ -1903,7 +1904,7 @@
       </p:grpSpPr>
       <p:sp>
         <p:nvSpPr>
-          <p:cNvPr id="154" name="Google Shape;154;g3baf4acbdf2_0_49:notes"/>
+          <p:cNvPr id="151" name="Google Shape;151;g3baf4acbdf2_0_12:notes"/>
           <p:cNvSpPr/>
           <p:nvPr>
             <p:ph idx="2" type="sldImg"/>
@@ -1948,7 +1949,7 @@
       </p:sp>
       <p:sp>
         <p:nvSpPr>
-          <p:cNvPr id="155" name="Google Shape;155;g3baf4acbdf2_0_49:notes"/>
+          <p:cNvPr id="152" name="Google Shape;152;g3baf4acbdf2_0_12:notes"/>
           <p:cNvSpPr txBox="1"/>
           <p:nvPr>
             <p:ph idx="1" type="body"/>
@@ -2020,7 +2021,7 @@
       </p:grpSpPr>
       <p:sp>
         <p:nvSpPr>
-          <p:cNvPr id="160" name="Google Shape;160;g3baf4acbdf2_0_65:notes"/>
+          <p:cNvPr id="160" name="Google Shape;160;g3baf4acbdf2_0_49:notes"/>
           <p:cNvSpPr/>
           <p:nvPr>
             <p:ph idx="2" type="sldImg"/>
@@ -2051,11 +2052,21 @@
               </a:path>
             </a:pathLst>
           </a:custGeom>
+          <a:noFill/>
+          <a:ln cap="flat" cmpd="sng" w="9525">
+            <a:solidFill>
+              <a:srgbClr val="000000"/>
+            </a:solidFill>
+            <a:prstDash val="solid"/>
+            <a:round/>
+            <a:headEnd len="sm" w="sm" type="none"/>
+            <a:tailEnd len="sm" w="sm" type="none"/>
+          </a:ln>
         </p:spPr>
       </p:sp>
       <p:sp>
         <p:nvSpPr>
-          <p:cNvPr id="161" name="Google Shape;161;g3baf4acbdf2_0_65:notes"/>
+          <p:cNvPr id="161" name="Google Shape;161;g3baf4acbdf2_0_49:notes"/>
           <p:cNvSpPr txBox="1"/>
           <p:nvPr>
             <p:ph idx="1" type="body"/>
@@ -2069,6 +2080,10 @@
           <a:prstGeom prst="rect">
             <a:avLst/>
           </a:prstGeom>
+          <a:noFill/>
+          <a:ln>
+            <a:noFill/>
+          </a:ln>
         </p:spPr>
         <p:txBody>
           <a:bodyPr anchorCtr="0" anchor="t" bIns="91425" lIns="91425" spcFirstLastPara="1" rIns="91425" wrap="square" tIns="91425">
@@ -2077,12 +2092,16 @@
           <a:lstStyle/>
           <a:p>
             <a:pPr indent="0" lvl="0" marL="0" rtl="0" algn="l">
-              <a:spcBef>
-                <a:spcPts val="0"/>
-              </a:spcBef>
-              <a:spcAft>
-                <a:spcPts val="0"/>
-              </a:spcAft>
+              <a:lnSpc>
+                <a:spcPct val="100000"/>
+              </a:lnSpc>
+              <a:spcBef>
+                <a:spcPts val="0"/>
+              </a:spcBef>
+              <a:spcAft>
+                <a:spcPts val="0"/>
+              </a:spcAft>
+              <a:buSzPts val="1400"/>
               <a:buNone/>
             </a:pPr>
             <a:r>
@@ -2236,7 +2255,106 @@
       </p:grpSpPr>
       <p:sp>
         <p:nvSpPr>
-          <p:cNvPr id="166" name="Google Shape;166;g3b938ea6dd9_0_93:notes"/>
+          <p:cNvPr id="166" name="Google Shape;166;g3baf4acbdf2_0_65:notes"/>
+          <p:cNvSpPr/>
+          <p:nvPr>
+            <p:ph idx="2" type="sldImg"/>
+          </p:nvPr>
+        </p:nvSpPr>
+        <p:spPr>
+          <a:xfrm>
+            <a:off x="1143309" y="685800"/>
+            <a:ext cx="4572000" cy="3429000"/>
+          </a:xfrm>
+          <a:custGeom>
+            <a:rect b="b" l="l" r="r" t="t"/>
+            <a:pathLst>
+              <a:path extrusionOk="0" h="120000" w="120000">
+                <a:moveTo>
+                  <a:pt x="0" y="0"/>
+                </a:moveTo>
+                <a:lnTo>
+                  <a:pt x="120000" y="0"/>
+                </a:lnTo>
+                <a:lnTo>
+                  <a:pt x="120000" y="120000"/>
+                </a:lnTo>
+                <a:lnTo>
+                  <a:pt x="0" y="120000"/>
+                </a:lnTo>
+                <a:close/>
+              </a:path>
+            </a:pathLst>
+          </a:custGeom>
+        </p:spPr>
+      </p:sp>
+      <p:sp>
+        <p:nvSpPr>
+          <p:cNvPr id="167" name="Google Shape;167;g3baf4acbdf2_0_65:notes"/>
+          <p:cNvSpPr txBox="1"/>
+          <p:nvPr>
+            <p:ph idx="1" type="body"/>
+          </p:nvPr>
+        </p:nvSpPr>
+        <p:spPr>
+          <a:xfrm>
+            <a:off x="685800" y="4343400"/>
+            <a:ext cx="5486400" cy="4114800"/>
+          </a:xfrm>
+          <a:prstGeom prst="rect">
+            <a:avLst/>
+          </a:prstGeom>
+        </p:spPr>
+        <p:txBody>
+          <a:bodyPr anchorCtr="0" anchor="t" bIns="91425" lIns="91425" spcFirstLastPara="1" rIns="91425" wrap="square" tIns="91425">
+            <a:noAutofit/>
+          </a:bodyPr>
+          <a:lstStyle/>
+          <a:p>
+            <a:pPr indent="0" lvl="0" marL="0" rtl="0" algn="l">
+              <a:spcBef>
+                <a:spcPts val="0"/>
+              </a:spcBef>
+              <a:spcAft>
+                <a:spcPts val="0"/>
+              </a:spcAft>
+              <a:buNone/>
+            </a:pPr>
+            <a:r>
+              <a:t/>
+            </a:r>
+            <a:endParaRPr/>
+          </a:p>
+        </p:txBody>
+      </p:sp>
+    </p:spTree>
+  </p:cSld>
+  <p:clrMapOvr>
+    <a:masterClrMapping/>
+  </p:clrMapOvr>
+</p:notes>
+</file>
+
+<file path=ppt/notesSlides/notesSlide21.xml><?xml version="1.0" encoding="utf-8"?>
+<p:notes xmlns:a="http://schemas.openxmlformats.org/drawingml/2006/main" xmlns:r="http://schemas.openxmlformats.org/officeDocument/2006/relationships" xmlns:mc="http://schemas.openxmlformats.org/markup-compatibility/2006" xmlns:mv="urn:schemas-microsoft-com:mac:vml" xmlns:p="http://schemas.openxmlformats.org/presentationml/2006/main" xmlns:c="http://schemas.openxmlformats.org/drawingml/2006/chart" xmlns:dgm="http://schemas.openxmlformats.org/drawingml/2006/diagram" xmlns:o="urn:schemas-microsoft-com:office:office" xmlns:v="urn:schemas-microsoft-com:vml" xmlns:pvml="urn:schemas-microsoft-com:office:powerpoint" xmlns:com="http://schemas.openxmlformats.org/drawingml/2006/compatibility" xmlns:p14="http://schemas.microsoft.com/office/powerpoint/2010/main" xmlns:p15="http://schemas.microsoft.com/office/powerpoint/2012/main" xmlns:ahyp="http://schemas.microsoft.com/office/drawing/2018/hyperlinkcolor" showMasterPhAnim="0" showMasterSp="0">
+  <p:cSld>
+    <p:spTree>
+      <p:nvGrpSpPr>
+        <p:cNvPr id="171" name="Shape 171"/>
+        <p:cNvGrpSpPr/>
+        <p:nvPr/>
+      </p:nvGrpSpPr>
+      <p:grpSpPr>
+        <a:xfrm>
+          <a:off x="0" y="0"/>
+          <a:ext cx="0" cy="0"/>
+          <a:chOff x="0" y="0"/>
+          <a:chExt cx="0" cy="0"/>
+        </a:xfrm>
+      </p:grpSpPr>
+      <p:sp>
+        <p:nvSpPr>
+          <p:cNvPr id="172" name="Google Shape;172;g3b938ea6dd9_0_93:notes"/>
           <p:cNvSpPr/>
           <p:nvPr>
             <p:ph idx="2" type="sldImg"/>
@@ -2281,7 +2399,7 @@
       </p:sp>
       <p:sp>
         <p:nvSpPr>
-          <p:cNvPr id="167" name="Google Shape;167;g3b938ea6dd9_0_93:notes"/>
+          <p:cNvPr id="173" name="Google Shape;173;g3b938ea6dd9_0_93:notes"/>
           <p:cNvSpPr txBox="1"/>
           <p:nvPr>
             <p:ph idx="1" type="body"/>
@@ -2334,12 +2452,12 @@
 </p:notes>
 </file>
 
-<file path=ppt/notesSlides/notesSlide21.xml><?xml version="1.0" encoding="utf-8"?>
+<file path=ppt/notesSlides/notesSlide22.xml><?xml version="1.0" encoding="utf-8"?>
 <p:notes xmlns:a="http://schemas.openxmlformats.org/drawingml/2006/main" xmlns:r="http://schemas.openxmlformats.org/officeDocument/2006/relationships" xmlns:mc="http://schemas.openxmlformats.org/markup-compatibility/2006" xmlns:mv="urn:schemas-microsoft-com:mac:vml" xmlns:p="http://schemas.openxmlformats.org/presentationml/2006/main" xmlns:c="http://schemas.openxmlformats.org/drawingml/2006/chart" xmlns:dgm="http://schemas.openxmlformats.org/drawingml/2006/diagram" xmlns:o="urn:schemas-microsoft-com:office:office" xmlns:v="urn:schemas-microsoft-com:vml" xmlns:pvml="urn:schemas-microsoft-com:office:powerpoint" xmlns:com="http://schemas.openxmlformats.org/drawingml/2006/compatibility" xmlns:p14="http://schemas.microsoft.com/office/powerpoint/2010/main" xmlns:p15="http://schemas.microsoft.com/office/powerpoint/2012/main" xmlns:ahyp="http://schemas.microsoft.com/office/drawing/2018/hyperlinkcolor" showMasterPhAnim="0" showMasterSp="0">
   <p:cSld>
     <p:spTree>
       <p:nvGrpSpPr>
-        <p:cNvPr id="172" name="Shape 172"/>
+        <p:cNvPr id="178" name="Shape 178"/>
         <p:cNvGrpSpPr/>
         <p:nvPr/>
       </p:nvGrpSpPr>
@@ -2353,7 +2471,7 @@
       </p:grpSpPr>
       <p:sp>
         <p:nvSpPr>
-          <p:cNvPr id="173" name="Google Shape;173;g3b8409de4d6_0_118:notes"/>
+          <p:cNvPr id="179" name="Google Shape;179;g3b8409de4d6_0_118:notes"/>
           <p:cNvSpPr/>
           <p:nvPr>
             <p:ph idx="2" type="sldImg"/>
@@ -2398,7 +2516,7 @@
       </p:sp>
       <p:sp>
         <p:nvSpPr>
-          <p:cNvPr id="174" name="Google Shape;174;g3b8409de4d6_0_118:notes"/>
+          <p:cNvPr id="180" name="Google Shape;180;g3b8409de4d6_0_118:notes"/>
           <p:cNvSpPr txBox="1"/>
           <p:nvPr>
             <p:ph idx="1" type="body"/>
@@ -2451,12 +2569,12 @@
 </p:notes>
 </file>
 
-<file path=ppt/notesSlides/notesSlide22.xml><?xml version="1.0" encoding="utf-8"?>
+<file path=ppt/notesSlides/notesSlide23.xml><?xml version="1.0" encoding="utf-8"?>
 <p:notes xmlns:a="http://schemas.openxmlformats.org/drawingml/2006/main" xmlns:r="http://schemas.openxmlformats.org/officeDocument/2006/relationships" xmlns:mc="http://schemas.openxmlformats.org/markup-compatibility/2006" xmlns:mv="urn:schemas-microsoft-com:mac:vml" xmlns:p="http://schemas.openxmlformats.org/presentationml/2006/main" xmlns:c="http://schemas.openxmlformats.org/drawingml/2006/chart" xmlns:dgm="http://schemas.openxmlformats.org/drawingml/2006/diagram" xmlns:o="urn:schemas-microsoft-com:office:office" xmlns:v="urn:schemas-microsoft-com:vml" xmlns:pvml="urn:schemas-microsoft-com:office:powerpoint" xmlns:com="http://schemas.openxmlformats.org/drawingml/2006/compatibility" xmlns:p14="http://schemas.microsoft.com/office/powerpoint/2010/main" xmlns:p15="http://schemas.microsoft.com/office/powerpoint/2012/main" xmlns:ahyp="http://schemas.microsoft.com/office/drawing/2018/hyperlinkcolor" showMasterPhAnim="0" showMasterSp="0">
   <p:cSld>
     <p:spTree>
       <p:nvGrpSpPr>
-        <p:cNvPr id="181" name="Shape 181"/>
+        <p:cNvPr id="187" name="Shape 187"/>
         <p:cNvGrpSpPr/>
         <p:nvPr/>
       </p:nvGrpSpPr>
@@ -2470,7 +2588,7 @@
       </p:grpSpPr>
       <p:sp>
         <p:nvSpPr>
-          <p:cNvPr id="182" name="Google Shape;182;g3b8409de4d6_0_108:notes"/>
+          <p:cNvPr id="188" name="Google Shape;188;g3b8409de4d6_0_108:notes"/>
           <p:cNvSpPr/>
           <p:nvPr>
             <p:ph idx="2" type="sldImg"/>
@@ -2515,7 +2633,7 @@
       </p:sp>
       <p:sp>
         <p:nvSpPr>
-          <p:cNvPr id="183" name="Google Shape;183;g3b8409de4d6_0_108:notes"/>
+          <p:cNvPr id="189" name="Google Shape;189;g3b8409de4d6_0_108:notes"/>
           <p:cNvSpPr txBox="1"/>
           <p:nvPr>
             <p:ph idx="1" type="body"/>
@@ -9139,43 +9257,12 @@
             </a:pPr>
             <a:r>
               <a:rPr lang="en"/>
-              <a:t>Byte-Pair Encoding Tokenization </a:t>
-            </a:r>
-            <a:r>
-              <a:rPr lang="en" sz="1800"/>
-              <a:t>(1994)</a:t>
+              <a:t>Byte Encoding Tokenization</a:t>
             </a:r>
             <a:endParaRPr sz="1800"/>
           </a:p>
         </p:txBody>
       </p:sp>
-      <p:pic>
-        <p:nvPicPr>
-          <p:cNvPr id="117" name="Google Shape;117;g3baf4acbdf2_0_27"/>
-          <p:cNvPicPr preferRelativeResize="0"/>
-          <p:nvPr/>
-        </p:nvPicPr>
-        <p:blipFill rotWithShape="1">
-          <a:blip r:embed="rId3">
-            <a:alphaModFix/>
-          </a:blip>
-          <a:srcRect b="0" l="0" r="0" t="0"/>
-          <a:stretch/>
-        </p:blipFill>
-        <p:spPr>
-          <a:xfrm>
-            <a:off x="1281113" y="1720204"/>
-            <a:ext cx="6581775" cy="4523382"/>
-          </a:xfrm>
-          <a:prstGeom prst="rect">
-            <a:avLst/>
-          </a:prstGeom>
-          <a:noFill/>
-          <a:ln>
-            <a:noFill/>
-          </a:ln>
-        </p:spPr>
-      </p:pic>
     </p:spTree>
   </p:cSld>
   <p:clrMapOvr>
@@ -9189,7 +9276,7 @@
   <p:cSld>
     <p:spTree>
       <p:nvGrpSpPr>
-        <p:cNvPr id="121" name="Shape 121"/>
+        <p:cNvPr id="120" name="Shape 120"/>
         <p:cNvGrpSpPr/>
         <p:nvPr/>
       </p:nvGrpSpPr>
@@ -9203,7 +9290,7 @@
       </p:grpSpPr>
       <p:sp>
         <p:nvSpPr>
-          <p:cNvPr id="122" name="Google Shape;122;g3b8409de4d6_0_103"/>
+          <p:cNvPr id="121" name="Google Shape;121;g3b8409de4d6_0_103"/>
           <p:cNvSpPr txBox="1"/>
           <p:nvPr>
             <p:ph type="title"/>
@@ -9263,7 +9350,7 @@
       </p:sp>
       <p:sp>
         <p:nvSpPr>
-          <p:cNvPr id="123" name="Google Shape;123;g3b8409de4d6_0_103"/>
+          <p:cNvPr id="122" name="Google Shape;122;g3b8409de4d6_0_103"/>
           <p:cNvSpPr txBox="1"/>
           <p:nvPr>
             <p:ph idx="1" type="body"/>
@@ -9327,7 +9414,7 @@
       </p:sp>
       <p:sp>
         <p:nvSpPr>
-          <p:cNvPr id="124" name="Google Shape;124;g3b8409de4d6_0_103"/>
+          <p:cNvPr id="123" name="Google Shape;123;g3b8409de4d6_0_103"/>
           <p:cNvSpPr txBox="1"/>
           <p:nvPr/>
         </p:nvSpPr>
@@ -9536,7 +9623,7 @@
   <p:cSld>
     <p:spTree>
       <p:nvGrpSpPr>
-        <p:cNvPr id="128" name="Shape 128"/>
+        <p:cNvPr id="127" name="Shape 127"/>
         <p:cNvGrpSpPr/>
         <p:nvPr/>
       </p:nvGrpSpPr>
@@ -9550,7 +9637,7 @@
       </p:grpSpPr>
       <p:sp>
         <p:nvSpPr>
-          <p:cNvPr id="129" name="Google Shape;129;g3baf4acbdf2_0_12"/>
+          <p:cNvPr id="128" name="Google Shape;128;g3baf4acbdf2_0_77"/>
           <p:cNvSpPr txBox="1"/>
           <p:nvPr>
             <p:ph type="title"/>
@@ -9602,7 +9689,7 @@
             </a:r>
             <a:r>
               <a:rPr lang="en"/>
-              <a:t>: Classes</a:t>
+              <a:t>: ASCII Values</a:t>
             </a:r>
             <a:endParaRPr/>
           </a:p>
@@ -9610,185 +9697,7 @@
       </p:sp>
       <p:sp>
         <p:nvSpPr>
-          <p:cNvPr id="130" name="Google Shape;130;g3baf4acbdf2_0_12"/>
-          <p:cNvSpPr txBox="1"/>
-          <p:nvPr>
-            <p:ph idx="1" type="body"/>
-          </p:nvPr>
-        </p:nvSpPr>
-        <p:spPr>
-          <a:xfrm>
-            <a:off x="457200" y="1600200"/>
-            <a:ext cx="8229600" cy="4967700"/>
-          </a:xfrm>
-          <a:prstGeom prst="rect">
-            <a:avLst/>
-          </a:prstGeom>
-          <a:noFill/>
-          <a:ln>
-            <a:noFill/>
-          </a:ln>
-        </p:spPr>
-        <p:txBody>
-          <a:bodyPr anchorCtr="0" anchor="t" bIns="91425" lIns="91425" spcFirstLastPara="1" rIns="91425" wrap="square" tIns="91425">
-            <a:noAutofit/>
-          </a:bodyPr>
-          <a:lstStyle/>
-          <a:p>
-            <a:pPr indent="0" lvl="0" marL="0" rtl="0" algn="l">
-              <a:lnSpc>
-                <a:spcPct val="100000"/>
-              </a:lnSpc>
-              <a:spcBef>
-                <a:spcPts val="600"/>
-              </a:spcBef>
-              <a:spcAft>
-                <a:spcPts val="0"/>
-              </a:spcAft>
-              <a:buSzPts val="3000"/>
-              <a:buNone/>
-            </a:pPr>
-            <a:r>
-              <a:rPr lang="en"/>
-              <a:t>A </a:t>
-            </a:r>
-            <a:r>
-              <a:rPr b="1" lang="en">
-                <a:solidFill>
-                  <a:srgbClr val="A31415"/>
-                </a:solidFill>
-                <a:latin typeface="Consolas"/>
-                <a:ea typeface="Consolas"/>
-                <a:cs typeface="Consolas"/>
-                <a:sym typeface="Consolas"/>
-              </a:rPr>
-              <a:t>class</a:t>
-            </a:r>
-            <a:r>
-              <a:rPr lang="en"/>
-              <a:t> is a data type that defines both data, and </a:t>
-            </a:r>
-            <a:r>
-              <a:rPr b="1" lang="en">
-                <a:solidFill>
-                  <a:srgbClr val="A31415"/>
-                </a:solidFill>
-                <a:latin typeface="Consolas"/>
-                <a:ea typeface="Consolas"/>
-                <a:cs typeface="Consolas"/>
-                <a:sym typeface="Consolas"/>
-              </a:rPr>
-              <a:t>functions</a:t>
-            </a:r>
-            <a:r>
-              <a:rPr lang="en"/>
-              <a:t> used to manipulate the data. A Specific instances of a </a:t>
-            </a:r>
-            <a:r>
-              <a:rPr b="1" lang="en">
-                <a:solidFill>
-                  <a:srgbClr val="A31415"/>
-                </a:solidFill>
-                <a:latin typeface="Consolas"/>
-                <a:ea typeface="Consolas"/>
-                <a:cs typeface="Consolas"/>
-                <a:sym typeface="Consolas"/>
-              </a:rPr>
-              <a:t>class</a:t>
-            </a:r>
-            <a:r>
-              <a:rPr lang="en"/>
-              <a:t> are called </a:t>
-            </a:r>
-            <a:r>
-              <a:rPr b="1" lang="en">
-                <a:solidFill>
-                  <a:srgbClr val="A31415"/>
-                </a:solidFill>
-                <a:latin typeface="Consolas"/>
-                <a:ea typeface="Consolas"/>
-                <a:cs typeface="Consolas"/>
-                <a:sym typeface="Consolas"/>
-              </a:rPr>
-              <a:t>objects</a:t>
-            </a:r>
-            <a:r>
-              <a:rPr lang="en"/>
-              <a:t>.</a:t>
-            </a:r>
-            <a:endParaRPr/>
-          </a:p>
-        </p:txBody>
-      </p:sp>
-      <p:pic>
-        <p:nvPicPr>
-          <p:cNvPr id="131" name="Google Shape;131;g3baf4acbdf2_0_12" title="Screenshot 2026-01-20 at 11.40.30 AM.png"/>
-          <p:cNvPicPr preferRelativeResize="0"/>
-          <p:nvPr/>
-        </p:nvPicPr>
-        <p:blipFill rotWithShape="1">
-          <a:blip r:embed="rId3">
-            <a:alphaModFix/>
-          </a:blip>
-          <a:srcRect b="0" l="0" r="0" t="0"/>
-          <a:stretch/>
-        </p:blipFill>
-        <p:spPr>
-          <a:xfrm>
-            <a:off x="1908643" y="3590925"/>
-            <a:ext cx="5326725" cy="1259600"/>
-          </a:xfrm>
-          <a:prstGeom prst="rect">
-            <a:avLst/>
-          </a:prstGeom>
-          <a:noFill/>
-          <a:ln cap="flat" cmpd="sng" w="38100">
-            <a:solidFill>
-              <a:srgbClr val="002B5B"/>
-            </a:solidFill>
-            <a:prstDash val="solid"/>
-            <a:round/>
-            <a:headEnd len="sm" w="sm" type="none"/>
-            <a:tailEnd len="sm" w="sm" type="none"/>
-          </a:ln>
-        </p:spPr>
-      </p:pic>
-      <p:pic>
-        <p:nvPicPr>
-          <p:cNvPr id="132" name="Google Shape;132;g3baf4acbdf2_0_12" title="Screenshot 2026-01-20 at 11.41.41 AM.png"/>
-          <p:cNvPicPr preferRelativeResize="0"/>
-          <p:nvPr/>
-        </p:nvPicPr>
-        <p:blipFill rotWithShape="1">
-          <a:blip r:embed="rId4">
-            <a:alphaModFix/>
-          </a:blip>
-          <a:srcRect b="0" l="0" r="0" t="0"/>
-          <a:stretch/>
-        </p:blipFill>
-        <p:spPr>
-          <a:xfrm>
-            <a:off x="907675" y="5098875"/>
-            <a:ext cx="7328650" cy="654850"/>
-          </a:xfrm>
-          <a:prstGeom prst="rect">
-            <a:avLst/>
-          </a:prstGeom>
-          <a:noFill/>
-          <a:ln cap="flat" cmpd="sng" w="38100">
-            <a:solidFill>
-              <a:srgbClr val="002B5B"/>
-            </a:solidFill>
-            <a:prstDash val="solid"/>
-            <a:round/>
-            <a:headEnd len="sm" w="sm" type="none"/>
-            <a:tailEnd len="sm" w="sm" type="none"/>
-          </a:ln>
-        </p:spPr>
-      </p:pic>
-      <p:sp>
-        <p:nvSpPr>
-          <p:cNvPr id="133" name="Google Shape;133;g3baf4acbdf2_0_12"/>
+          <p:cNvPr id="129" name="Google Shape;129;g3baf4acbdf2_0_77"/>
           <p:cNvSpPr txBox="1"/>
           <p:nvPr/>
         </p:nvSpPr>
@@ -9984,6 +9893,33 @@
           </a:p>
         </p:txBody>
       </p:sp>
+      <p:pic>
+        <p:nvPicPr>
+          <p:cNvPr id="130" name="Google Shape;130;g3baf4acbdf2_0_77"/>
+          <p:cNvPicPr preferRelativeResize="0"/>
+          <p:nvPr/>
+        </p:nvPicPr>
+        <p:blipFill rotWithShape="1">
+          <a:blip r:embed="rId3">
+            <a:alphaModFix/>
+          </a:blip>
+          <a:srcRect b="13076" l="7554" r="10504" t="6401"/>
+          <a:stretch/>
+        </p:blipFill>
+        <p:spPr>
+          <a:xfrm>
+            <a:off x="1572213" y="1636527"/>
+            <a:ext cx="5999574" cy="4146675"/>
+          </a:xfrm>
+          <a:prstGeom prst="rect">
+            <a:avLst/>
+          </a:prstGeom>
+          <a:noFill/>
+          <a:ln>
+            <a:noFill/>
+          </a:ln>
+        </p:spPr>
+      </p:pic>
     </p:spTree>
   </p:cSld>
   <p:clrMapOvr>
@@ -9997,7 +9933,7 @@
   <p:cSld>
     <p:spTree>
       <p:nvGrpSpPr>
-        <p:cNvPr id="137" name="Shape 137"/>
+        <p:cNvPr id="134" name="Shape 134"/>
         <p:cNvGrpSpPr/>
         <p:nvPr/>
       </p:nvGrpSpPr>
@@ -10011,7 +9947,7 @@
       </p:grpSpPr>
       <p:sp>
         <p:nvSpPr>
-          <p:cNvPr id="138" name="Google Shape;138;g3baf4acbdf2_0_22"/>
+          <p:cNvPr id="135" name="Google Shape;135;g3baf4acbdf2_0_22"/>
           <p:cNvSpPr txBox="1"/>
           <p:nvPr>
             <p:ph type="title"/>
@@ -10063,7 +9999,7 @@
       </p:sp>
       <p:pic>
         <p:nvPicPr>
-          <p:cNvPr id="139" name="Google Shape;139;g3baf4acbdf2_0_22"/>
+          <p:cNvPr id="136" name="Google Shape;136;g3baf4acbdf2_0_22"/>
           <p:cNvPicPr preferRelativeResize="0"/>
           <p:nvPr/>
         </p:nvPicPr>
@@ -10101,7 +10037,7 @@
   <p:cSld>
     <p:spTree>
       <p:nvGrpSpPr>
-        <p:cNvPr id="143" name="Shape 143"/>
+        <p:cNvPr id="140" name="Shape 140"/>
         <p:cNvGrpSpPr/>
         <p:nvPr/>
       </p:nvGrpSpPr>
@@ -10115,7 +10051,7 @@
       </p:grpSpPr>
       <p:sp>
         <p:nvSpPr>
-          <p:cNvPr id="144" name="Google Shape;144;g3baf4acbdf2_0_32"/>
+          <p:cNvPr id="141" name="Google Shape;141;g3baf4acbdf2_0_84"/>
           <p:cNvSpPr txBox="1"/>
           <p:nvPr>
             <p:ph type="title"/>
@@ -10195,7 +10131,7 @@
       </p:sp>
       <p:sp>
         <p:nvSpPr>
-          <p:cNvPr id="145" name="Google Shape;145;g3baf4acbdf2_0_32"/>
+          <p:cNvPr id="142" name="Google Shape;142;g3baf4acbdf2_0_84"/>
           <p:cNvSpPr txBox="1"/>
           <p:nvPr>
             <p:ph idx="1" type="body"/>
@@ -10287,7 +10223,7 @@
       </p:sp>
       <p:pic>
         <p:nvPicPr>
-          <p:cNvPr id="146" name="Google Shape;146;g3baf4acbdf2_0_32" title="Screenshot 2026-01-20 at 10.46.28 AM.png"/>
+          <p:cNvPr id="143" name="Google Shape;143;g3baf4acbdf2_0_84" title="Screenshot 2026-01-20 at 10.46.28 AM.png"/>
           <p:cNvPicPr preferRelativeResize="0"/>
           <p:nvPr/>
         </p:nvPicPr>
@@ -10331,7 +10267,7 @@
   <p:cSld>
     <p:spTree>
       <p:nvGrpSpPr>
-        <p:cNvPr id="150" name="Shape 150"/>
+        <p:cNvPr id="147" name="Shape 147"/>
         <p:cNvGrpSpPr/>
         <p:nvPr/>
       </p:nvGrpSpPr>
@@ -10345,7 +10281,7 @@
       </p:grpSpPr>
       <p:sp>
         <p:nvSpPr>
-          <p:cNvPr id="151" name="Google Shape;151;g3baf4acbdf2_0_40"/>
+          <p:cNvPr id="148" name="Google Shape;148;g3baf4acbdf2_0_90"/>
           <p:cNvSpPr txBox="1"/>
           <p:nvPr>
             <p:ph type="title"/>
@@ -10409,19 +10345,7 @@
                 <a:cs typeface="Consolas"/>
                 <a:sym typeface="Consolas"/>
               </a:rPr>
-              <a:t>replace</a:t>
-            </a:r>
-            <a:r>
-              <a:rPr lang="en">
-                <a:solidFill>
-                  <a:srgbClr val="5AABBC"/>
-                </a:solidFill>
-                <a:latin typeface="Consolas"/>
-                <a:ea typeface="Consolas"/>
-                <a:cs typeface="Consolas"/>
-                <a:sym typeface="Consolas"/>
-              </a:rPr>
-              <a:t>_pairs()</a:t>
+              <a:t>replace_pairs()</a:t>
             </a:r>
             <a:endParaRPr>
               <a:solidFill>
@@ -10437,7 +10361,7 @@
       </p:sp>
       <p:sp>
         <p:nvSpPr>
-          <p:cNvPr id="152" name="Google Shape;152;g3baf4acbdf2_0_40"/>
+          <p:cNvPr id="149" name="Google Shape;149;g3baf4acbdf2_0_90"/>
           <p:cNvSpPr txBox="1"/>
           <p:nvPr>
             <p:ph idx="1" type="body"/>
@@ -10540,7 +10464,7 @@
   <p:cSld>
     <p:spTree>
       <p:nvGrpSpPr>
-        <p:cNvPr id="156" name="Shape 156"/>
+        <p:cNvPr id="153" name="Shape 153"/>
         <p:cNvGrpSpPr/>
         <p:nvPr/>
       </p:nvGrpSpPr>
@@ -10554,7 +10478,7 @@
       </p:grpSpPr>
       <p:sp>
         <p:nvSpPr>
-          <p:cNvPr id="157" name="Google Shape;157;g3baf4acbdf2_0_49"/>
+          <p:cNvPr id="154" name="Google Shape;154;g3baf4acbdf2_0_12"/>
           <p:cNvSpPr txBox="1"/>
           <p:nvPr>
             <p:ph type="title"/>
@@ -10606,35 +10530,15 @@
             </a:r>
             <a:r>
               <a:rPr lang="en"/>
-              <a:t>: </a:t>
-            </a:r>
-            <a:r>
-              <a:rPr lang="en">
-                <a:solidFill>
-                  <a:srgbClr val="5AABBC"/>
-                </a:solidFill>
-                <a:latin typeface="Consolas"/>
-                <a:ea typeface="Consolas"/>
-                <a:cs typeface="Consolas"/>
-                <a:sym typeface="Consolas"/>
-              </a:rPr>
-              <a:t>Simple_Tokenizer()</a:t>
-            </a:r>
-            <a:endParaRPr>
-              <a:solidFill>
-                <a:srgbClr val="5AABBC"/>
-              </a:solidFill>
-              <a:latin typeface="Consolas"/>
-              <a:ea typeface="Consolas"/>
-              <a:cs typeface="Consolas"/>
-              <a:sym typeface="Consolas"/>
-            </a:endParaRPr>
+              <a:t>: Classes</a:t>
+            </a:r>
+            <a:endParaRPr/>
           </a:p>
         </p:txBody>
       </p:sp>
       <p:sp>
         <p:nvSpPr>
-          <p:cNvPr id="158" name="Google Shape;158;g3baf4acbdf2_0_49"/>
+          <p:cNvPr id="155" name="Google Shape;155;g3baf4acbdf2_0_12"/>
           <p:cNvSpPr txBox="1"/>
           <p:nvPr>
             <p:ph idx="1" type="body"/>
@@ -10674,7 +10578,7 @@
             </a:pPr>
             <a:r>
               <a:rPr lang="en"/>
-              <a:t>Today we wrote a </a:t>
+              <a:t>A </a:t>
             </a:r>
             <a:r>
               <a:rPr b="1" lang="en">
@@ -10686,41 +10590,325 @@
                 <a:cs typeface="Consolas"/>
                 <a:sym typeface="Consolas"/>
               </a:rPr>
-              <a:t>function</a:t>
+              <a:t>class</a:t>
             </a:r>
             <a:r>
               <a:rPr lang="en"/>
-              <a:t> we called </a:t>
+              <a:t> is a data type that defines both data, and </a:t>
             </a:r>
             <a:r>
               <a:rPr b="1" lang="en">
                 <a:solidFill>
-                  <a:srgbClr val="5AABBC"/>
+                  <a:srgbClr val="A31415"/>
                 </a:solidFill>
                 <a:latin typeface="Consolas"/>
                 <a:ea typeface="Consolas"/>
                 <a:cs typeface="Consolas"/>
                 <a:sym typeface="Consolas"/>
               </a:rPr>
-              <a:t>replace_pairs()</a:t>
+              <a:t>functions</a:t>
             </a:r>
             <a:r>
               <a:rPr lang="en"/>
-              <a:t> which we can use to merge the frequent pairs into new, larger </a:t>
+              <a:t> used to manipulate the data. A Specific instances of a </a:t>
             </a:r>
             <a:r>
               <a:rPr b="1" lang="en">
                 <a:solidFill>
-                  <a:srgbClr val="002B5B"/>
-                </a:solidFill>
-              </a:rPr>
-              <a:t>tokens</a:t>
+                  <a:srgbClr val="A31415"/>
+                </a:solidFill>
+                <a:latin typeface="Consolas"/>
+                <a:ea typeface="Consolas"/>
+                <a:cs typeface="Consolas"/>
+                <a:sym typeface="Consolas"/>
+              </a:rPr>
+              <a:t>class</a:t>
             </a:r>
             <a:r>
               <a:rPr lang="en"/>
-              <a:t>!</a:t>
+              <a:t> are called </a:t>
+            </a:r>
+            <a:r>
+              <a:rPr b="1" lang="en">
+                <a:solidFill>
+                  <a:srgbClr val="A31415"/>
+                </a:solidFill>
+                <a:latin typeface="Consolas"/>
+                <a:ea typeface="Consolas"/>
+                <a:cs typeface="Consolas"/>
+                <a:sym typeface="Consolas"/>
+              </a:rPr>
+              <a:t>objects</a:t>
+            </a:r>
+            <a:r>
+              <a:rPr lang="en"/>
+              <a:t>.</a:t>
             </a:r>
             <a:endParaRPr/>
+          </a:p>
+        </p:txBody>
+      </p:sp>
+      <p:pic>
+        <p:nvPicPr>
+          <p:cNvPr id="156" name="Google Shape;156;g3baf4acbdf2_0_12" title="Screenshot 2026-01-20 at 11.40.30 AM.png"/>
+          <p:cNvPicPr preferRelativeResize="0"/>
+          <p:nvPr/>
+        </p:nvPicPr>
+        <p:blipFill rotWithShape="1">
+          <a:blip r:embed="rId3">
+            <a:alphaModFix/>
+          </a:blip>
+          <a:srcRect b="0" l="0" r="0" t="0"/>
+          <a:stretch/>
+        </p:blipFill>
+        <p:spPr>
+          <a:xfrm>
+            <a:off x="1908643" y="3590925"/>
+            <a:ext cx="5326725" cy="1259600"/>
+          </a:xfrm>
+          <a:prstGeom prst="rect">
+            <a:avLst/>
+          </a:prstGeom>
+          <a:noFill/>
+          <a:ln cap="flat" cmpd="sng" w="38100">
+            <a:solidFill>
+              <a:srgbClr val="002B5B"/>
+            </a:solidFill>
+            <a:prstDash val="solid"/>
+            <a:round/>
+            <a:headEnd len="sm" w="sm" type="none"/>
+            <a:tailEnd len="sm" w="sm" type="none"/>
+          </a:ln>
+        </p:spPr>
+      </p:pic>
+      <p:pic>
+        <p:nvPicPr>
+          <p:cNvPr id="157" name="Google Shape;157;g3baf4acbdf2_0_12" title="Screenshot 2026-01-20 at 11.41.41 AM.png"/>
+          <p:cNvPicPr preferRelativeResize="0"/>
+          <p:nvPr/>
+        </p:nvPicPr>
+        <p:blipFill rotWithShape="1">
+          <a:blip r:embed="rId4">
+            <a:alphaModFix/>
+          </a:blip>
+          <a:srcRect b="0" l="0" r="0" t="0"/>
+          <a:stretch/>
+        </p:blipFill>
+        <p:spPr>
+          <a:xfrm>
+            <a:off x="907675" y="5098875"/>
+            <a:ext cx="7328650" cy="654850"/>
+          </a:xfrm>
+          <a:prstGeom prst="rect">
+            <a:avLst/>
+          </a:prstGeom>
+          <a:noFill/>
+          <a:ln cap="flat" cmpd="sng" w="38100">
+            <a:solidFill>
+              <a:srgbClr val="002B5B"/>
+            </a:solidFill>
+            <a:prstDash val="solid"/>
+            <a:round/>
+            <a:headEnd len="sm" w="sm" type="none"/>
+            <a:tailEnd len="sm" w="sm" type="none"/>
+          </a:ln>
+        </p:spPr>
+      </p:pic>
+      <p:sp>
+        <p:nvSpPr>
+          <p:cNvPr id="158" name="Google Shape;158;g3baf4acbdf2_0_12"/>
+          <p:cNvSpPr txBox="1"/>
+          <p:nvPr/>
+        </p:nvSpPr>
+        <p:spPr>
+          <a:xfrm>
+            <a:off x="457200" y="6002075"/>
+            <a:ext cx="8229600" cy="699000"/>
+          </a:xfrm>
+          <a:prstGeom prst="rect">
+            <a:avLst/>
+          </a:prstGeom>
+          <a:noFill/>
+          <a:ln>
+            <a:noFill/>
+          </a:ln>
+        </p:spPr>
+        <p:txBody>
+          <a:bodyPr anchorCtr="0" anchor="t" bIns="91425" lIns="91425" spcFirstLastPara="1" rIns="91425" wrap="square" tIns="91425">
+            <a:noAutofit/>
+          </a:bodyPr>
+          <a:lstStyle/>
+          <a:p>
+            <a:pPr indent="0" lvl="0" marL="0" marR="0" rtl="0" algn="l">
+              <a:lnSpc>
+                <a:spcPct val="100000"/>
+              </a:lnSpc>
+              <a:spcBef>
+                <a:spcPts val="0"/>
+              </a:spcBef>
+              <a:spcAft>
+                <a:spcPts val="0"/>
+              </a:spcAft>
+              <a:buClr>
+                <a:srgbClr val="000000"/>
+              </a:buClr>
+              <a:buSzPts val="1800"/>
+              <a:buFont typeface="Arial"/>
+              <a:buNone/>
+            </a:pPr>
+            <a:r>
+              <a:rPr b="1" i="0" lang="en" sz="1800" u="none" cap="none" strike="noStrike">
+                <a:solidFill>
+                  <a:srgbClr val="DCB439"/>
+                </a:solidFill>
+                <a:latin typeface="Arial"/>
+                <a:ea typeface="Arial"/>
+                <a:cs typeface="Arial"/>
+                <a:sym typeface="Arial"/>
+              </a:rPr>
+              <a:t>NOTE:</a:t>
+            </a:r>
+            <a:r>
+              <a:rPr b="0" i="0" lang="en" sz="1800" u="none" cap="none" strike="noStrike">
+                <a:solidFill>
+                  <a:schemeClr val="dk1"/>
+                </a:solidFill>
+                <a:latin typeface="Arial"/>
+                <a:ea typeface="Arial"/>
+                <a:cs typeface="Arial"/>
+                <a:sym typeface="Arial"/>
+              </a:rPr>
+              <a:t> We can use </a:t>
+            </a:r>
+            <a:r>
+              <a:rPr b="1" i="0" lang="en" sz="1800" u="none" cap="none" strike="noStrike">
+                <a:solidFill>
+                  <a:srgbClr val="A31415"/>
+                </a:solidFill>
+                <a:latin typeface="Consolas"/>
+                <a:ea typeface="Consolas"/>
+                <a:cs typeface="Consolas"/>
+                <a:sym typeface="Consolas"/>
+              </a:rPr>
+              <a:t>dir(class)</a:t>
+            </a:r>
+            <a:r>
+              <a:rPr b="0" i="0" lang="en" sz="1800" u="none" cap="none" strike="noStrike">
+                <a:solidFill>
+                  <a:schemeClr val="dk1"/>
+                </a:solidFill>
+                <a:latin typeface="Arial"/>
+                <a:ea typeface="Arial"/>
+                <a:cs typeface="Arial"/>
+                <a:sym typeface="Arial"/>
+              </a:rPr>
+              <a:t> to </a:t>
+            </a:r>
+            <a:r>
+              <a:rPr b="1" i="0" lang="en" sz="1800" u="none" cap="none" strike="noStrike">
+                <a:solidFill>
+                  <a:srgbClr val="A31415"/>
+                </a:solidFill>
+                <a:latin typeface="Consolas"/>
+                <a:ea typeface="Consolas"/>
+                <a:cs typeface="Consolas"/>
+                <a:sym typeface="Consolas"/>
+              </a:rPr>
+              <a:t>print</a:t>
+            </a:r>
+            <a:r>
+              <a:rPr b="0" i="0" lang="en" sz="1800" u="none" cap="none" strike="noStrike">
+                <a:solidFill>
+                  <a:schemeClr val="dk1"/>
+                </a:solidFill>
+                <a:latin typeface="Arial"/>
+                <a:ea typeface="Arial"/>
+                <a:cs typeface="Arial"/>
+                <a:sym typeface="Arial"/>
+              </a:rPr>
+              <a:t> out the </a:t>
+            </a:r>
+            <a:r>
+              <a:rPr b="1" i="0" lang="en" sz="1800" u="none" cap="none" strike="noStrike">
+                <a:solidFill>
+                  <a:srgbClr val="A31415"/>
+                </a:solidFill>
+                <a:latin typeface="Consolas"/>
+                <a:ea typeface="Consolas"/>
+                <a:cs typeface="Consolas"/>
+                <a:sym typeface="Consolas"/>
+              </a:rPr>
+              <a:t>attributes</a:t>
+            </a:r>
+            <a:r>
+              <a:rPr b="0" i="0" lang="en" sz="1800" u="none" cap="none" strike="noStrike">
+                <a:solidFill>
+                  <a:schemeClr val="dk1"/>
+                </a:solidFill>
+                <a:latin typeface="Arial"/>
+                <a:ea typeface="Arial"/>
+                <a:cs typeface="Arial"/>
+                <a:sym typeface="Arial"/>
+              </a:rPr>
+              <a:t> and </a:t>
+            </a:r>
+            <a:r>
+              <a:rPr b="1" i="0" lang="en" sz="1800" u="none" cap="none" strike="noStrike">
+                <a:solidFill>
+                  <a:srgbClr val="A31415"/>
+                </a:solidFill>
+                <a:latin typeface="Consolas"/>
+                <a:ea typeface="Consolas"/>
+                <a:cs typeface="Consolas"/>
+                <a:sym typeface="Consolas"/>
+              </a:rPr>
+              <a:t>functions</a:t>
+            </a:r>
+            <a:r>
+              <a:rPr b="0" i="0" lang="en" sz="1800" u="none" cap="none" strike="noStrike">
+                <a:solidFill>
+                  <a:schemeClr val="dk1"/>
+                </a:solidFill>
+                <a:latin typeface="Arial"/>
+                <a:ea typeface="Arial"/>
+                <a:cs typeface="Arial"/>
+                <a:sym typeface="Arial"/>
+              </a:rPr>
+              <a:t> a </a:t>
+            </a:r>
+            <a:r>
+              <a:rPr b="1" i="0" lang="en" sz="1800" u="none" cap="none" strike="noStrike">
+                <a:solidFill>
+                  <a:srgbClr val="A31415"/>
+                </a:solidFill>
+                <a:latin typeface="Consolas"/>
+                <a:ea typeface="Consolas"/>
+                <a:cs typeface="Consolas"/>
+                <a:sym typeface="Consolas"/>
+              </a:rPr>
+              <a:t>class</a:t>
+            </a:r>
+            <a:r>
+              <a:rPr b="0" i="0" lang="en" sz="1800" u="none" cap="none" strike="noStrike">
+                <a:solidFill>
+                  <a:schemeClr val="dk1"/>
+                </a:solidFill>
+                <a:latin typeface="Arial"/>
+                <a:ea typeface="Arial"/>
+                <a:cs typeface="Arial"/>
+                <a:sym typeface="Arial"/>
+              </a:rPr>
+              <a:t> has</a:t>
+            </a:r>
+            <a:endParaRPr b="0" i="0" sz="1800" u="none" cap="none" strike="noStrike">
+              <a:solidFill>
+                <a:schemeClr val="dk1"/>
+              </a:solidFill>
+              <a:latin typeface="Arial"/>
+              <a:ea typeface="Arial"/>
+              <a:cs typeface="Arial"/>
+              <a:sym typeface="Arial"/>
+            </a:endParaRPr>
           </a:p>
         </p:txBody>
       </p:sp>
@@ -10751,7 +10939,7 @@
       </p:grpSpPr>
       <p:sp>
         <p:nvSpPr>
-          <p:cNvPr id="163" name="Google Shape;163;g3baf4acbdf2_0_65"/>
+          <p:cNvPr id="163" name="Google Shape;163;g3baf4acbdf2_0_49"/>
           <p:cNvSpPr txBox="1"/>
           <p:nvPr>
             <p:ph type="title"/>
@@ -10765,6 +10953,10 @@
           <a:prstGeom prst="rect">
             <a:avLst/>
           </a:prstGeom>
+          <a:noFill/>
+          <a:ln>
+            <a:noFill/>
+          </a:ln>
         </p:spPr>
         <p:txBody>
           <a:bodyPr anchorCtr="0" anchor="b" bIns="91425" lIns="91425" spcFirstLastPara="1" rIns="91425" wrap="square" tIns="91425">
@@ -10773,12 +10965,16 @@
           <a:lstStyle/>
           <a:p>
             <a:pPr indent="0" lvl="0" marL="0" rtl="0" algn="l">
-              <a:spcBef>
-                <a:spcPts val="0"/>
-              </a:spcBef>
-              <a:spcAft>
-                <a:spcPts val="0"/>
-              </a:spcAft>
+              <a:lnSpc>
+                <a:spcPct val="100000"/>
+              </a:lnSpc>
+              <a:spcBef>
+                <a:spcPts val="0"/>
+              </a:spcBef>
+              <a:spcAft>
+                <a:spcPts val="0"/>
+              </a:spcAft>
+              <a:buSzPts val="3600"/>
               <a:buNone/>
             </a:pPr>
             <a:r>
@@ -10791,27 +10987,27 @@
                 <a:cs typeface="Consolas"/>
                 <a:sym typeface="Consolas"/>
               </a:rPr>
-              <a:t>“tonight?”</a:t>
+              <a:t>programming</a:t>
             </a:r>
             <a:r>
               <a:rPr lang="en"/>
-              <a:t> vs. </a:t>
+              <a:t>: </a:t>
             </a:r>
             <a:r>
               <a:rPr lang="en">
                 <a:solidFill>
-                  <a:srgbClr val="A31415"/>
+                  <a:srgbClr val="5AABBC"/>
                 </a:solidFill>
                 <a:latin typeface="Consolas"/>
                 <a:ea typeface="Consolas"/>
                 <a:cs typeface="Consolas"/>
                 <a:sym typeface="Consolas"/>
               </a:rPr>
-              <a:t>“tonight”</a:t>
+              <a:t>Simple_Tokenizer()</a:t>
             </a:r>
             <a:endParaRPr>
               <a:solidFill>
-                <a:srgbClr val="A31415"/>
+                <a:srgbClr val="5AABBC"/>
               </a:solidFill>
               <a:latin typeface="Consolas"/>
               <a:ea typeface="Consolas"/>
@@ -10823,7 +11019,7 @@
       </p:sp>
       <p:sp>
         <p:nvSpPr>
-          <p:cNvPr id="164" name="Google Shape;164;g3baf4acbdf2_0_65"/>
+          <p:cNvPr id="164" name="Google Shape;164;g3baf4acbdf2_0_49"/>
           <p:cNvSpPr txBox="1"/>
           <p:nvPr>
             <p:ph idx="1" type="body"/>
@@ -10837,6 +11033,10 @@
           <a:prstGeom prst="rect">
             <a:avLst/>
           </a:prstGeom>
+          <a:noFill/>
+          <a:ln>
+            <a:noFill/>
+          </a:ln>
         </p:spPr>
         <p:txBody>
           <a:bodyPr anchorCtr="0" anchor="t" bIns="91425" lIns="91425" spcFirstLastPara="1" rIns="91425" wrap="square" tIns="91425">
@@ -10845,17 +11045,21 @@
           <a:lstStyle/>
           <a:p>
             <a:pPr indent="0" lvl="0" marL="0" rtl="0" algn="l">
+              <a:lnSpc>
+                <a:spcPct val="100000"/>
+              </a:lnSpc>
               <a:spcBef>
                 <a:spcPts val="600"/>
               </a:spcBef>
               <a:spcAft>
                 <a:spcPts val="0"/>
               </a:spcAft>
+              <a:buSzPts val="3000"/>
               <a:buNone/>
             </a:pPr>
             <a:r>
               <a:rPr lang="en"/>
-              <a:t>This simple tokenizer works, but it seems very silly that </a:t>
+              <a:t>We can put all of this together in a </a:t>
             </a:r>
             <a:r>
               <a:rPr b="1" lang="en">
@@ -10867,132 +11071,23 @@
                 <a:cs typeface="Consolas"/>
                 <a:sym typeface="Consolas"/>
               </a:rPr>
-              <a:t>“tonight?”</a:t>
+              <a:t>class</a:t>
             </a:r>
             <a:r>
               <a:rPr lang="en"/>
-              <a:t> is a different token than </a:t>
+              <a:t> to create a </a:t>
             </a:r>
             <a:r>
               <a:rPr b="1" lang="en">
                 <a:solidFill>
-                  <a:srgbClr val="A31415"/>
-                </a:solidFill>
-              </a:rPr>
-              <a:t>“tonight”</a:t>
+                  <a:srgbClr val="002B5B"/>
+                </a:solidFill>
+              </a:rPr>
+              <a:t>tokenizer</a:t>
             </a:r>
             <a:r>
               <a:rPr lang="en"/>
-              <a:t>.</a:t>
-            </a:r>
-            <a:endParaRPr/>
-          </a:p>
-          <a:p>
-            <a:pPr indent="0" lvl="0" marL="0" rtl="0" algn="l">
-              <a:spcBef>
-                <a:spcPts val="600"/>
-              </a:spcBef>
-              <a:spcAft>
-                <a:spcPts val="0"/>
-              </a:spcAft>
-              <a:buNone/>
-            </a:pPr>
-            <a:r>
-              <a:t/>
-            </a:r>
-            <a:endParaRPr/>
-          </a:p>
-          <a:p>
-            <a:pPr indent="0" lvl="0" marL="0" rtl="0" algn="l">
-              <a:spcBef>
-                <a:spcPts val="600"/>
-              </a:spcBef>
-              <a:spcAft>
-                <a:spcPts val="0"/>
-              </a:spcAft>
-              <a:buNone/>
-            </a:pPr>
-            <a:r>
-              <a:t/>
-            </a:r>
-            <a:endParaRPr/>
-          </a:p>
-          <a:p>
-            <a:pPr indent="0" lvl="0" marL="0" rtl="0" algn="l">
-              <a:spcBef>
-                <a:spcPts val="0"/>
-              </a:spcBef>
-              <a:spcAft>
-                <a:spcPts val="0"/>
-              </a:spcAft>
-              <a:buNone/>
-            </a:pPr>
-            <a:r>
-              <a:t/>
-            </a:r>
-            <a:endParaRPr b="1">
-              <a:solidFill>
-                <a:srgbClr val="002B5B"/>
-              </a:solidFill>
-            </a:endParaRPr>
-          </a:p>
-          <a:p>
-            <a:pPr indent="0" lvl="0" marL="0" rtl="0" algn="l">
-              <a:spcBef>
-                <a:spcPts val="0"/>
-              </a:spcBef>
-              <a:spcAft>
-                <a:spcPts val="0"/>
-              </a:spcAft>
-              <a:buNone/>
-            </a:pPr>
-            <a:r>
-              <a:t/>
-            </a:r>
-            <a:endParaRPr b="1">
-              <a:solidFill>
-                <a:srgbClr val="002B5B"/>
-              </a:solidFill>
-            </a:endParaRPr>
-          </a:p>
-          <a:p>
-            <a:pPr indent="0" lvl="0" marL="0" rtl="0" algn="l">
-              <a:spcBef>
-                <a:spcPts val="0"/>
-              </a:spcBef>
-              <a:spcAft>
-                <a:spcPts val="0"/>
-              </a:spcAft>
-              <a:buClr>
-                <a:schemeClr val="dk1"/>
-              </a:buClr>
-              <a:buSzPts val="3000"/>
-              <a:buFont typeface="Arial"/>
-              <a:buNone/>
-            </a:pPr>
-            <a:r>
-              <a:rPr b="1" lang="en">
-                <a:solidFill>
-                  <a:srgbClr val="002B5B"/>
-                </a:solidFill>
-              </a:rPr>
-              <a:t>BPE</a:t>
-            </a:r>
-            <a:r>
-              <a:rPr lang="en"/>
-              <a:t> is excellent at breaking down words statistically, but </a:t>
-            </a:r>
-            <a:r>
-              <a:rPr b="1" lang="en">
-                <a:solidFill>
-                  <a:srgbClr val="A31415"/>
-                </a:solidFill>
-              </a:rPr>
-              <a:t>it can make suboptimal merges</a:t>
-            </a:r>
-            <a:r>
-              <a:rPr lang="en"/>
-              <a:t> like combining punctuation with words.</a:t>
+              <a:t> we can re-use!</a:t>
             </a:r>
             <a:endParaRPr/>
           </a:p>
@@ -11307,7 +11402,281 @@
       </p:grpSpPr>
       <p:sp>
         <p:nvSpPr>
-          <p:cNvPr id="169" name="Google Shape;169;g3b938ea6dd9_0_93"/>
+          <p:cNvPr id="169" name="Google Shape;169;g3baf4acbdf2_0_65"/>
+          <p:cNvSpPr txBox="1"/>
+          <p:nvPr>
+            <p:ph type="title"/>
+          </p:nvPr>
+        </p:nvSpPr>
+        <p:spPr>
+          <a:xfrm>
+            <a:off x="457200" y="274638"/>
+            <a:ext cx="8229600" cy="1143000"/>
+          </a:xfrm>
+          <a:prstGeom prst="rect">
+            <a:avLst/>
+          </a:prstGeom>
+        </p:spPr>
+        <p:txBody>
+          <a:bodyPr anchorCtr="0" anchor="b" bIns="91425" lIns="91425" spcFirstLastPara="1" rIns="91425" wrap="square" tIns="91425">
+            <a:noAutofit/>
+          </a:bodyPr>
+          <a:lstStyle/>
+          <a:p>
+            <a:pPr indent="0" lvl="0" marL="0" rtl="0" algn="l">
+              <a:spcBef>
+                <a:spcPts val="0"/>
+              </a:spcBef>
+              <a:spcAft>
+                <a:spcPts val="0"/>
+              </a:spcAft>
+              <a:buNone/>
+            </a:pPr>
+            <a:r>
+              <a:rPr lang="en">
+                <a:solidFill>
+                  <a:srgbClr val="A31415"/>
+                </a:solidFill>
+                <a:latin typeface="Consolas"/>
+                <a:ea typeface="Consolas"/>
+                <a:cs typeface="Consolas"/>
+                <a:sym typeface="Consolas"/>
+              </a:rPr>
+              <a:t>“tonight?”</a:t>
+            </a:r>
+            <a:r>
+              <a:rPr lang="en"/>
+              <a:t> vs. </a:t>
+            </a:r>
+            <a:r>
+              <a:rPr lang="en">
+                <a:solidFill>
+                  <a:srgbClr val="A31415"/>
+                </a:solidFill>
+                <a:latin typeface="Consolas"/>
+                <a:ea typeface="Consolas"/>
+                <a:cs typeface="Consolas"/>
+                <a:sym typeface="Consolas"/>
+              </a:rPr>
+              <a:t>“tonight”</a:t>
+            </a:r>
+            <a:endParaRPr>
+              <a:solidFill>
+                <a:srgbClr val="A31415"/>
+              </a:solidFill>
+              <a:latin typeface="Consolas"/>
+              <a:ea typeface="Consolas"/>
+              <a:cs typeface="Consolas"/>
+              <a:sym typeface="Consolas"/>
+            </a:endParaRPr>
+          </a:p>
+        </p:txBody>
+      </p:sp>
+      <p:sp>
+        <p:nvSpPr>
+          <p:cNvPr id="170" name="Google Shape;170;g3baf4acbdf2_0_65"/>
+          <p:cNvSpPr txBox="1"/>
+          <p:nvPr>
+            <p:ph idx="1" type="body"/>
+          </p:nvPr>
+        </p:nvSpPr>
+        <p:spPr>
+          <a:xfrm>
+            <a:off x="457200" y="1600200"/>
+            <a:ext cx="8229600" cy="4967700"/>
+          </a:xfrm>
+          <a:prstGeom prst="rect">
+            <a:avLst/>
+          </a:prstGeom>
+        </p:spPr>
+        <p:txBody>
+          <a:bodyPr anchorCtr="0" anchor="t" bIns="91425" lIns="91425" spcFirstLastPara="1" rIns="91425" wrap="square" tIns="91425">
+            <a:noAutofit/>
+          </a:bodyPr>
+          <a:lstStyle/>
+          <a:p>
+            <a:pPr indent="0" lvl="0" marL="0" rtl="0" algn="l">
+              <a:spcBef>
+                <a:spcPts val="600"/>
+              </a:spcBef>
+              <a:spcAft>
+                <a:spcPts val="0"/>
+              </a:spcAft>
+              <a:buNone/>
+            </a:pPr>
+            <a:r>
+              <a:rPr lang="en"/>
+              <a:t>This simple tokenizer works, but it seems very silly that </a:t>
+            </a:r>
+            <a:r>
+              <a:rPr b="1" lang="en">
+                <a:solidFill>
+                  <a:srgbClr val="A31415"/>
+                </a:solidFill>
+                <a:latin typeface="Consolas"/>
+                <a:ea typeface="Consolas"/>
+                <a:cs typeface="Consolas"/>
+                <a:sym typeface="Consolas"/>
+              </a:rPr>
+              <a:t>“tonight?”</a:t>
+            </a:r>
+            <a:r>
+              <a:rPr lang="en"/>
+              <a:t> is a different token than </a:t>
+            </a:r>
+            <a:r>
+              <a:rPr b="1" lang="en">
+                <a:solidFill>
+                  <a:srgbClr val="A31415"/>
+                </a:solidFill>
+              </a:rPr>
+              <a:t>“tonight”</a:t>
+            </a:r>
+            <a:r>
+              <a:rPr lang="en"/>
+              <a:t>.</a:t>
+            </a:r>
+            <a:endParaRPr/>
+          </a:p>
+          <a:p>
+            <a:pPr indent="0" lvl="0" marL="0" rtl="0" algn="l">
+              <a:spcBef>
+                <a:spcPts val="600"/>
+              </a:spcBef>
+              <a:spcAft>
+                <a:spcPts val="0"/>
+              </a:spcAft>
+              <a:buNone/>
+            </a:pPr>
+            <a:r>
+              <a:t/>
+            </a:r>
+            <a:endParaRPr/>
+          </a:p>
+          <a:p>
+            <a:pPr indent="0" lvl="0" marL="0" rtl="0" algn="l">
+              <a:spcBef>
+                <a:spcPts val="600"/>
+              </a:spcBef>
+              <a:spcAft>
+                <a:spcPts val="0"/>
+              </a:spcAft>
+              <a:buNone/>
+            </a:pPr>
+            <a:r>
+              <a:t/>
+            </a:r>
+            <a:endParaRPr/>
+          </a:p>
+          <a:p>
+            <a:pPr indent="0" lvl="0" marL="0" rtl="0" algn="l">
+              <a:spcBef>
+                <a:spcPts val="0"/>
+              </a:spcBef>
+              <a:spcAft>
+                <a:spcPts val="0"/>
+              </a:spcAft>
+              <a:buNone/>
+            </a:pPr>
+            <a:r>
+              <a:t/>
+            </a:r>
+            <a:endParaRPr b="1">
+              <a:solidFill>
+                <a:srgbClr val="002B5B"/>
+              </a:solidFill>
+            </a:endParaRPr>
+          </a:p>
+          <a:p>
+            <a:pPr indent="0" lvl="0" marL="0" rtl="0" algn="l">
+              <a:spcBef>
+                <a:spcPts val="0"/>
+              </a:spcBef>
+              <a:spcAft>
+                <a:spcPts val="0"/>
+              </a:spcAft>
+              <a:buNone/>
+            </a:pPr>
+            <a:r>
+              <a:t/>
+            </a:r>
+            <a:endParaRPr b="1">
+              <a:solidFill>
+                <a:srgbClr val="002B5B"/>
+              </a:solidFill>
+            </a:endParaRPr>
+          </a:p>
+          <a:p>
+            <a:pPr indent="0" lvl="0" marL="0" rtl="0" algn="l">
+              <a:spcBef>
+                <a:spcPts val="0"/>
+              </a:spcBef>
+              <a:spcAft>
+                <a:spcPts val="0"/>
+              </a:spcAft>
+              <a:buClr>
+                <a:schemeClr val="dk1"/>
+              </a:buClr>
+              <a:buSzPts val="3000"/>
+              <a:buFont typeface="Arial"/>
+              <a:buNone/>
+            </a:pPr>
+            <a:r>
+              <a:rPr b="1" lang="en">
+                <a:solidFill>
+                  <a:srgbClr val="002B5B"/>
+                </a:solidFill>
+              </a:rPr>
+              <a:t>BPE</a:t>
+            </a:r>
+            <a:r>
+              <a:rPr lang="en"/>
+              <a:t> is excellent at breaking down words statistically, but </a:t>
+            </a:r>
+            <a:r>
+              <a:rPr b="1" lang="en">
+                <a:solidFill>
+                  <a:srgbClr val="A31415"/>
+                </a:solidFill>
+              </a:rPr>
+              <a:t>it can make suboptimal merges</a:t>
+            </a:r>
+            <a:r>
+              <a:rPr lang="en"/>
+              <a:t> like combining punctuation with words.</a:t>
+            </a:r>
+            <a:endParaRPr/>
+          </a:p>
+        </p:txBody>
+      </p:sp>
+    </p:spTree>
+  </p:cSld>
+  <p:clrMapOvr>
+    <a:masterClrMapping/>
+  </p:clrMapOvr>
+</p:sld>
+</file>
+
+<file path=ppt/slides/slide21.xml><?xml version="1.0" encoding="utf-8"?>
+<p:sld xmlns:a="http://schemas.openxmlformats.org/drawingml/2006/main" xmlns:r="http://schemas.openxmlformats.org/officeDocument/2006/relationships" xmlns:mc="http://schemas.openxmlformats.org/markup-compatibility/2006" xmlns:mv="urn:schemas-microsoft-com:mac:vml" xmlns:p="http://schemas.openxmlformats.org/presentationml/2006/main" xmlns:c="http://schemas.openxmlformats.org/drawingml/2006/chart" xmlns:dgm="http://schemas.openxmlformats.org/drawingml/2006/diagram" xmlns:o="urn:schemas-microsoft-com:office:office" xmlns:v="urn:schemas-microsoft-com:vml" xmlns:pvml="urn:schemas-microsoft-com:office:powerpoint" xmlns:com="http://schemas.openxmlformats.org/drawingml/2006/compatibility" xmlns:p14="http://schemas.microsoft.com/office/powerpoint/2010/main" xmlns:p15="http://schemas.microsoft.com/office/powerpoint/2012/main" xmlns:ahyp="http://schemas.microsoft.com/office/drawing/2018/hyperlinkcolor">
+  <p:cSld>
+    <p:spTree>
+      <p:nvGrpSpPr>
+        <p:cNvPr id="174" name="Shape 174"/>
+        <p:cNvGrpSpPr/>
+        <p:nvPr/>
+      </p:nvGrpSpPr>
+      <p:grpSpPr>
+        <a:xfrm>
+          <a:off x="0" y="0"/>
+          <a:ext cx="0" cy="0"/>
+          <a:chOff x="0" y="0"/>
+          <a:chExt cx="0" cy="0"/>
+        </a:xfrm>
+      </p:grpSpPr>
+      <p:sp>
+        <p:nvSpPr>
+          <p:cNvPr id="175" name="Google Shape;175;g3b938ea6dd9_0_93"/>
           <p:cNvSpPr txBox="1"/>
           <p:nvPr>
             <p:ph type="title"/>
@@ -11355,7 +11724,7 @@
       </p:sp>
       <p:sp>
         <p:nvSpPr>
-          <p:cNvPr id="170" name="Google Shape;170;g3b938ea6dd9_0_93"/>
+          <p:cNvPr id="176" name="Google Shape;176;g3b938ea6dd9_0_93"/>
           <p:cNvSpPr txBox="1"/>
           <p:nvPr/>
         </p:nvSpPr>
@@ -11613,7 +11982,7 @@
       </p:sp>
       <p:sp>
         <p:nvSpPr>
-          <p:cNvPr id="171" name="Google Shape;171;g3b938ea6dd9_0_93"/>
+          <p:cNvPr id="177" name="Google Shape;177;g3b938ea6dd9_0_93"/>
           <p:cNvSpPr txBox="1"/>
           <p:nvPr>
             <p:ph idx="1" type="body"/>
@@ -11718,12 +12087,12 @@
 </p:sld>
 </file>
 
-<file path=ppt/slides/slide21.xml><?xml version="1.0" encoding="utf-8"?>
+<file path=ppt/slides/slide22.xml><?xml version="1.0" encoding="utf-8"?>
 <p:sld xmlns:a="http://schemas.openxmlformats.org/drawingml/2006/main" xmlns:r="http://schemas.openxmlformats.org/officeDocument/2006/relationships" xmlns:mc="http://schemas.openxmlformats.org/markup-compatibility/2006" xmlns:mv="urn:schemas-microsoft-com:mac:vml" xmlns:p="http://schemas.openxmlformats.org/presentationml/2006/main" xmlns:c="http://schemas.openxmlformats.org/drawingml/2006/chart" xmlns:dgm="http://schemas.openxmlformats.org/drawingml/2006/diagram" xmlns:o="urn:schemas-microsoft-com:office:office" xmlns:v="urn:schemas-microsoft-com:vml" xmlns:pvml="urn:schemas-microsoft-com:office:powerpoint" xmlns:com="http://schemas.openxmlformats.org/drawingml/2006/compatibility" xmlns:p14="http://schemas.microsoft.com/office/powerpoint/2010/main" xmlns:p15="http://schemas.microsoft.com/office/powerpoint/2012/main" xmlns:ahyp="http://schemas.microsoft.com/office/drawing/2018/hyperlinkcolor">
   <p:cSld>
     <p:spTree>
       <p:nvGrpSpPr>
-        <p:cNvPr id="175" name="Shape 175"/>
+        <p:cNvPr id="181" name="Shape 181"/>
         <p:cNvGrpSpPr/>
         <p:nvPr/>
       </p:nvGrpSpPr>
@@ -11737,7 +12106,7 @@
       </p:grpSpPr>
       <p:sp>
         <p:nvSpPr>
-          <p:cNvPr id="176" name="Google Shape;176;g3b8409de4d6_0_118"/>
+          <p:cNvPr id="182" name="Google Shape;182;g3b8409de4d6_0_118"/>
           <p:cNvSpPr txBox="1"/>
           <p:nvPr>
             <p:ph type="title"/>
@@ -11797,7 +12166,7 @@
       </p:sp>
       <p:sp>
         <p:nvSpPr>
-          <p:cNvPr id="177" name="Google Shape;177;g3b8409de4d6_0_118"/>
+          <p:cNvPr id="183" name="Google Shape;183;g3b8409de4d6_0_118"/>
           <p:cNvSpPr txBox="1"/>
           <p:nvPr>
             <p:ph idx="1" type="body"/>
@@ -11873,7 +12242,7 @@
       </p:sp>
       <p:sp>
         <p:nvSpPr>
-          <p:cNvPr id="178" name="Google Shape;178;g3b8409de4d6_0_118"/>
+          <p:cNvPr id="184" name="Google Shape;184;g3b8409de4d6_0_118"/>
           <p:cNvSpPr txBox="1"/>
           <p:nvPr/>
         </p:nvSpPr>
@@ -12023,7 +12392,7 @@
       </p:sp>
       <p:pic>
         <p:nvPicPr>
-          <p:cNvPr id="179" name="Google Shape;179;g3b8409de4d6_0_118"/>
+          <p:cNvPr id="185" name="Google Shape;185;g3b8409de4d6_0_118"/>
           <p:cNvPicPr preferRelativeResize="0"/>
           <p:nvPr/>
         </p:nvPicPr>
@@ -12050,7 +12419,7 @@
       </p:pic>
       <p:sp>
         <p:nvSpPr>
-          <p:cNvPr id="180" name="Google Shape;180;g3b8409de4d6_0_118"/>
+          <p:cNvPr id="186" name="Google Shape;186;g3b8409de4d6_0_118"/>
           <p:cNvSpPr txBox="1"/>
           <p:nvPr/>
         </p:nvSpPr>
@@ -12166,12 +12535,12 @@
 </p:sld>
 </file>
 
-<file path=ppt/slides/slide22.xml><?xml version="1.0" encoding="utf-8"?>
+<file path=ppt/slides/slide23.xml><?xml version="1.0" encoding="utf-8"?>
 <p:sld xmlns:a="http://schemas.openxmlformats.org/drawingml/2006/main" xmlns:r="http://schemas.openxmlformats.org/officeDocument/2006/relationships" xmlns:mc="http://schemas.openxmlformats.org/markup-compatibility/2006" xmlns:mv="urn:schemas-microsoft-com:mac:vml" xmlns:p="http://schemas.openxmlformats.org/presentationml/2006/main" xmlns:c="http://schemas.openxmlformats.org/drawingml/2006/chart" xmlns:dgm="http://schemas.openxmlformats.org/drawingml/2006/diagram" xmlns:o="urn:schemas-microsoft-com:office:office" xmlns:v="urn:schemas-microsoft-com:vml" xmlns:pvml="urn:schemas-microsoft-com:office:powerpoint" xmlns:com="http://schemas.openxmlformats.org/drawingml/2006/compatibility" xmlns:p14="http://schemas.microsoft.com/office/powerpoint/2010/main" xmlns:p15="http://schemas.microsoft.com/office/powerpoint/2012/main" xmlns:ahyp="http://schemas.microsoft.com/office/drawing/2018/hyperlinkcolor">
   <p:cSld>
     <p:spTree>
       <p:nvGrpSpPr>
-        <p:cNvPr id="184" name="Shape 184"/>
+        <p:cNvPr id="190" name="Shape 190"/>
         <p:cNvGrpSpPr/>
         <p:nvPr/>
       </p:nvGrpSpPr>
@@ -12185,7 +12554,7 @@
       </p:grpSpPr>
       <p:sp>
         <p:nvSpPr>
-          <p:cNvPr id="185" name="Google Shape;185;g3b8409de4d6_0_108"/>
+          <p:cNvPr id="191" name="Google Shape;191;g3b8409de4d6_0_108"/>
           <p:cNvSpPr txBox="1"/>
           <p:nvPr>
             <p:ph type="title"/>
@@ -12233,7 +12602,7 @@
       </p:sp>
       <p:sp>
         <p:nvSpPr>
-          <p:cNvPr id="186" name="Google Shape;186;g3b8409de4d6_0_108"/>
+          <p:cNvPr id="192" name="Google Shape;192;g3b8409de4d6_0_108"/>
           <p:cNvSpPr txBox="1"/>
           <p:nvPr>
             <p:ph idx="1" type="body"/>
@@ -12393,7 +12762,7 @@
       </p:sp>
       <p:pic>
         <p:nvPicPr>
-          <p:cNvPr id="187" name="Google Shape;187;g3b8409de4d6_0_108"/>
+          <p:cNvPr id="193" name="Google Shape;193;g3b8409de4d6_0_108"/>
           <p:cNvPicPr preferRelativeResize="0"/>
           <p:nvPr/>
         </p:nvPicPr>
@@ -12421,7 +12790,7 @@
       </p:pic>
       <p:pic>
         <p:nvPicPr>
-          <p:cNvPr id="188" name="Google Shape;188;g3b8409de4d6_0_108" title="IMG_0529.jpeg"/>
+          <p:cNvPr id="194" name="Google Shape;194;g3b8409de4d6_0_108" title="IMG_0529.jpeg"/>
           <p:cNvPicPr preferRelativeResize="0"/>
           <p:nvPr/>
         </p:nvPicPr>

--- a/Blank/Lecture_04_ Tokenization.pptx
+++ b/Blank/Lecture_04_ Tokenization.pptx
@@ -31,6 +31,7 @@
     <p:sldId id="276" r:id="rId25"/>
     <p:sldId id="277" r:id="rId26"/>
     <p:sldId id="278" r:id="rId27"/>
+    <p:sldId id="279" r:id="rId28"/>
   </p:sldIdLst>
   <p:sldSz cy="6858000" cx="9144000"/>
   <p:notesSz cx="6858000" cy="9144000"/>
@@ -265,7 +266,7 @@
   </p:defaultTextStyle>
   <p:extLst>
     <p:ext uri="GoogleSlidesCustomDataVersion2">
-      <go:slidesCustomData xmlns:go="http://customooxmlschemas.google.com/" r:id="rId28" roundtripDataSignature="AMtx7mj05/nJwIKYM6vSm27n3Z9IKDReQg=="/>
+      <go:slidesCustomData xmlns:go="http://customooxmlschemas.google.com/" r:id="rId29" roundtripDataSignature="AMtx7mhhMCo4Z0egf6uaTUMj37+9Pk6fwQ=="/>
     </p:ext>
   </p:extLst>
 </p:presentation>
@@ -1202,7 +1203,106 @@
       </p:grpSpPr>
       <p:sp>
         <p:nvSpPr>
-          <p:cNvPr id="113" name="Google Shape;113;g3baf4acbdf2_0_27:notes"/>
+          <p:cNvPr id="113" name="Google Shape;113;g3baf4acbdf2_0_97:notes"/>
+          <p:cNvSpPr/>
+          <p:nvPr>
+            <p:ph idx="2" type="sldImg"/>
+          </p:nvPr>
+        </p:nvSpPr>
+        <p:spPr>
+          <a:xfrm>
+            <a:off x="1143309" y="685800"/>
+            <a:ext cx="4572000" cy="3429000"/>
+          </a:xfrm>
+          <a:custGeom>
+            <a:rect b="b" l="l" r="r" t="t"/>
+            <a:pathLst>
+              <a:path extrusionOk="0" h="120000" w="120000">
+                <a:moveTo>
+                  <a:pt x="0" y="0"/>
+                </a:moveTo>
+                <a:lnTo>
+                  <a:pt x="120000" y="0"/>
+                </a:lnTo>
+                <a:lnTo>
+                  <a:pt x="120000" y="120000"/>
+                </a:lnTo>
+                <a:lnTo>
+                  <a:pt x="0" y="120000"/>
+                </a:lnTo>
+                <a:close/>
+              </a:path>
+            </a:pathLst>
+          </a:custGeom>
+        </p:spPr>
+      </p:sp>
+      <p:sp>
+        <p:nvSpPr>
+          <p:cNvPr id="114" name="Google Shape;114;g3baf4acbdf2_0_97:notes"/>
+          <p:cNvSpPr txBox="1"/>
+          <p:nvPr>
+            <p:ph idx="1" type="body"/>
+          </p:nvPr>
+        </p:nvSpPr>
+        <p:spPr>
+          <a:xfrm>
+            <a:off x="685800" y="4343400"/>
+            <a:ext cx="5486400" cy="4114800"/>
+          </a:xfrm>
+          <a:prstGeom prst="rect">
+            <a:avLst/>
+          </a:prstGeom>
+        </p:spPr>
+        <p:txBody>
+          <a:bodyPr anchorCtr="0" anchor="t" bIns="91425" lIns="91425" spcFirstLastPara="1" rIns="91425" wrap="square" tIns="91425">
+            <a:noAutofit/>
+          </a:bodyPr>
+          <a:lstStyle/>
+          <a:p>
+            <a:pPr indent="0" lvl="0" marL="0" rtl="0" algn="l">
+              <a:spcBef>
+                <a:spcPts val="0"/>
+              </a:spcBef>
+              <a:spcAft>
+                <a:spcPts val="0"/>
+              </a:spcAft>
+              <a:buNone/>
+            </a:pPr>
+            <a:r>
+              <a:t/>
+            </a:r>
+            <a:endParaRPr/>
+          </a:p>
+        </p:txBody>
+      </p:sp>
+    </p:spTree>
+  </p:cSld>
+  <p:clrMapOvr>
+    <a:masterClrMapping/>
+  </p:clrMapOvr>
+</p:notes>
+</file>
+
+<file path=ppt/notesSlides/notesSlide13.xml><?xml version="1.0" encoding="utf-8"?>
+<p:notes xmlns:a="http://schemas.openxmlformats.org/drawingml/2006/main" xmlns:r="http://schemas.openxmlformats.org/officeDocument/2006/relationships" xmlns:mc="http://schemas.openxmlformats.org/markup-compatibility/2006" xmlns:mv="urn:schemas-microsoft-com:mac:vml" xmlns:p="http://schemas.openxmlformats.org/presentationml/2006/main" xmlns:c="http://schemas.openxmlformats.org/drawingml/2006/chart" xmlns:dgm="http://schemas.openxmlformats.org/drawingml/2006/diagram" xmlns:o="urn:schemas-microsoft-com:office:office" xmlns:v="urn:schemas-microsoft-com:vml" xmlns:pvml="urn:schemas-microsoft-com:office:powerpoint" xmlns:com="http://schemas.openxmlformats.org/drawingml/2006/compatibility" xmlns:p14="http://schemas.microsoft.com/office/powerpoint/2010/main" xmlns:p15="http://schemas.microsoft.com/office/powerpoint/2012/main" xmlns:ahyp="http://schemas.microsoft.com/office/drawing/2018/hyperlinkcolor" showMasterPhAnim="0" showMasterSp="0">
+  <p:cSld>
+    <p:spTree>
+      <p:nvGrpSpPr>
+        <p:cNvPr id="119" name="Shape 119"/>
+        <p:cNvGrpSpPr/>
+        <p:nvPr/>
+      </p:nvGrpSpPr>
+      <p:grpSpPr>
+        <a:xfrm>
+          <a:off x="0" y="0"/>
+          <a:ext cx="0" cy="0"/>
+          <a:chOff x="0" y="0"/>
+          <a:chExt cx="0" cy="0"/>
+        </a:xfrm>
+      </p:grpSpPr>
+      <p:sp>
+        <p:nvSpPr>
+          <p:cNvPr id="120" name="Google Shape;120;g3b8409de4d6_0_103:notes"/>
           <p:cNvSpPr/>
           <p:nvPr>
             <p:ph idx="2" type="sldImg"/>
@@ -1247,7 +1347,7 @@
       </p:sp>
       <p:sp>
         <p:nvSpPr>
-          <p:cNvPr id="114" name="Google Shape;114;g3baf4acbdf2_0_27:notes"/>
+          <p:cNvPr id="121" name="Google Shape;121;g3b8409de4d6_0_103:notes"/>
           <p:cNvSpPr txBox="1"/>
           <p:nvPr>
             <p:ph idx="1" type="body"/>
@@ -1300,12 +1400,12 @@
 </p:notes>
 </file>
 
-<file path=ppt/notesSlides/notesSlide13.xml><?xml version="1.0" encoding="utf-8"?>
+<file path=ppt/notesSlides/notesSlide14.xml><?xml version="1.0" encoding="utf-8"?>
 <p:notes xmlns:a="http://schemas.openxmlformats.org/drawingml/2006/main" xmlns:r="http://schemas.openxmlformats.org/officeDocument/2006/relationships" xmlns:mc="http://schemas.openxmlformats.org/markup-compatibility/2006" xmlns:mv="urn:schemas-microsoft-com:mac:vml" xmlns:p="http://schemas.openxmlformats.org/presentationml/2006/main" xmlns:c="http://schemas.openxmlformats.org/drawingml/2006/chart" xmlns:dgm="http://schemas.openxmlformats.org/drawingml/2006/diagram" xmlns:o="urn:schemas-microsoft-com:office:office" xmlns:v="urn:schemas-microsoft-com:vml" xmlns:pvml="urn:schemas-microsoft-com:office:powerpoint" xmlns:com="http://schemas.openxmlformats.org/drawingml/2006/compatibility" xmlns:p14="http://schemas.microsoft.com/office/powerpoint/2010/main" xmlns:p15="http://schemas.microsoft.com/office/powerpoint/2012/main" xmlns:ahyp="http://schemas.microsoft.com/office/drawing/2018/hyperlinkcolor" showMasterPhAnim="0" showMasterSp="0">
   <p:cSld>
     <p:spTree>
       <p:nvGrpSpPr>
-        <p:cNvPr id="117" name="Shape 117"/>
+        <p:cNvPr id="127" name="Shape 127"/>
         <p:cNvGrpSpPr/>
         <p:nvPr/>
       </p:nvGrpSpPr>
@@ -1319,7 +1419,7 @@
       </p:grpSpPr>
       <p:sp>
         <p:nvSpPr>
-          <p:cNvPr id="118" name="Google Shape;118;g3b8409de4d6_0_103:notes"/>
+          <p:cNvPr id="128" name="Google Shape;128;g3baf4acbdf2_0_77:notes"/>
           <p:cNvSpPr/>
           <p:nvPr>
             <p:ph idx="2" type="sldImg"/>
@@ -1364,7 +1464,7 @@
       </p:sp>
       <p:sp>
         <p:nvSpPr>
-          <p:cNvPr id="119" name="Google Shape;119;g3b8409de4d6_0_103:notes"/>
+          <p:cNvPr id="129" name="Google Shape;129;g3baf4acbdf2_0_77:notes"/>
           <p:cNvSpPr txBox="1"/>
           <p:nvPr>
             <p:ph idx="1" type="body"/>
@@ -1417,12 +1517,12 @@
 </p:notes>
 </file>
 
-<file path=ppt/notesSlides/notesSlide14.xml><?xml version="1.0" encoding="utf-8"?>
+<file path=ppt/notesSlides/notesSlide15.xml><?xml version="1.0" encoding="utf-8"?>
 <p:notes xmlns:a="http://schemas.openxmlformats.org/drawingml/2006/main" xmlns:r="http://schemas.openxmlformats.org/officeDocument/2006/relationships" xmlns:mc="http://schemas.openxmlformats.org/markup-compatibility/2006" xmlns:mv="urn:schemas-microsoft-com:mac:vml" xmlns:p="http://schemas.openxmlformats.org/presentationml/2006/main" xmlns:c="http://schemas.openxmlformats.org/drawingml/2006/chart" xmlns:dgm="http://schemas.openxmlformats.org/drawingml/2006/diagram" xmlns:o="urn:schemas-microsoft-com:office:office" xmlns:v="urn:schemas-microsoft-com:vml" xmlns:pvml="urn:schemas-microsoft-com:office:powerpoint" xmlns:com="http://schemas.openxmlformats.org/drawingml/2006/compatibility" xmlns:p14="http://schemas.microsoft.com/office/powerpoint/2010/main" xmlns:p15="http://schemas.microsoft.com/office/powerpoint/2012/main" xmlns:ahyp="http://schemas.microsoft.com/office/drawing/2018/hyperlinkcolor" showMasterPhAnim="0" showMasterSp="0">
   <p:cSld>
     <p:spTree>
       <p:nvGrpSpPr>
-        <p:cNvPr id="124" name="Shape 124"/>
+        <p:cNvPr id="134" name="Shape 134"/>
         <p:cNvGrpSpPr/>
         <p:nvPr/>
       </p:nvGrpSpPr>
@@ -1436,7 +1536,7 @@
       </p:grpSpPr>
       <p:sp>
         <p:nvSpPr>
-          <p:cNvPr id="125" name="Google Shape;125;g3baf4acbdf2_0_77:notes"/>
+          <p:cNvPr id="135" name="Google Shape;135;g3baf4acbdf2_0_22:notes"/>
           <p:cNvSpPr/>
           <p:nvPr>
             <p:ph idx="2" type="sldImg"/>
@@ -1481,7 +1581,7 @@
       </p:sp>
       <p:sp>
         <p:nvSpPr>
-          <p:cNvPr id="126" name="Google Shape;126;g3baf4acbdf2_0_77:notes"/>
+          <p:cNvPr id="136" name="Google Shape;136;g3baf4acbdf2_0_22:notes"/>
           <p:cNvSpPr txBox="1"/>
           <p:nvPr>
             <p:ph idx="1" type="body"/>
@@ -1534,12 +1634,12 @@
 </p:notes>
 </file>
 
-<file path=ppt/notesSlides/notesSlide15.xml><?xml version="1.0" encoding="utf-8"?>
+<file path=ppt/notesSlides/notesSlide16.xml><?xml version="1.0" encoding="utf-8"?>
 <p:notes xmlns:a="http://schemas.openxmlformats.org/drawingml/2006/main" xmlns:r="http://schemas.openxmlformats.org/officeDocument/2006/relationships" xmlns:mc="http://schemas.openxmlformats.org/markup-compatibility/2006" xmlns:mv="urn:schemas-microsoft-com:mac:vml" xmlns:p="http://schemas.openxmlformats.org/presentationml/2006/main" xmlns:c="http://schemas.openxmlformats.org/drawingml/2006/chart" xmlns:dgm="http://schemas.openxmlformats.org/drawingml/2006/diagram" xmlns:o="urn:schemas-microsoft-com:office:office" xmlns:v="urn:schemas-microsoft-com:vml" xmlns:pvml="urn:schemas-microsoft-com:office:powerpoint" xmlns:com="http://schemas.openxmlformats.org/drawingml/2006/compatibility" xmlns:p14="http://schemas.microsoft.com/office/powerpoint/2010/main" xmlns:p15="http://schemas.microsoft.com/office/powerpoint/2012/main" xmlns:ahyp="http://schemas.microsoft.com/office/drawing/2018/hyperlinkcolor" showMasterPhAnim="0" showMasterSp="0">
   <p:cSld>
     <p:spTree>
       <p:nvGrpSpPr>
-        <p:cNvPr id="131" name="Shape 131"/>
+        <p:cNvPr id="140" name="Shape 140"/>
         <p:cNvGrpSpPr/>
         <p:nvPr/>
       </p:nvGrpSpPr>
@@ -1553,7 +1653,7 @@
       </p:grpSpPr>
       <p:sp>
         <p:nvSpPr>
-          <p:cNvPr id="132" name="Google Shape;132;g3baf4acbdf2_0_22:notes"/>
+          <p:cNvPr id="141" name="Google Shape;141;g3baf4acbdf2_0_84:notes"/>
           <p:cNvSpPr/>
           <p:nvPr>
             <p:ph idx="2" type="sldImg"/>
@@ -1598,7 +1698,7 @@
       </p:sp>
       <p:sp>
         <p:nvSpPr>
-          <p:cNvPr id="133" name="Google Shape;133;g3baf4acbdf2_0_22:notes"/>
+          <p:cNvPr id="142" name="Google Shape;142;g3baf4acbdf2_0_84:notes"/>
           <p:cNvSpPr txBox="1"/>
           <p:nvPr>
             <p:ph idx="1" type="body"/>
@@ -1651,12 +1751,12 @@
 </p:notes>
 </file>
 
-<file path=ppt/notesSlides/notesSlide16.xml><?xml version="1.0" encoding="utf-8"?>
+<file path=ppt/notesSlides/notesSlide17.xml><?xml version="1.0" encoding="utf-8"?>
 <p:notes xmlns:a="http://schemas.openxmlformats.org/drawingml/2006/main" xmlns:r="http://schemas.openxmlformats.org/officeDocument/2006/relationships" xmlns:mc="http://schemas.openxmlformats.org/markup-compatibility/2006" xmlns:mv="urn:schemas-microsoft-com:mac:vml" xmlns:p="http://schemas.openxmlformats.org/presentationml/2006/main" xmlns:c="http://schemas.openxmlformats.org/drawingml/2006/chart" xmlns:dgm="http://schemas.openxmlformats.org/drawingml/2006/diagram" xmlns:o="urn:schemas-microsoft-com:office:office" xmlns:v="urn:schemas-microsoft-com:vml" xmlns:pvml="urn:schemas-microsoft-com:office:powerpoint" xmlns:com="http://schemas.openxmlformats.org/drawingml/2006/compatibility" xmlns:p14="http://schemas.microsoft.com/office/powerpoint/2010/main" xmlns:p15="http://schemas.microsoft.com/office/powerpoint/2012/main" xmlns:ahyp="http://schemas.microsoft.com/office/drawing/2018/hyperlinkcolor" showMasterPhAnim="0" showMasterSp="0">
   <p:cSld>
     <p:spTree>
       <p:nvGrpSpPr>
-        <p:cNvPr id="137" name="Shape 137"/>
+        <p:cNvPr id="147" name="Shape 147"/>
         <p:cNvGrpSpPr/>
         <p:nvPr/>
       </p:nvGrpSpPr>
@@ -1670,7 +1770,7 @@
       </p:grpSpPr>
       <p:sp>
         <p:nvSpPr>
-          <p:cNvPr id="138" name="Google Shape;138;g3baf4acbdf2_0_84:notes"/>
+          <p:cNvPr id="148" name="Google Shape;148;g3baf4acbdf2_0_90:notes"/>
           <p:cNvSpPr/>
           <p:nvPr>
             <p:ph idx="2" type="sldImg"/>
@@ -1715,7 +1815,7 @@
       </p:sp>
       <p:sp>
         <p:nvSpPr>
-          <p:cNvPr id="139" name="Google Shape;139;g3baf4acbdf2_0_84:notes"/>
+          <p:cNvPr id="149" name="Google Shape;149;g3baf4acbdf2_0_90:notes"/>
           <p:cNvSpPr txBox="1"/>
           <p:nvPr>
             <p:ph idx="1" type="body"/>
@@ -1768,12 +1868,12 @@
 </p:notes>
 </file>
 
-<file path=ppt/notesSlides/notesSlide17.xml><?xml version="1.0" encoding="utf-8"?>
+<file path=ppt/notesSlides/notesSlide18.xml><?xml version="1.0" encoding="utf-8"?>
 <p:notes xmlns:a="http://schemas.openxmlformats.org/drawingml/2006/main" xmlns:r="http://schemas.openxmlformats.org/officeDocument/2006/relationships" xmlns:mc="http://schemas.openxmlformats.org/markup-compatibility/2006" xmlns:mv="urn:schemas-microsoft-com:mac:vml" xmlns:p="http://schemas.openxmlformats.org/presentationml/2006/main" xmlns:c="http://schemas.openxmlformats.org/drawingml/2006/chart" xmlns:dgm="http://schemas.openxmlformats.org/drawingml/2006/diagram" xmlns:o="urn:schemas-microsoft-com:office:office" xmlns:v="urn:schemas-microsoft-com:vml" xmlns:pvml="urn:schemas-microsoft-com:office:powerpoint" xmlns:com="http://schemas.openxmlformats.org/drawingml/2006/compatibility" xmlns:p14="http://schemas.microsoft.com/office/powerpoint/2010/main" xmlns:p15="http://schemas.microsoft.com/office/powerpoint/2012/main" xmlns:ahyp="http://schemas.microsoft.com/office/drawing/2018/hyperlinkcolor" showMasterPhAnim="0" showMasterSp="0">
   <p:cSld>
     <p:spTree>
       <p:nvGrpSpPr>
-        <p:cNvPr id="144" name="Shape 144"/>
+        <p:cNvPr id="154" name="Shape 154"/>
         <p:cNvGrpSpPr/>
         <p:nvPr/>
       </p:nvGrpSpPr>
@@ -1787,7 +1887,7 @@
       </p:grpSpPr>
       <p:sp>
         <p:nvSpPr>
-          <p:cNvPr id="145" name="Google Shape;145;g3baf4acbdf2_0_90:notes"/>
+          <p:cNvPr id="155" name="Google Shape;155;g3baf4acbdf2_0_107:notes"/>
           <p:cNvSpPr/>
           <p:nvPr>
             <p:ph idx="2" type="sldImg"/>
@@ -1832,7 +1932,7 @@
       </p:sp>
       <p:sp>
         <p:nvSpPr>
-          <p:cNvPr id="146" name="Google Shape;146;g3baf4acbdf2_0_90:notes"/>
+          <p:cNvPr id="156" name="Google Shape;156;g3baf4acbdf2_0_107:notes"/>
           <p:cNvSpPr txBox="1"/>
           <p:nvPr>
             <p:ph idx="1" type="body"/>
@@ -1885,12 +1985,12 @@
 </p:notes>
 </file>
 
-<file path=ppt/notesSlides/notesSlide18.xml><?xml version="1.0" encoding="utf-8"?>
+<file path=ppt/notesSlides/notesSlide19.xml><?xml version="1.0" encoding="utf-8"?>
 <p:notes xmlns:a="http://schemas.openxmlformats.org/drawingml/2006/main" xmlns:r="http://schemas.openxmlformats.org/officeDocument/2006/relationships" xmlns:mc="http://schemas.openxmlformats.org/markup-compatibility/2006" xmlns:mv="urn:schemas-microsoft-com:mac:vml" xmlns:p="http://schemas.openxmlformats.org/presentationml/2006/main" xmlns:c="http://schemas.openxmlformats.org/drawingml/2006/chart" xmlns:dgm="http://schemas.openxmlformats.org/drawingml/2006/diagram" xmlns:o="urn:schemas-microsoft-com:office:office" xmlns:v="urn:schemas-microsoft-com:vml" xmlns:pvml="urn:schemas-microsoft-com:office:powerpoint" xmlns:com="http://schemas.openxmlformats.org/drawingml/2006/compatibility" xmlns:p14="http://schemas.microsoft.com/office/powerpoint/2010/main" xmlns:p15="http://schemas.microsoft.com/office/powerpoint/2012/main" xmlns:ahyp="http://schemas.microsoft.com/office/drawing/2018/hyperlinkcolor" showMasterPhAnim="0" showMasterSp="0">
   <p:cSld>
     <p:spTree>
       <p:nvGrpSpPr>
-        <p:cNvPr id="150" name="Shape 150"/>
+        <p:cNvPr id="160" name="Shape 160"/>
         <p:cNvGrpSpPr/>
         <p:nvPr/>
       </p:nvGrpSpPr>
@@ -1904,7 +2004,7 @@
       </p:grpSpPr>
       <p:sp>
         <p:nvSpPr>
-          <p:cNvPr id="151" name="Google Shape;151;g3baf4acbdf2_0_12:notes"/>
+          <p:cNvPr id="161" name="Google Shape;161;g3baf4acbdf2_0_49:notes"/>
           <p:cNvSpPr/>
           <p:nvPr>
             <p:ph idx="2" type="sldImg"/>
@@ -1949,124 +2049,7 @@
       </p:sp>
       <p:sp>
         <p:nvSpPr>
-          <p:cNvPr id="152" name="Google Shape;152;g3baf4acbdf2_0_12:notes"/>
-          <p:cNvSpPr txBox="1"/>
-          <p:nvPr>
-            <p:ph idx="1" type="body"/>
-          </p:nvPr>
-        </p:nvSpPr>
-        <p:spPr>
-          <a:xfrm>
-            <a:off x="685800" y="4343400"/>
-            <a:ext cx="5486400" cy="4114800"/>
-          </a:xfrm>
-          <a:prstGeom prst="rect">
-            <a:avLst/>
-          </a:prstGeom>
-          <a:noFill/>
-          <a:ln>
-            <a:noFill/>
-          </a:ln>
-        </p:spPr>
-        <p:txBody>
-          <a:bodyPr anchorCtr="0" anchor="t" bIns="91425" lIns="91425" spcFirstLastPara="1" rIns="91425" wrap="square" tIns="91425">
-            <a:noAutofit/>
-          </a:bodyPr>
-          <a:lstStyle/>
-          <a:p>
-            <a:pPr indent="0" lvl="0" marL="0" rtl="0" algn="l">
-              <a:lnSpc>
-                <a:spcPct val="100000"/>
-              </a:lnSpc>
-              <a:spcBef>
-                <a:spcPts val="0"/>
-              </a:spcBef>
-              <a:spcAft>
-                <a:spcPts val="0"/>
-              </a:spcAft>
-              <a:buSzPts val="1400"/>
-              <a:buNone/>
-            </a:pPr>
-            <a:r>
-              <a:t/>
-            </a:r>
-            <a:endParaRPr/>
-          </a:p>
-        </p:txBody>
-      </p:sp>
-    </p:spTree>
-  </p:cSld>
-  <p:clrMapOvr>
-    <a:masterClrMapping/>
-  </p:clrMapOvr>
-</p:notes>
-</file>
-
-<file path=ppt/notesSlides/notesSlide19.xml><?xml version="1.0" encoding="utf-8"?>
-<p:notes xmlns:a="http://schemas.openxmlformats.org/drawingml/2006/main" xmlns:r="http://schemas.openxmlformats.org/officeDocument/2006/relationships" xmlns:mc="http://schemas.openxmlformats.org/markup-compatibility/2006" xmlns:mv="urn:schemas-microsoft-com:mac:vml" xmlns:p="http://schemas.openxmlformats.org/presentationml/2006/main" xmlns:c="http://schemas.openxmlformats.org/drawingml/2006/chart" xmlns:dgm="http://schemas.openxmlformats.org/drawingml/2006/diagram" xmlns:o="urn:schemas-microsoft-com:office:office" xmlns:v="urn:schemas-microsoft-com:vml" xmlns:pvml="urn:schemas-microsoft-com:office:powerpoint" xmlns:com="http://schemas.openxmlformats.org/drawingml/2006/compatibility" xmlns:p14="http://schemas.microsoft.com/office/powerpoint/2010/main" xmlns:p15="http://schemas.microsoft.com/office/powerpoint/2012/main" xmlns:ahyp="http://schemas.microsoft.com/office/drawing/2018/hyperlinkcolor" showMasterPhAnim="0" showMasterSp="0">
-  <p:cSld>
-    <p:spTree>
-      <p:nvGrpSpPr>
-        <p:cNvPr id="159" name="Shape 159"/>
-        <p:cNvGrpSpPr/>
-        <p:nvPr/>
-      </p:nvGrpSpPr>
-      <p:grpSpPr>
-        <a:xfrm>
-          <a:off x="0" y="0"/>
-          <a:ext cx="0" cy="0"/>
-          <a:chOff x="0" y="0"/>
-          <a:chExt cx="0" cy="0"/>
-        </a:xfrm>
-      </p:grpSpPr>
-      <p:sp>
-        <p:nvSpPr>
-          <p:cNvPr id="160" name="Google Shape;160;g3baf4acbdf2_0_49:notes"/>
-          <p:cNvSpPr/>
-          <p:nvPr>
-            <p:ph idx="2" type="sldImg"/>
-          </p:nvPr>
-        </p:nvSpPr>
-        <p:spPr>
-          <a:xfrm>
-            <a:off x="1143309" y="685800"/>
-            <a:ext cx="4572000" cy="3429000"/>
-          </a:xfrm>
-          <a:custGeom>
-            <a:rect b="b" l="l" r="r" t="t"/>
-            <a:pathLst>
-              <a:path extrusionOk="0" h="120000" w="120000">
-                <a:moveTo>
-                  <a:pt x="0" y="0"/>
-                </a:moveTo>
-                <a:lnTo>
-                  <a:pt x="120000" y="0"/>
-                </a:lnTo>
-                <a:lnTo>
-                  <a:pt x="120000" y="120000"/>
-                </a:lnTo>
-                <a:lnTo>
-                  <a:pt x="0" y="120000"/>
-                </a:lnTo>
-                <a:close/>
-              </a:path>
-            </a:pathLst>
-          </a:custGeom>
-          <a:noFill/>
-          <a:ln cap="flat" cmpd="sng" w="9525">
-            <a:solidFill>
-              <a:srgbClr val="000000"/>
-            </a:solidFill>
-            <a:prstDash val="solid"/>
-            <a:round/>
-            <a:headEnd len="sm" w="sm" type="none"/>
-            <a:tailEnd len="sm" w="sm" type="none"/>
-          </a:ln>
-        </p:spPr>
-      </p:sp>
-      <p:sp>
-        <p:nvSpPr>
-          <p:cNvPr id="161" name="Google Shape;161;g3baf4acbdf2_0_49:notes"/>
+          <p:cNvPr id="162" name="Google Shape;162;g3baf4acbdf2_0_49:notes"/>
           <p:cNvSpPr txBox="1"/>
           <p:nvPr>
             <p:ph idx="1" type="body"/>
@@ -2241,7 +2224,7 @@
   <p:cSld>
     <p:spTree>
       <p:nvGrpSpPr>
-        <p:cNvPr id="165" name="Shape 165"/>
+        <p:cNvPr id="166" name="Shape 166"/>
         <p:cNvGrpSpPr/>
         <p:nvPr/>
       </p:nvGrpSpPr>
@@ -2255,106 +2238,7 @@
       </p:grpSpPr>
       <p:sp>
         <p:nvSpPr>
-          <p:cNvPr id="166" name="Google Shape;166;g3baf4acbdf2_0_65:notes"/>
-          <p:cNvSpPr/>
-          <p:nvPr>
-            <p:ph idx="2" type="sldImg"/>
-          </p:nvPr>
-        </p:nvSpPr>
-        <p:spPr>
-          <a:xfrm>
-            <a:off x="1143309" y="685800"/>
-            <a:ext cx="4572000" cy="3429000"/>
-          </a:xfrm>
-          <a:custGeom>
-            <a:rect b="b" l="l" r="r" t="t"/>
-            <a:pathLst>
-              <a:path extrusionOk="0" h="120000" w="120000">
-                <a:moveTo>
-                  <a:pt x="0" y="0"/>
-                </a:moveTo>
-                <a:lnTo>
-                  <a:pt x="120000" y="0"/>
-                </a:lnTo>
-                <a:lnTo>
-                  <a:pt x="120000" y="120000"/>
-                </a:lnTo>
-                <a:lnTo>
-                  <a:pt x="0" y="120000"/>
-                </a:lnTo>
-                <a:close/>
-              </a:path>
-            </a:pathLst>
-          </a:custGeom>
-        </p:spPr>
-      </p:sp>
-      <p:sp>
-        <p:nvSpPr>
-          <p:cNvPr id="167" name="Google Shape;167;g3baf4acbdf2_0_65:notes"/>
-          <p:cNvSpPr txBox="1"/>
-          <p:nvPr>
-            <p:ph idx="1" type="body"/>
-          </p:nvPr>
-        </p:nvSpPr>
-        <p:spPr>
-          <a:xfrm>
-            <a:off x="685800" y="4343400"/>
-            <a:ext cx="5486400" cy="4114800"/>
-          </a:xfrm>
-          <a:prstGeom prst="rect">
-            <a:avLst/>
-          </a:prstGeom>
-        </p:spPr>
-        <p:txBody>
-          <a:bodyPr anchorCtr="0" anchor="t" bIns="91425" lIns="91425" spcFirstLastPara="1" rIns="91425" wrap="square" tIns="91425">
-            <a:noAutofit/>
-          </a:bodyPr>
-          <a:lstStyle/>
-          <a:p>
-            <a:pPr indent="0" lvl="0" marL="0" rtl="0" algn="l">
-              <a:spcBef>
-                <a:spcPts val="0"/>
-              </a:spcBef>
-              <a:spcAft>
-                <a:spcPts val="0"/>
-              </a:spcAft>
-              <a:buNone/>
-            </a:pPr>
-            <a:r>
-              <a:t/>
-            </a:r>
-            <a:endParaRPr/>
-          </a:p>
-        </p:txBody>
-      </p:sp>
-    </p:spTree>
-  </p:cSld>
-  <p:clrMapOvr>
-    <a:masterClrMapping/>
-  </p:clrMapOvr>
-</p:notes>
-</file>
-
-<file path=ppt/notesSlides/notesSlide21.xml><?xml version="1.0" encoding="utf-8"?>
-<p:notes xmlns:a="http://schemas.openxmlformats.org/drawingml/2006/main" xmlns:r="http://schemas.openxmlformats.org/officeDocument/2006/relationships" xmlns:mc="http://schemas.openxmlformats.org/markup-compatibility/2006" xmlns:mv="urn:schemas-microsoft-com:mac:vml" xmlns:p="http://schemas.openxmlformats.org/presentationml/2006/main" xmlns:c="http://schemas.openxmlformats.org/drawingml/2006/chart" xmlns:dgm="http://schemas.openxmlformats.org/drawingml/2006/diagram" xmlns:o="urn:schemas-microsoft-com:office:office" xmlns:v="urn:schemas-microsoft-com:vml" xmlns:pvml="urn:schemas-microsoft-com:office:powerpoint" xmlns:com="http://schemas.openxmlformats.org/drawingml/2006/compatibility" xmlns:p14="http://schemas.microsoft.com/office/powerpoint/2010/main" xmlns:p15="http://schemas.microsoft.com/office/powerpoint/2012/main" xmlns:ahyp="http://schemas.microsoft.com/office/drawing/2018/hyperlinkcolor" showMasterPhAnim="0" showMasterSp="0">
-  <p:cSld>
-    <p:spTree>
-      <p:nvGrpSpPr>
-        <p:cNvPr id="171" name="Shape 171"/>
-        <p:cNvGrpSpPr/>
-        <p:nvPr/>
-      </p:nvGrpSpPr>
-      <p:grpSpPr>
-        <a:xfrm>
-          <a:off x="0" y="0"/>
-          <a:ext cx="0" cy="0"/>
-          <a:chOff x="0" y="0"/>
-          <a:chExt cx="0" cy="0"/>
-        </a:xfrm>
-      </p:grpSpPr>
-      <p:sp>
-        <p:nvSpPr>
-          <p:cNvPr id="172" name="Google Shape;172;g3b938ea6dd9_0_93:notes"/>
+          <p:cNvPr id="167" name="Google Shape;167;g3baf4acbdf2_0_12:notes"/>
           <p:cNvSpPr/>
           <p:nvPr>
             <p:ph idx="2" type="sldImg"/>
@@ -2399,7 +2283,7 @@
       </p:sp>
       <p:sp>
         <p:nvSpPr>
-          <p:cNvPr id="173" name="Google Shape;173;g3b938ea6dd9_0_93:notes"/>
+          <p:cNvPr id="168" name="Google Shape;168;g3baf4acbdf2_0_12:notes"/>
           <p:cNvSpPr txBox="1"/>
           <p:nvPr>
             <p:ph idx="1" type="body"/>
@@ -2452,12 +2336,12 @@
 </p:notes>
 </file>
 
-<file path=ppt/notesSlides/notesSlide22.xml><?xml version="1.0" encoding="utf-8"?>
+<file path=ppt/notesSlides/notesSlide21.xml><?xml version="1.0" encoding="utf-8"?>
 <p:notes xmlns:a="http://schemas.openxmlformats.org/drawingml/2006/main" xmlns:r="http://schemas.openxmlformats.org/officeDocument/2006/relationships" xmlns:mc="http://schemas.openxmlformats.org/markup-compatibility/2006" xmlns:mv="urn:schemas-microsoft-com:mac:vml" xmlns:p="http://schemas.openxmlformats.org/presentationml/2006/main" xmlns:c="http://schemas.openxmlformats.org/drawingml/2006/chart" xmlns:dgm="http://schemas.openxmlformats.org/drawingml/2006/diagram" xmlns:o="urn:schemas-microsoft-com:office:office" xmlns:v="urn:schemas-microsoft-com:vml" xmlns:pvml="urn:schemas-microsoft-com:office:powerpoint" xmlns:com="http://schemas.openxmlformats.org/drawingml/2006/compatibility" xmlns:p14="http://schemas.microsoft.com/office/powerpoint/2010/main" xmlns:p15="http://schemas.microsoft.com/office/powerpoint/2012/main" xmlns:ahyp="http://schemas.microsoft.com/office/drawing/2018/hyperlinkcolor" showMasterPhAnim="0" showMasterSp="0">
   <p:cSld>
     <p:spTree>
       <p:nvGrpSpPr>
-        <p:cNvPr id="178" name="Shape 178"/>
+        <p:cNvPr id="175" name="Shape 175"/>
         <p:cNvGrpSpPr/>
         <p:nvPr/>
       </p:nvGrpSpPr>
@@ -2471,7 +2355,106 @@
       </p:grpSpPr>
       <p:sp>
         <p:nvSpPr>
-          <p:cNvPr id="179" name="Google Shape;179;g3b8409de4d6_0_118:notes"/>
+          <p:cNvPr id="176" name="Google Shape;176;g3baf4acbdf2_0_65:notes"/>
+          <p:cNvSpPr/>
+          <p:nvPr>
+            <p:ph idx="2" type="sldImg"/>
+          </p:nvPr>
+        </p:nvSpPr>
+        <p:spPr>
+          <a:xfrm>
+            <a:off x="1143309" y="685800"/>
+            <a:ext cx="4572000" cy="3429000"/>
+          </a:xfrm>
+          <a:custGeom>
+            <a:rect b="b" l="l" r="r" t="t"/>
+            <a:pathLst>
+              <a:path extrusionOk="0" h="120000" w="120000">
+                <a:moveTo>
+                  <a:pt x="0" y="0"/>
+                </a:moveTo>
+                <a:lnTo>
+                  <a:pt x="120000" y="0"/>
+                </a:lnTo>
+                <a:lnTo>
+                  <a:pt x="120000" y="120000"/>
+                </a:lnTo>
+                <a:lnTo>
+                  <a:pt x="0" y="120000"/>
+                </a:lnTo>
+                <a:close/>
+              </a:path>
+            </a:pathLst>
+          </a:custGeom>
+        </p:spPr>
+      </p:sp>
+      <p:sp>
+        <p:nvSpPr>
+          <p:cNvPr id="177" name="Google Shape;177;g3baf4acbdf2_0_65:notes"/>
+          <p:cNvSpPr txBox="1"/>
+          <p:nvPr>
+            <p:ph idx="1" type="body"/>
+          </p:nvPr>
+        </p:nvSpPr>
+        <p:spPr>
+          <a:xfrm>
+            <a:off x="685800" y="4343400"/>
+            <a:ext cx="5486400" cy="4114800"/>
+          </a:xfrm>
+          <a:prstGeom prst="rect">
+            <a:avLst/>
+          </a:prstGeom>
+        </p:spPr>
+        <p:txBody>
+          <a:bodyPr anchorCtr="0" anchor="t" bIns="91425" lIns="91425" spcFirstLastPara="1" rIns="91425" wrap="square" tIns="91425">
+            <a:noAutofit/>
+          </a:bodyPr>
+          <a:lstStyle/>
+          <a:p>
+            <a:pPr indent="0" lvl="0" marL="0" rtl="0" algn="l">
+              <a:spcBef>
+                <a:spcPts val="0"/>
+              </a:spcBef>
+              <a:spcAft>
+                <a:spcPts val="0"/>
+              </a:spcAft>
+              <a:buNone/>
+            </a:pPr>
+            <a:r>
+              <a:t/>
+            </a:r>
+            <a:endParaRPr/>
+          </a:p>
+        </p:txBody>
+      </p:sp>
+    </p:spTree>
+  </p:cSld>
+  <p:clrMapOvr>
+    <a:masterClrMapping/>
+  </p:clrMapOvr>
+</p:notes>
+</file>
+
+<file path=ppt/notesSlides/notesSlide22.xml><?xml version="1.0" encoding="utf-8"?>
+<p:notes xmlns:a="http://schemas.openxmlformats.org/drawingml/2006/main" xmlns:r="http://schemas.openxmlformats.org/officeDocument/2006/relationships" xmlns:mc="http://schemas.openxmlformats.org/markup-compatibility/2006" xmlns:mv="urn:schemas-microsoft-com:mac:vml" xmlns:p="http://schemas.openxmlformats.org/presentationml/2006/main" xmlns:c="http://schemas.openxmlformats.org/drawingml/2006/chart" xmlns:dgm="http://schemas.openxmlformats.org/drawingml/2006/diagram" xmlns:o="urn:schemas-microsoft-com:office:office" xmlns:v="urn:schemas-microsoft-com:vml" xmlns:pvml="urn:schemas-microsoft-com:office:powerpoint" xmlns:com="http://schemas.openxmlformats.org/drawingml/2006/compatibility" xmlns:p14="http://schemas.microsoft.com/office/powerpoint/2010/main" xmlns:p15="http://schemas.microsoft.com/office/powerpoint/2012/main" xmlns:ahyp="http://schemas.microsoft.com/office/drawing/2018/hyperlinkcolor" showMasterPhAnim="0" showMasterSp="0">
+  <p:cSld>
+    <p:spTree>
+      <p:nvGrpSpPr>
+        <p:cNvPr id="181" name="Shape 181"/>
+        <p:cNvGrpSpPr/>
+        <p:nvPr/>
+      </p:nvGrpSpPr>
+      <p:grpSpPr>
+        <a:xfrm>
+          <a:off x="0" y="0"/>
+          <a:ext cx="0" cy="0"/>
+          <a:chOff x="0" y="0"/>
+          <a:chExt cx="0" cy="0"/>
+        </a:xfrm>
+      </p:grpSpPr>
+      <p:sp>
+        <p:nvSpPr>
+          <p:cNvPr id="182" name="Google Shape;182;g3b938ea6dd9_0_93:notes"/>
           <p:cNvSpPr/>
           <p:nvPr>
             <p:ph idx="2" type="sldImg"/>
@@ -2516,7 +2499,7 @@
       </p:sp>
       <p:sp>
         <p:nvSpPr>
-          <p:cNvPr id="180" name="Google Shape;180;g3b8409de4d6_0_118:notes"/>
+          <p:cNvPr id="183" name="Google Shape;183;g3b938ea6dd9_0_93:notes"/>
           <p:cNvSpPr txBox="1"/>
           <p:nvPr>
             <p:ph idx="1" type="body"/>
@@ -2574,7 +2557,7 @@
   <p:cSld>
     <p:spTree>
       <p:nvGrpSpPr>
-        <p:cNvPr id="187" name="Shape 187"/>
+        <p:cNvPr id="188" name="Shape 188"/>
         <p:cNvGrpSpPr/>
         <p:nvPr/>
       </p:nvGrpSpPr>
@@ -2588,7 +2571,7 @@
       </p:grpSpPr>
       <p:sp>
         <p:nvSpPr>
-          <p:cNvPr id="188" name="Google Shape;188;g3b8409de4d6_0_108:notes"/>
+          <p:cNvPr id="189" name="Google Shape;189;g3b8409de4d6_0_118:notes"/>
           <p:cNvSpPr/>
           <p:nvPr>
             <p:ph idx="2" type="sldImg"/>
@@ -2633,7 +2616,124 @@
       </p:sp>
       <p:sp>
         <p:nvSpPr>
-          <p:cNvPr id="189" name="Google Shape;189;g3b8409de4d6_0_108:notes"/>
+          <p:cNvPr id="190" name="Google Shape;190;g3b8409de4d6_0_118:notes"/>
+          <p:cNvSpPr txBox="1"/>
+          <p:nvPr>
+            <p:ph idx="1" type="body"/>
+          </p:nvPr>
+        </p:nvSpPr>
+        <p:spPr>
+          <a:xfrm>
+            <a:off x="685800" y="4343400"/>
+            <a:ext cx="5486400" cy="4114800"/>
+          </a:xfrm>
+          <a:prstGeom prst="rect">
+            <a:avLst/>
+          </a:prstGeom>
+          <a:noFill/>
+          <a:ln>
+            <a:noFill/>
+          </a:ln>
+        </p:spPr>
+        <p:txBody>
+          <a:bodyPr anchorCtr="0" anchor="t" bIns="91425" lIns="91425" spcFirstLastPara="1" rIns="91425" wrap="square" tIns="91425">
+            <a:noAutofit/>
+          </a:bodyPr>
+          <a:lstStyle/>
+          <a:p>
+            <a:pPr indent="0" lvl="0" marL="0" rtl="0" algn="l">
+              <a:lnSpc>
+                <a:spcPct val="100000"/>
+              </a:lnSpc>
+              <a:spcBef>
+                <a:spcPts val="0"/>
+              </a:spcBef>
+              <a:spcAft>
+                <a:spcPts val="0"/>
+              </a:spcAft>
+              <a:buSzPts val="1400"/>
+              <a:buNone/>
+            </a:pPr>
+            <a:r>
+              <a:t/>
+            </a:r>
+            <a:endParaRPr/>
+          </a:p>
+        </p:txBody>
+      </p:sp>
+    </p:spTree>
+  </p:cSld>
+  <p:clrMapOvr>
+    <a:masterClrMapping/>
+  </p:clrMapOvr>
+</p:notes>
+</file>
+
+<file path=ppt/notesSlides/notesSlide24.xml><?xml version="1.0" encoding="utf-8"?>
+<p:notes xmlns:a="http://schemas.openxmlformats.org/drawingml/2006/main" xmlns:r="http://schemas.openxmlformats.org/officeDocument/2006/relationships" xmlns:mc="http://schemas.openxmlformats.org/markup-compatibility/2006" xmlns:mv="urn:schemas-microsoft-com:mac:vml" xmlns:p="http://schemas.openxmlformats.org/presentationml/2006/main" xmlns:c="http://schemas.openxmlformats.org/drawingml/2006/chart" xmlns:dgm="http://schemas.openxmlformats.org/drawingml/2006/diagram" xmlns:o="urn:schemas-microsoft-com:office:office" xmlns:v="urn:schemas-microsoft-com:vml" xmlns:pvml="urn:schemas-microsoft-com:office:powerpoint" xmlns:com="http://schemas.openxmlformats.org/drawingml/2006/compatibility" xmlns:p14="http://schemas.microsoft.com/office/powerpoint/2010/main" xmlns:p15="http://schemas.microsoft.com/office/powerpoint/2012/main" xmlns:ahyp="http://schemas.microsoft.com/office/drawing/2018/hyperlinkcolor" showMasterPhAnim="0" showMasterSp="0">
+  <p:cSld>
+    <p:spTree>
+      <p:nvGrpSpPr>
+        <p:cNvPr id="197" name="Shape 197"/>
+        <p:cNvGrpSpPr/>
+        <p:nvPr/>
+      </p:nvGrpSpPr>
+      <p:grpSpPr>
+        <a:xfrm>
+          <a:off x="0" y="0"/>
+          <a:ext cx="0" cy="0"/>
+          <a:chOff x="0" y="0"/>
+          <a:chExt cx="0" cy="0"/>
+        </a:xfrm>
+      </p:grpSpPr>
+      <p:sp>
+        <p:nvSpPr>
+          <p:cNvPr id="198" name="Google Shape;198;g3b8409de4d6_0_108:notes"/>
+          <p:cNvSpPr/>
+          <p:nvPr>
+            <p:ph idx="2" type="sldImg"/>
+          </p:nvPr>
+        </p:nvSpPr>
+        <p:spPr>
+          <a:xfrm>
+            <a:off x="1143309" y="685800"/>
+            <a:ext cx="4572000" cy="3429000"/>
+          </a:xfrm>
+          <a:custGeom>
+            <a:rect b="b" l="l" r="r" t="t"/>
+            <a:pathLst>
+              <a:path extrusionOk="0" h="120000" w="120000">
+                <a:moveTo>
+                  <a:pt x="0" y="0"/>
+                </a:moveTo>
+                <a:lnTo>
+                  <a:pt x="120000" y="0"/>
+                </a:lnTo>
+                <a:lnTo>
+                  <a:pt x="120000" y="120000"/>
+                </a:lnTo>
+                <a:lnTo>
+                  <a:pt x="0" y="120000"/>
+                </a:lnTo>
+                <a:close/>
+              </a:path>
+            </a:pathLst>
+          </a:custGeom>
+          <a:noFill/>
+          <a:ln cap="flat" cmpd="sng" w="9525">
+            <a:solidFill>
+              <a:srgbClr val="000000"/>
+            </a:solidFill>
+            <a:prstDash val="solid"/>
+            <a:round/>
+            <a:headEnd len="sm" w="sm" type="none"/>
+            <a:tailEnd len="sm" w="sm" type="none"/>
+          </a:ln>
+        </p:spPr>
+      </p:sp>
+      <p:sp>
+        <p:nvSpPr>
+          <p:cNvPr id="199" name="Google Shape;199;g3b8409de4d6_0_108:notes"/>
           <p:cNvSpPr txBox="1"/>
           <p:nvPr>
             <p:ph idx="1" type="body"/>
@@ -8463,7 +8563,7 @@
               <a:buNone/>
             </a:pPr>
             <a:r>
-              <a:rPr lang="en">
+              <a:rPr b="1" lang="en">
                 <a:solidFill>
                   <a:srgbClr val="DCB439"/>
                 </a:solidFill>
@@ -9217,7 +9317,826 @@
       </p:grpSpPr>
       <p:sp>
         <p:nvSpPr>
-          <p:cNvPr id="116" name="Google Shape;116;g3baf4acbdf2_0_27"/>
+          <p:cNvPr id="116" name="Google Shape;116;g3baf4acbdf2_0_97"/>
+          <p:cNvSpPr txBox="1"/>
+          <p:nvPr>
+            <p:ph type="title"/>
+          </p:nvPr>
+        </p:nvSpPr>
+        <p:spPr>
+          <a:xfrm>
+            <a:off x="457200" y="274638"/>
+            <a:ext cx="8229600" cy="1143000"/>
+          </a:xfrm>
+          <a:prstGeom prst="rect">
+            <a:avLst/>
+          </a:prstGeom>
+        </p:spPr>
+        <p:txBody>
+          <a:bodyPr anchorCtr="0" anchor="b" bIns="91425" lIns="91425" spcFirstLastPara="1" rIns="91425" wrap="square" tIns="91425">
+            <a:noAutofit/>
+          </a:bodyPr>
+          <a:lstStyle/>
+          <a:p>
+            <a:pPr indent="0" lvl="0" marL="0" rtl="0" algn="l">
+              <a:spcBef>
+                <a:spcPts val="0"/>
+              </a:spcBef>
+              <a:spcAft>
+                <a:spcPts val="0"/>
+              </a:spcAft>
+              <a:buNone/>
+            </a:pPr>
+            <a:r>
+              <a:rPr lang="en"/>
+              <a:t>Byte-Pair Encoding Tokenization</a:t>
+            </a:r>
+            <a:endParaRPr/>
+          </a:p>
+        </p:txBody>
+      </p:sp>
+      <p:sp>
+        <p:nvSpPr>
+          <p:cNvPr id="117" name="Google Shape;117;g3baf4acbdf2_0_97"/>
+          <p:cNvSpPr txBox="1"/>
+          <p:nvPr>
+            <p:ph idx="1" type="body"/>
+          </p:nvPr>
+        </p:nvSpPr>
+        <p:spPr>
+          <a:xfrm>
+            <a:off x="457200" y="4963900"/>
+            <a:ext cx="8229600" cy="1632000"/>
+          </a:xfrm>
+          <a:prstGeom prst="rect">
+            <a:avLst/>
+          </a:prstGeom>
+        </p:spPr>
+        <p:txBody>
+          <a:bodyPr anchorCtr="0" anchor="t" bIns="91425" lIns="91425" spcFirstLastPara="1" rIns="91425" wrap="square" tIns="91425">
+            <a:noAutofit/>
+          </a:bodyPr>
+          <a:lstStyle/>
+          <a:p>
+            <a:pPr indent="0" lvl="0" marL="0" rtl="0" algn="l">
+              <a:spcBef>
+                <a:spcPts val="600"/>
+              </a:spcBef>
+              <a:spcAft>
+                <a:spcPts val="0"/>
+              </a:spcAft>
+              <a:buNone/>
+            </a:pPr>
+            <a:r>
+              <a:rPr lang="en"/>
+              <a:t>By </a:t>
+            </a:r>
+            <a:r>
+              <a:rPr b="1" lang="en">
+                <a:solidFill>
+                  <a:srgbClr val="002B5B"/>
+                </a:solidFill>
+              </a:rPr>
+              <a:t>tokenizing</a:t>
+            </a:r>
+            <a:r>
+              <a:rPr lang="en"/>
+              <a:t> at the </a:t>
+            </a:r>
+            <a:r>
+              <a:rPr b="1" lang="en">
+                <a:solidFill>
+                  <a:srgbClr val="A31415"/>
+                </a:solidFill>
+                <a:latin typeface="Consolas"/>
+                <a:ea typeface="Consolas"/>
+                <a:cs typeface="Consolas"/>
+                <a:sym typeface="Consolas"/>
+              </a:rPr>
+              <a:t>byte</a:t>
+            </a:r>
+            <a:r>
+              <a:rPr lang="en"/>
+              <a:t> level we could theoretically process any kind of text that could be passed in as a prompt.</a:t>
+            </a:r>
+            <a:endParaRPr/>
+          </a:p>
+        </p:txBody>
+      </p:sp>
+      <p:sp>
+        <p:nvSpPr>
+          <p:cNvPr id="118" name="Google Shape;118;g3baf4acbdf2_0_97"/>
+          <p:cNvSpPr txBox="1"/>
+          <p:nvPr/>
+        </p:nvSpPr>
+        <p:spPr>
+          <a:xfrm>
+            <a:off x="601800" y="1858625"/>
+            <a:ext cx="7940400" cy="2664300"/>
+          </a:xfrm>
+          <a:prstGeom prst="rect">
+            <a:avLst/>
+          </a:prstGeom>
+          <a:noFill/>
+          <a:ln>
+            <a:noFill/>
+          </a:ln>
+        </p:spPr>
+        <p:txBody>
+          <a:bodyPr anchorCtr="0" anchor="t" bIns="91425" lIns="91425" spcFirstLastPara="1" rIns="91425" wrap="square" tIns="91425">
+            <a:noAutofit/>
+          </a:bodyPr>
+          <a:lstStyle/>
+          <a:p>
+            <a:pPr indent="0" lvl="0" marL="0" rtl="0" algn="l">
+              <a:lnSpc>
+                <a:spcPct val="131250"/>
+              </a:lnSpc>
+              <a:spcBef>
+                <a:spcPts val="0"/>
+              </a:spcBef>
+              <a:spcAft>
+                <a:spcPts val="0"/>
+              </a:spcAft>
+              <a:buNone/>
+            </a:pPr>
+            <a:r>
+              <a:rPr lang="en" sz="1500">
+                <a:solidFill>
+                  <a:srgbClr val="6A5221"/>
+                </a:solidFill>
+                <a:highlight>
+                  <a:srgbClr val="FFFFFF"/>
+                </a:highlight>
+                <a:latin typeface="Consolas"/>
+                <a:ea typeface="Consolas"/>
+                <a:cs typeface="Consolas"/>
+                <a:sym typeface="Consolas"/>
+              </a:rPr>
+              <a:t>print</a:t>
+            </a:r>
+            <a:r>
+              <a:rPr lang="en" sz="1500">
+                <a:solidFill>
+                  <a:schemeClr val="dk1"/>
+                </a:solidFill>
+                <a:highlight>
+                  <a:srgbClr val="FFFFFF"/>
+                </a:highlight>
+                <a:latin typeface="Consolas"/>
+                <a:ea typeface="Consolas"/>
+                <a:cs typeface="Consolas"/>
+                <a:sym typeface="Consolas"/>
+              </a:rPr>
+              <a:t>(</a:t>
+            </a:r>
+            <a:r>
+              <a:rPr lang="en" sz="1500">
+                <a:solidFill>
+                  <a:srgbClr val="257693"/>
+                </a:solidFill>
+                <a:highlight>
+                  <a:srgbClr val="FFFFFF"/>
+                </a:highlight>
+                <a:latin typeface="Consolas"/>
+                <a:ea typeface="Consolas"/>
+                <a:cs typeface="Consolas"/>
+                <a:sym typeface="Consolas"/>
+              </a:rPr>
+              <a:t>list</a:t>
+            </a:r>
+            <a:r>
+              <a:rPr lang="en" sz="1500">
+                <a:solidFill>
+                  <a:schemeClr val="dk1"/>
+                </a:solidFill>
+                <a:highlight>
+                  <a:srgbClr val="FFFFFF"/>
+                </a:highlight>
+                <a:latin typeface="Consolas"/>
+                <a:ea typeface="Consolas"/>
+                <a:cs typeface="Consolas"/>
+                <a:sym typeface="Consolas"/>
+              </a:rPr>
+              <a:t>(</a:t>
+            </a:r>
+            <a:r>
+              <a:rPr lang="en" sz="1500">
+                <a:solidFill>
+                  <a:srgbClr val="A31515"/>
+                </a:solidFill>
+                <a:highlight>
+                  <a:srgbClr val="FFFFFF"/>
+                </a:highlight>
+                <a:latin typeface="Consolas"/>
+                <a:ea typeface="Consolas"/>
+                <a:cs typeface="Consolas"/>
+                <a:sym typeface="Consolas"/>
+              </a:rPr>
+              <a:t>'hello there 金'</a:t>
+            </a:r>
+            <a:r>
+              <a:rPr lang="en" sz="1500">
+                <a:solidFill>
+                  <a:schemeClr val="dk1"/>
+                </a:solidFill>
+                <a:highlight>
+                  <a:srgbClr val="FFFFFF"/>
+                </a:highlight>
+                <a:latin typeface="Consolas"/>
+                <a:ea typeface="Consolas"/>
+                <a:cs typeface="Consolas"/>
+                <a:sym typeface="Consolas"/>
+              </a:rPr>
+              <a:t>.encode(</a:t>
+            </a:r>
+            <a:r>
+              <a:rPr lang="en" sz="1500">
+                <a:solidFill>
+                  <a:srgbClr val="A31515"/>
+                </a:solidFill>
+                <a:highlight>
+                  <a:srgbClr val="FFFFFF"/>
+                </a:highlight>
+                <a:latin typeface="Consolas"/>
+                <a:ea typeface="Consolas"/>
+                <a:cs typeface="Consolas"/>
+                <a:sym typeface="Consolas"/>
+              </a:rPr>
+              <a:t>'utf-8'</a:t>
+            </a:r>
+            <a:r>
+              <a:rPr lang="en" sz="1500">
+                <a:solidFill>
+                  <a:schemeClr val="dk1"/>
+                </a:solidFill>
+                <a:highlight>
+                  <a:srgbClr val="FFFFFF"/>
+                </a:highlight>
+                <a:latin typeface="Consolas"/>
+                <a:ea typeface="Consolas"/>
+                <a:cs typeface="Consolas"/>
+                <a:sym typeface="Consolas"/>
+              </a:rPr>
+              <a:t>)))</a:t>
+            </a:r>
+            <a:endParaRPr sz="1500">
+              <a:solidFill>
+                <a:schemeClr val="dk1"/>
+              </a:solidFill>
+              <a:highlight>
+                <a:srgbClr val="FFFFFF"/>
+              </a:highlight>
+              <a:latin typeface="Consolas"/>
+              <a:ea typeface="Consolas"/>
+              <a:cs typeface="Consolas"/>
+              <a:sym typeface="Consolas"/>
+            </a:endParaRPr>
+          </a:p>
+          <a:p>
+            <a:pPr indent="0" lvl="0" marL="0" rtl="0" algn="l">
+              <a:lnSpc>
+                <a:spcPct val="131250"/>
+              </a:lnSpc>
+              <a:spcBef>
+                <a:spcPts val="0"/>
+              </a:spcBef>
+              <a:spcAft>
+                <a:spcPts val="0"/>
+              </a:spcAft>
+              <a:buClr>
+                <a:schemeClr val="dk1"/>
+              </a:buClr>
+              <a:buSzPts val="1100"/>
+              <a:buFont typeface="Arial"/>
+              <a:buNone/>
+            </a:pPr>
+            <a:r>
+              <a:t/>
+            </a:r>
+            <a:endParaRPr sz="1500">
+              <a:solidFill>
+                <a:schemeClr val="dk1"/>
+              </a:solidFill>
+              <a:highlight>
+                <a:srgbClr val="FFFFFF"/>
+              </a:highlight>
+              <a:latin typeface="Consolas"/>
+              <a:ea typeface="Consolas"/>
+              <a:cs typeface="Consolas"/>
+              <a:sym typeface="Consolas"/>
+            </a:endParaRPr>
+          </a:p>
+          <a:p>
+            <a:pPr indent="0" lvl="0" marL="0" rtl="0" algn="l">
+              <a:spcBef>
+                <a:spcPts val="0"/>
+              </a:spcBef>
+              <a:spcAft>
+                <a:spcPts val="0"/>
+              </a:spcAft>
+              <a:buNone/>
+            </a:pPr>
+            <a:r>
+              <a:rPr lang="en" sz="1350">
+                <a:solidFill>
+                  <a:srgbClr val="1F1F1F"/>
+                </a:solidFill>
+                <a:highlight>
+                  <a:srgbClr val="FFFFFF"/>
+                </a:highlight>
+                <a:latin typeface="Consolas"/>
+                <a:ea typeface="Consolas"/>
+                <a:cs typeface="Consolas"/>
+                <a:sym typeface="Consolas"/>
+              </a:rPr>
+              <a:t>&gt; [104, 101, 108, 108, 111, 32, 116, 104, 101, 114, 101, 32, 233, 135, 145]</a:t>
+            </a:r>
+            <a:endParaRPr sz="1350">
+              <a:solidFill>
+                <a:srgbClr val="1F1F1F"/>
+              </a:solidFill>
+              <a:highlight>
+                <a:srgbClr val="FFFFFF"/>
+              </a:highlight>
+              <a:latin typeface="Consolas"/>
+              <a:ea typeface="Consolas"/>
+              <a:cs typeface="Consolas"/>
+              <a:sym typeface="Consolas"/>
+            </a:endParaRPr>
+          </a:p>
+          <a:p>
+            <a:pPr indent="0" lvl="0" marL="0" rtl="0" algn="l">
+              <a:spcBef>
+                <a:spcPts val="0"/>
+              </a:spcBef>
+              <a:spcAft>
+                <a:spcPts val="0"/>
+              </a:spcAft>
+              <a:buClr>
+                <a:schemeClr val="dk1"/>
+              </a:buClr>
+              <a:buSzPts val="1100"/>
+              <a:buFont typeface="Arial"/>
+              <a:buNone/>
+            </a:pPr>
+            <a:r>
+              <a:t/>
+            </a:r>
+            <a:endParaRPr>
+              <a:solidFill>
+                <a:schemeClr val="dk1"/>
+              </a:solidFill>
+              <a:latin typeface="Consolas"/>
+              <a:ea typeface="Consolas"/>
+              <a:cs typeface="Consolas"/>
+              <a:sym typeface="Consolas"/>
+            </a:endParaRPr>
+          </a:p>
+          <a:p>
+            <a:pPr indent="0" lvl="0" marL="0" rtl="0" algn="l">
+              <a:spcBef>
+                <a:spcPts val="0"/>
+              </a:spcBef>
+              <a:spcAft>
+                <a:spcPts val="0"/>
+              </a:spcAft>
+              <a:buClr>
+                <a:schemeClr val="dk1"/>
+              </a:buClr>
+              <a:buSzPts val="1100"/>
+              <a:buFont typeface="Arial"/>
+              <a:buNone/>
+            </a:pPr>
+            <a:r>
+              <a:t/>
+            </a:r>
+            <a:endParaRPr sz="1350">
+              <a:solidFill>
+                <a:srgbClr val="1F1F1F"/>
+              </a:solidFill>
+              <a:highlight>
+                <a:srgbClr val="FFFFFF"/>
+              </a:highlight>
+              <a:latin typeface="Consolas"/>
+              <a:ea typeface="Consolas"/>
+              <a:cs typeface="Consolas"/>
+              <a:sym typeface="Consolas"/>
+            </a:endParaRPr>
+          </a:p>
+          <a:p>
+            <a:pPr indent="0" lvl="0" marL="0" rtl="0" algn="l">
+              <a:lnSpc>
+                <a:spcPct val="131250"/>
+              </a:lnSpc>
+              <a:spcBef>
+                <a:spcPts val="0"/>
+              </a:spcBef>
+              <a:spcAft>
+                <a:spcPts val="0"/>
+              </a:spcAft>
+              <a:buNone/>
+            </a:pPr>
+            <a:r>
+              <a:rPr lang="en" sz="1500">
+                <a:solidFill>
+                  <a:srgbClr val="6A5221"/>
+                </a:solidFill>
+                <a:highlight>
+                  <a:srgbClr val="FFFFFF"/>
+                </a:highlight>
+                <a:latin typeface="Consolas"/>
+                <a:ea typeface="Consolas"/>
+                <a:cs typeface="Consolas"/>
+                <a:sym typeface="Consolas"/>
+              </a:rPr>
+              <a:t>print</a:t>
+            </a:r>
+            <a:r>
+              <a:rPr lang="en" sz="1500">
+                <a:solidFill>
+                  <a:schemeClr val="dk1"/>
+                </a:solidFill>
+                <a:highlight>
+                  <a:srgbClr val="FFFFFF"/>
+                </a:highlight>
+                <a:latin typeface="Consolas"/>
+                <a:ea typeface="Consolas"/>
+                <a:cs typeface="Consolas"/>
+                <a:sym typeface="Consolas"/>
+              </a:rPr>
+              <a:t>([</a:t>
+            </a:r>
+            <a:r>
+              <a:rPr lang="en" sz="1500">
+                <a:solidFill>
+                  <a:srgbClr val="6A5221"/>
+                </a:solidFill>
+                <a:highlight>
+                  <a:srgbClr val="FFFFFF"/>
+                </a:highlight>
+                <a:latin typeface="Consolas"/>
+                <a:ea typeface="Consolas"/>
+                <a:cs typeface="Consolas"/>
+                <a:sym typeface="Consolas"/>
+              </a:rPr>
+              <a:t>bin</a:t>
+            </a:r>
+            <a:r>
+              <a:rPr lang="en" sz="1500">
+                <a:solidFill>
+                  <a:schemeClr val="dk1"/>
+                </a:solidFill>
+                <a:highlight>
+                  <a:srgbClr val="FFFFFF"/>
+                </a:highlight>
+                <a:latin typeface="Consolas"/>
+                <a:ea typeface="Consolas"/>
+                <a:cs typeface="Consolas"/>
+                <a:sym typeface="Consolas"/>
+              </a:rPr>
+              <a:t>(num) </a:t>
+            </a:r>
+            <a:r>
+              <a:rPr lang="en" sz="1500">
+                <a:solidFill>
+                  <a:srgbClr val="9723B4"/>
+                </a:solidFill>
+                <a:highlight>
+                  <a:srgbClr val="FFFFFF"/>
+                </a:highlight>
+                <a:latin typeface="Consolas"/>
+                <a:ea typeface="Consolas"/>
+                <a:cs typeface="Consolas"/>
+                <a:sym typeface="Consolas"/>
+              </a:rPr>
+              <a:t>for</a:t>
+            </a:r>
+            <a:r>
+              <a:rPr lang="en" sz="1500">
+                <a:solidFill>
+                  <a:schemeClr val="dk1"/>
+                </a:solidFill>
+                <a:highlight>
+                  <a:srgbClr val="FFFFFF"/>
+                </a:highlight>
+                <a:latin typeface="Consolas"/>
+                <a:ea typeface="Consolas"/>
+                <a:cs typeface="Consolas"/>
+                <a:sym typeface="Consolas"/>
+              </a:rPr>
+              <a:t> num </a:t>
+            </a:r>
+            <a:r>
+              <a:rPr lang="en" sz="1500">
+                <a:solidFill>
+                  <a:srgbClr val="0000FF"/>
+                </a:solidFill>
+                <a:highlight>
+                  <a:srgbClr val="FFFFFF"/>
+                </a:highlight>
+                <a:latin typeface="Consolas"/>
+                <a:ea typeface="Consolas"/>
+                <a:cs typeface="Consolas"/>
+                <a:sym typeface="Consolas"/>
+              </a:rPr>
+              <a:t>in</a:t>
+            </a:r>
+            <a:r>
+              <a:rPr lang="en" sz="1500">
+                <a:solidFill>
+                  <a:schemeClr val="dk1"/>
+                </a:solidFill>
+                <a:highlight>
+                  <a:srgbClr val="FFFFFF"/>
+                </a:highlight>
+                <a:latin typeface="Consolas"/>
+                <a:ea typeface="Consolas"/>
+                <a:cs typeface="Consolas"/>
+                <a:sym typeface="Consolas"/>
+              </a:rPr>
+              <a:t> </a:t>
+            </a:r>
+            <a:r>
+              <a:rPr lang="en" sz="1500">
+                <a:solidFill>
+                  <a:srgbClr val="257693"/>
+                </a:solidFill>
+                <a:highlight>
+                  <a:srgbClr val="FFFFFF"/>
+                </a:highlight>
+                <a:latin typeface="Consolas"/>
+                <a:ea typeface="Consolas"/>
+                <a:cs typeface="Consolas"/>
+                <a:sym typeface="Consolas"/>
+              </a:rPr>
+              <a:t>list</a:t>
+            </a:r>
+            <a:r>
+              <a:rPr lang="en" sz="1500">
+                <a:solidFill>
+                  <a:schemeClr val="dk1"/>
+                </a:solidFill>
+                <a:highlight>
+                  <a:srgbClr val="FFFFFF"/>
+                </a:highlight>
+                <a:latin typeface="Consolas"/>
+                <a:ea typeface="Consolas"/>
+                <a:cs typeface="Consolas"/>
+                <a:sym typeface="Consolas"/>
+              </a:rPr>
+              <a:t>(</a:t>
+            </a:r>
+            <a:r>
+              <a:rPr lang="en" sz="1500">
+                <a:solidFill>
+                  <a:srgbClr val="A31515"/>
+                </a:solidFill>
+                <a:highlight>
+                  <a:srgbClr val="FFFFFF"/>
+                </a:highlight>
+                <a:latin typeface="Consolas"/>
+                <a:ea typeface="Consolas"/>
+                <a:cs typeface="Consolas"/>
+                <a:sym typeface="Consolas"/>
+              </a:rPr>
+              <a:t>'hello there 金'</a:t>
+            </a:r>
+            <a:r>
+              <a:rPr lang="en" sz="1500">
+                <a:solidFill>
+                  <a:schemeClr val="dk1"/>
+                </a:solidFill>
+                <a:highlight>
+                  <a:srgbClr val="FFFFFF"/>
+                </a:highlight>
+                <a:latin typeface="Consolas"/>
+                <a:ea typeface="Consolas"/>
+                <a:cs typeface="Consolas"/>
+                <a:sym typeface="Consolas"/>
+              </a:rPr>
+              <a:t>.encode(</a:t>
+            </a:r>
+            <a:r>
+              <a:rPr lang="en" sz="1500">
+                <a:solidFill>
+                  <a:srgbClr val="A31515"/>
+                </a:solidFill>
+                <a:highlight>
+                  <a:srgbClr val="FFFFFF"/>
+                </a:highlight>
+                <a:latin typeface="Consolas"/>
+                <a:ea typeface="Consolas"/>
+                <a:cs typeface="Consolas"/>
+                <a:sym typeface="Consolas"/>
+              </a:rPr>
+              <a:t>'utf-8'</a:t>
+            </a:r>
+            <a:r>
+              <a:rPr lang="en" sz="1500">
+                <a:solidFill>
+                  <a:schemeClr val="dk1"/>
+                </a:solidFill>
+                <a:highlight>
+                  <a:srgbClr val="FFFFFF"/>
+                </a:highlight>
+                <a:latin typeface="Consolas"/>
+                <a:ea typeface="Consolas"/>
+                <a:cs typeface="Consolas"/>
+                <a:sym typeface="Consolas"/>
+              </a:rPr>
+              <a:t>))])</a:t>
+            </a:r>
+            <a:endParaRPr sz="1500">
+              <a:solidFill>
+                <a:schemeClr val="dk1"/>
+              </a:solidFill>
+              <a:highlight>
+                <a:srgbClr val="FFFFFF"/>
+              </a:highlight>
+              <a:latin typeface="Consolas"/>
+              <a:ea typeface="Consolas"/>
+              <a:cs typeface="Consolas"/>
+              <a:sym typeface="Consolas"/>
+            </a:endParaRPr>
+          </a:p>
+          <a:p>
+            <a:pPr indent="0" lvl="0" marL="0" rtl="0" algn="l">
+              <a:lnSpc>
+                <a:spcPct val="131250"/>
+              </a:lnSpc>
+              <a:spcBef>
+                <a:spcPts val="0"/>
+              </a:spcBef>
+              <a:spcAft>
+                <a:spcPts val="0"/>
+              </a:spcAft>
+              <a:buClr>
+                <a:schemeClr val="dk1"/>
+              </a:buClr>
+              <a:buSzPts val="1100"/>
+              <a:buFont typeface="Arial"/>
+              <a:buNone/>
+            </a:pPr>
+            <a:r>
+              <a:t/>
+            </a:r>
+            <a:endParaRPr sz="1500">
+              <a:solidFill>
+                <a:schemeClr val="dk1"/>
+              </a:solidFill>
+              <a:highlight>
+                <a:srgbClr val="FFFFFF"/>
+              </a:highlight>
+              <a:latin typeface="Consolas"/>
+              <a:ea typeface="Consolas"/>
+              <a:cs typeface="Consolas"/>
+              <a:sym typeface="Consolas"/>
+            </a:endParaRPr>
+          </a:p>
+          <a:p>
+            <a:pPr indent="0" lvl="0" marL="0" rtl="0" algn="l">
+              <a:spcBef>
+                <a:spcPts val="0"/>
+              </a:spcBef>
+              <a:spcAft>
+                <a:spcPts val="0"/>
+              </a:spcAft>
+              <a:buNone/>
+            </a:pPr>
+            <a:r>
+              <a:rPr lang="en" sz="1350">
+                <a:solidFill>
+                  <a:srgbClr val="1F1F1F"/>
+                </a:solidFill>
+                <a:latin typeface="Consolas"/>
+                <a:ea typeface="Consolas"/>
+                <a:cs typeface="Consolas"/>
+                <a:sym typeface="Consolas"/>
+              </a:rPr>
+              <a:t>&gt; ['0b1101000', '0b1100101', '0b1101100', '0b1101100', '0b1101111', '0b100000', '0b1110100', '0b1101000', '0b1100101', '0b1110010', '0b1100101', '0b100000', '0b11101001', '0b10000111', '0b10010001']</a:t>
+            </a:r>
+            <a:endParaRPr sz="1350">
+              <a:solidFill>
+                <a:srgbClr val="1F1F1F"/>
+              </a:solidFill>
+              <a:latin typeface="Consolas"/>
+              <a:ea typeface="Consolas"/>
+              <a:cs typeface="Consolas"/>
+              <a:sym typeface="Consolas"/>
+            </a:endParaRPr>
+          </a:p>
+          <a:p>
+            <a:pPr indent="0" lvl="0" marL="50800" marR="12700" rtl="0" algn="l">
+              <a:lnSpc>
+                <a:spcPct val="115000"/>
+              </a:lnSpc>
+              <a:spcBef>
+                <a:spcPts val="0"/>
+              </a:spcBef>
+              <a:spcAft>
+                <a:spcPts val="0"/>
+              </a:spcAft>
+              <a:buClr>
+                <a:schemeClr val="dk1"/>
+              </a:buClr>
+              <a:buSzPts val="1100"/>
+              <a:buFont typeface="Arial"/>
+              <a:buNone/>
+            </a:pPr>
+            <a:r>
+              <a:t/>
+            </a:r>
+            <a:endParaRPr sz="1350">
+              <a:solidFill>
+                <a:schemeClr val="dk1"/>
+              </a:solidFill>
+              <a:latin typeface="Courier New"/>
+              <a:ea typeface="Courier New"/>
+              <a:cs typeface="Courier New"/>
+              <a:sym typeface="Courier New"/>
+            </a:endParaRPr>
+          </a:p>
+          <a:p>
+            <a:pPr indent="0" lvl="0" marL="0" rtl="0" algn="l">
+              <a:lnSpc>
+                <a:spcPct val="115000"/>
+              </a:lnSpc>
+              <a:spcBef>
+                <a:spcPts val="0"/>
+              </a:spcBef>
+              <a:spcAft>
+                <a:spcPts val="0"/>
+              </a:spcAft>
+              <a:buClr>
+                <a:schemeClr val="dk1"/>
+              </a:buClr>
+              <a:buSzPts val="1100"/>
+              <a:buFont typeface="Arial"/>
+              <a:buNone/>
+            </a:pPr>
+            <a:r>
+              <a:t/>
+            </a:r>
+            <a:endParaRPr sz="1350">
+              <a:solidFill>
+                <a:schemeClr val="dk1"/>
+              </a:solidFill>
+              <a:latin typeface="Courier New"/>
+              <a:ea typeface="Courier New"/>
+              <a:cs typeface="Courier New"/>
+              <a:sym typeface="Courier New"/>
+            </a:endParaRPr>
+          </a:p>
+          <a:p>
+            <a:pPr indent="0" lvl="0" marL="0" rtl="0" algn="l">
+              <a:spcBef>
+                <a:spcPts val="0"/>
+              </a:spcBef>
+              <a:spcAft>
+                <a:spcPts val="0"/>
+              </a:spcAft>
+              <a:buNone/>
+            </a:pPr>
+            <a:r>
+              <a:t/>
+            </a:r>
+            <a:endParaRPr sz="3300">
+              <a:solidFill>
+                <a:schemeClr val="dk1"/>
+              </a:solidFill>
+            </a:endParaRPr>
+          </a:p>
+        </p:txBody>
+      </p:sp>
+    </p:spTree>
+  </p:cSld>
+  <p:clrMapOvr>
+    <a:masterClrMapping/>
+  </p:clrMapOvr>
+</p:sld>
+</file>
+
+<file path=ppt/slides/slide13.xml><?xml version="1.0" encoding="utf-8"?>
+<p:sld xmlns:a="http://schemas.openxmlformats.org/drawingml/2006/main" xmlns:r="http://schemas.openxmlformats.org/officeDocument/2006/relationships" xmlns:mc="http://schemas.openxmlformats.org/markup-compatibility/2006" xmlns:mv="urn:schemas-microsoft-com:mac:vml" xmlns:p="http://schemas.openxmlformats.org/presentationml/2006/main" xmlns:c="http://schemas.openxmlformats.org/drawingml/2006/chart" xmlns:dgm="http://schemas.openxmlformats.org/drawingml/2006/diagram" xmlns:o="urn:schemas-microsoft-com:office:office" xmlns:v="urn:schemas-microsoft-com:vml" xmlns:pvml="urn:schemas-microsoft-com:office:powerpoint" xmlns:com="http://schemas.openxmlformats.org/drawingml/2006/compatibility" xmlns:p14="http://schemas.microsoft.com/office/powerpoint/2010/main" xmlns:p15="http://schemas.microsoft.com/office/powerpoint/2012/main" xmlns:ahyp="http://schemas.microsoft.com/office/drawing/2018/hyperlinkcolor">
+  <p:cSld>
+    <p:spTree>
+      <p:nvGrpSpPr>
+        <p:cNvPr id="122" name="Shape 122"/>
+        <p:cNvGrpSpPr/>
+        <p:nvPr/>
+      </p:nvGrpSpPr>
+      <p:grpSpPr>
+        <a:xfrm>
+          <a:off x="0" y="0"/>
+          <a:ext cx="0" cy="0"/>
+          <a:chOff x="0" y="0"/>
+          <a:chExt cx="0" cy="0"/>
+        </a:xfrm>
+      </p:grpSpPr>
+      <p:sp>
+        <p:nvSpPr>
+          <p:cNvPr id="123" name="Google Shape;123;g3b8409de4d6_0_103"/>
           <p:cNvSpPr txBox="1"/>
           <p:nvPr>
             <p:ph type="title"/>
@@ -9256,13 +10175,276 @@
               <a:buNone/>
             </a:pPr>
             <a:r>
+              <a:rPr lang="en">
+                <a:solidFill>
+                  <a:srgbClr val="A31415"/>
+                </a:solidFill>
+                <a:latin typeface="Consolas"/>
+                <a:ea typeface="Consolas"/>
+                <a:cs typeface="Consolas"/>
+                <a:sym typeface="Consolas"/>
+              </a:rPr>
+              <a:t>programming</a:t>
+            </a:r>
+            <a:r>
               <a:rPr lang="en"/>
-              <a:t>Byte Encoding Tokenization</a:t>
-            </a:r>
-            <a:endParaRPr sz="1800"/>
+              <a:t>: Bytes</a:t>
+            </a:r>
+            <a:endParaRPr/>
           </a:p>
         </p:txBody>
       </p:sp>
+      <p:sp>
+        <p:nvSpPr>
+          <p:cNvPr id="124" name="Google Shape;124;g3b8409de4d6_0_103"/>
+          <p:cNvSpPr txBox="1"/>
+          <p:nvPr>
+            <p:ph idx="1" type="body"/>
+          </p:nvPr>
+        </p:nvSpPr>
+        <p:spPr>
+          <a:xfrm>
+            <a:off x="457200" y="1600200"/>
+            <a:ext cx="8229600" cy="4967700"/>
+          </a:xfrm>
+          <a:prstGeom prst="rect">
+            <a:avLst/>
+          </a:prstGeom>
+          <a:noFill/>
+          <a:ln>
+            <a:noFill/>
+          </a:ln>
+        </p:spPr>
+        <p:txBody>
+          <a:bodyPr anchorCtr="0" anchor="t" bIns="91425" lIns="91425" spcFirstLastPara="1" rIns="91425" wrap="square" tIns="91425">
+            <a:noAutofit/>
+          </a:bodyPr>
+          <a:lstStyle/>
+          <a:p>
+            <a:pPr indent="0" lvl="0" marL="0" rtl="0" algn="l">
+              <a:lnSpc>
+                <a:spcPct val="100000"/>
+              </a:lnSpc>
+              <a:spcBef>
+                <a:spcPts val="600"/>
+              </a:spcBef>
+              <a:spcAft>
+                <a:spcPts val="0"/>
+              </a:spcAft>
+              <a:buSzPts val="3000"/>
+              <a:buNone/>
+            </a:pPr>
+            <a:r>
+              <a:rPr lang="en"/>
+              <a:t>A </a:t>
+            </a:r>
+            <a:r>
+              <a:rPr b="1" lang="en">
+                <a:solidFill>
+                  <a:srgbClr val="A31415"/>
+                </a:solidFill>
+                <a:latin typeface="Consolas"/>
+                <a:ea typeface="Consolas"/>
+                <a:cs typeface="Consolas"/>
+                <a:sym typeface="Consolas"/>
+              </a:rPr>
+              <a:t>byte</a:t>
+            </a:r>
+            <a:r>
+              <a:rPr lang="en"/>
+              <a:t> is 8 </a:t>
+            </a:r>
+            <a:r>
+              <a:rPr b="1" lang="en">
+                <a:solidFill>
+                  <a:srgbClr val="A31415"/>
+                </a:solidFill>
+                <a:latin typeface="Consolas"/>
+                <a:ea typeface="Consolas"/>
+                <a:cs typeface="Consolas"/>
+                <a:sym typeface="Consolas"/>
+              </a:rPr>
+              <a:t>bits</a:t>
+            </a:r>
+            <a:r>
+              <a:rPr b="1" lang="en"/>
+              <a:t>, </a:t>
+            </a:r>
+            <a:r>
+              <a:rPr lang="en"/>
+              <a:t>which are the 0s and 1s the computer actually “sees”</a:t>
+            </a:r>
+            <a:r>
+              <a:rPr lang="en">
+                <a:latin typeface="Consolas"/>
+                <a:ea typeface="Consolas"/>
+                <a:cs typeface="Consolas"/>
+                <a:sym typeface="Consolas"/>
+              </a:rPr>
+              <a:t> </a:t>
+            </a:r>
+            <a:endParaRPr>
+              <a:latin typeface="Consolas"/>
+              <a:ea typeface="Consolas"/>
+              <a:cs typeface="Consolas"/>
+              <a:sym typeface="Consolas"/>
+            </a:endParaRPr>
+          </a:p>
+        </p:txBody>
+      </p:sp>
+      <p:sp>
+        <p:nvSpPr>
+          <p:cNvPr id="125" name="Google Shape;125;g3b8409de4d6_0_103"/>
+          <p:cNvSpPr txBox="1"/>
+          <p:nvPr/>
+        </p:nvSpPr>
+        <p:spPr>
+          <a:xfrm>
+            <a:off x="457200" y="6002075"/>
+            <a:ext cx="8229600" cy="699000"/>
+          </a:xfrm>
+          <a:prstGeom prst="rect">
+            <a:avLst/>
+          </a:prstGeom>
+          <a:noFill/>
+          <a:ln>
+            <a:noFill/>
+          </a:ln>
+        </p:spPr>
+        <p:txBody>
+          <a:bodyPr anchorCtr="0" anchor="t" bIns="91425" lIns="91425" spcFirstLastPara="1" rIns="91425" wrap="square" tIns="91425">
+            <a:noAutofit/>
+          </a:bodyPr>
+          <a:lstStyle/>
+          <a:p>
+            <a:pPr indent="0" lvl="0" marL="0" marR="0" rtl="0" algn="l">
+              <a:lnSpc>
+                <a:spcPct val="100000"/>
+              </a:lnSpc>
+              <a:spcBef>
+                <a:spcPts val="0"/>
+              </a:spcBef>
+              <a:spcAft>
+                <a:spcPts val="0"/>
+              </a:spcAft>
+              <a:buClr>
+                <a:srgbClr val="000000"/>
+              </a:buClr>
+              <a:buSzPts val="1800"/>
+              <a:buFont typeface="Arial"/>
+              <a:buNone/>
+            </a:pPr>
+            <a:r>
+              <a:rPr b="1" i="0" lang="en" sz="1800" u="none" cap="none" strike="noStrike">
+                <a:solidFill>
+                  <a:srgbClr val="DCB439"/>
+                </a:solidFill>
+                <a:latin typeface="Arial"/>
+                <a:ea typeface="Arial"/>
+                <a:cs typeface="Arial"/>
+                <a:sym typeface="Arial"/>
+              </a:rPr>
+              <a:t>NOTE:</a:t>
+            </a:r>
+            <a:r>
+              <a:rPr b="0" i="0" lang="en" sz="1800" u="none" cap="none" strike="noStrike">
+                <a:solidFill>
+                  <a:schemeClr val="dk1"/>
+                </a:solidFill>
+                <a:latin typeface="Arial"/>
+                <a:ea typeface="Arial"/>
+                <a:cs typeface="Arial"/>
+                <a:sym typeface="Arial"/>
+              </a:rPr>
+              <a:t> </a:t>
+            </a:r>
+            <a:r>
+              <a:rPr lang="en" sz="1800">
+                <a:solidFill>
+                  <a:schemeClr val="dk1"/>
+                </a:solidFill>
+              </a:rPr>
+              <a:t>An </a:t>
+            </a:r>
+            <a:r>
+              <a:rPr b="1" lang="en" sz="1800">
+                <a:solidFill>
+                  <a:srgbClr val="A31415"/>
+                </a:solidFill>
+                <a:latin typeface="Consolas"/>
+                <a:ea typeface="Consolas"/>
+                <a:cs typeface="Consolas"/>
+                <a:sym typeface="Consolas"/>
+              </a:rPr>
+              <a:t>int</a:t>
+            </a:r>
+            <a:r>
+              <a:rPr lang="en" sz="1800">
+                <a:solidFill>
+                  <a:schemeClr val="dk1"/>
+                </a:solidFill>
+              </a:rPr>
+              <a:t> in python (by default) is a </a:t>
+            </a:r>
+            <a:r>
+              <a:rPr b="1" lang="en" sz="1800">
+                <a:solidFill>
+                  <a:srgbClr val="A31415"/>
+                </a:solidFill>
+                <a:latin typeface="Consolas"/>
+                <a:ea typeface="Consolas"/>
+                <a:cs typeface="Consolas"/>
+                <a:sym typeface="Consolas"/>
+              </a:rPr>
+              <a:t>byte</a:t>
+            </a:r>
+            <a:r>
+              <a:rPr lang="en" sz="1800">
+                <a:solidFill>
+                  <a:schemeClr val="dk1"/>
+                </a:solidFill>
+              </a:rPr>
+              <a:t>.</a:t>
+            </a:r>
+            <a:endParaRPr b="0" i="0" sz="1800" u="none" cap="none" strike="noStrike">
+              <a:solidFill>
+                <a:schemeClr val="dk1"/>
+              </a:solidFill>
+              <a:latin typeface="Arial"/>
+              <a:ea typeface="Arial"/>
+              <a:cs typeface="Arial"/>
+              <a:sym typeface="Arial"/>
+            </a:endParaRPr>
+          </a:p>
+        </p:txBody>
+      </p:sp>
+      <p:pic>
+        <p:nvPicPr>
+          <p:cNvPr id="126" name="Google Shape;126;g3b8409de4d6_0_103"/>
+          <p:cNvPicPr preferRelativeResize="0"/>
+          <p:nvPr/>
+        </p:nvPicPr>
+        <p:blipFill rotWithShape="1">
+          <a:blip r:embed="rId3">
+            <a:alphaModFix/>
+          </a:blip>
+          <a:srcRect b="16166" l="0" r="0" t="13266"/>
+          <a:stretch/>
+        </p:blipFill>
+        <p:spPr>
+          <a:xfrm>
+            <a:off x="1077688" y="2891525"/>
+            <a:ext cx="6988626" cy="2774049"/>
+          </a:xfrm>
+          <a:prstGeom prst="rect">
+            <a:avLst/>
+          </a:prstGeom>
+          <a:noFill/>
+          <a:ln>
+            <a:noFill/>
+          </a:ln>
+        </p:spPr>
+      </p:pic>
     </p:spTree>
   </p:cSld>
   <p:clrMapOvr>
@@ -9271,12 +10453,12 @@
 </p:sld>
 </file>
 
-<file path=ppt/slides/slide13.xml><?xml version="1.0" encoding="utf-8"?>
+<file path=ppt/slides/slide14.xml><?xml version="1.0" encoding="utf-8"?>
 <p:sld xmlns:a="http://schemas.openxmlformats.org/drawingml/2006/main" xmlns:r="http://schemas.openxmlformats.org/officeDocument/2006/relationships" xmlns:mc="http://schemas.openxmlformats.org/markup-compatibility/2006" xmlns:mv="urn:schemas-microsoft-com:mac:vml" xmlns:p="http://schemas.openxmlformats.org/presentationml/2006/main" xmlns:c="http://schemas.openxmlformats.org/drawingml/2006/chart" xmlns:dgm="http://schemas.openxmlformats.org/drawingml/2006/diagram" xmlns:o="urn:schemas-microsoft-com:office:office" xmlns:v="urn:schemas-microsoft-com:vml" xmlns:pvml="urn:schemas-microsoft-com:office:powerpoint" xmlns:com="http://schemas.openxmlformats.org/drawingml/2006/compatibility" xmlns:p14="http://schemas.microsoft.com/office/powerpoint/2010/main" xmlns:p15="http://schemas.microsoft.com/office/powerpoint/2012/main" xmlns:ahyp="http://schemas.microsoft.com/office/drawing/2018/hyperlinkcolor">
   <p:cSld>
     <p:spTree>
       <p:nvGrpSpPr>
-        <p:cNvPr id="120" name="Shape 120"/>
+        <p:cNvPr id="130" name="Shape 130"/>
         <p:cNvGrpSpPr/>
         <p:nvPr/>
       </p:nvGrpSpPr>
@@ -9290,7 +10472,7 @@
       </p:grpSpPr>
       <p:sp>
         <p:nvSpPr>
-          <p:cNvPr id="121" name="Google Shape;121;g3b8409de4d6_0_103"/>
+          <p:cNvPr id="131" name="Google Shape;131;g3baf4acbdf2_0_77"/>
           <p:cNvSpPr txBox="1"/>
           <p:nvPr>
             <p:ph type="title"/>
@@ -9342,7 +10524,7 @@
             </a:r>
             <a:r>
               <a:rPr lang="en"/>
-              <a:t>: Bytes</a:t>
+              <a:t>: ASCII Values</a:t>
             </a:r>
             <a:endParaRPr/>
           </a:p>
@@ -9350,71 +10532,7 @@
       </p:sp>
       <p:sp>
         <p:nvSpPr>
-          <p:cNvPr id="122" name="Google Shape;122;g3b8409de4d6_0_103"/>
-          <p:cNvSpPr txBox="1"/>
-          <p:nvPr>
-            <p:ph idx="1" type="body"/>
-          </p:nvPr>
-        </p:nvSpPr>
-        <p:spPr>
-          <a:xfrm>
-            <a:off x="457200" y="1600200"/>
-            <a:ext cx="8229600" cy="4967700"/>
-          </a:xfrm>
-          <a:prstGeom prst="rect">
-            <a:avLst/>
-          </a:prstGeom>
-          <a:noFill/>
-          <a:ln>
-            <a:noFill/>
-          </a:ln>
-        </p:spPr>
-        <p:txBody>
-          <a:bodyPr anchorCtr="0" anchor="t" bIns="91425" lIns="91425" spcFirstLastPara="1" rIns="91425" wrap="square" tIns="91425">
-            <a:noAutofit/>
-          </a:bodyPr>
-          <a:lstStyle/>
-          <a:p>
-            <a:pPr indent="0" lvl="0" marL="0" rtl="0" algn="l">
-              <a:lnSpc>
-                <a:spcPct val="100000"/>
-              </a:lnSpc>
-              <a:spcBef>
-                <a:spcPts val="600"/>
-              </a:spcBef>
-              <a:spcAft>
-                <a:spcPts val="0"/>
-              </a:spcAft>
-              <a:buSzPts val="3000"/>
-              <a:buNone/>
-            </a:pPr>
-            <a:r>
-              <a:rPr lang="en"/>
-              <a:t>A </a:t>
-            </a:r>
-            <a:r>
-              <a:rPr b="1" lang="en">
-                <a:solidFill>
-                  <a:srgbClr val="A31415"/>
-                </a:solidFill>
-                <a:latin typeface="Consolas"/>
-                <a:ea typeface="Consolas"/>
-                <a:cs typeface="Consolas"/>
-                <a:sym typeface="Consolas"/>
-              </a:rPr>
-              <a:t>byte</a:t>
-            </a:r>
-            <a:r>
-              <a:rPr lang="en"/>
-              <a:t> is a data type </a:t>
-            </a:r>
-            <a:endParaRPr/>
-          </a:p>
-        </p:txBody>
-      </p:sp>
-      <p:sp>
-        <p:nvSpPr>
-          <p:cNvPr id="123" name="Google Shape;123;g3b8409de4d6_0_103"/>
+          <p:cNvPr id="132" name="Google Shape;132;g3baf4acbdf2_0_77"/>
           <p:cNvSpPr txBox="1"/>
           <p:nvPr/>
         </p:nvSpPr>
@@ -9610,292 +10728,9 @@
           </a:p>
         </p:txBody>
       </p:sp>
-    </p:spTree>
-  </p:cSld>
-  <p:clrMapOvr>
-    <a:masterClrMapping/>
-  </p:clrMapOvr>
-</p:sld>
-</file>
-
-<file path=ppt/slides/slide14.xml><?xml version="1.0" encoding="utf-8"?>
-<p:sld xmlns:a="http://schemas.openxmlformats.org/drawingml/2006/main" xmlns:r="http://schemas.openxmlformats.org/officeDocument/2006/relationships" xmlns:mc="http://schemas.openxmlformats.org/markup-compatibility/2006" xmlns:mv="urn:schemas-microsoft-com:mac:vml" xmlns:p="http://schemas.openxmlformats.org/presentationml/2006/main" xmlns:c="http://schemas.openxmlformats.org/drawingml/2006/chart" xmlns:dgm="http://schemas.openxmlformats.org/drawingml/2006/diagram" xmlns:o="urn:schemas-microsoft-com:office:office" xmlns:v="urn:schemas-microsoft-com:vml" xmlns:pvml="urn:schemas-microsoft-com:office:powerpoint" xmlns:com="http://schemas.openxmlformats.org/drawingml/2006/compatibility" xmlns:p14="http://schemas.microsoft.com/office/powerpoint/2010/main" xmlns:p15="http://schemas.microsoft.com/office/powerpoint/2012/main" xmlns:ahyp="http://schemas.microsoft.com/office/drawing/2018/hyperlinkcolor">
-  <p:cSld>
-    <p:spTree>
-      <p:nvGrpSpPr>
-        <p:cNvPr id="127" name="Shape 127"/>
-        <p:cNvGrpSpPr/>
-        <p:nvPr/>
-      </p:nvGrpSpPr>
-      <p:grpSpPr>
-        <a:xfrm>
-          <a:off x="0" y="0"/>
-          <a:ext cx="0" cy="0"/>
-          <a:chOff x="0" y="0"/>
-          <a:chExt cx="0" cy="0"/>
-        </a:xfrm>
-      </p:grpSpPr>
-      <p:sp>
-        <p:nvSpPr>
-          <p:cNvPr id="128" name="Google Shape;128;g3baf4acbdf2_0_77"/>
-          <p:cNvSpPr txBox="1"/>
-          <p:nvPr>
-            <p:ph type="title"/>
-          </p:nvPr>
-        </p:nvSpPr>
-        <p:spPr>
-          <a:xfrm>
-            <a:off x="457200" y="274638"/>
-            <a:ext cx="8229600" cy="1143000"/>
-          </a:xfrm>
-          <a:prstGeom prst="rect">
-            <a:avLst/>
-          </a:prstGeom>
-          <a:noFill/>
-          <a:ln>
-            <a:noFill/>
-          </a:ln>
-        </p:spPr>
-        <p:txBody>
-          <a:bodyPr anchorCtr="0" anchor="b" bIns="91425" lIns="91425" spcFirstLastPara="1" rIns="91425" wrap="square" tIns="91425">
-            <a:noAutofit/>
-          </a:bodyPr>
-          <a:lstStyle/>
-          <a:p>
-            <a:pPr indent="0" lvl="0" marL="0" rtl="0" algn="l">
-              <a:lnSpc>
-                <a:spcPct val="100000"/>
-              </a:lnSpc>
-              <a:spcBef>
-                <a:spcPts val="0"/>
-              </a:spcBef>
-              <a:spcAft>
-                <a:spcPts val="0"/>
-              </a:spcAft>
-              <a:buSzPts val="3600"/>
-              <a:buNone/>
-            </a:pPr>
-            <a:r>
-              <a:rPr lang="en">
-                <a:solidFill>
-                  <a:srgbClr val="A31415"/>
-                </a:solidFill>
-                <a:latin typeface="Consolas"/>
-                <a:ea typeface="Consolas"/>
-                <a:cs typeface="Consolas"/>
-                <a:sym typeface="Consolas"/>
-              </a:rPr>
-              <a:t>programming</a:t>
-            </a:r>
-            <a:r>
-              <a:rPr lang="en"/>
-              <a:t>: ASCII Values</a:t>
-            </a:r>
-            <a:endParaRPr/>
-          </a:p>
-        </p:txBody>
-      </p:sp>
-      <p:sp>
-        <p:nvSpPr>
-          <p:cNvPr id="129" name="Google Shape;129;g3baf4acbdf2_0_77"/>
-          <p:cNvSpPr txBox="1"/>
-          <p:nvPr/>
-        </p:nvSpPr>
-        <p:spPr>
-          <a:xfrm>
-            <a:off x="457200" y="6002075"/>
-            <a:ext cx="8229600" cy="699000"/>
-          </a:xfrm>
-          <a:prstGeom prst="rect">
-            <a:avLst/>
-          </a:prstGeom>
-          <a:noFill/>
-          <a:ln>
-            <a:noFill/>
-          </a:ln>
-        </p:spPr>
-        <p:txBody>
-          <a:bodyPr anchorCtr="0" anchor="t" bIns="91425" lIns="91425" spcFirstLastPara="1" rIns="91425" wrap="square" tIns="91425">
-            <a:noAutofit/>
-          </a:bodyPr>
-          <a:lstStyle/>
-          <a:p>
-            <a:pPr indent="0" lvl="0" marL="0" marR="0" rtl="0" algn="l">
-              <a:lnSpc>
-                <a:spcPct val="100000"/>
-              </a:lnSpc>
-              <a:spcBef>
-                <a:spcPts val="0"/>
-              </a:spcBef>
-              <a:spcAft>
-                <a:spcPts val="0"/>
-              </a:spcAft>
-              <a:buClr>
-                <a:srgbClr val="000000"/>
-              </a:buClr>
-              <a:buSzPts val="1800"/>
-              <a:buFont typeface="Arial"/>
-              <a:buNone/>
-            </a:pPr>
-            <a:r>
-              <a:rPr b="1" i="0" lang="en" sz="1800" u="none" cap="none" strike="noStrike">
-                <a:solidFill>
-                  <a:srgbClr val="DCB439"/>
-                </a:solidFill>
-                <a:latin typeface="Arial"/>
-                <a:ea typeface="Arial"/>
-                <a:cs typeface="Arial"/>
-                <a:sym typeface="Arial"/>
-              </a:rPr>
-              <a:t>NOTE:</a:t>
-            </a:r>
-            <a:r>
-              <a:rPr b="0" i="0" lang="en" sz="1800" u="none" cap="none" strike="noStrike">
-                <a:solidFill>
-                  <a:schemeClr val="dk1"/>
-                </a:solidFill>
-                <a:latin typeface="Arial"/>
-                <a:ea typeface="Arial"/>
-                <a:cs typeface="Arial"/>
-                <a:sym typeface="Arial"/>
-              </a:rPr>
-              <a:t> We can use </a:t>
-            </a:r>
-            <a:r>
-              <a:rPr b="1" i="0" lang="en" sz="1800" u="none" cap="none" strike="noStrike">
-                <a:solidFill>
-                  <a:srgbClr val="A31415"/>
-                </a:solidFill>
-                <a:latin typeface="Consolas"/>
-                <a:ea typeface="Consolas"/>
-                <a:cs typeface="Consolas"/>
-                <a:sym typeface="Consolas"/>
-              </a:rPr>
-              <a:t>dir(class)</a:t>
-            </a:r>
-            <a:r>
-              <a:rPr b="0" i="0" lang="en" sz="1800" u="none" cap="none" strike="noStrike">
-                <a:solidFill>
-                  <a:schemeClr val="dk1"/>
-                </a:solidFill>
-                <a:latin typeface="Arial"/>
-                <a:ea typeface="Arial"/>
-                <a:cs typeface="Arial"/>
-                <a:sym typeface="Arial"/>
-              </a:rPr>
-              <a:t> to </a:t>
-            </a:r>
-            <a:r>
-              <a:rPr b="1" i="0" lang="en" sz="1800" u="none" cap="none" strike="noStrike">
-                <a:solidFill>
-                  <a:srgbClr val="A31415"/>
-                </a:solidFill>
-                <a:latin typeface="Consolas"/>
-                <a:ea typeface="Consolas"/>
-                <a:cs typeface="Consolas"/>
-                <a:sym typeface="Consolas"/>
-              </a:rPr>
-              <a:t>print</a:t>
-            </a:r>
-            <a:r>
-              <a:rPr b="0" i="0" lang="en" sz="1800" u="none" cap="none" strike="noStrike">
-                <a:solidFill>
-                  <a:schemeClr val="dk1"/>
-                </a:solidFill>
-                <a:latin typeface="Arial"/>
-                <a:ea typeface="Arial"/>
-                <a:cs typeface="Arial"/>
-                <a:sym typeface="Arial"/>
-              </a:rPr>
-              <a:t> out the </a:t>
-            </a:r>
-            <a:r>
-              <a:rPr b="1" i="0" lang="en" sz="1800" u="none" cap="none" strike="noStrike">
-                <a:solidFill>
-                  <a:srgbClr val="A31415"/>
-                </a:solidFill>
-                <a:latin typeface="Consolas"/>
-                <a:ea typeface="Consolas"/>
-                <a:cs typeface="Consolas"/>
-                <a:sym typeface="Consolas"/>
-              </a:rPr>
-              <a:t>attributes</a:t>
-            </a:r>
-            <a:r>
-              <a:rPr b="0" i="0" lang="en" sz="1800" u="none" cap="none" strike="noStrike">
-                <a:solidFill>
-                  <a:schemeClr val="dk1"/>
-                </a:solidFill>
-                <a:latin typeface="Arial"/>
-                <a:ea typeface="Arial"/>
-                <a:cs typeface="Arial"/>
-                <a:sym typeface="Arial"/>
-              </a:rPr>
-              <a:t> and </a:t>
-            </a:r>
-            <a:r>
-              <a:rPr b="1" i="0" lang="en" sz="1800" u="none" cap="none" strike="noStrike">
-                <a:solidFill>
-                  <a:srgbClr val="A31415"/>
-                </a:solidFill>
-                <a:latin typeface="Consolas"/>
-                <a:ea typeface="Consolas"/>
-                <a:cs typeface="Consolas"/>
-                <a:sym typeface="Consolas"/>
-              </a:rPr>
-              <a:t>functions</a:t>
-            </a:r>
-            <a:r>
-              <a:rPr b="0" i="0" lang="en" sz="1800" u="none" cap="none" strike="noStrike">
-                <a:solidFill>
-                  <a:schemeClr val="dk1"/>
-                </a:solidFill>
-                <a:latin typeface="Arial"/>
-                <a:ea typeface="Arial"/>
-                <a:cs typeface="Arial"/>
-                <a:sym typeface="Arial"/>
-              </a:rPr>
-              <a:t> a </a:t>
-            </a:r>
-            <a:r>
-              <a:rPr b="1" i="0" lang="en" sz="1800" u="none" cap="none" strike="noStrike">
-                <a:solidFill>
-                  <a:srgbClr val="A31415"/>
-                </a:solidFill>
-                <a:latin typeface="Consolas"/>
-                <a:ea typeface="Consolas"/>
-                <a:cs typeface="Consolas"/>
-                <a:sym typeface="Consolas"/>
-              </a:rPr>
-              <a:t>class</a:t>
-            </a:r>
-            <a:r>
-              <a:rPr b="0" i="0" lang="en" sz="1800" u="none" cap="none" strike="noStrike">
-                <a:solidFill>
-                  <a:schemeClr val="dk1"/>
-                </a:solidFill>
-                <a:latin typeface="Arial"/>
-                <a:ea typeface="Arial"/>
-                <a:cs typeface="Arial"/>
-                <a:sym typeface="Arial"/>
-              </a:rPr>
-              <a:t> has</a:t>
-            </a:r>
-            <a:endParaRPr b="0" i="0" sz="1800" u="none" cap="none" strike="noStrike">
-              <a:solidFill>
-                <a:schemeClr val="dk1"/>
-              </a:solidFill>
-              <a:latin typeface="Arial"/>
-              <a:ea typeface="Arial"/>
-              <a:cs typeface="Arial"/>
-              <a:sym typeface="Arial"/>
-            </a:endParaRPr>
-          </a:p>
-        </p:txBody>
-      </p:sp>
       <p:pic>
         <p:nvPicPr>
-          <p:cNvPr id="130" name="Google Shape;130;g3baf4acbdf2_0_77"/>
+          <p:cNvPr id="133" name="Google Shape;133;g3baf4acbdf2_0_77"/>
           <p:cNvPicPr preferRelativeResize="0"/>
           <p:nvPr/>
         </p:nvPicPr>
@@ -9933,7 +10768,7 @@
   <p:cSld>
     <p:spTree>
       <p:nvGrpSpPr>
-        <p:cNvPr id="134" name="Shape 134"/>
+        <p:cNvPr id="137" name="Shape 137"/>
         <p:cNvGrpSpPr/>
         <p:nvPr/>
       </p:nvGrpSpPr>
@@ -9947,7 +10782,7 @@
       </p:grpSpPr>
       <p:sp>
         <p:nvSpPr>
-          <p:cNvPr id="135" name="Google Shape;135;g3baf4acbdf2_0_22"/>
+          <p:cNvPr id="138" name="Google Shape;138;g3baf4acbdf2_0_22"/>
           <p:cNvSpPr txBox="1"/>
           <p:nvPr>
             <p:ph type="title"/>
@@ -9999,7 +10834,7 @@
       </p:sp>
       <p:pic>
         <p:nvPicPr>
-          <p:cNvPr id="136" name="Google Shape;136;g3baf4acbdf2_0_22"/>
+          <p:cNvPr id="139" name="Google Shape;139;g3baf4acbdf2_0_22"/>
           <p:cNvPicPr preferRelativeResize="0"/>
           <p:nvPr/>
         </p:nvPicPr>
@@ -10037,7 +10872,7 @@
   <p:cSld>
     <p:spTree>
       <p:nvGrpSpPr>
-        <p:cNvPr id="140" name="Shape 140"/>
+        <p:cNvPr id="143" name="Shape 143"/>
         <p:cNvGrpSpPr/>
         <p:nvPr/>
       </p:nvGrpSpPr>
@@ -10051,7 +10886,7 @@
       </p:grpSpPr>
       <p:sp>
         <p:nvSpPr>
-          <p:cNvPr id="141" name="Google Shape;141;g3baf4acbdf2_0_84"/>
+          <p:cNvPr id="144" name="Google Shape;144;g3baf4acbdf2_0_84"/>
           <p:cNvSpPr txBox="1"/>
           <p:nvPr>
             <p:ph type="title"/>
@@ -10131,7 +10966,7 @@
       </p:sp>
       <p:sp>
         <p:nvSpPr>
-          <p:cNvPr id="142" name="Google Shape;142;g3baf4acbdf2_0_84"/>
+          <p:cNvPr id="145" name="Google Shape;145;g3baf4acbdf2_0_84"/>
           <p:cNvSpPr txBox="1"/>
           <p:nvPr>
             <p:ph idx="1" type="body"/>
@@ -10223,7 +11058,7 @@
       </p:sp>
       <p:pic>
         <p:nvPicPr>
-          <p:cNvPr id="143" name="Google Shape;143;g3baf4acbdf2_0_84" title="Screenshot 2026-01-20 at 10.46.28 AM.png"/>
+          <p:cNvPr id="146" name="Google Shape;146;g3baf4acbdf2_0_84" title="Screenshot 2026-01-20 at 10.46.28 AM.png"/>
           <p:cNvPicPr preferRelativeResize="0"/>
           <p:nvPr/>
         </p:nvPicPr>
@@ -10267,7 +11102,7 @@
   <p:cSld>
     <p:spTree>
       <p:nvGrpSpPr>
-        <p:cNvPr id="147" name="Shape 147"/>
+        <p:cNvPr id="150" name="Shape 150"/>
         <p:cNvGrpSpPr/>
         <p:nvPr/>
       </p:nvGrpSpPr>
@@ -10281,7 +11116,7 @@
       </p:grpSpPr>
       <p:sp>
         <p:nvSpPr>
-          <p:cNvPr id="148" name="Google Shape;148;g3baf4acbdf2_0_90"/>
+          <p:cNvPr id="151" name="Google Shape;151;g3baf4acbdf2_0_90"/>
           <p:cNvSpPr txBox="1"/>
           <p:nvPr>
             <p:ph type="title"/>
@@ -10361,7 +11196,7 @@
       </p:sp>
       <p:sp>
         <p:nvSpPr>
-          <p:cNvPr id="149" name="Google Shape;149;g3baf4acbdf2_0_90"/>
+          <p:cNvPr id="152" name="Google Shape;152;g3baf4acbdf2_0_90"/>
           <p:cNvSpPr txBox="1"/>
           <p:nvPr>
             <p:ph idx="1" type="body"/>
@@ -10451,6 +11286,40 @@
           </a:p>
         </p:txBody>
       </p:sp>
+      <p:pic>
+        <p:nvPicPr>
+          <p:cNvPr id="153" name="Google Shape;153;g3baf4acbdf2_0_90" title="Screenshot 2026-01-21 at 9.48.06 AM.png"/>
+          <p:cNvPicPr preferRelativeResize="0"/>
+          <p:nvPr/>
+        </p:nvPicPr>
+        <p:blipFill>
+          <a:blip r:embed="rId3">
+            <a:alphaModFix/>
+          </a:blip>
+          <a:stretch>
+            <a:fillRect/>
+          </a:stretch>
+        </p:blipFill>
+        <p:spPr>
+          <a:xfrm>
+            <a:off x="1712938" y="3211350"/>
+            <a:ext cx="5718126" cy="3356550"/>
+          </a:xfrm>
+          <a:prstGeom prst="rect">
+            <a:avLst/>
+          </a:prstGeom>
+          <a:noFill/>
+          <a:ln cap="flat" cmpd="sng" w="38100">
+            <a:solidFill>
+              <a:srgbClr val="002B5B"/>
+            </a:solidFill>
+            <a:prstDash val="solid"/>
+            <a:round/>
+            <a:headEnd len="sm" w="sm" type="none"/>
+            <a:tailEnd len="sm" w="sm" type="none"/>
+          </a:ln>
+        </p:spPr>
+      </p:pic>
     </p:spTree>
   </p:cSld>
   <p:clrMapOvr>
@@ -10464,7 +11333,7 @@
   <p:cSld>
     <p:spTree>
       <p:nvGrpSpPr>
-        <p:cNvPr id="153" name="Shape 153"/>
+        <p:cNvPr id="157" name="Shape 157"/>
         <p:cNvGrpSpPr/>
         <p:nvPr/>
       </p:nvGrpSpPr>
@@ -10478,7 +11347,7 @@
       </p:grpSpPr>
       <p:sp>
         <p:nvSpPr>
-          <p:cNvPr id="154" name="Google Shape;154;g3baf4acbdf2_0_12"/>
+          <p:cNvPr id="158" name="Google Shape;158;g3baf4acbdf2_0_107"/>
           <p:cNvSpPr txBox="1"/>
           <p:nvPr>
             <p:ph type="title"/>
@@ -10517,37 +11386,23 @@
               <a:buNone/>
             </a:pPr>
             <a:r>
-              <a:rPr lang="en">
-                <a:solidFill>
-                  <a:srgbClr val="A31415"/>
-                </a:solidFill>
-                <a:latin typeface="Consolas"/>
-                <a:ea typeface="Consolas"/>
-                <a:cs typeface="Consolas"/>
-                <a:sym typeface="Consolas"/>
-              </a:rPr>
-              <a:t>programming</a:t>
-            </a:r>
-            <a:r>
               <a:rPr lang="en"/>
-              <a:t>: Classes</a:t>
-            </a:r>
-            <a:endParaRPr/>
+              <a:t>Byte-Pair Encoding Tokenization</a:t>
+            </a:r>
+            <a:endParaRPr sz="1800"/>
           </a:p>
         </p:txBody>
       </p:sp>
       <p:sp>
         <p:nvSpPr>
-          <p:cNvPr id="155" name="Google Shape;155;g3baf4acbdf2_0_12"/>
+          <p:cNvPr id="159" name="Google Shape;159;g3baf4acbdf2_0_107"/>
           <p:cNvSpPr txBox="1"/>
-          <p:nvPr>
-            <p:ph idx="1" type="body"/>
-          </p:nvPr>
+          <p:nvPr/>
         </p:nvSpPr>
         <p:spPr>
           <a:xfrm>
-            <a:off x="457200" y="1600200"/>
-            <a:ext cx="8229600" cy="4967700"/>
+            <a:off x="457200" y="1417650"/>
+            <a:ext cx="8229600" cy="4973700"/>
           </a:xfrm>
           <a:prstGeom prst="rect">
             <a:avLst/>
@@ -10565,349 +11420,1033 @@
           <a:p>
             <a:pPr indent="0" lvl="0" marL="0" rtl="0" algn="l">
               <a:lnSpc>
-                <a:spcPct val="100000"/>
-              </a:lnSpc>
-              <a:spcBef>
-                <a:spcPts val="600"/>
-              </a:spcBef>
-              <a:spcAft>
-                <a:spcPts val="0"/>
-              </a:spcAft>
-              <a:buSzPts val="3000"/>
+                <a:spcPct val="131250"/>
+              </a:lnSpc>
+              <a:spcBef>
+                <a:spcPts val="0"/>
+              </a:spcBef>
+              <a:spcAft>
+                <a:spcPts val="0"/>
+              </a:spcAft>
               <a:buNone/>
             </a:pPr>
             <a:r>
-              <a:rPr lang="en"/>
-              <a:t>A </a:t>
-            </a:r>
-            <a:r>
-              <a:rPr b="1" lang="en">
-                <a:solidFill>
-                  <a:srgbClr val="A31415"/>
-                </a:solidFill>
-                <a:latin typeface="Consolas"/>
-                <a:ea typeface="Consolas"/>
-                <a:cs typeface="Consolas"/>
-                <a:sym typeface="Consolas"/>
-              </a:rPr>
-              <a:t>class</a:t>
-            </a:r>
-            <a:r>
-              <a:rPr lang="en"/>
-              <a:t> is a data type that defines both data, and </a:t>
-            </a:r>
-            <a:r>
-              <a:rPr b="1" lang="en">
-                <a:solidFill>
-                  <a:srgbClr val="A31415"/>
-                </a:solidFill>
-                <a:latin typeface="Consolas"/>
-                <a:ea typeface="Consolas"/>
-                <a:cs typeface="Consolas"/>
-                <a:sym typeface="Consolas"/>
-              </a:rPr>
-              <a:t>functions</a:t>
-            </a:r>
-            <a:r>
-              <a:rPr lang="en"/>
-              <a:t> used to manipulate the data. A Specific instances of a </a:t>
-            </a:r>
-            <a:r>
-              <a:rPr b="1" lang="en">
-                <a:solidFill>
-                  <a:srgbClr val="A31415"/>
-                </a:solidFill>
-                <a:latin typeface="Consolas"/>
-                <a:ea typeface="Consolas"/>
-                <a:cs typeface="Consolas"/>
-                <a:sym typeface="Consolas"/>
-              </a:rPr>
-              <a:t>class</a:t>
-            </a:r>
-            <a:r>
-              <a:rPr lang="en"/>
-              <a:t> are called </a:t>
-            </a:r>
-            <a:r>
-              <a:rPr b="1" lang="en">
-                <a:solidFill>
-                  <a:srgbClr val="A31415"/>
-                </a:solidFill>
-                <a:latin typeface="Consolas"/>
-                <a:ea typeface="Consolas"/>
-                <a:cs typeface="Consolas"/>
-                <a:sym typeface="Consolas"/>
-              </a:rPr>
-              <a:t>objects</a:t>
-            </a:r>
-            <a:r>
-              <a:rPr lang="en"/>
-              <a:t>.</a:t>
-            </a:r>
-            <a:endParaRPr/>
-          </a:p>
-        </p:txBody>
-      </p:sp>
-      <p:pic>
-        <p:nvPicPr>
-          <p:cNvPr id="156" name="Google Shape;156;g3baf4acbdf2_0_12" title="Screenshot 2026-01-20 at 11.40.30 AM.png"/>
-          <p:cNvPicPr preferRelativeResize="0"/>
-          <p:nvPr/>
-        </p:nvPicPr>
-        <p:blipFill rotWithShape="1">
-          <a:blip r:embed="rId3">
-            <a:alphaModFix/>
-          </a:blip>
-          <a:srcRect b="0" l="0" r="0" t="0"/>
-          <a:stretch/>
-        </p:blipFill>
-        <p:spPr>
-          <a:xfrm>
-            <a:off x="1908643" y="3590925"/>
-            <a:ext cx="5326725" cy="1259600"/>
-          </a:xfrm>
-          <a:prstGeom prst="rect">
-            <a:avLst/>
-          </a:prstGeom>
-          <a:noFill/>
-          <a:ln cap="flat" cmpd="sng" w="38100">
-            <a:solidFill>
-              <a:srgbClr val="002B5B"/>
-            </a:solidFill>
-            <a:prstDash val="solid"/>
-            <a:round/>
-            <a:headEnd len="sm" w="sm" type="none"/>
-            <a:tailEnd len="sm" w="sm" type="none"/>
-          </a:ln>
-        </p:spPr>
-      </p:pic>
-      <p:pic>
-        <p:nvPicPr>
-          <p:cNvPr id="157" name="Google Shape;157;g3baf4acbdf2_0_12" title="Screenshot 2026-01-20 at 11.41.41 AM.png"/>
-          <p:cNvPicPr preferRelativeResize="0"/>
-          <p:nvPr/>
-        </p:nvPicPr>
-        <p:blipFill rotWithShape="1">
-          <a:blip r:embed="rId4">
-            <a:alphaModFix/>
-          </a:blip>
-          <a:srcRect b="0" l="0" r="0" t="0"/>
-          <a:stretch/>
-        </p:blipFill>
-        <p:spPr>
-          <a:xfrm>
-            <a:off x="907675" y="5098875"/>
-            <a:ext cx="7328650" cy="654850"/>
-          </a:xfrm>
-          <a:prstGeom prst="rect">
-            <a:avLst/>
-          </a:prstGeom>
-          <a:noFill/>
-          <a:ln cap="flat" cmpd="sng" w="38100">
-            <a:solidFill>
-              <a:srgbClr val="002B5B"/>
-            </a:solidFill>
-            <a:prstDash val="solid"/>
-            <a:round/>
-            <a:headEnd len="sm" w="sm" type="none"/>
-            <a:tailEnd len="sm" w="sm" type="none"/>
-          </a:ln>
-        </p:spPr>
-      </p:pic>
-      <p:sp>
-        <p:nvSpPr>
-          <p:cNvPr id="158" name="Google Shape;158;g3baf4acbdf2_0_12"/>
-          <p:cNvSpPr txBox="1"/>
-          <p:nvPr/>
-        </p:nvSpPr>
-        <p:spPr>
-          <a:xfrm>
-            <a:off x="457200" y="6002075"/>
-            <a:ext cx="8229600" cy="699000"/>
-          </a:xfrm>
-          <a:prstGeom prst="rect">
-            <a:avLst/>
-          </a:prstGeom>
-          <a:noFill/>
-          <a:ln>
-            <a:noFill/>
-          </a:ln>
-        </p:spPr>
-        <p:txBody>
-          <a:bodyPr anchorCtr="0" anchor="t" bIns="91425" lIns="91425" spcFirstLastPara="1" rIns="91425" wrap="square" tIns="91425">
-            <a:noAutofit/>
-          </a:bodyPr>
-          <a:lstStyle/>
-          <a:p>
-            <a:pPr indent="0" lvl="0" marL="0" marR="0" rtl="0" algn="l">
-              <a:lnSpc>
-                <a:spcPct val="100000"/>
-              </a:lnSpc>
-              <a:spcBef>
-                <a:spcPts val="0"/>
-              </a:spcBef>
-              <a:spcAft>
-                <a:spcPts val="0"/>
-              </a:spcAft>
-              <a:buClr>
-                <a:srgbClr val="000000"/>
-              </a:buClr>
-              <a:buSzPts val="1800"/>
-              <a:buFont typeface="Arial"/>
-              <a:buNone/>
-            </a:pPr>
-            <a:r>
-              <a:rPr b="1" i="0" lang="en" sz="1800" u="none" cap="none" strike="noStrike">
-                <a:solidFill>
-                  <a:srgbClr val="DCB439"/>
-                </a:solidFill>
-                <a:latin typeface="Arial"/>
-                <a:ea typeface="Arial"/>
-                <a:cs typeface="Arial"/>
-                <a:sym typeface="Arial"/>
-              </a:rPr>
-              <a:t>NOTE:</a:t>
-            </a:r>
-            <a:r>
-              <a:rPr b="0" i="0" lang="en" sz="1800" u="none" cap="none" strike="noStrike">
+              <a:rPr b="1" lang="en" sz="2400">
                 <a:solidFill>
                   <a:schemeClr val="dk1"/>
                 </a:solidFill>
-                <a:latin typeface="Arial"/>
-                <a:ea typeface="Arial"/>
-                <a:cs typeface="Arial"/>
-                <a:sym typeface="Arial"/>
-              </a:rPr>
-              <a:t> We can use </a:t>
-            </a:r>
-            <a:r>
-              <a:rPr b="1" i="0" lang="en" sz="1800" u="none" cap="none" strike="noStrike">
-                <a:solidFill>
-                  <a:srgbClr val="A31415"/>
-                </a:solidFill>
-                <a:latin typeface="Consolas"/>
-                <a:ea typeface="Consolas"/>
-                <a:cs typeface="Consolas"/>
-                <a:sym typeface="Consolas"/>
-              </a:rPr>
-              <a:t>dir(class)</a:t>
-            </a:r>
-            <a:r>
-              <a:rPr b="0" i="0" lang="en" sz="1800" u="none" cap="none" strike="noStrike">
-                <a:solidFill>
-                  <a:schemeClr val="dk1"/>
-                </a:solidFill>
-                <a:latin typeface="Arial"/>
-                <a:ea typeface="Arial"/>
-                <a:cs typeface="Arial"/>
-                <a:sym typeface="Arial"/>
-              </a:rPr>
-              <a:t> to </a:t>
-            </a:r>
-            <a:r>
-              <a:rPr b="1" i="0" lang="en" sz="1800" u="none" cap="none" strike="noStrike">
-                <a:solidFill>
-                  <a:srgbClr val="A31415"/>
-                </a:solidFill>
-                <a:latin typeface="Consolas"/>
-                <a:ea typeface="Consolas"/>
-                <a:cs typeface="Consolas"/>
-                <a:sym typeface="Consolas"/>
-              </a:rPr>
-              <a:t>print</a:t>
-            </a:r>
-            <a:r>
-              <a:rPr b="0" i="0" lang="en" sz="1800" u="none" cap="none" strike="noStrike">
-                <a:solidFill>
-                  <a:schemeClr val="dk1"/>
-                </a:solidFill>
-                <a:latin typeface="Arial"/>
-                <a:ea typeface="Arial"/>
-                <a:cs typeface="Arial"/>
-                <a:sym typeface="Arial"/>
-              </a:rPr>
-              <a:t> out the </a:t>
-            </a:r>
-            <a:r>
-              <a:rPr b="1" i="0" lang="en" sz="1800" u="none" cap="none" strike="noStrike">
-                <a:solidFill>
-                  <a:srgbClr val="A31415"/>
-                </a:solidFill>
-                <a:latin typeface="Consolas"/>
-                <a:ea typeface="Consolas"/>
-                <a:cs typeface="Consolas"/>
-                <a:sym typeface="Consolas"/>
-              </a:rPr>
-              <a:t>attributes</a:t>
-            </a:r>
-            <a:r>
-              <a:rPr b="0" i="0" lang="en" sz="1800" u="none" cap="none" strike="noStrike">
-                <a:solidFill>
-                  <a:schemeClr val="dk1"/>
-                </a:solidFill>
-                <a:latin typeface="Arial"/>
-                <a:ea typeface="Arial"/>
-                <a:cs typeface="Arial"/>
-                <a:sym typeface="Arial"/>
-              </a:rPr>
-              <a:t> and </a:t>
-            </a:r>
-            <a:r>
-              <a:rPr b="1" i="0" lang="en" sz="1800" u="none" cap="none" strike="noStrike">
-                <a:solidFill>
-                  <a:srgbClr val="A31415"/>
-                </a:solidFill>
-                <a:latin typeface="Consolas"/>
-                <a:ea typeface="Consolas"/>
-                <a:cs typeface="Consolas"/>
-                <a:sym typeface="Consolas"/>
-              </a:rPr>
-              <a:t>functions</a:t>
-            </a:r>
-            <a:r>
-              <a:rPr b="0" i="0" lang="en" sz="1800" u="none" cap="none" strike="noStrike">
-                <a:solidFill>
-                  <a:schemeClr val="dk1"/>
-                </a:solidFill>
-                <a:latin typeface="Arial"/>
-                <a:ea typeface="Arial"/>
-                <a:cs typeface="Arial"/>
-                <a:sym typeface="Arial"/>
-              </a:rPr>
-              <a:t> a </a:t>
-            </a:r>
-            <a:r>
-              <a:rPr b="1" i="0" lang="en" sz="1800" u="none" cap="none" strike="noStrike">
-                <a:solidFill>
-                  <a:srgbClr val="A31415"/>
-                </a:solidFill>
-                <a:latin typeface="Consolas"/>
-                <a:ea typeface="Consolas"/>
-                <a:cs typeface="Consolas"/>
-                <a:sym typeface="Consolas"/>
-              </a:rPr>
-              <a:t>class</a:t>
-            </a:r>
-            <a:r>
-              <a:rPr b="0" i="0" lang="en" sz="1800" u="none" cap="none" strike="noStrike">
-                <a:solidFill>
-                  <a:schemeClr val="dk1"/>
-                </a:solidFill>
-                <a:latin typeface="Arial"/>
-                <a:ea typeface="Arial"/>
-                <a:cs typeface="Arial"/>
-                <a:sym typeface="Arial"/>
-              </a:rPr>
-              <a:t> has</a:t>
-            </a:r>
-            <a:endParaRPr b="0" i="0" sz="1800" u="none" cap="none" strike="noStrike">
+                <a:highlight>
+                  <a:srgbClr val="FFFFFF"/>
+                </a:highlight>
+              </a:rPr>
+              <a:t>1.) Convert input to bytes</a:t>
+            </a:r>
+            <a:endParaRPr b="1" sz="2400">
               <a:solidFill>
                 <a:schemeClr val="dk1"/>
               </a:solidFill>
-              <a:latin typeface="Arial"/>
-              <a:ea typeface="Arial"/>
-              <a:cs typeface="Arial"/>
-              <a:sym typeface="Arial"/>
+              <a:highlight>
+                <a:srgbClr val="FFFFFF"/>
+              </a:highlight>
+            </a:endParaRPr>
+          </a:p>
+          <a:p>
+            <a:pPr indent="0" lvl="0" marL="0" rtl="0" algn="l">
+              <a:lnSpc>
+                <a:spcPct val="131250"/>
+              </a:lnSpc>
+              <a:spcBef>
+                <a:spcPts val="0"/>
+              </a:spcBef>
+              <a:spcAft>
+                <a:spcPts val="0"/>
+              </a:spcAft>
+              <a:buNone/>
+            </a:pPr>
+            <a:r>
+              <a:rPr b="1" lang="en">
+                <a:solidFill>
+                  <a:srgbClr val="DCB439"/>
+                </a:solidFill>
+                <a:highlight>
+                  <a:srgbClr val="FFFFFF"/>
+                </a:highlight>
+                <a:latin typeface="Consolas"/>
+                <a:ea typeface="Consolas"/>
+                <a:cs typeface="Consolas"/>
+                <a:sym typeface="Consolas"/>
+              </a:rPr>
+              <a:t>string_bytes</a:t>
+            </a:r>
+            <a:r>
+              <a:rPr lang="en">
+                <a:solidFill>
+                  <a:srgbClr val="6A5221"/>
+                </a:solidFill>
+                <a:highlight>
+                  <a:srgbClr val="FFFFFF"/>
+                </a:highlight>
+                <a:latin typeface="Consolas"/>
+                <a:ea typeface="Consolas"/>
+                <a:cs typeface="Consolas"/>
+                <a:sym typeface="Consolas"/>
+              </a:rPr>
+              <a:t> = </a:t>
+            </a:r>
+            <a:r>
+              <a:rPr b="1" lang="en">
+                <a:solidFill>
+                  <a:srgbClr val="5AABBC"/>
+                </a:solidFill>
+                <a:highlight>
+                  <a:srgbClr val="FFFFFF"/>
+                </a:highlight>
+                <a:latin typeface="Consolas"/>
+                <a:ea typeface="Consolas"/>
+                <a:cs typeface="Consolas"/>
+                <a:sym typeface="Consolas"/>
+              </a:rPr>
+              <a:t>list</a:t>
+            </a:r>
+            <a:r>
+              <a:rPr lang="en">
+                <a:solidFill>
+                  <a:schemeClr val="dk1"/>
+                </a:solidFill>
+                <a:highlight>
+                  <a:srgbClr val="FFFFFF"/>
+                </a:highlight>
+                <a:latin typeface="Consolas"/>
+                <a:ea typeface="Consolas"/>
+                <a:cs typeface="Consolas"/>
+                <a:sym typeface="Consolas"/>
+              </a:rPr>
+              <a:t>(</a:t>
+            </a:r>
+            <a:r>
+              <a:rPr b="1" lang="en">
+                <a:solidFill>
+                  <a:srgbClr val="A31515"/>
+                </a:solidFill>
+                <a:highlight>
+                  <a:srgbClr val="FFFFFF"/>
+                </a:highlight>
+                <a:latin typeface="Consolas"/>
+                <a:ea typeface="Consolas"/>
+                <a:cs typeface="Consolas"/>
+                <a:sym typeface="Consolas"/>
+              </a:rPr>
+              <a:t>'</a:t>
+            </a:r>
+            <a:r>
+              <a:rPr b="1" lang="en">
+                <a:solidFill>
+                  <a:srgbClr val="A31515"/>
+                </a:solidFill>
+                <a:highlight>
+                  <a:srgbClr val="FFFFFF"/>
+                </a:highlight>
+                <a:latin typeface="Consolas"/>
+                <a:ea typeface="Consolas"/>
+                <a:cs typeface="Consolas"/>
+                <a:sym typeface="Consolas"/>
+              </a:rPr>
+              <a:t>rug pug hug pun bun hugs run gun</a:t>
+            </a:r>
+            <a:r>
+              <a:rPr b="1" lang="en">
+                <a:solidFill>
+                  <a:srgbClr val="A31515"/>
+                </a:solidFill>
+                <a:highlight>
+                  <a:srgbClr val="FFFFFF"/>
+                </a:highlight>
+                <a:latin typeface="Consolas"/>
+                <a:ea typeface="Consolas"/>
+                <a:cs typeface="Consolas"/>
+                <a:sym typeface="Consolas"/>
+              </a:rPr>
+              <a:t>'</a:t>
+            </a:r>
+            <a:r>
+              <a:rPr lang="en">
+                <a:solidFill>
+                  <a:schemeClr val="dk1"/>
+                </a:solidFill>
+                <a:highlight>
+                  <a:srgbClr val="FFFFFF"/>
+                </a:highlight>
+                <a:latin typeface="Consolas"/>
+                <a:ea typeface="Consolas"/>
+                <a:cs typeface="Consolas"/>
+                <a:sym typeface="Consolas"/>
+              </a:rPr>
+              <a:t>.encode(</a:t>
+            </a:r>
+            <a:r>
+              <a:rPr b="1" lang="en">
+                <a:solidFill>
+                  <a:srgbClr val="A31515"/>
+                </a:solidFill>
+                <a:highlight>
+                  <a:srgbClr val="FFFFFF"/>
+                </a:highlight>
+                <a:latin typeface="Consolas"/>
+                <a:ea typeface="Consolas"/>
+                <a:cs typeface="Consolas"/>
+                <a:sym typeface="Consolas"/>
+              </a:rPr>
+              <a:t>'utf-8'</a:t>
+            </a:r>
+            <a:r>
+              <a:rPr lang="en">
+                <a:solidFill>
+                  <a:schemeClr val="dk1"/>
+                </a:solidFill>
+                <a:highlight>
+                  <a:srgbClr val="FFFFFF"/>
+                </a:highlight>
+                <a:latin typeface="Consolas"/>
+                <a:ea typeface="Consolas"/>
+                <a:cs typeface="Consolas"/>
+                <a:sym typeface="Consolas"/>
+              </a:rPr>
+              <a:t>)))</a:t>
+            </a:r>
+            <a:endParaRPr>
+              <a:solidFill>
+                <a:schemeClr val="dk1"/>
+              </a:solidFill>
+              <a:highlight>
+                <a:srgbClr val="FFFFFF"/>
+              </a:highlight>
+              <a:latin typeface="Consolas"/>
+              <a:ea typeface="Consolas"/>
+              <a:cs typeface="Consolas"/>
+              <a:sym typeface="Consolas"/>
+            </a:endParaRPr>
+          </a:p>
+          <a:p>
+            <a:pPr indent="0" lvl="0" marL="0" rtl="0" algn="l">
+              <a:spcBef>
+                <a:spcPts val="0"/>
+              </a:spcBef>
+              <a:spcAft>
+                <a:spcPts val="0"/>
+              </a:spcAft>
+              <a:buNone/>
+            </a:pPr>
+            <a:r>
+              <a:rPr lang="en">
+                <a:solidFill>
+                  <a:schemeClr val="lt2"/>
+                </a:solidFill>
+                <a:highlight>
+                  <a:srgbClr val="FFFFFF"/>
+                </a:highlight>
+                <a:latin typeface="Consolas"/>
+                <a:ea typeface="Consolas"/>
+                <a:cs typeface="Consolas"/>
+                <a:sym typeface="Consolas"/>
+              </a:rPr>
+              <a:t>&gt; </a:t>
+            </a:r>
+            <a:r>
+              <a:rPr lang="en">
+                <a:solidFill>
+                  <a:schemeClr val="lt2"/>
+                </a:solidFill>
+                <a:highlight>
+                  <a:srgbClr val="FFFFFF"/>
+                </a:highlight>
+                <a:latin typeface="Consolas"/>
+                <a:ea typeface="Consolas"/>
+                <a:cs typeface="Consolas"/>
+                <a:sym typeface="Consolas"/>
+              </a:rPr>
+              <a:t>[114, 117, 103, 32, 112, 117, 103, 32, 104, 117, 103, 32, 112, 117, 110, 32, 98, 117, 110, 32, 104, 117, 103, 115, 32, 114, 117, 110, 32, 103, 117, 110]</a:t>
+            </a:r>
+            <a:endParaRPr>
+              <a:solidFill>
+                <a:schemeClr val="lt2"/>
+              </a:solidFill>
+              <a:highlight>
+                <a:srgbClr val="FFFFFF"/>
+              </a:highlight>
+              <a:latin typeface="Consolas"/>
+              <a:ea typeface="Consolas"/>
+              <a:cs typeface="Consolas"/>
+              <a:sym typeface="Consolas"/>
+            </a:endParaRPr>
+          </a:p>
+          <a:p>
+            <a:pPr indent="0" lvl="0" marL="0" rtl="0" algn="l">
+              <a:spcBef>
+                <a:spcPts val="0"/>
+              </a:spcBef>
+              <a:spcAft>
+                <a:spcPts val="0"/>
+              </a:spcAft>
+              <a:buNone/>
+            </a:pPr>
+            <a:r>
+              <a:t/>
+            </a:r>
+            <a:endParaRPr sz="1450">
+              <a:solidFill>
+                <a:srgbClr val="1F1F1F"/>
+              </a:solidFill>
+              <a:highlight>
+                <a:srgbClr val="FFFFFF"/>
+              </a:highlight>
+              <a:latin typeface="Consolas"/>
+              <a:ea typeface="Consolas"/>
+              <a:cs typeface="Consolas"/>
+              <a:sym typeface="Consolas"/>
+            </a:endParaRPr>
+          </a:p>
+          <a:p>
+            <a:pPr indent="0" lvl="0" marL="0" rtl="0" algn="l">
+              <a:spcBef>
+                <a:spcPts val="0"/>
+              </a:spcBef>
+              <a:spcAft>
+                <a:spcPts val="0"/>
+              </a:spcAft>
+              <a:buNone/>
+            </a:pPr>
+            <a:r>
+              <a:t/>
+            </a:r>
+            <a:endParaRPr sz="1450">
+              <a:solidFill>
+                <a:srgbClr val="1F1F1F"/>
+              </a:solidFill>
+              <a:highlight>
+                <a:srgbClr val="FFFFFF"/>
+              </a:highlight>
+              <a:latin typeface="Consolas"/>
+              <a:ea typeface="Consolas"/>
+              <a:cs typeface="Consolas"/>
+              <a:sym typeface="Consolas"/>
+            </a:endParaRPr>
+          </a:p>
+          <a:p>
+            <a:pPr indent="0" lvl="0" marL="0" rtl="0" algn="l">
+              <a:lnSpc>
+                <a:spcPct val="131250"/>
+              </a:lnSpc>
+              <a:spcBef>
+                <a:spcPts val="0"/>
+              </a:spcBef>
+              <a:spcAft>
+                <a:spcPts val="0"/>
+              </a:spcAft>
+              <a:buClr>
+                <a:schemeClr val="dk1"/>
+              </a:buClr>
+              <a:buSzPts val="1100"/>
+              <a:buFont typeface="Arial"/>
+              <a:buNone/>
+            </a:pPr>
+            <a:r>
+              <a:rPr b="1" lang="en" sz="2400">
+                <a:solidFill>
+                  <a:schemeClr val="dk1"/>
+                </a:solidFill>
+                <a:highlight>
+                  <a:schemeClr val="lt1"/>
+                </a:highlight>
+              </a:rPr>
+              <a:t>2</a:t>
+            </a:r>
+            <a:r>
+              <a:rPr b="1" lang="en" sz="2400">
+                <a:solidFill>
+                  <a:schemeClr val="dk1"/>
+                </a:solidFill>
+                <a:highlight>
+                  <a:schemeClr val="lt1"/>
+                </a:highlight>
+              </a:rPr>
+              <a:t>.) Find and count pairs</a:t>
+            </a:r>
+            <a:endParaRPr b="1" sz="2400">
+              <a:solidFill>
+                <a:srgbClr val="1F1F1F"/>
+              </a:solidFill>
+              <a:highlight>
+                <a:srgbClr val="FFFFFF"/>
+              </a:highlight>
+            </a:endParaRPr>
+          </a:p>
+          <a:p>
+            <a:pPr indent="0" lvl="0" marL="0" rtl="0" algn="l">
+              <a:spcBef>
+                <a:spcPts val="0"/>
+              </a:spcBef>
+              <a:spcAft>
+                <a:spcPts val="0"/>
+              </a:spcAft>
+              <a:buNone/>
+            </a:pPr>
+            <a:r>
+              <a:rPr b="1" lang="en">
+                <a:solidFill>
+                  <a:srgbClr val="DCB439"/>
+                </a:solidFill>
+                <a:highlight>
+                  <a:srgbClr val="FFFFFF"/>
+                </a:highlight>
+                <a:latin typeface="Consolas"/>
+                <a:ea typeface="Consolas"/>
+                <a:cs typeface="Consolas"/>
+                <a:sym typeface="Consolas"/>
+              </a:rPr>
+              <a:t>c</a:t>
+            </a:r>
+            <a:r>
+              <a:rPr b="1" lang="en">
+                <a:solidFill>
+                  <a:srgbClr val="DCB439"/>
+                </a:solidFill>
+                <a:highlight>
+                  <a:srgbClr val="FFFFFF"/>
+                </a:highlight>
+                <a:latin typeface="Consolas"/>
+                <a:ea typeface="Consolas"/>
+                <a:cs typeface="Consolas"/>
+                <a:sym typeface="Consolas"/>
+              </a:rPr>
+              <a:t>ounts</a:t>
+            </a:r>
+            <a:r>
+              <a:rPr lang="en">
+                <a:solidFill>
+                  <a:srgbClr val="1F1F1F"/>
+                </a:solidFill>
+                <a:highlight>
+                  <a:srgbClr val="FFFFFF"/>
+                </a:highlight>
+                <a:latin typeface="Consolas"/>
+                <a:ea typeface="Consolas"/>
+                <a:cs typeface="Consolas"/>
+                <a:sym typeface="Consolas"/>
+              </a:rPr>
+              <a:t> = </a:t>
+            </a:r>
+            <a:r>
+              <a:rPr b="1" lang="en">
+                <a:solidFill>
+                  <a:srgbClr val="5AABBC"/>
+                </a:solidFill>
+                <a:highlight>
+                  <a:srgbClr val="FFFFFF"/>
+                </a:highlight>
+                <a:latin typeface="Consolas"/>
+                <a:ea typeface="Consolas"/>
+                <a:cs typeface="Consolas"/>
+                <a:sym typeface="Consolas"/>
+              </a:rPr>
+              <a:t>count_pairs</a:t>
+            </a:r>
+            <a:r>
+              <a:rPr lang="en">
+                <a:solidFill>
+                  <a:srgbClr val="1F1F1F"/>
+                </a:solidFill>
+                <a:highlight>
+                  <a:srgbClr val="FFFFFF"/>
+                </a:highlight>
+                <a:latin typeface="Consolas"/>
+                <a:ea typeface="Consolas"/>
+                <a:cs typeface="Consolas"/>
+                <a:sym typeface="Consolas"/>
+              </a:rPr>
+              <a:t>(</a:t>
+            </a:r>
+            <a:r>
+              <a:rPr b="1" lang="en">
+                <a:solidFill>
+                  <a:srgbClr val="DCB439"/>
+                </a:solidFill>
+                <a:highlight>
+                  <a:srgbClr val="FFFFFF"/>
+                </a:highlight>
+                <a:latin typeface="Consolas"/>
+                <a:ea typeface="Consolas"/>
+                <a:cs typeface="Consolas"/>
+                <a:sym typeface="Consolas"/>
+              </a:rPr>
+              <a:t>string_bytes</a:t>
+            </a:r>
+            <a:r>
+              <a:rPr lang="en">
+                <a:solidFill>
+                  <a:srgbClr val="1F1F1F"/>
+                </a:solidFill>
+                <a:highlight>
+                  <a:srgbClr val="FFFFFF"/>
+                </a:highlight>
+                <a:latin typeface="Consolas"/>
+                <a:ea typeface="Consolas"/>
+                <a:cs typeface="Consolas"/>
+                <a:sym typeface="Consolas"/>
+              </a:rPr>
+              <a:t>)</a:t>
+            </a:r>
+            <a:endParaRPr>
+              <a:solidFill>
+                <a:srgbClr val="1F1F1F"/>
+              </a:solidFill>
+              <a:highlight>
+                <a:srgbClr val="FFFFFF"/>
+              </a:highlight>
+              <a:latin typeface="Consolas"/>
+              <a:ea typeface="Consolas"/>
+              <a:cs typeface="Consolas"/>
+              <a:sym typeface="Consolas"/>
+            </a:endParaRPr>
+          </a:p>
+          <a:p>
+            <a:pPr indent="0" lvl="0" marL="0" rtl="0" algn="l">
+              <a:spcBef>
+                <a:spcPts val="0"/>
+              </a:spcBef>
+              <a:spcAft>
+                <a:spcPts val="0"/>
+              </a:spcAft>
+              <a:buNone/>
+            </a:pPr>
+            <a:r>
+              <a:rPr lang="en">
+                <a:solidFill>
+                  <a:schemeClr val="lt2"/>
+                </a:solidFill>
+                <a:highlight>
+                  <a:srgbClr val="FFFFFF"/>
+                </a:highlight>
+                <a:latin typeface="Consolas"/>
+                <a:ea typeface="Consolas"/>
+                <a:cs typeface="Consolas"/>
+                <a:sym typeface="Consolas"/>
+              </a:rPr>
+              <a:t>&gt; {(114, 117): 2, (117, 103): 4, (103, 32): 3, (32, 112): 2, (112, 117): 2, (32, 104): 2, (104, 117): 2, (117, 110): 4, (110, 32): 3, (32, 98): 1, (98, 117): 1, (103, 115): 1, (115, 32): 1, (32, 114): 1, (32, 103): 1, (103, 117): 1}</a:t>
+            </a:r>
+            <a:endParaRPr>
+              <a:solidFill>
+                <a:schemeClr val="lt2"/>
+              </a:solidFill>
+              <a:highlight>
+                <a:srgbClr val="FFFFFF"/>
+              </a:highlight>
+              <a:latin typeface="Consolas"/>
+              <a:ea typeface="Consolas"/>
+              <a:cs typeface="Consolas"/>
+              <a:sym typeface="Consolas"/>
+            </a:endParaRPr>
+          </a:p>
+          <a:p>
+            <a:pPr indent="0" lvl="0" marL="0" rtl="0" algn="l">
+              <a:lnSpc>
+                <a:spcPct val="131250"/>
+              </a:lnSpc>
+              <a:spcBef>
+                <a:spcPts val="0"/>
+              </a:spcBef>
+              <a:spcAft>
+                <a:spcPts val="0"/>
+              </a:spcAft>
+              <a:buNone/>
+            </a:pPr>
+            <a:r>
+              <a:t/>
+            </a:r>
+            <a:endParaRPr b="1" sz="2400">
+              <a:solidFill>
+                <a:schemeClr val="dk1"/>
+              </a:solidFill>
+              <a:highlight>
+                <a:schemeClr val="lt1"/>
+              </a:highlight>
+            </a:endParaRPr>
+          </a:p>
+          <a:p>
+            <a:pPr indent="0" lvl="0" marL="0" rtl="0" algn="l">
+              <a:lnSpc>
+                <a:spcPct val="131250"/>
+              </a:lnSpc>
+              <a:spcBef>
+                <a:spcPts val="0"/>
+              </a:spcBef>
+              <a:spcAft>
+                <a:spcPts val="0"/>
+              </a:spcAft>
+              <a:buClr>
+                <a:schemeClr val="dk1"/>
+              </a:buClr>
+              <a:buSzPts val="1100"/>
+              <a:buFont typeface="Arial"/>
+              <a:buNone/>
+            </a:pPr>
+            <a:r>
+              <a:rPr b="1" lang="en" sz="2400">
+                <a:solidFill>
+                  <a:schemeClr val="dk1"/>
+                </a:solidFill>
+                <a:highlight>
+                  <a:schemeClr val="lt1"/>
+                </a:highlight>
+              </a:rPr>
+              <a:t>3</a:t>
+            </a:r>
+            <a:r>
+              <a:rPr b="1" lang="en" sz="2400">
+                <a:solidFill>
+                  <a:schemeClr val="dk1"/>
+                </a:solidFill>
+                <a:highlight>
+                  <a:schemeClr val="lt1"/>
+                </a:highlight>
+              </a:rPr>
+              <a:t>.) Replace the most common pair with a new token</a:t>
+            </a:r>
+            <a:endParaRPr sz="1450">
+              <a:solidFill>
+                <a:schemeClr val="lt2"/>
+              </a:solidFill>
+              <a:highlight>
+                <a:srgbClr val="FFFFFF"/>
+              </a:highlight>
+              <a:latin typeface="Consolas"/>
+              <a:ea typeface="Consolas"/>
+              <a:cs typeface="Consolas"/>
+              <a:sym typeface="Consolas"/>
+            </a:endParaRPr>
+          </a:p>
+          <a:p>
+            <a:pPr indent="0" lvl="0" marL="0" rtl="0" algn="l">
+              <a:spcBef>
+                <a:spcPts val="0"/>
+              </a:spcBef>
+              <a:spcAft>
+                <a:spcPts val="0"/>
+              </a:spcAft>
+              <a:buNone/>
+            </a:pPr>
+            <a:r>
+              <a:rPr b="1" lang="en">
+                <a:solidFill>
+                  <a:srgbClr val="DCB439"/>
+                </a:solidFill>
+                <a:highlight>
+                  <a:schemeClr val="lt1"/>
+                </a:highlight>
+                <a:latin typeface="Consolas"/>
+                <a:ea typeface="Consolas"/>
+                <a:cs typeface="Consolas"/>
+                <a:sym typeface="Consolas"/>
+              </a:rPr>
+              <a:t>merged_string</a:t>
+            </a:r>
+            <a:r>
+              <a:rPr lang="en">
+                <a:solidFill>
+                  <a:srgbClr val="1F1F1F"/>
+                </a:solidFill>
+                <a:highlight>
+                  <a:schemeClr val="lt1"/>
+                </a:highlight>
+                <a:latin typeface="Consolas"/>
+                <a:ea typeface="Consolas"/>
+                <a:cs typeface="Consolas"/>
+                <a:sym typeface="Consolas"/>
+              </a:rPr>
+              <a:t> = </a:t>
+            </a:r>
+            <a:r>
+              <a:rPr b="1" lang="en">
+                <a:solidFill>
+                  <a:srgbClr val="5AABBC"/>
+                </a:solidFill>
+                <a:highlight>
+                  <a:schemeClr val="lt1"/>
+                </a:highlight>
+                <a:latin typeface="Consolas"/>
+                <a:ea typeface="Consolas"/>
+                <a:cs typeface="Consolas"/>
+                <a:sym typeface="Consolas"/>
+              </a:rPr>
+              <a:t>replace_pairs</a:t>
+            </a:r>
+            <a:r>
+              <a:rPr lang="en">
+                <a:solidFill>
+                  <a:srgbClr val="1F1F1F"/>
+                </a:solidFill>
+                <a:highlight>
+                  <a:schemeClr val="lt1"/>
+                </a:highlight>
+                <a:latin typeface="Consolas"/>
+                <a:ea typeface="Consolas"/>
+                <a:cs typeface="Consolas"/>
+                <a:sym typeface="Consolas"/>
+              </a:rPr>
+              <a:t>(</a:t>
+            </a:r>
+            <a:r>
+              <a:rPr b="1" lang="en">
+                <a:solidFill>
+                  <a:srgbClr val="DCB439"/>
+                </a:solidFill>
+                <a:highlight>
+                  <a:schemeClr val="lt1"/>
+                </a:highlight>
+                <a:latin typeface="Consolas"/>
+                <a:ea typeface="Consolas"/>
+                <a:cs typeface="Consolas"/>
+                <a:sym typeface="Consolas"/>
+              </a:rPr>
+              <a:t>string_bytes</a:t>
+            </a:r>
+            <a:r>
+              <a:rPr lang="en">
+                <a:solidFill>
+                  <a:schemeClr val="dk1"/>
+                </a:solidFill>
+                <a:highlight>
+                  <a:schemeClr val="lt1"/>
+                </a:highlight>
+                <a:latin typeface="Consolas"/>
+                <a:ea typeface="Consolas"/>
+                <a:cs typeface="Consolas"/>
+                <a:sym typeface="Consolas"/>
+              </a:rPr>
+              <a:t>, </a:t>
+            </a:r>
+            <a:r>
+              <a:rPr b="1" lang="en">
+                <a:solidFill>
+                  <a:srgbClr val="DCB439"/>
+                </a:solidFill>
+                <a:highlight>
+                  <a:schemeClr val="lt1"/>
+                </a:highlight>
+                <a:latin typeface="Consolas"/>
+                <a:ea typeface="Consolas"/>
+                <a:cs typeface="Consolas"/>
+                <a:sym typeface="Consolas"/>
+              </a:rPr>
+              <a:t>counts</a:t>
+            </a:r>
+            <a:r>
+              <a:rPr lang="en">
+                <a:solidFill>
+                  <a:schemeClr val="dk1"/>
+                </a:solidFill>
+                <a:highlight>
+                  <a:schemeClr val="lt1"/>
+                </a:highlight>
+                <a:latin typeface="Consolas"/>
+                <a:ea typeface="Consolas"/>
+                <a:cs typeface="Consolas"/>
+                <a:sym typeface="Consolas"/>
+              </a:rPr>
+              <a:t>.</a:t>
+            </a:r>
+            <a:r>
+              <a:rPr b="1" lang="en">
+                <a:solidFill>
+                  <a:srgbClr val="5AABBC"/>
+                </a:solidFill>
+                <a:highlight>
+                  <a:schemeClr val="lt1"/>
+                </a:highlight>
+                <a:latin typeface="Consolas"/>
+                <a:ea typeface="Consolas"/>
+                <a:cs typeface="Consolas"/>
+                <a:sym typeface="Consolas"/>
+              </a:rPr>
+              <a:t>most_common</a:t>
+            </a:r>
+            <a:r>
+              <a:rPr lang="en">
+                <a:solidFill>
+                  <a:schemeClr val="dk1"/>
+                </a:solidFill>
+                <a:highlight>
+                  <a:schemeClr val="lt1"/>
+                </a:highlight>
+                <a:latin typeface="Consolas"/>
+                <a:ea typeface="Consolas"/>
+                <a:cs typeface="Consolas"/>
+                <a:sym typeface="Consolas"/>
+              </a:rPr>
+              <a:t>()[0][0], </a:t>
+            </a:r>
+            <a:r>
+              <a:rPr b="1" lang="en">
+                <a:solidFill>
+                  <a:srgbClr val="465510"/>
+                </a:solidFill>
+                <a:highlight>
+                  <a:schemeClr val="lt1"/>
+                </a:highlight>
+                <a:latin typeface="Consolas"/>
+                <a:ea typeface="Consolas"/>
+                <a:cs typeface="Consolas"/>
+                <a:sym typeface="Consolas"/>
+              </a:rPr>
+              <a:t>257</a:t>
+            </a:r>
+            <a:r>
+              <a:rPr lang="en">
+                <a:solidFill>
+                  <a:srgbClr val="1F1F1F"/>
+                </a:solidFill>
+                <a:highlight>
+                  <a:schemeClr val="lt1"/>
+                </a:highlight>
+                <a:latin typeface="Consolas"/>
+                <a:ea typeface="Consolas"/>
+                <a:cs typeface="Consolas"/>
+                <a:sym typeface="Consolas"/>
+              </a:rPr>
+              <a:t>)</a:t>
+            </a:r>
+            <a:endParaRPr>
+              <a:solidFill>
+                <a:srgbClr val="1F1F1F"/>
+              </a:solidFill>
+              <a:highlight>
+                <a:schemeClr val="lt1"/>
+              </a:highlight>
+              <a:latin typeface="Consolas"/>
+              <a:ea typeface="Consolas"/>
+              <a:cs typeface="Consolas"/>
+              <a:sym typeface="Consolas"/>
+            </a:endParaRPr>
+          </a:p>
+          <a:p>
+            <a:pPr indent="0" lvl="0" marL="0" rtl="0" algn="l">
+              <a:spcBef>
+                <a:spcPts val="0"/>
+              </a:spcBef>
+              <a:spcAft>
+                <a:spcPts val="0"/>
+              </a:spcAft>
+              <a:buNone/>
+            </a:pPr>
+            <a:r>
+              <a:rPr lang="en">
+                <a:solidFill>
+                  <a:schemeClr val="lt2"/>
+                </a:solidFill>
+                <a:highlight>
+                  <a:schemeClr val="lt1"/>
+                </a:highlight>
+                <a:latin typeface="Consolas"/>
+                <a:ea typeface="Consolas"/>
+                <a:cs typeface="Consolas"/>
+                <a:sym typeface="Consolas"/>
+              </a:rPr>
+              <a:t>&gt; </a:t>
+            </a:r>
+            <a:r>
+              <a:rPr lang="en">
+                <a:solidFill>
+                  <a:schemeClr val="lt2"/>
+                </a:solidFill>
+                <a:highlight>
+                  <a:srgbClr val="FFFFFF"/>
+                </a:highlight>
+                <a:latin typeface="Consolas"/>
+                <a:ea typeface="Consolas"/>
+                <a:cs typeface="Consolas"/>
+                <a:sym typeface="Consolas"/>
+              </a:rPr>
+              <a:t>[114, 257, 32, 112, 257, 32, 104, 257, 32, 112, 117, 110, 32, 98, 117, 110, 32, 104, 257, 115, 32, 114, 117, 110, 32, 103, 117, 110]</a:t>
+            </a:r>
+            <a:endParaRPr>
+              <a:solidFill>
+                <a:schemeClr val="lt2"/>
+              </a:solidFill>
+              <a:highlight>
+                <a:srgbClr val="FFFFFF"/>
+              </a:highlight>
+              <a:latin typeface="Consolas"/>
+              <a:ea typeface="Consolas"/>
+              <a:cs typeface="Consolas"/>
+              <a:sym typeface="Consolas"/>
+            </a:endParaRPr>
+          </a:p>
+          <a:p>
+            <a:pPr indent="0" lvl="0" marL="0" rtl="0" algn="l">
+              <a:spcBef>
+                <a:spcPts val="0"/>
+              </a:spcBef>
+              <a:spcAft>
+                <a:spcPts val="0"/>
+              </a:spcAft>
+              <a:buNone/>
+            </a:pPr>
+            <a:r>
+              <a:t/>
+            </a:r>
+            <a:endParaRPr sz="1350">
+              <a:solidFill>
+                <a:srgbClr val="1F1F1F"/>
+              </a:solidFill>
+              <a:highlight>
+                <a:srgbClr val="FFFFFF"/>
+              </a:highlight>
+              <a:latin typeface="Consolas"/>
+              <a:ea typeface="Consolas"/>
+              <a:cs typeface="Consolas"/>
+              <a:sym typeface="Consolas"/>
+            </a:endParaRPr>
+          </a:p>
+          <a:p>
+            <a:pPr indent="0" lvl="0" marL="0" rtl="0" algn="l">
+              <a:spcBef>
+                <a:spcPts val="0"/>
+              </a:spcBef>
+              <a:spcAft>
+                <a:spcPts val="0"/>
+              </a:spcAft>
+              <a:buNone/>
+            </a:pPr>
+            <a:r>
+              <a:t/>
+            </a:r>
+            <a:endParaRPr>
+              <a:solidFill>
+                <a:schemeClr val="dk1"/>
+              </a:solidFill>
+              <a:latin typeface="Consolas"/>
+              <a:ea typeface="Consolas"/>
+              <a:cs typeface="Consolas"/>
+              <a:sym typeface="Consolas"/>
+            </a:endParaRPr>
+          </a:p>
+          <a:p>
+            <a:pPr indent="0" lvl="0" marL="0" rtl="0" algn="l">
+              <a:spcBef>
+                <a:spcPts val="0"/>
+              </a:spcBef>
+              <a:spcAft>
+                <a:spcPts val="0"/>
+              </a:spcAft>
+              <a:buNone/>
+            </a:pPr>
+            <a:r>
+              <a:t/>
+            </a:r>
+            <a:endParaRPr sz="1350">
+              <a:solidFill>
+                <a:srgbClr val="1F1F1F"/>
+              </a:solidFill>
+              <a:highlight>
+                <a:srgbClr val="FFFFFF"/>
+              </a:highlight>
+              <a:latin typeface="Consolas"/>
+              <a:ea typeface="Consolas"/>
+              <a:cs typeface="Consolas"/>
+              <a:sym typeface="Consolas"/>
+            </a:endParaRPr>
+          </a:p>
+          <a:p>
+            <a:pPr indent="0" lvl="0" marL="0" rtl="0" algn="l">
+              <a:spcBef>
+                <a:spcPts val="0"/>
+              </a:spcBef>
+              <a:spcAft>
+                <a:spcPts val="0"/>
+              </a:spcAft>
+              <a:buNone/>
+            </a:pPr>
+            <a:r>
+              <a:t/>
+            </a:r>
+            <a:endParaRPr sz="1350">
+              <a:solidFill>
+                <a:srgbClr val="1F1F1F"/>
+              </a:solidFill>
+              <a:latin typeface="Consolas"/>
+              <a:ea typeface="Consolas"/>
+              <a:cs typeface="Consolas"/>
+              <a:sym typeface="Consolas"/>
+            </a:endParaRPr>
+          </a:p>
+          <a:p>
+            <a:pPr indent="0" lvl="0" marL="50800" marR="12700" rtl="0" algn="l">
+              <a:lnSpc>
+                <a:spcPct val="115000"/>
+              </a:lnSpc>
+              <a:spcBef>
+                <a:spcPts val="0"/>
+              </a:spcBef>
+              <a:spcAft>
+                <a:spcPts val="0"/>
+              </a:spcAft>
+              <a:buNone/>
+            </a:pPr>
+            <a:r>
+              <a:t/>
+            </a:r>
+            <a:endParaRPr sz="1350">
+              <a:solidFill>
+                <a:schemeClr val="dk1"/>
+              </a:solidFill>
+              <a:latin typeface="Courier New"/>
+              <a:ea typeface="Courier New"/>
+              <a:cs typeface="Courier New"/>
+              <a:sym typeface="Courier New"/>
+            </a:endParaRPr>
+          </a:p>
+          <a:p>
+            <a:pPr indent="0" lvl="0" marL="0" rtl="0" algn="l">
+              <a:lnSpc>
+                <a:spcPct val="115000"/>
+              </a:lnSpc>
+              <a:spcBef>
+                <a:spcPts val="0"/>
+              </a:spcBef>
+              <a:spcAft>
+                <a:spcPts val="0"/>
+              </a:spcAft>
+              <a:buNone/>
+            </a:pPr>
+            <a:r>
+              <a:t/>
+            </a:r>
+            <a:endParaRPr sz="1350">
+              <a:solidFill>
+                <a:schemeClr val="dk1"/>
+              </a:solidFill>
+              <a:latin typeface="Courier New"/>
+              <a:ea typeface="Courier New"/>
+              <a:cs typeface="Courier New"/>
+              <a:sym typeface="Courier New"/>
+            </a:endParaRPr>
+          </a:p>
+          <a:p>
+            <a:pPr indent="0" lvl="0" marL="0" rtl="0" algn="l">
+              <a:spcBef>
+                <a:spcPts val="0"/>
+              </a:spcBef>
+              <a:spcAft>
+                <a:spcPts val="0"/>
+              </a:spcAft>
+              <a:buNone/>
+            </a:pPr>
+            <a:r>
+              <a:t/>
+            </a:r>
+            <a:endParaRPr sz="3300">
+              <a:solidFill>
+                <a:schemeClr val="dk1"/>
+              </a:solidFill>
             </a:endParaRPr>
           </a:p>
         </p:txBody>
@@ -10925,7 +12464,7 @@
   <p:cSld>
     <p:spTree>
       <p:nvGrpSpPr>
-        <p:cNvPr id="162" name="Shape 162"/>
+        <p:cNvPr id="163" name="Shape 163"/>
         <p:cNvGrpSpPr/>
         <p:nvPr/>
       </p:nvGrpSpPr>
@@ -10939,7 +12478,7 @@
       </p:grpSpPr>
       <p:sp>
         <p:nvSpPr>
-          <p:cNvPr id="163" name="Google Shape;163;g3baf4acbdf2_0_49"/>
+          <p:cNvPr id="164" name="Google Shape;164;g3baf4acbdf2_0_49"/>
           <p:cNvSpPr txBox="1"/>
           <p:nvPr>
             <p:ph type="title"/>
@@ -11019,7 +12558,7 @@
       </p:sp>
       <p:sp>
         <p:nvSpPr>
-          <p:cNvPr id="164" name="Google Shape;164;g3baf4acbdf2_0_49"/>
+          <p:cNvPr id="165" name="Google Shape;165;g3baf4acbdf2_0_49"/>
           <p:cNvSpPr txBox="1"/>
           <p:nvPr>
             <p:ph idx="1" type="body"/>
@@ -11388,7 +12927,7 @@
   <p:cSld>
     <p:spTree>
       <p:nvGrpSpPr>
-        <p:cNvPr id="168" name="Shape 168"/>
+        <p:cNvPr id="169" name="Shape 169"/>
         <p:cNvGrpSpPr/>
         <p:nvPr/>
       </p:nvGrpSpPr>
@@ -11402,281 +12941,7 @@
       </p:grpSpPr>
       <p:sp>
         <p:nvSpPr>
-          <p:cNvPr id="169" name="Google Shape;169;g3baf4acbdf2_0_65"/>
-          <p:cNvSpPr txBox="1"/>
-          <p:nvPr>
-            <p:ph type="title"/>
-          </p:nvPr>
-        </p:nvSpPr>
-        <p:spPr>
-          <a:xfrm>
-            <a:off x="457200" y="274638"/>
-            <a:ext cx="8229600" cy="1143000"/>
-          </a:xfrm>
-          <a:prstGeom prst="rect">
-            <a:avLst/>
-          </a:prstGeom>
-        </p:spPr>
-        <p:txBody>
-          <a:bodyPr anchorCtr="0" anchor="b" bIns="91425" lIns="91425" spcFirstLastPara="1" rIns="91425" wrap="square" tIns="91425">
-            <a:noAutofit/>
-          </a:bodyPr>
-          <a:lstStyle/>
-          <a:p>
-            <a:pPr indent="0" lvl="0" marL="0" rtl="0" algn="l">
-              <a:spcBef>
-                <a:spcPts val="0"/>
-              </a:spcBef>
-              <a:spcAft>
-                <a:spcPts val="0"/>
-              </a:spcAft>
-              <a:buNone/>
-            </a:pPr>
-            <a:r>
-              <a:rPr lang="en">
-                <a:solidFill>
-                  <a:srgbClr val="A31415"/>
-                </a:solidFill>
-                <a:latin typeface="Consolas"/>
-                <a:ea typeface="Consolas"/>
-                <a:cs typeface="Consolas"/>
-                <a:sym typeface="Consolas"/>
-              </a:rPr>
-              <a:t>“tonight?”</a:t>
-            </a:r>
-            <a:r>
-              <a:rPr lang="en"/>
-              <a:t> vs. </a:t>
-            </a:r>
-            <a:r>
-              <a:rPr lang="en">
-                <a:solidFill>
-                  <a:srgbClr val="A31415"/>
-                </a:solidFill>
-                <a:latin typeface="Consolas"/>
-                <a:ea typeface="Consolas"/>
-                <a:cs typeface="Consolas"/>
-                <a:sym typeface="Consolas"/>
-              </a:rPr>
-              <a:t>“tonight”</a:t>
-            </a:r>
-            <a:endParaRPr>
-              <a:solidFill>
-                <a:srgbClr val="A31415"/>
-              </a:solidFill>
-              <a:latin typeface="Consolas"/>
-              <a:ea typeface="Consolas"/>
-              <a:cs typeface="Consolas"/>
-              <a:sym typeface="Consolas"/>
-            </a:endParaRPr>
-          </a:p>
-        </p:txBody>
-      </p:sp>
-      <p:sp>
-        <p:nvSpPr>
-          <p:cNvPr id="170" name="Google Shape;170;g3baf4acbdf2_0_65"/>
-          <p:cNvSpPr txBox="1"/>
-          <p:nvPr>
-            <p:ph idx="1" type="body"/>
-          </p:nvPr>
-        </p:nvSpPr>
-        <p:spPr>
-          <a:xfrm>
-            <a:off x="457200" y="1600200"/>
-            <a:ext cx="8229600" cy="4967700"/>
-          </a:xfrm>
-          <a:prstGeom prst="rect">
-            <a:avLst/>
-          </a:prstGeom>
-        </p:spPr>
-        <p:txBody>
-          <a:bodyPr anchorCtr="0" anchor="t" bIns="91425" lIns="91425" spcFirstLastPara="1" rIns="91425" wrap="square" tIns="91425">
-            <a:noAutofit/>
-          </a:bodyPr>
-          <a:lstStyle/>
-          <a:p>
-            <a:pPr indent="0" lvl="0" marL="0" rtl="0" algn="l">
-              <a:spcBef>
-                <a:spcPts val="600"/>
-              </a:spcBef>
-              <a:spcAft>
-                <a:spcPts val="0"/>
-              </a:spcAft>
-              <a:buNone/>
-            </a:pPr>
-            <a:r>
-              <a:rPr lang="en"/>
-              <a:t>This simple tokenizer works, but it seems very silly that </a:t>
-            </a:r>
-            <a:r>
-              <a:rPr b="1" lang="en">
-                <a:solidFill>
-                  <a:srgbClr val="A31415"/>
-                </a:solidFill>
-                <a:latin typeface="Consolas"/>
-                <a:ea typeface="Consolas"/>
-                <a:cs typeface="Consolas"/>
-                <a:sym typeface="Consolas"/>
-              </a:rPr>
-              <a:t>“tonight?”</a:t>
-            </a:r>
-            <a:r>
-              <a:rPr lang="en"/>
-              <a:t> is a different token than </a:t>
-            </a:r>
-            <a:r>
-              <a:rPr b="1" lang="en">
-                <a:solidFill>
-                  <a:srgbClr val="A31415"/>
-                </a:solidFill>
-              </a:rPr>
-              <a:t>“tonight”</a:t>
-            </a:r>
-            <a:r>
-              <a:rPr lang="en"/>
-              <a:t>.</a:t>
-            </a:r>
-            <a:endParaRPr/>
-          </a:p>
-          <a:p>
-            <a:pPr indent="0" lvl="0" marL="0" rtl="0" algn="l">
-              <a:spcBef>
-                <a:spcPts val="600"/>
-              </a:spcBef>
-              <a:spcAft>
-                <a:spcPts val="0"/>
-              </a:spcAft>
-              <a:buNone/>
-            </a:pPr>
-            <a:r>
-              <a:t/>
-            </a:r>
-            <a:endParaRPr/>
-          </a:p>
-          <a:p>
-            <a:pPr indent="0" lvl="0" marL="0" rtl="0" algn="l">
-              <a:spcBef>
-                <a:spcPts val="600"/>
-              </a:spcBef>
-              <a:spcAft>
-                <a:spcPts val="0"/>
-              </a:spcAft>
-              <a:buNone/>
-            </a:pPr>
-            <a:r>
-              <a:t/>
-            </a:r>
-            <a:endParaRPr/>
-          </a:p>
-          <a:p>
-            <a:pPr indent="0" lvl="0" marL="0" rtl="0" algn="l">
-              <a:spcBef>
-                <a:spcPts val="0"/>
-              </a:spcBef>
-              <a:spcAft>
-                <a:spcPts val="0"/>
-              </a:spcAft>
-              <a:buNone/>
-            </a:pPr>
-            <a:r>
-              <a:t/>
-            </a:r>
-            <a:endParaRPr b="1">
-              <a:solidFill>
-                <a:srgbClr val="002B5B"/>
-              </a:solidFill>
-            </a:endParaRPr>
-          </a:p>
-          <a:p>
-            <a:pPr indent="0" lvl="0" marL="0" rtl="0" algn="l">
-              <a:spcBef>
-                <a:spcPts val="0"/>
-              </a:spcBef>
-              <a:spcAft>
-                <a:spcPts val="0"/>
-              </a:spcAft>
-              <a:buNone/>
-            </a:pPr>
-            <a:r>
-              <a:t/>
-            </a:r>
-            <a:endParaRPr b="1">
-              <a:solidFill>
-                <a:srgbClr val="002B5B"/>
-              </a:solidFill>
-            </a:endParaRPr>
-          </a:p>
-          <a:p>
-            <a:pPr indent="0" lvl="0" marL="0" rtl="0" algn="l">
-              <a:spcBef>
-                <a:spcPts val="0"/>
-              </a:spcBef>
-              <a:spcAft>
-                <a:spcPts val="0"/>
-              </a:spcAft>
-              <a:buClr>
-                <a:schemeClr val="dk1"/>
-              </a:buClr>
-              <a:buSzPts val="3000"/>
-              <a:buFont typeface="Arial"/>
-              <a:buNone/>
-            </a:pPr>
-            <a:r>
-              <a:rPr b="1" lang="en">
-                <a:solidFill>
-                  <a:srgbClr val="002B5B"/>
-                </a:solidFill>
-              </a:rPr>
-              <a:t>BPE</a:t>
-            </a:r>
-            <a:r>
-              <a:rPr lang="en"/>
-              <a:t> is excellent at breaking down words statistically, but </a:t>
-            </a:r>
-            <a:r>
-              <a:rPr b="1" lang="en">
-                <a:solidFill>
-                  <a:srgbClr val="A31415"/>
-                </a:solidFill>
-              </a:rPr>
-              <a:t>it can make suboptimal merges</a:t>
-            </a:r>
-            <a:r>
-              <a:rPr lang="en"/>
-              <a:t> like combining punctuation with words.</a:t>
-            </a:r>
-            <a:endParaRPr/>
-          </a:p>
-        </p:txBody>
-      </p:sp>
-    </p:spTree>
-  </p:cSld>
-  <p:clrMapOvr>
-    <a:masterClrMapping/>
-  </p:clrMapOvr>
-</p:sld>
-</file>
-
-<file path=ppt/slides/slide21.xml><?xml version="1.0" encoding="utf-8"?>
-<p:sld xmlns:a="http://schemas.openxmlformats.org/drawingml/2006/main" xmlns:r="http://schemas.openxmlformats.org/officeDocument/2006/relationships" xmlns:mc="http://schemas.openxmlformats.org/markup-compatibility/2006" xmlns:mv="urn:schemas-microsoft-com:mac:vml" xmlns:p="http://schemas.openxmlformats.org/presentationml/2006/main" xmlns:c="http://schemas.openxmlformats.org/drawingml/2006/chart" xmlns:dgm="http://schemas.openxmlformats.org/drawingml/2006/diagram" xmlns:o="urn:schemas-microsoft-com:office:office" xmlns:v="urn:schemas-microsoft-com:vml" xmlns:pvml="urn:schemas-microsoft-com:office:powerpoint" xmlns:com="http://schemas.openxmlformats.org/drawingml/2006/compatibility" xmlns:p14="http://schemas.microsoft.com/office/powerpoint/2010/main" xmlns:p15="http://schemas.microsoft.com/office/powerpoint/2012/main" xmlns:ahyp="http://schemas.microsoft.com/office/drawing/2018/hyperlinkcolor">
-  <p:cSld>
-    <p:spTree>
-      <p:nvGrpSpPr>
-        <p:cNvPr id="174" name="Shape 174"/>
-        <p:cNvGrpSpPr/>
-        <p:nvPr/>
-      </p:nvGrpSpPr>
-      <p:grpSpPr>
-        <a:xfrm>
-          <a:off x="0" y="0"/>
-          <a:ext cx="0" cy="0"/>
-          <a:chOff x="0" y="0"/>
-          <a:chExt cx="0" cy="0"/>
-        </a:xfrm>
-      </p:grpSpPr>
-      <p:sp>
-        <p:nvSpPr>
-          <p:cNvPr id="175" name="Google Shape;175;g3b938ea6dd9_0_93"/>
+          <p:cNvPr id="170" name="Google Shape;170;g3baf4acbdf2_0_12"/>
           <p:cNvSpPr txBox="1"/>
           <p:nvPr>
             <p:ph type="title"/>
@@ -11715,8 +12980,20 @@
               <a:buNone/>
             </a:pPr>
             <a:r>
+              <a:rPr lang="en">
+                <a:solidFill>
+                  <a:srgbClr val="A31415"/>
+                </a:solidFill>
+                <a:latin typeface="Consolas"/>
+                <a:ea typeface="Consolas"/>
+                <a:cs typeface="Consolas"/>
+                <a:sym typeface="Consolas"/>
+              </a:rPr>
+              <a:t>programming</a:t>
+            </a:r>
+            <a:r>
               <a:rPr lang="en"/>
-              <a:t>Regex in Tokenization</a:t>
+              <a:t>: Classes</a:t>
             </a:r>
             <a:endParaRPr/>
           </a:p>
@@ -11724,7 +13001,730 @@
       </p:sp>
       <p:sp>
         <p:nvSpPr>
-          <p:cNvPr id="176" name="Google Shape;176;g3b938ea6dd9_0_93"/>
+          <p:cNvPr id="171" name="Google Shape;171;g3baf4acbdf2_0_12"/>
+          <p:cNvSpPr txBox="1"/>
+          <p:nvPr>
+            <p:ph idx="1" type="body"/>
+          </p:nvPr>
+        </p:nvSpPr>
+        <p:spPr>
+          <a:xfrm>
+            <a:off x="457200" y="1600200"/>
+            <a:ext cx="8229600" cy="4967700"/>
+          </a:xfrm>
+          <a:prstGeom prst="rect">
+            <a:avLst/>
+          </a:prstGeom>
+          <a:noFill/>
+          <a:ln>
+            <a:noFill/>
+          </a:ln>
+        </p:spPr>
+        <p:txBody>
+          <a:bodyPr anchorCtr="0" anchor="t" bIns="91425" lIns="91425" spcFirstLastPara="1" rIns="91425" wrap="square" tIns="91425">
+            <a:noAutofit/>
+          </a:bodyPr>
+          <a:lstStyle/>
+          <a:p>
+            <a:pPr indent="0" lvl="0" marL="0" rtl="0" algn="l">
+              <a:lnSpc>
+                <a:spcPct val="100000"/>
+              </a:lnSpc>
+              <a:spcBef>
+                <a:spcPts val="600"/>
+              </a:spcBef>
+              <a:spcAft>
+                <a:spcPts val="0"/>
+              </a:spcAft>
+              <a:buSzPts val="3000"/>
+              <a:buNone/>
+            </a:pPr>
+            <a:r>
+              <a:rPr lang="en"/>
+              <a:t>A </a:t>
+            </a:r>
+            <a:r>
+              <a:rPr b="1" lang="en">
+                <a:solidFill>
+                  <a:srgbClr val="A31415"/>
+                </a:solidFill>
+                <a:latin typeface="Consolas"/>
+                <a:ea typeface="Consolas"/>
+                <a:cs typeface="Consolas"/>
+                <a:sym typeface="Consolas"/>
+              </a:rPr>
+              <a:t>class</a:t>
+            </a:r>
+            <a:r>
+              <a:rPr lang="en"/>
+              <a:t> is a data type that defines both data, and </a:t>
+            </a:r>
+            <a:r>
+              <a:rPr b="1" lang="en">
+                <a:solidFill>
+                  <a:srgbClr val="A31415"/>
+                </a:solidFill>
+                <a:latin typeface="Consolas"/>
+                <a:ea typeface="Consolas"/>
+                <a:cs typeface="Consolas"/>
+                <a:sym typeface="Consolas"/>
+              </a:rPr>
+              <a:t>functions</a:t>
+            </a:r>
+            <a:r>
+              <a:rPr lang="en"/>
+              <a:t> used to manipulate the data. A Specific instances of a </a:t>
+            </a:r>
+            <a:r>
+              <a:rPr b="1" lang="en">
+                <a:solidFill>
+                  <a:srgbClr val="A31415"/>
+                </a:solidFill>
+                <a:latin typeface="Consolas"/>
+                <a:ea typeface="Consolas"/>
+                <a:cs typeface="Consolas"/>
+                <a:sym typeface="Consolas"/>
+              </a:rPr>
+              <a:t>class</a:t>
+            </a:r>
+            <a:r>
+              <a:rPr lang="en"/>
+              <a:t> are called </a:t>
+            </a:r>
+            <a:r>
+              <a:rPr b="1" lang="en">
+                <a:solidFill>
+                  <a:srgbClr val="A31415"/>
+                </a:solidFill>
+                <a:latin typeface="Consolas"/>
+                <a:ea typeface="Consolas"/>
+                <a:cs typeface="Consolas"/>
+                <a:sym typeface="Consolas"/>
+              </a:rPr>
+              <a:t>objects</a:t>
+            </a:r>
+            <a:r>
+              <a:rPr lang="en"/>
+              <a:t>.</a:t>
+            </a:r>
+            <a:endParaRPr/>
+          </a:p>
+        </p:txBody>
+      </p:sp>
+      <p:pic>
+        <p:nvPicPr>
+          <p:cNvPr id="172" name="Google Shape;172;g3baf4acbdf2_0_12" title="Screenshot 2026-01-20 at 11.40.30 AM.png"/>
+          <p:cNvPicPr preferRelativeResize="0"/>
+          <p:nvPr/>
+        </p:nvPicPr>
+        <p:blipFill rotWithShape="1">
+          <a:blip r:embed="rId3">
+            <a:alphaModFix/>
+          </a:blip>
+          <a:srcRect b="0" l="0" r="0" t="0"/>
+          <a:stretch/>
+        </p:blipFill>
+        <p:spPr>
+          <a:xfrm>
+            <a:off x="1908643" y="3590925"/>
+            <a:ext cx="5326725" cy="1259600"/>
+          </a:xfrm>
+          <a:prstGeom prst="rect">
+            <a:avLst/>
+          </a:prstGeom>
+          <a:noFill/>
+          <a:ln cap="flat" cmpd="sng" w="38100">
+            <a:solidFill>
+              <a:srgbClr val="002B5B"/>
+            </a:solidFill>
+            <a:prstDash val="solid"/>
+            <a:round/>
+            <a:headEnd len="sm" w="sm" type="none"/>
+            <a:tailEnd len="sm" w="sm" type="none"/>
+          </a:ln>
+        </p:spPr>
+      </p:pic>
+      <p:pic>
+        <p:nvPicPr>
+          <p:cNvPr id="173" name="Google Shape;173;g3baf4acbdf2_0_12" title="Screenshot 2026-01-20 at 11.41.41 AM.png"/>
+          <p:cNvPicPr preferRelativeResize="0"/>
+          <p:nvPr/>
+        </p:nvPicPr>
+        <p:blipFill rotWithShape="1">
+          <a:blip r:embed="rId4">
+            <a:alphaModFix/>
+          </a:blip>
+          <a:srcRect b="0" l="0" r="0" t="0"/>
+          <a:stretch/>
+        </p:blipFill>
+        <p:spPr>
+          <a:xfrm>
+            <a:off x="907675" y="5098875"/>
+            <a:ext cx="7328650" cy="654850"/>
+          </a:xfrm>
+          <a:prstGeom prst="rect">
+            <a:avLst/>
+          </a:prstGeom>
+          <a:noFill/>
+          <a:ln cap="flat" cmpd="sng" w="38100">
+            <a:solidFill>
+              <a:srgbClr val="002B5B"/>
+            </a:solidFill>
+            <a:prstDash val="solid"/>
+            <a:round/>
+            <a:headEnd len="sm" w="sm" type="none"/>
+            <a:tailEnd len="sm" w="sm" type="none"/>
+          </a:ln>
+        </p:spPr>
+      </p:pic>
+      <p:sp>
+        <p:nvSpPr>
+          <p:cNvPr id="174" name="Google Shape;174;g3baf4acbdf2_0_12"/>
+          <p:cNvSpPr txBox="1"/>
+          <p:nvPr/>
+        </p:nvSpPr>
+        <p:spPr>
+          <a:xfrm>
+            <a:off x="457200" y="6002075"/>
+            <a:ext cx="8229600" cy="699000"/>
+          </a:xfrm>
+          <a:prstGeom prst="rect">
+            <a:avLst/>
+          </a:prstGeom>
+          <a:noFill/>
+          <a:ln>
+            <a:noFill/>
+          </a:ln>
+        </p:spPr>
+        <p:txBody>
+          <a:bodyPr anchorCtr="0" anchor="t" bIns="91425" lIns="91425" spcFirstLastPara="1" rIns="91425" wrap="square" tIns="91425">
+            <a:noAutofit/>
+          </a:bodyPr>
+          <a:lstStyle/>
+          <a:p>
+            <a:pPr indent="0" lvl="0" marL="0" marR="0" rtl="0" algn="l">
+              <a:lnSpc>
+                <a:spcPct val="100000"/>
+              </a:lnSpc>
+              <a:spcBef>
+                <a:spcPts val="0"/>
+              </a:spcBef>
+              <a:spcAft>
+                <a:spcPts val="0"/>
+              </a:spcAft>
+              <a:buClr>
+                <a:srgbClr val="000000"/>
+              </a:buClr>
+              <a:buSzPts val="1800"/>
+              <a:buFont typeface="Arial"/>
+              <a:buNone/>
+            </a:pPr>
+            <a:r>
+              <a:rPr b="1" i="0" lang="en" sz="1800" u="none" cap="none" strike="noStrike">
+                <a:solidFill>
+                  <a:srgbClr val="DCB439"/>
+                </a:solidFill>
+                <a:latin typeface="Arial"/>
+                <a:ea typeface="Arial"/>
+                <a:cs typeface="Arial"/>
+                <a:sym typeface="Arial"/>
+              </a:rPr>
+              <a:t>NOTE:</a:t>
+            </a:r>
+            <a:r>
+              <a:rPr b="0" i="0" lang="en" sz="1800" u="none" cap="none" strike="noStrike">
+                <a:solidFill>
+                  <a:schemeClr val="dk1"/>
+                </a:solidFill>
+                <a:latin typeface="Arial"/>
+                <a:ea typeface="Arial"/>
+                <a:cs typeface="Arial"/>
+                <a:sym typeface="Arial"/>
+              </a:rPr>
+              <a:t> We can use </a:t>
+            </a:r>
+            <a:r>
+              <a:rPr b="1" i="0" lang="en" sz="1800" u="none" cap="none" strike="noStrike">
+                <a:solidFill>
+                  <a:srgbClr val="A31415"/>
+                </a:solidFill>
+                <a:latin typeface="Consolas"/>
+                <a:ea typeface="Consolas"/>
+                <a:cs typeface="Consolas"/>
+                <a:sym typeface="Consolas"/>
+              </a:rPr>
+              <a:t>dir(class)</a:t>
+            </a:r>
+            <a:r>
+              <a:rPr b="0" i="0" lang="en" sz="1800" u="none" cap="none" strike="noStrike">
+                <a:solidFill>
+                  <a:schemeClr val="dk1"/>
+                </a:solidFill>
+                <a:latin typeface="Arial"/>
+                <a:ea typeface="Arial"/>
+                <a:cs typeface="Arial"/>
+                <a:sym typeface="Arial"/>
+              </a:rPr>
+              <a:t> to </a:t>
+            </a:r>
+            <a:r>
+              <a:rPr b="1" i="0" lang="en" sz="1800" u="none" cap="none" strike="noStrike">
+                <a:solidFill>
+                  <a:srgbClr val="A31415"/>
+                </a:solidFill>
+                <a:latin typeface="Consolas"/>
+                <a:ea typeface="Consolas"/>
+                <a:cs typeface="Consolas"/>
+                <a:sym typeface="Consolas"/>
+              </a:rPr>
+              <a:t>print</a:t>
+            </a:r>
+            <a:r>
+              <a:rPr b="0" i="0" lang="en" sz="1800" u="none" cap="none" strike="noStrike">
+                <a:solidFill>
+                  <a:schemeClr val="dk1"/>
+                </a:solidFill>
+                <a:latin typeface="Arial"/>
+                <a:ea typeface="Arial"/>
+                <a:cs typeface="Arial"/>
+                <a:sym typeface="Arial"/>
+              </a:rPr>
+              <a:t> out the </a:t>
+            </a:r>
+            <a:r>
+              <a:rPr b="1" i="0" lang="en" sz="1800" u="none" cap="none" strike="noStrike">
+                <a:solidFill>
+                  <a:srgbClr val="A31415"/>
+                </a:solidFill>
+                <a:latin typeface="Consolas"/>
+                <a:ea typeface="Consolas"/>
+                <a:cs typeface="Consolas"/>
+                <a:sym typeface="Consolas"/>
+              </a:rPr>
+              <a:t>attributes</a:t>
+            </a:r>
+            <a:r>
+              <a:rPr b="0" i="0" lang="en" sz="1800" u="none" cap="none" strike="noStrike">
+                <a:solidFill>
+                  <a:schemeClr val="dk1"/>
+                </a:solidFill>
+                <a:latin typeface="Arial"/>
+                <a:ea typeface="Arial"/>
+                <a:cs typeface="Arial"/>
+                <a:sym typeface="Arial"/>
+              </a:rPr>
+              <a:t> and </a:t>
+            </a:r>
+            <a:r>
+              <a:rPr b="1" i="0" lang="en" sz="1800" u="none" cap="none" strike="noStrike">
+                <a:solidFill>
+                  <a:srgbClr val="A31415"/>
+                </a:solidFill>
+                <a:latin typeface="Consolas"/>
+                <a:ea typeface="Consolas"/>
+                <a:cs typeface="Consolas"/>
+                <a:sym typeface="Consolas"/>
+              </a:rPr>
+              <a:t>functions</a:t>
+            </a:r>
+            <a:r>
+              <a:rPr b="0" i="0" lang="en" sz="1800" u="none" cap="none" strike="noStrike">
+                <a:solidFill>
+                  <a:schemeClr val="dk1"/>
+                </a:solidFill>
+                <a:latin typeface="Arial"/>
+                <a:ea typeface="Arial"/>
+                <a:cs typeface="Arial"/>
+                <a:sym typeface="Arial"/>
+              </a:rPr>
+              <a:t> a </a:t>
+            </a:r>
+            <a:r>
+              <a:rPr b="1" i="0" lang="en" sz="1800" u="none" cap="none" strike="noStrike">
+                <a:solidFill>
+                  <a:srgbClr val="A31415"/>
+                </a:solidFill>
+                <a:latin typeface="Consolas"/>
+                <a:ea typeface="Consolas"/>
+                <a:cs typeface="Consolas"/>
+                <a:sym typeface="Consolas"/>
+              </a:rPr>
+              <a:t>class</a:t>
+            </a:r>
+            <a:r>
+              <a:rPr b="0" i="0" lang="en" sz="1800" u="none" cap="none" strike="noStrike">
+                <a:solidFill>
+                  <a:schemeClr val="dk1"/>
+                </a:solidFill>
+                <a:latin typeface="Arial"/>
+                <a:ea typeface="Arial"/>
+                <a:cs typeface="Arial"/>
+                <a:sym typeface="Arial"/>
+              </a:rPr>
+              <a:t> has</a:t>
+            </a:r>
+            <a:endParaRPr b="0" i="0" sz="1800" u="none" cap="none" strike="noStrike">
+              <a:solidFill>
+                <a:schemeClr val="dk1"/>
+              </a:solidFill>
+              <a:latin typeface="Arial"/>
+              <a:ea typeface="Arial"/>
+              <a:cs typeface="Arial"/>
+              <a:sym typeface="Arial"/>
+            </a:endParaRPr>
+          </a:p>
+        </p:txBody>
+      </p:sp>
+    </p:spTree>
+  </p:cSld>
+  <p:clrMapOvr>
+    <a:masterClrMapping/>
+  </p:clrMapOvr>
+</p:sld>
+</file>
+
+<file path=ppt/slides/slide21.xml><?xml version="1.0" encoding="utf-8"?>
+<p:sld xmlns:a="http://schemas.openxmlformats.org/drawingml/2006/main" xmlns:r="http://schemas.openxmlformats.org/officeDocument/2006/relationships" xmlns:mc="http://schemas.openxmlformats.org/markup-compatibility/2006" xmlns:mv="urn:schemas-microsoft-com:mac:vml" xmlns:p="http://schemas.openxmlformats.org/presentationml/2006/main" xmlns:c="http://schemas.openxmlformats.org/drawingml/2006/chart" xmlns:dgm="http://schemas.openxmlformats.org/drawingml/2006/diagram" xmlns:o="urn:schemas-microsoft-com:office:office" xmlns:v="urn:schemas-microsoft-com:vml" xmlns:pvml="urn:schemas-microsoft-com:office:powerpoint" xmlns:com="http://schemas.openxmlformats.org/drawingml/2006/compatibility" xmlns:p14="http://schemas.microsoft.com/office/powerpoint/2010/main" xmlns:p15="http://schemas.microsoft.com/office/powerpoint/2012/main" xmlns:ahyp="http://schemas.microsoft.com/office/drawing/2018/hyperlinkcolor">
+  <p:cSld>
+    <p:spTree>
+      <p:nvGrpSpPr>
+        <p:cNvPr id="178" name="Shape 178"/>
+        <p:cNvGrpSpPr/>
+        <p:nvPr/>
+      </p:nvGrpSpPr>
+      <p:grpSpPr>
+        <a:xfrm>
+          <a:off x="0" y="0"/>
+          <a:ext cx="0" cy="0"/>
+          <a:chOff x="0" y="0"/>
+          <a:chExt cx="0" cy="0"/>
+        </a:xfrm>
+      </p:grpSpPr>
+      <p:sp>
+        <p:nvSpPr>
+          <p:cNvPr id="179" name="Google Shape;179;g3baf4acbdf2_0_65"/>
+          <p:cNvSpPr txBox="1"/>
+          <p:nvPr>
+            <p:ph type="title"/>
+          </p:nvPr>
+        </p:nvSpPr>
+        <p:spPr>
+          <a:xfrm>
+            <a:off x="457200" y="274638"/>
+            <a:ext cx="8229600" cy="1143000"/>
+          </a:xfrm>
+          <a:prstGeom prst="rect">
+            <a:avLst/>
+          </a:prstGeom>
+        </p:spPr>
+        <p:txBody>
+          <a:bodyPr anchorCtr="0" anchor="b" bIns="91425" lIns="91425" spcFirstLastPara="1" rIns="91425" wrap="square" tIns="91425">
+            <a:noAutofit/>
+          </a:bodyPr>
+          <a:lstStyle/>
+          <a:p>
+            <a:pPr indent="0" lvl="0" marL="0" rtl="0" algn="l">
+              <a:spcBef>
+                <a:spcPts val="0"/>
+              </a:spcBef>
+              <a:spcAft>
+                <a:spcPts val="0"/>
+              </a:spcAft>
+              <a:buNone/>
+            </a:pPr>
+            <a:r>
+              <a:rPr lang="en">
+                <a:solidFill>
+                  <a:srgbClr val="A31415"/>
+                </a:solidFill>
+                <a:latin typeface="Consolas"/>
+                <a:ea typeface="Consolas"/>
+                <a:cs typeface="Consolas"/>
+                <a:sym typeface="Consolas"/>
+              </a:rPr>
+              <a:t>“tonight?”</a:t>
+            </a:r>
+            <a:r>
+              <a:rPr lang="en"/>
+              <a:t> vs. </a:t>
+            </a:r>
+            <a:r>
+              <a:rPr lang="en">
+                <a:solidFill>
+                  <a:srgbClr val="A31415"/>
+                </a:solidFill>
+                <a:latin typeface="Consolas"/>
+                <a:ea typeface="Consolas"/>
+                <a:cs typeface="Consolas"/>
+                <a:sym typeface="Consolas"/>
+              </a:rPr>
+              <a:t>“tonight”</a:t>
+            </a:r>
+            <a:endParaRPr>
+              <a:solidFill>
+                <a:srgbClr val="A31415"/>
+              </a:solidFill>
+              <a:latin typeface="Consolas"/>
+              <a:ea typeface="Consolas"/>
+              <a:cs typeface="Consolas"/>
+              <a:sym typeface="Consolas"/>
+            </a:endParaRPr>
+          </a:p>
+        </p:txBody>
+      </p:sp>
+      <p:sp>
+        <p:nvSpPr>
+          <p:cNvPr id="180" name="Google Shape;180;g3baf4acbdf2_0_65"/>
+          <p:cNvSpPr txBox="1"/>
+          <p:nvPr>
+            <p:ph idx="1" type="body"/>
+          </p:nvPr>
+        </p:nvSpPr>
+        <p:spPr>
+          <a:xfrm>
+            <a:off x="457200" y="1600200"/>
+            <a:ext cx="8229600" cy="4967700"/>
+          </a:xfrm>
+          <a:prstGeom prst="rect">
+            <a:avLst/>
+          </a:prstGeom>
+        </p:spPr>
+        <p:txBody>
+          <a:bodyPr anchorCtr="0" anchor="t" bIns="91425" lIns="91425" spcFirstLastPara="1" rIns="91425" wrap="square" tIns="91425">
+            <a:noAutofit/>
+          </a:bodyPr>
+          <a:lstStyle/>
+          <a:p>
+            <a:pPr indent="0" lvl="0" marL="0" rtl="0" algn="l">
+              <a:spcBef>
+                <a:spcPts val="600"/>
+              </a:spcBef>
+              <a:spcAft>
+                <a:spcPts val="0"/>
+              </a:spcAft>
+              <a:buNone/>
+            </a:pPr>
+            <a:r>
+              <a:rPr lang="en"/>
+              <a:t>This simple tokenizer works, but it seems very silly that </a:t>
+            </a:r>
+            <a:r>
+              <a:rPr b="1" lang="en">
+                <a:solidFill>
+                  <a:srgbClr val="A31415"/>
+                </a:solidFill>
+                <a:latin typeface="Consolas"/>
+                <a:ea typeface="Consolas"/>
+                <a:cs typeface="Consolas"/>
+                <a:sym typeface="Consolas"/>
+              </a:rPr>
+              <a:t>“tonight?”</a:t>
+            </a:r>
+            <a:r>
+              <a:rPr lang="en"/>
+              <a:t> is a different token than </a:t>
+            </a:r>
+            <a:r>
+              <a:rPr b="1" lang="en">
+                <a:solidFill>
+                  <a:srgbClr val="A31415"/>
+                </a:solidFill>
+              </a:rPr>
+              <a:t>“tonight”</a:t>
+            </a:r>
+            <a:r>
+              <a:rPr lang="en"/>
+              <a:t>.</a:t>
+            </a:r>
+            <a:endParaRPr/>
+          </a:p>
+          <a:p>
+            <a:pPr indent="0" lvl="0" marL="0" rtl="0" algn="l">
+              <a:spcBef>
+                <a:spcPts val="600"/>
+              </a:spcBef>
+              <a:spcAft>
+                <a:spcPts val="0"/>
+              </a:spcAft>
+              <a:buNone/>
+            </a:pPr>
+            <a:r>
+              <a:t/>
+            </a:r>
+            <a:endParaRPr/>
+          </a:p>
+          <a:p>
+            <a:pPr indent="0" lvl="0" marL="0" rtl="0" algn="l">
+              <a:spcBef>
+                <a:spcPts val="600"/>
+              </a:spcBef>
+              <a:spcAft>
+                <a:spcPts val="0"/>
+              </a:spcAft>
+              <a:buNone/>
+            </a:pPr>
+            <a:r>
+              <a:t/>
+            </a:r>
+            <a:endParaRPr/>
+          </a:p>
+          <a:p>
+            <a:pPr indent="0" lvl="0" marL="0" rtl="0" algn="l">
+              <a:spcBef>
+                <a:spcPts val="0"/>
+              </a:spcBef>
+              <a:spcAft>
+                <a:spcPts val="0"/>
+              </a:spcAft>
+              <a:buNone/>
+            </a:pPr>
+            <a:r>
+              <a:t/>
+            </a:r>
+            <a:endParaRPr b="1">
+              <a:solidFill>
+                <a:srgbClr val="002B5B"/>
+              </a:solidFill>
+            </a:endParaRPr>
+          </a:p>
+          <a:p>
+            <a:pPr indent="0" lvl="0" marL="0" rtl="0" algn="l">
+              <a:spcBef>
+                <a:spcPts val="0"/>
+              </a:spcBef>
+              <a:spcAft>
+                <a:spcPts val="0"/>
+              </a:spcAft>
+              <a:buNone/>
+            </a:pPr>
+            <a:r>
+              <a:t/>
+            </a:r>
+            <a:endParaRPr b="1">
+              <a:solidFill>
+                <a:srgbClr val="002B5B"/>
+              </a:solidFill>
+            </a:endParaRPr>
+          </a:p>
+          <a:p>
+            <a:pPr indent="0" lvl="0" marL="0" rtl="0" algn="l">
+              <a:spcBef>
+                <a:spcPts val="0"/>
+              </a:spcBef>
+              <a:spcAft>
+                <a:spcPts val="0"/>
+              </a:spcAft>
+              <a:buClr>
+                <a:schemeClr val="dk1"/>
+              </a:buClr>
+              <a:buSzPts val="3000"/>
+              <a:buFont typeface="Arial"/>
+              <a:buNone/>
+            </a:pPr>
+            <a:r>
+              <a:rPr b="1" lang="en">
+                <a:solidFill>
+                  <a:srgbClr val="002B5B"/>
+                </a:solidFill>
+              </a:rPr>
+              <a:t>BPE</a:t>
+            </a:r>
+            <a:r>
+              <a:rPr lang="en"/>
+              <a:t> is excellent at breaking down words statistically, but </a:t>
+            </a:r>
+            <a:r>
+              <a:rPr b="1" lang="en">
+                <a:solidFill>
+                  <a:srgbClr val="A31415"/>
+                </a:solidFill>
+              </a:rPr>
+              <a:t>it can make suboptimal merges</a:t>
+            </a:r>
+            <a:r>
+              <a:rPr lang="en"/>
+              <a:t> like combining punctuation with words.</a:t>
+            </a:r>
+            <a:endParaRPr/>
+          </a:p>
+        </p:txBody>
+      </p:sp>
+    </p:spTree>
+  </p:cSld>
+  <p:clrMapOvr>
+    <a:masterClrMapping/>
+  </p:clrMapOvr>
+</p:sld>
+</file>
+
+<file path=ppt/slides/slide22.xml><?xml version="1.0" encoding="utf-8"?>
+<p:sld xmlns:a="http://schemas.openxmlformats.org/drawingml/2006/main" xmlns:r="http://schemas.openxmlformats.org/officeDocument/2006/relationships" xmlns:mc="http://schemas.openxmlformats.org/markup-compatibility/2006" xmlns:mv="urn:schemas-microsoft-com:mac:vml" xmlns:p="http://schemas.openxmlformats.org/presentationml/2006/main" xmlns:c="http://schemas.openxmlformats.org/drawingml/2006/chart" xmlns:dgm="http://schemas.openxmlformats.org/drawingml/2006/diagram" xmlns:o="urn:schemas-microsoft-com:office:office" xmlns:v="urn:schemas-microsoft-com:vml" xmlns:pvml="urn:schemas-microsoft-com:office:powerpoint" xmlns:com="http://schemas.openxmlformats.org/drawingml/2006/compatibility" xmlns:p14="http://schemas.microsoft.com/office/powerpoint/2010/main" xmlns:p15="http://schemas.microsoft.com/office/powerpoint/2012/main" xmlns:ahyp="http://schemas.microsoft.com/office/drawing/2018/hyperlinkcolor">
+  <p:cSld>
+    <p:spTree>
+      <p:nvGrpSpPr>
+        <p:cNvPr id="184" name="Shape 184"/>
+        <p:cNvGrpSpPr/>
+        <p:nvPr/>
+      </p:nvGrpSpPr>
+      <p:grpSpPr>
+        <a:xfrm>
+          <a:off x="0" y="0"/>
+          <a:ext cx="0" cy="0"/>
+          <a:chOff x="0" y="0"/>
+          <a:chExt cx="0" cy="0"/>
+        </a:xfrm>
+      </p:grpSpPr>
+      <p:sp>
+        <p:nvSpPr>
+          <p:cNvPr id="185" name="Google Shape;185;g3b938ea6dd9_0_93"/>
+          <p:cNvSpPr txBox="1"/>
+          <p:nvPr>
+            <p:ph type="title"/>
+          </p:nvPr>
+        </p:nvSpPr>
+        <p:spPr>
+          <a:xfrm>
+            <a:off x="457200" y="274638"/>
+            <a:ext cx="8229600" cy="1143000"/>
+          </a:xfrm>
+          <a:prstGeom prst="rect">
+            <a:avLst/>
+          </a:prstGeom>
+          <a:noFill/>
+          <a:ln>
+            <a:noFill/>
+          </a:ln>
+        </p:spPr>
+        <p:txBody>
+          <a:bodyPr anchorCtr="0" anchor="b" bIns="91425" lIns="91425" spcFirstLastPara="1" rIns="91425" wrap="square" tIns="91425">
+            <a:noAutofit/>
+          </a:bodyPr>
+          <a:lstStyle/>
+          <a:p>
+            <a:pPr indent="0" lvl="0" marL="0" rtl="0" algn="l">
+              <a:lnSpc>
+                <a:spcPct val="100000"/>
+              </a:lnSpc>
+              <a:spcBef>
+                <a:spcPts val="0"/>
+              </a:spcBef>
+              <a:spcAft>
+                <a:spcPts val="0"/>
+              </a:spcAft>
+              <a:buSzPts val="3600"/>
+              <a:buNone/>
+            </a:pPr>
+            <a:r>
+              <a:rPr lang="en"/>
+              <a:t>Regex in Tokenization</a:t>
+            </a:r>
+            <a:endParaRPr/>
+          </a:p>
+        </p:txBody>
+      </p:sp>
+      <p:sp>
+        <p:nvSpPr>
+          <p:cNvPr id="186" name="Google Shape;186;g3b938ea6dd9_0_93"/>
           <p:cNvSpPr txBox="1"/>
           <p:nvPr/>
         </p:nvSpPr>
@@ -11982,7 +13982,7 @@
       </p:sp>
       <p:sp>
         <p:nvSpPr>
-          <p:cNvPr id="177" name="Google Shape;177;g3b938ea6dd9_0_93"/>
+          <p:cNvPr id="187" name="Google Shape;187;g3b938ea6dd9_0_93"/>
           <p:cNvSpPr txBox="1"/>
           <p:nvPr>
             <p:ph idx="1" type="body"/>
@@ -12087,12 +14087,12 @@
 </p:sld>
 </file>
 
-<file path=ppt/slides/slide22.xml><?xml version="1.0" encoding="utf-8"?>
+<file path=ppt/slides/slide23.xml><?xml version="1.0" encoding="utf-8"?>
 <p:sld xmlns:a="http://schemas.openxmlformats.org/drawingml/2006/main" xmlns:r="http://schemas.openxmlformats.org/officeDocument/2006/relationships" xmlns:mc="http://schemas.openxmlformats.org/markup-compatibility/2006" xmlns:mv="urn:schemas-microsoft-com:mac:vml" xmlns:p="http://schemas.openxmlformats.org/presentationml/2006/main" xmlns:c="http://schemas.openxmlformats.org/drawingml/2006/chart" xmlns:dgm="http://schemas.openxmlformats.org/drawingml/2006/diagram" xmlns:o="urn:schemas-microsoft-com:office:office" xmlns:v="urn:schemas-microsoft-com:vml" xmlns:pvml="urn:schemas-microsoft-com:office:powerpoint" xmlns:com="http://schemas.openxmlformats.org/drawingml/2006/compatibility" xmlns:p14="http://schemas.microsoft.com/office/powerpoint/2010/main" xmlns:p15="http://schemas.microsoft.com/office/powerpoint/2012/main" xmlns:ahyp="http://schemas.microsoft.com/office/drawing/2018/hyperlinkcolor">
   <p:cSld>
     <p:spTree>
       <p:nvGrpSpPr>
-        <p:cNvPr id="181" name="Shape 181"/>
+        <p:cNvPr id="191" name="Shape 191"/>
         <p:cNvGrpSpPr/>
         <p:nvPr/>
       </p:nvGrpSpPr>
@@ -12106,7 +14106,7 @@
       </p:grpSpPr>
       <p:sp>
         <p:nvSpPr>
-          <p:cNvPr id="182" name="Google Shape;182;g3b8409de4d6_0_118"/>
+          <p:cNvPr id="192" name="Google Shape;192;g3b8409de4d6_0_118"/>
           <p:cNvSpPr txBox="1"/>
           <p:nvPr>
             <p:ph type="title"/>
@@ -12166,7 +14166,7 @@
       </p:sp>
       <p:sp>
         <p:nvSpPr>
-          <p:cNvPr id="183" name="Google Shape;183;g3b8409de4d6_0_118"/>
+          <p:cNvPr id="193" name="Google Shape;193;g3b8409de4d6_0_118"/>
           <p:cNvSpPr txBox="1"/>
           <p:nvPr>
             <p:ph idx="1" type="body"/>
@@ -12242,7 +14242,7 @@
       </p:sp>
       <p:sp>
         <p:nvSpPr>
-          <p:cNvPr id="184" name="Google Shape;184;g3b8409de4d6_0_118"/>
+          <p:cNvPr id="194" name="Google Shape;194;g3b8409de4d6_0_118"/>
           <p:cNvSpPr txBox="1"/>
           <p:nvPr/>
         </p:nvSpPr>
@@ -12392,7 +14392,7 @@
       </p:sp>
       <p:pic>
         <p:nvPicPr>
-          <p:cNvPr id="185" name="Google Shape;185;g3b8409de4d6_0_118"/>
+          <p:cNvPr id="195" name="Google Shape;195;g3b8409de4d6_0_118"/>
           <p:cNvPicPr preferRelativeResize="0"/>
           <p:nvPr/>
         </p:nvPicPr>
@@ -12419,7 +14419,7 @@
       </p:pic>
       <p:sp>
         <p:nvSpPr>
-          <p:cNvPr id="186" name="Google Shape;186;g3b8409de4d6_0_118"/>
+          <p:cNvPr id="196" name="Google Shape;196;g3b8409de4d6_0_118"/>
           <p:cNvSpPr txBox="1"/>
           <p:nvPr/>
         </p:nvSpPr>
@@ -12535,12 +14535,12 @@
 </p:sld>
 </file>
 
-<file path=ppt/slides/slide23.xml><?xml version="1.0" encoding="utf-8"?>
+<file path=ppt/slides/slide24.xml><?xml version="1.0" encoding="utf-8"?>
 <p:sld xmlns:a="http://schemas.openxmlformats.org/drawingml/2006/main" xmlns:r="http://schemas.openxmlformats.org/officeDocument/2006/relationships" xmlns:mc="http://schemas.openxmlformats.org/markup-compatibility/2006" xmlns:mv="urn:schemas-microsoft-com:mac:vml" xmlns:p="http://schemas.openxmlformats.org/presentationml/2006/main" xmlns:c="http://schemas.openxmlformats.org/drawingml/2006/chart" xmlns:dgm="http://schemas.openxmlformats.org/drawingml/2006/diagram" xmlns:o="urn:schemas-microsoft-com:office:office" xmlns:v="urn:schemas-microsoft-com:vml" xmlns:pvml="urn:schemas-microsoft-com:office:powerpoint" xmlns:com="http://schemas.openxmlformats.org/drawingml/2006/compatibility" xmlns:p14="http://schemas.microsoft.com/office/powerpoint/2010/main" xmlns:p15="http://schemas.microsoft.com/office/powerpoint/2012/main" xmlns:ahyp="http://schemas.microsoft.com/office/drawing/2018/hyperlinkcolor">
   <p:cSld>
     <p:spTree>
       <p:nvGrpSpPr>
-        <p:cNvPr id="190" name="Shape 190"/>
+        <p:cNvPr id="200" name="Shape 200"/>
         <p:cNvGrpSpPr/>
         <p:nvPr/>
       </p:nvGrpSpPr>
@@ -12554,7 +14554,7 @@
       </p:grpSpPr>
       <p:sp>
         <p:nvSpPr>
-          <p:cNvPr id="191" name="Google Shape;191;g3b8409de4d6_0_108"/>
+          <p:cNvPr id="201" name="Google Shape;201;g3b8409de4d6_0_108"/>
           <p:cNvSpPr txBox="1"/>
           <p:nvPr>
             <p:ph type="title"/>
@@ -12602,7 +14602,7 @@
       </p:sp>
       <p:sp>
         <p:nvSpPr>
-          <p:cNvPr id="192" name="Google Shape;192;g3b8409de4d6_0_108"/>
+          <p:cNvPr id="202" name="Google Shape;202;g3b8409de4d6_0_108"/>
           <p:cNvSpPr txBox="1"/>
           <p:nvPr>
             <p:ph idx="1" type="body"/>
@@ -12762,7 +14762,7 @@
       </p:sp>
       <p:pic>
         <p:nvPicPr>
-          <p:cNvPr id="193" name="Google Shape;193;g3b8409de4d6_0_108"/>
+          <p:cNvPr id="203" name="Google Shape;203;g3b8409de4d6_0_108"/>
           <p:cNvPicPr preferRelativeResize="0"/>
           <p:nvPr/>
         </p:nvPicPr>
@@ -12790,7 +14790,7 @@
       </p:pic>
       <p:pic>
         <p:nvPicPr>
-          <p:cNvPr id="194" name="Google Shape;194;g3b8409de4d6_0_108" title="IMG_0529.jpeg"/>
+          <p:cNvPr id="204" name="Google Shape;204;g3b8409de4d6_0_108" title="IMG_0529.jpeg"/>
           <p:cNvPicPr preferRelativeResize="0"/>
           <p:nvPr/>
         </p:nvPicPr>
@@ -15328,6 +17328,285 @@
 </file>
 
 <file path=ppt/theme/theme1.xml><?xml version="1.0" encoding="utf-8"?>
+<a:theme xmlns:a="http://schemas.openxmlformats.org/drawingml/2006/main" xmlns:r="http://schemas.openxmlformats.org/officeDocument/2006/relationships" name="PB Theme">
+  <a:themeElements>
+    <a:clrScheme name="Custom 347">
+      <a:dk1>
+        <a:srgbClr val="000000"/>
+      </a:dk1>
+      <a:lt1>
+        <a:srgbClr val="FFFFFF"/>
+      </a:lt1>
+      <a:dk2>
+        <a:srgbClr val="666666"/>
+      </a:dk2>
+      <a:lt2>
+        <a:srgbClr val="CCCCCC"/>
+      </a:lt2>
+      <a:accent1>
+        <a:srgbClr val="3A81BA"/>
+      </a:accent1>
+      <a:accent2>
+        <a:srgbClr val="D89F39"/>
+      </a:accent2>
+      <a:accent3>
+        <a:srgbClr val="8BAB42"/>
+      </a:accent3>
+      <a:accent4>
+        <a:srgbClr val="57A7B5"/>
+      </a:accent4>
+      <a:accent5>
+        <a:srgbClr val="8B81D2"/>
+      </a:accent5>
+      <a:accent6>
+        <a:srgbClr val="963334"/>
+      </a:accent6>
+      <a:hlink>
+        <a:srgbClr val="1155CC"/>
+      </a:hlink>
+      <a:folHlink>
+        <a:srgbClr val="6611CC"/>
+      </a:folHlink>
+    </a:clrScheme>
+    <a:fontScheme name="Office">
+      <a:majorFont>
+        <a:latin typeface="Arial"/>
+        <a:ea typeface=""/>
+        <a:cs typeface=""/>
+        <a:font script="Jpan" typeface="ＭＳ Ｐゴシック"/>
+        <a:font script="Hang" typeface="맑은 고딕"/>
+        <a:font script="Hans" typeface="宋体"/>
+        <a:font script="Hant" typeface="新細明體"/>
+        <a:font script="Arab" typeface="Times New Roman"/>
+        <a:font script="Hebr" typeface="Times New Roman"/>
+        <a:font script="Thai" typeface="Angsana New"/>
+        <a:font script="Ethi" typeface="Nyala"/>
+        <a:font script="Beng" typeface="Vrinda"/>
+        <a:font script="Gujr" typeface="Shruti"/>
+        <a:font script="Khmr" typeface="MoolBoran"/>
+        <a:font script="Knda" typeface="Tunga"/>
+        <a:font script="Guru" typeface="Raavi"/>
+        <a:font script="Cans" typeface="Euphemia"/>
+        <a:font script="Cher" typeface="Plantagenet Cherokee"/>
+        <a:font script="Yiii" typeface="Microsoft Yi Baiti"/>
+        <a:font script="Tibt" typeface="Microsoft Himalaya"/>
+        <a:font script="Thaa" typeface="MV Boli"/>
+        <a:font script="Deva" typeface="Mangal"/>
+        <a:font script="Telu" typeface="Gautami"/>
+        <a:font script="Taml" typeface="Latha"/>
+        <a:font script="Syrc" typeface="Estrangelo Edessa"/>
+        <a:font script="Orya" typeface="Kalinga"/>
+        <a:font script="Mlym" typeface="Kartika"/>
+        <a:font script="Laoo" typeface="DokChampa"/>
+        <a:font script="Sinh" typeface="Iskoola Pota"/>
+        <a:font script="Mong" typeface="Mongolian Baiti"/>
+        <a:font script="Viet" typeface="Times New Roman"/>
+        <a:font script="Uigh" typeface="Microsoft Uighur"/>
+        <a:font script="Geor" typeface="Sylfaen"/>
+      </a:majorFont>
+      <a:minorFont>
+        <a:latin typeface="Arial"/>
+        <a:ea typeface=""/>
+        <a:cs typeface=""/>
+        <a:font script="Jpan" typeface="ＭＳ Ｐゴシック"/>
+        <a:font script="Hang" typeface="맑은 고딕"/>
+        <a:font script="Hans" typeface="宋体"/>
+        <a:font script="Hant" typeface="新細明體"/>
+        <a:font script="Arab" typeface="Arial"/>
+        <a:font script="Hebr" typeface="Arial"/>
+        <a:font script="Thai" typeface="Cordia New"/>
+        <a:font script="Ethi" typeface="Nyala"/>
+        <a:font script="Beng" typeface="Vrinda"/>
+        <a:font script="Gujr" typeface="Shruti"/>
+        <a:font script="Khmr" typeface="DaunPenh"/>
+        <a:font script="Knda" typeface="Tunga"/>
+        <a:font script="Guru" typeface="Raavi"/>
+        <a:font script="Cans" typeface="Euphemia"/>
+        <a:font script="Cher" typeface="Plantagenet Cherokee"/>
+        <a:font script="Yiii" typeface="Microsoft Yi Baiti"/>
+        <a:font script="Tibt" typeface="Microsoft Himalaya"/>
+        <a:font script="Thaa" typeface="MV Boli"/>
+        <a:font script="Deva" typeface="Mangal"/>
+        <a:font script="Telu" typeface="Gautami"/>
+        <a:font script="Taml" typeface="Latha"/>
+        <a:font script="Syrc" typeface="Estrangelo Edessa"/>
+        <a:font script="Orya" typeface="Kalinga"/>
+        <a:font script="Mlym" typeface="Kartika"/>
+        <a:font script="Laoo" typeface="DokChampa"/>
+        <a:font script="Sinh" typeface="Iskoola Pota"/>
+        <a:font script="Mong" typeface="Mongolian Baiti"/>
+        <a:font script="Viet" typeface="Arial"/>
+        <a:font script="Uigh" typeface="Microsoft Uighur"/>
+        <a:font script="Geor" typeface="Sylfaen"/>
+      </a:minorFont>
+    </a:fontScheme>
+    <a:fmtScheme name="Office">
+      <a:fillStyleLst>
+        <a:solidFill>
+          <a:schemeClr val="phClr"/>
+        </a:solidFill>
+        <a:gradFill rotWithShape="1">
+          <a:gsLst>
+            <a:gs pos="0">
+              <a:schemeClr val="phClr">
+                <a:tint val="50000"/>
+                <a:satMod val="300000"/>
+              </a:schemeClr>
+            </a:gs>
+            <a:gs pos="35000">
+              <a:schemeClr val="phClr">
+                <a:tint val="37000"/>
+                <a:satMod val="300000"/>
+              </a:schemeClr>
+            </a:gs>
+            <a:gs pos="100000">
+              <a:schemeClr val="phClr">
+                <a:tint val="15000"/>
+                <a:satMod val="350000"/>
+              </a:schemeClr>
+            </a:gs>
+          </a:gsLst>
+          <a:lin ang="16200000" scaled="1"/>
+        </a:gradFill>
+        <a:gradFill rotWithShape="1">
+          <a:gsLst>
+            <a:gs pos="0">
+              <a:schemeClr val="phClr">
+                <a:tint val="100000"/>
+                <a:shade val="100000"/>
+                <a:satMod val="130000"/>
+              </a:schemeClr>
+            </a:gs>
+            <a:gs pos="100000">
+              <a:schemeClr val="phClr">
+                <a:tint val="50000"/>
+                <a:shade val="100000"/>
+                <a:satMod val="350000"/>
+              </a:schemeClr>
+            </a:gs>
+          </a:gsLst>
+          <a:lin ang="16200000" scaled="0"/>
+        </a:gradFill>
+      </a:fillStyleLst>
+      <a:lnStyleLst>
+        <a:ln w="9525" cap="flat" cmpd="sng" algn="ctr">
+          <a:solidFill>
+            <a:schemeClr val="phClr">
+              <a:shade val="95000"/>
+              <a:satMod val="105000"/>
+            </a:schemeClr>
+          </a:solidFill>
+          <a:prstDash val="solid"/>
+        </a:ln>
+        <a:ln w="25400" cap="flat" cmpd="sng" algn="ctr">
+          <a:solidFill>
+            <a:schemeClr val="phClr"/>
+          </a:solidFill>
+          <a:prstDash val="solid"/>
+        </a:ln>
+        <a:ln w="38100" cap="flat" cmpd="sng" algn="ctr">
+          <a:solidFill>
+            <a:schemeClr val="phClr"/>
+          </a:solidFill>
+          <a:prstDash val="solid"/>
+        </a:ln>
+      </a:lnStyleLst>
+      <a:effectStyleLst>
+        <a:effectStyle>
+          <a:effectLst>
+            <a:outerShdw blurRad="40000" dist="20000" dir="5400000" rotWithShape="0">
+              <a:srgbClr val="000000">
+                <a:alpha val="38000"/>
+              </a:srgbClr>
+            </a:outerShdw>
+          </a:effectLst>
+        </a:effectStyle>
+        <a:effectStyle>
+          <a:effectLst>
+            <a:outerShdw blurRad="40000" dist="23000" dir="5400000" rotWithShape="0">
+              <a:srgbClr val="000000">
+                <a:alpha val="35000"/>
+              </a:srgbClr>
+            </a:outerShdw>
+          </a:effectLst>
+        </a:effectStyle>
+        <a:effectStyle>
+          <a:effectLst>
+            <a:outerShdw blurRad="40000" dist="23000" dir="5400000" rotWithShape="0">
+              <a:srgbClr val="000000">
+                <a:alpha val="35000"/>
+              </a:srgbClr>
+            </a:outerShdw>
+          </a:effectLst>
+          <a:scene3d>
+            <a:camera prst="orthographicFront">
+              <a:rot lat="0" lon="0" rev="0"/>
+            </a:camera>
+            <a:lightRig rig="threePt" dir="t">
+              <a:rot lat="0" lon="0" rev="1200000"/>
+            </a:lightRig>
+          </a:scene3d>
+          <a:sp3d>
+            <a:bevelT w="63500" h="25400"/>
+          </a:sp3d>
+        </a:effectStyle>
+      </a:effectStyleLst>
+      <a:bgFillStyleLst>
+        <a:solidFill>
+          <a:schemeClr val="phClr"/>
+        </a:solidFill>
+        <a:gradFill rotWithShape="1">
+          <a:gsLst>
+            <a:gs pos="0">
+              <a:schemeClr val="phClr">
+                <a:tint val="40000"/>
+                <a:satMod val="350000"/>
+              </a:schemeClr>
+            </a:gs>
+            <a:gs pos="40000">
+              <a:schemeClr val="phClr">
+                <a:tint val="45000"/>
+                <a:shade val="99000"/>
+                <a:satMod val="350000"/>
+              </a:schemeClr>
+            </a:gs>
+            <a:gs pos="100000">
+              <a:schemeClr val="phClr">
+                <a:shade val="20000"/>
+                <a:satMod val="255000"/>
+              </a:schemeClr>
+            </a:gs>
+          </a:gsLst>
+          <a:path path="circle">
+            <a:fillToRect l="50000" t="-80000" r="50000" b="180000"/>
+          </a:path>
+        </a:gradFill>
+        <a:gradFill rotWithShape="1">
+          <a:gsLst>
+            <a:gs pos="0">
+              <a:schemeClr val="phClr">
+                <a:tint val="80000"/>
+                <a:satMod val="300000"/>
+              </a:schemeClr>
+            </a:gs>
+            <a:gs pos="100000">
+              <a:schemeClr val="phClr">
+                <a:shade val="30000"/>
+                <a:satMod val="200000"/>
+              </a:schemeClr>
+            </a:gs>
+          </a:gsLst>
+          <a:path path="circle">
+            <a:fillToRect l="50000" t="50000" r="50000" b="50000"/>
+          </a:path>
+        </a:gradFill>
+      </a:bgFillStyleLst>
+    </a:fmtScheme>
+  </a:themeElements>
+</a:theme>
+</file>
+
+<file path=ppt/theme/theme2.xml><?xml version="1.0" encoding="utf-8"?>
 <a:theme xmlns:a="http://schemas.openxmlformats.org/drawingml/2006/main" xmlns:r="http://schemas.openxmlformats.org/officeDocument/2006/relationships">
   <a:themeElements>
     <a:clrScheme name="Default">
@@ -15604,283 +17883,4 @@
     </a:fmtScheme>
   </a:themeElements>
 </a:theme>
-</file>
-
-<file path=ppt/theme/theme2.xml><?xml version="1.0" encoding="utf-8"?>
-<a:theme xmlns:a="http://schemas.openxmlformats.org/drawingml/2006/main" xmlns:r="http://schemas.openxmlformats.org/officeDocument/2006/relationships" name="PB Theme">
-  <a:themeElements>
-    <a:clrScheme name="Custom 347">
-      <a:dk1>
-        <a:srgbClr val="000000"/>
-      </a:dk1>
-      <a:lt1>
-        <a:srgbClr val="FFFFFF"/>
-      </a:lt1>
-      <a:dk2>
-        <a:srgbClr val="666666"/>
-      </a:dk2>
-      <a:lt2>
-        <a:srgbClr val="CCCCCC"/>
-      </a:lt2>
-      <a:accent1>
-        <a:srgbClr val="3A81BA"/>
-      </a:accent1>
-      <a:accent2>
-        <a:srgbClr val="D89F39"/>
-      </a:accent2>
-      <a:accent3>
-        <a:srgbClr val="8BAB42"/>
-      </a:accent3>
-      <a:accent4>
-        <a:srgbClr val="57A7B5"/>
-      </a:accent4>
-      <a:accent5>
-        <a:srgbClr val="8B81D2"/>
-      </a:accent5>
-      <a:accent6>
-        <a:srgbClr val="963334"/>
-      </a:accent6>
-      <a:hlink>
-        <a:srgbClr val="1155CC"/>
-      </a:hlink>
-      <a:folHlink>
-        <a:srgbClr val="6611CC"/>
-      </a:folHlink>
-    </a:clrScheme>
-    <a:fontScheme name="Office">
-      <a:majorFont>
-        <a:latin typeface="Arial"/>
-        <a:ea typeface=""/>
-        <a:cs typeface=""/>
-        <a:font script="Jpan" typeface="ＭＳ Ｐゴシック"/>
-        <a:font script="Hang" typeface="맑은 고딕"/>
-        <a:font script="Hans" typeface="宋体"/>
-        <a:font script="Hant" typeface="新細明體"/>
-        <a:font script="Arab" typeface="Times New Roman"/>
-        <a:font script="Hebr" typeface="Times New Roman"/>
-        <a:font script="Thai" typeface="Angsana New"/>
-        <a:font script="Ethi" typeface="Nyala"/>
-        <a:font script="Beng" typeface="Vrinda"/>
-        <a:font script="Gujr" typeface="Shruti"/>
-        <a:font script="Khmr" typeface="MoolBoran"/>
-        <a:font script="Knda" typeface="Tunga"/>
-        <a:font script="Guru" typeface="Raavi"/>
-        <a:font script="Cans" typeface="Euphemia"/>
-        <a:font script="Cher" typeface="Plantagenet Cherokee"/>
-        <a:font script="Yiii" typeface="Microsoft Yi Baiti"/>
-        <a:font script="Tibt" typeface="Microsoft Himalaya"/>
-        <a:font script="Thaa" typeface="MV Boli"/>
-        <a:font script="Deva" typeface="Mangal"/>
-        <a:font script="Telu" typeface="Gautami"/>
-        <a:font script="Taml" typeface="Latha"/>
-        <a:font script="Syrc" typeface="Estrangelo Edessa"/>
-        <a:font script="Orya" typeface="Kalinga"/>
-        <a:font script="Mlym" typeface="Kartika"/>
-        <a:font script="Laoo" typeface="DokChampa"/>
-        <a:font script="Sinh" typeface="Iskoola Pota"/>
-        <a:font script="Mong" typeface="Mongolian Baiti"/>
-        <a:font script="Viet" typeface="Times New Roman"/>
-        <a:font script="Uigh" typeface="Microsoft Uighur"/>
-        <a:font script="Geor" typeface="Sylfaen"/>
-      </a:majorFont>
-      <a:minorFont>
-        <a:latin typeface="Arial"/>
-        <a:ea typeface=""/>
-        <a:cs typeface=""/>
-        <a:font script="Jpan" typeface="ＭＳ Ｐゴシック"/>
-        <a:font script="Hang" typeface="맑은 고딕"/>
-        <a:font script="Hans" typeface="宋体"/>
-        <a:font script="Hant" typeface="新細明體"/>
-        <a:font script="Arab" typeface="Arial"/>
-        <a:font script="Hebr" typeface="Arial"/>
-        <a:font script="Thai" typeface="Cordia New"/>
-        <a:font script="Ethi" typeface="Nyala"/>
-        <a:font script="Beng" typeface="Vrinda"/>
-        <a:font script="Gujr" typeface="Shruti"/>
-        <a:font script="Khmr" typeface="DaunPenh"/>
-        <a:font script="Knda" typeface="Tunga"/>
-        <a:font script="Guru" typeface="Raavi"/>
-        <a:font script="Cans" typeface="Euphemia"/>
-        <a:font script="Cher" typeface="Plantagenet Cherokee"/>
-        <a:font script="Yiii" typeface="Microsoft Yi Baiti"/>
-        <a:font script="Tibt" typeface="Microsoft Himalaya"/>
-        <a:font script="Thaa" typeface="MV Boli"/>
-        <a:font script="Deva" typeface="Mangal"/>
-        <a:font script="Telu" typeface="Gautami"/>
-        <a:font script="Taml" typeface="Latha"/>
-        <a:font script="Syrc" typeface="Estrangelo Edessa"/>
-        <a:font script="Orya" typeface="Kalinga"/>
-        <a:font script="Mlym" typeface="Kartika"/>
-        <a:font script="Laoo" typeface="DokChampa"/>
-        <a:font script="Sinh" typeface="Iskoola Pota"/>
-        <a:font script="Mong" typeface="Mongolian Baiti"/>
-        <a:font script="Viet" typeface="Arial"/>
-        <a:font script="Uigh" typeface="Microsoft Uighur"/>
-        <a:font script="Geor" typeface="Sylfaen"/>
-      </a:minorFont>
-    </a:fontScheme>
-    <a:fmtScheme name="Office">
-      <a:fillStyleLst>
-        <a:solidFill>
-          <a:schemeClr val="phClr"/>
-        </a:solidFill>
-        <a:gradFill rotWithShape="1">
-          <a:gsLst>
-            <a:gs pos="0">
-              <a:schemeClr val="phClr">
-                <a:tint val="50000"/>
-                <a:satMod val="300000"/>
-              </a:schemeClr>
-            </a:gs>
-            <a:gs pos="35000">
-              <a:schemeClr val="phClr">
-                <a:tint val="37000"/>
-                <a:satMod val="300000"/>
-              </a:schemeClr>
-            </a:gs>
-            <a:gs pos="100000">
-              <a:schemeClr val="phClr">
-                <a:tint val="15000"/>
-                <a:satMod val="350000"/>
-              </a:schemeClr>
-            </a:gs>
-          </a:gsLst>
-          <a:lin ang="16200000" scaled="1"/>
-        </a:gradFill>
-        <a:gradFill rotWithShape="1">
-          <a:gsLst>
-            <a:gs pos="0">
-              <a:schemeClr val="phClr">
-                <a:tint val="100000"/>
-                <a:shade val="100000"/>
-                <a:satMod val="130000"/>
-              </a:schemeClr>
-            </a:gs>
-            <a:gs pos="100000">
-              <a:schemeClr val="phClr">
-                <a:tint val="50000"/>
-                <a:shade val="100000"/>
-                <a:satMod val="350000"/>
-              </a:schemeClr>
-            </a:gs>
-          </a:gsLst>
-          <a:lin ang="16200000" scaled="0"/>
-        </a:gradFill>
-      </a:fillStyleLst>
-      <a:lnStyleLst>
-        <a:ln w="9525" cap="flat" cmpd="sng" algn="ctr">
-          <a:solidFill>
-            <a:schemeClr val="phClr">
-              <a:shade val="95000"/>
-              <a:satMod val="105000"/>
-            </a:schemeClr>
-          </a:solidFill>
-          <a:prstDash val="solid"/>
-        </a:ln>
-        <a:ln w="25400" cap="flat" cmpd="sng" algn="ctr">
-          <a:solidFill>
-            <a:schemeClr val="phClr"/>
-          </a:solidFill>
-          <a:prstDash val="solid"/>
-        </a:ln>
-        <a:ln w="38100" cap="flat" cmpd="sng" algn="ctr">
-          <a:solidFill>
-            <a:schemeClr val="phClr"/>
-          </a:solidFill>
-          <a:prstDash val="solid"/>
-        </a:ln>
-      </a:lnStyleLst>
-      <a:effectStyleLst>
-        <a:effectStyle>
-          <a:effectLst>
-            <a:outerShdw blurRad="40000" dist="20000" dir="5400000" rotWithShape="0">
-              <a:srgbClr val="000000">
-                <a:alpha val="38000"/>
-              </a:srgbClr>
-            </a:outerShdw>
-          </a:effectLst>
-        </a:effectStyle>
-        <a:effectStyle>
-          <a:effectLst>
-            <a:outerShdw blurRad="40000" dist="23000" dir="5400000" rotWithShape="0">
-              <a:srgbClr val="000000">
-                <a:alpha val="35000"/>
-              </a:srgbClr>
-            </a:outerShdw>
-          </a:effectLst>
-        </a:effectStyle>
-        <a:effectStyle>
-          <a:effectLst>
-            <a:outerShdw blurRad="40000" dist="23000" dir="5400000" rotWithShape="0">
-              <a:srgbClr val="000000">
-                <a:alpha val="35000"/>
-              </a:srgbClr>
-            </a:outerShdw>
-          </a:effectLst>
-          <a:scene3d>
-            <a:camera prst="orthographicFront">
-              <a:rot lat="0" lon="0" rev="0"/>
-            </a:camera>
-            <a:lightRig rig="threePt" dir="t">
-              <a:rot lat="0" lon="0" rev="1200000"/>
-            </a:lightRig>
-          </a:scene3d>
-          <a:sp3d>
-            <a:bevelT w="63500" h="25400"/>
-          </a:sp3d>
-        </a:effectStyle>
-      </a:effectStyleLst>
-      <a:bgFillStyleLst>
-        <a:solidFill>
-          <a:schemeClr val="phClr"/>
-        </a:solidFill>
-        <a:gradFill rotWithShape="1">
-          <a:gsLst>
-            <a:gs pos="0">
-              <a:schemeClr val="phClr">
-                <a:tint val="40000"/>
-                <a:satMod val="350000"/>
-              </a:schemeClr>
-            </a:gs>
-            <a:gs pos="40000">
-              <a:schemeClr val="phClr">
-                <a:tint val="45000"/>
-                <a:shade val="99000"/>
-                <a:satMod val="350000"/>
-              </a:schemeClr>
-            </a:gs>
-            <a:gs pos="100000">
-              <a:schemeClr val="phClr">
-                <a:shade val="20000"/>
-                <a:satMod val="255000"/>
-              </a:schemeClr>
-            </a:gs>
-          </a:gsLst>
-          <a:path path="circle">
-            <a:fillToRect l="50000" t="-80000" r="50000" b="180000"/>
-          </a:path>
-        </a:gradFill>
-        <a:gradFill rotWithShape="1">
-          <a:gsLst>
-            <a:gs pos="0">
-              <a:schemeClr val="phClr">
-                <a:tint val="80000"/>
-                <a:satMod val="300000"/>
-              </a:schemeClr>
-            </a:gs>
-            <a:gs pos="100000">
-              <a:schemeClr val="phClr">
-                <a:shade val="30000"/>
-                <a:satMod val="200000"/>
-              </a:schemeClr>
-            </a:gs>
-          </a:gsLst>
-          <a:path path="circle">
-            <a:fillToRect l="50000" t="50000" r="50000" b="50000"/>
-          </a:path>
-        </a:gradFill>
-      </a:bgFillStyleLst>
-    </a:fmtScheme>
-  </a:themeElements>
-</a:theme>
 </file>
--- a/Blank/Lecture_04_ Tokenization.pptx
+++ b/Blank/Lecture_04_ Tokenization.pptx
@@ -266,7 +266,7 @@
   </p:defaultTextStyle>
   <p:extLst>
     <p:ext uri="GoogleSlidesCustomDataVersion2">
-      <go:slidesCustomData xmlns:go="http://customooxmlschemas.google.com/" r:id="rId29" roundtripDataSignature="AMtx7mhhMCo4Z0egf6uaTUMj37+9Pk6fwQ=="/>
+      <go:slidesCustomData xmlns:go="http://customooxmlschemas.google.com/" r:id="rId29" roundtripDataSignature="AMtx7miKI4Hs82p/NbVAD798T3cr0bMVlA=="/>
     </p:ext>
   </p:extLst>
 </p:presentation>
@@ -955,7 +955,7 @@
   <p:cSld>
     <p:spTree>
       <p:nvGrpSpPr>
-        <p:cNvPr id="100" name="Shape 100"/>
+        <p:cNvPr id="101" name="Shape 101"/>
         <p:cNvGrpSpPr/>
         <p:nvPr/>
       </p:nvGrpSpPr>
@@ -969,7 +969,7 @@
       </p:grpSpPr>
       <p:sp>
         <p:nvSpPr>
-          <p:cNvPr id="101" name="Google Shape;101;g3ba79990f52_0_5:notes"/>
+          <p:cNvPr id="102" name="Google Shape;102;g3ba79990f52_0_5:notes"/>
           <p:cNvSpPr/>
           <p:nvPr>
             <p:ph idx="2" type="sldImg"/>
@@ -1014,7 +1014,7 @@
       </p:sp>
       <p:sp>
         <p:nvSpPr>
-          <p:cNvPr id="102" name="Google Shape;102;g3ba79990f52_0_5:notes"/>
+          <p:cNvPr id="103" name="Google Shape;103;g3ba79990f52_0_5:notes"/>
           <p:cNvSpPr txBox="1"/>
           <p:nvPr>
             <p:ph idx="1" type="body"/>
@@ -1072,7 +1072,7 @@
   <p:cSld>
     <p:spTree>
       <p:nvGrpSpPr>
-        <p:cNvPr id="106" name="Shape 106"/>
+        <p:cNvPr id="107" name="Shape 107"/>
         <p:cNvGrpSpPr/>
         <p:nvPr/>
       </p:nvGrpSpPr>
@@ -1086,7 +1086,7 @@
       </p:grpSpPr>
       <p:sp>
         <p:nvSpPr>
-          <p:cNvPr id="107" name="Google Shape;107;g3b938ea6dd9_0_16:notes"/>
+          <p:cNvPr id="108" name="Google Shape;108;g3b938ea6dd9_0_16:notes"/>
           <p:cNvSpPr/>
           <p:nvPr>
             <p:ph idx="2" type="sldImg"/>
@@ -1131,7 +1131,7 @@
       </p:sp>
       <p:sp>
         <p:nvSpPr>
-          <p:cNvPr id="108" name="Google Shape;108;g3b938ea6dd9_0_16:notes"/>
+          <p:cNvPr id="109" name="Google Shape;109;g3b938ea6dd9_0_16:notes"/>
           <p:cNvSpPr txBox="1"/>
           <p:nvPr>
             <p:ph idx="1" type="body"/>
@@ -1189,7 +1189,7 @@
   <p:cSld>
     <p:spTree>
       <p:nvGrpSpPr>
-        <p:cNvPr id="112" name="Shape 112"/>
+        <p:cNvPr id="113" name="Shape 113"/>
         <p:cNvGrpSpPr/>
         <p:nvPr/>
       </p:nvGrpSpPr>
@@ -1203,7 +1203,7 @@
       </p:grpSpPr>
       <p:sp>
         <p:nvSpPr>
-          <p:cNvPr id="113" name="Google Shape;113;g3baf4acbdf2_0_97:notes"/>
+          <p:cNvPr id="114" name="Google Shape;114;g3baf4acbdf2_0_97:notes"/>
           <p:cNvSpPr/>
           <p:nvPr>
             <p:ph idx="2" type="sldImg"/>
@@ -1238,7 +1238,7 @@
       </p:sp>
       <p:sp>
         <p:nvSpPr>
-          <p:cNvPr id="114" name="Google Shape;114;g3baf4acbdf2_0_97:notes"/>
+          <p:cNvPr id="115" name="Google Shape;115;g3baf4acbdf2_0_97:notes"/>
           <p:cNvSpPr txBox="1"/>
           <p:nvPr>
             <p:ph idx="1" type="body"/>
@@ -1288,7 +1288,7 @@
   <p:cSld>
     <p:spTree>
       <p:nvGrpSpPr>
-        <p:cNvPr id="119" name="Shape 119"/>
+        <p:cNvPr id="120" name="Shape 120"/>
         <p:cNvGrpSpPr/>
         <p:nvPr/>
       </p:nvGrpSpPr>
@@ -1302,7 +1302,7 @@
       </p:grpSpPr>
       <p:sp>
         <p:nvSpPr>
-          <p:cNvPr id="120" name="Google Shape;120;g3b8409de4d6_0_103:notes"/>
+          <p:cNvPr id="121" name="Google Shape;121;g3baf4acbdf2_0_77:notes"/>
           <p:cNvSpPr/>
           <p:nvPr>
             <p:ph idx="2" type="sldImg"/>
@@ -1347,7 +1347,7 @@
       </p:sp>
       <p:sp>
         <p:nvSpPr>
-          <p:cNvPr id="121" name="Google Shape;121;g3b8409de4d6_0_103:notes"/>
+          <p:cNvPr id="122" name="Google Shape;122;g3baf4acbdf2_0_77:notes"/>
           <p:cNvSpPr txBox="1"/>
           <p:nvPr>
             <p:ph idx="1" type="body"/>
@@ -1419,7 +1419,7 @@
       </p:grpSpPr>
       <p:sp>
         <p:nvSpPr>
-          <p:cNvPr id="128" name="Google Shape;128;g3baf4acbdf2_0_77:notes"/>
+          <p:cNvPr id="128" name="Google Shape;128;g3b8409de4d6_0_103:notes"/>
           <p:cNvSpPr/>
           <p:nvPr>
             <p:ph idx="2" type="sldImg"/>
@@ -1464,7 +1464,7 @@
       </p:sp>
       <p:sp>
         <p:nvSpPr>
-          <p:cNvPr id="129" name="Google Shape;129;g3baf4acbdf2_0_77:notes"/>
+          <p:cNvPr id="129" name="Google Shape;129;g3b8409de4d6_0_103:notes"/>
           <p:cNvSpPr txBox="1"/>
           <p:nvPr>
             <p:ph idx="1" type="body"/>
@@ -1522,7 +1522,7 @@
   <p:cSld>
     <p:spTree>
       <p:nvGrpSpPr>
-        <p:cNvPr id="134" name="Shape 134"/>
+        <p:cNvPr id="135" name="Shape 135"/>
         <p:cNvGrpSpPr/>
         <p:nvPr/>
       </p:nvGrpSpPr>
@@ -1536,7 +1536,106 @@
       </p:grpSpPr>
       <p:sp>
         <p:nvSpPr>
-          <p:cNvPr id="135" name="Google Shape;135;g3baf4acbdf2_0_22:notes"/>
+          <p:cNvPr id="136" name="Google Shape;136;g3baf4acbdf2_0_118:notes"/>
+          <p:cNvSpPr/>
+          <p:nvPr>
+            <p:ph idx="2" type="sldImg"/>
+          </p:nvPr>
+        </p:nvSpPr>
+        <p:spPr>
+          <a:xfrm>
+            <a:off x="1143309" y="685800"/>
+            <a:ext cx="4572000" cy="3429000"/>
+          </a:xfrm>
+          <a:custGeom>
+            <a:rect b="b" l="l" r="r" t="t"/>
+            <a:pathLst>
+              <a:path extrusionOk="0" h="120000" w="120000">
+                <a:moveTo>
+                  <a:pt x="0" y="0"/>
+                </a:moveTo>
+                <a:lnTo>
+                  <a:pt x="120000" y="0"/>
+                </a:lnTo>
+                <a:lnTo>
+                  <a:pt x="120000" y="120000"/>
+                </a:lnTo>
+                <a:lnTo>
+                  <a:pt x="0" y="120000"/>
+                </a:lnTo>
+                <a:close/>
+              </a:path>
+            </a:pathLst>
+          </a:custGeom>
+        </p:spPr>
+      </p:sp>
+      <p:sp>
+        <p:nvSpPr>
+          <p:cNvPr id="137" name="Google Shape;137;g3baf4acbdf2_0_118:notes"/>
+          <p:cNvSpPr txBox="1"/>
+          <p:nvPr>
+            <p:ph idx="1" type="body"/>
+          </p:nvPr>
+        </p:nvSpPr>
+        <p:spPr>
+          <a:xfrm>
+            <a:off x="685800" y="4343400"/>
+            <a:ext cx="5486400" cy="4114800"/>
+          </a:xfrm>
+          <a:prstGeom prst="rect">
+            <a:avLst/>
+          </a:prstGeom>
+        </p:spPr>
+        <p:txBody>
+          <a:bodyPr anchorCtr="0" anchor="t" bIns="91425" lIns="91425" spcFirstLastPara="1" rIns="91425" wrap="square" tIns="91425">
+            <a:noAutofit/>
+          </a:bodyPr>
+          <a:lstStyle/>
+          <a:p>
+            <a:pPr indent="0" lvl="0" marL="0" rtl="0" algn="l">
+              <a:spcBef>
+                <a:spcPts val="0"/>
+              </a:spcBef>
+              <a:spcAft>
+                <a:spcPts val="0"/>
+              </a:spcAft>
+              <a:buNone/>
+            </a:pPr>
+            <a:r>
+              <a:t/>
+            </a:r>
+            <a:endParaRPr/>
+          </a:p>
+        </p:txBody>
+      </p:sp>
+    </p:spTree>
+  </p:cSld>
+  <p:clrMapOvr>
+    <a:masterClrMapping/>
+  </p:clrMapOvr>
+</p:notes>
+</file>
+
+<file path=ppt/notesSlides/notesSlide16.xml><?xml version="1.0" encoding="utf-8"?>
+<p:notes xmlns:a="http://schemas.openxmlformats.org/drawingml/2006/main" xmlns:r="http://schemas.openxmlformats.org/officeDocument/2006/relationships" xmlns:mc="http://schemas.openxmlformats.org/markup-compatibility/2006" xmlns:mv="urn:schemas-microsoft-com:mac:vml" xmlns:p="http://schemas.openxmlformats.org/presentationml/2006/main" xmlns:c="http://schemas.openxmlformats.org/drawingml/2006/chart" xmlns:dgm="http://schemas.openxmlformats.org/drawingml/2006/diagram" xmlns:o="urn:schemas-microsoft-com:office:office" xmlns:v="urn:schemas-microsoft-com:vml" xmlns:pvml="urn:schemas-microsoft-com:office:powerpoint" xmlns:com="http://schemas.openxmlformats.org/drawingml/2006/compatibility" xmlns:p14="http://schemas.microsoft.com/office/powerpoint/2010/main" xmlns:p15="http://schemas.microsoft.com/office/powerpoint/2012/main" xmlns:ahyp="http://schemas.microsoft.com/office/drawing/2018/hyperlinkcolor" showMasterPhAnim="0" showMasterSp="0">
+  <p:cSld>
+    <p:spTree>
+      <p:nvGrpSpPr>
+        <p:cNvPr id="142" name="Shape 142"/>
+        <p:cNvGrpSpPr/>
+        <p:nvPr/>
+      </p:nvGrpSpPr>
+      <p:grpSpPr>
+        <a:xfrm>
+          <a:off x="0" y="0"/>
+          <a:ext cx="0" cy="0"/>
+          <a:chOff x="0" y="0"/>
+          <a:chExt cx="0" cy="0"/>
+        </a:xfrm>
+      </p:grpSpPr>
+      <p:sp>
+        <p:nvSpPr>
+          <p:cNvPr id="143" name="Google Shape;143;g3baf4acbdf2_0_84:notes"/>
           <p:cNvSpPr/>
           <p:nvPr>
             <p:ph idx="2" type="sldImg"/>
@@ -1581,7 +1680,7 @@
       </p:sp>
       <p:sp>
         <p:nvSpPr>
-          <p:cNvPr id="136" name="Google Shape;136;g3baf4acbdf2_0_22:notes"/>
+          <p:cNvPr id="144" name="Google Shape;144;g3baf4acbdf2_0_84:notes"/>
           <p:cNvSpPr txBox="1"/>
           <p:nvPr>
             <p:ph idx="1" type="body"/>
@@ -1634,12 +1733,12 @@
 </p:notes>
 </file>
 
-<file path=ppt/notesSlides/notesSlide16.xml><?xml version="1.0" encoding="utf-8"?>
+<file path=ppt/notesSlides/notesSlide17.xml><?xml version="1.0" encoding="utf-8"?>
 <p:notes xmlns:a="http://schemas.openxmlformats.org/drawingml/2006/main" xmlns:r="http://schemas.openxmlformats.org/officeDocument/2006/relationships" xmlns:mc="http://schemas.openxmlformats.org/markup-compatibility/2006" xmlns:mv="urn:schemas-microsoft-com:mac:vml" xmlns:p="http://schemas.openxmlformats.org/presentationml/2006/main" xmlns:c="http://schemas.openxmlformats.org/drawingml/2006/chart" xmlns:dgm="http://schemas.openxmlformats.org/drawingml/2006/diagram" xmlns:o="urn:schemas-microsoft-com:office:office" xmlns:v="urn:schemas-microsoft-com:vml" xmlns:pvml="urn:schemas-microsoft-com:office:powerpoint" xmlns:com="http://schemas.openxmlformats.org/drawingml/2006/compatibility" xmlns:p14="http://schemas.microsoft.com/office/powerpoint/2010/main" xmlns:p15="http://schemas.microsoft.com/office/powerpoint/2012/main" xmlns:ahyp="http://schemas.microsoft.com/office/drawing/2018/hyperlinkcolor" showMasterPhAnim="0" showMasterSp="0">
   <p:cSld>
     <p:spTree>
       <p:nvGrpSpPr>
-        <p:cNvPr id="140" name="Shape 140"/>
+        <p:cNvPr id="149" name="Shape 149"/>
         <p:cNvGrpSpPr/>
         <p:nvPr/>
       </p:nvGrpSpPr>
@@ -1653,7 +1752,7 @@
       </p:grpSpPr>
       <p:sp>
         <p:nvSpPr>
-          <p:cNvPr id="141" name="Google Shape;141;g3baf4acbdf2_0_84:notes"/>
+          <p:cNvPr id="150" name="Google Shape;150;g3baf4acbdf2_0_90:notes"/>
           <p:cNvSpPr/>
           <p:nvPr>
             <p:ph idx="2" type="sldImg"/>
@@ -1698,7 +1797,7 @@
       </p:sp>
       <p:sp>
         <p:nvSpPr>
-          <p:cNvPr id="142" name="Google Shape;142;g3baf4acbdf2_0_84:notes"/>
+          <p:cNvPr id="151" name="Google Shape;151;g3baf4acbdf2_0_90:notes"/>
           <p:cNvSpPr txBox="1"/>
           <p:nvPr>
             <p:ph idx="1" type="body"/>
@@ -1751,12 +1850,12 @@
 </p:notes>
 </file>
 
-<file path=ppt/notesSlides/notesSlide17.xml><?xml version="1.0" encoding="utf-8"?>
+<file path=ppt/notesSlides/notesSlide18.xml><?xml version="1.0" encoding="utf-8"?>
 <p:notes xmlns:a="http://schemas.openxmlformats.org/drawingml/2006/main" xmlns:r="http://schemas.openxmlformats.org/officeDocument/2006/relationships" xmlns:mc="http://schemas.openxmlformats.org/markup-compatibility/2006" xmlns:mv="urn:schemas-microsoft-com:mac:vml" xmlns:p="http://schemas.openxmlformats.org/presentationml/2006/main" xmlns:c="http://schemas.openxmlformats.org/drawingml/2006/chart" xmlns:dgm="http://schemas.openxmlformats.org/drawingml/2006/diagram" xmlns:o="urn:schemas-microsoft-com:office:office" xmlns:v="urn:schemas-microsoft-com:vml" xmlns:pvml="urn:schemas-microsoft-com:office:powerpoint" xmlns:com="http://schemas.openxmlformats.org/drawingml/2006/compatibility" xmlns:p14="http://schemas.microsoft.com/office/powerpoint/2010/main" xmlns:p15="http://schemas.microsoft.com/office/powerpoint/2012/main" xmlns:ahyp="http://schemas.microsoft.com/office/drawing/2018/hyperlinkcolor" showMasterPhAnim="0" showMasterSp="0">
   <p:cSld>
     <p:spTree>
       <p:nvGrpSpPr>
-        <p:cNvPr id="147" name="Shape 147"/>
+        <p:cNvPr id="156" name="Shape 156"/>
         <p:cNvGrpSpPr/>
         <p:nvPr/>
       </p:nvGrpSpPr>
@@ -1770,7 +1869,7 @@
       </p:grpSpPr>
       <p:sp>
         <p:nvSpPr>
-          <p:cNvPr id="148" name="Google Shape;148;g3baf4acbdf2_0_90:notes"/>
+          <p:cNvPr id="157" name="Google Shape;157;g3baf4acbdf2_0_107:notes"/>
           <p:cNvSpPr/>
           <p:nvPr>
             <p:ph idx="2" type="sldImg"/>
@@ -1815,7 +1914,7 @@
       </p:sp>
       <p:sp>
         <p:nvSpPr>
-          <p:cNvPr id="149" name="Google Shape;149;g3baf4acbdf2_0_90:notes"/>
+          <p:cNvPr id="158" name="Google Shape;158;g3baf4acbdf2_0_107:notes"/>
           <p:cNvSpPr txBox="1"/>
           <p:nvPr>
             <p:ph idx="1" type="body"/>
@@ -1868,12 +1967,12 @@
 </p:notes>
 </file>
 
-<file path=ppt/notesSlides/notesSlide18.xml><?xml version="1.0" encoding="utf-8"?>
+<file path=ppt/notesSlides/notesSlide19.xml><?xml version="1.0" encoding="utf-8"?>
 <p:notes xmlns:a="http://schemas.openxmlformats.org/drawingml/2006/main" xmlns:r="http://schemas.openxmlformats.org/officeDocument/2006/relationships" xmlns:mc="http://schemas.openxmlformats.org/markup-compatibility/2006" xmlns:mv="urn:schemas-microsoft-com:mac:vml" xmlns:p="http://schemas.openxmlformats.org/presentationml/2006/main" xmlns:c="http://schemas.openxmlformats.org/drawingml/2006/chart" xmlns:dgm="http://schemas.openxmlformats.org/drawingml/2006/diagram" xmlns:o="urn:schemas-microsoft-com:office:office" xmlns:v="urn:schemas-microsoft-com:vml" xmlns:pvml="urn:schemas-microsoft-com:office:powerpoint" xmlns:com="http://schemas.openxmlformats.org/drawingml/2006/compatibility" xmlns:p14="http://schemas.microsoft.com/office/powerpoint/2010/main" xmlns:p15="http://schemas.microsoft.com/office/powerpoint/2012/main" xmlns:ahyp="http://schemas.microsoft.com/office/drawing/2018/hyperlinkcolor" showMasterPhAnim="0" showMasterSp="0">
   <p:cSld>
     <p:spTree>
       <p:nvGrpSpPr>
-        <p:cNvPr id="154" name="Shape 154"/>
+        <p:cNvPr id="162" name="Shape 162"/>
         <p:cNvGrpSpPr/>
         <p:nvPr/>
       </p:nvGrpSpPr>
@@ -1887,7 +1986,7 @@
       </p:grpSpPr>
       <p:sp>
         <p:nvSpPr>
-          <p:cNvPr id="155" name="Google Shape;155;g3baf4acbdf2_0_107:notes"/>
+          <p:cNvPr id="163" name="Google Shape;163;g3baf4acbdf2_0_12:notes"/>
           <p:cNvSpPr/>
           <p:nvPr>
             <p:ph idx="2" type="sldImg"/>
@@ -1932,124 +2031,7 @@
       </p:sp>
       <p:sp>
         <p:nvSpPr>
-          <p:cNvPr id="156" name="Google Shape;156;g3baf4acbdf2_0_107:notes"/>
-          <p:cNvSpPr txBox="1"/>
-          <p:nvPr>
-            <p:ph idx="1" type="body"/>
-          </p:nvPr>
-        </p:nvSpPr>
-        <p:spPr>
-          <a:xfrm>
-            <a:off x="685800" y="4343400"/>
-            <a:ext cx="5486400" cy="4114800"/>
-          </a:xfrm>
-          <a:prstGeom prst="rect">
-            <a:avLst/>
-          </a:prstGeom>
-          <a:noFill/>
-          <a:ln>
-            <a:noFill/>
-          </a:ln>
-        </p:spPr>
-        <p:txBody>
-          <a:bodyPr anchorCtr="0" anchor="t" bIns="91425" lIns="91425" spcFirstLastPara="1" rIns="91425" wrap="square" tIns="91425">
-            <a:noAutofit/>
-          </a:bodyPr>
-          <a:lstStyle/>
-          <a:p>
-            <a:pPr indent="0" lvl="0" marL="0" rtl="0" algn="l">
-              <a:lnSpc>
-                <a:spcPct val="100000"/>
-              </a:lnSpc>
-              <a:spcBef>
-                <a:spcPts val="0"/>
-              </a:spcBef>
-              <a:spcAft>
-                <a:spcPts val="0"/>
-              </a:spcAft>
-              <a:buSzPts val="1400"/>
-              <a:buNone/>
-            </a:pPr>
-            <a:r>
-              <a:t/>
-            </a:r>
-            <a:endParaRPr/>
-          </a:p>
-        </p:txBody>
-      </p:sp>
-    </p:spTree>
-  </p:cSld>
-  <p:clrMapOvr>
-    <a:masterClrMapping/>
-  </p:clrMapOvr>
-</p:notes>
-</file>
-
-<file path=ppt/notesSlides/notesSlide19.xml><?xml version="1.0" encoding="utf-8"?>
-<p:notes xmlns:a="http://schemas.openxmlformats.org/drawingml/2006/main" xmlns:r="http://schemas.openxmlformats.org/officeDocument/2006/relationships" xmlns:mc="http://schemas.openxmlformats.org/markup-compatibility/2006" xmlns:mv="urn:schemas-microsoft-com:mac:vml" xmlns:p="http://schemas.openxmlformats.org/presentationml/2006/main" xmlns:c="http://schemas.openxmlformats.org/drawingml/2006/chart" xmlns:dgm="http://schemas.openxmlformats.org/drawingml/2006/diagram" xmlns:o="urn:schemas-microsoft-com:office:office" xmlns:v="urn:schemas-microsoft-com:vml" xmlns:pvml="urn:schemas-microsoft-com:office:powerpoint" xmlns:com="http://schemas.openxmlformats.org/drawingml/2006/compatibility" xmlns:p14="http://schemas.microsoft.com/office/powerpoint/2010/main" xmlns:p15="http://schemas.microsoft.com/office/powerpoint/2012/main" xmlns:ahyp="http://schemas.microsoft.com/office/drawing/2018/hyperlinkcolor" showMasterPhAnim="0" showMasterSp="0">
-  <p:cSld>
-    <p:spTree>
-      <p:nvGrpSpPr>
-        <p:cNvPr id="160" name="Shape 160"/>
-        <p:cNvGrpSpPr/>
-        <p:nvPr/>
-      </p:nvGrpSpPr>
-      <p:grpSpPr>
-        <a:xfrm>
-          <a:off x="0" y="0"/>
-          <a:ext cx="0" cy="0"/>
-          <a:chOff x="0" y="0"/>
-          <a:chExt cx="0" cy="0"/>
-        </a:xfrm>
-      </p:grpSpPr>
-      <p:sp>
-        <p:nvSpPr>
-          <p:cNvPr id="161" name="Google Shape;161;g3baf4acbdf2_0_49:notes"/>
-          <p:cNvSpPr/>
-          <p:nvPr>
-            <p:ph idx="2" type="sldImg"/>
-          </p:nvPr>
-        </p:nvSpPr>
-        <p:spPr>
-          <a:xfrm>
-            <a:off x="1143309" y="685800"/>
-            <a:ext cx="4572000" cy="3429000"/>
-          </a:xfrm>
-          <a:custGeom>
-            <a:rect b="b" l="l" r="r" t="t"/>
-            <a:pathLst>
-              <a:path extrusionOk="0" h="120000" w="120000">
-                <a:moveTo>
-                  <a:pt x="0" y="0"/>
-                </a:moveTo>
-                <a:lnTo>
-                  <a:pt x="120000" y="0"/>
-                </a:lnTo>
-                <a:lnTo>
-                  <a:pt x="120000" y="120000"/>
-                </a:lnTo>
-                <a:lnTo>
-                  <a:pt x="0" y="120000"/>
-                </a:lnTo>
-                <a:close/>
-              </a:path>
-            </a:pathLst>
-          </a:custGeom>
-          <a:noFill/>
-          <a:ln cap="flat" cmpd="sng" w="9525">
-            <a:solidFill>
-              <a:srgbClr val="000000"/>
-            </a:solidFill>
-            <a:prstDash val="solid"/>
-            <a:round/>
-            <a:headEnd len="sm" w="sm" type="none"/>
-            <a:tailEnd len="sm" w="sm" type="none"/>
-          </a:ln>
-        </p:spPr>
-      </p:sp>
-      <p:sp>
-        <p:nvSpPr>
-          <p:cNvPr id="162" name="Google Shape;162;g3baf4acbdf2_0_49:notes"/>
+          <p:cNvPr id="164" name="Google Shape;164;g3baf4acbdf2_0_12:notes"/>
           <p:cNvSpPr txBox="1"/>
           <p:nvPr>
             <p:ph idx="1" type="body"/>
@@ -2224,7 +2206,7 @@
   <p:cSld>
     <p:spTree>
       <p:nvGrpSpPr>
-        <p:cNvPr id="166" name="Shape 166"/>
+        <p:cNvPr id="171" name="Shape 171"/>
         <p:cNvGrpSpPr/>
         <p:nvPr/>
       </p:nvGrpSpPr>
@@ -2238,7 +2220,7 @@
       </p:grpSpPr>
       <p:sp>
         <p:nvSpPr>
-          <p:cNvPr id="167" name="Google Shape;167;g3baf4acbdf2_0_12:notes"/>
+          <p:cNvPr id="172" name="Google Shape;172;g3baf4acbdf2_0_49:notes"/>
           <p:cNvSpPr/>
           <p:nvPr>
             <p:ph idx="2" type="sldImg"/>
@@ -2283,7 +2265,7 @@
       </p:sp>
       <p:sp>
         <p:nvSpPr>
-          <p:cNvPr id="168" name="Google Shape;168;g3baf4acbdf2_0_12:notes"/>
+          <p:cNvPr id="173" name="Google Shape;173;g3baf4acbdf2_0_49:notes"/>
           <p:cNvSpPr txBox="1"/>
           <p:nvPr>
             <p:ph idx="1" type="body"/>
@@ -2341,7 +2323,7 @@
   <p:cSld>
     <p:spTree>
       <p:nvGrpSpPr>
-        <p:cNvPr id="175" name="Shape 175"/>
+        <p:cNvPr id="178" name="Shape 178"/>
         <p:cNvGrpSpPr/>
         <p:nvPr/>
       </p:nvGrpSpPr>
@@ -2355,7 +2337,7 @@
       </p:grpSpPr>
       <p:sp>
         <p:nvSpPr>
-          <p:cNvPr id="176" name="Google Shape;176;g3baf4acbdf2_0_65:notes"/>
+          <p:cNvPr id="179" name="Google Shape;179;g3baf4acbdf2_0_65:notes"/>
           <p:cNvSpPr/>
           <p:nvPr>
             <p:ph idx="2" type="sldImg"/>
@@ -2390,7 +2372,7 @@
       </p:sp>
       <p:sp>
         <p:nvSpPr>
-          <p:cNvPr id="177" name="Google Shape;177;g3baf4acbdf2_0_65:notes"/>
+          <p:cNvPr id="180" name="Google Shape;180;g3baf4acbdf2_0_65:notes"/>
           <p:cNvSpPr txBox="1"/>
           <p:nvPr>
             <p:ph idx="1" type="body"/>
@@ -2440,7 +2422,7 @@
   <p:cSld>
     <p:spTree>
       <p:nvGrpSpPr>
-        <p:cNvPr id="181" name="Shape 181"/>
+        <p:cNvPr id="184" name="Shape 184"/>
         <p:cNvGrpSpPr/>
         <p:nvPr/>
       </p:nvGrpSpPr>
@@ -2454,7 +2436,7 @@
       </p:grpSpPr>
       <p:sp>
         <p:nvSpPr>
-          <p:cNvPr id="182" name="Google Shape;182;g3b938ea6dd9_0_93:notes"/>
+          <p:cNvPr id="185" name="Google Shape;185;g3b938ea6dd9_0_93:notes"/>
           <p:cNvSpPr/>
           <p:nvPr>
             <p:ph idx="2" type="sldImg"/>
@@ -2499,7 +2481,7 @@
       </p:sp>
       <p:sp>
         <p:nvSpPr>
-          <p:cNvPr id="183" name="Google Shape;183;g3b938ea6dd9_0_93:notes"/>
+          <p:cNvPr id="186" name="Google Shape;186;g3b938ea6dd9_0_93:notes"/>
           <p:cNvSpPr txBox="1"/>
           <p:nvPr>
             <p:ph idx="1" type="body"/>
@@ -2557,7 +2539,7 @@
   <p:cSld>
     <p:spTree>
       <p:nvGrpSpPr>
-        <p:cNvPr id="188" name="Shape 188"/>
+        <p:cNvPr id="191" name="Shape 191"/>
         <p:cNvGrpSpPr/>
         <p:nvPr/>
       </p:nvGrpSpPr>
@@ -2571,7 +2553,7 @@
       </p:grpSpPr>
       <p:sp>
         <p:nvSpPr>
-          <p:cNvPr id="189" name="Google Shape;189;g3b8409de4d6_0_118:notes"/>
+          <p:cNvPr id="192" name="Google Shape;192;g3b8409de4d6_0_118:notes"/>
           <p:cNvSpPr/>
           <p:nvPr>
             <p:ph idx="2" type="sldImg"/>
@@ -2616,7 +2598,7 @@
       </p:sp>
       <p:sp>
         <p:nvSpPr>
-          <p:cNvPr id="190" name="Google Shape;190;g3b8409de4d6_0_118:notes"/>
+          <p:cNvPr id="193" name="Google Shape;193;g3b8409de4d6_0_118:notes"/>
           <p:cNvSpPr txBox="1"/>
           <p:nvPr>
             <p:ph idx="1" type="body"/>
@@ -2674,7 +2656,7 @@
   <p:cSld>
     <p:spTree>
       <p:nvGrpSpPr>
-        <p:cNvPr id="197" name="Shape 197"/>
+        <p:cNvPr id="200" name="Shape 200"/>
         <p:cNvGrpSpPr/>
         <p:nvPr/>
       </p:nvGrpSpPr>
@@ -2688,7 +2670,7 @@
       </p:grpSpPr>
       <p:sp>
         <p:nvSpPr>
-          <p:cNvPr id="198" name="Google Shape;198;g3b8409de4d6_0_108:notes"/>
+          <p:cNvPr id="201" name="Google Shape;201;g3b8409de4d6_0_108:notes"/>
           <p:cNvSpPr/>
           <p:nvPr>
             <p:ph idx="2" type="sldImg"/>
@@ -2733,7 +2715,7 @@
       </p:sp>
       <p:sp>
         <p:nvSpPr>
-          <p:cNvPr id="199" name="Google Shape;199;g3b8409de4d6_0_108:notes"/>
+          <p:cNvPr id="202" name="Google Shape;202;g3b8409de4d6_0_108:notes"/>
           <p:cNvSpPr txBox="1"/>
           <p:nvPr>
             <p:ph idx="1" type="body"/>
@@ -3142,7 +3124,7 @@
   <p:cSld>
     <p:spTree>
       <p:nvGrpSpPr>
-        <p:cNvPr id="64" name="Shape 64"/>
+        <p:cNvPr id="65" name="Shape 65"/>
         <p:cNvGrpSpPr/>
         <p:nvPr/>
       </p:nvGrpSpPr>
@@ -3156,7 +3138,7 @@
       </p:grpSpPr>
       <p:sp>
         <p:nvSpPr>
-          <p:cNvPr id="65" name="Google Shape;65;g3baf4acbdf2_0_2:notes"/>
+          <p:cNvPr id="66" name="Google Shape;66;g3baf4acbdf2_0_2:notes"/>
           <p:cNvSpPr/>
           <p:nvPr>
             <p:ph idx="2" type="sldImg"/>
@@ -3191,7 +3173,7 @@
       </p:sp>
       <p:sp>
         <p:nvSpPr>
-          <p:cNvPr id="66" name="Google Shape;66;g3baf4acbdf2_0_2:notes"/>
+          <p:cNvPr id="67" name="Google Shape;67;g3baf4acbdf2_0_2:notes"/>
           <p:cNvSpPr txBox="1"/>
           <p:nvPr>
             <p:ph idx="1" type="body"/>
@@ -3241,7 +3223,7 @@
   <p:cSld>
     <p:spTree>
       <p:nvGrpSpPr>
-        <p:cNvPr id="70" name="Shape 70"/>
+        <p:cNvPr id="71" name="Shape 71"/>
         <p:cNvGrpSpPr/>
         <p:nvPr/>
       </p:nvGrpSpPr>
@@ -3255,7 +3237,7 @@
       </p:grpSpPr>
       <p:sp>
         <p:nvSpPr>
-          <p:cNvPr id="71" name="Google Shape;71;g3baf4acbdf2_0_7:notes"/>
+          <p:cNvPr id="72" name="Google Shape;72;g3baf4acbdf2_0_7:notes"/>
           <p:cNvSpPr/>
           <p:nvPr>
             <p:ph idx="2" type="sldImg"/>
@@ -3290,7 +3272,7 @@
       </p:sp>
       <p:sp>
         <p:nvSpPr>
-          <p:cNvPr id="72" name="Google Shape;72;g3baf4acbdf2_0_7:notes"/>
+          <p:cNvPr id="73" name="Google Shape;73;g3baf4acbdf2_0_7:notes"/>
           <p:cNvSpPr txBox="1"/>
           <p:nvPr>
             <p:ph idx="1" type="body"/>
@@ -3340,7 +3322,7 @@
   <p:cSld>
     <p:spTree>
       <p:nvGrpSpPr>
-        <p:cNvPr id="76" name="Shape 76"/>
+        <p:cNvPr id="77" name="Shape 77"/>
         <p:cNvGrpSpPr/>
         <p:nvPr/>
       </p:nvGrpSpPr>
@@ -3354,7 +3336,7 @@
       </p:grpSpPr>
       <p:sp>
         <p:nvSpPr>
-          <p:cNvPr id="77" name="Google Shape;77;p1:notes"/>
+          <p:cNvPr id="78" name="Google Shape;78;p1:notes"/>
           <p:cNvSpPr/>
           <p:nvPr>
             <p:ph idx="2" type="sldImg"/>
@@ -3399,7 +3381,7 @@
       </p:sp>
       <p:sp>
         <p:nvSpPr>
-          <p:cNvPr id="78" name="Google Shape;78;p1:notes"/>
+          <p:cNvPr id="79" name="Google Shape;79;p1:notes"/>
           <p:cNvSpPr txBox="1"/>
           <p:nvPr>
             <p:ph idx="1" type="body"/>
@@ -3457,7 +3439,7 @@
   <p:cSld>
     <p:spTree>
       <p:nvGrpSpPr>
-        <p:cNvPr id="81" name="Shape 81"/>
+        <p:cNvPr id="82" name="Shape 82"/>
         <p:cNvGrpSpPr/>
         <p:nvPr/>
       </p:nvGrpSpPr>
@@ -3471,7 +3453,7 @@
       </p:grpSpPr>
       <p:sp>
         <p:nvSpPr>
-          <p:cNvPr id="82" name="Google Shape;82;g3b938ea6dd9_0_26:notes"/>
+          <p:cNvPr id="83" name="Google Shape;83;g3b938ea6dd9_0_26:notes"/>
           <p:cNvSpPr/>
           <p:nvPr>
             <p:ph idx="2" type="sldImg"/>
@@ -3516,7 +3498,7 @@
       </p:sp>
       <p:sp>
         <p:nvSpPr>
-          <p:cNvPr id="83" name="Google Shape;83;g3b938ea6dd9_0_26:notes"/>
+          <p:cNvPr id="84" name="Google Shape;84;g3b938ea6dd9_0_26:notes"/>
           <p:cNvSpPr txBox="1"/>
           <p:nvPr>
             <p:ph idx="1" type="body"/>
@@ -8929,7 +8911,7 @@
   <p:cSld>
     <p:spTree>
       <p:nvGrpSpPr>
-        <p:cNvPr id="103" name="Shape 103"/>
+        <p:cNvPr id="104" name="Shape 104"/>
         <p:cNvGrpSpPr/>
         <p:nvPr/>
       </p:nvGrpSpPr>
@@ -8943,7 +8925,7 @@
       </p:grpSpPr>
       <p:sp>
         <p:nvSpPr>
-          <p:cNvPr id="104" name="Google Shape;104;g3ba79990f52_0_5"/>
+          <p:cNvPr id="105" name="Google Shape;105;g3ba79990f52_0_5"/>
           <p:cNvSpPr txBox="1"/>
           <p:nvPr>
             <p:ph type="title"/>
@@ -8991,7 +8973,7 @@
       </p:sp>
       <p:pic>
         <p:nvPicPr>
-          <p:cNvPr id="105" name="Google Shape;105;g3ba79990f52_0_5"/>
+          <p:cNvPr id="106" name="Google Shape;106;g3ba79990f52_0_5"/>
           <p:cNvPicPr preferRelativeResize="0"/>
           <p:nvPr/>
         </p:nvPicPr>
@@ -9030,7 +9012,7 @@
   <p:cSld>
     <p:spTree>
       <p:nvGrpSpPr>
-        <p:cNvPr id="109" name="Shape 109"/>
+        <p:cNvPr id="110" name="Shape 110"/>
         <p:cNvGrpSpPr/>
         <p:nvPr/>
       </p:nvGrpSpPr>
@@ -9044,7 +9026,7 @@
       </p:grpSpPr>
       <p:sp>
         <p:nvSpPr>
-          <p:cNvPr id="110" name="Google Shape;110;g3b938ea6dd9_0_16"/>
+          <p:cNvPr id="111" name="Google Shape;111;g3b938ea6dd9_0_16"/>
           <p:cNvSpPr txBox="1"/>
           <p:nvPr>
             <p:ph type="title"/>
@@ -9092,7 +9074,7 @@
       </p:sp>
       <p:sp>
         <p:nvSpPr>
-          <p:cNvPr id="111" name="Google Shape;111;g3b938ea6dd9_0_16"/>
+          <p:cNvPr id="112" name="Google Shape;112;g3b938ea6dd9_0_16"/>
           <p:cNvSpPr txBox="1"/>
           <p:nvPr>
             <p:ph idx="1" type="body"/>
@@ -9303,7 +9285,7 @@
   <p:cSld>
     <p:spTree>
       <p:nvGrpSpPr>
-        <p:cNvPr id="115" name="Shape 115"/>
+        <p:cNvPr id="116" name="Shape 116"/>
         <p:cNvGrpSpPr/>
         <p:nvPr/>
       </p:nvGrpSpPr>
@@ -9317,7 +9299,7 @@
       </p:grpSpPr>
       <p:sp>
         <p:nvSpPr>
-          <p:cNvPr id="116" name="Google Shape;116;g3baf4acbdf2_0_97"/>
+          <p:cNvPr id="117" name="Google Shape;117;g3baf4acbdf2_0_97"/>
           <p:cNvSpPr txBox="1"/>
           <p:nvPr>
             <p:ph type="title"/>
@@ -9357,7 +9339,7 @@
       </p:sp>
       <p:sp>
         <p:nvSpPr>
-          <p:cNvPr id="117" name="Google Shape;117;g3baf4acbdf2_0_97"/>
+          <p:cNvPr id="118" name="Google Shape;118;g3baf4acbdf2_0_97"/>
           <p:cNvSpPr txBox="1"/>
           <p:nvPr>
             <p:ph idx="1" type="body"/>
@@ -9425,7 +9407,7 @@
       </p:sp>
       <p:sp>
         <p:nvSpPr>
-          <p:cNvPr id="118" name="Google Shape;118;g3baf4acbdf2_0_97"/>
+          <p:cNvPr id="119" name="Google Shape;119;g3baf4acbdf2_0_97"/>
           <p:cNvSpPr txBox="1"/>
           <p:nvPr/>
         </p:nvSpPr>
@@ -10122,7 +10104,7 @@
   <p:cSld>
     <p:spTree>
       <p:nvGrpSpPr>
-        <p:cNvPr id="122" name="Shape 122"/>
+        <p:cNvPr id="123" name="Shape 123"/>
         <p:cNvGrpSpPr/>
         <p:nvPr/>
       </p:nvGrpSpPr>
@@ -10136,7 +10118,7 @@
       </p:grpSpPr>
       <p:sp>
         <p:nvSpPr>
-          <p:cNvPr id="123" name="Google Shape;123;g3b8409de4d6_0_103"/>
+          <p:cNvPr id="124" name="Google Shape;124;g3baf4acbdf2_0_77"/>
           <p:cNvSpPr txBox="1"/>
           <p:nvPr>
             <p:ph type="title"/>
@@ -10188,7 +10170,7 @@
             </a:r>
             <a:r>
               <a:rPr lang="en"/>
-              <a:t>: Bytes</a:t>
+              <a:t>: ASCII Values</a:t>
             </a:r>
             <a:endParaRPr/>
           </a:p>
@@ -10196,105 +10178,7 @@
       </p:sp>
       <p:sp>
         <p:nvSpPr>
-          <p:cNvPr id="124" name="Google Shape;124;g3b8409de4d6_0_103"/>
-          <p:cNvSpPr txBox="1"/>
-          <p:nvPr>
-            <p:ph idx="1" type="body"/>
-          </p:nvPr>
-        </p:nvSpPr>
-        <p:spPr>
-          <a:xfrm>
-            <a:off x="457200" y="1600200"/>
-            <a:ext cx="8229600" cy="4967700"/>
-          </a:xfrm>
-          <a:prstGeom prst="rect">
-            <a:avLst/>
-          </a:prstGeom>
-          <a:noFill/>
-          <a:ln>
-            <a:noFill/>
-          </a:ln>
-        </p:spPr>
-        <p:txBody>
-          <a:bodyPr anchorCtr="0" anchor="t" bIns="91425" lIns="91425" spcFirstLastPara="1" rIns="91425" wrap="square" tIns="91425">
-            <a:noAutofit/>
-          </a:bodyPr>
-          <a:lstStyle/>
-          <a:p>
-            <a:pPr indent="0" lvl="0" marL="0" rtl="0" algn="l">
-              <a:lnSpc>
-                <a:spcPct val="100000"/>
-              </a:lnSpc>
-              <a:spcBef>
-                <a:spcPts val="600"/>
-              </a:spcBef>
-              <a:spcAft>
-                <a:spcPts val="0"/>
-              </a:spcAft>
-              <a:buSzPts val="3000"/>
-              <a:buNone/>
-            </a:pPr>
-            <a:r>
-              <a:rPr lang="en"/>
-              <a:t>A </a:t>
-            </a:r>
-            <a:r>
-              <a:rPr b="1" lang="en">
-                <a:solidFill>
-                  <a:srgbClr val="A31415"/>
-                </a:solidFill>
-                <a:latin typeface="Consolas"/>
-                <a:ea typeface="Consolas"/>
-                <a:cs typeface="Consolas"/>
-                <a:sym typeface="Consolas"/>
-              </a:rPr>
-              <a:t>byte</a:t>
-            </a:r>
-            <a:r>
-              <a:rPr lang="en"/>
-              <a:t> is 8 </a:t>
-            </a:r>
-            <a:r>
-              <a:rPr b="1" lang="en">
-                <a:solidFill>
-                  <a:srgbClr val="A31415"/>
-                </a:solidFill>
-                <a:latin typeface="Consolas"/>
-                <a:ea typeface="Consolas"/>
-                <a:cs typeface="Consolas"/>
-                <a:sym typeface="Consolas"/>
-              </a:rPr>
-              <a:t>bits</a:t>
-            </a:r>
-            <a:r>
-              <a:rPr b="1" lang="en"/>
-              <a:t>, </a:t>
-            </a:r>
-            <a:r>
-              <a:rPr lang="en"/>
-              <a:t>which are the 0s and 1s the computer actually “sees”</a:t>
-            </a:r>
-            <a:r>
-              <a:rPr lang="en">
-                <a:latin typeface="Consolas"/>
-                <a:ea typeface="Consolas"/>
-                <a:cs typeface="Consolas"/>
-                <a:sym typeface="Consolas"/>
-              </a:rPr>
-              <a:t> </a:t>
-            </a:r>
-            <a:endParaRPr>
-              <a:latin typeface="Consolas"/>
-              <a:ea typeface="Consolas"/>
-              <a:cs typeface="Consolas"/>
-              <a:sym typeface="Consolas"/>
-            </a:endParaRPr>
-          </a:p>
-        </p:txBody>
-      </p:sp>
-      <p:sp>
-        <p:nvSpPr>
-          <p:cNvPr id="125" name="Google Shape;125;g3b8409de4d6_0_103"/>
+          <p:cNvPr id="125" name="Google Shape;125;g3baf4acbdf2_0_77"/>
           <p:cNvSpPr txBox="1"/>
           <p:nvPr/>
         </p:nvSpPr>
@@ -10356,18 +10240,34 @@
                 <a:cs typeface="Arial"/>
                 <a:sym typeface="Arial"/>
               </a:rPr>
-              <a:t> </a:t>
-            </a:r>
-            <a:r>
-              <a:rPr lang="en" sz="1800">
+              <a:t> We can use </a:t>
+            </a:r>
+            <a:r>
+              <a:rPr b="1" i="0" lang="en" sz="1800" u="none" cap="none" strike="noStrike">
+                <a:solidFill>
+                  <a:srgbClr val="A31415"/>
+                </a:solidFill>
+                <a:latin typeface="Consolas"/>
+                <a:ea typeface="Consolas"/>
+                <a:cs typeface="Consolas"/>
+                <a:sym typeface="Consolas"/>
+              </a:rPr>
+              <a:t>dir(class)</a:t>
+            </a:r>
+            <a:r>
+              <a:rPr b="0" i="0" lang="en" sz="1800" u="none" cap="none" strike="noStrike">
                 <a:solidFill>
                   <a:schemeClr val="dk1"/>
                 </a:solidFill>
-              </a:rPr>
-              <a:t>An </a:t>
-            </a:r>
-            <a:r>
-              <a:rPr b="1" lang="en" sz="1800">
+                <a:latin typeface="Arial"/>
+                <a:ea typeface="Arial"/>
+                <a:cs typeface="Arial"/>
+                <a:sym typeface="Arial"/>
+              </a:rPr>
+              <a:t> to </a:t>
+            </a:r>
+            <a:r>
+              <a:rPr b="1" i="0" lang="en" sz="1800" u="none" cap="none" strike="noStrike">
                 <a:solidFill>
                   <a:srgbClr val="A31415"/>
                 </a:solidFill>
@@ -10376,18 +10276,22 @@
                 <a:cs typeface="Consolas"/>
                 <a:sym typeface="Consolas"/>
               </a:rPr>
-              <a:t>int</a:t>
-            </a:r>
-            <a:r>
-              <a:rPr lang="en" sz="1800">
+              <a:t>print</a:t>
+            </a:r>
+            <a:r>
+              <a:rPr b="0" i="0" lang="en" sz="1800" u="none" cap="none" strike="noStrike">
                 <a:solidFill>
                   <a:schemeClr val="dk1"/>
                 </a:solidFill>
-              </a:rPr>
-              <a:t> in python (by default) is a </a:t>
-            </a:r>
-            <a:r>
-              <a:rPr b="1" lang="en" sz="1800">
+                <a:latin typeface="Arial"/>
+                <a:ea typeface="Arial"/>
+                <a:cs typeface="Arial"/>
+                <a:sym typeface="Arial"/>
+              </a:rPr>
+              <a:t> out the </a:t>
+            </a:r>
+            <a:r>
+              <a:rPr b="1" i="0" lang="en" sz="1800" u="none" cap="none" strike="noStrike">
                 <a:solidFill>
                   <a:srgbClr val="A31415"/>
                 </a:solidFill>
@@ -10396,15 +10300,67 @@
                 <a:cs typeface="Consolas"/>
                 <a:sym typeface="Consolas"/>
               </a:rPr>
-              <a:t>byte</a:t>
-            </a:r>
-            <a:r>
-              <a:rPr lang="en" sz="1800">
+              <a:t>attributes</a:t>
+            </a:r>
+            <a:r>
+              <a:rPr b="0" i="0" lang="en" sz="1800" u="none" cap="none" strike="noStrike">
                 <a:solidFill>
                   <a:schemeClr val="dk1"/>
                 </a:solidFill>
-              </a:rPr>
-              <a:t>.</a:t>
+                <a:latin typeface="Arial"/>
+                <a:ea typeface="Arial"/>
+                <a:cs typeface="Arial"/>
+                <a:sym typeface="Arial"/>
+              </a:rPr>
+              <a:t> and </a:t>
+            </a:r>
+            <a:r>
+              <a:rPr b="1" i="0" lang="en" sz="1800" u="none" cap="none" strike="noStrike">
+                <a:solidFill>
+                  <a:srgbClr val="A31415"/>
+                </a:solidFill>
+                <a:latin typeface="Consolas"/>
+                <a:ea typeface="Consolas"/>
+                <a:cs typeface="Consolas"/>
+                <a:sym typeface="Consolas"/>
+              </a:rPr>
+              <a:t>functions</a:t>
+            </a:r>
+            <a:r>
+              <a:rPr b="0" i="0" lang="en" sz="1800" u="none" cap="none" strike="noStrike">
+                <a:solidFill>
+                  <a:schemeClr val="dk1"/>
+                </a:solidFill>
+                <a:latin typeface="Arial"/>
+                <a:ea typeface="Arial"/>
+                <a:cs typeface="Arial"/>
+                <a:sym typeface="Arial"/>
+              </a:rPr>
+              <a:t> a </a:t>
+            </a:r>
+            <a:r>
+              <a:rPr b="1" i="0" lang="en" sz="1800" u="none" cap="none" strike="noStrike">
+                <a:solidFill>
+                  <a:srgbClr val="A31415"/>
+                </a:solidFill>
+                <a:latin typeface="Consolas"/>
+                <a:ea typeface="Consolas"/>
+                <a:cs typeface="Consolas"/>
+                <a:sym typeface="Consolas"/>
+              </a:rPr>
+              <a:t>class</a:t>
+            </a:r>
+            <a:r>
+              <a:rPr b="0" i="0" lang="en" sz="1800" u="none" cap="none" strike="noStrike">
+                <a:solidFill>
+                  <a:schemeClr val="dk1"/>
+                </a:solidFill>
+                <a:latin typeface="Arial"/>
+                <a:ea typeface="Arial"/>
+                <a:cs typeface="Arial"/>
+                <a:sym typeface="Arial"/>
+              </a:rPr>
+              <a:t> has</a:t>
             </a:r>
             <a:endParaRPr b="0" i="0" sz="1800" u="none" cap="none" strike="noStrike">
               <a:solidFill>
@@ -10420,7 +10376,7 @@
       </p:sp>
       <p:pic>
         <p:nvPicPr>
-          <p:cNvPr id="126" name="Google Shape;126;g3b8409de4d6_0_103"/>
+          <p:cNvPr id="126" name="Google Shape;126;g3baf4acbdf2_0_77"/>
           <p:cNvPicPr preferRelativeResize="0"/>
           <p:nvPr/>
         </p:nvPicPr>
@@ -10428,13 +10384,13 @@
           <a:blip r:embed="rId3">
             <a:alphaModFix/>
           </a:blip>
-          <a:srcRect b="16166" l="0" r="0" t="13266"/>
+          <a:srcRect b="13076" l="7554" r="10504" t="6401"/>
           <a:stretch/>
         </p:blipFill>
         <p:spPr>
           <a:xfrm>
-            <a:off x="1077688" y="2891525"/>
-            <a:ext cx="6988626" cy="2774049"/>
+            <a:off x="1572213" y="1636527"/>
+            <a:ext cx="5999574" cy="4146675"/>
           </a:xfrm>
           <a:prstGeom prst="rect">
             <a:avLst/>
@@ -10472,7 +10428,7 @@
       </p:grpSpPr>
       <p:sp>
         <p:nvSpPr>
-          <p:cNvPr id="131" name="Google Shape;131;g3baf4acbdf2_0_77"/>
+          <p:cNvPr id="131" name="Google Shape;131;g3b8409de4d6_0_103"/>
           <p:cNvSpPr txBox="1"/>
           <p:nvPr>
             <p:ph type="title"/>
@@ -10524,7 +10480,7 @@
             </a:r>
             <a:r>
               <a:rPr lang="en"/>
-              <a:t>: ASCII Values</a:t>
+              <a:t>: Bytes</a:t>
             </a:r>
             <a:endParaRPr/>
           </a:p>
@@ -10532,7 +10488,105 @@
       </p:sp>
       <p:sp>
         <p:nvSpPr>
-          <p:cNvPr id="132" name="Google Shape;132;g3baf4acbdf2_0_77"/>
+          <p:cNvPr id="132" name="Google Shape;132;g3b8409de4d6_0_103"/>
+          <p:cNvSpPr txBox="1"/>
+          <p:nvPr>
+            <p:ph idx="1" type="body"/>
+          </p:nvPr>
+        </p:nvSpPr>
+        <p:spPr>
+          <a:xfrm>
+            <a:off x="457200" y="1600200"/>
+            <a:ext cx="8229600" cy="4967700"/>
+          </a:xfrm>
+          <a:prstGeom prst="rect">
+            <a:avLst/>
+          </a:prstGeom>
+          <a:noFill/>
+          <a:ln>
+            <a:noFill/>
+          </a:ln>
+        </p:spPr>
+        <p:txBody>
+          <a:bodyPr anchorCtr="0" anchor="t" bIns="91425" lIns="91425" spcFirstLastPara="1" rIns="91425" wrap="square" tIns="91425">
+            <a:noAutofit/>
+          </a:bodyPr>
+          <a:lstStyle/>
+          <a:p>
+            <a:pPr indent="0" lvl="0" marL="0" rtl="0" algn="l">
+              <a:lnSpc>
+                <a:spcPct val="100000"/>
+              </a:lnSpc>
+              <a:spcBef>
+                <a:spcPts val="600"/>
+              </a:spcBef>
+              <a:spcAft>
+                <a:spcPts val="0"/>
+              </a:spcAft>
+              <a:buSzPts val="3000"/>
+              <a:buNone/>
+            </a:pPr>
+            <a:r>
+              <a:rPr lang="en"/>
+              <a:t>A </a:t>
+            </a:r>
+            <a:r>
+              <a:rPr b="1" lang="en">
+                <a:solidFill>
+                  <a:srgbClr val="A31415"/>
+                </a:solidFill>
+                <a:latin typeface="Consolas"/>
+                <a:ea typeface="Consolas"/>
+                <a:cs typeface="Consolas"/>
+                <a:sym typeface="Consolas"/>
+              </a:rPr>
+              <a:t>byte</a:t>
+            </a:r>
+            <a:r>
+              <a:rPr lang="en"/>
+              <a:t> is 8 </a:t>
+            </a:r>
+            <a:r>
+              <a:rPr b="1" lang="en">
+                <a:solidFill>
+                  <a:srgbClr val="A31415"/>
+                </a:solidFill>
+                <a:latin typeface="Consolas"/>
+                <a:ea typeface="Consolas"/>
+                <a:cs typeface="Consolas"/>
+                <a:sym typeface="Consolas"/>
+              </a:rPr>
+              <a:t>bits</a:t>
+            </a:r>
+            <a:r>
+              <a:rPr b="1" lang="en"/>
+              <a:t>, </a:t>
+            </a:r>
+            <a:r>
+              <a:rPr lang="en"/>
+              <a:t>which are the 0s and 1s the computer actually “sees”</a:t>
+            </a:r>
+            <a:r>
+              <a:rPr lang="en">
+                <a:latin typeface="Consolas"/>
+                <a:ea typeface="Consolas"/>
+                <a:cs typeface="Consolas"/>
+                <a:sym typeface="Consolas"/>
+              </a:rPr>
+              <a:t> </a:t>
+            </a:r>
+            <a:endParaRPr>
+              <a:latin typeface="Consolas"/>
+              <a:ea typeface="Consolas"/>
+              <a:cs typeface="Consolas"/>
+              <a:sym typeface="Consolas"/>
+            </a:endParaRPr>
+          </a:p>
+        </p:txBody>
+      </p:sp>
+      <p:sp>
+        <p:nvSpPr>
+          <p:cNvPr id="133" name="Google Shape;133;g3b8409de4d6_0_103"/>
           <p:cNvSpPr txBox="1"/>
           <p:nvPr/>
         </p:nvSpPr>
@@ -10594,10 +10648,18 @@
                 <a:cs typeface="Arial"/>
                 <a:sym typeface="Arial"/>
               </a:rPr>
-              <a:t> We can use </a:t>
-            </a:r>
-            <a:r>
-              <a:rPr b="1" i="0" lang="en" sz="1800" u="none" cap="none" strike="noStrike">
+              <a:t> </a:t>
+            </a:r>
+            <a:r>
+              <a:rPr lang="en" sz="1800">
+                <a:solidFill>
+                  <a:schemeClr val="dk1"/>
+                </a:solidFill>
+              </a:rPr>
+              <a:t>An </a:t>
+            </a:r>
+            <a:r>
+              <a:rPr b="1" lang="en" sz="1800">
                 <a:solidFill>
                   <a:srgbClr val="A31415"/>
                 </a:solidFill>
@@ -10606,22 +10668,18 @@
                 <a:cs typeface="Consolas"/>
                 <a:sym typeface="Consolas"/>
               </a:rPr>
-              <a:t>dir(class)</a:t>
-            </a:r>
-            <a:r>
-              <a:rPr b="0" i="0" lang="en" sz="1800" u="none" cap="none" strike="noStrike">
+              <a:t>int</a:t>
+            </a:r>
+            <a:r>
+              <a:rPr lang="en" sz="1800">
                 <a:solidFill>
                   <a:schemeClr val="dk1"/>
                 </a:solidFill>
-                <a:latin typeface="Arial"/>
-                <a:ea typeface="Arial"/>
-                <a:cs typeface="Arial"/>
-                <a:sym typeface="Arial"/>
-              </a:rPr>
-              <a:t> to </a:t>
-            </a:r>
-            <a:r>
-              <a:rPr b="1" i="0" lang="en" sz="1800" u="none" cap="none" strike="noStrike">
+              </a:rPr>
+              <a:t> in python (by default) is a </a:t>
+            </a:r>
+            <a:r>
+              <a:rPr b="1" lang="en" sz="1800">
                 <a:solidFill>
                   <a:srgbClr val="A31415"/>
                 </a:solidFill>
@@ -10630,91 +10688,15 @@
                 <a:cs typeface="Consolas"/>
                 <a:sym typeface="Consolas"/>
               </a:rPr>
-              <a:t>print</a:t>
-            </a:r>
-            <a:r>
-              <a:rPr b="0" i="0" lang="en" sz="1800" u="none" cap="none" strike="noStrike">
+              <a:t>byte</a:t>
+            </a:r>
+            <a:r>
+              <a:rPr lang="en" sz="1800">
                 <a:solidFill>
                   <a:schemeClr val="dk1"/>
                 </a:solidFill>
-                <a:latin typeface="Arial"/>
-                <a:ea typeface="Arial"/>
-                <a:cs typeface="Arial"/>
-                <a:sym typeface="Arial"/>
-              </a:rPr>
-              <a:t> out the </a:t>
-            </a:r>
-            <a:r>
-              <a:rPr b="1" i="0" lang="en" sz="1800" u="none" cap="none" strike="noStrike">
-                <a:solidFill>
-                  <a:srgbClr val="A31415"/>
-                </a:solidFill>
-                <a:latin typeface="Consolas"/>
-                <a:ea typeface="Consolas"/>
-                <a:cs typeface="Consolas"/>
-                <a:sym typeface="Consolas"/>
-              </a:rPr>
-              <a:t>attributes</a:t>
-            </a:r>
-            <a:r>
-              <a:rPr b="0" i="0" lang="en" sz="1800" u="none" cap="none" strike="noStrike">
-                <a:solidFill>
-                  <a:schemeClr val="dk1"/>
-                </a:solidFill>
-                <a:latin typeface="Arial"/>
-                <a:ea typeface="Arial"/>
-                <a:cs typeface="Arial"/>
-                <a:sym typeface="Arial"/>
-              </a:rPr>
-              <a:t> and </a:t>
-            </a:r>
-            <a:r>
-              <a:rPr b="1" i="0" lang="en" sz="1800" u="none" cap="none" strike="noStrike">
-                <a:solidFill>
-                  <a:srgbClr val="A31415"/>
-                </a:solidFill>
-                <a:latin typeface="Consolas"/>
-                <a:ea typeface="Consolas"/>
-                <a:cs typeface="Consolas"/>
-                <a:sym typeface="Consolas"/>
-              </a:rPr>
-              <a:t>functions</a:t>
-            </a:r>
-            <a:r>
-              <a:rPr b="0" i="0" lang="en" sz="1800" u="none" cap="none" strike="noStrike">
-                <a:solidFill>
-                  <a:schemeClr val="dk1"/>
-                </a:solidFill>
-                <a:latin typeface="Arial"/>
-                <a:ea typeface="Arial"/>
-                <a:cs typeface="Arial"/>
-                <a:sym typeface="Arial"/>
-              </a:rPr>
-              <a:t> a </a:t>
-            </a:r>
-            <a:r>
-              <a:rPr b="1" i="0" lang="en" sz="1800" u="none" cap="none" strike="noStrike">
-                <a:solidFill>
-                  <a:srgbClr val="A31415"/>
-                </a:solidFill>
-                <a:latin typeface="Consolas"/>
-                <a:ea typeface="Consolas"/>
-                <a:cs typeface="Consolas"/>
-                <a:sym typeface="Consolas"/>
-              </a:rPr>
-              <a:t>class</a:t>
-            </a:r>
-            <a:r>
-              <a:rPr b="0" i="0" lang="en" sz="1800" u="none" cap="none" strike="noStrike">
-                <a:solidFill>
-                  <a:schemeClr val="dk1"/>
-                </a:solidFill>
-                <a:latin typeface="Arial"/>
-                <a:ea typeface="Arial"/>
-                <a:cs typeface="Arial"/>
-                <a:sym typeface="Arial"/>
-              </a:rPr>
-              <a:t> has</a:t>
+              </a:rPr>
+              <a:t>.</a:t>
             </a:r>
             <a:endParaRPr b="0" i="0" sz="1800" u="none" cap="none" strike="noStrike">
               <a:solidFill>
@@ -10730,7 +10712,7 @@
       </p:sp>
       <p:pic>
         <p:nvPicPr>
-          <p:cNvPr id="133" name="Google Shape;133;g3baf4acbdf2_0_77"/>
+          <p:cNvPr id="134" name="Google Shape;134;g3b8409de4d6_0_103"/>
           <p:cNvPicPr preferRelativeResize="0"/>
           <p:nvPr/>
         </p:nvPicPr>
@@ -10738,13 +10720,13 @@
           <a:blip r:embed="rId3">
             <a:alphaModFix/>
           </a:blip>
-          <a:srcRect b="13076" l="7554" r="10504" t="6401"/>
+          <a:srcRect b="16166" l="0" r="0" t="13266"/>
           <a:stretch/>
         </p:blipFill>
         <p:spPr>
           <a:xfrm>
-            <a:off x="1572213" y="1636527"/>
-            <a:ext cx="5999574" cy="4146675"/>
+            <a:off x="1077688" y="2891525"/>
+            <a:ext cx="6988626" cy="2774049"/>
           </a:xfrm>
           <a:prstGeom prst="rect">
             <a:avLst/>
@@ -10768,7 +10750,7 @@
   <p:cSld>
     <p:spTree>
       <p:nvGrpSpPr>
-        <p:cNvPr id="137" name="Shape 137"/>
+        <p:cNvPr id="138" name="Shape 138"/>
         <p:cNvGrpSpPr/>
         <p:nvPr/>
       </p:nvGrpSpPr>
@@ -10782,7 +10764,267 @@
       </p:grpSpPr>
       <p:sp>
         <p:nvSpPr>
-          <p:cNvPr id="138" name="Google Shape;138;g3baf4acbdf2_0_22"/>
+          <p:cNvPr id="139" name="Google Shape;139;g3baf4acbdf2_0_118"/>
+          <p:cNvSpPr txBox="1"/>
+          <p:nvPr>
+            <p:ph type="title"/>
+          </p:nvPr>
+        </p:nvSpPr>
+        <p:spPr>
+          <a:xfrm>
+            <a:off x="457200" y="274638"/>
+            <a:ext cx="8229600" cy="1143000"/>
+          </a:xfrm>
+          <a:prstGeom prst="rect">
+            <a:avLst/>
+          </a:prstGeom>
+        </p:spPr>
+        <p:txBody>
+          <a:bodyPr anchorCtr="0" anchor="b" bIns="91425" lIns="91425" spcFirstLastPara="1" rIns="91425" wrap="square" tIns="91425">
+            <a:noAutofit/>
+          </a:bodyPr>
+          <a:lstStyle/>
+          <a:p>
+            <a:pPr indent="0" lvl="0" marL="0" rtl="0" algn="l">
+              <a:spcBef>
+                <a:spcPts val="0"/>
+              </a:spcBef>
+              <a:spcAft>
+                <a:spcPts val="0"/>
+              </a:spcAft>
+              <a:buNone/>
+            </a:pPr>
+            <a:r>
+              <a:rPr lang="en"/>
+              <a:t>Training a BPE Tokenizer</a:t>
+            </a:r>
+            <a:endParaRPr/>
+          </a:p>
+        </p:txBody>
+      </p:sp>
+      <p:sp>
+        <p:nvSpPr>
+          <p:cNvPr id="140" name="Google Shape;140;g3baf4acbdf2_0_118"/>
+          <p:cNvSpPr txBox="1"/>
+          <p:nvPr>
+            <p:ph idx="1" type="body"/>
+          </p:nvPr>
+        </p:nvSpPr>
+        <p:spPr>
+          <a:xfrm>
+            <a:off x="457200" y="1600200"/>
+            <a:ext cx="8229600" cy="4967700"/>
+          </a:xfrm>
+          <a:prstGeom prst="rect">
+            <a:avLst/>
+          </a:prstGeom>
+        </p:spPr>
+        <p:txBody>
+          <a:bodyPr anchorCtr="0" anchor="t" bIns="91425" lIns="91425" spcFirstLastPara="1" rIns="91425" wrap="square" tIns="91425">
+            <a:noAutofit/>
+          </a:bodyPr>
+          <a:lstStyle/>
+          <a:p>
+            <a:pPr indent="0" lvl="0" marL="0" rtl="0" algn="l">
+              <a:spcBef>
+                <a:spcPts val="600"/>
+              </a:spcBef>
+              <a:spcAft>
+                <a:spcPts val="0"/>
+              </a:spcAft>
+              <a:buNone/>
+            </a:pPr>
+            <a:r>
+              <a:rPr lang="en"/>
+              <a:t>Broadly speaking, we can train our </a:t>
+            </a:r>
+            <a:r>
+              <a:rPr b="1" lang="en">
+                <a:solidFill>
+                  <a:srgbClr val="002B5B"/>
+                </a:solidFill>
+              </a:rPr>
+              <a:t>tokenizer</a:t>
+            </a:r>
+            <a:r>
+              <a:rPr lang="en"/>
+              <a:t> by </a:t>
+            </a:r>
+            <a:r>
+              <a:rPr b="1" lang="en">
+                <a:solidFill>
+                  <a:srgbClr val="DCB439"/>
+                </a:solidFill>
+              </a:rPr>
+              <a:t>repeatedly looking for common pairings of tokens</a:t>
+            </a:r>
+            <a:r>
+              <a:rPr lang="en"/>
+              <a:t> and </a:t>
+            </a:r>
+            <a:r>
+              <a:rPr b="1" lang="en">
+                <a:solidFill>
+                  <a:srgbClr val="465510"/>
+                </a:solidFill>
+              </a:rPr>
+              <a:t>merging them to create a new token</a:t>
+            </a:r>
+            <a:endParaRPr b="1">
+              <a:solidFill>
+                <a:srgbClr val="465510"/>
+              </a:solidFill>
+            </a:endParaRPr>
+          </a:p>
+          <a:p>
+            <a:pPr indent="0" lvl="0" marL="0" rtl="0" algn="l">
+              <a:spcBef>
+                <a:spcPts val="600"/>
+              </a:spcBef>
+              <a:spcAft>
+                <a:spcPts val="0"/>
+              </a:spcAft>
+              <a:buNone/>
+            </a:pPr>
+            <a:r>
+              <a:t/>
+            </a:r>
+            <a:endParaRPr b="1">
+              <a:solidFill>
+                <a:srgbClr val="465510"/>
+              </a:solidFill>
+            </a:endParaRPr>
+          </a:p>
+          <a:p>
+            <a:pPr indent="0" lvl="0" marL="0" rtl="0" algn="l">
+              <a:spcBef>
+                <a:spcPts val="600"/>
+              </a:spcBef>
+              <a:spcAft>
+                <a:spcPts val="0"/>
+              </a:spcAft>
+              <a:buNone/>
+            </a:pPr>
+            <a:r>
+              <a:t/>
+            </a:r>
+            <a:endParaRPr b="1">
+              <a:solidFill>
+                <a:srgbClr val="465510"/>
+              </a:solidFill>
+            </a:endParaRPr>
+          </a:p>
+          <a:p>
+            <a:pPr indent="0" lvl="0" marL="0" rtl="0" algn="l">
+              <a:spcBef>
+                <a:spcPts val="600"/>
+              </a:spcBef>
+              <a:spcAft>
+                <a:spcPts val="0"/>
+              </a:spcAft>
+              <a:buNone/>
+            </a:pPr>
+            <a:r>
+              <a:t/>
+            </a:r>
+            <a:endParaRPr b="1">
+              <a:solidFill>
+                <a:srgbClr val="465510"/>
+              </a:solidFill>
+            </a:endParaRPr>
+          </a:p>
+          <a:p>
+            <a:pPr indent="0" lvl="0" marL="0" rtl="0" algn="l">
+              <a:spcBef>
+                <a:spcPts val="600"/>
+              </a:spcBef>
+              <a:spcAft>
+                <a:spcPts val="0"/>
+              </a:spcAft>
+              <a:buNone/>
+            </a:pPr>
+            <a:r>
+              <a:t/>
+            </a:r>
+            <a:endParaRPr b="1">
+              <a:solidFill>
+                <a:srgbClr val="465510"/>
+              </a:solidFill>
+            </a:endParaRPr>
+          </a:p>
+          <a:p>
+            <a:pPr indent="0" lvl="0" marL="0" rtl="0" algn="l">
+              <a:spcBef>
+                <a:spcPts val="600"/>
+              </a:spcBef>
+              <a:spcAft>
+                <a:spcPts val="0"/>
+              </a:spcAft>
+              <a:buNone/>
+            </a:pPr>
+            <a:r>
+              <a:rPr lang="en"/>
+              <a:t>An untrained tokenizer is effectively just our character-level model.</a:t>
+            </a:r>
+            <a:endParaRPr/>
+          </a:p>
+        </p:txBody>
+      </p:sp>
+      <p:pic>
+        <p:nvPicPr>
+          <p:cNvPr id="141" name="Google Shape;141;g3baf4acbdf2_0_118"/>
+          <p:cNvPicPr preferRelativeResize="0"/>
+          <p:nvPr/>
+        </p:nvPicPr>
+        <p:blipFill rotWithShape="1">
+          <a:blip r:embed="rId3">
+            <a:alphaModFix/>
+          </a:blip>
+          <a:srcRect b="3967" l="0" r="0" t="24027"/>
+          <a:stretch/>
+        </p:blipFill>
+        <p:spPr>
+          <a:xfrm>
+            <a:off x="2239777" y="3368350"/>
+            <a:ext cx="4664451" cy="2118050"/>
+          </a:xfrm>
+          <a:prstGeom prst="rect">
+            <a:avLst/>
+          </a:prstGeom>
+          <a:noFill/>
+          <a:ln>
+            <a:noFill/>
+          </a:ln>
+        </p:spPr>
+      </p:pic>
+    </p:spTree>
+  </p:cSld>
+  <p:clrMapOvr>
+    <a:masterClrMapping/>
+  </p:clrMapOvr>
+</p:sld>
+</file>
+
+<file path=ppt/slides/slide16.xml><?xml version="1.0" encoding="utf-8"?>
+<p:sld xmlns:a="http://schemas.openxmlformats.org/drawingml/2006/main" xmlns:r="http://schemas.openxmlformats.org/officeDocument/2006/relationships" xmlns:mc="http://schemas.openxmlformats.org/markup-compatibility/2006" xmlns:mv="urn:schemas-microsoft-com:mac:vml" xmlns:p="http://schemas.openxmlformats.org/presentationml/2006/main" xmlns:c="http://schemas.openxmlformats.org/drawingml/2006/chart" xmlns:dgm="http://schemas.openxmlformats.org/drawingml/2006/diagram" xmlns:o="urn:schemas-microsoft-com:office:office" xmlns:v="urn:schemas-microsoft-com:vml" xmlns:pvml="urn:schemas-microsoft-com:office:powerpoint" xmlns:com="http://schemas.openxmlformats.org/drawingml/2006/compatibility" xmlns:p14="http://schemas.microsoft.com/office/powerpoint/2010/main" xmlns:p15="http://schemas.microsoft.com/office/powerpoint/2012/main" xmlns:ahyp="http://schemas.microsoft.com/office/drawing/2018/hyperlinkcolor">
+  <p:cSld>
+    <p:spTree>
+      <p:nvGrpSpPr>
+        <p:cNvPr id="145" name="Shape 145"/>
+        <p:cNvGrpSpPr/>
+        <p:nvPr/>
+      </p:nvGrpSpPr>
+      <p:grpSpPr>
+        <a:xfrm>
+          <a:off x="0" y="0"/>
+          <a:ext cx="0" cy="0"/>
+          <a:chOff x="0" y="0"/>
+          <a:chExt cx="0" cy="0"/>
+        </a:xfrm>
+      </p:grpSpPr>
+      <p:sp>
+        <p:nvSpPr>
+          <p:cNvPr id="146" name="Google Shape;146;g3baf4acbdf2_0_84"/>
           <p:cNvSpPr txBox="1"/>
           <p:nvPr>
             <p:ph type="title"/>
@@ -10821,110 +11063,6 @@
               <a:buNone/>
             </a:pPr>
             <a:r>
-              <a:rPr lang="en"/>
-              <a:t>Byte-Pair Encoding Tokenization </a:t>
-            </a:r>
-            <a:r>
-              <a:rPr lang="en" sz="1800"/>
-              <a:t>(1994)</a:t>
-            </a:r>
-            <a:endParaRPr sz="1800"/>
-          </a:p>
-        </p:txBody>
-      </p:sp>
-      <p:pic>
-        <p:nvPicPr>
-          <p:cNvPr id="139" name="Google Shape;139;g3baf4acbdf2_0_22"/>
-          <p:cNvPicPr preferRelativeResize="0"/>
-          <p:nvPr/>
-        </p:nvPicPr>
-        <p:blipFill rotWithShape="1">
-          <a:blip r:embed="rId3">
-            <a:alphaModFix/>
-          </a:blip>
-          <a:srcRect b="0" l="0" r="0" t="0"/>
-          <a:stretch/>
-        </p:blipFill>
-        <p:spPr>
-          <a:xfrm>
-            <a:off x="1281113" y="1720204"/>
-            <a:ext cx="6581775" cy="4523382"/>
-          </a:xfrm>
-          <a:prstGeom prst="rect">
-            <a:avLst/>
-          </a:prstGeom>
-          <a:noFill/>
-          <a:ln>
-            <a:noFill/>
-          </a:ln>
-        </p:spPr>
-      </p:pic>
-    </p:spTree>
-  </p:cSld>
-  <p:clrMapOvr>
-    <a:masterClrMapping/>
-  </p:clrMapOvr>
-</p:sld>
-</file>
-
-<file path=ppt/slides/slide16.xml><?xml version="1.0" encoding="utf-8"?>
-<p:sld xmlns:a="http://schemas.openxmlformats.org/drawingml/2006/main" xmlns:r="http://schemas.openxmlformats.org/officeDocument/2006/relationships" xmlns:mc="http://schemas.openxmlformats.org/markup-compatibility/2006" xmlns:mv="urn:schemas-microsoft-com:mac:vml" xmlns:p="http://schemas.openxmlformats.org/presentationml/2006/main" xmlns:c="http://schemas.openxmlformats.org/drawingml/2006/chart" xmlns:dgm="http://schemas.openxmlformats.org/drawingml/2006/diagram" xmlns:o="urn:schemas-microsoft-com:office:office" xmlns:v="urn:schemas-microsoft-com:vml" xmlns:pvml="urn:schemas-microsoft-com:office:powerpoint" xmlns:com="http://schemas.openxmlformats.org/drawingml/2006/compatibility" xmlns:p14="http://schemas.microsoft.com/office/powerpoint/2010/main" xmlns:p15="http://schemas.microsoft.com/office/powerpoint/2012/main" xmlns:ahyp="http://schemas.microsoft.com/office/drawing/2018/hyperlinkcolor">
-  <p:cSld>
-    <p:spTree>
-      <p:nvGrpSpPr>
-        <p:cNvPr id="143" name="Shape 143"/>
-        <p:cNvGrpSpPr/>
-        <p:nvPr/>
-      </p:nvGrpSpPr>
-      <p:grpSpPr>
-        <a:xfrm>
-          <a:off x="0" y="0"/>
-          <a:ext cx="0" cy="0"/>
-          <a:chOff x="0" y="0"/>
-          <a:chExt cx="0" cy="0"/>
-        </a:xfrm>
-      </p:grpSpPr>
-      <p:sp>
-        <p:nvSpPr>
-          <p:cNvPr id="144" name="Google Shape;144;g3baf4acbdf2_0_84"/>
-          <p:cNvSpPr txBox="1"/>
-          <p:nvPr>
-            <p:ph type="title"/>
-          </p:nvPr>
-        </p:nvSpPr>
-        <p:spPr>
-          <a:xfrm>
-            <a:off x="457200" y="274638"/>
-            <a:ext cx="8229600" cy="1143000"/>
-          </a:xfrm>
-          <a:prstGeom prst="rect">
-            <a:avLst/>
-          </a:prstGeom>
-          <a:noFill/>
-          <a:ln>
-            <a:noFill/>
-          </a:ln>
-        </p:spPr>
-        <p:txBody>
-          <a:bodyPr anchorCtr="0" anchor="b" bIns="91425" lIns="91425" spcFirstLastPara="1" rIns="91425" wrap="square" tIns="91425">
-            <a:noAutofit/>
-          </a:bodyPr>
-          <a:lstStyle/>
-          <a:p>
-            <a:pPr indent="0" lvl="0" marL="0" rtl="0" algn="l">
-              <a:lnSpc>
-                <a:spcPct val="100000"/>
-              </a:lnSpc>
-              <a:spcBef>
-                <a:spcPts val="0"/>
-              </a:spcBef>
-              <a:spcAft>
-                <a:spcPts val="0"/>
-              </a:spcAft>
-              <a:buSzPts val="3600"/>
-              <a:buNone/>
-            </a:pPr>
-            <a:r>
               <a:rPr lang="en">
                 <a:solidFill>
                   <a:srgbClr val="A31415"/>
@@ -10966,7 +11104,7 @@
       </p:sp>
       <p:sp>
         <p:nvSpPr>
-          <p:cNvPr id="145" name="Google Shape;145;g3baf4acbdf2_0_84"/>
+          <p:cNvPr id="147" name="Google Shape;147;g3baf4acbdf2_0_84"/>
           <p:cNvSpPr txBox="1"/>
           <p:nvPr>
             <p:ph idx="1" type="body"/>
@@ -11058,7 +11196,7 @@
       </p:sp>
       <p:pic>
         <p:nvPicPr>
-          <p:cNvPr id="146" name="Google Shape;146;g3baf4acbdf2_0_84" title="Screenshot 2026-01-20 at 10.46.28 AM.png"/>
+          <p:cNvPr id="148" name="Google Shape;148;g3baf4acbdf2_0_84" title="Screenshot 2026-01-20 at 10.46.28 AM.png"/>
           <p:cNvPicPr preferRelativeResize="0"/>
           <p:nvPr/>
         </p:nvPicPr>
@@ -11102,7 +11240,7 @@
   <p:cSld>
     <p:spTree>
       <p:nvGrpSpPr>
-        <p:cNvPr id="150" name="Shape 150"/>
+        <p:cNvPr id="152" name="Shape 152"/>
         <p:cNvGrpSpPr/>
         <p:nvPr/>
       </p:nvGrpSpPr>
@@ -11116,7 +11254,7 @@
       </p:grpSpPr>
       <p:sp>
         <p:nvSpPr>
-          <p:cNvPr id="151" name="Google Shape;151;g3baf4acbdf2_0_90"/>
+          <p:cNvPr id="153" name="Google Shape;153;g3baf4acbdf2_0_90"/>
           <p:cNvSpPr txBox="1"/>
           <p:nvPr>
             <p:ph type="title"/>
@@ -11196,7 +11334,7 @@
       </p:sp>
       <p:sp>
         <p:nvSpPr>
-          <p:cNvPr id="152" name="Google Shape;152;g3baf4acbdf2_0_90"/>
+          <p:cNvPr id="154" name="Google Shape;154;g3baf4acbdf2_0_90"/>
           <p:cNvSpPr txBox="1"/>
           <p:nvPr>
             <p:ph idx="1" type="body"/>
@@ -11288,7 +11426,7 @@
       </p:sp>
       <p:pic>
         <p:nvPicPr>
-          <p:cNvPr id="153" name="Google Shape;153;g3baf4acbdf2_0_90" title="Screenshot 2026-01-21 at 9.48.06 AM.png"/>
+          <p:cNvPr id="155" name="Google Shape;155;g3baf4acbdf2_0_90" title="Screenshot 2026-01-21 at 9.48.06 AM.png"/>
           <p:cNvPicPr preferRelativeResize="0"/>
           <p:nvPr/>
         </p:nvPicPr>
@@ -11333,7 +11471,7 @@
   <p:cSld>
     <p:spTree>
       <p:nvGrpSpPr>
-        <p:cNvPr id="157" name="Shape 157"/>
+        <p:cNvPr id="159" name="Shape 159"/>
         <p:cNvGrpSpPr/>
         <p:nvPr/>
       </p:nvGrpSpPr>
@@ -11347,7 +11485,7 @@
       </p:grpSpPr>
       <p:sp>
         <p:nvSpPr>
-          <p:cNvPr id="158" name="Google Shape;158;g3baf4acbdf2_0_107"/>
+          <p:cNvPr id="160" name="Google Shape;160;g3baf4acbdf2_0_107"/>
           <p:cNvSpPr txBox="1"/>
           <p:nvPr>
             <p:ph type="title"/>
@@ -11395,7 +11533,7 @@
       </p:sp>
       <p:sp>
         <p:nvSpPr>
-          <p:cNvPr id="159" name="Google Shape;159;g3baf4acbdf2_0_107"/>
+          <p:cNvPr id="161" name="Google Shape;161;g3baf4acbdf2_0_107"/>
           <p:cNvSpPr txBox="1"/>
           <p:nvPr/>
         </p:nvSpPr>
@@ -12464,7 +12602,7 @@
   <p:cSld>
     <p:spTree>
       <p:nvGrpSpPr>
-        <p:cNvPr id="163" name="Shape 163"/>
+        <p:cNvPr id="165" name="Shape 165"/>
         <p:cNvGrpSpPr/>
         <p:nvPr/>
       </p:nvGrpSpPr>
@@ -12478,7 +12616,7 @@
       </p:grpSpPr>
       <p:sp>
         <p:nvSpPr>
-          <p:cNvPr id="164" name="Google Shape;164;g3baf4acbdf2_0_49"/>
+          <p:cNvPr id="166" name="Google Shape;166;g3baf4acbdf2_0_12"/>
           <p:cNvSpPr txBox="1"/>
           <p:nvPr>
             <p:ph type="title"/>
@@ -12530,35 +12668,15 @@
             </a:r>
             <a:r>
               <a:rPr lang="en"/>
-              <a:t>: </a:t>
-            </a:r>
-            <a:r>
-              <a:rPr lang="en">
-                <a:solidFill>
-                  <a:srgbClr val="5AABBC"/>
-                </a:solidFill>
-                <a:latin typeface="Consolas"/>
-                <a:ea typeface="Consolas"/>
-                <a:cs typeface="Consolas"/>
-                <a:sym typeface="Consolas"/>
-              </a:rPr>
-              <a:t>Simple_Tokenizer()</a:t>
-            </a:r>
-            <a:endParaRPr>
-              <a:solidFill>
-                <a:srgbClr val="5AABBC"/>
-              </a:solidFill>
-              <a:latin typeface="Consolas"/>
-              <a:ea typeface="Consolas"/>
-              <a:cs typeface="Consolas"/>
-              <a:sym typeface="Consolas"/>
-            </a:endParaRPr>
+              <a:t>: Classes</a:t>
+            </a:r>
+            <a:endParaRPr/>
           </a:p>
         </p:txBody>
       </p:sp>
       <p:sp>
         <p:nvSpPr>
-          <p:cNvPr id="165" name="Google Shape;165;g3baf4acbdf2_0_49"/>
+          <p:cNvPr id="167" name="Google Shape;167;g3baf4acbdf2_0_12"/>
           <p:cNvSpPr txBox="1"/>
           <p:nvPr>
             <p:ph idx="1" type="body"/>
@@ -12598,7 +12716,7 @@
             </a:pPr>
             <a:r>
               <a:rPr lang="en"/>
-              <a:t>We can put all of this together in a </a:t>
+              <a:t>A </a:t>
             </a:r>
             <a:r>
               <a:rPr b="1" lang="en">
@@ -12614,21 +12732,321 @@
             </a:r>
             <a:r>
               <a:rPr lang="en"/>
-              <a:t> to create a </a:t>
+              <a:t> is a data type that defines both data, and </a:t>
             </a:r>
             <a:r>
               <a:rPr b="1" lang="en">
                 <a:solidFill>
-                  <a:srgbClr val="002B5B"/>
-                </a:solidFill>
-              </a:rPr>
-              <a:t>tokenizer</a:t>
+                  <a:srgbClr val="A31415"/>
+                </a:solidFill>
+                <a:latin typeface="Consolas"/>
+                <a:ea typeface="Consolas"/>
+                <a:cs typeface="Consolas"/>
+                <a:sym typeface="Consolas"/>
+              </a:rPr>
+              <a:t>functions</a:t>
             </a:r>
             <a:r>
               <a:rPr lang="en"/>
-              <a:t> we can re-use!</a:t>
+              <a:t> used to manipulate the data. A Specific instances of a </a:t>
+            </a:r>
+            <a:r>
+              <a:rPr b="1" lang="en">
+                <a:solidFill>
+                  <a:srgbClr val="A31415"/>
+                </a:solidFill>
+                <a:latin typeface="Consolas"/>
+                <a:ea typeface="Consolas"/>
+                <a:cs typeface="Consolas"/>
+                <a:sym typeface="Consolas"/>
+              </a:rPr>
+              <a:t>class</a:t>
+            </a:r>
+            <a:r>
+              <a:rPr lang="en"/>
+              <a:t> are called </a:t>
+            </a:r>
+            <a:r>
+              <a:rPr b="1" lang="en">
+                <a:solidFill>
+                  <a:srgbClr val="A31415"/>
+                </a:solidFill>
+                <a:latin typeface="Consolas"/>
+                <a:ea typeface="Consolas"/>
+                <a:cs typeface="Consolas"/>
+                <a:sym typeface="Consolas"/>
+              </a:rPr>
+              <a:t>objects</a:t>
+            </a:r>
+            <a:r>
+              <a:rPr lang="en"/>
+              <a:t>.</a:t>
             </a:r>
             <a:endParaRPr/>
+          </a:p>
+        </p:txBody>
+      </p:sp>
+      <p:pic>
+        <p:nvPicPr>
+          <p:cNvPr id="168" name="Google Shape;168;g3baf4acbdf2_0_12" title="Screenshot 2026-01-20 at 11.40.30 AM.png"/>
+          <p:cNvPicPr preferRelativeResize="0"/>
+          <p:nvPr/>
+        </p:nvPicPr>
+        <p:blipFill rotWithShape="1">
+          <a:blip r:embed="rId3">
+            <a:alphaModFix/>
+          </a:blip>
+          <a:srcRect b="0" l="0" r="0" t="0"/>
+          <a:stretch/>
+        </p:blipFill>
+        <p:spPr>
+          <a:xfrm>
+            <a:off x="1908643" y="3590925"/>
+            <a:ext cx="5326725" cy="1259600"/>
+          </a:xfrm>
+          <a:prstGeom prst="rect">
+            <a:avLst/>
+          </a:prstGeom>
+          <a:noFill/>
+          <a:ln cap="flat" cmpd="sng" w="38100">
+            <a:solidFill>
+              <a:srgbClr val="002B5B"/>
+            </a:solidFill>
+            <a:prstDash val="solid"/>
+            <a:round/>
+            <a:headEnd len="sm" w="sm" type="none"/>
+            <a:tailEnd len="sm" w="sm" type="none"/>
+          </a:ln>
+        </p:spPr>
+      </p:pic>
+      <p:pic>
+        <p:nvPicPr>
+          <p:cNvPr id="169" name="Google Shape;169;g3baf4acbdf2_0_12" title="Screenshot 2026-01-20 at 11.41.41 AM.png"/>
+          <p:cNvPicPr preferRelativeResize="0"/>
+          <p:nvPr/>
+        </p:nvPicPr>
+        <p:blipFill rotWithShape="1">
+          <a:blip r:embed="rId4">
+            <a:alphaModFix/>
+          </a:blip>
+          <a:srcRect b="0" l="0" r="0" t="0"/>
+          <a:stretch/>
+        </p:blipFill>
+        <p:spPr>
+          <a:xfrm>
+            <a:off x="907675" y="5098875"/>
+            <a:ext cx="7328650" cy="654850"/>
+          </a:xfrm>
+          <a:prstGeom prst="rect">
+            <a:avLst/>
+          </a:prstGeom>
+          <a:noFill/>
+          <a:ln cap="flat" cmpd="sng" w="38100">
+            <a:solidFill>
+              <a:srgbClr val="002B5B"/>
+            </a:solidFill>
+            <a:prstDash val="solid"/>
+            <a:round/>
+            <a:headEnd len="sm" w="sm" type="none"/>
+            <a:tailEnd len="sm" w="sm" type="none"/>
+          </a:ln>
+        </p:spPr>
+      </p:pic>
+      <p:sp>
+        <p:nvSpPr>
+          <p:cNvPr id="170" name="Google Shape;170;g3baf4acbdf2_0_12"/>
+          <p:cNvSpPr txBox="1"/>
+          <p:nvPr/>
+        </p:nvSpPr>
+        <p:spPr>
+          <a:xfrm>
+            <a:off x="457200" y="6002075"/>
+            <a:ext cx="8229600" cy="699000"/>
+          </a:xfrm>
+          <a:prstGeom prst="rect">
+            <a:avLst/>
+          </a:prstGeom>
+          <a:noFill/>
+          <a:ln>
+            <a:noFill/>
+          </a:ln>
+        </p:spPr>
+        <p:txBody>
+          <a:bodyPr anchorCtr="0" anchor="t" bIns="91425" lIns="91425" spcFirstLastPara="1" rIns="91425" wrap="square" tIns="91425">
+            <a:noAutofit/>
+          </a:bodyPr>
+          <a:lstStyle/>
+          <a:p>
+            <a:pPr indent="0" lvl="0" marL="0" marR="0" rtl="0" algn="l">
+              <a:lnSpc>
+                <a:spcPct val="100000"/>
+              </a:lnSpc>
+              <a:spcBef>
+                <a:spcPts val="0"/>
+              </a:spcBef>
+              <a:spcAft>
+                <a:spcPts val="0"/>
+              </a:spcAft>
+              <a:buClr>
+                <a:srgbClr val="000000"/>
+              </a:buClr>
+              <a:buSzPts val="1800"/>
+              <a:buFont typeface="Arial"/>
+              <a:buNone/>
+            </a:pPr>
+            <a:r>
+              <a:rPr b="1" i="0" lang="en" sz="1800" u="none" cap="none" strike="noStrike">
+                <a:solidFill>
+                  <a:srgbClr val="DCB439"/>
+                </a:solidFill>
+                <a:latin typeface="Arial"/>
+                <a:ea typeface="Arial"/>
+                <a:cs typeface="Arial"/>
+                <a:sym typeface="Arial"/>
+              </a:rPr>
+              <a:t>NOTE:</a:t>
+            </a:r>
+            <a:r>
+              <a:rPr b="0" i="0" lang="en" sz="1800" u="none" cap="none" strike="noStrike">
+                <a:solidFill>
+                  <a:schemeClr val="dk1"/>
+                </a:solidFill>
+                <a:latin typeface="Arial"/>
+                <a:ea typeface="Arial"/>
+                <a:cs typeface="Arial"/>
+                <a:sym typeface="Arial"/>
+              </a:rPr>
+              <a:t> We can use </a:t>
+            </a:r>
+            <a:r>
+              <a:rPr b="1" i="0" lang="en" sz="1800" u="none" cap="none" strike="noStrike">
+                <a:solidFill>
+                  <a:srgbClr val="A31415"/>
+                </a:solidFill>
+                <a:latin typeface="Consolas"/>
+                <a:ea typeface="Consolas"/>
+                <a:cs typeface="Consolas"/>
+                <a:sym typeface="Consolas"/>
+              </a:rPr>
+              <a:t>dir(class)</a:t>
+            </a:r>
+            <a:r>
+              <a:rPr b="0" i="0" lang="en" sz="1800" u="none" cap="none" strike="noStrike">
+                <a:solidFill>
+                  <a:schemeClr val="dk1"/>
+                </a:solidFill>
+                <a:latin typeface="Arial"/>
+                <a:ea typeface="Arial"/>
+                <a:cs typeface="Arial"/>
+                <a:sym typeface="Arial"/>
+              </a:rPr>
+              <a:t> to </a:t>
+            </a:r>
+            <a:r>
+              <a:rPr b="1" i="0" lang="en" sz="1800" u="none" cap="none" strike="noStrike">
+                <a:solidFill>
+                  <a:srgbClr val="A31415"/>
+                </a:solidFill>
+                <a:latin typeface="Consolas"/>
+                <a:ea typeface="Consolas"/>
+                <a:cs typeface="Consolas"/>
+                <a:sym typeface="Consolas"/>
+              </a:rPr>
+              <a:t>print</a:t>
+            </a:r>
+            <a:r>
+              <a:rPr b="0" i="0" lang="en" sz="1800" u="none" cap="none" strike="noStrike">
+                <a:solidFill>
+                  <a:schemeClr val="dk1"/>
+                </a:solidFill>
+                <a:latin typeface="Arial"/>
+                <a:ea typeface="Arial"/>
+                <a:cs typeface="Arial"/>
+                <a:sym typeface="Arial"/>
+              </a:rPr>
+              <a:t> out the </a:t>
+            </a:r>
+            <a:r>
+              <a:rPr b="1" i="0" lang="en" sz="1800" u="none" cap="none" strike="noStrike">
+                <a:solidFill>
+                  <a:srgbClr val="A31415"/>
+                </a:solidFill>
+                <a:latin typeface="Consolas"/>
+                <a:ea typeface="Consolas"/>
+                <a:cs typeface="Consolas"/>
+                <a:sym typeface="Consolas"/>
+              </a:rPr>
+              <a:t>attributes</a:t>
+            </a:r>
+            <a:r>
+              <a:rPr b="0" i="0" lang="en" sz="1800" u="none" cap="none" strike="noStrike">
+                <a:solidFill>
+                  <a:schemeClr val="dk1"/>
+                </a:solidFill>
+                <a:latin typeface="Arial"/>
+                <a:ea typeface="Arial"/>
+                <a:cs typeface="Arial"/>
+                <a:sym typeface="Arial"/>
+              </a:rPr>
+              <a:t> and </a:t>
+            </a:r>
+            <a:r>
+              <a:rPr b="1" i="0" lang="en" sz="1800" u="none" cap="none" strike="noStrike">
+                <a:solidFill>
+                  <a:srgbClr val="A31415"/>
+                </a:solidFill>
+                <a:latin typeface="Consolas"/>
+                <a:ea typeface="Consolas"/>
+                <a:cs typeface="Consolas"/>
+                <a:sym typeface="Consolas"/>
+              </a:rPr>
+              <a:t>functions</a:t>
+            </a:r>
+            <a:r>
+              <a:rPr b="0" i="0" lang="en" sz="1800" u="none" cap="none" strike="noStrike">
+                <a:solidFill>
+                  <a:schemeClr val="dk1"/>
+                </a:solidFill>
+                <a:latin typeface="Arial"/>
+                <a:ea typeface="Arial"/>
+                <a:cs typeface="Arial"/>
+                <a:sym typeface="Arial"/>
+              </a:rPr>
+              <a:t> a </a:t>
+            </a:r>
+            <a:r>
+              <a:rPr b="1" i="0" lang="en" sz="1800" u="none" cap="none" strike="noStrike">
+                <a:solidFill>
+                  <a:srgbClr val="A31415"/>
+                </a:solidFill>
+                <a:latin typeface="Consolas"/>
+                <a:ea typeface="Consolas"/>
+                <a:cs typeface="Consolas"/>
+                <a:sym typeface="Consolas"/>
+              </a:rPr>
+              <a:t>class</a:t>
+            </a:r>
+            <a:r>
+              <a:rPr b="0" i="0" lang="en" sz="1800" u="none" cap="none" strike="noStrike">
+                <a:solidFill>
+                  <a:schemeClr val="dk1"/>
+                </a:solidFill>
+                <a:latin typeface="Arial"/>
+                <a:ea typeface="Arial"/>
+                <a:cs typeface="Arial"/>
+                <a:sym typeface="Arial"/>
+              </a:rPr>
+              <a:t> has</a:t>
+            </a:r>
+            <a:endParaRPr b="0" i="0" sz="1800" u="none" cap="none" strike="noStrike">
+              <a:solidFill>
+                <a:schemeClr val="dk1"/>
+              </a:solidFill>
+              <a:latin typeface="Arial"/>
+              <a:ea typeface="Arial"/>
+              <a:cs typeface="Arial"/>
+              <a:sym typeface="Arial"/>
+            </a:endParaRPr>
           </a:p>
         </p:txBody>
       </p:sp>
@@ -12927,7 +13345,7 @@
   <p:cSld>
     <p:spTree>
       <p:nvGrpSpPr>
-        <p:cNvPr id="169" name="Shape 169"/>
+        <p:cNvPr id="174" name="Shape 174"/>
         <p:cNvGrpSpPr/>
         <p:nvPr/>
       </p:nvGrpSpPr>
@@ -12941,7 +13359,7 @@
       </p:grpSpPr>
       <p:sp>
         <p:nvSpPr>
-          <p:cNvPr id="170" name="Google Shape;170;g3baf4acbdf2_0_12"/>
+          <p:cNvPr id="175" name="Google Shape;175;g3baf4acbdf2_0_49"/>
           <p:cNvSpPr txBox="1"/>
           <p:nvPr>
             <p:ph type="title"/>
@@ -12993,15 +13411,35 @@
             </a:r>
             <a:r>
               <a:rPr lang="en"/>
-              <a:t>: Classes</a:t>
-            </a:r>
-            <a:endParaRPr/>
+              <a:t>: </a:t>
+            </a:r>
+            <a:r>
+              <a:rPr lang="en">
+                <a:solidFill>
+                  <a:srgbClr val="5AABBC"/>
+                </a:solidFill>
+                <a:latin typeface="Consolas"/>
+                <a:ea typeface="Consolas"/>
+                <a:cs typeface="Consolas"/>
+                <a:sym typeface="Consolas"/>
+              </a:rPr>
+              <a:t>Simple_Tokenizer()</a:t>
+            </a:r>
+            <a:endParaRPr>
+              <a:solidFill>
+                <a:srgbClr val="5AABBC"/>
+              </a:solidFill>
+              <a:latin typeface="Consolas"/>
+              <a:ea typeface="Consolas"/>
+              <a:cs typeface="Consolas"/>
+              <a:sym typeface="Consolas"/>
+            </a:endParaRPr>
           </a:p>
         </p:txBody>
       </p:sp>
       <p:sp>
         <p:nvSpPr>
-          <p:cNvPr id="171" name="Google Shape;171;g3baf4acbdf2_0_12"/>
+          <p:cNvPr id="176" name="Google Shape;176;g3baf4acbdf2_0_49"/>
           <p:cNvSpPr txBox="1"/>
           <p:nvPr>
             <p:ph idx="1" type="body"/>
@@ -13041,7 +13479,7 @@
             </a:pPr>
             <a:r>
               <a:rPr lang="en"/>
-              <a:t>A </a:t>
+              <a:t>We can put all of this together in a </a:t>
             </a:r>
             <a:r>
               <a:rPr b="1" lang="en">
@@ -13057,55 +13495,19 @@
             </a:r>
             <a:r>
               <a:rPr lang="en"/>
-              <a:t> is a data type that defines both data, and </a:t>
+              <a:t> to create a </a:t>
             </a:r>
             <a:r>
               <a:rPr b="1" lang="en">
                 <a:solidFill>
-                  <a:srgbClr val="A31415"/>
-                </a:solidFill>
-                <a:latin typeface="Consolas"/>
-                <a:ea typeface="Consolas"/>
-                <a:cs typeface="Consolas"/>
-                <a:sym typeface="Consolas"/>
-              </a:rPr>
-              <a:t>functions</a:t>
+                  <a:srgbClr val="002B5B"/>
+                </a:solidFill>
+              </a:rPr>
+              <a:t>tokenizer</a:t>
             </a:r>
             <a:r>
               <a:rPr lang="en"/>
-              <a:t> used to manipulate the data. A Specific instances of a </a:t>
-            </a:r>
-            <a:r>
-              <a:rPr b="1" lang="en">
-                <a:solidFill>
-                  <a:srgbClr val="A31415"/>
-                </a:solidFill>
-                <a:latin typeface="Consolas"/>
-                <a:ea typeface="Consolas"/>
-                <a:cs typeface="Consolas"/>
-                <a:sym typeface="Consolas"/>
-              </a:rPr>
-              <a:t>class</a:t>
-            </a:r>
-            <a:r>
-              <a:rPr lang="en"/>
-              <a:t> are called </a:t>
-            </a:r>
-            <a:r>
-              <a:rPr b="1" lang="en">
-                <a:solidFill>
-                  <a:srgbClr val="A31415"/>
-                </a:solidFill>
-                <a:latin typeface="Consolas"/>
-                <a:ea typeface="Consolas"/>
-                <a:cs typeface="Consolas"/>
-                <a:sym typeface="Consolas"/>
-              </a:rPr>
-              <a:t>objects</a:t>
-            </a:r>
-            <a:r>
-              <a:rPr lang="en"/>
-              <a:t>.</a:t>
+              <a:t> we can re-use!</a:t>
             </a:r>
             <a:endParaRPr/>
           </a:p>
@@ -13113,21 +13515,22 @@
       </p:sp>
       <p:pic>
         <p:nvPicPr>
-          <p:cNvPr id="172" name="Google Shape;172;g3baf4acbdf2_0_12" title="Screenshot 2026-01-20 at 11.40.30 AM.png"/>
+          <p:cNvPr id="177" name="Google Shape;177;g3baf4acbdf2_0_49" title="Screenshot 2026-01-22 at 11.30.09 AM.png"/>
           <p:cNvPicPr preferRelativeResize="0"/>
           <p:nvPr/>
         </p:nvPicPr>
-        <p:blipFill rotWithShape="1">
+        <p:blipFill>
           <a:blip r:embed="rId3">
             <a:alphaModFix/>
           </a:blip>
-          <a:srcRect b="0" l="0" r="0" t="0"/>
-          <a:stretch/>
+          <a:stretch>
+            <a:fillRect/>
+          </a:stretch>
         </p:blipFill>
         <p:spPr>
           <a:xfrm>
-            <a:off x="1908643" y="3590925"/>
-            <a:ext cx="5326725" cy="1259600"/>
+            <a:off x="774450" y="3510199"/>
+            <a:ext cx="7595100" cy="745425"/>
           </a:xfrm>
           <a:prstGeom prst="rect">
             <a:avLst/>
@@ -13144,237 +13547,6 @@
           </a:ln>
         </p:spPr>
       </p:pic>
-      <p:pic>
-        <p:nvPicPr>
-          <p:cNvPr id="173" name="Google Shape;173;g3baf4acbdf2_0_12" title="Screenshot 2026-01-20 at 11.41.41 AM.png"/>
-          <p:cNvPicPr preferRelativeResize="0"/>
-          <p:nvPr/>
-        </p:nvPicPr>
-        <p:blipFill rotWithShape="1">
-          <a:blip r:embed="rId4">
-            <a:alphaModFix/>
-          </a:blip>
-          <a:srcRect b="0" l="0" r="0" t="0"/>
-          <a:stretch/>
-        </p:blipFill>
-        <p:spPr>
-          <a:xfrm>
-            <a:off x="907675" y="5098875"/>
-            <a:ext cx="7328650" cy="654850"/>
-          </a:xfrm>
-          <a:prstGeom prst="rect">
-            <a:avLst/>
-          </a:prstGeom>
-          <a:noFill/>
-          <a:ln cap="flat" cmpd="sng" w="38100">
-            <a:solidFill>
-              <a:srgbClr val="002B5B"/>
-            </a:solidFill>
-            <a:prstDash val="solid"/>
-            <a:round/>
-            <a:headEnd len="sm" w="sm" type="none"/>
-            <a:tailEnd len="sm" w="sm" type="none"/>
-          </a:ln>
-        </p:spPr>
-      </p:pic>
-      <p:sp>
-        <p:nvSpPr>
-          <p:cNvPr id="174" name="Google Shape;174;g3baf4acbdf2_0_12"/>
-          <p:cNvSpPr txBox="1"/>
-          <p:nvPr/>
-        </p:nvSpPr>
-        <p:spPr>
-          <a:xfrm>
-            <a:off x="457200" y="6002075"/>
-            <a:ext cx="8229600" cy="699000"/>
-          </a:xfrm>
-          <a:prstGeom prst="rect">
-            <a:avLst/>
-          </a:prstGeom>
-          <a:noFill/>
-          <a:ln>
-            <a:noFill/>
-          </a:ln>
-        </p:spPr>
-        <p:txBody>
-          <a:bodyPr anchorCtr="0" anchor="t" bIns="91425" lIns="91425" spcFirstLastPara="1" rIns="91425" wrap="square" tIns="91425">
-            <a:noAutofit/>
-          </a:bodyPr>
-          <a:lstStyle/>
-          <a:p>
-            <a:pPr indent="0" lvl="0" marL="0" marR="0" rtl="0" algn="l">
-              <a:lnSpc>
-                <a:spcPct val="100000"/>
-              </a:lnSpc>
-              <a:spcBef>
-                <a:spcPts val="0"/>
-              </a:spcBef>
-              <a:spcAft>
-                <a:spcPts val="0"/>
-              </a:spcAft>
-              <a:buClr>
-                <a:srgbClr val="000000"/>
-              </a:buClr>
-              <a:buSzPts val="1800"/>
-              <a:buFont typeface="Arial"/>
-              <a:buNone/>
-            </a:pPr>
-            <a:r>
-              <a:rPr b="1" i="0" lang="en" sz="1800" u="none" cap="none" strike="noStrike">
-                <a:solidFill>
-                  <a:srgbClr val="DCB439"/>
-                </a:solidFill>
-                <a:latin typeface="Arial"/>
-                <a:ea typeface="Arial"/>
-                <a:cs typeface="Arial"/>
-                <a:sym typeface="Arial"/>
-              </a:rPr>
-              <a:t>NOTE:</a:t>
-            </a:r>
-            <a:r>
-              <a:rPr b="0" i="0" lang="en" sz="1800" u="none" cap="none" strike="noStrike">
-                <a:solidFill>
-                  <a:schemeClr val="dk1"/>
-                </a:solidFill>
-                <a:latin typeface="Arial"/>
-                <a:ea typeface="Arial"/>
-                <a:cs typeface="Arial"/>
-                <a:sym typeface="Arial"/>
-              </a:rPr>
-              <a:t> We can use </a:t>
-            </a:r>
-            <a:r>
-              <a:rPr b="1" i="0" lang="en" sz="1800" u="none" cap="none" strike="noStrike">
-                <a:solidFill>
-                  <a:srgbClr val="A31415"/>
-                </a:solidFill>
-                <a:latin typeface="Consolas"/>
-                <a:ea typeface="Consolas"/>
-                <a:cs typeface="Consolas"/>
-                <a:sym typeface="Consolas"/>
-              </a:rPr>
-              <a:t>dir(class)</a:t>
-            </a:r>
-            <a:r>
-              <a:rPr b="0" i="0" lang="en" sz="1800" u="none" cap="none" strike="noStrike">
-                <a:solidFill>
-                  <a:schemeClr val="dk1"/>
-                </a:solidFill>
-                <a:latin typeface="Arial"/>
-                <a:ea typeface="Arial"/>
-                <a:cs typeface="Arial"/>
-                <a:sym typeface="Arial"/>
-              </a:rPr>
-              <a:t> to </a:t>
-            </a:r>
-            <a:r>
-              <a:rPr b="1" i="0" lang="en" sz="1800" u="none" cap="none" strike="noStrike">
-                <a:solidFill>
-                  <a:srgbClr val="A31415"/>
-                </a:solidFill>
-                <a:latin typeface="Consolas"/>
-                <a:ea typeface="Consolas"/>
-                <a:cs typeface="Consolas"/>
-                <a:sym typeface="Consolas"/>
-              </a:rPr>
-              <a:t>print</a:t>
-            </a:r>
-            <a:r>
-              <a:rPr b="0" i="0" lang="en" sz="1800" u="none" cap="none" strike="noStrike">
-                <a:solidFill>
-                  <a:schemeClr val="dk1"/>
-                </a:solidFill>
-                <a:latin typeface="Arial"/>
-                <a:ea typeface="Arial"/>
-                <a:cs typeface="Arial"/>
-                <a:sym typeface="Arial"/>
-              </a:rPr>
-              <a:t> out the </a:t>
-            </a:r>
-            <a:r>
-              <a:rPr b="1" i="0" lang="en" sz="1800" u="none" cap="none" strike="noStrike">
-                <a:solidFill>
-                  <a:srgbClr val="A31415"/>
-                </a:solidFill>
-                <a:latin typeface="Consolas"/>
-                <a:ea typeface="Consolas"/>
-                <a:cs typeface="Consolas"/>
-                <a:sym typeface="Consolas"/>
-              </a:rPr>
-              <a:t>attributes</a:t>
-            </a:r>
-            <a:r>
-              <a:rPr b="0" i="0" lang="en" sz="1800" u="none" cap="none" strike="noStrike">
-                <a:solidFill>
-                  <a:schemeClr val="dk1"/>
-                </a:solidFill>
-                <a:latin typeface="Arial"/>
-                <a:ea typeface="Arial"/>
-                <a:cs typeface="Arial"/>
-                <a:sym typeface="Arial"/>
-              </a:rPr>
-              <a:t> and </a:t>
-            </a:r>
-            <a:r>
-              <a:rPr b="1" i="0" lang="en" sz="1800" u="none" cap="none" strike="noStrike">
-                <a:solidFill>
-                  <a:srgbClr val="A31415"/>
-                </a:solidFill>
-                <a:latin typeface="Consolas"/>
-                <a:ea typeface="Consolas"/>
-                <a:cs typeface="Consolas"/>
-                <a:sym typeface="Consolas"/>
-              </a:rPr>
-              <a:t>functions</a:t>
-            </a:r>
-            <a:r>
-              <a:rPr b="0" i="0" lang="en" sz="1800" u="none" cap="none" strike="noStrike">
-                <a:solidFill>
-                  <a:schemeClr val="dk1"/>
-                </a:solidFill>
-                <a:latin typeface="Arial"/>
-                <a:ea typeface="Arial"/>
-                <a:cs typeface="Arial"/>
-                <a:sym typeface="Arial"/>
-              </a:rPr>
-              <a:t> a </a:t>
-            </a:r>
-            <a:r>
-              <a:rPr b="1" i="0" lang="en" sz="1800" u="none" cap="none" strike="noStrike">
-                <a:solidFill>
-                  <a:srgbClr val="A31415"/>
-                </a:solidFill>
-                <a:latin typeface="Consolas"/>
-                <a:ea typeface="Consolas"/>
-                <a:cs typeface="Consolas"/>
-                <a:sym typeface="Consolas"/>
-              </a:rPr>
-              <a:t>class</a:t>
-            </a:r>
-            <a:r>
-              <a:rPr b="0" i="0" lang="en" sz="1800" u="none" cap="none" strike="noStrike">
-                <a:solidFill>
-                  <a:schemeClr val="dk1"/>
-                </a:solidFill>
-                <a:latin typeface="Arial"/>
-                <a:ea typeface="Arial"/>
-                <a:cs typeface="Arial"/>
-                <a:sym typeface="Arial"/>
-              </a:rPr>
-              <a:t> has</a:t>
-            </a:r>
-            <a:endParaRPr b="0" i="0" sz="1800" u="none" cap="none" strike="noStrike">
-              <a:solidFill>
-                <a:schemeClr val="dk1"/>
-              </a:solidFill>
-              <a:latin typeface="Arial"/>
-              <a:ea typeface="Arial"/>
-              <a:cs typeface="Arial"/>
-              <a:sym typeface="Arial"/>
-            </a:endParaRPr>
-          </a:p>
-        </p:txBody>
-      </p:sp>
     </p:spTree>
   </p:cSld>
   <p:clrMapOvr>
@@ -13388,7 +13560,7 @@
   <p:cSld>
     <p:spTree>
       <p:nvGrpSpPr>
-        <p:cNvPr id="178" name="Shape 178"/>
+        <p:cNvPr id="181" name="Shape 181"/>
         <p:cNvGrpSpPr/>
         <p:nvPr/>
       </p:nvGrpSpPr>
@@ -13402,7 +13574,7 @@
       </p:grpSpPr>
       <p:sp>
         <p:nvSpPr>
-          <p:cNvPr id="179" name="Google Shape;179;g3baf4acbdf2_0_65"/>
+          <p:cNvPr id="182" name="Google Shape;182;g3baf4acbdf2_0_65"/>
           <p:cNvSpPr txBox="1"/>
           <p:nvPr>
             <p:ph type="title"/>
@@ -13474,7 +13646,7 @@
       </p:sp>
       <p:sp>
         <p:nvSpPr>
-          <p:cNvPr id="180" name="Google Shape;180;g3baf4acbdf2_0_65"/>
+          <p:cNvPr id="183" name="Google Shape;183;g3baf4acbdf2_0_65"/>
           <p:cNvSpPr txBox="1"/>
           <p:nvPr>
             <p:ph idx="1" type="body"/>
@@ -13662,7 +13834,7 @@
   <p:cSld>
     <p:spTree>
       <p:nvGrpSpPr>
-        <p:cNvPr id="184" name="Shape 184"/>
+        <p:cNvPr id="187" name="Shape 187"/>
         <p:cNvGrpSpPr/>
         <p:nvPr/>
       </p:nvGrpSpPr>
@@ -13676,7 +13848,7 @@
       </p:grpSpPr>
       <p:sp>
         <p:nvSpPr>
-          <p:cNvPr id="185" name="Google Shape;185;g3b938ea6dd9_0_93"/>
+          <p:cNvPr id="188" name="Google Shape;188;g3b938ea6dd9_0_93"/>
           <p:cNvSpPr txBox="1"/>
           <p:nvPr>
             <p:ph type="title"/>
@@ -13724,7 +13896,7 @@
       </p:sp>
       <p:sp>
         <p:nvSpPr>
-          <p:cNvPr id="186" name="Google Shape;186;g3b938ea6dd9_0_93"/>
+          <p:cNvPr id="189" name="Google Shape;189;g3b938ea6dd9_0_93"/>
           <p:cNvSpPr txBox="1"/>
           <p:nvPr/>
         </p:nvSpPr>
@@ -13921,6 +14093,37 @@
               <a:buNone/>
             </a:pPr>
             <a:r>
+              <a:t/>
+            </a:r>
+            <a:endParaRPr b="1" sz="3000">
+              <a:solidFill>
+                <a:srgbClr val="A31415"/>
+              </a:solidFill>
+              <a:latin typeface="Consolas"/>
+              <a:ea typeface="Consolas"/>
+              <a:cs typeface="Consolas"/>
+              <a:sym typeface="Consolas"/>
+            </a:endParaRPr>
+          </a:p>
+          <a:p>
+            <a:pPr indent="0" lvl="0" marL="0" marR="0" rtl="0" algn="l">
+              <a:lnSpc>
+                <a:spcPct val="100000"/>
+              </a:lnSpc>
+              <a:spcBef>
+                <a:spcPts val="0"/>
+              </a:spcBef>
+              <a:spcAft>
+                <a:spcPts val="0"/>
+              </a:spcAft>
+              <a:buClr>
+                <a:srgbClr val="000000"/>
+              </a:buClr>
+              <a:buSzPts val="3000"/>
+              <a:buFont typeface="Arial"/>
+              <a:buNone/>
+            </a:pPr>
+            <a:r>
               <a:rPr b="1" lang="en" sz="3000">
                 <a:solidFill>
                   <a:srgbClr val="A31415"/>
@@ -13982,23 +14185,27 @@
       </p:sp>
       <p:sp>
         <p:nvSpPr>
-          <p:cNvPr id="187" name="Google Shape;187;g3b938ea6dd9_0_93"/>
+          <p:cNvPr id="190" name="Google Shape;190;g3b938ea6dd9_0_93"/>
           <p:cNvSpPr txBox="1"/>
-          <p:nvPr>
-            <p:ph idx="1" type="body"/>
-          </p:nvPr>
+          <p:nvPr/>
         </p:nvSpPr>
         <p:spPr>
           <a:xfrm>
-            <a:off x="457200" y="3270375"/>
-            <a:ext cx="8229600" cy="988200"/>
+            <a:off x="331200" y="3200400"/>
+            <a:ext cx="8481600" cy="1567500"/>
           </a:xfrm>
           <a:prstGeom prst="rect">
             <a:avLst/>
           </a:prstGeom>
           <a:noFill/>
-          <a:ln>
-            <a:noFill/>
+          <a:ln cap="flat" cmpd="sng" w="38100">
+            <a:solidFill>
+              <a:srgbClr val="002B5B"/>
+            </a:solidFill>
+            <a:prstDash val="solid"/>
+            <a:round/>
+            <a:headEnd len="sm" w="sm" type="none"/>
+            <a:tailEnd len="sm" w="sm" type="none"/>
           </a:ln>
         </p:spPr>
         <p:txBody>
@@ -14008,16 +14215,12 @@
           <a:lstStyle/>
           <a:p>
             <a:pPr indent="0" lvl="0" marL="0" rtl="0" algn="l">
-              <a:lnSpc>
-                <a:spcPct val="100000"/>
-              </a:lnSpc>
-              <a:spcBef>
-                <a:spcPts val="600"/>
-              </a:spcBef>
-              <a:spcAft>
-                <a:spcPts val="0"/>
-              </a:spcAft>
-              <a:buSzPts val="3000"/>
+              <a:spcBef>
+                <a:spcPts val="0"/>
+              </a:spcBef>
+              <a:spcAft>
+                <a:spcPts val="0"/>
+              </a:spcAft>
               <a:buNone/>
             </a:pPr>
             <a:r>
@@ -14030,11 +14233,98 @@
                 <a:cs typeface="Consolas"/>
                 <a:sym typeface="Consolas"/>
               </a:rPr>
-              <a:t>GPT4_SPLIT_PATTERN =</a:t>
-            </a:r>
-            <a:r>
-              <a:rPr lang="en"/>
-              <a:t> </a:t>
+              <a:t>print</a:t>
+            </a:r>
+            <a:r>
+              <a:rPr lang="en" sz="1800">
+                <a:solidFill>
+                  <a:schemeClr val="dk1"/>
+                </a:solidFill>
+                <a:latin typeface="Consolas"/>
+                <a:ea typeface="Consolas"/>
+                <a:cs typeface="Consolas"/>
+                <a:sym typeface="Consolas"/>
+              </a:rPr>
+              <a:t>(r_t.chunk(</a:t>
+            </a:r>
+            <a:r>
+              <a:rPr b="1" lang="en" sz="1800">
+                <a:solidFill>
+                  <a:srgbClr val="A31415"/>
+                </a:solidFill>
+                <a:latin typeface="Consolas"/>
+                <a:ea typeface="Consolas"/>
+                <a:cs typeface="Consolas"/>
+                <a:sym typeface="Consolas"/>
+              </a:rPr>
+              <a:t>"No cap are u rolling the party tonight?"</a:t>
+            </a:r>
+            <a:r>
+              <a:rPr lang="en" sz="1800">
+                <a:solidFill>
+                  <a:schemeClr val="dk1"/>
+                </a:solidFill>
+                <a:latin typeface="Consolas"/>
+                <a:ea typeface="Consolas"/>
+                <a:cs typeface="Consolas"/>
+                <a:sym typeface="Consolas"/>
+              </a:rPr>
+              <a:t>))</a:t>
+            </a:r>
+            <a:endParaRPr sz="1800">
+              <a:solidFill>
+                <a:schemeClr val="dk1"/>
+              </a:solidFill>
+              <a:latin typeface="Consolas"/>
+              <a:ea typeface="Consolas"/>
+              <a:cs typeface="Consolas"/>
+              <a:sym typeface="Consolas"/>
+            </a:endParaRPr>
+          </a:p>
+          <a:p>
+            <a:pPr indent="0" lvl="0" marL="0" rtl="0" algn="l">
+              <a:spcBef>
+                <a:spcPts val="0"/>
+              </a:spcBef>
+              <a:spcAft>
+                <a:spcPts val="0"/>
+              </a:spcAft>
+              <a:buNone/>
+            </a:pPr>
+            <a:r>
+              <a:t/>
+            </a:r>
+            <a:endParaRPr sz="1800">
+              <a:solidFill>
+                <a:schemeClr val="dk1"/>
+              </a:solidFill>
+              <a:latin typeface="Consolas"/>
+              <a:ea typeface="Consolas"/>
+              <a:cs typeface="Consolas"/>
+              <a:sym typeface="Consolas"/>
+            </a:endParaRPr>
+          </a:p>
+          <a:p>
+            <a:pPr indent="0" lvl="0" marL="0" rtl="0" algn="l">
+              <a:spcBef>
+                <a:spcPts val="0"/>
+              </a:spcBef>
+              <a:spcAft>
+                <a:spcPts val="0"/>
+              </a:spcAft>
+              <a:buNone/>
+            </a:pPr>
+            <a:r>
+              <a:rPr lang="en" sz="1800">
+                <a:solidFill>
+                  <a:schemeClr val="dk1"/>
+                </a:solidFill>
+                <a:latin typeface="Consolas"/>
+                <a:ea typeface="Consolas"/>
+                <a:cs typeface="Consolas"/>
+                <a:sym typeface="Consolas"/>
+              </a:rPr>
+              <a:t>&gt; </a:t>
             </a:r>
             <a:r>
               <a:rPr b="1" lang="en" sz="1000">
@@ -14046,7 +14336,7 @@
                 <a:cs typeface="Consolas"/>
                 <a:sym typeface="Consolas"/>
               </a:rPr>
-              <a:t>r"""'(?i:[sdmt]|ll|ve|re)|[^\r\n\p{L}\p{N}]?+\p{L}+|\p{N}{1,3}|?[^\s\p{L}\p{N}]++[\r\n]*|\s*[\r\n]|\s+(?!\S)|\s+"""</a:t>
+              <a:t>'(?i:[sdmt]|ll|ve|re)|[^\r\n\p{L}\p{N}]?+\p{L}+|\p{N}{1,3}| ?[^\s\p{L}\p{N}]++[\r\n]*|\s*[\r\n]|\s+(?!\S)|\s+</a:t>
             </a:r>
             <a:endParaRPr b="1" sz="1000">
               <a:solidFill>
@@ -14060,22 +14350,309 @@
           </a:p>
           <a:p>
             <a:pPr indent="0" lvl="0" marL="0" rtl="0" algn="l">
-              <a:lnSpc>
-                <a:spcPct val="100000"/>
-              </a:lnSpc>
-              <a:spcBef>
-                <a:spcPts val="600"/>
-              </a:spcBef>
-              <a:spcAft>
-                <a:spcPts val="0"/>
-              </a:spcAft>
-              <a:buSzPts val="3000"/>
+              <a:spcBef>
+                <a:spcPts val="0"/>
+              </a:spcBef>
+              <a:spcAft>
+                <a:spcPts val="0"/>
+              </a:spcAft>
               <a:buNone/>
             </a:pPr>
             <a:r>
               <a:t/>
             </a:r>
-            <a:endParaRPr/>
+            <a:endParaRPr sz="1800">
+              <a:solidFill>
+                <a:schemeClr val="dk1"/>
+              </a:solidFill>
+              <a:latin typeface="Consolas"/>
+              <a:ea typeface="Consolas"/>
+              <a:cs typeface="Consolas"/>
+              <a:sym typeface="Consolas"/>
+            </a:endParaRPr>
+          </a:p>
+          <a:p>
+            <a:pPr indent="0" lvl="0" marL="0" rtl="0" algn="l">
+              <a:spcBef>
+                <a:spcPts val="0"/>
+              </a:spcBef>
+              <a:spcAft>
+                <a:spcPts val="0"/>
+              </a:spcAft>
+              <a:buNone/>
+            </a:pPr>
+            <a:r>
+              <a:rPr lang="en" sz="1800">
+                <a:solidFill>
+                  <a:schemeClr val="dk1"/>
+                </a:solidFill>
+                <a:latin typeface="Consolas"/>
+                <a:ea typeface="Consolas"/>
+                <a:cs typeface="Consolas"/>
+                <a:sym typeface="Consolas"/>
+              </a:rPr>
+              <a:t>&gt; </a:t>
+            </a:r>
+            <a:r>
+              <a:rPr lang="en" sz="1500">
+                <a:solidFill>
+                  <a:schemeClr val="dk1"/>
+                </a:solidFill>
+                <a:latin typeface="Consolas"/>
+                <a:ea typeface="Consolas"/>
+                <a:cs typeface="Consolas"/>
+                <a:sym typeface="Consolas"/>
+              </a:rPr>
+              <a:t>[</a:t>
+            </a:r>
+            <a:r>
+              <a:rPr b="1" lang="en" sz="1500">
+                <a:solidFill>
+                  <a:srgbClr val="A31415"/>
+                </a:solidFill>
+                <a:latin typeface="Consolas"/>
+                <a:ea typeface="Consolas"/>
+                <a:cs typeface="Consolas"/>
+                <a:sym typeface="Consolas"/>
+              </a:rPr>
+              <a:t>'No'</a:t>
+            </a:r>
+            <a:r>
+              <a:rPr lang="en" sz="1500">
+                <a:solidFill>
+                  <a:schemeClr val="dk1"/>
+                </a:solidFill>
+                <a:latin typeface="Consolas"/>
+                <a:ea typeface="Consolas"/>
+                <a:cs typeface="Consolas"/>
+                <a:sym typeface="Consolas"/>
+              </a:rPr>
+              <a:t>, </a:t>
+            </a:r>
+            <a:r>
+              <a:rPr b="1" lang="en" sz="1500">
+                <a:solidFill>
+                  <a:srgbClr val="A31415"/>
+                </a:solidFill>
+                <a:latin typeface="Consolas"/>
+                <a:ea typeface="Consolas"/>
+                <a:cs typeface="Consolas"/>
+                <a:sym typeface="Consolas"/>
+              </a:rPr>
+              <a:t>' cap'</a:t>
+            </a:r>
+            <a:r>
+              <a:rPr lang="en" sz="1500">
+                <a:solidFill>
+                  <a:schemeClr val="dk1"/>
+                </a:solidFill>
+                <a:latin typeface="Consolas"/>
+                <a:ea typeface="Consolas"/>
+                <a:cs typeface="Consolas"/>
+                <a:sym typeface="Consolas"/>
+              </a:rPr>
+              <a:t>, </a:t>
+            </a:r>
+            <a:r>
+              <a:rPr b="1" lang="en" sz="1500">
+                <a:solidFill>
+                  <a:srgbClr val="A31415"/>
+                </a:solidFill>
+                <a:latin typeface="Consolas"/>
+                <a:ea typeface="Consolas"/>
+                <a:cs typeface="Consolas"/>
+                <a:sym typeface="Consolas"/>
+              </a:rPr>
+              <a:t>' are'</a:t>
+            </a:r>
+            <a:r>
+              <a:rPr lang="en" sz="1500">
+                <a:solidFill>
+                  <a:schemeClr val="dk1"/>
+                </a:solidFill>
+                <a:latin typeface="Consolas"/>
+                <a:ea typeface="Consolas"/>
+                <a:cs typeface="Consolas"/>
+                <a:sym typeface="Consolas"/>
+              </a:rPr>
+              <a:t>, </a:t>
+            </a:r>
+            <a:r>
+              <a:rPr b="1" lang="en" sz="1500">
+                <a:solidFill>
+                  <a:srgbClr val="A31415"/>
+                </a:solidFill>
+                <a:latin typeface="Consolas"/>
+                <a:ea typeface="Consolas"/>
+                <a:cs typeface="Consolas"/>
+                <a:sym typeface="Consolas"/>
+              </a:rPr>
+              <a:t>' u'</a:t>
+            </a:r>
+            <a:r>
+              <a:rPr lang="en" sz="1500">
+                <a:solidFill>
+                  <a:schemeClr val="dk1"/>
+                </a:solidFill>
+                <a:latin typeface="Consolas"/>
+                <a:ea typeface="Consolas"/>
+                <a:cs typeface="Consolas"/>
+                <a:sym typeface="Consolas"/>
+              </a:rPr>
+              <a:t>, </a:t>
+            </a:r>
+            <a:r>
+              <a:rPr b="1" lang="en" sz="1500">
+                <a:solidFill>
+                  <a:srgbClr val="A31415"/>
+                </a:solidFill>
+                <a:latin typeface="Consolas"/>
+                <a:ea typeface="Consolas"/>
+                <a:cs typeface="Consolas"/>
+                <a:sym typeface="Consolas"/>
+              </a:rPr>
+              <a:t>' rolling'</a:t>
+            </a:r>
+            <a:r>
+              <a:rPr lang="en" sz="1500">
+                <a:solidFill>
+                  <a:schemeClr val="dk1"/>
+                </a:solidFill>
+                <a:latin typeface="Consolas"/>
+                <a:ea typeface="Consolas"/>
+                <a:cs typeface="Consolas"/>
+                <a:sym typeface="Consolas"/>
+              </a:rPr>
+              <a:t>, </a:t>
+            </a:r>
+            <a:r>
+              <a:rPr b="1" lang="en" sz="1500">
+                <a:solidFill>
+                  <a:srgbClr val="A31415"/>
+                </a:solidFill>
+                <a:latin typeface="Consolas"/>
+                <a:ea typeface="Consolas"/>
+                <a:cs typeface="Consolas"/>
+                <a:sym typeface="Consolas"/>
+              </a:rPr>
+              <a:t>' the'</a:t>
+            </a:r>
+            <a:r>
+              <a:rPr lang="en" sz="1500">
+                <a:solidFill>
+                  <a:schemeClr val="dk1"/>
+                </a:solidFill>
+                <a:latin typeface="Consolas"/>
+                <a:ea typeface="Consolas"/>
+                <a:cs typeface="Consolas"/>
+                <a:sym typeface="Consolas"/>
+              </a:rPr>
+              <a:t>, </a:t>
+            </a:r>
+            <a:r>
+              <a:rPr b="1" lang="en" sz="1500">
+                <a:solidFill>
+                  <a:srgbClr val="A31415"/>
+                </a:solidFill>
+                <a:latin typeface="Consolas"/>
+                <a:ea typeface="Consolas"/>
+                <a:cs typeface="Consolas"/>
+                <a:sym typeface="Consolas"/>
+              </a:rPr>
+              <a:t>' party'</a:t>
+            </a:r>
+            <a:r>
+              <a:rPr lang="en" sz="1500">
+                <a:solidFill>
+                  <a:schemeClr val="dk1"/>
+                </a:solidFill>
+                <a:latin typeface="Consolas"/>
+                <a:ea typeface="Consolas"/>
+                <a:cs typeface="Consolas"/>
+                <a:sym typeface="Consolas"/>
+              </a:rPr>
+              <a:t>, </a:t>
+            </a:r>
+            <a:r>
+              <a:rPr b="1" lang="en" sz="1500">
+                <a:solidFill>
+                  <a:srgbClr val="A31415"/>
+                </a:solidFill>
+                <a:latin typeface="Consolas"/>
+                <a:ea typeface="Consolas"/>
+                <a:cs typeface="Consolas"/>
+                <a:sym typeface="Consolas"/>
+              </a:rPr>
+              <a:t>' tonight'</a:t>
+            </a:r>
+            <a:r>
+              <a:rPr lang="en" sz="1500">
+                <a:solidFill>
+                  <a:schemeClr val="dk1"/>
+                </a:solidFill>
+                <a:latin typeface="Consolas"/>
+                <a:ea typeface="Consolas"/>
+                <a:cs typeface="Consolas"/>
+                <a:sym typeface="Consolas"/>
+              </a:rPr>
+              <a:t>, </a:t>
+            </a:r>
+            <a:r>
+              <a:rPr b="1" lang="en" sz="1500">
+                <a:solidFill>
+                  <a:srgbClr val="A31415"/>
+                </a:solidFill>
+                <a:latin typeface="Consolas"/>
+                <a:ea typeface="Consolas"/>
+                <a:cs typeface="Consolas"/>
+                <a:sym typeface="Consolas"/>
+              </a:rPr>
+              <a:t>'?'</a:t>
+            </a:r>
+            <a:r>
+              <a:rPr lang="en" sz="1500">
+                <a:solidFill>
+                  <a:schemeClr val="dk1"/>
+                </a:solidFill>
+                <a:latin typeface="Consolas"/>
+                <a:ea typeface="Consolas"/>
+                <a:cs typeface="Consolas"/>
+                <a:sym typeface="Consolas"/>
+              </a:rPr>
+              <a:t>]</a:t>
+            </a:r>
+            <a:endParaRPr sz="1500">
+              <a:solidFill>
+                <a:schemeClr val="dk1"/>
+              </a:solidFill>
+              <a:latin typeface="Consolas"/>
+              <a:ea typeface="Consolas"/>
+              <a:cs typeface="Consolas"/>
+              <a:sym typeface="Consolas"/>
+            </a:endParaRPr>
+          </a:p>
+          <a:p>
+            <a:pPr indent="0" lvl="0" marL="0" rtl="0" algn="l">
+              <a:spcBef>
+                <a:spcPts val="0"/>
+              </a:spcBef>
+              <a:spcAft>
+                <a:spcPts val="0"/>
+              </a:spcAft>
+              <a:buNone/>
+            </a:pPr>
+            <a:r>
+              <a:t/>
+            </a:r>
+            <a:endParaRPr sz="1800">
+              <a:solidFill>
+                <a:schemeClr val="dk1"/>
+              </a:solidFill>
+              <a:latin typeface="Consolas"/>
+              <a:ea typeface="Consolas"/>
+              <a:cs typeface="Consolas"/>
+              <a:sym typeface="Consolas"/>
+            </a:endParaRPr>
           </a:p>
         </p:txBody>
       </p:sp>
@@ -14092,7 +14669,7 @@
   <p:cSld>
     <p:spTree>
       <p:nvGrpSpPr>
-        <p:cNvPr id="191" name="Shape 191"/>
+        <p:cNvPr id="194" name="Shape 194"/>
         <p:cNvGrpSpPr/>
         <p:nvPr/>
       </p:nvGrpSpPr>
@@ -14106,7 +14683,7 @@
       </p:grpSpPr>
       <p:sp>
         <p:nvSpPr>
-          <p:cNvPr id="192" name="Google Shape;192;g3b8409de4d6_0_118"/>
+          <p:cNvPr id="195" name="Google Shape;195;g3b8409de4d6_0_118"/>
           <p:cNvSpPr txBox="1"/>
           <p:nvPr>
             <p:ph type="title"/>
@@ -14166,7 +14743,7 @@
       </p:sp>
       <p:sp>
         <p:nvSpPr>
-          <p:cNvPr id="193" name="Google Shape;193;g3b8409de4d6_0_118"/>
+          <p:cNvPr id="196" name="Google Shape;196;g3b8409de4d6_0_118"/>
           <p:cNvSpPr txBox="1"/>
           <p:nvPr>
             <p:ph idx="1" type="body"/>
@@ -14242,7 +14819,7 @@
       </p:sp>
       <p:sp>
         <p:nvSpPr>
-          <p:cNvPr id="194" name="Google Shape;194;g3b8409de4d6_0_118"/>
+          <p:cNvPr id="197" name="Google Shape;197;g3b8409de4d6_0_118"/>
           <p:cNvSpPr txBox="1"/>
           <p:nvPr/>
         </p:nvSpPr>
@@ -14392,7 +14969,7 @@
       </p:sp>
       <p:pic>
         <p:nvPicPr>
-          <p:cNvPr id="195" name="Google Shape;195;g3b8409de4d6_0_118"/>
+          <p:cNvPr id="198" name="Google Shape;198;g3b8409de4d6_0_118"/>
           <p:cNvPicPr preferRelativeResize="0"/>
           <p:nvPr/>
         </p:nvPicPr>
@@ -14419,7 +14996,7 @@
       </p:pic>
       <p:sp>
         <p:nvSpPr>
-          <p:cNvPr id="196" name="Google Shape;196;g3b8409de4d6_0_118"/>
+          <p:cNvPr id="199" name="Google Shape;199;g3b8409de4d6_0_118"/>
           <p:cNvSpPr txBox="1"/>
           <p:nvPr/>
         </p:nvSpPr>
@@ -14540,7 +15117,7 @@
   <p:cSld>
     <p:spTree>
       <p:nvGrpSpPr>
-        <p:cNvPr id="200" name="Shape 200"/>
+        <p:cNvPr id="203" name="Shape 203"/>
         <p:cNvGrpSpPr/>
         <p:nvPr/>
       </p:nvGrpSpPr>
@@ -14554,7 +15131,7 @@
       </p:grpSpPr>
       <p:sp>
         <p:nvSpPr>
-          <p:cNvPr id="201" name="Google Shape;201;g3b8409de4d6_0_108"/>
+          <p:cNvPr id="204" name="Google Shape;204;g3b8409de4d6_0_108"/>
           <p:cNvSpPr txBox="1"/>
           <p:nvPr>
             <p:ph type="title"/>
@@ -14602,7 +15179,7 @@
       </p:sp>
       <p:sp>
         <p:nvSpPr>
-          <p:cNvPr id="202" name="Google Shape;202;g3b8409de4d6_0_108"/>
+          <p:cNvPr id="205" name="Google Shape;205;g3b8409de4d6_0_108"/>
           <p:cNvSpPr txBox="1"/>
           <p:nvPr>
             <p:ph idx="1" type="body"/>
@@ -14762,7 +15339,7 @@
       </p:sp>
       <p:pic>
         <p:nvPicPr>
-          <p:cNvPr id="203" name="Google Shape;203;g3b8409de4d6_0_108"/>
+          <p:cNvPr id="206" name="Google Shape;206;g3b8409de4d6_0_108"/>
           <p:cNvPicPr preferRelativeResize="0"/>
           <p:nvPr/>
         </p:nvPicPr>
@@ -14790,7 +15367,7 @@
       </p:pic>
       <p:pic>
         <p:nvPicPr>
-          <p:cNvPr id="204" name="Google Shape;204;g3b8409de4d6_0_108" title="IMG_0529.jpeg"/>
+          <p:cNvPr id="207" name="Google Shape;207;g3b8409de4d6_0_108" title="IMG_0529.jpeg"/>
           <p:cNvPicPr preferRelativeResize="0"/>
           <p:nvPr/>
         </p:nvPicPr>
@@ -15782,7 +16359,47 @@
             </a:r>
             <a:r>
               <a:rPr lang="en"/>
-              <a:t> is a data type that </a:t>
+              <a:t> is a data type that is </a:t>
+            </a:r>
+            <a:r>
+              <a:rPr b="1" lang="en">
+                <a:solidFill>
+                  <a:srgbClr val="DCB439"/>
+                </a:solidFill>
+              </a:rPr>
+              <a:t>ordered</a:t>
+            </a:r>
+            <a:r>
+              <a:rPr lang="en"/>
+              <a:t> and </a:t>
+            </a:r>
+            <a:r>
+              <a:rPr b="1" lang="en">
+                <a:solidFill>
+                  <a:srgbClr val="DCB439"/>
+                </a:solidFill>
+              </a:rPr>
+              <a:t>immutable,</a:t>
+            </a:r>
+            <a:r>
+              <a:rPr lang="en"/>
+              <a:t> meaning that it cannot be changed once created. We can access items using square brackets much like a </a:t>
+            </a:r>
+            <a:r>
+              <a:rPr b="1" lang="en">
+                <a:solidFill>
+                  <a:srgbClr val="A31415"/>
+                </a:solidFill>
+                <a:latin typeface="Consolas"/>
+                <a:ea typeface="Consolas"/>
+                <a:cs typeface="Consolas"/>
+                <a:sym typeface="Consolas"/>
+              </a:rPr>
+              <a:t>list</a:t>
+            </a:r>
+            <a:r>
+              <a:rPr lang="en"/>
+              <a:t>.</a:t>
             </a:r>
             <a:endParaRPr/>
           </a:p>
@@ -15852,10 +16469,18 @@
                 <a:cs typeface="Arial"/>
                 <a:sym typeface="Arial"/>
               </a:rPr>
-              <a:t> We can use </a:t>
-            </a:r>
-            <a:r>
-              <a:rPr b="1" i="0" lang="en" sz="1800" u="none" cap="none" strike="noStrike">
+              <a:t> We </a:t>
+            </a:r>
+            <a:r>
+              <a:rPr lang="en" sz="1800">
+                <a:solidFill>
+                  <a:schemeClr val="dk1"/>
+                </a:solidFill>
+              </a:rPr>
+              <a:t>have to use </a:t>
+            </a:r>
+            <a:r>
+              <a:rPr b="1" lang="en" sz="1800">
                 <a:solidFill>
                   <a:srgbClr val="A31415"/>
                 </a:solidFill>
@@ -15864,22 +16489,18 @@
                 <a:cs typeface="Consolas"/>
                 <a:sym typeface="Consolas"/>
               </a:rPr>
-              <a:t>dir(class)</a:t>
-            </a:r>
-            <a:r>
-              <a:rPr b="0" i="0" lang="en" sz="1800" u="none" cap="none" strike="noStrike">
+              <a:t>tuples</a:t>
+            </a:r>
+            <a:r>
+              <a:rPr lang="en" sz="1800">
                 <a:solidFill>
                   <a:schemeClr val="dk1"/>
                 </a:solidFill>
-                <a:latin typeface="Arial"/>
-                <a:ea typeface="Arial"/>
-                <a:cs typeface="Arial"/>
-                <a:sym typeface="Arial"/>
-              </a:rPr>
-              <a:t> to </a:t>
-            </a:r>
-            <a:r>
-              <a:rPr b="1" i="0" lang="en" sz="1800" u="none" cap="none" strike="noStrike">
+              </a:rPr>
+              <a:t> as the </a:t>
+            </a:r>
+            <a:r>
+              <a:rPr b="1" lang="en" sz="1800">
                 <a:solidFill>
                   <a:srgbClr val="A31415"/>
                 </a:solidFill>
@@ -15888,22 +16509,18 @@
                 <a:cs typeface="Consolas"/>
                 <a:sym typeface="Consolas"/>
               </a:rPr>
-              <a:t>print</a:t>
-            </a:r>
-            <a:r>
-              <a:rPr b="0" i="0" lang="en" sz="1800" u="none" cap="none" strike="noStrike">
+              <a:t>keys</a:t>
+            </a:r>
+            <a:r>
+              <a:rPr lang="en" sz="1800">
                 <a:solidFill>
                   <a:schemeClr val="dk1"/>
                 </a:solidFill>
-                <a:latin typeface="Arial"/>
-                <a:ea typeface="Arial"/>
-                <a:cs typeface="Arial"/>
-                <a:sym typeface="Arial"/>
-              </a:rPr>
-              <a:t> out the </a:t>
-            </a:r>
-            <a:r>
-              <a:rPr b="1" i="0" lang="en" sz="1800" u="none" cap="none" strike="noStrike">
+              </a:rPr>
+              <a:t> for a </a:t>
+            </a:r>
+            <a:r>
+              <a:rPr b="1" lang="en" sz="1800">
                 <a:solidFill>
                   <a:srgbClr val="A31415"/>
                 </a:solidFill>
@@ -15912,80 +16529,54 @@
                 <a:cs typeface="Consolas"/>
                 <a:sym typeface="Consolas"/>
               </a:rPr>
-              <a:t>attributes</a:t>
-            </a:r>
-            <a:r>
-              <a:rPr b="0" i="0" lang="en" sz="1800" u="none" cap="none" strike="noStrike">
-                <a:solidFill>
-                  <a:schemeClr val="dk1"/>
-                </a:solidFill>
-                <a:latin typeface="Arial"/>
-                <a:ea typeface="Arial"/>
-                <a:cs typeface="Arial"/>
-                <a:sym typeface="Arial"/>
-              </a:rPr>
-              <a:t> and </a:t>
-            </a:r>
-            <a:r>
-              <a:rPr b="1" i="0" lang="en" sz="1800" u="none" cap="none" strike="noStrike">
-                <a:solidFill>
-                  <a:srgbClr val="A31415"/>
-                </a:solidFill>
-                <a:latin typeface="Consolas"/>
-                <a:ea typeface="Consolas"/>
-                <a:cs typeface="Consolas"/>
-                <a:sym typeface="Consolas"/>
-              </a:rPr>
-              <a:t>functions</a:t>
-            </a:r>
-            <a:r>
-              <a:rPr b="0" i="0" lang="en" sz="1800" u="none" cap="none" strike="noStrike">
-                <a:solidFill>
-                  <a:schemeClr val="dk1"/>
-                </a:solidFill>
-                <a:latin typeface="Arial"/>
-                <a:ea typeface="Arial"/>
-                <a:cs typeface="Arial"/>
-                <a:sym typeface="Arial"/>
-              </a:rPr>
-              <a:t> a </a:t>
-            </a:r>
-            <a:r>
-              <a:rPr b="1" i="0" lang="en" sz="1800" u="none" cap="none" strike="noStrike">
-                <a:solidFill>
-                  <a:srgbClr val="A31415"/>
-                </a:solidFill>
-                <a:latin typeface="Consolas"/>
-                <a:ea typeface="Consolas"/>
-                <a:cs typeface="Consolas"/>
-                <a:sym typeface="Consolas"/>
-              </a:rPr>
-              <a:t>class</a:t>
-            </a:r>
-            <a:r>
-              <a:rPr b="0" i="0" lang="en" sz="1800" u="none" cap="none" strike="noStrike">
-                <a:solidFill>
-                  <a:schemeClr val="dk1"/>
-                </a:solidFill>
-                <a:latin typeface="Arial"/>
-                <a:ea typeface="Arial"/>
-                <a:cs typeface="Arial"/>
-                <a:sym typeface="Arial"/>
-              </a:rPr>
-              <a:t> has</a:t>
-            </a:r>
-            <a:endParaRPr b="0" i="0" sz="1800" u="none" cap="none" strike="noStrike">
+              <a:t>dictionary</a:t>
+            </a:r>
+            <a:endParaRPr b="1" i="0" sz="1800" u="none" cap="none" strike="noStrike">
               <a:solidFill>
-                <a:schemeClr val="dk1"/>
+                <a:srgbClr val="A31415"/>
               </a:solidFill>
-              <a:latin typeface="Arial"/>
-              <a:ea typeface="Arial"/>
-              <a:cs typeface="Arial"/>
-              <a:sym typeface="Arial"/>
+              <a:latin typeface="Consolas"/>
+              <a:ea typeface="Consolas"/>
+              <a:cs typeface="Consolas"/>
+              <a:sym typeface="Consolas"/>
             </a:endParaRPr>
           </a:p>
         </p:txBody>
       </p:sp>
+      <p:pic>
+        <p:nvPicPr>
+          <p:cNvPr id="64" name="Google Shape;64;g3baf4acbdf2_0_54" title="Screenshot 2026-01-22 at 11.26.37 AM.png"/>
+          <p:cNvPicPr preferRelativeResize="0"/>
+          <p:nvPr/>
+        </p:nvPicPr>
+        <p:blipFill>
+          <a:blip r:embed="rId3">
+            <a:alphaModFix/>
+          </a:blip>
+          <a:stretch>
+            <a:fillRect/>
+          </a:stretch>
+        </p:blipFill>
+        <p:spPr>
+          <a:xfrm>
+            <a:off x="2645375" y="3760230"/>
+            <a:ext cx="3853249" cy="2000825"/>
+          </a:xfrm>
+          <a:prstGeom prst="rect">
+            <a:avLst/>
+          </a:prstGeom>
+          <a:noFill/>
+          <a:ln cap="flat" cmpd="sng" w="38100">
+            <a:solidFill>
+              <a:srgbClr val="002B5B"/>
+            </a:solidFill>
+            <a:prstDash val="solid"/>
+            <a:round/>
+            <a:headEnd len="sm" w="sm" type="none"/>
+            <a:tailEnd len="sm" w="sm" type="none"/>
+          </a:ln>
+        </p:spPr>
+      </p:pic>
     </p:spTree>
   </p:cSld>
   <p:clrMapOvr>
@@ -15999,7 +16590,7 @@
   <p:cSld>
     <p:spTree>
       <p:nvGrpSpPr>
-        <p:cNvPr id="67" name="Shape 67"/>
+        <p:cNvPr id="68" name="Shape 68"/>
         <p:cNvGrpSpPr/>
         <p:nvPr/>
       </p:nvGrpSpPr>
@@ -16013,7 +16604,7 @@
       </p:grpSpPr>
       <p:sp>
         <p:nvSpPr>
-          <p:cNvPr id="68" name="Google Shape;68;g3baf4acbdf2_0_2"/>
+          <p:cNvPr id="69" name="Google Shape;69;g3baf4acbdf2_0_2"/>
           <p:cNvSpPr txBox="1"/>
           <p:nvPr>
             <p:ph type="title"/>
@@ -16053,7 +16644,7 @@
       </p:sp>
       <p:sp>
         <p:nvSpPr>
-          <p:cNvPr id="69" name="Google Shape;69;g3baf4acbdf2_0_2"/>
+          <p:cNvPr id="70" name="Google Shape;70;g3baf4acbdf2_0_2"/>
           <p:cNvSpPr txBox="1"/>
           <p:nvPr>
             <p:ph idx="1" type="body"/>
@@ -16212,7 +16803,7 @@
   <p:cSld>
     <p:spTree>
       <p:nvGrpSpPr>
-        <p:cNvPr id="73" name="Shape 73"/>
+        <p:cNvPr id="74" name="Shape 74"/>
         <p:cNvGrpSpPr/>
         <p:nvPr/>
       </p:nvGrpSpPr>
@@ -16226,7 +16817,7 @@
       </p:grpSpPr>
       <p:sp>
         <p:nvSpPr>
-          <p:cNvPr id="74" name="Google Shape;74;g3baf4acbdf2_0_7"/>
+          <p:cNvPr id="75" name="Google Shape;75;g3baf4acbdf2_0_7"/>
           <p:cNvSpPr txBox="1"/>
           <p:nvPr>
             <p:ph type="title"/>
@@ -16266,7 +16857,7 @@
       </p:sp>
       <p:sp>
         <p:nvSpPr>
-          <p:cNvPr id="75" name="Google Shape;75;g3baf4acbdf2_0_7"/>
+          <p:cNvPr id="76" name="Google Shape;76;g3baf4acbdf2_0_7"/>
           <p:cNvSpPr txBox="1"/>
           <p:nvPr>
             <p:ph idx="1" type="body"/>
@@ -16407,7 +16998,7 @@
   <p:cSld>
     <p:spTree>
       <p:nvGrpSpPr>
-        <p:cNvPr id="79" name="Shape 79"/>
+        <p:cNvPr id="80" name="Shape 80"/>
         <p:cNvGrpSpPr/>
         <p:nvPr/>
       </p:nvGrpSpPr>
@@ -16421,7 +17012,7 @@
       </p:grpSpPr>
       <p:sp>
         <p:nvSpPr>
-          <p:cNvPr id="80" name="Google Shape;80;p1"/>
+          <p:cNvPr id="81" name="Google Shape;81;p1"/>
           <p:cNvSpPr txBox="1"/>
           <p:nvPr>
             <p:ph type="ctrTitle"/>
@@ -16515,7 +17106,7 @@
   <p:cSld>
     <p:spTree>
       <p:nvGrpSpPr>
-        <p:cNvPr id="84" name="Shape 84"/>
+        <p:cNvPr id="85" name="Shape 85"/>
         <p:cNvGrpSpPr/>
         <p:nvPr/>
       </p:nvGrpSpPr>
@@ -16529,7 +17120,7 @@
       </p:grpSpPr>
       <p:pic>
         <p:nvPicPr>
-          <p:cNvPr id="85" name="Google Shape;85;g3b938ea6dd9_0_26"/>
+          <p:cNvPr id="86" name="Google Shape;86;g3b938ea6dd9_0_26"/>
           <p:cNvPicPr preferRelativeResize="0"/>
           <p:nvPr/>
         </p:nvPicPr>
@@ -16556,7 +17147,7 @@
       </p:pic>
       <p:sp>
         <p:nvSpPr>
-          <p:cNvPr id="86" name="Google Shape;86;g3b938ea6dd9_0_26"/>
+          <p:cNvPr id="87" name="Google Shape;87;g3b938ea6dd9_0_26"/>
           <p:cNvSpPr/>
           <p:nvPr/>
         </p:nvSpPr>
@@ -16617,7 +17208,7 @@
       </p:sp>
       <p:sp>
         <p:nvSpPr>
-          <p:cNvPr id="87" name="Google Shape;87;g3b938ea6dd9_0_26"/>
+          <p:cNvPr id="88" name="Google Shape;88;g3b938ea6dd9_0_26"/>
           <p:cNvSpPr/>
           <p:nvPr/>
         </p:nvSpPr>
@@ -16682,7 +17273,7 @@
       </p:sp>
       <p:sp>
         <p:nvSpPr>
-          <p:cNvPr id="88" name="Google Shape;88;g3b938ea6dd9_0_26"/>
+          <p:cNvPr id="89" name="Google Shape;89;g3b938ea6dd9_0_26"/>
           <p:cNvSpPr/>
           <p:nvPr/>
         </p:nvSpPr>
@@ -16758,9 +17349,9 @@
       </p:sp>
       <p:cxnSp>
         <p:nvCxnSpPr>
-          <p:cNvPr id="89" name="Google Shape;89;g3b938ea6dd9_0_26"/>
+          <p:cNvPr id="90" name="Google Shape;90;g3b938ea6dd9_0_26"/>
           <p:cNvCxnSpPr>
-            <a:stCxn id="88" idx="0"/>
+            <a:stCxn id="89" idx="0"/>
           </p:cNvCxnSpPr>
           <p:nvPr/>
         </p:nvCxnSpPr>
@@ -16786,7 +17377,7 @@
       </p:cxnSp>
       <p:sp>
         <p:nvSpPr>
-          <p:cNvPr id="90" name="Google Shape;90;g3b938ea6dd9_0_26"/>
+          <p:cNvPr id="91" name="Google Shape;91;g3b938ea6dd9_0_26"/>
           <p:cNvSpPr/>
           <p:nvPr/>
         </p:nvSpPr>
@@ -16862,10 +17453,10 @@
       </p:sp>
       <p:cxnSp>
         <p:nvCxnSpPr>
-          <p:cNvPr id="91" name="Google Shape;91;g3b938ea6dd9_0_26"/>
+          <p:cNvPr id="92" name="Google Shape;92;g3b938ea6dd9_0_26"/>
           <p:cNvCxnSpPr>
-            <a:stCxn id="90" idx="0"/>
-            <a:endCxn id="88" idx="2"/>
+            <a:stCxn id="91" idx="0"/>
+            <a:endCxn id="89" idx="2"/>
           </p:cNvCxnSpPr>
           <p:nvPr/>
         </p:nvCxnSpPr>
@@ -16891,7 +17482,7 @@
       </p:cxnSp>
       <p:sp>
         <p:nvSpPr>
-          <p:cNvPr id="92" name="Google Shape;92;g3b938ea6dd9_0_26"/>
+          <p:cNvPr id="93" name="Google Shape;93;g3b938ea6dd9_0_26"/>
           <p:cNvSpPr txBox="1"/>
           <p:nvPr>
             <p:ph type="title"/>
@@ -16939,7 +17530,7 @@
       </p:sp>
       <p:sp>
         <p:nvSpPr>
-          <p:cNvPr id="93" name="Google Shape;93;g3b938ea6dd9_0_26"/>
+          <p:cNvPr id="94" name="Google Shape;94;g3b938ea6dd9_0_26"/>
           <p:cNvSpPr/>
           <p:nvPr/>
         </p:nvSpPr>
@@ -17015,10 +17606,10 @@
       </p:sp>
       <p:cxnSp>
         <p:nvCxnSpPr>
-          <p:cNvPr id="94" name="Google Shape;94;g3b938ea6dd9_0_26"/>
+          <p:cNvPr id="95" name="Google Shape;95;g3b938ea6dd9_0_26"/>
           <p:cNvCxnSpPr>
-            <a:stCxn id="93" idx="0"/>
-            <a:endCxn id="90" idx="2"/>
+            <a:stCxn id="94" idx="0"/>
+            <a:endCxn id="91" idx="2"/>
           </p:cNvCxnSpPr>
           <p:nvPr/>
         </p:nvCxnSpPr>
@@ -17044,7 +17635,7 @@
       </p:cxnSp>
       <p:sp>
         <p:nvSpPr>
-          <p:cNvPr id="95" name="Google Shape;95;g3b938ea6dd9_0_26"/>
+          <p:cNvPr id="96" name="Google Shape;96;g3b938ea6dd9_0_26"/>
           <p:cNvSpPr/>
           <p:nvPr/>
         </p:nvSpPr>
@@ -17109,7 +17700,7 @@
       </p:sp>
       <p:sp>
         <p:nvSpPr>
-          <p:cNvPr id="96" name="Google Shape;96;g3b938ea6dd9_0_26"/>
+          <p:cNvPr id="97" name="Google Shape;97;g3b938ea6dd9_0_26"/>
           <p:cNvSpPr/>
           <p:nvPr/>
         </p:nvSpPr>
@@ -17170,7 +17761,7 @@
       </p:sp>
       <p:sp>
         <p:nvSpPr>
-          <p:cNvPr id="97" name="Google Shape;97;g3b938ea6dd9_0_26"/>
+          <p:cNvPr id="98" name="Google Shape;98;g3b938ea6dd9_0_26"/>
           <p:cNvSpPr/>
           <p:nvPr/>
         </p:nvSpPr>
@@ -17246,9 +17837,9 @@
       </p:sp>
       <p:cxnSp>
         <p:nvCxnSpPr>
-          <p:cNvPr id="98" name="Google Shape;98;g3b938ea6dd9_0_26"/>
+          <p:cNvPr id="99" name="Google Shape;99;g3b938ea6dd9_0_26"/>
           <p:cNvCxnSpPr>
-            <a:endCxn id="97" idx="2"/>
+            <a:endCxn id="98" idx="2"/>
           </p:cNvCxnSpPr>
           <p:nvPr/>
         </p:nvCxnSpPr>
@@ -17274,7 +17865,7 @@
       </p:cxnSp>
       <p:sp>
         <p:nvSpPr>
-          <p:cNvPr id="99" name="Google Shape;99;g3b938ea6dd9_0_26"/>
+          <p:cNvPr id="100" name="Google Shape;100;g3b938ea6dd9_0_26"/>
           <p:cNvSpPr/>
           <p:nvPr/>
         </p:nvSpPr>
@@ -17328,6 +17919,285 @@
 </file>
 
 <file path=ppt/theme/theme1.xml><?xml version="1.0" encoding="utf-8"?>
+<a:theme xmlns:a="http://schemas.openxmlformats.org/drawingml/2006/main" xmlns:r="http://schemas.openxmlformats.org/officeDocument/2006/relationships">
+  <a:themeElements>
+    <a:clrScheme name="Default">
+      <a:dk1>
+        <a:srgbClr val="000000"/>
+      </a:dk1>
+      <a:lt1>
+        <a:srgbClr val="FFFFFF"/>
+      </a:lt1>
+      <a:dk2>
+        <a:srgbClr val="158158"/>
+      </a:dk2>
+      <a:lt2>
+        <a:srgbClr val="F3F3F3"/>
+      </a:lt2>
+      <a:accent1>
+        <a:srgbClr val="058DC7"/>
+      </a:accent1>
+      <a:accent2>
+        <a:srgbClr val="50B432"/>
+      </a:accent2>
+      <a:accent3>
+        <a:srgbClr val="ED561B"/>
+      </a:accent3>
+      <a:accent4>
+        <a:srgbClr val="EDEF00"/>
+      </a:accent4>
+      <a:accent5>
+        <a:srgbClr val="24CBE5"/>
+      </a:accent5>
+      <a:accent6>
+        <a:srgbClr val="64E572"/>
+      </a:accent6>
+      <a:hlink>
+        <a:srgbClr val="2200CC"/>
+      </a:hlink>
+      <a:folHlink>
+        <a:srgbClr val="551A8B"/>
+      </a:folHlink>
+    </a:clrScheme>
+    <a:fontScheme name="Office">
+      <a:majorFont>
+        <a:latin typeface="Arial"/>
+        <a:ea typeface=""/>
+        <a:cs typeface=""/>
+        <a:font script="Jpan" typeface="ＭＳ Ｐゴシック"/>
+        <a:font script="Hang" typeface="맑은 고딕"/>
+        <a:font script="Hans" typeface="宋体"/>
+        <a:font script="Hant" typeface="新細明體"/>
+        <a:font script="Arab" typeface="Times New Roman"/>
+        <a:font script="Hebr" typeface="Times New Roman"/>
+        <a:font script="Thai" typeface="Angsana New"/>
+        <a:font script="Ethi" typeface="Nyala"/>
+        <a:font script="Beng" typeface="Vrinda"/>
+        <a:font script="Gujr" typeface="Shruti"/>
+        <a:font script="Khmr" typeface="MoolBoran"/>
+        <a:font script="Knda" typeface="Tunga"/>
+        <a:font script="Guru" typeface="Raavi"/>
+        <a:font script="Cans" typeface="Euphemia"/>
+        <a:font script="Cher" typeface="Plantagenet Cherokee"/>
+        <a:font script="Yiii" typeface="Microsoft Yi Baiti"/>
+        <a:font script="Tibt" typeface="Microsoft Himalaya"/>
+        <a:font script="Thaa" typeface="MV Boli"/>
+        <a:font script="Deva" typeface="Mangal"/>
+        <a:font script="Telu" typeface="Gautami"/>
+        <a:font script="Taml" typeface="Latha"/>
+        <a:font script="Syrc" typeface="Estrangelo Edessa"/>
+        <a:font script="Orya" typeface="Kalinga"/>
+        <a:font script="Mlym" typeface="Kartika"/>
+        <a:font script="Laoo" typeface="DokChampa"/>
+        <a:font script="Sinh" typeface="Iskoola Pota"/>
+        <a:font script="Mong" typeface="Mongolian Baiti"/>
+        <a:font script="Viet" typeface="Times New Roman"/>
+        <a:font script="Uigh" typeface="Microsoft Uighur"/>
+        <a:font script="Geor" typeface="Sylfaen"/>
+      </a:majorFont>
+      <a:minorFont>
+        <a:latin typeface="Arial"/>
+        <a:ea typeface=""/>
+        <a:cs typeface=""/>
+        <a:font script="Jpan" typeface="ＭＳ Ｐゴシック"/>
+        <a:font script="Hang" typeface="맑은 고딕"/>
+        <a:font script="Hans" typeface="宋体"/>
+        <a:font script="Hant" typeface="新細明體"/>
+        <a:font script="Arab" typeface="Arial"/>
+        <a:font script="Hebr" typeface="Arial"/>
+        <a:font script="Thai" typeface="Cordia New"/>
+        <a:font script="Ethi" typeface="Nyala"/>
+        <a:font script="Beng" typeface="Vrinda"/>
+        <a:font script="Gujr" typeface="Shruti"/>
+        <a:font script="Khmr" typeface="DaunPenh"/>
+        <a:font script="Knda" typeface="Tunga"/>
+        <a:font script="Guru" typeface="Raavi"/>
+        <a:font script="Cans" typeface="Euphemia"/>
+        <a:font script="Cher" typeface="Plantagenet Cherokee"/>
+        <a:font script="Yiii" typeface="Microsoft Yi Baiti"/>
+        <a:font script="Tibt" typeface="Microsoft Himalaya"/>
+        <a:font script="Thaa" typeface="MV Boli"/>
+        <a:font script="Deva" typeface="Mangal"/>
+        <a:font script="Telu" typeface="Gautami"/>
+        <a:font script="Taml" typeface="Latha"/>
+        <a:font script="Syrc" typeface="Estrangelo Edessa"/>
+        <a:font script="Orya" typeface="Kalinga"/>
+        <a:font script="Mlym" typeface="Kartika"/>
+        <a:font script="Laoo" typeface="DokChampa"/>
+        <a:font script="Sinh" typeface="Iskoola Pota"/>
+        <a:font script="Mong" typeface="Mongolian Baiti"/>
+        <a:font script="Viet" typeface="Arial"/>
+        <a:font script="Uigh" typeface="Microsoft Uighur"/>
+        <a:font script="Geor" typeface="Sylfaen"/>
+      </a:minorFont>
+    </a:fontScheme>
+    <a:fmtScheme name="Office">
+      <a:fillStyleLst>
+        <a:solidFill>
+          <a:schemeClr val="phClr"/>
+        </a:solidFill>
+        <a:gradFill rotWithShape="1">
+          <a:gsLst>
+            <a:gs pos="0">
+              <a:schemeClr val="phClr">
+                <a:tint val="50000"/>
+                <a:satMod val="300000"/>
+              </a:schemeClr>
+            </a:gs>
+            <a:gs pos="35000">
+              <a:schemeClr val="phClr">
+                <a:tint val="37000"/>
+                <a:satMod val="300000"/>
+              </a:schemeClr>
+            </a:gs>
+            <a:gs pos="100000">
+              <a:schemeClr val="phClr">
+                <a:tint val="15000"/>
+                <a:satMod val="350000"/>
+              </a:schemeClr>
+            </a:gs>
+          </a:gsLst>
+          <a:lin ang="16200000" scaled="1"/>
+        </a:gradFill>
+        <a:gradFill rotWithShape="1">
+          <a:gsLst>
+            <a:gs pos="0">
+              <a:schemeClr val="phClr">
+                <a:tint val="100000"/>
+                <a:shade val="100000"/>
+                <a:satMod val="130000"/>
+              </a:schemeClr>
+            </a:gs>
+            <a:gs pos="100000">
+              <a:schemeClr val="phClr">
+                <a:tint val="50000"/>
+                <a:shade val="100000"/>
+                <a:satMod val="350000"/>
+              </a:schemeClr>
+            </a:gs>
+          </a:gsLst>
+          <a:lin ang="16200000" scaled="0"/>
+        </a:gradFill>
+      </a:fillStyleLst>
+      <a:lnStyleLst>
+        <a:ln w="9525" cap="flat" cmpd="sng" algn="ctr">
+          <a:solidFill>
+            <a:schemeClr val="phClr">
+              <a:shade val="95000"/>
+              <a:satMod val="105000"/>
+            </a:schemeClr>
+          </a:solidFill>
+          <a:prstDash val="solid"/>
+        </a:ln>
+        <a:ln w="25400" cap="flat" cmpd="sng" algn="ctr">
+          <a:solidFill>
+            <a:schemeClr val="phClr"/>
+          </a:solidFill>
+          <a:prstDash val="solid"/>
+        </a:ln>
+        <a:ln w="38100" cap="flat" cmpd="sng" algn="ctr">
+          <a:solidFill>
+            <a:schemeClr val="phClr"/>
+          </a:solidFill>
+          <a:prstDash val="solid"/>
+        </a:ln>
+      </a:lnStyleLst>
+      <a:effectStyleLst>
+        <a:effectStyle>
+          <a:effectLst>
+            <a:outerShdw blurRad="40000" dist="20000" dir="5400000" rotWithShape="0">
+              <a:srgbClr val="000000">
+                <a:alpha val="38000"/>
+              </a:srgbClr>
+            </a:outerShdw>
+          </a:effectLst>
+        </a:effectStyle>
+        <a:effectStyle>
+          <a:effectLst>
+            <a:outerShdw blurRad="40000" dist="23000" dir="5400000" rotWithShape="0">
+              <a:srgbClr val="000000">
+                <a:alpha val="35000"/>
+              </a:srgbClr>
+            </a:outerShdw>
+          </a:effectLst>
+        </a:effectStyle>
+        <a:effectStyle>
+          <a:effectLst>
+            <a:outerShdw blurRad="40000" dist="23000" dir="5400000" rotWithShape="0">
+              <a:srgbClr val="000000">
+                <a:alpha val="35000"/>
+              </a:srgbClr>
+            </a:outerShdw>
+          </a:effectLst>
+          <a:scene3d>
+            <a:camera prst="orthographicFront">
+              <a:rot lat="0" lon="0" rev="0"/>
+            </a:camera>
+            <a:lightRig rig="threePt" dir="t">
+              <a:rot lat="0" lon="0" rev="1200000"/>
+            </a:lightRig>
+          </a:scene3d>
+          <a:sp3d>
+            <a:bevelT w="63500" h="25400"/>
+          </a:sp3d>
+        </a:effectStyle>
+      </a:effectStyleLst>
+      <a:bgFillStyleLst>
+        <a:solidFill>
+          <a:schemeClr val="phClr"/>
+        </a:solidFill>
+        <a:gradFill rotWithShape="1">
+          <a:gsLst>
+            <a:gs pos="0">
+              <a:schemeClr val="phClr">
+                <a:tint val="40000"/>
+                <a:satMod val="350000"/>
+              </a:schemeClr>
+            </a:gs>
+            <a:gs pos="40000">
+              <a:schemeClr val="phClr">
+                <a:tint val="45000"/>
+                <a:shade val="99000"/>
+                <a:satMod val="350000"/>
+              </a:schemeClr>
+            </a:gs>
+            <a:gs pos="100000">
+              <a:schemeClr val="phClr">
+                <a:shade val="20000"/>
+                <a:satMod val="255000"/>
+              </a:schemeClr>
+            </a:gs>
+          </a:gsLst>
+          <a:path path="circle">
+            <a:fillToRect l="50000" t="-80000" r="50000" b="180000"/>
+          </a:path>
+        </a:gradFill>
+        <a:gradFill rotWithShape="1">
+          <a:gsLst>
+            <a:gs pos="0">
+              <a:schemeClr val="phClr">
+                <a:tint val="80000"/>
+                <a:satMod val="300000"/>
+              </a:schemeClr>
+            </a:gs>
+            <a:gs pos="100000">
+              <a:schemeClr val="phClr">
+                <a:shade val="30000"/>
+                <a:satMod val="200000"/>
+              </a:schemeClr>
+            </a:gs>
+          </a:gsLst>
+          <a:path path="circle">
+            <a:fillToRect l="50000" t="50000" r="50000" b="50000"/>
+          </a:path>
+        </a:gradFill>
+      </a:bgFillStyleLst>
+    </a:fmtScheme>
+  </a:themeElements>
+</a:theme>
+</file>
+
+<file path=ppt/theme/theme2.xml><?xml version="1.0" encoding="utf-8"?>
 <a:theme xmlns:a="http://schemas.openxmlformats.org/drawingml/2006/main" xmlns:r="http://schemas.openxmlformats.org/officeDocument/2006/relationships" name="PB Theme">
   <a:themeElements>
     <a:clrScheme name="Custom 347">
@@ -17604,283 +18474,4 @@
     </a:fmtScheme>
   </a:themeElements>
 </a:theme>
-</file>
-
-<file path=ppt/theme/theme2.xml><?xml version="1.0" encoding="utf-8"?>
-<a:theme xmlns:a="http://schemas.openxmlformats.org/drawingml/2006/main" xmlns:r="http://schemas.openxmlformats.org/officeDocument/2006/relationships">
-  <a:themeElements>
-    <a:clrScheme name="Default">
-      <a:dk1>
-        <a:srgbClr val="000000"/>
-      </a:dk1>
-      <a:lt1>
-        <a:srgbClr val="FFFFFF"/>
-      </a:lt1>
-      <a:dk2>
-        <a:srgbClr val="158158"/>
-      </a:dk2>
-      <a:lt2>
-        <a:srgbClr val="F3F3F3"/>
-      </a:lt2>
-      <a:accent1>
-        <a:srgbClr val="058DC7"/>
-      </a:accent1>
-      <a:accent2>
-        <a:srgbClr val="50B432"/>
-      </a:accent2>
-      <a:accent3>
-        <a:srgbClr val="ED561B"/>
-      </a:accent3>
-      <a:accent4>
-        <a:srgbClr val="EDEF00"/>
-      </a:accent4>
-      <a:accent5>
-        <a:srgbClr val="24CBE5"/>
-      </a:accent5>
-      <a:accent6>
-        <a:srgbClr val="64E572"/>
-      </a:accent6>
-      <a:hlink>
-        <a:srgbClr val="2200CC"/>
-      </a:hlink>
-      <a:folHlink>
-        <a:srgbClr val="551A8B"/>
-      </a:folHlink>
-    </a:clrScheme>
-    <a:fontScheme name="Office">
-      <a:majorFont>
-        <a:latin typeface="Arial"/>
-        <a:ea typeface=""/>
-        <a:cs typeface=""/>
-        <a:font script="Jpan" typeface="ＭＳ Ｐゴシック"/>
-        <a:font script="Hang" typeface="맑은 고딕"/>
-        <a:font script="Hans" typeface="宋体"/>
-        <a:font script="Hant" typeface="新細明體"/>
-        <a:font script="Arab" typeface="Times New Roman"/>
-        <a:font script="Hebr" typeface="Times New Roman"/>
-        <a:font script="Thai" typeface="Angsana New"/>
-        <a:font script="Ethi" typeface="Nyala"/>
-        <a:font script="Beng" typeface="Vrinda"/>
-        <a:font script="Gujr" typeface="Shruti"/>
-        <a:font script="Khmr" typeface="MoolBoran"/>
-        <a:font script="Knda" typeface="Tunga"/>
-        <a:font script="Guru" typeface="Raavi"/>
-        <a:font script="Cans" typeface="Euphemia"/>
-        <a:font script="Cher" typeface="Plantagenet Cherokee"/>
-        <a:font script="Yiii" typeface="Microsoft Yi Baiti"/>
-        <a:font script="Tibt" typeface="Microsoft Himalaya"/>
-        <a:font script="Thaa" typeface="MV Boli"/>
-        <a:font script="Deva" typeface="Mangal"/>
-        <a:font script="Telu" typeface="Gautami"/>
-        <a:font script="Taml" typeface="Latha"/>
-        <a:font script="Syrc" typeface="Estrangelo Edessa"/>
-        <a:font script="Orya" typeface="Kalinga"/>
-        <a:font script="Mlym" typeface="Kartika"/>
-        <a:font script="Laoo" typeface="DokChampa"/>
-        <a:font script="Sinh" typeface="Iskoola Pota"/>
-        <a:font script="Mong" typeface="Mongolian Baiti"/>
-        <a:font script="Viet" typeface="Times New Roman"/>
-        <a:font script="Uigh" typeface="Microsoft Uighur"/>
-        <a:font script="Geor" typeface="Sylfaen"/>
-      </a:majorFont>
-      <a:minorFont>
-        <a:latin typeface="Arial"/>
-        <a:ea typeface=""/>
-        <a:cs typeface=""/>
-        <a:font script="Jpan" typeface="ＭＳ Ｐゴシック"/>
-        <a:font script="Hang" typeface="맑은 고딕"/>
-        <a:font script="Hans" typeface="宋体"/>
-        <a:font script="Hant" typeface="新細明體"/>
-        <a:font script="Arab" typeface="Arial"/>
-        <a:font script="Hebr" typeface="Arial"/>
-        <a:font script="Thai" typeface="Cordia New"/>
-        <a:font script="Ethi" typeface="Nyala"/>
-        <a:font script="Beng" typeface="Vrinda"/>
-        <a:font script="Gujr" typeface="Shruti"/>
-        <a:font script="Khmr" typeface="DaunPenh"/>
-        <a:font script="Knda" typeface="Tunga"/>
-        <a:font script="Guru" typeface="Raavi"/>
-        <a:font script="Cans" typeface="Euphemia"/>
-        <a:font script="Cher" typeface="Plantagenet Cherokee"/>
-        <a:font script="Yiii" typeface="Microsoft Yi Baiti"/>
-        <a:font script="Tibt" typeface="Microsoft Himalaya"/>
-        <a:font script="Thaa" typeface="MV Boli"/>
-        <a:font script="Deva" typeface="Mangal"/>
-        <a:font script="Telu" typeface="Gautami"/>
-        <a:font script="Taml" typeface="Latha"/>
-        <a:font script="Syrc" typeface="Estrangelo Edessa"/>
-        <a:font script="Orya" typeface="Kalinga"/>
-        <a:font script="Mlym" typeface="Kartika"/>
-        <a:font script="Laoo" typeface="DokChampa"/>
-        <a:font script="Sinh" typeface="Iskoola Pota"/>
-        <a:font script="Mong" typeface="Mongolian Baiti"/>
-        <a:font script="Viet" typeface="Arial"/>
-        <a:font script="Uigh" typeface="Microsoft Uighur"/>
-        <a:font script="Geor" typeface="Sylfaen"/>
-      </a:minorFont>
-    </a:fontScheme>
-    <a:fmtScheme name="Office">
-      <a:fillStyleLst>
-        <a:solidFill>
-          <a:schemeClr val="phClr"/>
-        </a:solidFill>
-        <a:gradFill rotWithShape="1">
-          <a:gsLst>
-            <a:gs pos="0">
-              <a:schemeClr val="phClr">
-                <a:tint val="50000"/>
-                <a:satMod val="300000"/>
-              </a:schemeClr>
-            </a:gs>
-            <a:gs pos="35000">
-              <a:schemeClr val="phClr">
-                <a:tint val="37000"/>
-                <a:satMod val="300000"/>
-              </a:schemeClr>
-            </a:gs>
-            <a:gs pos="100000">
-              <a:schemeClr val="phClr">
-                <a:tint val="15000"/>
-                <a:satMod val="350000"/>
-              </a:schemeClr>
-            </a:gs>
-          </a:gsLst>
-          <a:lin ang="16200000" scaled="1"/>
-        </a:gradFill>
-        <a:gradFill rotWithShape="1">
-          <a:gsLst>
-            <a:gs pos="0">
-              <a:schemeClr val="phClr">
-                <a:tint val="100000"/>
-                <a:shade val="100000"/>
-                <a:satMod val="130000"/>
-              </a:schemeClr>
-            </a:gs>
-            <a:gs pos="100000">
-              <a:schemeClr val="phClr">
-                <a:tint val="50000"/>
-                <a:shade val="100000"/>
-                <a:satMod val="350000"/>
-              </a:schemeClr>
-            </a:gs>
-          </a:gsLst>
-          <a:lin ang="16200000" scaled="0"/>
-        </a:gradFill>
-      </a:fillStyleLst>
-      <a:lnStyleLst>
-        <a:ln w="9525" cap="flat" cmpd="sng" algn="ctr">
-          <a:solidFill>
-            <a:schemeClr val="phClr">
-              <a:shade val="95000"/>
-              <a:satMod val="105000"/>
-            </a:schemeClr>
-          </a:solidFill>
-          <a:prstDash val="solid"/>
-        </a:ln>
-        <a:ln w="25400" cap="flat" cmpd="sng" algn="ctr">
-          <a:solidFill>
-            <a:schemeClr val="phClr"/>
-          </a:solidFill>
-          <a:prstDash val="solid"/>
-        </a:ln>
-        <a:ln w="38100" cap="flat" cmpd="sng" algn="ctr">
-          <a:solidFill>
-            <a:schemeClr val="phClr"/>
-          </a:solidFill>
-          <a:prstDash val="solid"/>
-        </a:ln>
-      </a:lnStyleLst>
-      <a:effectStyleLst>
-        <a:effectStyle>
-          <a:effectLst>
-            <a:outerShdw blurRad="40000" dist="20000" dir="5400000" rotWithShape="0">
-              <a:srgbClr val="000000">
-                <a:alpha val="38000"/>
-              </a:srgbClr>
-            </a:outerShdw>
-          </a:effectLst>
-        </a:effectStyle>
-        <a:effectStyle>
-          <a:effectLst>
-            <a:outerShdw blurRad="40000" dist="23000" dir="5400000" rotWithShape="0">
-              <a:srgbClr val="000000">
-                <a:alpha val="35000"/>
-              </a:srgbClr>
-            </a:outerShdw>
-          </a:effectLst>
-        </a:effectStyle>
-        <a:effectStyle>
-          <a:effectLst>
-            <a:outerShdw blurRad="40000" dist="23000" dir="5400000" rotWithShape="0">
-              <a:srgbClr val="000000">
-                <a:alpha val="35000"/>
-              </a:srgbClr>
-            </a:outerShdw>
-          </a:effectLst>
-          <a:scene3d>
-            <a:camera prst="orthographicFront">
-              <a:rot lat="0" lon="0" rev="0"/>
-            </a:camera>
-            <a:lightRig rig="threePt" dir="t">
-              <a:rot lat="0" lon="0" rev="1200000"/>
-            </a:lightRig>
-          </a:scene3d>
-          <a:sp3d>
-            <a:bevelT w="63500" h="25400"/>
-          </a:sp3d>
-        </a:effectStyle>
-      </a:effectStyleLst>
-      <a:bgFillStyleLst>
-        <a:solidFill>
-          <a:schemeClr val="phClr"/>
-        </a:solidFill>
-        <a:gradFill rotWithShape="1">
-          <a:gsLst>
-            <a:gs pos="0">
-              <a:schemeClr val="phClr">
-                <a:tint val="40000"/>
-                <a:satMod val="350000"/>
-              </a:schemeClr>
-            </a:gs>
-            <a:gs pos="40000">
-              <a:schemeClr val="phClr">
-                <a:tint val="45000"/>
-                <a:shade val="99000"/>
-                <a:satMod val="350000"/>
-              </a:schemeClr>
-            </a:gs>
-            <a:gs pos="100000">
-              <a:schemeClr val="phClr">
-                <a:shade val="20000"/>
-                <a:satMod val="255000"/>
-              </a:schemeClr>
-            </a:gs>
-          </a:gsLst>
-          <a:path path="circle">
-            <a:fillToRect l="50000" t="-80000" r="50000" b="180000"/>
-          </a:path>
-        </a:gradFill>
-        <a:gradFill rotWithShape="1">
-          <a:gsLst>
-            <a:gs pos="0">
-              <a:schemeClr val="phClr">
-                <a:tint val="80000"/>
-                <a:satMod val="300000"/>
-              </a:schemeClr>
-            </a:gs>
-            <a:gs pos="100000">
-              <a:schemeClr val="phClr">
-                <a:shade val="30000"/>
-                <a:satMod val="200000"/>
-              </a:schemeClr>
-            </a:gs>
-          </a:gsLst>
-          <a:path path="circle">
-            <a:fillToRect l="50000" t="50000" r="50000" b="50000"/>
-          </a:path>
-        </a:gradFill>
-      </a:bgFillStyleLst>
-    </a:fmtScheme>
-  </a:themeElements>
-</a:theme>
 </file>